--- a/materials/images_hochformat.pptx
+++ b/materials/images_hochformat.pptx
@@ -2,18 +2,19 @@
 <file path=ppt/presentation.xml><?xml version="1.0" encoding="utf-8"?>
 <p:presentation xmlns:a="http://schemas.openxmlformats.org/drawingml/2006/main" xmlns:r="http://schemas.openxmlformats.org/officeDocument/2006/relationships" xmlns:p="http://schemas.openxmlformats.org/presentationml/2006/main" saveSubsetFonts="1">
   <p:sldMasterIdLst>
-    <p:sldMasterId id="2147483648" r:id="rId1"/>
+    <p:sldMasterId id="2147483660" r:id="rId1"/>
   </p:sldMasterIdLst>
   <p:sldIdLst>
     <p:sldId id="256" r:id="rId2"/>
+    <p:sldId id="257" r:id="rId3"/>
   </p:sldIdLst>
-  <p:sldSz cx="9601200" cy="12801600" type="A3"/>
+  <p:sldSz cx="27000200" cy="34199513"/>
   <p:notesSz cx="6858000" cy="9144000"/>
   <p:defaultTextStyle>
     <a:defPPr>
-      <a:defRPr lang="de-DE"/>
+      <a:defRPr lang="en-US"/>
     </a:defPPr>
-    <a:lvl1pPr marL="0" algn="l" defTabSz="914400" rtl="0" eaLnBrk="1" latinLnBrk="0" hangingPunct="1">
+    <a:lvl1pPr marL="0" algn="l" defTabSz="457200" rtl="0" eaLnBrk="1" latinLnBrk="0" hangingPunct="1">
       <a:defRPr sz="1800" kern="1200">
         <a:solidFill>
           <a:schemeClr val="tx1"/>
@@ -23,7 +24,7 @@
         <a:cs typeface="+mn-cs"/>
       </a:defRPr>
     </a:lvl1pPr>
-    <a:lvl2pPr marL="457200" algn="l" defTabSz="914400" rtl="0" eaLnBrk="1" latinLnBrk="0" hangingPunct="1">
+    <a:lvl2pPr marL="457200" algn="l" defTabSz="457200" rtl="0" eaLnBrk="1" latinLnBrk="0" hangingPunct="1">
       <a:defRPr sz="1800" kern="1200">
         <a:solidFill>
           <a:schemeClr val="tx1"/>
@@ -33,7 +34,7 @@
         <a:cs typeface="+mn-cs"/>
       </a:defRPr>
     </a:lvl2pPr>
-    <a:lvl3pPr marL="914400" algn="l" defTabSz="914400" rtl="0" eaLnBrk="1" latinLnBrk="0" hangingPunct="1">
+    <a:lvl3pPr marL="914400" algn="l" defTabSz="457200" rtl="0" eaLnBrk="1" latinLnBrk="0" hangingPunct="1">
       <a:defRPr sz="1800" kern="1200">
         <a:solidFill>
           <a:schemeClr val="tx1"/>
@@ -43,7 +44,7 @@
         <a:cs typeface="+mn-cs"/>
       </a:defRPr>
     </a:lvl3pPr>
-    <a:lvl4pPr marL="1371600" algn="l" defTabSz="914400" rtl="0" eaLnBrk="1" latinLnBrk="0" hangingPunct="1">
+    <a:lvl4pPr marL="1371600" algn="l" defTabSz="457200" rtl="0" eaLnBrk="1" latinLnBrk="0" hangingPunct="1">
       <a:defRPr sz="1800" kern="1200">
         <a:solidFill>
           <a:schemeClr val="tx1"/>
@@ -53,7 +54,7 @@
         <a:cs typeface="+mn-cs"/>
       </a:defRPr>
     </a:lvl4pPr>
-    <a:lvl5pPr marL="1828800" algn="l" defTabSz="914400" rtl="0" eaLnBrk="1" latinLnBrk="0" hangingPunct="1">
+    <a:lvl5pPr marL="1828800" algn="l" defTabSz="457200" rtl="0" eaLnBrk="1" latinLnBrk="0" hangingPunct="1">
       <a:defRPr sz="1800" kern="1200">
         <a:solidFill>
           <a:schemeClr val="tx1"/>
@@ -63,7 +64,7 @@
         <a:cs typeface="+mn-cs"/>
       </a:defRPr>
     </a:lvl5pPr>
-    <a:lvl6pPr marL="2286000" algn="l" defTabSz="914400" rtl="0" eaLnBrk="1" latinLnBrk="0" hangingPunct="1">
+    <a:lvl6pPr marL="2286000" algn="l" defTabSz="457200" rtl="0" eaLnBrk="1" latinLnBrk="0" hangingPunct="1">
       <a:defRPr sz="1800" kern="1200">
         <a:solidFill>
           <a:schemeClr val="tx1"/>
@@ -73,7 +74,7 @@
         <a:cs typeface="+mn-cs"/>
       </a:defRPr>
     </a:lvl6pPr>
-    <a:lvl7pPr marL="2743200" algn="l" defTabSz="914400" rtl="0" eaLnBrk="1" latinLnBrk="0" hangingPunct="1">
+    <a:lvl7pPr marL="2743200" algn="l" defTabSz="457200" rtl="0" eaLnBrk="1" latinLnBrk="0" hangingPunct="1">
       <a:defRPr sz="1800" kern="1200">
         <a:solidFill>
           <a:schemeClr val="tx1"/>
@@ -83,7 +84,7 @@
         <a:cs typeface="+mn-cs"/>
       </a:defRPr>
     </a:lvl7pPr>
-    <a:lvl8pPr marL="3200400" algn="l" defTabSz="914400" rtl="0" eaLnBrk="1" latinLnBrk="0" hangingPunct="1">
+    <a:lvl8pPr marL="3200400" algn="l" defTabSz="457200" rtl="0" eaLnBrk="1" latinLnBrk="0" hangingPunct="1">
       <a:defRPr sz="1800" kern="1200">
         <a:solidFill>
           <a:schemeClr val="tx1"/>
@@ -93,7 +94,7 @@
         <a:cs typeface="+mn-cs"/>
       </a:defRPr>
     </a:lvl8pPr>
-    <a:lvl9pPr marL="3657600" algn="l" defTabSz="914400" rtl="0" eaLnBrk="1" latinLnBrk="0" hangingPunct="1">
+    <a:lvl9pPr marL="3657600" algn="l" defTabSz="457200" rtl="0" eaLnBrk="1" latinLnBrk="0" hangingPunct="1">
       <a:defRPr sz="1800" kern="1200">
         <a:solidFill>
           <a:schemeClr val="tx1"/>
@@ -131,13 +132,7 @@
       </p:grpSpPr>
       <p:sp>
         <p:nvSpPr>
-          <p:cNvPr id="2" name="Titel 1">
-            <a:extLst>
-              <a:ext uri="{FF2B5EF4-FFF2-40B4-BE49-F238E27FC236}">
-                <a16:creationId xmlns:a16="http://schemas.microsoft.com/office/drawing/2014/main" id="{2223CAAF-E6AD-435B-B808-559EAD549F2B}"/>
-              </a:ext>
-            </a:extLst>
-          </p:cNvPr>
+          <p:cNvPr id="2" name="Title 1"/>
           <p:cNvSpPr>
             <a:spLocks noGrp="1"/>
           </p:cNvSpPr>
@@ -147,15 +142,15 @@
         </p:nvSpPr>
         <p:spPr>
           <a:xfrm>
-            <a:off x="1200150" y="2095078"/>
-            <a:ext cx="7200900" cy="4456853"/>
+            <a:off x="2025015" y="5597006"/>
+            <a:ext cx="22950170" cy="11906497"/>
           </a:xfrm>
         </p:spPr>
         <p:txBody>
           <a:bodyPr anchor="b"/>
           <a:lstStyle>
             <a:lvl1pPr algn="ctr">
-              <a:defRPr sz="11200"/>
+              <a:defRPr sz="17717"/>
             </a:lvl1pPr>
           </a:lstStyle>
           <a:p>
@@ -163,18 +158,13 @@
               <a:rPr lang="de-DE"/>
               <a:t>Mastertitelformat bearbeiten</a:t>
             </a:r>
-          </a:p>
-        </p:txBody>
-      </p:sp>
-      <p:sp>
-        <p:nvSpPr>
-          <p:cNvPr id="3" name="Untertitel 2">
-            <a:extLst>
-              <a:ext uri="{FF2B5EF4-FFF2-40B4-BE49-F238E27FC236}">
-                <a16:creationId xmlns:a16="http://schemas.microsoft.com/office/drawing/2014/main" id="{B2E7CCBE-7456-4311-9852-61C97AD677D6}"/>
-              </a:ext>
-            </a:extLst>
-          </p:cNvPr>
+            <a:endParaRPr lang="en-US" dirty="0"/>
+          </a:p>
+        </p:txBody>
+      </p:sp>
+      <p:sp>
+        <p:nvSpPr>
+          <p:cNvPr id="3" name="Subtitle 2"/>
           <p:cNvSpPr>
             <a:spLocks noGrp="1"/>
           </p:cNvSpPr>
@@ -184,8 +174,8 @@
         </p:nvSpPr>
         <p:spPr>
           <a:xfrm>
-            <a:off x="1200150" y="6723804"/>
-            <a:ext cx="7200900" cy="3090756"/>
+            <a:off x="3375025" y="17962664"/>
+            <a:ext cx="20250150" cy="8256963"/>
           </a:xfrm>
         </p:spPr>
         <p:txBody>
@@ -193,39 +183,39 @@
           <a:lstStyle>
             <a:lvl1pPr marL="0" indent="0" algn="ctr">
               <a:buNone/>
-              <a:defRPr sz="4480"/>
+              <a:defRPr sz="7087"/>
             </a:lvl1pPr>
-            <a:lvl2pPr marL="853455" indent="0" algn="ctr">
+            <a:lvl2pPr marL="1350020" indent="0" algn="ctr">
               <a:buNone/>
-              <a:defRPr sz="3733"/>
+              <a:defRPr sz="5906"/>
             </a:lvl2pPr>
-            <a:lvl3pPr marL="1706910" indent="0" algn="ctr">
+            <a:lvl3pPr marL="2700040" indent="0" algn="ctr">
               <a:buNone/>
-              <a:defRPr sz="3360"/>
+              <a:defRPr sz="5315"/>
             </a:lvl3pPr>
-            <a:lvl4pPr marL="2560366" indent="0" algn="ctr">
+            <a:lvl4pPr marL="4050060" indent="0" algn="ctr">
               <a:buNone/>
-              <a:defRPr sz="2987"/>
+              <a:defRPr sz="4724"/>
             </a:lvl4pPr>
-            <a:lvl5pPr marL="3413821" indent="0" algn="ctr">
+            <a:lvl5pPr marL="5400081" indent="0" algn="ctr">
               <a:buNone/>
-              <a:defRPr sz="2987"/>
+              <a:defRPr sz="4724"/>
             </a:lvl5pPr>
-            <a:lvl6pPr marL="4267276" indent="0" algn="ctr">
+            <a:lvl6pPr marL="6750101" indent="0" algn="ctr">
               <a:buNone/>
-              <a:defRPr sz="2987"/>
+              <a:defRPr sz="4724"/>
             </a:lvl6pPr>
-            <a:lvl7pPr marL="5120731" indent="0" algn="ctr">
+            <a:lvl7pPr marL="8100121" indent="0" algn="ctr">
               <a:buNone/>
-              <a:defRPr sz="2987"/>
+              <a:defRPr sz="4724"/>
             </a:lvl7pPr>
-            <a:lvl8pPr marL="5974187" indent="0" algn="ctr">
+            <a:lvl8pPr marL="9450141" indent="0" algn="ctr">
               <a:buNone/>
-              <a:defRPr sz="2987"/>
+              <a:defRPr sz="4724"/>
             </a:lvl8pPr>
-            <a:lvl9pPr marL="6827642" indent="0" algn="ctr">
+            <a:lvl9pPr marL="10800161" indent="0" algn="ctr">
               <a:buNone/>
-              <a:defRPr sz="2987"/>
+              <a:defRPr sz="4724"/>
             </a:lvl9pPr>
           </a:lstStyle>
           <a:p>
@@ -233,18 +223,13 @@
               <a:rPr lang="de-DE"/>
               <a:t>Master-Untertitelformat bearbeiten</a:t>
             </a:r>
-          </a:p>
-        </p:txBody>
-      </p:sp>
-      <p:sp>
-        <p:nvSpPr>
-          <p:cNvPr id="4" name="Datumsplatzhalter 3">
-            <a:extLst>
-              <a:ext uri="{FF2B5EF4-FFF2-40B4-BE49-F238E27FC236}">
-                <a16:creationId xmlns:a16="http://schemas.microsoft.com/office/drawing/2014/main" id="{2CF3ADA8-51A2-41C0-9245-424AAF490E54}"/>
-              </a:ext>
-            </a:extLst>
-          </p:cNvPr>
+            <a:endParaRPr lang="en-US" dirty="0"/>
+          </a:p>
+        </p:txBody>
+      </p:sp>
+      <p:sp>
+        <p:nvSpPr>
+          <p:cNvPr id="4" name="Date Placeholder 3"/>
           <p:cNvSpPr>
             <a:spLocks noGrp="1"/>
           </p:cNvSpPr>
@@ -259,7 +244,7 @@
           <a:p>
             <a:fld id="{F39F49B5-785A-44C4-99F0-898FF83CD003}" type="datetimeFigureOut">
               <a:rPr lang="de-DE" smtClean="0"/>
-              <a:t>12.04.2023</a:t>
+              <a:t>17.04.2023</a:t>
             </a:fld>
             <a:endParaRPr lang="de-DE"/>
           </a:p>
@@ -267,13 +252,7 @@
       </p:sp>
       <p:sp>
         <p:nvSpPr>
-          <p:cNvPr id="5" name="Fußzeilenplatzhalter 4">
-            <a:extLst>
-              <a:ext uri="{FF2B5EF4-FFF2-40B4-BE49-F238E27FC236}">
-                <a16:creationId xmlns:a16="http://schemas.microsoft.com/office/drawing/2014/main" id="{9B010631-C6B2-4558-8A07-9AC94B434C5D}"/>
-              </a:ext>
-            </a:extLst>
-          </p:cNvPr>
+          <p:cNvPr id="5" name="Footer Placeholder 4"/>
           <p:cNvSpPr>
             <a:spLocks noGrp="1"/>
           </p:cNvSpPr>
@@ -292,13 +271,7 @@
       </p:sp>
       <p:sp>
         <p:nvSpPr>
-          <p:cNvPr id="6" name="Foliennummernplatzhalter 5">
-            <a:extLst>
-              <a:ext uri="{FF2B5EF4-FFF2-40B4-BE49-F238E27FC236}">
-                <a16:creationId xmlns:a16="http://schemas.microsoft.com/office/drawing/2014/main" id="{DD94EF10-86F2-44C6-8581-6A866F90305D}"/>
-              </a:ext>
-            </a:extLst>
-          </p:cNvPr>
+          <p:cNvPr id="6" name="Slide Number Placeholder 5"/>
           <p:cNvSpPr>
             <a:spLocks noGrp="1"/>
           </p:cNvSpPr>
@@ -322,7 +295,7 @@
     </p:spTree>
     <p:extLst>
       <p:ext uri="{BB962C8B-B14F-4D97-AF65-F5344CB8AC3E}">
-        <p14:creationId xmlns:p14="http://schemas.microsoft.com/office/powerpoint/2010/main" val="2609810173"/>
+        <p14:creationId xmlns:p14="http://schemas.microsoft.com/office/powerpoint/2010/main" val="954474733"/>
       </p:ext>
     </p:extLst>
   </p:cSld>
@@ -351,13 +324,7 @@
       </p:grpSpPr>
       <p:sp>
         <p:nvSpPr>
-          <p:cNvPr id="2" name="Titel 1">
-            <a:extLst>
-              <a:ext uri="{FF2B5EF4-FFF2-40B4-BE49-F238E27FC236}">
-                <a16:creationId xmlns:a16="http://schemas.microsoft.com/office/drawing/2014/main" id="{876AE1D7-EEAF-4B2A-8DF1-08D23D3798E7}"/>
-              </a:ext>
-            </a:extLst>
-          </p:cNvPr>
+          <p:cNvPr id="2" name="Title 1"/>
           <p:cNvSpPr>
             <a:spLocks noGrp="1"/>
           </p:cNvSpPr>
@@ -374,18 +341,13 @@
               <a:rPr lang="de-DE"/>
               <a:t>Mastertitelformat bearbeiten</a:t>
             </a:r>
-          </a:p>
-        </p:txBody>
-      </p:sp>
-      <p:sp>
-        <p:nvSpPr>
-          <p:cNvPr id="3" name="Vertikaler Textplatzhalter 2">
-            <a:extLst>
-              <a:ext uri="{FF2B5EF4-FFF2-40B4-BE49-F238E27FC236}">
-                <a16:creationId xmlns:a16="http://schemas.microsoft.com/office/drawing/2014/main" id="{856835BD-B96B-4435-B291-9AECAFD917E0}"/>
-              </a:ext>
-            </a:extLst>
-          </p:cNvPr>
+            <a:endParaRPr lang="en-US" dirty="0"/>
+          </a:p>
+        </p:txBody>
+      </p:sp>
+      <p:sp>
+        <p:nvSpPr>
+          <p:cNvPr id="3" name="Vertical Text Placeholder 2"/>
           <p:cNvSpPr>
             <a:spLocks noGrp="1"/>
           </p:cNvSpPr>
@@ -431,18 +393,13 @@
               <a:rPr lang="de-DE"/>
               <a:t>Fünfte Ebene</a:t>
             </a:r>
-          </a:p>
-        </p:txBody>
-      </p:sp>
-      <p:sp>
-        <p:nvSpPr>
-          <p:cNvPr id="4" name="Datumsplatzhalter 3">
-            <a:extLst>
-              <a:ext uri="{FF2B5EF4-FFF2-40B4-BE49-F238E27FC236}">
-                <a16:creationId xmlns:a16="http://schemas.microsoft.com/office/drawing/2014/main" id="{A6C0B58C-F3BC-418F-9A34-56EC0CEBCA0A}"/>
-              </a:ext>
-            </a:extLst>
-          </p:cNvPr>
+            <a:endParaRPr lang="en-US" dirty="0"/>
+          </a:p>
+        </p:txBody>
+      </p:sp>
+      <p:sp>
+        <p:nvSpPr>
+          <p:cNvPr id="4" name="Date Placeholder 3"/>
           <p:cNvSpPr>
             <a:spLocks noGrp="1"/>
           </p:cNvSpPr>
@@ -457,7 +414,7 @@
           <a:p>
             <a:fld id="{F39F49B5-785A-44C4-99F0-898FF83CD003}" type="datetimeFigureOut">
               <a:rPr lang="de-DE" smtClean="0"/>
-              <a:t>12.04.2023</a:t>
+              <a:t>17.04.2023</a:t>
             </a:fld>
             <a:endParaRPr lang="de-DE"/>
           </a:p>
@@ -465,13 +422,7 @@
       </p:sp>
       <p:sp>
         <p:nvSpPr>
-          <p:cNvPr id="5" name="Fußzeilenplatzhalter 4">
-            <a:extLst>
-              <a:ext uri="{FF2B5EF4-FFF2-40B4-BE49-F238E27FC236}">
-                <a16:creationId xmlns:a16="http://schemas.microsoft.com/office/drawing/2014/main" id="{DD984FE5-C413-44B1-A61A-7EEE2A09E1A6}"/>
-              </a:ext>
-            </a:extLst>
-          </p:cNvPr>
+          <p:cNvPr id="5" name="Footer Placeholder 4"/>
           <p:cNvSpPr>
             <a:spLocks noGrp="1"/>
           </p:cNvSpPr>
@@ -490,13 +441,7 @@
       </p:sp>
       <p:sp>
         <p:nvSpPr>
-          <p:cNvPr id="6" name="Foliennummernplatzhalter 5">
-            <a:extLst>
-              <a:ext uri="{FF2B5EF4-FFF2-40B4-BE49-F238E27FC236}">
-                <a16:creationId xmlns:a16="http://schemas.microsoft.com/office/drawing/2014/main" id="{B8F9C828-5E6A-4782-A916-C6887789B991}"/>
-              </a:ext>
-            </a:extLst>
-          </p:cNvPr>
+          <p:cNvPr id="6" name="Slide Number Placeholder 5"/>
           <p:cNvSpPr>
             <a:spLocks noGrp="1"/>
           </p:cNvSpPr>
@@ -520,7 +465,7 @@
     </p:spTree>
     <p:extLst>
       <p:ext uri="{BB962C8B-B14F-4D97-AF65-F5344CB8AC3E}">
-        <p14:creationId xmlns:p14="http://schemas.microsoft.com/office/powerpoint/2010/main" val="1637449440"/>
+        <p14:creationId xmlns:p14="http://schemas.microsoft.com/office/powerpoint/2010/main" val="1051725806"/>
       </p:ext>
     </p:extLst>
   </p:cSld>
@@ -549,13 +494,7 @@
       </p:grpSpPr>
       <p:sp>
         <p:nvSpPr>
-          <p:cNvPr id="2" name="Vertikaler Titel 1">
-            <a:extLst>
-              <a:ext uri="{FF2B5EF4-FFF2-40B4-BE49-F238E27FC236}">
-                <a16:creationId xmlns:a16="http://schemas.microsoft.com/office/drawing/2014/main" id="{5089EB69-FB0A-4E69-B9BC-82C0ECC764DF}"/>
-              </a:ext>
-            </a:extLst>
-          </p:cNvPr>
+          <p:cNvPr id="2" name="Vertical Title 1"/>
           <p:cNvSpPr>
             <a:spLocks noGrp="1"/>
           </p:cNvSpPr>
@@ -565,8 +504,8 @@
         </p:nvSpPr>
         <p:spPr>
           <a:xfrm>
-            <a:off x="6870859" y="681567"/>
-            <a:ext cx="2070259" cy="10848764"/>
+            <a:off x="19322020" y="1820808"/>
+            <a:ext cx="5821918" cy="28982506"/>
           </a:xfrm>
         </p:spPr>
         <p:txBody>
@@ -577,18 +516,13 @@
               <a:rPr lang="de-DE"/>
               <a:t>Mastertitelformat bearbeiten</a:t>
             </a:r>
-          </a:p>
-        </p:txBody>
-      </p:sp>
-      <p:sp>
-        <p:nvSpPr>
-          <p:cNvPr id="3" name="Vertikaler Textplatzhalter 2">
-            <a:extLst>
-              <a:ext uri="{FF2B5EF4-FFF2-40B4-BE49-F238E27FC236}">
-                <a16:creationId xmlns:a16="http://schemas.microsoft.com/office/drawing/2014/main" id="{9C457ED4-318C-4A97-9C73-7225001DCB1C}"/>
-              </a:ext>
-            </a:extLst>
-          </p:cNvPr>
+            <a:endParaRPr lang="en-US" dirty="0"/>
+          </a:p>
+        </p:txBody>
+      </p:sp>
+      <p:sp>
+        <p:nvSpPr>
+          <p:cNvPr id="3" name="Vertical Text Placeholder 2"/>
           <p:cNvSpPr>
             <a:spLocks noGrp="1"/>
           </p:cNvSpPr>
@@ -598,8 +532,8 @@
         </p:nvSpPr>
         <p:spPr>
           <a:xfrm>
-            <a:off x="660083" y="681567"/>
-            <a:ext cx="6090761" cy="10848764"/>
+            <a:off x="1856265" y="1820808"/>
+            <a:ext cx="17128252" cy="28982506"/>
           </a:xfrm>
         </p:spPr>
         <p:txBody>
@@ -639,18 +573,13 @@
               <a:rPr lang="de-DE"/>
               <a:t>Fünfte Ebene</a:t>
             </a:r>
-          </a:p>
-        </p:txBody>
-      </p:sp>
-      <p:sp>
-        <p:nvSpPr>
-          <p:cNvPr id="4" name="Datumsplatzhalter 3">
-            <a:extLst>
-              <a:ext uri="{FF2B5EF4-FFF2-40B4-BE49-F238E27FC236}">
-                <a16:creationId xmlns:a16="http://schemas.microsoft.com/office/drawing/2014/main" id="{9EDA0B39-89FF-45F4-8E9F-DC728D1CFA35}"/>
-              </a:ext>
-            </a:extLst>
-          </p:cNvPr>
+            <a:endParaRPr lang="en-US" dirty="0"/>
+          </a:p>
+        </p:txBody>
+      </p:sp>
+      <p:sp>
+        <p:nvSpPr>
+          <p:cNvPr id="4" name="Date Placeholder 3"/>
           <p:cNvSpPr>
             <a:spLocks noGrp="1"/>
           </p:cNvSpPr>
@@ -665,7 +594,7 @@
           <a:p>
             <a:fld id="{F39F49B5-785A-44C4-99F0-898FF83CD003}" type="datetimeFigureOut">
               <a:rPr lang="de-DE" smtClean="0"/>
-              <a:t>12.04.2023</a:t>
+              <a:t>17.04.2023</a:t>
             </a:fld>
             <a:endParaRPr lang="de-DE"/>
           </a:p>
@@ -673,13 +602,7 @@
       </p:sp>
       <p:sp>
         <p:nvSpPr>
-          <p:cNvPr id="5" name="Fußzeilenplatzhalter 4">
-            <a:extLst>
-              <a:ext uri="{FF2B5EF4-FFF2-40B4-BE49-F238E27FC236}">
-                <a16:creationId xmlns:a16="http://schemas.microsoft.com/office/drawing/2014/main" id="{9CC50501-C0F8-4A37-B68A-B3AB3C9DAB2C}"/>
-              </a:ext>
-            </a:extLst>
-          </p:cNvPr>
+          <p:cNvPr id="5" name="Footer Placeholder 4"/>
           <p:cNvSpPr>
             <a:spLocks noGrp="1"/>
           </p:cNvSpPr>
@@ -698,13 +621,7 @@
       </p:sp>
       <p:sp>
         <p:nvSpPr>
-          <p:cNvPr id="6" name="Foliennummernplatzhalter 5">
-            <a:extLst>
-              <a:ext uri="{FF2B5EF4-FFF2-40B4-BE49-F238E27FC236}">
-                <a16:creationId xmlns:a16="http://schemas.microsoft.com/office/drawing/2014/main" id="{5D38CE53-39A9-444E-B805-93BECC00B8BA}"/>
-              </a:ext>
-            </a:extLst>
-          </p:cNvPr>
+          <p:cNvPr id="6" name="Slide Number Placeholder 5"/>
           <p:cNvSpPr>
             <a:spLocks noGrp="1"/>
           </p:cNvSpPr>
@@ -728,7 +645,7 @@
     </p:spTree>
     <p:extLst>
       <p:ext uri="{BB962C8B-B14F-4D97-AF65-F5344CB8AC3E}">
-        <p14:creationId xmlns:p14="http://schemas.microsoft.com/office/powerpoint/2010/main" val="4025584375"/>
+        <p14:creationId xmlns:p14="http://schemas.microsoft.com/office/powerpoint/2010/main" val="386939350"/>
       </p:ext>
     </p:extLst>
   </p:cSld>
@@ -757,13 +674,7 @@
       </p:grpSpPr>
       <p:sp>
         <p:nvSpPr>
-          <p:cNvPr id="2" name="Titel 1">
-            <a:extLst>
-              <a:ext uri="{FF2B5EF4-FFF2-40B4-BE49-F238E27FC236}">
-                <a16:creationId xmlns:a16="http://schemas.microsoft.com/office/drawing/2014/main" id="{BCA663F8-AA94-452E-861B-C27A334FBAFE}"/>
-              </a:ext>
-            </a:extLst>
-          </p:cNvPr>
+          <p:cNvPr id="2" name="Title 1"/>
           <p:cNvSpPr>
             <a:spLocks noGrp="1"/>
           </p:cNvSpPr>
@@ -780,18 +691,13 @@
               <a:rPr lang="de-DE"/>
               <a:t>Mastertitelformat bearbeiten</a:t>
             </a:r>
-          </a:p>
-        </p:txBody>
-      </p:sp>
-      <p:sp>
-        <p:nvSpPr>
-          <p:cNvPr id="3" name="Inhaltsplatzhalter 2">
-            <a:extLst>
-              <a:ext uri="{FF2B5EF4-FFF2-40B4-BE49-F238E27FC236}">
-                <a16:creationId xmlns:a16="http://schemas.microsoft.com/office/drawing/2014/main" id="{00AE8F69-03DF-4AB0-9A05-20D4878E13DA}"/>
-              </a:ext>
-            </a:extLst>
-          </p:cNvPr>
+            <a:endParaRPr lang="en-US" dirty="0"/>
+          </a:p>
+        </p:txBody>
+      </p:sp>
+      <p:sp>
+        <p:nvSpPr>
+          <p:cNvPr id="3" name="Content Placeholder 2"/>
           <p:cNvSpPr>
             <a:spLocks noGrp="1"/>
           </p:cNvSpPr>
@@ -837,18 +743,13 @@
               <a:rPr lang="de-DE"/>
               <a:t>Fünfte Ebene</a:t>
             </a:r>
-          </a:p>
-        </p:txBody>
-      </p:sp>
-      <p:sp>
-        <p:nvSpPr>
-          <p:cNvPr id="4" name="Datumsplatzhalter 3">
-            <a:extLst>
-              <a:ext uri="{FF2B5EF4-FFF2-40B4-BE49-F238E27FC236}">
-                <a16:creationId xmlns:a16="http://schemas.microsoft.com/office/drawing/2014/main" id="{1D9509FC-CA64-4D75-8BD4-90B5948C7FDE}"/>
-              </a:ext>
-            </a:extLst>
-          </p:cNvPr>
+            <a:endParaRPr lang="en-US" dirty="0"/>
+          </a:p>
+        </p:txBody>
+      </p:sp>
+      <p:sp>
+        <p:nvSpPr>
+          <p:cNvPr id="4" name="Date Placeholder 3"/>
           <p:cNvSpPr>
             <a:spLocks noGrp="1"/>
           </p:cNvSpPr>
@@ -863,7 +764,7 @@
           <a:p>
             <a:fld id="{F39F49B5-785A-44C4-99F0-898FF83CD003}" type="datetimeFigureOut">
               <a:rPr lang="de-DE" smtClean="0"/>
-              <a:t>12.04.2023</a:t>
+              <a:t>17.04.2023</a:t>
             </a:fld>
             <a:endParaRPr lang="de-DE"/>
           </a:p>
@@ -871,13 +772,7 @@
       </p:sp>
       <p:sp>
         <p:nvSpPr>
-          <p:cNvPr id="5" name="Fußzeilenplatzhalter 4">
-            <a:extLst>
-              <a:ext uri="{FF2B5EF4-FFF2-40B4-BE49-F238E27FC236}">
-                <a16:creationId xmlns:a16="http://schemas.microsoft.com/office/drawing/2014/main" id="{30889F9E-3A2B-483B-A115-85FBBE4CAAD7}"/>
-              </a:ext>
-            </a:extLst>
-          </p:cNvPr>
+          <p:cNvPr id="5" name="Footer Placeholder 4"/>
           <p:cNvSpPr>
             <a:spLocks noGrp="1"/>
           </p:cNvSpPr>
@@ -896,13 +791,7 @@
       </p:sp>
       <p:sp>
         <p:nvSpPr>
-          <p:cNvPr id="6" name="Foliennummernplatzhalter 5">
-            <a:extLst>
-              <a:ext uri="{FF2B5EF4-FFF2-40B4-BE49-F238E27FC236}">
-                <a16:creationId xmlns:a16="http://schemas.microsoft.com/office/drawing/2014/main" id="{7FF2C77F-872F-4CCC-BF8F-DF789AE4FEB5}"/>
-              </a:ext>
-            </a:extLst>
-          </p:cNvPr>
+          <p:cNvPr id="6" name="Slide Number Placeholder 5"/>
           <p:cNvSpPr>
             <a:spLocks noGrp="1"/>
           </p:cNvSpPr>
@@ -926,7 +815,7 @@
     </p:spTree>
     <p:extLst>
       <p:ext uri="{BB962C8B-B14F-4D97-AF65-F5344CB8AC3E}">
-        <p14:creationId xmlns:p14="http://schemas.microsoft.com/office/powerpoint/2010/main" val="4215550667"/>
+        <p14:creationId xmlns:p14="http://schemas.microsoft.com/office/powerpoint/2010/main" val="1157815850"/>
       </p:ext>
     </p:extLst>
   </p:cSld>
@@ -955,13 +844,7 @@
       </p:grpSpPr>
       <p:sp>
         <p:nvSpPr>
-          <p:cNvPr id="2" name="Titel 1">
-            <a:extLst>
-              <a:ext uri="{FF2B5EF4-FFF2-40B4-BE49-F238E27FC236}">
-                <a16:creationId xmlns:a16="http://schemas.microsoft.com/office/drawing/2014/main" id="{69C68CFE-3028-412C-96D8-371BFC3CF7C0}"/>
-              </a:ext>
-            </a:extLst>
-          </p:cNvPr>
+          <p:cNvPr id="2" name="Title 1"/>
           <p:cNvSpPr>
             <a:spLocks noGrp="1"/>
           </p:cNvSpPr>
@@ -971,15 +854,15 @@
         </p:nvSpPr>
         <p:spPr>
           <a:xfrm>
-            <a:off x="655082" y="3191512"/>
-            <a:ext cx="8281035" cy="5325109"/>
+            <a:off x="1842202" y="8526139"/>
+            <a:ext cx="23287673" cy="14226045"/>
           </a:xfrm>
         </p:spPr>
         <p:txBody>
           <a:bodyPr anchor="b"/>
           <a:lstStyle>
             <a:lvl1pPr>
-              <a:defRPr sz="11200"/>
+              <a:defRPr sz="17717"/>
             </a:lvl1pPr>
           </a:lstStyle>
           <a:p>
@@ -987,18 +870,13 @@
               <a:rPr lang="de-DE"/>
               <a:t>Mastertitelformat bearbeiten</a:t>
             </a:r>
-          </a:p>
-        </p:txBody>
-      </p:sp>
-      <p:sp>
-        <p:nvSpPr>
-          <p:cNvPr id="3" name="Textplatzhalter 2">
-            <a:extLst>
-              <a:ext uri="{FF2B5EF4-FFF2-40B4-BE49-F238E27FC236}">
-                <a16:creationId xmlns:a16="http://schemas.microsoft.com/office/drawing/2014/main" id="{3DDFD36C-44E4-4BB8-8A43-446EB69A7B3E}"/>
-              </a:ext>
-            </a:extLst>
-          </p:cNvPr>
+            <a:endParaRPr lang="en-US" dirty="0"/>
+          </a:p>
+        </p:txBody>
+      </p:sp>
+      <p:sp>
+        <p:nvSpPr>
+          <p:cNvPr id="3" name="Text Placeholder 2"/>
           <p:cNvSpPr>
             <a:spLocks noGrp="1"/>
           </p:cNvSpPr>
@@ -1008,8 +886,8 @@
         </p:nvSpPr>
         <p:spPr>
           <a:xfrm>
-            <a:off x="655082" y="8566999"/>
-            <a:ext cx="8281035" cy="2800349"/>
+            <a:off x="1842202" y="22886767"/>
+            <a:ext cx="23287673" cy="7481141"/>
           </a:xfrm>
         </p:spPr>
         <p:txBody>
@@ -1017,17 +895,15 @@
           <a:lstStyle>
             <a:lvl1pPr marL="0" indent="0">
               <a:buNone/>
-              <a:defRPr sz="4480">
+              <a:defRPr sz="7087">
                 <a:solidFill>
-                  <a:schemeClr val="tx1">
-                    <a:tint val="75000"/>
-                  </a:schemeClr>
+                  <a:schemeClr val="tx1"/>
                 </a:solidFill>
               </a:defRPr>
             </a:lvl1pPr>
-            <a:lvl2pPr marL="853455" indent="0">
+            <a:lvl2pPr marL="1350020" indent="0">
               <a:buNone/>
-              <a:defRPr sz="3733">
+              <a:defRPr sz="5906">
                 <a:solidFill>
                   <a:schemeClr val="tx1">
                     <a:tint val="75000"/>
@@ -1035,9 +911,9 @@
                 </a:solidFill>
               </a:defRPr>
             </a:lvl2pPr>
-            <a:lvl3pPr marL="1706910" indent="0">
+            <a:lvl3pPr marL="2700040" indent="0">
               <a:buNone/>
-              <a:defRPr sz="3360">
+              <a:defRPr sz="5315">
                 <a:solidFill>
                   <a:schemeClr val="tx1">
                     <a:tint val="75000"/>
@@ -1045,9 +921,9 @@
                 </a:solidFill>
               </a:defRPr>
             </a:lvl3pPr>
-            <a:lvl4pPr marL="2560366" indent="0">
+            <a:lvl4pPr marL="4050060" indent="0">
               <a:buNone/>
-              <a:defRPr sz="2987">
+              <a:defRPr sz="4724">
                 <a:solidFill>
                   <a:schemeClr val="tx1">
                     <a:tint val="75000"/>
@@ -1055,9 +931,9 @@
                 </a:solidFill>
               </a:defRPr>
             </a:lvl4pPr>
-            <a:lvl5pPr marL="3413821" indent="0">
+            <a:lvl5pPr marL="5400081" indent="0">
               <a:buNone/>
-              <a:defRPr sz="2987">
+              <a:defRPr sz="4724">
                 <a:solidFill>
                   <a:schemeClr val="tx1">
                     <a:tint val="75000"/>
@@ -1065,9 +941,9 @@
                 </a:solidFill>
               </a:defRPr>
             </a:lvl5pPr>
-            <a:lvl6pPr marL="4267276" indent="0">
+            <a:lvl6pPr marL="6750101" indent="0">
               <a:buNone/>
-              <a:defRPr sz="2987">
+              <a:defRPr sz="4724">
                 <a:solidFill>
                   <a:schemeClr val="tx1">
                     <a:tint val="75000"/>
@@ -1075,9 +951,9 @@
                 </a:solidFill>
               </a:defRPr>
             </a:lvl6pPr>
-            <a:lvl7pPr marL="5120731" indent="0">
+            <a:lvl7pPr marL="8100121" indent="0">
               <a:buNone/>
-              <a:defRPr sz="2987">
+              <a:defRPr sz="4724">
                 <a:solidFill>
                   <a:schemeClr val="tx1">
                     <a:tint val="75000"/>
@@ -1085,9 +961,9 @@
                 </a:solidFill>
               </a:defRPr>
             </a:lvl7pPr>
-            <a:lvl8pPr marL="5974187" indent="0">
+            <a:lvl8pPr marL="9450141" indent="0">
               <a:buNone/>
-              <a:defRPr sz="2987">
+              <a:defRPr sz="4724">
                 <a:solidFill>
                   <a:schemeClr val="tx1">
                     <a:tint val="75000"/>
@@ -1095,9 +971,9 @@
                 </a:solidFill>
               </a:defRPr>
             </a:lvl8pPr>
-            <a:lvl9pPr marL="6827642" indent="0">
+            <a:lvl9pPr marL="10800161" indent="0">
               <a:buNone/>
-              <a:defRPr sz="2987">
+              <a:defRPr sz="4724">
                 <a:solidFill>
                   <a:schemeClr val="tx1">
                     <a:tint val="75000"/>
@@ -1117,13 +993,7 @@
       </p:sp>
       <p:sp>
         <p:nvSpPr>
-          <p:cNvPr id="4" name="Datumsplatzhalter 3">
-            <a:extLst>
-              <a:ext uri="{FF2B5EF4-FFF2-40B4-BE49-F238E27FC236}">
-                <a16:creationId xmlns:a16="http://schemas.microsoft.com/office/drawing/2014/main" id="{F9F96714-9457-4CAB-AE1B-762A0DC619EC}"/>
-              </a:ext>
-            </a:extLst>
-          </p:cNvPr>
+          <p:cNvPr id="4" name="Date Placeholder 3"/>
           <p:cNvSpPr>
             <a:spLocks noGrp="1"/>
           </p:cNvSpPr>
@@ -1138,7 +1008,7 @@
           <a:p>
             <a:fld id="{F39F49B5-785A-44C4-99F0-898FF83CD003}" type="datetimeFigureOut">
               <a:rPr lang="de-DE" smtClean="0"/>
-              <a:t>12.04.2023</a:t>
+              <a:t>17.04.2023</a:t>
             </a:fld>
             <a:endParaRPr lang="de-DE"/>
           </a:p>
@@ -1146,13 +1016,7 @@
       </p:sp>
       <p:sp>
         <p:nvSpPr>
-          <p:cNvPr id="5" name="Fußzeilenplatzhalter 4">
-            <a:extLst>
-              <a:ext uri="{FF2B5EF4-FFF2-40B4-BE49-F238E27FC236}">
-                <a16:creationId xmlns:a16="http://schemas.microsoft.com/office/drawing/2014/main" id="{73F4E695-A3C0-47A2-874E-A9A9F0559B8D}"/>
-              </a:ext>
-            </a:extLst>
-          </p:cNvPr>
+          <p:cNvPr id="5" name="Footer Placeholder 4"/>
           <p:cNvSpPr>
             <a:spLocks noGrp="1"/>
           </p:cNvSpPr>
@@ -1171,13 +1035,7 @@
       </p:sp>
       <p:sp>
         <p:nvSpPr>
-          <p:cNvPr id="6" name="Foliennummernplatzhalter 5">
-            <a:extLst>
-              <a:ext uri="{FF2B5EF4-FFF2-40B4-BE49-F238E27FC236}">
-                <a16:creationId xmlns:a16="http://schemas.microsoft.com/office/drawing/2014/main" id="{0FA1855C-EB9B-422C-9CE7-F84C39154D5D}"/>
-              </a:ext>
-            </a:extLst>
-          </p:cNvPr>
+          <p:cNvPr id="6" name="Slide Number Placeholder 5"/>
           <p:cNvSpPr>
             <a:spLocks noGrp="1"/>
           </p:cNvSpPr>
@@ -1201,7 +1059,7 @@
     </p:spTree>
     <p:extLst>
       <p:ext uri="{BB962C8B-B14F-4D97-AF65-F5344CB8AC3E}">
-        <p14:creationId xmlns:p14="http://schemas.microsoft.com/office/powerpoint/2010/main" val="4261092037"/>
+        <p14:creationId xmlns:p14="http://schemas.microsoft.com/office/powerpoint/2010/main" val="2734292792"/>
       </p:ext>
     </p:extLst>
   </p:cSld>
@@ -1230,13 +1088,7 @@
       </p:grpSpPr>
       <p:sp>
         <p:nvSpPr>
-          <p:cNvPr id="2" name="Titel 1">
-            <a:extLst>
-              <a:ext uri="{FF2B5EF4-FFF2-40B4-BE49-F238E27FC236}">
-                <a16:creationId xmlns:a16="http://schemas.microsoft.com/office/drawing/2014/main" id="{C37C9659-3B0C-4807-9642-467007269B7A}"/>
-              </a:ext>
-            </a:extLst>
-          </p:cNvPr>
+          <p:cNvPr id="2" name="Title 1"/>
           <p:cNvSpPr>
             <a:spLocks noGrp="1"/>
           </p:cNvSpPr>
@@ -1253,18 +1105,13 @@
               <a:rPr lang="de-DE"/>
               <a:t>Mastertitelformat bearbeiten</a:t>
             </a:r>
-          </a:p>
-        </p:txBody>
-      </p:sp>
-      <p:sp>
-        <p:nvSpPr>
-          <p:cNvPr id="3" name="Inhaltsplatzhalter 2">
-            <a:extLst>
-              <a:ext uri="{FF2B5EF4-FFF2-40B4-BE49-F238E27FC236}">
-                <a16:creationId xmlns:a16="http://schemas.microsoft.com/office/drawing/2014/main" id="{4F2F8356-4E18-452F-A30D-F75C646C291F}"/>
-              </a:ext>
-            </a:extLst>
-          </p:cNvPr>
+            <a:endParaRPr lang="en-US" dirty="0"/>
+          </a:p>
+        </p:txBody>
+      </p:sp>
+      <p:sp>
+        <p:nvSpPr>
+          <p:cNvPr id="3" name="Content Placeholder 2"/>
           <p:cNvSpPr>
             <a:spLocks noGrp="1"/>
           </p:cNvSpPr>
@@ -1274,8 +1121,8 @@
         </p:nvSpPr>
         <p:spPr>
           <a:xfrm>
-            <a:off x="660083" y="3407833"/>
-            <a:ext cx="4080510" cy="8122498"/>
+            <a:off x="1856264" y="9104037"/>
+            <a:ext cx="11475085" cy="21699277"/>
           </a:xfrm>
         </p:spPr>
         <p:txBody>
@@ -1315,18 +1162,13 @@
               <a:rPr lang="de-DE"/>
               <a:t>Fünfte Ebene</a:t>
             </a:r>
-          </a:p>
-        </p:txBody>
-      </p:sp>
-      <p:sp>
-        <p:nvSpPr>
-          <p:cNvPr id="4" name="Inhaltsplatzhalter 3">
-            <a:extLst>
-              <a:ext uri="{FF2B5EF4-FFF2-40B4-BE49-F238E27FC236}">
-                <a16:creationId xmlns:a16="http://schemas.microsoft.com/office/drawing/2014/main" id="{6F8CE88F-B076-4645-9034-80F7B39C8087}"/>
-              </a:ext>
-            </a:extLst>
-          </p:cNvPr>
+            <a:endParaRPr lang="en-US" dirty="0"/>
+          </a:p>
+        </p:txBody>
+      </p:sp>
+      <p:sp>
+        <p:nvSpPr>
+          <p:cNvPr id="4" name="Content Placeholder 3"/>
           <p:cNvSpPr>
             <a:spLocks noGrp="1"/>
           </p:cNvSpPr>
@@ -1336,8 +1178,8 @@
         </p:nvSpPr>
         <p:spPr>
           <a:xfrm>
-            <a:off x="4860608" y="3407833"/>
-            <a:ext cx="4080510" cy="8122498"/>
+            <a:off x="13668851" y="9104037"/>
+            <a:ext cx="11475085" cy="21699277"/>
           </a:xfrm>
         </p:spPr>
         <p:txBody>
@@ -1377,18 +1219,13 @@
               <a:rPr lang="de-DE"/>
               <a:t>Fünfte Ebene</a:t>
             </a:r>
-          </a:p>
-        </p:txBody>
-      </p:sp>
-      <p:sp>
-        <p:nvSpPr>
-          <p:cNvPr id="5" name="Datumsplatzhalter 4">
-            <a:extLst>
-              <a:ext uri="{FF2B5EF4-FFF2-40B4-BE49-F238E27FC236}">
-                <a16:creationId xmlns:a16="http://schemas.microsoft.com/office/drawing/2014/main" id="{B80EC2FC-8F7A-45FD-977D-70548F3BC424}"/>
-              </a:ext>
-            </a:extLst>
-          </p:cNvPr>
+            <a:endParaRPr lang="en-US" dirty="0"/>
+          </a:p>
+        </p:txBody>
+      </p:sp>
+      <p:sp>
+        <p:nvSpPr>
+          <p:cNvPr id="5" name="Date Placeholder 4"/>
           <p:cNvSpPr>
             <a:spLocks noGrp="1"/>
           </p:cNvSpPr>
@@ -1403,7 +1240,7 @@
           <a:p>
             <a:fld id="{F39F49B5-785A-44C4-99F0-898FF83CD003}" type="datetimeFigureOut">
               <a:rPr lang="de-DE" smtClean="0"/>
-              <a:t>12.04.2023</a:t>
+              <a:t>17.04.2023</a:t>
             </a:fld>
             <a:endParaRPr lang="de-DE"/>
           </a:p>
@@ -1411,13 +1248,7 @@
       </p:sp>
       <p:sp>
         <p:nvSpPr>
-          <p:cNvPr id="6" name="Fußzeilenplatzhalter 5">
-            <a:extLst>
-              <a:ext uri="{FF2B5EF4-FFF2-40B4-BE49-F238E27FC236}">
-                <a16:creationId xmlns:a16="http://schemas.microsoft.com/office/drawing/2014/main" id="{6F6C25E4-ABDF-45F6-9294-172D087FC7E5}"/>
-              </a:ext>
-            </a:extLst>
-          </p:cNvPr>
+          <p:cNvPr id="6" name="Footer Placeholder 5"/>
           <p:cNvSpPr>
             <a:spLocks noGrp="1"/>
           </p:cNvSpPr>
@@ -1436,13 +1267,7 @@
       </p:sp>
       <p:sp>
         <p:nvSpPr>
-          <p:cNvPr id="7" name="Foliennummernplatzhalter 6">
-            <a:extLst>
-              <a:ext uri="{FF2B5EF4-FFF2-40B4-BE49-F238E27FC236}">
-                <a16:creationId xmlns:a16="http://schemas.microsoft.com/office/drawing/2014/main" id="{63CC4DF4-06EE-4A22-B242-8DE29E01FF7B}"/>
-              </a:ext>
-            </a:extLst>
-          </p:cNvPr>
+          <p:cNvPr id="7" name="Slide Number Placeholder 6"/>
           <p:cNvSpPr>
             <a:spLocks noGrp="1"/>
           </p:cNvSpPr>
@@ -1466,7 +1291,7 @@
     </p:spTree>
     <p:extLst>
       <p:ext uri="{BB962C8B-B14F-4D97-AF65-F5344CB8AC3E}">
-        <p14:creationId xmlns:p14="http://schemas.microsoft.com/office/powerpoint/2010/main" val="1688569312"/>
+        <p14:creationId xmlns:p14="http://schemas.microsoft.com/office/powerpoint/2010/main" val="1191342117"/>
       </p:ext>
     </p:extLst>
   </p:cSld>
@@ -1495,13 +1320,7 @@
       </p:grpSpPr>
       <p:sp>
         <p:nvSpPr>
-          <p:cNvPr id="2" name="Titel 1">
-            <a:extLst>
-              <a:ext uri="{FF2B5EF4-FFF2-40B4-BE49-F238E27FC236}">
-                <a16:creationId xmlns:a16="http://schemas.microsoft.com/office/drawing/2014/main" id="{945347BC-96E5-4E39-AF90-588EDC8F8DFB}"/>
-              </a:ext>
-            </a:extLst>
-          </p:cNvPr>
+          <p:cNvPr id="2" name="Title 1"/>
           <p:cNvSpPr>
             <a:spLocks noGrp="1"/>
           </p:cNvSpPr>
@@ -1511,8 +1330,8 @@
         </p:nvSpPr>
         <p:spPr>
           <a:xfrm>
-            <a:off x="661333" y="681568"/>
-            <a:ext cx="8281035" cy="2474384"/>
+            <a:off x="1859780" y="1820815"/>
+            <a:ext cx="23287673" cy="6610325"/>
           </a:xfrm>
         </p:spPr>
         <p:txBody>
@@ -1523,18 +1342,13 @@
               <a:rPr lang="de-DE"/>
               <a:t>Mastertitelformat bearbeiten</a:t>
             </a:r>
-          </a:p>
-        </p:txBody>
-      </p:sp>
-      <p:sp>
-        <p:nvSpPr>
-          <p:cNvPr id="3" name="Textplatzhalter 2">
-            <a:extLst>
-              <a:ext uri="{FF2B5EF4-FFF2-40B4-BE49-F238E27FC236}">
-                <a16:creationId xmlns:a16="http://schemas.microsoft.com/office/drawing/2014/main" id="{D09CB164-F6A3-41A1-A763-8FAC8DB3EAE1}"/>
-              </a:ext>
-            </a:extLst>
-          </p:cNvPr>
+            <a:endParaRPr lang="en-US" dirty="0"/>
+          </a:p>
+        </p:txBody>
+      </p:sp>
+      <p:sp>
+        <p:nvSpPr>
+          <p:cNvPr id="3" name="Text Placeholder 2"/>
           <p:cNvSpPr>
             <a:spLocks noGrp="1"/>
           </p:cNvSpPr>
@@ -1544,8 +1358,8 @@
         </p:nvSpPr>
         <p:spPr>
           <a:xfrm>
-            <a:off x="661334" y="3138171"/>
-            <a:ext cx="4061757" cy="1537969"/>
+            <a:off x="1859784" y="8383633"/>
+            <a:ext cx="11422348" cy="4108689"/>
           </a:xfrm>
         </p:spPr>
         <p:txBody>
@@ -1553,39 +1367,39 @@
           <a:lstStyle>
             <a:lvl1pPr marL="0" indent="0">
               <a:buNone/>
-              <a:defRPr sz="4480" b="1"/>
+              <a:defRPr sz="7087" b="1"/>
             </a:lvl1pPr>
-            <a:lvl2pPr marL="853455" indent="0">
+            <a:lvl2pPr marL="1350020" indent="0">
               <a:buNone/>
-              <a:defRPr sz="3733" b="1"/>
+              <a:defRPr sz="5906" b="1"/>
             </a:lvl2pPr>
-            <a:lvl3pPr marL="1706910" indent="0">
+            <a:lvl3pPr marL="2700040" indent="0">
               <a:buNone/>
-              <a:defRPr sz="3360" b="1"/>
+              <a:defRPr sz="5315" b="1"/>
             </a:lvl3pPr>
-            <a:lvl4pPr marL="2560366" indent="0">
+            <a:lvl4pPr marL="4050060" indent="0">
               <a:buNone/>
-              <a:defRPr sz="2987" b="1"/>
+              <a:defRPr sz="4724" b="1"/>
             </a:lvl4pPr>
-            <a:lvl5pPr marL="3413821" indent="0">
+            <a:lvl5pPr marL="5400081" indent="0">
               <a:buNone/>
-              <a:defRPr sz="2987" b="1"/>
+              <a:defRPr sz="4724" b="1"/>
             </a:lvl5pPr>
-            <a:lvl6pPr marL="4267276" indent="0">
+            <a:lvl6pPr marL="6750101" indent="0">
               <a:buNone/>
-              <a:defRPr sz="2987" b="1"/>
+              <a:defRPr sz="4724" b="1"/>
             </a:lvl6pPr>
-            <a:lvl7pPr marL="5120731" indent="0">
+            <a:lvl7pPr marL="8100121" indent="0">
               <a:buNone/>
-              <a:defRPr sz="2987" b="1"/>
+              <a:defRPr sz="4724" b="1"/>
             </a:lvl7pPr>
-            <a:lvl8pPr marL="5974187" indent="0">
+            <a:lvl8pPr marL="9450141" indent="0">
               <a:buNone/>
-              <a:defRPr sz="2987" b="1"/>
+              <a:defRPr sz="4724" b="1"/>
             </a:lvl8pPr>
-            <a:lvl9pPr marL="6827642" indent="0">
+            <a:lvl9pPr marL="10800161" indent="0">
               <a:buNone/>
-              <a:defRPr sz="2987" b="1"/>
+              <a:defRPr sz="4724" b="1"/>
             </a:lvl9pPr>
           </a:lstStyle>
           <a:p>
@@ -1599,13 +1413,7 @@
       </p:sp>
       <p:sp>
         <p:nvSpPr>
-          <p:cNvPr id="4" name="Inhaltsplatzhalter 3">
-            <a:extLst>
-              <a:ext uri="{FF2B5EF4-FFF2-40B4-BE49-F238E27FC236}">
-                <a16:creationId xmlns:a16="http://schemas.microsoft.com/office/drawing/2014/main" id="{53D03ED4-0D4A-4DB2-8795-A03A62731221}"/>
-              </a:ext>
-            </a:extLst>
-          </p:cNvPr>
+          <p:cNvPr id="4" name="Content Placeholder 3"/>
           <p:cNvSpPr>
             <a:spLocks noGrp="1"/>
           </p:cNvSpPr>
@@ -1615,8 +1423,8 @@
         </p:nvSpPr>
         <p:spPr>
           <a:xfrm>
-            <a:off x="661334" y="4676140"/>
-            <a:ext cx="4061757" cy="6877898"/>
+            <a:off x="1859784" y="12492322"/>
+            <a:ext cx="11422348" cy="18374324"/>
           </a:xfrm>
         </p:spPr>
         <p:txBody>
@@ -1656,18 +1464,13 @@
               <a:rPr lang="de-DE"/>
               <a:t>Fünfte Ebene</a:t>
             </a:r>
-          </a:p>
-        </p:txBody>
-      </p:sp>
-      <p:sp>
-        <p:nvSpPr>
-          <p:cNvPr id="5" name="Textplatzhalter 4">
-            <a:extLst>
-              <a:ext uri="{FF2B5EF4-FFF2-40B4-BE49-F238E27FC236}">
-                <a16:creationId xmlns:a16="http://schemas.microsoft.com/office/drawing/2014/main" id="{EE7AE17B-7BAA-4077-89D9-1873E5BFB313}"/>
-              </a:ext>
-            </a:extLst>
-          </p:cNvPr>
+            <a:endParaRPr lang="en-US" dirty="0"/>
+          </a:p>
+        </p:txBody>
+      </p:sp>
+      <p:sp>
+        <p:nvSpPr>
+          <p:cNvPr id="5" name="Text Placeholder 4"/>
           <p:cNvSpPr>
             <a:spLocks noGrp="1"/>
           </p:cNvSpPr>
@@ -1677,8 +1480,8 @@
         </p:nvSpPr>
         <p:spPr>
           <a:xfrm>
-            <a:off x="4860607" y="3138171"/>
-            <a:ext cx="4081761" cy="1537969"/>
+            <a:off x="13668853" y="8383633"/>
+            <a:ext cx="11478602" cy="4108689"/>
           </a:xfrm>
         </p:spPr>
         <p:txBody>
@@ -1686,39 +1489,39 @@
           <a:lstStyle>
             <a:lvl1pPr marL="0" indent="0">
               <a:buNone/>
-              <a:defRPr sz="4480" b="1"/>
+              <a:defRPr sz="7087" b="1"/>
             </a:lvl1pPr>
-            <a:lvl2pPr marL="853455" indent="0">
+            <a:lvl2pPr marL="1350020" indent="0">
               <a:buNone/>
-              <a:defRPr sz="3733" b="1"/>
+              <a:defRPr sz="5906" b="1"/>
             </a:lvl2pPr>
-            <a:lvl3pPr marL="1706910" indent="0">
+            <a:lvl3pPr marL="2700040" indent="0">
               <a:buNone/>
-              <a:defRPr sz="3360" b="1"/>
+              <a:defRPr sz="5315" b="1"/>
             </a:lvl3pPr>
-            <a:lvl4pPr marL="2560366" indent="0">
+            <a:lvl4pPr marL="4050060" indent="0">
               <a:buNone/>
-              <a:defRPr sz="2987" b="1"/>
+              <a:defRPr sz="4724" b="1"/>
             </a:lvl4pPr>
-            <a:lvl5pPr marL="3413821" indent="0">
+            <a:lvl5pPr marL="5400081" indent="0">
               <a:buNone/>
-              <a:defRPr sz="2987" b="1"/>
+              <a:defRPr sz="4724" b="1"/>
             </a:lvl5pPr>
-            <a:lvl6pPr marL="4267276" indent="0">
+            <a:lvl6pPr marL="6750101" indent="0">
               <a:buNone/>
-              <a:defRPr sz="2987" b="1"/>
+              <a:defRPr sz="4724" b="1"/>
             </a:lvl6pPr>
-            <a:lvl7pPr marL="5120731" indent="0">
+            <a:lvl7pPr marL="8100121" indent="0">
               <a:buNone/>
-              <a:defRPr sz="2987" b="1"/>
+              <a:defRPr sz="4724" b="1"/>
             </a:lvl7pPr>
-            <a:lvl8pPr marL="5974187" indent="0">
+            <a:lvl8pPr marL="9450141" indent="0">
               <a:buNone/>
-              <a:defRPr sz="2987" b="1"/>
+              <a:defRPr sz="4724" b="1"/>
             </a:lvl8pPr>
-            <a:lvl9pPr marL="6827642" indent="0">
+            <a:lvl9pPr marL="10800161" indent="0">
               <a:buNone/>
-              <a:defRPr sz="2987" b="1"/>
+              <a:defRPr sz="4724" b="1"/>
             </a:lvl9pPr>
           </a:lstStyle>
           <a:p>
@@ -1732,13 +1535,7 @@
       </p:sp>
       <p:sp>
         <p:nvSpPr>
-          <p:cNvPr id="6" name="Inhaltsplatzhalter 5">
-            <a:extLst>
-              <a:ext uri="{FF2B5EF4-FFF2-40B4-BE49-F238E27FC236}">
-                <a16:creationId xmlns:a16="http://schemas.microsoft.com/office/drawing/2014/main" id="{79E9BE56-AE25-4C5D-BABE-F72AC40ECE29}"/>
-              </a:ext>
-            </a:extLst>
-          </p:cNvPr>
+          <p:cNvPr id="6" name="Content Placeholder 5"/>
           <p:cNvSpPr>
             <a:spLocks noGrp="1"/>
           </p:cNvSpPr>
@@ -1748,8 +1545,8 @@
         </p:nvSpPr>
         <p:spPr>
           <a:xfrm>
-            <a:off x="4860607" y="4676140"/>
-            <a:ext cx="4081761" cy="6877898"/>
+            <a:off x="13668853" y="12492322"/>
+            <a:ext cx="11478602" cy="18374324"/>
           </a:xfrm>
         </p:spPr>
         <p:txBody>
@@ -1789,18 +1586,13 @@
               <a:rPr lang="de-DE"/>
               <a:t>Fünfte Ebene</a:t>
             </a:r>
-          </a:p>
-        </p:txBody>
-      </p:sp>
-      <p:sp>
-        <p:nvSpPr>
-          <p:cNvPr id="7" name="Datumsplatzhalter 6">
-            <a:extLst>
-              <a:ext uri="{FF2B5EF4-FFF2-40B4-BE49-F238E27FC236}">
-                <a16:creationId xmlns:a16="http://schemas.microsoft.com/office/drawing/2014/main" id="{A0E817C4-1EF4-4F02-9A61-CFFD5B1E6928}"/>
-              </a:ext>
-            </a:extLst>
-          </p:cNvPr>
+            <a:endParaRPr lang="en-US" dirty="0"/>
+          </a:p>
+        </p:txBody>
+      </p:sp>
+      <p:sp>
+        <p:nvSpPr>
+          <p:cNvPr id="7" name="Date Placeholder 6"/>
           <p:cNvSpPr>
             <a:spLocks noGrp="1"/>
           </p:cNvSpPr>
@@ -1815,7 +1607,7 @@
           <a:p>
             <a:fld id="{F39F49B5-785A-44C4-99F0-898FF83CD003}" type="datetimeFigureOut">
               <a:rPr lang="de-DE" smtClean="0"/>
-              <a:t>12.04.2023</a:t>
+              <a:t>17.04.2023</a:t>
             </a:fld>
             <a:endParaRPr lang="de-DE"/>
           </a:p>
@@ -1823,13 +1615,7 @@
       </p:sp>
       <p:sp>
         <p:nvSpPr>
-          <p:cNvPr id="8" name="Fußzeilenplatzhalter 7">
-            <a:extLst>
-              <a:ext uri="{FF2B5EF4-FFF2-40B4-BE49-F238E27FC236}">
-                <a16:creationId xmlns:a16="http://schemas.microsoft.com/office/drawing/2014/main" id="{9E88DE41-2D3A-40F3-BBBA-63B4478A06C9}"/>
-              </a:ext>
-            </a:extLst>
-          </p:cNvPr>
+          <p:cNvPr id="8" name="Footer Placeholder 7"/>
           <p:cNvSpPr>
             <a:spLocks noGrp="1"/>
           </p:cNvSpPr>
@@ -1848,13 +1634,7 @@
       </p:sp>
       <p:sp>
         <p:nvSpPr>
-          <p:cNvPr id="9" name="Foliennummernplatzhalter 8">
-            <a:extLst>
-              <a:ext uri="{FF2B5EF4-FFF2-40B4-BE49-F238E27FC236}">
-                <a16:creationId xmlns:a16="http://schemas.microsoft.com/office/drawing/2014/main" id="{FE06D23A-2A3D-4802-8A45-6BA7FFBB64E0}"/>
-              </a:ext>
-            </a:extLst>
-          </p:cNvPr>
+          <p:cNvPr id="9" name="Slide Number Placeholder 8"/>
           <p:cNvSpPr>
             <a:spLocks noGrp="1"/>
           </p:cNvSpPr>
@@ -1878,7 +1658,7 @@
     </p:spTree>
     <p:extLst>
       <p:ext uri="{BB962C8B-B14F-4D97-AF65-F5344CB8AC3E}">
-        <p14:creationId xmlns:p14="http://schemas.microsoft.com/office/powerpoint/2010/main" val="475912221"/>
+        <p14:creationId xmlns:p14="http://schemas.microsoft.com/office/powerpoint/2010/main" val="2250954583"/>
       </p:ext>
     </p:extLst>
   </p:cSld>
@@ -1907,13 +1687,7 @@
       </p:grpSpPr>
       <p:sp>
         <p:nvSpPr>
-          <p:cNvPr id="2" name="Titel 1">
-            <a:extLst>
-              <a:ext uri="{FF2B5EF4-FFF2-40B4-BE49-F238E27FC236}">
-                <a16:creationId xmlns:a16="http://schemas.microsoft.com/office/drawing/2014/main" id="{836475DE-8124-4B83-91F5-E232AFB75CBD}"/>
-              </a:ext>
-            </a:extLst>
-          </p:cNvPr>
+          <p:cNvPr id="2" name="Title 1"/>
           <p:cNvSpPr>
             <a:spLocks noGrp="1"/>
           </p:cNvSpPr>
@@ -1930,18 +1704,13 @@
               <a:rPr lang="de-DE"/>
               <a:t>Mastertitelformat bearbeiten</a:t>
             </a:r>
-          </a:p>
-        </p:txBody>
-      </p:sp>
-      <p:sp>
-        <p:nvSpPr>
-          <p:cNvPr id="3" name="Datumsplatzhalter 2">
-            <a:extLst>
-              <a:ext uri="{FF2B5EF4-FFF2-40B4-BE49-F238E27FC236}">
-                <a16:creationId xmlns:a16="http://schemas.microsoft.com/office/drawing/2014/main" id="{1E26BA6B-34C8-4F02-8FAD-2646C63D9503}"/>
-              </a:ext>
-            </a:extLst>
-          </p:cNvPr>
+            <a:endParaRPr lang="en-US" dirty="0"/>
+          </a:p>
+        </p:txBody>
+      </p:sp>
+      <p:sp>
+        <p:nvSpPr>
+          <p:cNvPr id="3" name="Date Placeholder 2"/>
           <p:cNvSpPr>
             <a:spLocks noGrp="1"/>
           </p:cNvSpPr>
@@ -1956,7 +1725,7 @@
           <a:p>
             <a:fld id="{F39F49B5-785A-44C4-99F0-898FF83CD003}" type="datetimeFigureOut">
               <a:rPr lang="de-DE" smtClean="0"/>
-              <a:t>12.04.2023</a:t>
+              <a:t>17.04.2023</a:t>
             </a:fld>
             <a:endParaRPr lang="de-DE"/>
           </a:p>
@@ -1964,13 +1733,7 @@
       </p:sp>
       <p:sp>
         <p:nvSpPr>
-          <p:cNvPr id="4" name="Fußzeilenplatzhalter 3">
-            <a:extLst>
-              <a:ext uri="{FF2B5EF4-FFF2-40B4-BE49-F238E27FC236}">
-                <a16:creationId xmlns:a16="http://schemas.microsoft.com/office/drawing/2014/main" id="{989485DE-DF83-4151-A161-FE767B42BCC3}"/>
-              </a:ext>
-            </a:extLst>
-          </p:cNvPr>
+          <p:cNvPr id="4" name="Footer Placeholder 3"/>
           <p:cNvSpPr>
             <a:spLocks noGrp="1"/>
           </p:cNvSpPr>
@@ -1989,13 +1752,7 @@
       </p:sp>
       <p:sp>
         <p:nvSpPr>
-          <p:cNvPr id="5" name="Foliennummernplatzhalter 4">
-            <a:extLst>
-              <a:ext uri="{FF2B5EF4-FFF2-40B4-BE49-F238E27FC236}">
-                <a16:creationId xmlns:a16="http://schemas.microsoft.com/office/drawing/2014/main" id="{57739D24-350B-4D35-8D94-0DA2A17265A5}"/>
-              </a:ext>
-            </a:extLst>
-          </p:cNvPr>
+          <p:cNvPr id="5" name="Slide Number Placeholder 4"/>
           <p:cNvSpPr>
             <a:spLocks noGrp="1"/>
           </p:cNvSpPr>
@@ -2019,7 +1776,7 @@
     </p:spTree>
     <p:extLst>
       <p:ext uri="{BB962C8B-B14F-4D97-AF65-F5344CB8AC3E}">
-        <p14:creationId xmlns:p14="http://schemas.microsoft.com/office/powerpoint/2010/main" val="596493851"/>
+        <p14:creationId xmlns:p14="http://schemas.microsoft.com/office/powerpoint/2010/main" val="3359252054"/>
       </p:ext>
     </p:extLst>
   </p:cSld>
@@ -2048,13 +1805,7 @@
       </p:grpSpPr>
       <p:sp>
         <p:nvSpPr>
-          <p:cNvPr id="2" name="Datumsplatzhalter 1">
-            <a:extLst>
-              <a:ext uri="{FF2B5EF4-FFF2-40B4-BE49-F238E27FC236}">
-                <a16:creationId xmlns:a16="http://schemas.microsoft.com/office/drawing/2014/main" id="{6CBB6693-9921-481A-9E89-BC8460C416A0}"/>
-              </a:ext>
-            </a:extLst>
-          </p:cNvPr>
+          <p:cNvPr id="2" name="Date Placeholder 1"/>
           <p:cNvSpPr>
             <a:spLocks noGrp="1"/>
           </p:cNvSpPr>
@@ -2069,7 +1820,7 @@
           <a:p>
             <a:fld id="{F39F49B5-785A-44C4-99F0-898FF83CD003}" type="datetimeFigureOut">
               <a:rPr lang="de-DE" smtClean="0"/>
-              <a:t>12.04.2023</a:t>
+              <a:t>17.04.2023</a:t>
             </a:fld>
             <a:endParaRPr lang="de-DE"/>
           </a:p>
@@ -2077,13 +1828,7 @@
       </p:sp>
       <p:sp>
         <p:nvSpPr>
-          <p:cNvPr id="3" name="Fußzeilenplatzhalter 2">
-            <a:extLst>
-              <a:ext uri="{FF2B5EF4-FFF2-40B4-BE49-F238E27FC236}">
-                <a16:creationId xmlns:a16="http://schemas.microsoft.com/office/drawing/2014/main" id="{99FF49D4-E1EA-49CB-9937-F100B95ECB5C}"/>
-              </a:ext>
-            </a:extLst>
-          </p:cNvPr>
+          <p:cNvPr id="3" name="Footer Placeholder 2"/>
           <p:cNvSpPr>
             <a:spLocks noGrp="1"/>
           </p:cNvSpPr>
@@ -2102,13 +1847,7 @@
       </p:sp>
       <p:sp>
         <p:nvSpPr>
-          <p:cNvPr id="4" name="Foliennummernplatzhalter 3">
-            <a:extLst>
-              <a:ext uri="{FF2B5EF4-FFF2-40B4-BE49-F238E27FC236}">
-                <a16:creationId xmlns:a16="http://schemas.microsoft.com/office/drawing/2014/main" id="{83B350CF-0453-4A43-B0CF-E953CC86E027}"/>
-              </a:ext>
-            </a:extLst>
-          </p:cNvPr>
+          <p:cNvPr id="4" name="Slide Number Placeholder 3"/>
           <p:cNvSpPr>
             <a:spLocks noGrp="1"/>
           </p:cNvSpPr>
@@ -2132,7 +1871,7 @@
     </p:spTree>
     <p:extLst>
       <p:ext uri="{BB962C8B-B14F-4D97-AF65-F5344CB8AC3E}">
-        <p14:creationId xmlns:p14="http://schemas.microsoft.com/office/powerpoint/2010/main" val="2136426440"/>
+        <p14:creationId xmlns:p14="http://schemas.microsoft.com/office/powerpoint/2010/main" val="390384845"/>
       </p:ext>
     </p:extLst>
   </p:cSld>
@@ -2161,13 +1900,7 @@
       </p:grpSpPr>
       <p:sp>
         <p:nvSpPr>
-          <p:cNvPr id="2" name="Titel 1">
-            <a:extLst>
-              <a:ext uri="{FF2B5EF4-FFF2-40B4-BE49-F238E27FC236}">
-                <a16:creationId xmlns:a16="http://schemas.microsoft.com/office/drawing/2014/main" id="{FC0DB4B5-3AEA-4F13-B177-3136197D4939}"/>
-              </a:ext>
-            </a:extLst>
-          </p:cNvPr>
+          <p:cNvPr id="2" name="Title 1"/>
           <p:cNvSpPr>
             <a:spLocks noGrp="1"/>
           </p:cNvSpPr>
@@ -2177,15 +1910,15 @@
         </p:nvSpPr>
         <p:spPr>
           <a:xfrm>
-            <a:off x="661333" y="853440"/>
-            <a:ext cx="3096637" cy="2987040"/>
+            <a:off x="1859781" y="2279968"/>
+            <a:ext cx="8708267" cy="7979886"/>
           </a:xfrm>
         </p:spPr>
         <p:txBody>
           <a:bodyPr anchor="b"/>
           <a:lstStyle>
             <a:lvl1pPr>
-              <a:defRPr sz="5973"/>
+              <a:defRPr sz="9449"/>
             </a:lvl1pPr>
           </a:lstStyle>
           <a:p>
@@ -2193,18 +1926,13 @@
               <a:rPr lang="de-DE"/>
               <a:t>Mastertitelformat bearbeiten</a:t>
             </a:r>
-          </a:p>
-        </p:txBody>
-      </p:sp>
-      <p:sp>
-        <p:nvSpPr>
-          <p:cNvPr id="3" name="Inhaltsplatzhalter 2">
-            <a:extLst>
-              <a:ext uri="{FF2B5EF4-FFF2-40B4-BE49-F238E27FC236}">
-                <a16:creationId xmlns:a16="http://schemas.microsoft.com/office/drawing/2014/main" id="{388789EA-1B83-4E9B-93DB-D0D48F9FDCB5}"/>
-              </a:ext>
-            </a:extLst>
-          </p:cNvPr>
+            <a:endParaRPr lang="en-US" dirty="0"/>
+          </a:p>
+        </p:txBody>
+      </p:sp>
+      <p:sp>
+        <p:nvSpPr>
+          <p:cNvPr id="3" name="Content Placeholder 2"/>
           <p:cNvSpPr>
             <a:spLocks noGrp="1"/>
           </p:cNvSpPr>
@@ -2214,39 +1942,39 @@
         </p:nvSpPr>
         <p:spPr>
           <a:xfrm>
-            <a:off x="4081760" y="1843194"/>
-            <a:ext cx="4860608" cy="9097433"/>
+            <a:off x="11478602" y="4924104"/>
+            <a:ext cx="13668851" cy="24303821"/>
           </a:xfrm>
         </p:spPr>
         <p:txBody>
           <a:bodyPr/>
           <a:lstStyle>
             <a:lvl1pPr>
-              <a:defRPr sz="5973"/>
+              <a:defRPr sz="9449"/>
             </a:lvl1pPr>
             <a:lvl2pPr>
-              <a:defRPr sz="5227"/>
+              <a:defRPr sz="8268"/>
             </a:lvl2pPr>
             <a:lvl3pPr>
-              <a:defRPr sz="4480"/>
+              <a:defRPr sz="7087"/>
             </a:lvl3pPr>
             <a:lvl4pPr>
-              <a:defRPr sz="3733"/>
+              <a:defRPr sz="5906"/>
             </a:lvl4pPr>
             <a:lvl5pPr>
-              <a:defRPr sz="3733"/>
+              <a:defRPr sz="5906"/>
             </a:lvl5pPr>
             <a:lvl6pPr>
-              <a:defRPr sz="3733"/>
+              <a:defRPr sz="5906"/>
             </a:lvl6pPr>
             <a:lvl7pPr>
-              <a:defRPr sz="3733"/>
+              <a:defRPr sz="5906"/>
             </a:lvl7pPr>
             <a:lvl8pPr>
-              <a:defRPr sz="3733"/>
+              <a:defRPr sz="5906"/>
             </a:lvl8pPr>
             <a:lvl9pPr>
-              <a:defRPr sz="3733"/>
+              <a:defRPr sz="5906"/>
             </a:lvl9pPr>
           </a:lstStyle>
           <a:p>
@@ -2283,18 +2011,13 @@
               <a:rPr lang="de-DE"/>
               <a:t>Fünfte Ebene</a:t>
             </a:r>
-          </a:p>
-        </p:txBody>
-      </p:sp>
-      <p:sp>
-        <p:nvSpPr>
-          <p:cNvPr id="4" name="Textplatzhalter 3">
-            <a:extLst>
-              <a:ext uri="{FF2B5EF4-FFF2-40B4-BE49-F238E27FC236}">
-                <a16:creationId xmlns:a16="http://schemas.microsoft.com/office/drawing/2014/main" id="{EE6B3F97-B65F-49F2-B6BB-DA5DFAC1FC9D}"/>
-              </a:ext>
-            </a:extLst>
-          </p:cNvPr>
+            <a:endParaRPr lang="en-US" dirty="0"/>
+          </a:p>
+        </p:txBody>
+      </p:sp>
+      <p:sp>
+        <p:nvSpPr>
+          <p:cNvPr id="4" name="Text Placeholder 3"/>
           <p:cNvSpPr>
             <a:spLocks noGrp="1"/>
           </p:cNvSpPr>
@@ -2304,8 +2027,8 @@
         </p:nvSpPr>
         <p:spPr>
           <a:xfrm>
-            <a:off x="661333" y="3840480"/>
-            <a:ext cx="3096637" cy="7114964"/>
+            <a:off x="1859781" y="10259854"/>
+            <a:ext cx="8708267" cy="19007648"/>
           </a:xfrm>
         </p:spPr>
         <p:txBody>
@@ -2313,39 +2036,39 @@
           <a:lstStyle>
             <a:lvl1pPr marL="0" indent="0">
               <a:buNone/>
-              <a:defRPr sz="2987"/>
+              <a:defRPr sz="4724"/>
             </a:lvl1pPr>
-            <a:lvl2pPr marL="853455" indent="0">
+            <a:lvl2pPr marL="1350020" indent="0">
               <a:buNone/>
-              <a:defRPr sz="2613"/>
+              <a:defRPr sz="4134"/>
             </a:lvl2pPr>
-            <a:lvl3pPr marL="1706910" indent="0">
+            <a:lvl3pPr marL="2700040" indent="0">
               <a:buNone/>
-              <a:defRPr sz="2240"/>
+              <a:defRPr sz="3543"/>
             </a:lvl3pPr>
-            <a:lvl4pPr marL="2560366" indent="0">
+            <a:lvl4pPr marL="4050060" indent="0">
               <a:buNone/>
-              <a:defRPr sz="1867"/>
+              <a:defRPr sz="2953"/>
             </a:lvl4pPr>
-            <a:lvl5pPr marL="3413821" indent="0">
+            <a:lvl5pPr marL="5400081" indent="0">
               <a:buNone/>
-              <a:defRPr sz="1867"/>
+              <a:defRPr sz="2953"/>
             </a:lvl5pPr>
-            <a:lvl6pPr marL="4267276" indent="0">
+            <a:lvl6pPr marL="6750101" indent="0">
               <a:buNone/>
-              <a:defRPr sz="1867"/>
+              <a:defRPr sz="2953"/>
             </a:lvl6pPr>
-            <a:lvl7pPr marL="5120731" indent="0">
+            <a:lvl7pPr marL="8100121" indent="0">
               <a:buNone/>
-              <a:defRPr sz="1867"/>
+              <a:defRPr sz="2953"/>
             </a:lvl7pPr>
-            <a:lvl8pPr marL="5974187" indent="0">
+            <a:lvl8pPr marL="9450141" indent="0">
               <a:buNone/>
-              <a:defRPr sz="1867"/>
+              <a:defRPr sz="2953"/>
             </a:lvl8pPr>
-            <a:lvl9pPr marL="6827642" indent="0">
+            <a:lvl9pPr marL="10800161" indent="0">
               <a:buNone/>
-              <a:defRPr sz="1867"/>
+              <a:defRPr sz="2953"/>
             </a:lvl9pPr>
           </a:lstStyle>
           <a:p>
@@ -2359,13 +2082,7 @@
       </p:sp>
       <p:sp>
         <p:nvSpPr>
-          <p:cNvPr id="5" name="Datumsplatzhalter 4">
-            <a:extLst>
-              <a:ext uri="{FF2B5EF4-FFF2-40B4-BE49-F238E27FC236}">
-                <a16:creationId xmlns:a16="http://schemas.microsoft.com/office/drawing/2014/main" id="{2F57BED8-7168-4E3E-BCB3-89D03216942B}"/>
-              </a:ext>
-            </a:extLst>
-          </p:cNvPr>
+          <p:cNvPr id="5" name="Date Placeholder 4"/>
           <p:cNvSpPr>
             <a:spLocks noGrp="1"/>
           </p:cNvSpPr>
@@ -2380,7 +2097,7 @@
           <a:p>
             <a:fld id="{F39F49B5-785A-44C4-99F0-898FF83CD003}" type="datetimeFigureOut">
               <a:rPr lang="de-DE" smtClean="0"/>
-              <a:t>12.04.2023</a:t>
+              <a:t>17.04.2023</a:t>
             </a:fld>
             <a:endParaRPr lang="de-DE"/>
           </a:p>
@@ -2388,13 +2105,7 @@
       </p:sp>
       <p:sp>
         <p:nvSpPr>
-          <p:cNvPr id="6" name="Fußzeilenplatzhalter 5">
-            <a:extLst>
-              <a:ext uri="{FF2B5EF4-FFF2-40B4-BE49-F238E27FC236}">
-                <a16:creationId xmlns:a16="http://schemas.microsoft.com/office/drawing/2014/main" id="{4819F87B-B290-47A0-A39A-CDEB4016CB0F}"/>
-              </a:ext>
-            </a:extLst>
-          </p:cNvPr>
+          <p:cNvPr id="6" name="Footer Placeholder 5"/>
           <p:cNvSpPr>
             <a:spLocks noGrp="1"/>
           </p:cNvSpPr>
@@ -2413,13 +2124,7 @@
       </p:sp>
       <p:sp>
         <p:nvSpPr>
-          <p:cNvPr id="7" name="Foliennummernplatzhalter 6">
-            <a:extLst>
-              <a:ext uri="{FF2B5EF4-FFF2-40B4-BE49-F238E27FC236}">
-                <a16:creationId xmlns:a16="http://schemas.microsoft.com/office/drawing/2014/main" id="{9D8745EC-C44F-45BD-A4C4-D46756858683}"/>
-              </a:ext>
-            </a:extLst>
-          </p:cNvPr>
+          <p:cNvPr id="7" name="Slide Number Placeholder 6"/>
           <p:cNvSpPr>
             <a:spLocks noGrp="1"/>
           </p:cNvSpPr>
@@ -2443,7 +2148,7 @@
     </p:spTree>
     <p:extLst>
       <p:ext uri="{BB962C8B-B14F-4D97-AF65-F5344CB8AC3E}">
-        <p14:creationId xmlns:p14="http://schemas.microsoft.com/office/powerpoint/2010/main" val="1253268836"/>
+        <p14:creationId xmlns:p14="http://schemas.microsoft.com/office/powerpoint/2010/main" val="1509071306"/>
       </p:ext>
     </p:extLst>
   </p:cSld>
@@ -2472,13 +2177,7 @@
       </p:grpSpPr>
       <p:sp>
         <p:nvSpPr>
-          <p:cNvPr id="2" name="Titel 1">
-            <a:extLst>
-              <a:ext uri="{FF2B5EF4-FFF2-40B4-BE49-F238E27FC236}">
-                <a16:creationId xmlns:a16="http://schemas.microsoft.com/office/drawing/2014/main" id="{E2544029-8257-4785-AA5E-2738306474B7}"/>
-              </a:ext>
-            </a:extLst>
-          </p:cNvPr>
+          <p:cNvPr id="2" name="Title 1"/>
           <p:cNvSpPr>
             <a:spLocks noGrp="1"/>
           </p:cNvSpPr>
@@ -2488,15 +2187,15 @@
         </p:nvSpPr>
         <p:spPr>
           <a:xfrm>
-            <a:off x="661333" y="853440"/>
-            <a:ext cx="3096637" cy="2987040"/>
+            <a:off x="1859781" y="2279968"/>
+            <a:ext cx="8708267" cy="7979886"/>
           </a:xfrm>
         </p:spPr>
         <p:txBody>
           <a:bodyPr anchor="b"/>
           <a:lstStyle>
             <a:lvl1pPr>
-              <a:defRPr sz="5973"/>
+              <a:defRPr sz="9449"/>
             </a:lvl1pPr>
           </a:lstStyle>
           <a:p>
@@ -2504,20 +2203,15 @@
               <a:rPr lang="de-DE"/>
               <a:t>Mastertitelformat bearbeiten</a:t>
             </a:r>
-          </a:p>
-        </p:txBody>
-      </p:sp>
-      <p:sp>
-        <p:nvSpPr>
-          <p:cNvPr id="3" name="Bildplatzhalter 2">
-            <a:extLst>
-              <a:ext uri="{FF2B5EF4-FFF2-40B4-BE49-F238E27FC236}">
-                <a16:creationId xmlns:a16="http://schemas.microsoft.com/office/drawing/2014/main" id="{9BD8013C-0C72-4E77-96E2-E8B375FA1A59}"/>
-              </a:ext>
-            </a:extLst>
-          </p:cNvPr>
+            <a:endParaRPr lang="en-US" dirty="0"/>
+          </a:p>
+        </p:txBody>
+      </p:sp>
+      <p:sp>
+        <p:nvSpPr>
+          <p:cNvPr id="3" name="Picture Placeholder 2"/>
           <p:cNvSpPr>
-            <a:spLocks noGrp="1"/>
+            <a:spLocks noGrp="1" noChangeAspect="1"/>
           </p:cNvSpPr>
           <p:nvPr>
             <p:ph type="pic" idx="1"/>
@@ -2525,64 +2219,62 @@
         </p:nvSpPr>
         <p:spPr>
           <a:xfrm>
-            <a:off x="4081760" y="1843194"/>
-            <a:ext cx="4860608" cy="9097433"/>
-          </a:xfrm>
-        </p:spPr>
-        <p:txBody>
-          <a:bodyPr/>
+            <a:off x="11478602" y="4924104"/>
+            <a:ext cx="13668851" cy="24303821"/>
+          </a:xfrm>
+        </p:spPr>
+        <p:txBody>
+          <a:bodyPr anchor="t"/>
           <a:lstStyle>
             <a:lvl1pPr marL="0" indent="0">
               <a:buNone/>
-              <a:defRPr sz="5973"/>
+              <a:defRPr sz="9449"/>
             </a:lvl1pPr>
-            <a:lvl2pPr marL="853455" indent="0">
+            <a:lvl2pPr marL="1350020" indent="0">
               <a:buNone/>
-              <a:defRPr sz="5227"/>
+              <a:defRPr sz="8268"/>
             </a:lvl2pPr>
-            <a:lvl3pPr marL="1706910" indent="0">
+            <a:lvl3pPr marL="2700040" indent="0">
               <a:buNone/>
-              <a:defRPr sz="4480"/>
+              <a:defRPr sz="7087"/>
             </a:lvl3pPr>
-            <a:lvl4pPr marL="2560366" indent="0">
+            <a:lvl4pPr marL="4050060" indent="0">
               <a:buNone/>
-              <a:defRPr sz="3733"/>
+              <a:defRPr sz="5906"/>
             </a:lvl4pPr>
-            <a:lvl5pPr marL="3413821" indent="0">
+            <a:lvl5pPr marL="5400081" indent="0">
               <a:buNone/>
-              <a:defRPr sz="3733"/>
+              <a:defRPr sz="5906"/>
             </a:lvl5pPr>
-            <a:lvl6pPr marL="4267276" indent="0">
+            <a:lvl6pPr marL="6750101" indent="0">
               <a:buNone/>
-              <a:defRPr sz="3733"/>
+              <a:defRPr sz="5906"/>
             </a:lvl6pPr>
-            <a:lvl7pPr marL="5120731" indent="0">
+            <a:lvl7pPr marL="8100121" indent="0">
               <a:buNone/>
-              <a:defRPr sz="3733"/>
+              <a:defRPr sz="5906"/>
             </a:lvl7pPr>
-            <a:lvl8pPr marL="5974187" indent="0">
+            <a:lvl8pPr marL="9450141" indent="0">
               <a:buNone/>
-              <a:defRPr sz="3733"/>
+              <a:defRPr sz="5906"/>
             </a:lvl8pPr>
-            <a:lvl9pPr marL="6827642" indent="0">
+            <a:lvl9pPr marL="10800161" indent="0">
               <a:buNone/>
-              <a:defRPr sz="3733"/>
+              <a:defRPr sz="5906"/>
             </a:lvl9pPr>
           </a:lstStyle>
           <a:p>
-            <a:endParaRPr lang="de-DE"/>
-          </a:p>
-        </p:txBody>
-      </p:sp>
-      <p:sp>
-        <p:nvSpPr>
-          <p:cNvPr id="4" name="Textplatzhalter 3">
-            <a:extLst>
-              <a:ext uri="{FF2B5EF4-FFF2-40B4-BE49-F238E27FC236}">
-                <a16:creationId xmlns:a16="http://schemas.microsoft.com/office/drawing/2014/main" id="{DA7CA902-82ED-4113-AC2C-2D3A30AA5550}"/>
-              </a:ext>
-            </a:extLst>
-          </p:cNvPr>
+            <a:r>
+              <a:rPr lang="de-DE"/>
+              <a:t>Bild durch Klicken auf Symbol hinzufügen</a:t>
+            </a:r>
+            <a:endParaRPr lang="en-US" dirty="0"/>
+          </a:p>
+        </p:txBody>
+      </p:sp>
+      <p:sp>
+        <p:nvSpPr>
+          <p:cNvPr id="4" name="Text Placeholder 3"/>
           <p:cNvSpPr>
             <a:spLocks noGrp="1"/>
           </p:cNvSpPr>
@@ -2592,8 +2284,8 @@
         </p:nvSpPr>
         <p:spPr>
           <a:xfrm>
-            <a:off x="661333" y="3840480"/>
-            <a:ext cx="3096637" cy="7114964"/>
+            <a:off x="1859781" y="10259854"/>
+            <a:ext cx="8708267" cy="19007648"/>
           </a:xfrm>
         </p:spPr>
         <p:txBody>
@@ -2601,39 +2293,39 @@
           <a:lstStyle>
             <a:lvl1pPr marL="0" indent="0">
               <a:buNone/>
-              <a:defRPr sz="2987"/>
+              <a:defRPr sz="4724"/>
             </a:lvl1pPr>
-            <a:lvl2pPr marL="853455" indent="0">
+            <a:lvl2pPr marL="1350020" indent="0">
               <a:buNone/>
-              <a:defRPr sz="2613"/>
+              <a:defRPr sz="4134"/>
             </a:lvl2pPr>
-            <a:lvl3pPr marL="1706910" indent="0">
+            <a:lvl3pPr marL="2700040" indent="0">
               <a:buNone/>
-              <a:defRPr sz="2240"/>
+              <a:defRPr sz="3543"/>
             </a:lvl3pPr>
-            <a:lvl4pPr marL="2560366" indent="0">
+            <a:lvl4pPr marL="4050060" indent="0">
               <a:buNone/>
-              <a:defRPr sz="1867"/>
+              <a:defRPr sz="2953"/>
             </a:lvl4pPr>
-            <a:lvl5pPr marL="3413821" indent="0">
+            <a:lvl5pPr marL="5400081" indent="0">
               <a:buNone/>
-              <a:defRPr sz="1867"/>
+              <a:defRPr sz="2953"/>
             </a:lvl5pPr>
-            <a:lvl6pPr marL="4267276" indent="0">
+            <a:lvl6pPr marL="6750101" indent="0">
               <a:buNone/>
-              <a:defRPr sz="1867"/>
+              <a:defRPr sz="2953"/>
             </a:lvl6pPr>
-            <a:lvl7pPr marL="5120731" indent="0">
+            <a:lvl7pPr marL="8100121" indent="0">
               <a:buNone/>
-              <a:defRPr sz="1867"/>
+              <a:defRPr sz="2953"/>
             </a:lvl7pPr>
-            <a:lvl8pPr marL="5974187" indent="0">
+            <a:lvl8pPr marL="9450141" indent="0">
               <a:buNone/>
-              <a:defRPr sz="1867"/>
+              <a:defRPr sz="2953"/>
             </a:lvl8pPr>
-            <a:lvl9pPr marL="6827642" indent="0">
+            <a:lvl9pPr marL="10800161" indent="0">
               <a:buNone/>
-              <a:defRPr sz="1867"/>
+              <a:defRPr sz="2953"/>
             </a:lvl9pPr>
           </a:lstStyle>
           <a:p>
@@ -2647,13 +2339,7 @@
       </p:sp>
       <p:sp>
         <p:nvSpPr>
-          <p:cNvPr id="5" name="Datumsplatzhalter 4">
-            <a:extLst>
-              <a:ext uri="{FF2B5EF4-FFF2-40B4-BE49-F238E27FC236}">
-                <a16:creationId xmlns:a16="http://schemas.microsoft.com/office/drawing/2014/main" id="{09FE65E7-366A-4588-8BAA-14C44F535EB7}"/>
-              </a:ext>
-            </a:extLst>
-          </p:cNvPr>
+          <p:cNvPr id="5" name="Date Placeholder 4"/>
           <p:cNvSpPr>
             <a:spLocks noGrp="1"/>
           </p:cNvSpPr>
@@ -2668,7 +2354,7 @@
           <a:p>
             <a:fld id="{F39F49B5-785A-44C4-99F0-898FF83CD003}" type="datetimeFigureOut">
               <a:rPr lang="de-DE" smtClean="0"/>
-              <a:t>12.04.2023</a:t>
+              <a:t>17.04.2023</a:t>
             </a:fld>
             <a:endParaRPr lang="de-DE"/>
           </a:p>
@@ -2676,13 +2362,7 @@
       </p:sp>
       <p:sp>
         <p:nvSpPr>
-          <p:cNvPr id="6" name="Fußzeilenplatzhalter 5">
-            <a:extLst>
-              <a:ext uri="{FF2B5EF4-FFF2-40B4-BE49-F238E27FC236}">
-                <a16:creationId xmlns:a16="http://schemas.microsoft.com/office/drawing/2014/main" id="{C24A789D-953F-43C2-B705-EF564FA76D14}"/>
-              </a:ext>
-            </a:extLst>
-          </p:cNvPr>
+          <p:cNvPr id="6" name="Footer Placeholder 5"/>
           <p:cNvSpPr>
             <a:spLocks noGrp="1"/>
           </p:cNvSpPr>
@@ -2701,13 +2381,7 @@
       </p:sp>
       <p:sp>
         <p:nvSpPr>
-          <p:cNvPr id="7" name="Foliennummernplatzhalter 6">
-            <a:extLst>
-              <a:ext uri="{FF2B5EF4-FFF2-40B4-BE49-F238E27FC236}">
-                <a16:creationId xmlns:a16="http://schemas.microsoft.com/office/drawing/2014/main" id="{FD7184AE-7D69-412B-8D40-868F14A75A5A}"/>
-              </a:ext>
-            </a:extLst>
-          </p:cNvPr>
+          <p:cNvPr id="7" name="Slide Number Placeholder 6"/>
           <p:cNvSpPr>
             <a:spLocks noGrp="1"/>
           </p:cNvSpPr>
@@ -2731,7 +2405,7 @@
     </p:spTree>
     <p:extLst>
       <p:ext uri="{BB962C8B-B14F-4D97-AF65-F5344CB8AC3E}">
-        <p14:creationId xmlns:p14="http://schemas.microsoft.com/office/powerpoint/2010/main" val="2025585822"/>
+        <p14:creationId xmlns:p14="http://schemas.microsoft.com/office/powerpoint/2010/main" val="900242587"/>
       </p:ext>
     </p:extLst>
   </p:cSld>
@@ -2765,13 +2439,7 @@
       </p:grpSpPr>
       <p:sp>
         <p:nvSpPr>
-          <p:cNvPr id="2" name="Titelplatzhalter 1">
-            <a:extLst>
-              <a:ext uri="{FF2B5EF4-FFF2-40B4-BE49-F238E27FC236}">
-                <a16:creationId xmlns:a16="http://schemas.microsoft.com/office/drawing/2014/main" id="{2ED55B5C-C7C8-4D24-9F08-3F3664FB9E2E}"/>
-              </a:ext>
-            </a:extLst>
-          </p:cNvPr>
+          <p:cNvPr id="2" name="Title Placeholder 1"/>
           <p:cNvSpPr>
             <a:spLocks noGrp="1"/>
           </p:cNvSpPr>
@@ -2781,8 +2449,8 @@
         </p:nvSpPr>
         <p:spPr>
           <a:xfrm>
-            <a:off x="660083" y="681568"/>
-            <a:ext cx="8281035" cy="2474384"/>
+            <a:off x="1856264" y="1820815"/>
+            <a:ext cx="23287673" cy="6610325"/>
           </a:xfrm>
           <a:prstGeom prst="rect">
             <a:avLst/>
@@ -2798,18 +2466,13 @@
               <a:rPr lang="de-DE"/>
               <a:t>Mastertitelformat bearbeiten</a:t>
             </a:r>
-          </a:p>
-        </p:txBody>
-      </p:sp>
-      <p:sp>
-        <p:nvSpPr>
-          <p:cNvPr id="3" name="Textplatzhalter 2">
-            <a:extLst>
-              <a:ext uri="{FF2B5EF4-FFF2-40B4-BE49-F238E27FC236}">
-                <a16:creationId xmlns:a16="http://schemas.microsoft.com/office/drawing/2014/main" id="{409FC23A-4FE0-48D8-82AD-A569BE031DBA}"/>
-              </a:ext>
-            </a:extLst>
-          </p:cNvPr>
+            <a:endParaRPr lang="en-US" dirty="0"/>
+          </a:p>
+        </p:txBody>
+      </p:sp>
+      <p:sp>
+        <p:nvSpPr>
+          <p:cNvPr id="3" name="Text Placeholder 2"/>
           <p:cNvSpPr>
             <a:spLocks noGrp="1"/>
           </p:cNvSpPr>
@@ -2819,8 +2482,8 @@
         </p:nvSpPr>
         <p:spPr>
           <a:xfrm>
-            <a:off x="660083" y="3407833"/>
-            <a:ext cx="8281035" cy="8122498"/>
+            <a:off x="1856264" y="9104037"/>
+            <a:ext cx="23287673" cy="21699277"/>
           </a:xfrm>
           <a:prstGeom prst="rect">
             <a:avLst/>
@@ -2865,18 +2528,13 @@
               <a:rPr lang="de-DE"/>
               <a:t>Fünfte Ebene</a:t>
             </a:r>
-          </a:p>
-        </p:txBody>
-      </p:sp>
-      <p:sp>
-        <p:nvSpPr>
-          <p:cNvPr id="4" name="Datumsplatzhalter 3">
-            <a:extLst>
-              <a:ext uri="{FF2B5EF4-FFF2-40B4-BE49-F238E27FC236}">
-                <a16:creationId xmlns:a16="http://schemas.microsoft.com/office/drawing/2014/main" id="{DB9E8497-5260-4F22-9E7A-8B5E6CAE908D}"/>
-              </a:ext>
-            </a:extLst>
-          </p:cNvPr>
+            <a:endParaRPr lang="en-US" dirty="0"/>
+          </a:p>
+        </p:txBody>
+      </p:sp>
+      <p:sp>
+        <p:nvSpPr>
+          <p:cNvPr id="4" name="Date Placeholder 3"/>
           <p:cNvSpPr>
             <a:spLocks noGrp="1"/>
           </p:cNvSpPr>
@@ -2886,8 +2544,8 @@
         </p:nvSpPr>
         <p:spPr>
           <a:xfrm>
-            <a:off x="660083" y="11865187"/>
-            <a:ext cx="2160270" cy="681567"/>
+            <a:off x="1856264" y="31697890"/>
+            <a:ext cx="6075045" cy="1820807"/>
           </a:xfrm>
           <a:prstGeom prst="rect">
             <a:avLst/>
@@ -2897,7 +2555,7 @@
           <a:bodyPr vert="horz" lIns="91440" tIns="45720" rIns="91440" bIns="45720" rtlCol="0" anchor="ctr"/>
           <a:lstStyle>
             <a:lvl1pPr algn="l">
-              <a:defRPr sz="2240">
+              <a:defRPr sz="3543">
                 <a:solidFill>
                   <a:schemeClr val="tx1">
                     <a:tint val="75000"/>
@@ -2909,7 +2567,7 @@
           <a:p>
             <a:fld id="{F39F49B5-785A-44C4-99F0-898FF83CD003}" type="datetimeFigureOut">
               <a:rPr lang="de-DE" smtClean="0"/>
-              <a:t>12.04.2023</a:t>
+              <a:t>17.04.2023</a:t>
             </a:fld>
             <a:endParaRPr lang="de-DE"/>
           </a:p>
@@ -2917,13 +2575,7 @@
       </p:sp>
       <p:sp>
         <p:nvSpPr>
-          <p:cNvPr id="5" name="Fußzeilenplatzhalter 4">
-            <a:extLst>
-              <a:ext uri="{FF2B5EF4-FFF2-40B4-BE49-F238E27FC236}">
-                <a16:creationId xmlns:a16="http://schemas.microsoft.com/office/drawing/2014/main" id="{F6775DF4-8897-4897-88A9-45054E7271D1}"/>
-              </a:ext>
-            </a:extLst>
-          </p:cNvPr>
+          <p:cNvPr id="5" name="Footer Placeholder 4"/>
           <p:cNvSpPr>
             <a:spLocks noGrp="1"/>
           </p:cNvSpPr>
@@ -2933,8 +2585,8 @@
         </p:nvSpPr>
         <p:spPr>
           <a:xfrm>
-            <a:off x="3180398" y="11865187"/>
-            <a:ext cx="3240405" cy="681567"/>
+            <a:off x="8943816" y="31697890"/>
+            <a:ext cx="9112568" cy="1820807"/>
           </a:xfrm>
           <a:prstGeom prst="rect">
             <a:avLst/>
@@ -2944,7 +2596,7 @@
           <a:bodyPr vert="horz" lIns="91440" tIns="45720" rIns="91440" bIns="45720" rtlCol="0" anchor="ctr"/>
           <a:lstStyle>
             <a:lvl1pPr algn="ctr">
-              <a:defRPr sz="2240">
+              <a:defRPr sz="3543">
                 <a:solidFill>
                   <a:schemeClr val="tx1">
                     <a:tint val="75000"/>
@@ -2960,13 +2612,7 @@
       </p:sp>
       <p:sp>
         <p:nvSpPr>
-          <p:cNvPr id="6" name="Foliennummernplatzhalter 5">
-            <a:extLst>
-              <a:ext uri="{FF2B5EF4-FFF2-40B4-BE49-F238E27FC236}">
-                <a16:creationId xmlns:a16="http://schemas.microsoft.com/office/drawing/2014/main" id="{6AF31E42-EB62-495A-AF89-800579E0DF68}"/>
-              </a:ext>
-            </a:extLst>
-          </p:cNvPr>
+          <p:cNvPr id="6" name="Slide Number Placeholder 5"/>
           <p:cNvSpPr>
             <a:spLocks noGrp="1"/>
           </p:cNvSpPr>
@@ -2976,8 +2622,8 @@
         </p:nvSpPr>
         <p:spPr>
           <a:xfrm>
-            <a:off x="6780848" y="11865187"/>
-            <a:ext cx="2160270" cy="681567"/>
+            <a:off x="19068891" y="31697890"/>
+            <a:ext cx="6075045" cy="1820807"/>
           </a:xfrm>
           <a:prstGeom prst="rect">
             <a:avLst/>
@@ -2987,7 +2633,7 @@
           <a:bodyPr vert="horz" lIns="91440" tIns="45720" rIns="91440" bIns="45720" rtlCol="0" anchor="ctr"/>
           <a:lstStyle>
             <a:lvl1pPr algn="r">
-              <a:defRPr sz="2240">
+              <a:defRPr sz="3543">
                 <a:solidFill>
                   <a:schemeClr val="tx1">
                     <a:tint val="75000"/>
@@ -3008,27 +2654,27 @@
     </p:spTree>
     <p:extLst>
       <p:ext uri="{BB962C8B-B14F-4D97-AF65-F5344CB8AC3E}">
-        <p14:creationId xmlns:p14="http://schemas.microsoft.com/office/powerpoint/2010/main" val="3984728559"/>
+        <p14:creationId xmlns:p14="http://schemas.microsoft.com/office/powerpoint/2010/main" val="1945683355"/>
       </p:ext>
     </p:extLst>
   </p:cSld>
   <p:clrMap bg1="lt1" tx1="dk1" bg2="lt2" tx2="dk2" accent1="accent1" accent2="accent2" accent3="accent3" accent4="accent4" accent5="accent5" accent6="accent6" hlink="hlink" folHlink="folHlink"/>
   <p:sldLayoutIdLst>
-    <p:sldLayoutId id="2147483649" r:id="rId1"/>
-    <p:sldLayoutId id="2147483650" r:id="rId2"/>
-    <p:sldLayoutId id="2147483651" r:id="rId3"/>
-    <p:sldLayoutId id="2147483652" r:id="rId4"/>
-    <p:sldLayoutId id="2147483653" r:id="rId5"/>
-    <p:sldLayoutId id="2147483654" r:id="rId6"/>
-    <p:sldLayoutId id="2147483655" r:id="rId7"/>
-    <p:sldLayoutId id="2147483656" r:id="rId8"/>
-    <p:sldLayoutId id="2147483657" r:id="rId9"/>
-    <p:sldLayoutId id="2147483658" r:id="rId10"/>
-    <p:sldLayoutId id="2147483659" r:id="rId11"/>
+    <p:sldLayoutId id="2147483661" r:id="rId1"/>
+    <p:sldLayoutId id="2147483662" r:id="rId2"/>
+    <p:sldLayoutId id="2147483663" r:id="rId3"/>
+    <p:sldLayoutId id="2147483664" r:id="rId4"/>
+    <p:sldLayoutId id="2147483665" r:id="rId5"/>
+    <p:sldLayoutId id="2147483666" r:id="rId6"/>
+    <p:sldLayoutId id="2147483667" r:id="rId7"/>
+    <p:sldLayoutId id="2147483668" r:id="rId8"/>
+    <p:sldLayoutId id="2147483669" r:id="rId9"/>
+    <p:sldLayoutId id="2147483670" r:id="rId10"/>
+    <p:sldLayoutId id="2147483671" r:id="rId11"/>
   </p:sldLayoutIdLst>
   <p:txStyles>
     <p:titleStyle>
-      <a:lvl1pPr algn="l" defTabSz="1706910" rtl="0" eaLnBrk="1" latinLnBrk="0" hangingPunct="1">
+      <a:lvl1pPr algn="l" defTabSz="2700040" rtl="0" eaLnBrk="1" latinLnBrk="0" hangingPunct="1">
         <a:lnSpc>
           <a:spcPct val="90000"/>
         </a:lnSpc>
@@ -3036,7 +2682,7 @@
           <a:spcPct val="0"/>
         </a:spcBef>
         <a:buNone/>
-        <a:defRPr sz="8213" kern="1200">
+        <a:defRPr sz="12992" kern="1200">
           <a:solidFill>
             <a:schemeClr val="tx1"/>
           </a:solidFill>
@@ -3047,16 +2693,16 @@
       </a:lvl1pPr>
     </p:titleStyle>
     <p:bodyStyle>
-      <a:lvl1pPr marL="426728" indent="-426728" algn="l" defTabSz="1706910" rtl="0" eaLnBrk="1" latinLnBrk="0" hangingPunct="1">
+      <a:lvl1pPr marL="675010" indent="-675010" algn="l" defTabSz="2700040" rtl="0" eaLnBrk="1" latinLnBrk="0" hangingPunct="1">
         <a:lnSpc>
           <a:spcPct val="90000"/>
         </a:lnSpc>
         <a:spcBef>
-          <a:spcPts val="1867"/>
+          <a:spcPts val="2953"/>
         </a:spcBef>
         <a:buFont typeface="Arial" panose="020B0604020202020204" pitchFamily="34" charset="0"/>
         <a:buChar char="•"/>
-        <a:defRPr sz="5227" kern="1200">
+        <a:defRPr sz="8268" kern="1200">
           <a:solidFill>
             <a:schemeClr val="tx1"/>
           </a:solidFill>
@@ -3065,16 +2711,16 @@
           <a:cs typeface="+mn-cs"/>
         </a:defRPr>
       </a:lvl1pPr>
-      <a:lvl2pPr marL="1280183" indent="-426728" algn="l" defTabSz="1706910" rtl="0" eaLnBrk="1" latinLnBrk="0" hangingPunct="1">
+      <a:lvl2pPr marL="2025030" indent="-675010" algn="l" defTabSz="2700040" rtl="0" eaLnBrk="1" latinLnBrk="0" hangingPunct="1">
         <a:lnSpc>
           <a:spcPct val="90000"/>
         </a:lnSpc>
         <a:spcBef>
-          <a:spcPts val="933"/>
+          <a:spcPts val="1476"/>
         </a:spcBef>
         <a:buFont typeface="Arial" panose="020B0604020202020204" pitchFamily="34" charset="0"/>
         <a:buChar char="•"/>
-        <a:defRPr sz="4480" kern="1200">
+        <a:defRPr sz="7087" kern="1200">
           <a:solidFill>
             <a:schemeClr val="tx1"/>
           </a:solidFill>
@@ -3083,16 +2729,16 @@
           <a:cs typeface="+mn-cs"/>
         </a:defRPr>
       </a:lvl2pPr>
-      <a:lvl3pPr marL="2133638" indent="-426728" algn="l" defTabSz="1706910" rtl="0" eaLnBrk="1" latinLnBrk="0" hangingPunct="1">
+      <a:lvl3pPr marL="3375050" indent="-675010" algn="l" defTabSz="2700040" rtl="0" eaLnBrk="1" latinLnBrk="0" hangingPunct="1">
         <a:lnSpc>
           <a:spcPct val="90000"/>
         </a:lnSpc>
         <a:spcBef>
-          <a:spcPts val="933"/>
+          <a:spcPts val="1476"/>
         </a:spcBef>
         <a:buFont typeface="Arial" panose="020B0604020202020204" pitchFamily="34" charset="0"/>
         <a:buChar char="•"/>
-        <a:defRPr sz="3733" kern="1200">
+        <a:defRPr sz="5906" kern="1200">
           <a:solidFill>
             <a:schemeClr val="tx1"/>
           </a:solidFill>
@@ -3101,16 +2747,16 @@
           <a:cs typeface="+mn-cs"/>
         </a:defRPr>
       </a:lvl3pPr>
-      <a:lvl4pPr marL="2987093" indent="-426728" algn="l" defTabSz="1706910" rtl="0" eaLnBrk="1" latinLnBrk="0" hangingPunct="1">
+      <a:lvl4pPr marL="4725071" indent="-675010" algn="l" defTabSz="2700040" rtl="0" eaLnBrk="1" latinLnBrk="0" hangingPunct="1">
         <a:lnSpc>
           <a:spcPct val="90000"/>
         </a:lnSpc>
         <a:spcBef>
-          <a:spcPts val="933"/>
+          <a:spcPts val="1476"/>
         </a:spcBef>
         <a:buFont typeface="Arial" panose="020B0604020202020204" pitchFamily="34" charset="0"/>
         <a:buChar char="•"/>
-        <a:defRPr sz="3360" kern="1200">
+        <a:defRPr sz="5315" kern="1200">
           <a:solidFill>
             <a:schemeClr val="tx1"/>
           </a:solidFill>
@@ -3119,16 +2765,16 @@
           <a:cs typeface="+mn-cs"/>
         </a:defRPr>
       </a:lvl4pPr>
-      <a:lvl5pPr marL="3840549" indent="-426728" algn="l" defTabSz="1706910" rtl="0" eaLnBrk="1" latinLnBrk="0" hangingPunct="1">
+      <a:lvl5pPr marL="6075091" indent="-675010" algn="l" defTabSz="2700040" rtl="0" eaLnBrk="1" latinLnBrk="0" hangingPunct="1">
         <a:lnSpc>
           <a:spcPct val="90000"/>
         </a:lnSpc>
         <a:spcBef>
-          <a:spcPts val="933"/>
+          <a:spcPts val="1476"/>
         </a:spcBef>
         <a:buFont typeface="Arial" panose="020B0604020202020204" pitchFamily="34" charset="0"/>
         <a:buChar char="•"/>
-        <a:defRPr sz="3360" kern="1200">
+        <a:defRPr sz="5315" kern="1200">
           <a:solidFill>
             <a:schemeClr val="tx1"/>
           </a:solidFill>
@@ -3137,16 +2783,16 @@
           <a:cs typeface="+mn-cs"/>
         </a:defRPr>
       </a:lvl5pPr>
-      <a:lvl6pPr marL="4694004" indent="-426728" algn="l" defTabSz="1706910" rtl="0" eaLnBrk="1" latinLnBrk="0" hangingPunct="1">
+      <a:lvl6pPr marL="7425111" indent="-675010" algn="l" defTabSz="2700040" rtl="0" eaLnBrk="1" latinLnBrk="0" hangingPunct="1">
         <a:lnSpc>
           <a:spcPct val="90000"/>
         </a:lnSpc>
         <a:spcBef>
-          <a:spcPts val="933"/>
+          <a:spcPts val="1476"/>
         </a:spcBef>
         <a:buFont typeface="Arial" panose="020B0604020202020204" pitchFamily="34" charset="0"/>
         <a:buChar char="•"/>
-        <a:defRPr sz="3360" kern="1200">
+        <a:defRPr sz="5315" kern="1200">
           <a:solidFill>
             <a:schemeClr val="tx1"/>
           </a:solidFill>
@@ -3155,16 +2801,16 @@
           <a:cs typeface="+mn-cs"/>
         </a:defRPr>
       </a:lvl6pPr>
-      <a:lvl7pPr marL="5547459" indent="-426728" algn="l" defTabSz="1706910" rtl="0" eaLnBrk="1" latinLnBrk="0" hangingPunct="1">
+      <a:lvl7pPr marL="8775131" indent="-675010" algn="l" defTabSz="2700040" rtl="0" eaLnBrk="1" latinLnBrk="0" hangingPunct="1">
         <a:lnSpc>
           <a:spcPct val="90000"/>
         </a:lnSpc>
         <a:spcBef>
-          <a:spcPts val="933"/>
+          <a:spcPts val="1476"/>
         </a:spcBef>
         <a:buFont typeface="Arial" panose="020B0604020202020204" pitchFamily="34" charset="0"/>
         <a:buChar char="•"/>
-        <a:defRPr sz="3360" kern="1200">
+        <a:defRPr sz="5315" kern="1200">
           <a:solidFill>
             <a:schemeClr val="tx1"/>
           </a:solidFill>
@@ -3173,16 +2819,16 @@
           <a:cs typeface="+mn-cs"/>
         </a:defRPr>
       </a:lvl7pPr>
-      <a:lvl8pPr marL="6400914" indent="-426728" algn="l" defTabSz="1706910" rtl="0" eaLnBrk="1" latinLnBrk="0" hangingPunct="1">
+      <a:lvl8pPr marL="10125151" indent="-675010" algn="l" defTabSz="2700040" rtl="0" eaLnBrk="1" latinLnBrk="0" hangingPunct="1">
         <a:lnSpc>
           <a:spcPct val="90000"/>
         </a:lnSpc>
         <a:spcBef>
-          <a:spcPts val="933"/>
+          <a:spcPts val="1476"/>
         </a:spcBef>
         <a:buFont typeface="Arial" panose="020B0604020202020204" pitchFamily="34" charset="0"/>
         <a:buChar char="•"/>
-        <a:defRPr sz="3360" kern="1200">
+        <a:defRPr sz="5315" kern="1200">
           <a:solidFill>
             <a:schemeClr val="tx1"/>
           </a:solidFill>
@@ -3191,16 +2837,16 @@
           <a:cs typeface="+mn-cs"/>
         </a:defRPr>
       </a:lvl8pPr>
-      <a:lvl9pPr marL="7254370" indent="-426728" algn="l" defTabSz="1706910" rtl="0" eaLnBrk="1" latinLnBrk="0" hangingPunct="1">
+      <a:lvl9pPr marL="11475171" indent="-675010" algn="l" defTabSz="2700040" rtl="0" eaLnBrk="1" latinLnBrk="0" hangingPunct="1">
         <a:lnSpc>
           <a:spcPct val="90000"/>
         </a:lnSpc>
         <a:spcBef>
-          <a:spcPts val="933"/>
+          <a:spcPts val="1476"/>
         </a:spcBef>
         <a:buFont typeface="Arial" panose="020B0604020202020204" pitchFamily="34" charset="0"/>
         <a:buChar char="•"/>
-        <a:defRPr sz="3360" kern="1200">
+        <a:defRPr sz="5315" kern="1200">
           <a:solidFill>
             <a:schemeClr val="tx1"/>
           </a:solidFill>
@@ -3212,10 +2858,10 @@
     </p:bodyStyle>
     <p:otherStyle>
       <a:defPPr>
-        <a:defRPr lang="de-DE"/>
+        <a:defRPr lang="en-US"/>
       </a:defPPr>
-      <a:lvl1pPr marL="0" algn="l" defTabSz="1706910" rtl="0" eaLnBrk="1" latinLnBrk="0" hangingPunct="1">
-        <a:defRPr sz="3360" kern="1200">
+      <a:lvl1pPr marL="0" algn="l" defTabSz="2700040" rtl="0" eaLnBrk="1" latinLnBrk="0" hangingPunct="1">
+        <a:defRPr sz="5315" kern="1200">
           <a:solidFill>
             <a:schemeClr val="tx1"/>
           </a:solidFill>
@@ -3224,8 +2870,8 @@
           <a:cs typeface="+mn-cs"/>
         </a:defRPr>
       </a:lvl1pPr>
-      <a:lvl2pPr marL="853455" algn="l" defTabSz="1706910" rtl="0" eaLnBrk="1" latinLnBrk="0" hangingPunct="1">
-        <a:defRPr sz="3360" kern="1200">
+      <a:lvl2pPr marL="1350020" algn="l" defTabSz="2700040" rtl="0" eaLnBrk="1" latinLnBrk="0" hangingPunct="1">
+        <a:defRPr sz="5315" kern="1200">
           <a:solidFill>
             <a:schemeClr val="tx1"/>
           </a:solidFill>
@@ -3234,8 +2880,8 @@
           <a:cs typeface="+mn-cs"/>
         </a:defRPr>
       </a:lvl2pPr>
-      <a:lvl3pPr marL="1706910" algn="l" defTabSz="1706910" rtl="0" eaLnBrk="1" latinLnBrk="0" hangingPunct="1">
-        <a:defRPr sz="3360" kern="1200">
+      <a:lvl3pPr marL="2700040" algn="l" defTabSz="2700040" rtl="0" eaLnBrk="1" latinLnBrk="0" hangingPunct="1">
+        <a:defRPr sz="5315" kern="1200">
           <a:solidFill>
             <a:schemeClr val="tx1"/>
           </a:solidFill>
@@ -3244,8 +2890,8 @@
           <a:cs typeface="+mn-cs"/>
         </a:defRPr>
       </a:lvl3pPr>
-      <a:lvl4pPr marL="2560366" algn="l" defTabSz="1706910" rtl="0" eaLnBrk="1" latinLnBrk="0" hangingPunct="1">
-        <a:defRPr sz="3360" kern="1200">
+      <a:lvl4pPr marL="4050060" algn="l" defTabSz="2700040" rtl="0" eaLnBrk="1" latinLnBrk="0" hangingPunct="1">
+        <a:defRPr sz="5315" kern="1200">
           <a:solidFill>
             <a:schemeClr val="tx1"/>
           </a:solidFill>
@@ -3254,8 +2900,8 @@
           <a:cs typeface="+mn-cs"/>
         </a:defRPr>
       </a:lvl4pPr>
-      <a:lvl5pPr marL="3413821" algn="l" defTabSz="1706910" rtl="0" eaLnBrk="1" latinLnBrk="0" hangingPunct="1">
-        <a:defRPr sz="3360" kern="1200">
+      <a:lvl5pPr marL="5400081" algn="l" defTabSz="2700040" rtl="0" eaLnBrk="1" latinLnBrk="0" hangingPunct="1">
+        <a:defRPr sz="5315" kern="1200">
           <a:solidFill>
             <a:schemeClr val="tx1"/>
           </a:solidFill>
@@ -3264,8 +2910,8 @@
           <a:cs typeface="+mn-cs"/>
         </a:defRPr>
       </a:lvl5pPr>
-      <a:lvl6pPr marL="4267276" algn="l" defTabSz="1706910" rtl="0" eaLnBrk="1" latinLnBrk="0" hangingPunct="1">
-        <a:defRPr sz="3360" kern="1200">
+      <a:lvl6pPr marL="6750101" algn="l" defTabSz="2700040" rtl="0" eaLnBrk="1" latinLnBrk="0" hangingPunct="1">
+        <a:defRPr sz="5315" kern="1200">
           <a:solidFill>
             <a:schemeClr val="tx1"/>
           </a:solidFill>
@@ -3274,8 +2920,8 @@
           <a:cs typeface="+mn-cs"/>
         </a:defRPr>
       </a:lvl6pPr>
-      <a:lvl7pPr marL="5120731" algn="l" defTabSz="1706910" rtl="0" eaLnBrk="1" latinLnBrk="0" hangingPunct="1">
-        <a:defRPr sz="3360" kern="1200">
+      <a:lvl7pPr marL="8100121" algn="l" defTabSz="2700040" rtl="0" eaLnBrk="1" latinLnBrk="0" hangingPunct="1">
+        <a:defRPr sz="5315" kern="1200">
           <a:solidFill>
             <a:schemeClr val="tx1"/>
           </a:solidFill>
@@ -3284,8 +2930,8 @@
           <a:cs typeface="+mn-cs"/>
         </a:defRPr>
       </a:lvl7pPr>
-      <a:lvl8pPr marL="5974187" algn="l" defTabSz="1706910" rtl="0" eaLnBrk="1" latinLnBrk="0" hangingPunct="1">
-        <a:defRPr sz="3360" kern="1200">
+      <a:lvl8pPr marL="9450141" algn="l" defTabSz="2700040" rtl="0" eaLnBrk="1" latinLnBrk="0" hangingPunct="1">
+        <a:defRPr sz="5315" kern="1200">
           <a:solidFill>
             <a:schemeClr val="tx1"/>
           </a:solidFill>
@@ -3294,8 +2940,8 @@
           <a:cs typeface="+mn-cs"/>
         </a:defRPr>
       </a:lvl8pPr>
-      <a:lvl9pPr marL="6827642" algn="l" defTabSz="1706910" rtl="0" eaLnBrk="1" latinLnBrk="0" hangingPunct="1">
-        <a:defRPr sz="3360" kern="1200">
+      <a:lvl9pPr marL="10800161" algn="l" defTabSz="2700040" rtl="0" eaLnBrk="1" latinLnBrk="0" hangingPunct="1">
+        <a:defRPr sz="5315" kern="1200">
           <a:solidFill>
             <a:schemeClr val="tx1"/>
           </a:solidFill>
@@ -3343,8 +2989,8 @@
         </p:nvCxnSpPr>
         <p:spPr>
           <a:xfrm>
-            <a:off x="351693" y="3854547"/>
-            <a:ext cx="9375782" cy="32306"/>
+            <a:off x="1952770" y="14340045"/>
+            <a:ext cx="25047430" cy="86305"/>
           </a:xfrm>
           <a:prstGeom prst="line">
             <a:avLst/>
@@ -3385,8 +3031,8 @@
         </p:nvSpPr>
         <p:spPr>
           <a:xfrm>
-            <a:off x="5459436" y="928467"/>
-            <a:ext cx="2869809" cy="562708"/>
+            <a:off x="15598123" y="6523013"/>
+            <a:ext cx="7666703" cy="1503276"/>
           </a:xfrm>
           <a:prstGeom prst="ellipse">
             <a:avLst/>
@@ -3420,14 +3066,14 @@
           <a:p>
             <a:pPr algn="ctr"/>
             <a:r>
-              <a:rPr lang="de-DE" sz="1400" dirty="0" err="1">
+              <a:rPr lang="en-US" sz="3740" dirty="0" err="1">
                 <a:solidFill>
                   <a:schemeClr val="tx1"/>
                 </a:solidFill>
               </a:rPr>
-              <a:t>create_bert_model</a:t>
-            </a:r>
-            <a:endParaRPr lang="de-DE" sz="1400" dirty="0">
+              <a:t>create_xxx_model</a:t>
+            </a:r>
+            <a:endParaRPr lang="en-US" sz="3740" dirty="0">
               <a:solidFill>
                 <a:schemeClr val="tx1"/>
               </a:solidFill>
@@ -3449,12 +3095,17 @@
         </p:nvSpPr>
         <p:spPr>
           <a:xfrm>
-            <a:off x="856573" y="109883"/>
-            <a:ext cx="2050121" cy="292746"/>
+            <a:off x="3301561" y="2909894"/>
+            <a:ext cx="5476904" cy="2208341"/>
           </a:xfrm>
           <a:prstGeom prst="rect">
             <a:avLst/>
           </a:prstGeom>
+          <a:ln>
+            <a:solidFill>
+              <a:schemeClr val="tx1"/>
+            </a:solidFill>
+          </a:ln>
         </p:spPr>
         <p:style>
           <a:lnRef idx="2">
@@ -3478,8 +3129,15 @@
           <a:p>
             <a:pPr algn="ctr"/>
             <a:r>
-              <a:rPr lang="de-DE" sz="1600" dirty="0"/>
+              <a:rPr lang="en-US" sz="4274" dirty="0"/>
               <a:t>Level 1</a:t>
+            </a:r>
+            <a:br>
+              <a:rPr lang="en-US" sz="4274" dirty="0"/>
+            </a:br>
+            <a:r>
+              <a:rPr lang="en-US" sz="4274" dirty="0"/>
+              <a:t>Discrete word embeddings</a:t>
             </a:r>
           </a:p>
         </p:txBody>
@@ -3498,8 +3156,8 @@
         </p:nvSpPr>
         <p:spPr>
           <a:xfrm>
-            <a:off x="5544427" y="1659987"/>
-            <a:ext cx="2699826" cy="562708"/>
+            <a:off x="15825175" y="8477271"/>
+            <a:ext cx="7212593" cy="1503276"/>
           </a:xfrm>
           <a:prstGeom prst="rect">
             <a:avLst/>
@@ -3533,34 +3191,21 @@
           <a:p>
             <a:pPr algn="ctr"/>
             <a:r>
-              <a:rPr lang="de-DE" dirty="0" err="1">
+              <a:rPr lang="en-US" sz="5400" dirty="0" err="1">
                 <a:solidFill>
                   <a:schemeClr val="tx1"/>
                 </a:solidFill>
               </a:rPr>
-              <a:t>bert</a:t>
-            </a:r>
-            <a:r>
-              <a:rPr lang="de-DE" dirty="0">
+              <a:t>tansformer</a:t>
+            </a:r>
+            <a:r>
+              <a:rPr lang="en-US" sz="5400" dirty="0">
                 <a:solidFill>
                   <a:schemeClr val="tx1"/>
                 </a:solidFill>
               </a:rPr>
-              <a:t> </a:t>
-            </a:r>
-            <a:r>
-              <a:rPr lang="de-DE" dirty="0" err="1">
-                <a:solidFill>
-                  <a:schemeClr val="tx1"/>
-                </a:solidFill>
-              </a:rPr>
-              <a:t>model</a:t>
-            </a:r>
-            <a:endParaRPr lang="de-DE" dirty="0">
-              <a:solidFill>
-                <a:schemeClr val="tx1"/>
-              </a:solidFill>
-            </a:endParaRPr>
+              <a:t> model</a:t>
+            </a:r>
           </a:p>
         </p:txBody>
       </p:sp>
@@ -3578,8 +3223,8 @@
         </p:nvSpPr>
         <p:spPr>
           <a:xfrm>
-            <a:off x="5459436" y="2391507"/>
-            <a:ext cx="2869809" cy="562708"/>
+            <a:off x="15598123" y="10431529"/>
+            <a:ext cx="7666703" cy="1503276"/>
           </a:xfrm>
           <a:prstGeom prst="ellipse">
             <a:avLst/>
@@ -3613,14 +3258,14 @@
           <a:p>
             <a:pPr algn="ctr"/>
             <a:r>
-              <a:rPr lang="de-DE" sz="1400" dirty="0" err="1">
+              <a:rPr lang="en-US" sz="3740" dirty="0" err="1">
                 <a:solidFill>
                   <a:schemeClr val="tx1"/>
                 </a:solidFill>
               </a:rPr>
-              <a:t>train_tune_bert_model</a:t>
-            </a:r>
-            <a:endParaRPr lang="de-DE" sz="1400" dirty="0">
+              <a:t>train_tune_xxx_model</a:t>
+            </a:r>
+            <a:endParaRPr lang="en-US" sz="3740" dirty="0">
               <a:solidFill>
                 <a:schemeClr val="tx1"/>
               </a:solidFill>
@@ -3642,8 +3287,8 @@
         </p:nvSpPr>
         <p:spPr>
           <a:xfrm>
-            <a:off x="5544427" y="3137094"/>
-            <a:ext cx="2699826" cy="562708"/>
+            <a:off x="15825175" y="12423367"/>
+            <a:ext cx="7212593" cy="1503276"/>
           </a:xfrm>
           <a:prstGeom prst="rect">
             <a:avLst/>
@@ -3677,34 +3322,13 @@
           <a:p>
             <a:pPr algn="ctr"/>
             <a:r>
-              <a:rPr lang="de-DE" dirty="0" err="1">
+              <a:rPr lang="en-US" sz="5400" dirty="0">
                 <a:solidFill>
                   <a:schemeClr val="tx1"/>
                 </a:solidFill>
               </a:rPr>
-              <a:t>bert</a:t>
-            </a:r>
-            <a:r>
-              <a:rPr lang="de-DE" dirty="0">
-                <a:solidFill>
-                  <a:schemeClr val="tx1"/>
-                </a:solidFill>
-              </a:rPr>
-              <a:t> </a:t>
-            </a:r>
-            <a:r>
-              <a:rPr lang="de-DE" dirty="0" err="1">
-                <a:solidFill>
-                  <a:schemeClr val="tx1"/>
-                </a:solidFill>
-              </a:rPr>
-              <a:t>model</a:t>
-            </a:r>
-            <a:endParaRPr lang="de-DE" dirty="0">
-              <a:solidFill>
-                <a:schemeClr val="tx1"/>
-              </a:solidFill>
-            </a:endParaRPr>
+              <a:t>transformer model</a:t>
+            </a:r>
           </a:p>
         </p:txBody>
       </p:sp>
@@ -3722,8 +3346,8 @@
         </p:nvSpPr>
         <p:spPr>
           <a:xfrm rot="16200000">
-            <a:off x="-1195755" y="2025747"/>
-            <a:ext cx="3094894" cy="562708"/>
+            <a:off x="-2181241" y="9454400"/>
+            <a:ext cx="8268019" cy="1503276"/>
           </a:xfrm>
           <a:prstGeom prst="rect">
             <a:avLst/>
@@ -3761,20 +3385,12 @@
           <a:p>
             <a:pPr algn="ctr"/>
             <a:r>
-              <a:rPr lang="de-DE" dirty="0" err="1">
+              <a:rPr lang="en-US" sz="5400">
                 <a:solidFill>
                   <a:schemeClr val="tx1"/>
                 </a:solidFill>
               </a:rPr>
-              <a:t>Preparation</a:t>
-            </a:r>
-            <a:r>
-              <a:rPr lang="de-DE" dirty="0">
-                <a:solidFill>
-                  <a:schemeClr val="tx1"/>
-                </a:solidFill>
-              </a:rPr>
-              <a:t> Tasks</a:t>
+              <a:t>Preparation Tasks</a:t>
             </a:r>
           </a:p>
         </p:txBody>
@@ -3793,8 +3409,8 @@
         </p:nvSpPr>
         <p:spPr>
           <a:xfrm rot="16200000">
-            <a:off x="-792021" y="6432328"/>
-            <a:ext cx="2287427" cy="562708"/>
+            <a:off x="-2783425" y="24634218"/>
+            <a:ext cx="9472385" cy="1503276"/>
           </a:xfrm>
           <a:prstGeom prst="rect">
             <a:avLst/>
@@ -3832,7 +3448,7 @@
           <a:p>
             <a:pPr algn="ctr"/>
             <a:r>
-              <a:rPr lang="de-DE" dirty="0">
+              <a:rPr lang="en-US" sz="5400">
                 <a:solidFill>
                   <a:schemeClr val="tx1"/>
                 </a:solidFill>
@@ -3856,8 +3472,8 @@
         </p:nvSpPr>
         <p:spPr>
           <a:xfrm>
-            <a:off x="3321646" y="4072177"/>
-            <a:ext cx="2699826" cy="562708"/>
+            <a:off x="10585208" y="17399947"/>
+            <a:ext cx="7212593" cy="1503276"/>
           </a:xfrm>
           <a:prstGeom prst="rect">
             <a:avLst/>
@@ -3891,18 +3507,13 @@
           <a:p>
             <a:pPr algn="ctr"/>
             <a:r>
-              <a:rPr lang="de-DE" dirty="0" err="1">
+              <a:rPr lang="en-US" sz="5400">
                 <a:solidFill>
                   <a:schemeClr val="tx1"/>
                 </a:solidFill>
               </a:rPr>
               <a:t>TextEmbeddingModel</a:t>
             </a:r>
-            <a:endParaRPr lang="de-DE" dirty="0">
-              <a:solidFill>
-                <a:schemeClr val="tx1"/>
-              </a:solidFill>
-            </a:endParaRPr>
           </a:p>
         </p:txBody>
       </p:sp>
@@ -3920,8 +3531,8 @@
         </p:nvSpPr>
         <p:spPr>
           <a:xfrm>
-            <a:off x="3321646" y="5007261"/>
-            <a:ext cx="2699826" cy="562708"/>
+            <a:off x="10585208" y="19898026"/>
+            <a:ext cx="7212593" cy="1503276"/>
           </a:xfrm>
           <a:prstGeom prst="rect">
             <a:avLst/>
@@ -3955,18 +3566,13 @@
           <a:p>
             <a:pPr algn="ctr"/>
             <a:r>
-              <a:rPr lang="de-DE" dirty="0" err="1">
+              <a:rPr lang="en-US" sz="5400">
                 <a:solidFill>
                   <a:schemeClr val="tx1"/>
                 </a:solidFill>
               </a:rPr>
               <a:t>EmbeddedText</a:t>
             </a:r>
-            <a:endParaRPr lang="de-DE" dirty="0">
-              <a:solidFill>
-                <a:schemeClr val="tx1"/>
-              </a:solidFill>
-            </a:endParaRPr>
           </a:p>
         </p:txBody>
       </p:sp>
@@ -3984,8 +3590,8 @@
         </p:nvSpPr>
         <p:spPr>
           <a:xfrm>
-            <a:off x="926789" y="5968871"/>
-            <a:ext cx="2699826" cy="562708"/>
+            <a:off x="4329223" y="22466970"/>
+            <a:ext cx="20193251" cy="1503276"/>
           </a:xfrm>
           <a:prstGeom prst="rect">
             <a:avLst/>
@@ -4019,7 +3625,7 @@
           <a:p>
             <a:pPr algn="ctr"/>
             <a:r>
-              <a:rPr lang="de-DE" dirty="0" err="1">
+              <a:rPr lang="en-US" sz="5400">
                 <a:solidFill>
                   <a:schemeClr val="tx1"/>
                 </a:solidFill>
@@ -4027,25 +3633,20 @@
               <a:t>TextEmbeddingClassifier</a:t>
             </a:r>
             <a:br>
-              <a:rPr lang="de-DE" dirty="0">
+              <a:rPr lang="en-US" sz="5400">
                 <a:solidFill>
                   <a:schemeClr val="tx1"/>
                 </a:solidFill>
               </a:rPr>
             </a:br>
             <a:r>
-              <a:rPr lang="de-DE" dirty="0" err="1">
+              <a:rPr lang="en-US" sz="5400">
                 <a:solidFill>
                   <a:schemeClr val="tx1"/>
                 </a:solidFill>
               </a:rPr>
               <a:t>NeuralNet</a:t>
             </a:r>
-            <a:endParaRPr lang="de-DE" dirty="0">
-              <a:solidFill>
-                <a:schemeClr val="tx1"/>
-              </a:solidFill>
-            </a:endParaRPr>
           </a:p>
         </p:txBody>
       </p:sp>
@@ -4063,8 +3664,8 @@
         </p:nvSpPr>
         <p:spPr>
           <a:xfrm rot="16200000">
-            <a:off x="-506018" y="4430904"/>
-            <a:ext cx="1715422" cy="562708"/>
+            <a:off x="-1202040" y="16743217"/>
+            <a:ext cx="6309621" cy="1503276"/>
           </a:xfrm>
           <a:prstGeom prst="rect">
             <a:avLst/>
@@ -4102,7 +3703,7 @@
           <a:p>
             <a:pPr algn="ctr"/>
             <a:r>
-              <a:rPr lang="de-DE" dirty="0">
+              <a:rPr lang="en-US" sz="5400">
                 <a:solidFill>
                   <a:schemeClr val="tx1"/>
                 </a:solidFill>
@@ -4129,16 +3730,17 @@
         </p:nvCxnSpPr>
         <p:spPr>
           <a:xfrm flipH="1">
-            <a:off x="6894340" y="1491175"/>
-            <a:ext cx="1" cy="168812"/>
+            <a:off x="19431473" y="8026289"/>
+            <a:ext cx="3" cy="450982"/>
           </a:xfrm>
           <a:prstGeom prst="straightConnector1">
             <a:avLst/>
           </a:prstGeom>
-          <a:ln>
+          <a:ln w="63500">
             <a:solidFill>
               <a:schemeClr val="tx1"/>
             </a:solidFill>
+            <a:prstDash val="dash"/>
             <a:tailEnd type="triangle"/>
           </a:ln>
         </p:spPr>
@@ -4174,16 +3776,17 @@
         </p:nvCxnSpPr>
         <p:spPr>
           <a:xfrm>
-            <a:off x="6894340" y="2222695"/>
-            <a:ext cx="1" cy="168812"/>
+            <a:off x="19431473" y="9980547"/>
+            <a:ext cx="3" cy="450982"/>
           </a:xfrm>
           <a:prstGeom prst="straightConnector1">
             <a:avLst/>
           </a:prstGeom>
-          <a:ln>
+          <a:ln w="63500">
             <a:solidFill>
               <a:schemeClr val="tx1"/>
             </a:solidFill>
+            <a:prstDash val="dash"/>
             <a:tailEnd type="triangle"/>
           </a:ln>
         </p:spPr>
@@ -4219,16 +3822,17 @@
         </p:nvCxnSpPr>
         <p:spPr>
           <a:xfrm flipH="1">
-            <a:off x="6894340" y="2954215"/>
-            <a:ext cx="1" cy="182879"/>
+            <a:off x="19431473" y="11934806"/>
+            <a:ext cx="3" cy="488562"/>
           </a:xfrm>
           <a:prstGeom prst="straightConnector1">
             <a:avLst/>
           </a:prstGeom>
-          <a:ln>
+          <a:ln w="63500">
             <a:solidFill>
               <a:schemeClr val="tx1"/>
             </a:solidFill>
+            <a:prstDash val="dash"/>
             <a:tailEnd type="triangle"/>
           </a:ln>
         </p:spPr>
@@ -4265,13 +3869,13 @@
         </p:nvCxnSpPr>
         <p:spPr>
           <a:xfrm>
-            <a:off x="4671559" y="4634885"/>
-            <a:ext cx="0" cy="372376"/>
+            <a:off x="14191505" y="18903223"/>
+            <a:ext cx="0" cy="994803"/>
           </a:xfrm>
           <a:prstGeom prst="straightConnector1">
             <a:avLst/>
           </a:prstGeom>
-          <a:ln>
+          <a:ln w="63500">
             <a:solidFill>
               <a:schemeClr val="tx1"/>
             </a:solidFill>
@@ -4303,20 +3907,21 @@
             </a:extLst>
           </p:cNvPr>
           <p:cNvCxnSpPr>
+            <a:cxnSpLocks/>
             <a:stCxn id="14" idx="1"/>
-            <a:endCxn id="15" idx="0"/>
+            <a:endCxn id="82" idx="0"/>
           </p:cNvCxnSpPr>
           <p:nvPr/>
         </p:nvCxnSpPr>
         <p:spPr>
           <a:xfrm rot="10800000" flipV="1">
-            <a:off x="2276702" y="5288615"/>
-            <a:ext cx="1044944" cy="680256"/>
+            <a:off x="5712332" y="20649664"/>
+            <a:ext cx="4872877" cy="1817306"/>
           </a:xfrm>
           <a:prstGeom prst="bentConnector2">
             <a:avLst/>
           </a:prstGeom>
-          <a:ln>
+          <a:ln w="63500">
             <a:solidFill>
               <a:schemeClr val="tx1"/>
             </a:solidFill>
@@ -4352,8 +3957,8 @@
         </p:nvSpPr>
         <p:spPr>
           <a:xfrm>
-            <a:off x="6100184" y="7294686"/>
-            <a:ext cx="2699826" cy="562708"/>
+            <a:off x="17309882" y="26008889"/>
+            <a:ext cx="7212593" cy="1503276"/>
           </a:xfrm>
           <a:prstGeom prst="rect">
             <a:avLst/>
@@ -4387,114 +3992,16 @@
           <a:p>
             <a:pPr algn="ctr"/>
             <a:r>
-              <a:rPr lang="de-DE" dirty="0" err="1">
+              <a:rPr lang="en-US" sz="5400">
                 <a:solidFill>
                   <a:schemeClr val="tx1"/>
                 </a:solidFill>
               </a:rPr>
               <a:t>Predictions</a:t>
             </a:r>
-            <a:endParaRPr lang="de-DE" dirty="0">
-              <a:solidFill>
-                <a:schemeClr val="tx1"/>
-              </a:solidFill>
-            </a:endParaRPr>
-          </a:p>
-        </p:txBody>
-      </p:sp>
-      <p:cxnSp>
-        <p:nvCxnSpPr>
-          <p:cNvPr id="40" name="Verbinder: gewinkelt 39">
-            <a:extLst>
-              <a:ext uri="{FF2B5EF4-FFF2-40B4-BE49-F238E27FC236}">
-                <a16:creationId xmlns:a16="http://schemas.microsoft.com/office/drawing/2014/main" id="{13E5E77F-3DBE-460A-A1B0-B1C285A1A514}"/>
-              </a:ext>
-            </a:extLst>
-          </p:cNvPr>
-          <p:cNvCxnSpPr>
-            <a:stCxn id="14" idx="3"/>
-            <a:endCxn id="38" idx="0"/>
-          </p:cNvCxnSpPr>
-          <p:nvPr/>
-        </p:nvCxnSpPr>
-        <p:spPr>
-          <a:xfrm>
-            <a:off x="6021472" y="5288615"/>
-            <a:ext cx="1428625" cy="2006071"/>
-          </a:xfrm>
-          <a:prstGeom prst="bentConnector2">
-            <a:avLst/>
-          </a:prstGeom>
-          <a:ln>
-            <a:solidFill>
-              <a:schemeClr val="tx1"/>
-            </a:solidFill>
-            <a:tailEnd type="triangle"/>
-          </a:ln>
-        </p:spPr>
-        <p:style>
-          <a:lnRef idx="1">
-            <a:schemeClr val="accent1"/>
-          </a:lnRef>
-          <a:fillRef idx="0">
-            <a:schemeClr val="accent1"/>
-          </a:fillRef>
-          <a:effectRef idx="0">
-            <a:schemeClr val="accent1"/>
-          </a:effectRef>
-          <a:fontRef idx="minor">
-            <a:schemeClr val="tx1"/>
-          </a:fontRef>
-        </p:style>
-      </p:cxnSp>
-      <p:cxnSp>
-        <p:nvCxnSpPr>
-          <p:cNvPr id="43" name="Verbinder: gewinkelt 42">
-            <a:extLst>
-              <a:ext uri="{FF2B5EF4-FFF2-40B4-BE49-F238E27FC236}">
-                <a16:creationId xmlns:a16="http://schemas.microsoft.com/office/drawing/2014/main" id="{35ECBA05-9BBE-478F-9B23-73A46C88E1F3}"/>
-              </a:ext>
-            </a:extLst>
-          </p:cNvPr>
-          <p:cNvCxnSpPr>
-            <a:cxnSpLocks/>
-            <a:stCxn id="15" idx="3"/>
-            <a:endCxn id="38" idx="1"/>
-          </p:cNvCxnSpPr>
-          <p:nvPr/>
-        </p:nvCxnSpPr>
-        <p:spPr>
-          <a:xfrm>
-            <a:off x="3626615" y="6250225"/>
-            <a:ext cx="2473569" cy="1325815"/>
-          </a:xfrm>
-          <a:prstGeom prst="bentConnector3">
-            <a:avLst>
-              <a:gd name="adj1" fmla="val 50000"/>
-            </a:avLst>
-          </a:prstGeom>
-          <a:ln>
-            <a:solidFill>
-              <a:schemeClr val="tx1"/>
-            </a:solidFill>
-            <a:tailEnd type="triangle"/>
-          </a:ln>
-        </p:spPr>
-        <p:style>
-          <a:lnRef idx="1">
-            <a:schemeClr val="accent1"/>
-          </a:lnRef>
-          <a:fillRef idx="0">
-            <a:schemeClr val="accent1"/>
-          </a:fillRef>
-          <a:effectRef idx="0">
-            <a:schemeClr val="accent1"/>
-          </a:effectRef>
-          <a:fontRef idx="minor">
-            <a:schemeClr val="tx1"/>
-          </a:fontRef>
-        </p:style>
-      </p:cxnSp>
+          </a:p>
+        </p:txBody>
+      </p:sp>
       <p:sp>
         <p:nvSpPr>
           <p:cNvPr id="44" name="Rechteck 43">
@@ -4509,8 +4016,8 @@
         </p:nvSpPr>
         <p:spPr>
           <a:xfrm>
-            <a:off x="6100184" y="8271620"/>
-            <a:ext cx="2699826" cy="562708"/>
+            <a:off x="17309882" y="28618771"/>
+            <a:ext cx="7212593" cy="1503276"/>
           </a:xfrm>
           <a:prstGeom prst="rect">
             <a:avLst/>
@@ -4544,7 +4051,7 @@
           <a:p>
             <a:pPr algn="ctr"/>
             <a:r>
-              <a:rPr lang="de-DE" dirty="0">
+              <a:rPr lang="en-US" sz="5400">
                 <a:solidFill>
                   <a:schemeClr val="tx1"/>
                 </a:solidFill>
@@ -4571,13 +4078,13 @@
         </p:nvCxnSpPr>
         <p:spPr>
           <a:xfrm>
-            <a:off x="7450097" y="7857394"/>
-            <a:ext cx="0" cy="414226"/>
+            <a:off x="20916179" y="27512165"/>
+            <a:ext cx="0" cy="1106606"/>
           </a:xfrm>
           <a:prstGeom prst="straightConnector1">
             <a:avLst/>
           </a:prstGeom>
-          <a:ln>
+          <a:ln w="63500">
             <a:solidFill>
               <a:schemeClr val="tx1"/>
             </a:solidFill>
@@ -4613,8 +4120,8 @@
         </p:nvSpPr>
         <p:spPr>
           <a:xfrm>
-            <a:off x="1364268" y="931582"/>
-            <a:ext cx="2869809" cy="562708"/>
+            <a:off x="5431439" y="6467591"/>
+            <a:ext cx="7666703" cy="1503276"/>
           </a:xfrm>
           <a:prstGeom prst="ellipse">
             <a:avLst/>
@@ -4648,18 +4155,13 @@
           <a:p>
             <a:pPr algn="ctr"/>
             <a:r>
-              <a:rPr lang="de-DE" sz="1200" dirty="0" err="1">
+              <a:rPr lang="en-US" sz="3206">
                 <a:solidFill>
                   <a:schemeClr val="tx1"/>
                 </a:solidFill>
               </a:rPr>
               <a:t>bow_pp_create_vocab_draft</a:t>
             </a:r>
-            <a:endParaRPr lang="de-DE" sz="1200" dirty="0">
-              <a:solidFill>
-                <a:schemeClr val="tx1"/>
-              </a:solidFill>
-            </a:endParaRPr>
           </a:p>
         </p:txBody>
       </p:sp>
@@ -4677,8 +4179,8 @@
         </p:nvSpPr>
         <p:spPr>
           <a:xfrm>
-            <a:off x="1364268" y="2389004"/>
-            <a:ext cx="2869809" cy="562708"/>
+            <a:off x="5431439" y="10361098"/>
+            <a:ext cx="7666703" cy="1503276"/>
           </a:xfrm>
           <a:prstGeom prst="ellipse">
             <a:avLst/>
@@ -4712,18 +4214,13 @@
           <a:p>
             <a:pPr algn="ctr"/>
             <a:r>
-              <a:rPr lang="en-US" sz="1100" dirty="0" err="1">
+              <a:rPr lang="en-US" sz="2939">
                 <a:solidFill>
                   <a:schemeClr val="tx1"/>
                 </a:solidFill>
               </a:rPr>
               <a:t>bow_pp_create_basic_text_rep</a:t>
             </a:r>
-            <a:endParaRPr lang="de-DE" sz="1100" dirty="0">
-              <a:solidFill>
-                <a:schemeClr val="tx1"/>
-              </a:solidFill>
-            </a:endParaRPr>
           </a:p>
         </p:txBody>
       </p:sp>
@@ -4741,8 +4238,8 @@
         </p:nvSpPr>
         <p:spPr>
           <a:xfrm>
-            <a:off x="1449259" y="3089883"/>
-            <a:ext cx="2699826" cy="562708"/>
+            <a:off x="5658492" y="12233498"/>
+            <a:ext cx="7212593" cy="1503276"/>
           </a:xfrm>
           <a:prstGeom prst="rect">
             <a:avLst/>
@@ -4776,18 +4273,13 @@
           <a:p>
             <a:pPr algn="ctr"/>
             <a:r>
-              <a:rPr lang="de-DE" dirty="0" err="1">
+              <a:rPr lang="en-US" sz="5400">
                 <a:solidFill>
                   <a:schemeClr val="tx1"/>
                 </a:solidFill>
               </a:rPr>
               <a:t>basic_text_rep</a:t>
             </a:r>
-            <a:endParaRPr lang="de-DE" dirty="0">
-              <a:solidFill>
-                <a:schemeClr val="tx1"/>
-              </a:solidFill>
-            </a:endParaRPr>
           </a:p>
         </p:txBody>
       </p:sp>
@@ -4805,8 +4297,8 @@
         </p:nvSpPr>
         <p:spPr>
           <a:xfrm>
-            <a:off x="1455288" y="1658018"/>
-            <a:ext cx="2699826" cy="562708"/>
+            <a:off x="5674598" y="8408267"/>
+            <a:ext cx="7212593" cy="1503276"/>
           </a:xfrm>
           <a:prstGeom prst="rect">
             <a:avLst/>
@@ -4840,18 +4332,13 @@
           <a:p>
             <a:pPr algn="ctr"/>
             <a:r>
-              <a:rPr lang="de-DE" dirty="0" err="1">
+              <a:rPr lang="en-US" sz="5400">
                 <a:solidFill>
                   <a:schemeClr val="tx1"/>
                 </a:solidFill>
               </a:rPr>
               <a:t>bow_vocab_draft</a:t>
             </a:r>
-            <a:endParaRPr lang="de-DE" dirty="0">
-              <a:solidFill>
-                <a:schemeClr val="tx1"/>
-              </a:solidFill>
-            </a:endParaRPr>
           </a:p>
         </p:txBody>
       </p:sp>
@@ -4865,6 +4352,7 @@
             </a:extLst>
           </p:cNvPr>
           <p:cNvCxnSpPr>
+            <a:cxnSpLocks/>
             <a:stCxn id="51" idx="4"/>
             <a:endCxn id="54" idx="0"/>
           </p:cNvCxnSpPr>
@@ -4872,16 +4360,17 @@
         </p:nvCxnSpPr>
         <p:spPr>
           <a:xfrm>
-            <a:off x="2799173" y="1494290"/>
-            <a:ext cx="6028" cy="163728"/>
+            <a:off x="9264791" y="7970867"/>
+            <a:ext cx="16104" cy="437400"/>
           </a:xfrm>
           <a:prstGeom prst="straightConnector1">
             <a:avLst/>
           </a:prstGeom>
-          <a:ln>
+          <a:ln w="63500">
             <a:solidFill>
               <a:schemeClr val="tx1"/>
             </a:solidFill>
+            <a:prstDash val="dash"/>
             <a:tailEnd type="triangle"/>
           </a:ln>
         </p:spPr>
@@ -4917,16 +4406,17 @@
         </p:nvCxnSpPr>
         <p:spPr>
           <a:xfrm flipH="1">
-            <a:off x="2799173" y="2220726"/>
-            <a:ext cx="6028" cy="168278"/>
+            <a:off x="9264791" y="9911543"/>
+            <a:ext cx="16104" cy="449555"/>
           </a:xfrm>
           <a:prstGeom prst="straightConnector1">
             <a:avLst/>
           </a:prstGeom>
-          <a:ln>
+          <a:ln w="63500">
             <a:solidFill>
               <a:schemeClr val="tx1"/>
             </a:solidFill>
+            <a:prstDash val="dash"/>
             <a:tailEnd type="triangle"/>
           </a:ln>
         </p:spPr>
@@ -4962,13 +4452,13 @@
         </p:nvCxnSpPr>
         <p:spPr>
           <a:xfrm flipH="1">
-            <a:off x="2799172" y="2951712"/>
-            <a:ext cx="1" cy="138171"/>
+            <a:off x="9264789" y="11864376"/>
+            <a:ext cx="3" cy="369124"/>
           </a:xfrm>
           <a:prstGeom prst="straightConnector1">
             <a:avLst/>
           </a:prstGeom>
-          <a:ln>
+          <a:ln w="63500">
             <a:solidFill>
               <a:schemeClr val="tx1"/>
             </a:solidFill>
@@ -5007,16 +4497,17 @@
         </p:nvCxnSpPr>
         <p:spPr>
           <a:xfrm rot="16200000" flipH="1">
-            <a:off x="2709939" y="3741824"/>
-            <a:ext cx="700940" cy="522474"/>
+            <a:off x="7717593" y="15283969"/>
+            <a:ext cx="4414811" cy="1320419"/>
           </a:xfrm>
           <a:prstGeom prst="bentConnector2">
             <a:avLst/>
           </a:prstGeom>
-          <a:ln>
+          <a:ln w="63500">
             <a:solidFill>
               <a:schemeClr val="tx1"/>
             </a:solidFill>
+            <a:prstDash val="dash"/>
             <a:tailEnd type="triangle"/>
           </a:ln>
         </p:spPr>
@@ -5053,16 +4544,17 @@
         </p:nvCxnSpPr>
         <p:spPr>
           <a:xfrm rot="5400000">
-            <a:off x="6131042" y="3590232"/>
-            <a:ext cx="653729" cy="872868"/>
+            <a:off x="16502166" y="15222279"/>
+            <a:ext cx="4224942" cy="1633671"/>
           </a:xfrm>
           <a:prstGeom prst="bentConnector2">
             <a:avLst/>
           </a:prstGeom>
-          <a:ln>
+          <a:ln w="63500">
             <a:solidFill>
               <a:schemeClr val="tx1"/>
             </a:solidFill>
+            <a:prstDash val="dash"/>
             <a:tailEnd type="triangle"/>
           </a:ln>
         </p:spPr>
@@ -5095,12 +4587,20 @@
         </p:nvSpPr>
         <p:spPr>
           <a:xfrm>
-            <a:off x="856573" y="402439"/>
-            <a:ext cx="2050121" cy="292746"/>
+            <a:off x="3301561" y="5117728"/>
+            <a:ext cx="5476904" cy="782072"/>
           </a:xfrm>
           <a:prstGeom prst="rect">
             <a:avLst/>
           </a:prstGeom>
+          <a:solidFill>
+            <a:schemeClr val="bg1"/>
+          </a:solidFill>
+          <a:ln>
+            <a:solidFill>
+              <a:schemeClr val="tx1"/>
+            </a:solidFill>
+          </a:ln>
         </p:spPr>
         <p:style>
           <a:lnRef idx="2">
@@ -5124,7 +4624,11 @@
           <a:p>
             <a:pPr algn="ctr"/>
             <a:r>
-              <a:rPr lang="de-DE" sz="1600" dirty="0"/>
+              <a:rPr lang="en-US" sz="4274" dirty="0">
+                <a:solidFill>
+                  <a:schemeClr val="tx1"/>
+                </a:solidFill>
+              </a:rPr>
               <a:t>Topic Modeling</a:t>
             </a:r>
           </a:p>
@@ -5144,12 +4648,17 @@
         </p:nvSpPr>
         <p:spPr>
           <a:xfrm>
-            <a:off x="2976436" y="108156"/>
-            <a:ext cx="2050121" cy="292746"/>
+            <a:off x="8964781" y="2905281"/>
+            <a:ext cx="5476904" cy="2208341"/>
           </a:xfrm>
           <a:prstGeom prst="rect">
             <a:avLst/>
           </a:prstGeom>
+          <a:ln>
+            <a:solidFill>
+              <a:schemeClr val="tx1"/>
+            </a:solidFill>
+          </a:ln>
         </p:spPr>
         <p:style>
           <a:lnRef idx="2">
@@ -5173,8 +4682,15 @@
           <a:p>
             <a:pPr algn="ctr"/>
             <a:r>
-              <a:rPr lang="de-DE" sz="1600" dirty="0"/>
+              <a:rPr lang="en-US" sz="4274" dirty="0"/>
               <a:t>Level 2</a:t>
+            </a:r>
+            <a:br>
+              <a:rPr lang="en-US" sz="4274" dirty="0"/>
+            </a:br>
+            <a:r>
+              <a:rPr lang="en-US" sz="4274" dirty="0"/>
+              <a:t>Distributional word embeddings</a:t>
             </a:r>
           </a:p>
         </p:txBody>
@@ -5193,12 +4709,20 @@
         </p:nvSpPr>
         <p:spPr>
           <a:xfrm>
-            <a:off x="2976436" y="400712"/>
-            <a:ext cx="2050121" cy="292746"/>
+            <a:off x="8964781" y="5113114"/>
+            <a:ext cx="5476904" cy="782072"/>
           </a:xfrm>
           <a:prstGeom prst="rect">
             <a:avLst/>
           </a:prstGeom>
+          <a:solidFill>
+            <a:schemeClr val="bg1"/>
+          </a:solidFill>
+          <a:ln>
+            <a:solidFill>
+              <a:schemeClr val="tx1"/>
+            </a:solidFill>
+          </a:ln>
         </p:spPr>
         <p:style>
           <a:lnRef idx="2">
@@ -5222,10 +4746,13 @@
           <a:p>
             <a:pPr algn="ctr"/>
             <a:r>
-              <a:rPr lang="de-DE" sz="1600" dirty="0" err="1"/>
+              <a:rPr lang="en-US" sz="4274">
+                <a:solidFill>
+                  <a:schemeClr val="tx1"/>
+                </a:solidFill>
+              </a:rPr>
               <a:t>GlobalVectorClusters</a:t>
             </a:r>
-            <a:endParaRPr lang="de-DE" sz="1600" dirty="0"/>
           </a:p>
         </p:txBody>
       </p:sp>
@@ -5243,12 +4770,17 @@
         </p:nvSpPr>
         <p:spPr>
           <a:xfrm>
-            <a:off x="5236310" y="106642"/>
-            <a:ext cx="3951233" cy="292746"/>
+            <a:off x="15002041" y="2909894"/>
+            <a:ext cx="11642029" cy="2199683"/>
           </a:xfrm>
           <a:prstGeom prst="rect">
             <a:avLst/>
           </a:prstGeom>
+          <a:ln>
+            <a:solidFill>
+              <a:schemeClr val="tx1"/>
+            </a:solidFill>
+          </a:ln>
         </p:spPr>
         <p:style>
           <a:lnRef idx="2">
@@ -5272,8 +4804,22 @@
           <a:p>
             <a:pPr algn="ctr"/>
             <a:r>
-              <a:rPr lang="de-DE" sz="1600" dirty="0"/>
+              <a:rPr lang="en-US" sz="4274" dirty="0"/>
               <a:t>Level 3</a:t>
+            </a:r>
+            <a:br>
+              <a:rPr lang="en-US" sz="4274" dirty="0"/>
+            </a:br>
+            <a:r>
+              <a:rPr lang="en-US" sz="4274" dirty="0"/>
+              <a:t>Contextual </a:t>
+            </a:r>
+            <a:br>
+              <a:rPr lang="en-US" sz="4274" dirty="0"/>
+            </a:br>
+            <a:r>
+              <a:rPr lang="en-US" sz="4274" dirty="0"/>
+              <a:t>word representations</a:t>
             </a:r>
           </a:p>
         </p:txBody>
@@ -5292,12 +4838,20 @@
         </p:nvSpPr>
         <p:spPr>
           <a:xfrm>
-            <a:off x="5236310" y="396686"/>
-            <a:ext cx="3951233" cy="292746"/>
+            <a:off x="15002041" y="5102358"/>
+            <a:ext cx="11642029" cy="782072"/>
           </a:xfrm>
           <a:prstGeom prst="rect">
             <a:avLst/>
           </a:prstGeom>
+          <a:solidFill>
+            <a:schemeClr val="bg1"/>
+          </a:solidFill>
+          <a:ln>
+            <a:solidFill>
+              <a:schemeClr val="tx1"/>
+            </a:solidFill>
+          </a:ln>
         </p:spPr>
         <p:style>
           <a:lnRef idx="2">
@@ -5321,7 +4875,11 @@
           <a:p>
             <a:pPr algn="ctr"/>
             <a:r>
-              <a:rPr lang="de-DE" sz="1600" dirty="0"/>
+              <a:rPr lang="en-US" sz="4274">
+                <a:solidFill>
+                  <a:schemeClr val="tx1"/>
+                </a:solidFill>
+              </a:rPr>
               <a:t>Transformers</a:t>
             </a:r>
           </a:p>
@@ -5341,8 +4899,8 @@
         </p:nvSpPr>
         <p:spPr>
           <a:xfrm>
-            <a:off x="926789" y="8271620"/>
-            <a:ext cx="2699826" cy="562708"/>
+            <a:off x="3489141" y="28618771"/>
+            <a:ext cx="7212593" cy="1503276"/>
           </a:xfrm>
           <a:prstGeom prst="rect">
             <a:avLst/>
@@ -5376,7 +4934,7 @@
           <a:p>
             <a:pPr algn="ctr"/>
             <a:r>
-              <a:rPr lang="de-DE" dirty="0">
+              <a:rPr lang="en-US" sz="5400" dirty="0">
                 <a:solidFill>
                   <a:schemeClr val="tx1"/>
                 </a:solidFill>
@@ -5384,32 +4942,638 @@
               <a:t>Target Data</a:t>
             </a:r>
           </a:p>
+          <a:p>
+            <a:pPr algn="ctr"/>
+            <a:r>
+              <a:rPr lang="en-US" sz="5400" dirty="0">
+                <a:solidFill>
+                  <a:schemeClr val="tx1"/>
+                </a:solidFill>
+              </a:rPr>
+              <a:t>(categories/classes)</a:t>
+            </a:r>
+          </a:p>
+        </p:txBody>
+      </p:sp>
+      <p:sp>
+        <p:nvSpPr>
+          <p:cNvPr id="2" name="Textfeld 1">
+            <a:extLst>
+              <a:ext uri="{FF2B5EF4-FFF2-40B4-BE49-F238E27FC236}">
+                <a16:creationId xmlns:a16="http://schemas.microsoft.com/office/drawing/2014/main" id="{A0970E29-F179-4B7C-B688-32EB08EB9CF8}"/>
+              </a:ext>
+            </a:extLst>
+          </p:cNvPr>
+          <p:cNvSpPr txBox="1"/>
+          <p:nvPr/>
+        </p:nvSpPr>
+        <p:spPr>
+          <a:xfrm>
+            <a:off x="3301561" y="1630297"/>
+            <a:ext cx="22068631" cy="923330"/>
+          </a:xfrm>
+          <a:prstGeom prst="rect">
+            <a:avLst/>
+          </a:prstGeom>
+          <a:noFill/>
+        </p:spPr>
+        <p:txBody>
+          <a:bodyPr wrap="square" rtlCol="0">
+            <a:spAutoFit/>
+          </a:bodyPr>
+          <a:lstStyle/>
+          <a:p>
+            <a:pPr algn="ctr"/>
+            <a:r>
+              <a:rPr lang="en-US" sz="5400" b="1" dirty="0"/>
+              <a:t>Sophistication of Word Embeddings</a:t>
+            </a:r>
+          </a:p>
+        </p:txBody>
+      </p:sp>
+      <p:sp>
+        <p:nvSpPr>
+          <p:cNvPr id="49" name="Rechteck 48">
+            <a:extLst>
+              <a:ext uri="{FF2B5EF4-FFF2-40B4-BE49-F238E27FC236}">
+                <a16:creationId xmlns:a16="http://schemas.microsoft.com/office/drawing/2014/main" id="{185E3985-0B86-4FB1-881A-C83777836EE4}"/>
+              </a:ext>
+            </a:extLst>
+          </p:cNvPr>
+          <p:cNvSpPr/>
+          <p:nvPr/>
+        </p:nvSpPr>
+        <p:spPr>
+          <a:xfrm rot="16200000">
+            <a:off x="1943301" y="7529964"/>
+            <a:ext cx="3689917" cy="1081929"/>
+          </a:xfrm>
+          <a:prstGeom prst="rect">
+            <a:avLst/>
+          </a:prstGeom>
+          <a:noFill/>
+          <a:ln>
+            <a:solidFill>
+              <a:schemeClr val="tx1"/>
+            </a:solidFill>
+            <a:prstDash val="dash"/>
+          </a:ln>
+        </p:spPr>
+        <p:style>
+          <a:lnRef idx="2">
+            <a:schemeClr val="accent1">
+              <a:shade val="50000"/>
+            </a:schemeClr>
+          </a:lnRef>
+          <a:fillRef idx="1">
+            <a:schemeClr val="accent1"/>
+          </a:fillRef>
+          <a:effectRef idx="0">
+            <a:schemeClr val="accent1"/>
+          </a:effectRef>
+          <a:fontRef idx="minor">
+            <a:schemeClr val="lt1"/>
+          </a:fontRef>
+        </p:style>
+        <p:txBody>
+          <a:bodyPr rtlCol="0" anchor="ctr"/>
+          <a:lstStyle/>
+          <a:p>
+            <a:pPr algn="ctr"/>
+            <a:r>
+              <a:rPr lang="en-US" sz="4000" dirty="0" err="1">
+                <a:solidFill>
+                  <a:schemeClr val="tx1"/>
+                </a:solidFill>
+              </a:rPr>
+              <a:t>udpipe</a:t>
+            </a:r>
+            <a:br>
+              <a:rPr lang="en-US" sz="4000" dirty="0">
+                <a:solidFill>
+                  <a:schemeClr val="tx1"/>
+                </a:solidFill>
+              </a:rPr>
+            </a:br>
+            <a:r>
+              <a:rPr lang="en-US" sz="4000" dirty="0">
+                <a:solidFill>
+                  <a:schemeClr val="tx1"/>
+                </a:solidFill>
+              </a:rPr>
+              <a:t>language model</a:t>
+            </a:r>
+          </a:p>
         </p:txBody>
       </p:sp>
       <p:cxnSp>
         <p:nvCxnSpPr>
-          <p:cNvPr id="16" name="Gerade Verbindung mit Pfeil 15">
+          <p:cNvPr id="50" name="Gerade Verbindung mit Pfeil 49">
             <a:extLst>
               <a:ext uri="{FF2B5EF4-FFF2-40B4-BE49-F238E27FC236}">
-                <a16:creationId xmlns:a16="http://schemas.microsoft.com/office/drawing/2014/main" id="{F219247D-7B95-41B7-95A5-9B133784AC65}"/>
+                <a16:creationId xmlns:a16="http://schemas.microsoft.com/office/drawing/2014/main" id="{F2C1C8AE-0819-499E-80A6-7462E4B87DF8}"/>
               </a:ext>
             </a:extLst>
           </p:cNvPr>
           <p:cNvCxnSpPr>
-            <a:stCxn id="39" idx="0"/>
-            <a:endCxn id="15" idx="2"/>
+            <a:cxnSpLocks/>
+            <a:stCxn id="49" idx="2"/>
           </p:cNvCxnSpPr>
           <p:nvPr/>
         </p:nvCxnSpPr>
         <p:spPr>
           <a:xfrm flipV="1">
-            <a:off x="2276702" y="6531579"/>
-            <a:ext cx="0" cy="1740041"/>
+            <a:off x="4329224" y="7215851"/>
+            <a:ext cx="1102215" cy="855077"/>
           </a:xfrm>
           <a:prstGeom prst="straightConnector1">
             <a:avLst/>
           </a:prstGeom>
+          <a:ln w="63500">
+            <a:solidFill>
+              <a:schemeClr val="tx1"/>
+            </a:solidFill>
+            <a:tailEnd type="triangle"/>
+          </a:ln>
+        </p:spPr>
+        <p:style>
+          <a:lnRef idx="1">
+            <a:schemeClr val="accent1"/>
+          </a:lnRef>
+          <a:fillRef idx="0">
+            <a:schemeClr val="accent1"/>
+          </a:fillRef>
+          <a:effectRef idx="0">
+            <a:schemeClr val="accent1"/>
+          </a:effectRef>
+          <a:fontRef idx="minor">
+            <a:schemeClr val="tx1"/>
+          </a:fontRef>
+        </p:style>
+      </p:cxnSp>
+      <p:sp>
+        <p:nvSpPr>
+          <p:cNvPr id="55" name="Rechteck 54">
+            <a:extLst>
+              <a:ext uri="{FF2B5EF4-FFF2-40B4-BE49-F238E27FC236}">
+                <a16:creationId xmlns:a16="http://schemas.microsoft.com/office/drawing/2014/main" id="{BD0FC188-0F28-4753-BAEB-41D68551C79F}"/>
+              </a:ext>
+            </a:extLst>
+          </p:cNvPr>
+          <p:cNvSpPr/>
+          <p:nvPr/>
+        </p:nvSpPr>
+        <p:spPr>
+          <a:xfrm>
+            <a:off x="23674046" y="12423367"/>
+            <a:ext cx="2970024" cy="1503276"/>
+          </a:xfrm>
+          <a:prstGeom prst="rect">
+            <a:avLst/>
+          </a:prstGeom>
+          <a:noFill/>
           <a:ln>
+            <a:solidFill>
+              <a:schemeClr val="tx1"/>
+            </a:solidFill>
+            <a:prstDash val="dash"/>
+          </a:ln>
+        </p:spPr>
+        <p:style>
+          <a:lnRef idx="2">
+            <a:schemeClr val="accent1">
+              <a:shade val="50000"/>
+            </a:schemeClr>
+          </a:lnRef>
+          <a:fillRef idx="1">
+            <a:schemeClr val="accent1"/>
+          </a:fillRef>
+          <a:effectRef idx="0">
+            <a:schemeClr val="accent1"/>
+          </a:effectRef>
+          <a:fontRef idx="minor">
+            <a:schemeClr val="lt1"/>
+          </a:fontRef>
+        </p:style>
+        <p:txBody>
+          <a:bodyPr rtlCol="0" anchor="ctr"/>
+          <a:lstStyle/>
+          <a:p>
+            <a:pPr algn="ctr"/>
+            <a:r>
+              <a:rPr lang="en-US" sz="3600" dirty="0">
+                <a:solidFill>
+                  <a:schemeClr val="tx1"/>
+                </a:solidFill>
+              </a:rPr>
+              <a:t>hugging face</a:t>
+            </a:r>
+          </a:p>
+        </p:txBody>
+      </p:sp>
+      <p:cxnSp>
+        <p:nvCxnSpPr>
+          <p:cNvPr id="57" name="Gerade Verbindung mit Pfeil 56">
+            <a:extLst>
+              <a:ext uri="{FF2B5EF4-FFF2-40B4-BE49-F238E27FC236}">
+                <a16:creationId xmlns:a16="http://schemas.microsoft.com/office/drawing/2014/main" id="{2F7135D2-6718-45C8-8D17-95E6D25A7076}"/>
+              </a:ext>
+            </a:extLst>
+          </p:cNvPr>
+          <p:cNvCxnSpPr>
+            <a:cxnSpLocks/>
+            <a:stCxn id="55" idx="1"/>
+            <a:endCxn id="10" idx="3"/>
+          </p:cNvCxnSpPr>
+          <p:nvPr/>
+        </p:nvCxnSpPr>
+        <p:spPr>
+          <a:xfrm flipH="1">
+            <a:off x="23037768" y="13175005"/>
+            <a:ext cx="636278" cy="0"/>
+          </a:xfrm>
+          <a:prstGeom prst="straightConnector1">
+            <a:avLst/>
+          </a:prstGeom>
+          <a:ln w="63500">
+            <a:solidFill>
+              <a:schemeClr val="tx1"/>
+            </a:solidFill>
+            <a:headEnd type="triangle" w="med" len="med"/>
+            <a:tailEnd type="triangle" w="med" len="med"/>
+          </a:ln>
+        </p:spPr>
+        <p:style>
+          <a:lnRef idx="1">
+            <a:schemeClr val="accent1"/>
+          </a:lnRef>
+          <a:fillRef idx="0">
+            <a:schemeClr val="accent1"/>
+          </a:fillRef>
+          <a:effectRef idx="0">
+            <a:schemeClr val="accent1"/>
+          </a:effectRef>
+          <a:fontRef idx="minor">
+            <a:schemeClr val="tx1"/>
+          </a:fontRef>
+        </p:style>
+      </p:cxnSp>
+      <p:sp>
+        <p:nvSpPr>
+          <p:cNvPr id="64" name="Rechteck 63">
+            <a:extLst>
+              <a:ext uri="{FF2B5EF4-FFF2-40B4-BE49-F238E27FC236}">
+                <a16:creationId xmlns:a16="http://schemas.microsoft.com/office/drawing/2014/main" id="{3D30100B-E9AC-42CA-8D76-17DDCB56C607}"/>
+              </a:ext>
+            </a:extLst>
+          </p:cNvPr>
+          <p:cNvSpPr/>
+          <p:nvPr/>
+        </p:nvSpPr>
+        <p:spPr>
+          <a:xfrm>
+            <a:off x="11935326" y="14986597"/>
+            <a:ext cx="4479668" cy="1503276"/>
+          </a:xfrm>
+          <a:prstGeom prst="rect">
+            <a:avLst/>
+          </a:prstGeom>
+          <a:noFill/>
+          <a:ln>
+            <a:solidFill>
+              <a:schemeClr val="tx1"/>
+            </a:solidFill>
+            <a:prstDash val="solid"/>
+          </a:ln>
+        </p:spPr>
+        <p:style>
+          <a:lnRef idx="2">
+            <a:schemeClr val="accent1">
+              <a:shade val="50000"/>
+            </a:schemeClr>
+          </a:lnRef>
+          <a:fillRef idx="1">
+            <a:schemeClr val="accent1"/>
+          </a:fillRef>
+          <a:effectRef idx="0">
+            <a:schemeClr val="accent1"/>
+          </a:effectRef>
+          <a:fontRef idx="minor">
+            <a:schemeClr val="lt1"/>
+          </a:fontRef>
+        </p:style>
+        <p:txBody>
+          <a:bodyPr rtlCol="0" anchor="ctr"/>
+          <a:lstStyle/>
+          <a:p>
+            <a:pPr algn="ctr"/>
+            <a:r>
+              <a:rPr lang="en-US" sz="5400" dirty="0">
+                <a:solidFill>
+                  <a:schemeClr val="tx1"/>
+                </a:solidFill>
+              </a:rPr>
+              <a:t>Input Data</a:t>
+            </a:r>
+          </a:p>
+          <a:p>
+            <a:pPr algn="ctr"/>
+            <a:r>
+              <a:rPr lang="en-US" sz="5400" dirty="0">
+                <a:solidFill>
+                  <a:schemeClr val="tx1"/>
+                </a:solidFill>
+              </a:rPr>
+              <a:t>(raw texts)</a:t>
+            </a:r>
+          </a:p>
+        </p:txBody>
+      </p:sp>
+      <p:cxnSp>
+        <p:nvCxnSpPr>
+          <p:cNvPr id="65" name="Gerade Verbindung mit Pfeil 64">
+            <a:extLst>
+              <a:ext uri="{FF2B5EF4-FFF2-40B4-BE49-F238E27FC236}">
+                <a16:creationId xmlns:a16="http://schemas.microsoft.com/office/drawing/2014/main" id="{6CA92357-FDE0-457D-A419-E35195E938C5}"/>
+              </a:ext>
+            </a:extLst>
+          </p:cNvPr>
+          <p:cNvCxnSpPr>
+            <a:cxnSpLocks/>
+            <a:stCxn id="64" idx="2"/>
+            <a:endCxn id="13" idx="0"/>
+          </p:cNvCxnSpPr>
+          <p:nvPr/>
+        </p:nvCxnSpPr>
+        <p:spPr>
+          <a:xfrm>
+            <a:off x="14175160" y="16489873"/>
+            <a:ext cx="16345" cy="910074"/>
+          </a:xfrm>
+          <a:prstGeom prst="straightConnector1">
+            <a:avLst/>
+          </a:prstGeom>
+          <a:ln w="63500">
+            <a:solidFill>
+              <a:schemeClr val="tx1"/>
+            </a:solidFill>
+            <a:tailEnd type="triangle"/>
+          </a:ln>
+        </p:spPr>
+        <p:style>
+          <a:lnRef idx="1">
+            <a:schemeClr val="accent1"/>
+          </a:lnRef>
+          <a:fillRef idx="0">
+            <a:schemeClr val="accent1"/>
+          </a:fillRef>
+          <a:effectRef idx="0">
+            <a:schemeClr val="accent1"/>
+          </a:effectRef>
+          <a:fontRef idx="minor">
+            <a:schemeClr val="tx1"/>
+          </a:fontRef>
+        </p:style>
+      </p:cxnSp>
+      <p:cxnSp>
+        <p:nvCxnSpPr>
+          <p:cNvPr id="76" name="Verbinder: gewinkelt 75">
+            <a:extLst>
+              <a:ext uri="{FF2B5EF4-FFF2-40B4-BE49-F238E27FC236}">
+                <a16:creationId xmlns:a16="http://schemas.microsoft.com/office/drawing/2014/main" id="{72181CAA-ED01-4098-B618-D4871628FB7F}"/>
+              </a:ext>
+            </a:extLst>
+          </p:cNvPr>
+          <p:cNvCxnSpPr>
+            <a:cxnSpLocks/>
+            <a:stCxn id="39" idx="0"/>
+            <a:endCxn id="82" idx="2"/>
+          </p:cNvCxnSpPr>
+          <p:nvPr/>
+        </p:nvCxnSpPr>
+        <p:spPr>
+          <a:xfrm rot="16200000" flipV="1">
+            <a:off x="4079623" y="25602955"/>
+            <a:ext cx="4648525" cy="1383107"/>
+          </a:xfrm>
+          <a:prstGeom prst="bentConnector3">
+            <a:avLst>
+              <a:gd name="adj1" fmla="val 50000"/>
+            </a:avLst>
+          </a:prstGeom>
+          <a:ln w="63500">
+            <a:solidFill>
+              <a:schemeClr val="tx1"/>
+            </a:solidFill>
+            <a:tailEnd type="triangle"/>
+          </a:ln>
+        </p:spPr>
+        <p:style>
+          <a:lnRef idx="1">
+            <a:schemeClr val="accent1"/>
+          </a:lnRef>
+          <a:fillRef idx="0">
+            <a:schemeClr val="accent1"/>
+          </a:fillRef>
+          <a:effectRef idx="0">
+            <a:schemeClr val="accent1"/>
+          </a:effectRef>
+          <a:fontRef idx="minor">
+            <a:schemeClr val="tx1"/>
+          </a:fontRef>
+        </p:style>
+      </p:cxnSp>
+      <p:sp>
+        <p:nvSpPr>
+          <p:cNvPr id="82" name="Rechteck 81">
+            <a:extLst>
+              <a:ext uri="{FF2B5EF4-FFF2-40B4-BE49-F238E27FC236}">
+                <a16:creationId xmlns:a16="http://schemas.microsoft.com/office/drawing/2014/main" id="{6FAC3172-DAF1-4C34-99B3-0B7EF8F92BB5}"/>
+              </a:ext>
+            </a:extLst>
+          </p:cNvPr>
+          <p:cNvSpPr/>
+          <p:nvPr/>
+        </p:nvSpPr>
+        <p:spPr>
+          <a:xfrm>
+            <a:off x="4329222" y="22466970"/>
+            <a:ext cx="2766217" cy="1503276"/>
+          </a:xfrm>
+          <a:prstGeom prst="rect">
+            <a:avLst/>
+          </a:prstGeom>
+          <a:noFill/>
+          <a:ln>
+            <a:solidFill>
+              <a:schemeClr val="tx1"/>
+            </a:solidFill>
+          </a:ln>
+        </p:spPr>
+        <p:style>
+          <a:lnRef idx="2">
+            <a:schemeClr val="accent1">
+              <a:shade val="50000"/>
+            </a:schemeClr>
+          </a:lnRef>
+          <a:fillRef idx="1">
+            <a:schemeClr val="accent1"/>
+          </a:fillRef>
+          <a:effectRef idx="0">
+            <a:schemeClr val="accent1"/>
+          </a:effectRef>
+          <a:fontRef idx="minor">
+            <a:schemeClr val="lt1"/>
+          </a:fontRef>
+        </p:style>
+        <p:txBody>
+          <a:bodyPr rtlCol="0" anchor="ctr"/>
+          <a:lstStyle/>
+          <a:p>
+            <a:pPr algn="ctr"/>
+            <a:r>
+              <a:rPr lang="en-US" sz="5400" dirty="0">
+                <a:solidFill>
+                  <a:schemeClr val="tx1"/>
+                </a:solidFill>
+              </a:rPr>
+              <a:t>train</a:t>
+            </a:r>
+          </a:p>
+        </p:txBody>
+      </p:sp>
+      <p:sp>
+        <p:nvSpPr>
+          <p:cNvPr id="83" name="Rechteck 82">
+            <a:extLst>
+              <a:ext uri="{FF2B5EF4-FFF2-40B4-BE49-F238E27FC236}">
+                <a16:creationId xmlns:a16="http://schemas.microsoft.com/office/drawing/2014/main" id="{F782E9AA-CE2A-46A5-A3CF-386C3A1B6D18}"/>
+              </a:ext>
+            </a:extLst>
+          </p:cNvPr>
+          <p:cNvSpPr/>
+          <p:nvPr/>
+        </p:nvSpPr>
+        <p:spPr>
+          <a:xfrm>
+            <a:off x="21750911" y="22466970"/>
+            <a:ext cx="2766217" cy="1503276"/>
+          </a:xfrm>
+          <a:prstGeom prst="rect">
+            <a:avLst/>
+          </a:prstGeom>
+          <a:noFill/>
+          <a:ln>
+            <a:solidFill>
+              <a:schemeClr val="tx1"/>
+            </a:solidFill>
+          </a:ln>
+        </p:spPr>
+        <p:style>
+          <a:lnRef idx="2">
+            <a:schemeClr val="accent1">
+              <a:shade val="50000"/>
+            </a:schemeClr>
+          </a:lnRef>
+          <a:fillRef idx="1">
+            <a:schemeClr val="accent1"/>
+          </a:fillRef>
+          <a:effectRef idx="0">
+            <a:schemeClr val="accent1"/>
+          </a:effectRef>
+          <a:fontRef idx="minor">
+            <a:schemeClr val="lt1"/>
+          </a:fontRef>
+        </p:style>
+        <p:txBody>
+          <a:bodyPr rtlCol="0" anchor="ctr"/>
+          <a:lstStyle/>
+          <a:p>
+            <a:pPr algn="ctr"/>
+            <a:r>
+              <a:rPr lang="en-US" sz="5400" dirty="0">
+                <a:solidFill>
+                  <a:schemeClr val="tx1"/>
+                </a:solidFill>
+              </a:rPr>
+              <a:t>predict</a:t>
+            </a:r>
+          </a:p>
+        </p:txBody>
+      </p:sp>
+      <p:cxnSp>
+        <p:nvCxnSpPr>
+          <p:cNvPr id="86" name="Verbinder: gewinkelt 85">
+            <a:extLst>
+              <a:ext uri="{FF2B5EF4-FFF2-40B4-BE49-F238E27FC236}">
+                <a16:creationId xmlns:a16="http://schemas.microsoft.com/office/drawing/2014/main" id="{1FC623EE-87E1-40F1-AC0D-E3FE86D6904E}"/>
+              </a:ext>
+            </a:extLst>
+          </p:cNvPr>
+          <p:cNvCxnSpPr>
+            <a:cxnSpLocks/>
+            <a:stCxn id="14" idx="3"/>
+            <a:endCxn id="83" idx="0"/>
+          </p:cNvCxnSpPr>
+          <p:nvPr/>
+        </p:nvCxnSpPr>
+        <p:spPr>
+          <a:xfrm>
+            <a:off x="17797801" y="20649664"/>
+            <a:ext cx="5336219" cy="1817306"/>
+          </a:xfrm>
+          <a:prstGeom prst="bentConnector2">
+            <a:avLst/>
+          </a:prstGeom>
+          <a:ln w="63500">
+            <a:solidFill>
+              <a:schemeClr val="tx1"/>
+            </a:solidFill>
+            <a:tailEnd type="triangle"/>
+          </a:ln>
+        </p:spPr>
+        <p:style>
+          <a:lnRef idx="1">
+            <a:schemeClr val="accent1"/>
+          </a:lnRef>
+          <a:fillRef idx="0">
+            <a:schemeClr val="accent1"/>
+          </a:fillRef>
+          <a:effectRef idx="0">
+            <a:schemeClr val="accent1"/>
+          </a:effectRef>
+          <a:fontRef idx="minor">
+            <a:schemeClr val="tx1"/>
+          </a:fontRef>
+        </p:style>
+      </p:cxnSp>
+      <p:cxnSp>
+        <p:nvCxnSpPr>
+          <p:cNvPr id="89" name="Verbinder: gewinkelt 88">
+            <a:extLst>
+              <a:ext uri="{FF2B5EF4-FFF2-40B4-BE49-F238E27FC236}">
+                <a16:creationId xmlns:a16="http://schemas.microsoft.com/office/drawing/2014/main" id="{CC01DD9E-25E5-4568-9F88-F7AF04D5A4A1}"/>
+              </a:ext>
+            </a:extLst>
+          </p:cNvPr>
+          <p:cNvCxnSpPr>
+            <a:cxnSpLocks/>
+            <a:stCxn id="83" idx="2"/>
+            <a:endCxn id="38" idx="0"/>
+          </p:cNvCxnSpPr>
+          <p:nvPr/>
+        </p:nvCxnSpPr>
+        <p:spPr>
+          <a:xfrm rot="5400000">
+            <a:off x="21005779" y="23880647"/>
+            <a:ext cx="2038643" cy="2217841"/>
+          </a:xfrm>
+          <a:prstGeom prst="bentConnector3">
+            <a:avLst>
+              <a:gd name="adj1" fmla="val 50000"/>
+            </a:avLst>
+          </a:prstGeom>
+          <a:ln w="63500">
             <a:solidFill>
               <a:schemeClr val="tx1"/>
             </a:solidFill>
@@ -5435,6 +5599,1700 @@
     <p:extLst>
       <p:ext uri="{BB962C8B-B14F-4D97-AF65-F5344CB8AC3E}">
         <p14:creationId xmlns:p14="http://schemas.microsoft.com/office/powerpoint/2010/main" val="142973147"/>
+      </p:ext>
+    </p:extLst>
+  </p:cSld>
+  <p:clrMapOvr>
+    <a:masterClrMapping/>
+  </p:clrMapOvr>
+</p:sld>
+</file>
+
+<file path=ppt/slides/slide2.xml><?xml version="1.0" encoding="utf-8"?>
+<p:sld xmlns:a="http://schemas.openxmlformats.org/drawingml/2006/main" xmlns:r="http://schemas.openxmlformats.org/officeDocument/2006/relationships" xmlns:p="http://schemas.openxmlformats.org/presentationml/2006/main">
+  <p:cSld>
+    <p:spTree>
+      <p:nvGrpSpPr>
+        <p:cNvPr id="1" name=""/>
+        <p:cNvGrpSpPr/>
+        <p:nvPr/>
+      </p:nvGrpSpPr>
+      <p:grpSpPr>
+        <a:xfrm>
+          <a:off x="0" y="0"/>
+          <a:ext cx="0" cy="0"/>
+          <a:chOff x="0" y="0"/>
+          <a:chExt cx="0" cy="0"/>
+        </a:xfrm>
+      </p:grpSpPr>
+      <p:sp>
+        <p:nvSpPr>
+          <p:cNvPr id="4" name="Rechteck 3">
+            <a:extLst>
+              <a:ext uri="{FF2B5EF4-FFF2-40B4-BE49-F238E27FC236}">
+                <a16:creationId xmlns:a16="http://schemas.microsoft.com/office/drawing/2014/main" id="{903880EF-9BC3-49DC-B830-C6D5BACC504D}"/>
+              </a:ext>
+            </a:extLst>
+          </p:cNvPr>
+          <p:cNvSpPr/>
+          <p:nvPr/>
+        </p:nvSpPr>
+        <p:spPr>
+          <a:xfrm>
+            <a:off x="4989350" y="1994395"/>
+            <a:ext cx="21256610" cy="1108901"/>
+          </a:xfrm>
+          <a:prstGeom prst="rect">
+            <a:avLst/>
+          </a:prstGeom>
+          <a:solidFill>
+            <a:schemeClr val="bg1"/>
+          </a:solidFill>
+          <a:ln>
+            <a:solidFill>
+              <a:schemeClr val="tx1"/>
+            </a:solidFill>
+          </a:ln>
+        </p:spPr>
+        <p:style>
+          <a:lnRef idx="2">
+            <a:schemeClr val="accent1">
+              <a:shade val="50000"/>
+            </a:schemeClr>
+          </a:lnRef>
+          <a:fillRef idx="1">
+            <a:schemeClr val="accent1"/>
+          </a:fillRef>
+          <a:effectRef idx="0">
+            <a:schemeClr val="accent1"/>
+          </a:effectRef>
+          <a:fontRef idx="minor">
+            <a:schemeClr val="lt1"/>
+          </a:fontRef>
+        </p:style>
+        <p:txBody>
+          <a:bodyPr rtlCol="0" anchor="ctr"/>
+          <a:lstStyle/>
+          <a:p>
+            <a:pPr algn="ctr"/>
+            <a:r>
+              <a:rPr lang="en-US" sz="4274" dirty="0">
+                <a:solidFill>
+                  <a:schemeClr val="tx1"/>
+                </a:solidFill>
+              </a:rPr>
+              <a:t>Complete Data Set</a:t>
+            </a:r>
+          </a:p>
+        </p:txBody>
+      </p:sp>
+      <p:sp>
+        <p:nvSpPr>
+          <p:cNvPr id="5" name="Rechteck 4">
+            <a:extLst>
+              <a:ext uri="{FF2B5EF4-FFF2-40B4-BE49-F238E27FC236}">
+                <a16:creationId xmlns:a16="http://schemas.microsoft.com/office/drawing/2014/main" id="{393646FC-2BC1-405F-A677-221F15F61FF4}"/>
+              </a:ext>
+            </a:extLst>
+          </p:cNvPr>
+          <p:cNvSpPr/>
+          <p:nvPr/>
+        </p:nvSpPr>
+        <p:spPr>
+          <a:xfrm>
+            <a:off x="4989352" y="3103297"/>
+            <a:ext cx="10628305" cy="1108901"/>
+          </a:xfrm>
+          <a:prstGeom prst="rect">
+            <a:avLst/>
+          </a:prstGeom>
+          <a:solidFill>
+            <a:schemeClr val="bg1"/>
+          </a:solidFill>
+          <a:ln>
+            <a:solidFill>
+              <a:schemeClr val="tx1"/>
+            </a:solidFill>
+          </a:ln>
+        </p:spPr>
+        <p:style>
+          <a:lnRef idx="2">
+            <a:schemeClr val="accent1">
+              <a:shade val="50000"/>
+            </a:schemeClr>
+          </a:lnRef>
+          <a:fillRef idx="1">
+            <a:schemeClr val="accent1"/>
+          </a:fillRef>
+          <a:effectRef idx="0">
+            <a:schemeClr val="accent1"/>
+          </a:effectRef>
+          <a:fontRef idx="minor">
+            <a:schemeClr val="lt1"/>
+          </a:fontRef>
+        </p:style>
+        <p:txBody>
+          <a:bodyPr rtlCol="0" anchor="ctr"/>
+          <a:lstStyle/>
+          <a:p>
+            <a:pPr algn="ctr"/>
+            <a:r>
+              <a:rPr lang="en-US" sz="4274" dirty="0">
+                <a:solidFill>
+                  <a:schemeClr val="tx1"/>
+                </a:solidFill>
+              </a:rPr>
+              <a:t>Data Set for Training</a:t>
+            </a:r>
+          </a:p>
+        </p:txBody>
+      </p:sp>
+      <p:sp>
+        <p:nvSpPr>
+          <p:cNvPr id="6" name="Rechteck 5">
+            <a:extLst>
+              <a:ext uri="{FF2B5EF4-FFF2-40B4-BE49-F238E27FC236}">
+                <a16:creationId xmlns:a16="http://schemas.microsoft.com/office/drawing/2014/main" id="{B80F014F-975F-4C5D-BEE8-9EB3A1D9A5FF}"/>
+              </a:ext>
+            </a:extLst>
+          </p:cNvPr>
+          <p:cNvSpPr/>
+          <p:nvPr/>
+        </p:nvSpPr>
+        <p:spPr>
+          <a:xfrm>
+            <a:off x="19099271" y="3103296"/>
+            <a:ext cx="7146691" cy="1108901"/>
+          </a:xfrm>
+          <a:prstGeom prst="rect">
+            <a:avLst/>
+          </a:prstGeom>
+          <a:solidFill>
+            <a:schemeClr val="bg1"/>
+          </a:solidFill>
+          <a:ln>
+            <a:solidFill>
+              <a:schemeClr val="tx1"/>
+            </a:solidFill>
+          </a:ln>
+        </p:spPr>
+        <p:style>
+          <a:lnRef idx="2">
+            <a:schemeClr val="accent1">
+              <a:shade val="50000"/>
+            </a:schemeClr>
+          </a:lnRef>
+          <a:fillRef idx="1">
+            <a:schemeClr val="accent1"/>
+          </a:fillRef>
+          <a:effectRef idx="0">
+            <a:schemeClr val="accent1"/>
+          </a:effectRef>
+          <a:fontRef idx="minor">
+            <a:schemeClr val="lt1"/>
+          </a:fontRef>
+        </p:style>
+        <p:txBody>
+          <a:bodyPr rtlCol="0" anchor="ctr"/>
+          <a:lstStyle/>
+          <a:p>
+            <a:pPr algn="ctr"/>
+            <a:r>
+              <a:rPr lang="en-US" sz="4274" dirty="0">
+                <a:solidFill>
+                  <a:schemeClr val="tx1"/>
+                </a:solidFill>
+              </a:rPr>
+              <a:t>Test Data Set</a:t>
+            </a:r>
+          </a:p>
+        </p:txBody>
+      </p:sp>
+      <p:sp>
+        <p:nvSpPr>
+          <p:cNvPr id="7" name="Rechteck 6">
+            <a:extLst>
+              <a:ext uri="{FF2B5EF4-FFF2-40B4-BE49-F238E27FC236}">
+                <a16:creationId xmlns:a16="http://schemas.microsoft.com/office/drawing/2014/main" id="{83931911-9E03-43EB-A9B3-C062B10883A2}"/>
+              </a:ext>
+            </a:extLst>
+          </p:cNvPr>
+          <p:cNvSpPr/>
+          <p:nvPr/>
+        </p:nvSpPr>
+        <p:spPr>
+          <a:xfrm>
+            <a:off x="4989353" y="4218227"/>
+            <a:ext cx="6376002" cy="1108901"/>
+          </a:xfrm>
+          <a:prstGeom prst="rect">
+            <a:avLst/>
+          </a:prstGeom>
+          <a:solidFill>
+            <a:schemeClr val="bg1"/>
+          </a:solidFill>
+          <a:ln>
+            <a:solidFill>
+              <a:schemeClr val="tx1"/>
+            </a:solidFill>
+          </a:ln>
+        </p:spPr>
+        <p:style>
+          <a:lnRef idx="2">
+            <a:schemeClr val="accent1">
+              <a:shade val="50000"/>
+            </a:schemeClr>
+          </a:lnRef>
+          <a:fillRef idx="1">
+            <a:schemeClr val="accent1"/>
+          </a:fillRef>
+          <a:effectRef idx="0">
+            <a:schemeClr val="accent1"/>
+          </a:effectRef>
+          <a:fontRef idx="minor">
+            <a:schemeClr val="lt1"/>
+          </a:fontRef>
+        </p:style>
+        <p:txBody>
+          <a:bodyPr rtlCol="0" anchor="ctr"/>
+          <a:lstStyle/>
+          <a:p>
+            <a:pPr algn="ctr"/>
+            <a:r>
+              <a:rPr lang="en-US" sz="4274" dirty="0">
+                <a:solidFill>
+                  <a:schemeClr val="tx1"/>
+                </a:solidFill>
+              </a:rPr>
+              <a:t>Training Set</a:t>
+            </a:r>
+          </a:p>
+        </p:txBody>
+      </p:sp>
+      <p:sp>
+        <p:nvSpPr>
+          <p:cNvPr id="8" name="Rechteck 7">
+            <a:extLst>
+              <a:ext uri="{FF2B5EF4-FFF2-40B4-BE49-F238E27FC236}">
+                <a16:creationId xmlns:a16="http://schemas.microsoft.com/office/drawing/2014/main" id="{B860B4BB-5C2A-470D-9447-AAB323F72689}"/>
+              </a:ext>
+            </a:extLst>
+          </p:cNvPr>
+          <p:cNvSpPr/>
+          <p:nvPr/>
+        </p:nvSpPr>
+        <p:spPr>
+          <a:xfrm>
+            <a:off x="11365355" y="4218227"/>
+            <a:ext cx="4252302" cy="1108901"/>
+          </a:xfrm>
+          <a:prstGeom prst="rect">
+            <a:avLst/>
+          </a:prstGeom>
+          <a:solidFill>
+            <a:schemeClr val="bg1"/>
+          </a:solidFill>
+          <a:ln>
+            <a:solidFill>
+              <a:schemeClr val="tx1"/>
+            </a:solidFill>
+          </a:ln>
+        </p:spPr>
+        <p:style>
+          <a:lnRef idx="2">
+            <a:schemeClr val="accent1">
+              <a:shade val="50000"/>
+            </a:schemeClr>
+          </a:lnRef>
+          <a:fillRef idx="1">
+            <a:schemeClr val="accent1"/>
+          </a:fillRef>
+          <a:effectRef idx="0">
+            <a:schemeClr val="accent1"/>
+          </a:effectRef>
+          <a:fontRef idx="minor">
+            <a:schemeClr val="lt1"/>
+          </a:fontRef>
+        </p:style>
+        <p:txBody>
+          <a:bodyPr rtlCol="0" anchor="ctr"/>
+          <a:lstStyle/>
+          <a:p>
+            <a:pPr algn="ctr"/>
+            <a:r>
+              <a:rPr lang="en-US" sz="4274" dirty="0">
+                <a:solidFill>
+                  <a:schemeClr val="tx1"/>
+                </a:solidFill>
+              </a:rPr>
+              <a:t>Validation Set</a:t>
+            </a:r>
+          </a:p>
+        </p:txBody>
+      </p:sp>
+      <p:sp>
+        <p:nvSpPr>
+          <p:cNvPr id="9" name="Rechteck 8">
+            <a:extLst>
+              <a:ext uri="{FF2B5EF4-FFF2-40B4-BE49-F238E27FC236}">
+                <a16:creationId xmlns:a16="http://schemas.microsoft.com/office/drawing/2014/main" id="{5E0B22EC-B02C-4EA3-82F8-5899CE333B02}"/>
+              </a:ext>
+            </a:extLst>
+          </p:cNvPr>
+          <p:cNvSpPr/>
+          <p:nvPr/>
+        </p:nvSpPr>
+        <p:spPr>
+          <a:xfrm>
+            <a:off x="4989353" y="7041635"/>
+            <a:ext cx="9857616" cy="1108901"/>
+          </a:xfrm>
+          <a:prstGeom prst="rect">
+            <a:avLst/>
+          </a:prstGeom>
+          <a:solidFill>
+            <a:schemeClr val="bg1"/>
+          </a:solidFill>
+          <a:ln>
+            <a:solidFill>
+              <a:schemeClr val="tx1"/>
+            </a:solidFill>
+          </a:ln>
+        </p:spPr>
+        <p:style>
+          <a:lnRef idx="2">
+            <a:schemeClr val="accent1">
+              <a:shade val="50000"/>
+            </a:schemeClr>
+          </a:lnRef>
+          <a:fillRef idx="1">
+            <a:schemeClr val="accent1"/>
+          </a:fillRef>
+          <a:effectRef idx="0">
+            <a:schemeClr val="accent1"/>
+          </a:effectRef>
+          <a:fontRef idx="minor">
+            <a:schemeClr val="lt1"/>
+          </a:fontRef>
+        </p:style>
+        <p:txBody>
+          <a:bodyPr rtlCol="0" anchor="ctr"/>
+          <a:lstStyle/>
+          <a:p>
+            <a:pPr algn="ctr"/>
+            <a:r>
+              <a:rPr lang="en-US" sz="4274" dirty="0">
+                <a:solidFill>
+                  <a:schemeClr val="tx1"/>
+                </a:solidFill>
+              </a:rPr>
+              <a:t>Training of Classifier (Baseline Model)</a:t>
+            </a:r>
+          </a:p>
+        </p:txBody>
+      </p:sp>
+      <p:sp>
+        <p:nvSpPr>
+          <p:cNvPr id="10" name="Rechteck 9">
+            <a:extLst>
+              <a:ext uri="{FF2B5EF4-FFF2-40B4-BE49-F238E27FC236}">
+                <a16:creationId xmlns:a16="http://schemas.microsoft.com/office/drawing/2014/main" id="{125AF882-CA82-41BB-AAC3-A23BC8D2269D}"/>
+              </a:ext>
+            </a:extLst>
+          </p:cNvPr>
+          <p:cNvSpPr/>
+          <p:nvPr/>
+        </p:nvSpPr>
+        <p:spPr>
+          <a:xfrm>
+            <a:off x="4989352" y="9383783"/>
+            <a:ext cx="9857616" cy="1108901"/>
+          </a:xfrm>
+          <a:prstGeom prst="rect">
+            <a:avLst/>
+          </a:prstGeom>
+          <a:solidFill>
+            <a:schemeClr val="bg1"/>
+          </a:solidFill>
+          <a:ln>
+            <a:solidFill>
+              <a:schemeClr val="tx1"/>
+            </a:solidFill>
+          </a:ln>
+        </p:spPr>
+        <p:style>
+          <a:lnRef idx="2">
+            <a:schemeClr val="accent1">
+              <a:shade val="50000"/>
+            </a:schemeClr>
+          </a:lnRef>
+          <a:fillRef idx="1">
+            <a:schemeClr val="accent1"/>
+          </a:fillRef>
+          <a:effectRef idx="0">
+            <a:schemeClr val="accent1"/>
+          </a:effectRef>
+          <a:fontRef idx="minor">
+            <a:schemeClr val="lt1"/>
+          </a:fontRef>
+        </p:style>
+        <p:txBody>
+          <a:bodyPr rtlCol="0" anchor="ctr"/>
+          <a:lstStyle/>
+          <a:p>
+            <a:pPr algn="ctr"/>
+            <a:r>
+              <a:rPr lang="en-US" sz="4274">
+                <a:solidFill>
+                  <a:schemeClr val="tx1"/>
+                </a:solidFill>
+              </a:rPr>
+              <a:t>Creation of Synthetic </a:t>
+            </a:r>
+            <a:r>
+              <a:rPr lang="en-US" sz="4274" dirty="0">
+                <a:solidFill>
+                  <a:schemeClr val="tx1"/>
+                </a:solidFill>
+              </a:rPr>
+              <a:t>Cases</a:t>
+            </a:r>
+          </a:p>
+        </p:txBody>
+      </p:sp>
+      <p:sp>
+        <p:nvSpPr>
+          <p:cNvPr id="11" name="Rechteck 10">
+            <a:extLst>
+              <a:ext uri="{FF2B5EF4-FFF2-40B4-BE49-F238E27FC236}">
+                <a16:creationId xmlns:a16="http://schemas.microsoft.com/office/drawing/2014/main" id="{BB62BD43-5EBD-48F5-B09A-21B38EABEE80}"/>
+              </a:ext>
+            </a:extLst>
+          </p:cNvPr>
+          <p:cNvSpPr/>
+          <p:nvPr/>
+        </p:nvSpPr>
+        <p:spPr>
+          <a:xfrm>
+            <a:off x="20044609" y="7041634"/>
+            <a:ext cx="6201351" cy="1108901"/>
+          </a:xfrm>
+          <a:prstGeom prst="rect">
+            <a:avLst/>
+          </a:prstGeom>
+          <a:solidFill>
+            <a:schemeClr val="bg1"/>
+          </a:solidFill>
+          <a:ln>
+            <a:solidFill>
+              <a:schemeClr val="tx1"/>
+            </a:solidFill>
+          </a:ln>
+        </p:spPr>
+        <p:style>
+          <a:lnRef idx="2">
+            <a:schemeClr val="accent1">
+              <a:shade val="50000"/>
+            </a:schemeClr>
+          </a:lnRef>
+          <a:fillRef idx="1">
+            <a:schemeClr val="accent1"/>
+          </a:fillRef>
+          <a:effectRef idx="0">
+            <a:schemeClr val="accent1"/>
+          </a:effectRef>
+          <a:fontRef idx="minor">
+            <a:schemeClr val="lt1"/>
+          </a:fontRef>
+        </p:style>
+        <p:txBody>
+          <a:bodyPr rtlCol="0" anchor="ctr"/>
+          <a:lstStyle/>
+          <a:p>
+            <a:pPr algn="ctr"/>
+            <a:r>
+              <a:rPr lang="en-US" sz="4274" dirty="0">
+                <a:solidFill>
+                  <a:schemeClr val="tx1"/>
+                </a:solidFill>
+              </a:rPr>
+              <a:t>Performance Measures</a:t>
+            </a:r>
+          </a:p>
+        </p:txBody>
+      </p:sp>
+      <p:sp>
+        <p:nvSpPr>
+          <p:cNvPr id="12" name="Rechteck 11">
+            <a:extLst>
+              <a:ext uri="{FF2B5EF4-FFF2-40B4-BE49-F238E27FC236}">
+                <a16:creationId xmlns:a16="http://schemas.microsoft.com/office/drawing/2014/main" id="{E5FFB77E-E1BB-4B74-BFB2-BE1C892E01D9}"/>
+              </a:ext>
+            </a:extLst>
+          </p:cNvPr>
+          <p:cNvSpPr/>
+          <p:nvPr/>
+        </p:nvSpPr>
+        <p:spPr>
+          <a:xfrm>
+            <a:off x="15617657" y="3103296"/>
+            <a:ext cx="3481614" cy="1108901"/>
+          </a:xfrm>
+          <a:prstGeom prst="rect">
+            <a:avLst/>
+          </a:prstGeom>
+          <a:solidFill>
+            <a:schemeClr val="bg1"/>
+          </a:solidFill>
+          <a:ln>
+            <a:solidFill>
+              <a:schemeClr val="tx1"/>
+            </a:solidFill>
+          </a:ln>
+        </p:spPr>
+        <p:style>
+          <a:lnRef idx="2">
+            <a:schemeClr val="accent1">
+              <a:shade val="50000"/>
+            </a:schemeClr>
+          </a:lnRef>
+          <a:fillRef idx="1">
+            <a:schemeClr val="accent1"/>
+          </a:fillRef>
+          <a:effectRef idx="0">
+            <a:schemeClr val="accent1"/>
+          </a:effectRef>
+          <a:fontRef idx="minor">
+            <a:schemeClr val="lt1"/>
+          </a:fontRef>
+        </p:style>
+        <p:txBody>
+          <a:bodyPr rtlCol="0" anchor="ctr"/>
+          <a:lstStyle/>
+          <a:p>
+            <a:pPr algn="ctr"/>
+            <a:r>
+              <a:rPr lang="en-US" sz="4274" dirty="0" err="1">
+                <a:solidFill>
+                  <a:schemeClr val="tx1"/>
+                </a:solidFill>
+              </a:rPr>
+              <a:t>Unlabaled</a:t>
+            </a:r>
+            <a:endParaRPr lang="en-US" sz="4274" dirty="0">
+              <a:solidFill>
+                <a:schemeClr val="tx1"/>
+              </a:solidFill>
+            </a:endParaRPr>
+          </a:p>
+        </p:txBody>
+      </p:sp>
+      <p:cxnSp>
+        <p:nvCxnSpPr>
+          <p:cNvPr id="14" name="Gerade Verbindung mit Pfeil 13">
+            <a:extLst>
+              <a:ext uri="{FF2B5EF4-FFF2-40B4-BE49-F238E27FC236}">
+                <a16:creationId xmlns:a16="http://schemas.microsoft.com/office/drawing/2014/main" id="{C2E591B5-D413-475A-913B-CE77B6547C69}"/>
+              </a:ext>
+            </a:extLst>
+          </p:cNvPr>
+          <p:cNvCxnSpPr>
+            <a:cxnSpLocks/>
+            <a:stCxn id="7" idx="2"/>
+          </p:cNvCxnSpPr>
+          <p:nvPr/>
+        </p:nvCxnSpPr>
+        <p:spPr>
+          <a:xfrm>
+            <a:off x="8177354" y="5327128"/>
+            <a:ext cx="0" cy="1714506"/>
+          </a:xfrm>
+          <a:prstGeom prst="straightConnector1">
+            <a:avLst/>
+          </a:prstGeom>
+          <a:ln w="63500">
+            <a:solidFill>
+              <a:schemeClr val="tx1"/>
+            </a:solidFill>
+            <a:tailEnd type="triangle"/>
+          </a:ln>
+        </p:spPr>
+        <p:style>
+          <a:lnRef idx="1">
+            <a:schemeClr val="accent1"/>
+          </a:lnRef>
+          <a:fillRef idx="0">
+            <a:schemeClr val="accent1"/>
+          </a:fillRef>
+          <a:effectRef idx="0">
+            <a:schemeClr val="accent1"/>
+          </a:effectRef>
+          <a:fontRef idx="minor">
+            <a:schemeClr val="tx1"/>
+          </a:fontRef>
+        </p:style>
+      </p:cxnSp>
+      <p:cxnSp>
+        <p:nvCxnSpPr>
+          <p:cNvPr id="16" name="Gerade Verbindung mit Pfeil 15">
+            <a:extLst>
+              <a:ext uri="{FF2B5EF4-FFF2-40B4-BE49-F238E27FC236}">
+                <a16:creationId xmlns:a16="http://schemas.microsoft.com/office/drawing/2014/main" id="{3E372CB3-D44E-445E-872C-9E1CD67767C8}"/>
+              </a:ext>
+            </a:extLst>
+          </p:cNvPr>
+          <p:cNvCxnSpPr>
+            <a:cxnSpLocks/>
+            <a:stCxn id="8" idx="2"/>
+          </p:cNvCxnSpPr>
+          <p:nvPr/>
+        </p:nvCxnSpPr>
+        <p:spPr>
+          <a:xfrm>
+            <a:off x="13491506" y="5327128"/>
+            <a:ext cx="0" cy="1714506"/>
+          </a:xfrm>
+          <a:prstGeom prst="straightConnector1">
+            <a:avLst/>
+          </a:prstGeom>
+          <a:ln w="63500">
+            <a:solidFill>
+              <a:schemeClr val="tx1"/>
+            </a:solidFill>
+            <a:tailEnd type="triangle"/>
+          </a:ln>
+        </p:spPr>
+        <p:style>
+          <a:lnRef idx="1">
+            <a:schemeClr val="accent1"/>
+          </a:lnRef>
+          <a:fillRef idx="0">
+            <a:schemeClr val="accent1"/>
+          </a:fillRef>
+          <a:effectRef idx="0">
+            <a:schemeClr val="accent1"/>
+          </a:effectRef>
+          <a:fontRef idx="minor">
+            <a:schemeClr val="tx1"/>
+          </a:fontRef>
+        </p:style>
+      </p:cxnSp>
+      <p:cxnSp>
+        <p:nvCxnSpPr>
+          <p:cNvPr id="18" name="Gerade Verbindung mit Pfeil 17">
+            <a:extLst>
+              <a:ext uri="{FF2B5EF4-FFF2-40B4-BE49-F238E27FC236}">
+                <a16:creationId xmlns:a16="http://schemas.microsoft.com/office/drawing/2014/main" id="{699E5069-E5BD-4587-A715-741CD6468B42}"/>
+              </a:ext>
+            </a:extLst>
+          </p:cNvPr>
+          <p:cNvCxnSpPr>
+            <a:stCxn id="9" idx="3"/>
+            <a:endCxn id="11" idx="1"/>
+          </p:cNvCxnSpPr>
+          <p:nvPr/>
+        </p:nvCxnSpPr>
+        <p:spPr>
+          <a:xfrm flipV="1">
+            <a:off x="14846969" y="7596085"/>
+            <a:ext cx="5197640" cy="1"/>
+          </a:xfrm>
+          <a:prstGeom prst="straightConnector1">
+            <a:avLst/>
+          </a:prstGeom>
+          <a:ln w="63500">
+            <a:solidFill>
+              <a:schemeClr val="tx1"/>
+            </a:solidFill>
+            <a:prstDash val="dash"/>
+            <a:tailEnd type="triangle"/>
+          </a:ln>
+        </p:spPr>
+        <p:style>
+          <a:lnRef idx="1">
+            <a:schemeClr val="accent1"/>
+          </a:lnRef>
+          <a:fillRef idx="0">
+            <a:schemeClr val="accent1"/>
+          </a:fillRef>
+          <a:effectRef idx="0">
+            <a:schemeClr val="accent1"/>
+          </a:effectRef>
+          <a:fontRef idx="minor">
+            <a:schemeClr val="tx1"/>
+          </a:fontRef>
+        </p:style>
+      </p:cxnSp>
+      <p:cxnSp>
+        <p:nvCxnSpPr>
+          <p:cNvPr id="22" name="Verbinder: gewinkelt 21">
+            <a:extLst>
+              <a:ext uri="{FF2B5EF4-FFF2-40B4-BE49-F238E27FC236}">
+                <a16:creationId xmlns:a16="http://schemas.microsoft.com/office/drawing/2014/main" id="{66CF395F-4B20-4D62-BF7E-E8AF81692BD0}"/>
+              </a:ext>
+            </a:extLst>
+          </p:cNvPr>
+          <p:cNvCxnSpPr>
+            <a:stCxn id="6" idx="3"/>
+            <a:endCxn id="11" idx="3"/>
+          </p:cNvCxnSpPr>
+          <p:nvPr/>
+        </p:nvCxnSpPr>
+        <p:spPr>
+          <a:xfrm flipH="1">
+            <a:off x="26245960" y="3657747"/>
+            <a:ext cx="2" cy="3938338"/>
+          </a:xfrm>
+          <a:prstGeom prst="bentConnector3">
+            <a:avLst>
+              <a:gd name="adj1" fmla="val -11430000000"/>
+            </a:avLst>
+          </a:prstGeom>
+          <a:ln w="63500">
+            <a:solidFill>
+              <a:schemeClr val="tx1"/>
+            </a:solidFill>
+            <a:tailEnd type="triangle"/>
+          </a:ln>
+        </p:spPr>
+        <p:style>
+          <a:lnRef idx="1">
+            <a:schemeClr val="accent1"/>
+          </a:lnRef>
+          <a:fillRef idx="0">
+            <a:schemeClr val="accent1"/>
+          </a:fillRef>
+          <a:effectRef idx="0">
+            <a:schemeClr val="accent1"/>
+          </a:effectRef>
+          <a:fontRef idx="minor">
+            <a:schemeClr val="tx1"/>
+          </a:fontRef>
+        </p:style>
+      </p:cxnSp>
+      <p:cxnSp>
+        <p:nvCxnSpPr>
+          <p:cNvPr id="29" name="Verbinder: gewinkelt 28">
+            <a:extLst>
+              <a:ext uri="{FF2B5EF4-FFF2-40B4-BE49-F238E27FC236}">
+                <a16:creationId xmlns:a16="http://schemas.microsoft.com/office/drawing/2014/main" id="{957EB36E-86F4-45F6-8299-2478A25E5A09}"/>
+              </a:ext>
+            </a:extLst>
+          </p:cNvPr>
+          <p:cNvCxnSpPr>
+            <a:stCxn id="5" idx="1"/>
+            <a:endCxn id="10" idx="1"/>
+          </p:cNvCxnSpPr>
+          <p:nvPr/>
+        </p:nvCxnSpPr>
+        <p:spPr>
+          <a:xfrm rot="10800000" flipV="1">
+            <a:off x="4989352" y="3657748"/>
+            <a:ext cx="12700" cy="6280486"/>
+          </a:xfrm>
+          <a:prstGeom prst="bentConnector3">
+            <a:avLst>
+              <a:gd name="adj1" fmla="val 5021055"/>
+            </a:avLst>
+          </a:prstGeom>
+          <a:ln w="63500">
+            <a:solidFill>
+              <a:schemeClr val="tx1"/>
+            </a:solidFill>
+            <a:tailEnd type="triangle"/>
+          </a:ln>
+        </p:spPr>
+        <p:style>
+          <a:lnRef idx="1">
+            <a:schemeClr val="accent1"/>
+          </a:lnRef>
+          <a:fillRef idx="0">
+            <a:schemeClr val="accent1"/>
+          </a:fillRef>
+          <a:effectRef idx="0">
+            <a:schemeClr val="accent1"/>
+          </a:effectRef>
+          <a:fontRef idx="minor">
+            <a:schemeClr val="tx1"/>
+          </a:fontRef>
+        </p:style>
+      </p:cxnSp>
+      <p:cxnSp>
+        <p:nvCxnSpPr>
+          <p:cNvPr id="31" name="Gerade Verbindung mit Pfeil 30">
+            <a:extLst>
+              <a:ext uri="{FF2B5EF4-FFF2-40B4-BE49-F238E27FC236}">
+                <a16:creationId xmlns:a16="http://schemas.microsoft.com/office/drawing/2014/main" id="{D04DB1F9-76D1-4E72-80EB-4468D8F2CCF5}"/>
+              </a:ext>
+            </a:extLst>
+          </p:cNvPr>
+          <p:cNvCxnSpPr>
+            <a:stCxn id="10" idx="2"/>
+          </p:cNvCxnSpPr>
+          <p:nvPr/>
+        </p:nvCxnSpPr>
+        <p:spPr>
+          <a:xfrm>
+            <a:off x="9918160" y="10492684"/>
+            <a:ext cx="0" cy="678797"/>
+          </a:xfrm>
+          <a:prstGeom prst="straightConnector1">
+            <a:avLst/>
+          </a:prstGeom>
+          <a:ln w="63500">
+            <a:solidFill>
+              <a:schemeClr val="tx1"/>
+            </a:solidFill>
+            <a:tailEnd type="triangle"/>
+          </a:ln>
+        </p:spPr>
+        <p:style>
+          <a:lnRef idx="1">
+            <a:schemeClr val="accent1"/>
+          </a:lnRef>
+          <a:fillRef idx="0">
+            <a:schemeClr val="accent1"/>
+          </a:fillRef>
+          <a:effectRef idx="0">
+            <a:schemeClr val="accent1"/>
+          </a:effectRef>
+          <a:fontRef idx="minor">
+            <a:schemeClr val="tx1"/>
+          </a:fontRef>
+        </p:style>
+      </p:cxnSp>
+      <p:sp>
+        <p:nvSpPr>
+          <p:cNvPr id="32" name="Rechteck 31">
+            <a:extLst>
+              <a:ext uri="{FF2B5EF4-FFF2-40B4-BE49-F238E27FC236}">
+                <a16:creationId xmlns:a16="http://schemas.microsoft.com/office/drawing/2014/main" id="{67EC6704-0E53-42E3-9339-E289C685C63C}"/>
+              </a:ext>
+            </a:extLst>
+          </p:cNvPr>
+          <p:cNvSpPr/>
+          <p:nvPr/>
+        </p:nvSpPr>
+        <p:spPr>
+          <a:xfrm>
+            <a:off x="4989350" y="14222505"/>
+            <a:ext cx="9857616" cy="2770525"/>
+          </a:xfrm>
+          <a:prstGeom prst="rect">
+            <a:avLst/>
+          </a:prstGeom>
+          <a:solidFill>
+            <a:schemeClr val="bg1"/>
+          </a:solidFill>
+          <a:ln>
+            <a:solidFill>
+              <a:schemeClr val="tx1"/>
+            </a:solidFill>
+          </a:ln>
+        </p:spPr>
+        <p:style>
+          <a:lnRef idx="2">
+            <a:schemeClr val="accent1">
+              <a:shade val="50000"/>
+            </a:schemeClr>
+          </a:lnRef>
+          <a:fillRef idx="1">
+            <a:schemeClr val="accent1"/>
+          </a:fillRef>
+          <a:effectRef idx="0">
+            <a:schemeClr val="accent1"/>
+          </a:effectRef>
+          <a:fontRef idx="minor">
+            <a:schemeClr val="lt1"/>
+          </a:fontRef>
+        </p:style>
+        <p:txBody>
+          <a:bodyPr rtlCol="0" anchor="ctr"/>
+          <a:lstStyle/>
+          <a:p>
+            <a:pPr algn="ctr"/>
+            <a:r>
+              <a:rPr lang="en-US" sz="4274" dirty="0">
+                <a:solidFill>
+                  <a:schemeClr val="tx1"/>
+                </a:solidFill>
+              </a:rPr>
+              <a:t>Training of Classifier </a:t>
+            </a:r>
+            <a:br>
+              <a:rPr lang="en-US" sz="4274" dirty="0">
+                <a:solidFill>
+                  <a:schemeClr val="tx1"/>
+                </a:solidFill>
+              </a:rPr>
+            </a:br>
+            <a:r>
+              <a:rPr lang="en-US" sz="4274" dirty="0">
+                <a:solidFill>
+                  <a:schemeClr val="tx1"/>
+                </a:solidFill>
+              </a:rPr>
+              <a:t>(Balanced Synthetic Cases</a:t>
+            </a:r>
+          </a:p>
+          <a:p>
+            <a:pPr algn="ctr"/>
+            <a:r>
+              <a:rPr lang="en-US" sz="4274" dirty="0">
+                <a:solidFill>
+                  <a:schemeClr val="tx1"/>
+                </a:solidFill>
+              </a:rPr>
+              <a:t>+</a:t>
+            </a:r>
+          </a:p>
+          <a:p>
+            <a:pPr algn="ctr"/>
+            <a:r>
+              <a:rPr lang="en-US" sz="4274" dirty="0">
+                <a:solidFill>
+                  <a:schemeClr val="tx1"/>
+                </a:solidFill>
+              </a:rPr>
+              <a:t>Pseudo Labeling)</a:t>
+            </a:r>
+          </a:p>
+        </p:txBody>
+      </p:sp>
+      <p:grpSp>
+        <p:nvGrpSpPr>
+          <p:cNvPr id="47" name="Gruppieren 46">
+            <a:extLst>
+              <a:ext uri="{FF2B5EF4-FFF2-40B4-BE49-F238E27FC236}">
+                <a16:creationId xmlns:a16="http://schemas.microsoft.com/office/drawing/2014/main" id="{4723C599-3A69-4CAC-8DB7-6D675C8A5171}"/>
+              </a:ext>
+            </a:extLst>
+          </p:cNvPr>
+          <p:cNvGrpSpPr/>
+          <p:nvPr/>
+        </p:nvGrpSpPr>
+        <p:grpSpPr>
+          <a:xfrm>
+            <a:off x="754239" y="11148677"/>
+            <a:ext cx="14863416" cy="2215287"/>
+            <a:chOff x="2884496" y="11266847"/>
+            <a:chExt cx="12071426" cy="2215287"/>
+          </a:xfrm>
+        </p:grpSpPr>
+        <p:sp>
+          <p:nvSpPr>
+            <p:cNvPr id="27" name="Rechteck 26">
+              <a:extLst>
+                <a:ext uri="{FF2B5EF4-FFF2-40B4-BE49-F238E27FC236}">
+                  <a16:creationId xmlns:a16="http://schemas.microsoft.com/office/drawing/2014/main" id="{981E1503-4AA6-4D51-B396-2D9B63DFD2FD}"/>
+                </a:ext>
+              </a:extLst>
+            </p:cNvPr>
+            <p:cNvSpPr/>
+            <p:nvPr/>
+          </p:nvSpPr>
+          <p:spPr>
+            <a:xfrm>
+              <a:off x="2884496" y="11266847"/>
+              <a:ext cx="12071426" cy="1108901"/>
+            </a:xfrm>
+            <a:prstGeom prst="rect">
+              <a:avLst/>
+            </a:prstGeom>
+            <a:solidFill>
+              <a:schemeClr val="bg1"/>
+            </a:solidFill>
+            <a:ln>
+              <a:solidFill>
+                <a:schemeClr val="tx1"/>
+              </a:solidFill>
+            </a:ln>
+          </p:spPr>
+          <p:style>
+            <a:lnRef idx="2">
+              <a:schemeClr val="accent1">
+                <a:shade val="50000"/>
+              </a:schemeClr>
+            </a:lnRef>
+            <a:fillRef idx="1">
+              <a:schemeClr val="accent1"/>
+            </a:fillRef>
+            <a:effectRef idx="0">
+              <a:schemeClr val="accent1"/>
+            </a:effectRef>
+            <a:fontRef idx="minor">
+              <a:schemeClr val="lt1"/>
+            </a:fontRef>
+          </p:style>
+          <p:txBody>
+            <a:bodyPr rtlCol="0" anchor="ctr"/>
+            <a:lstStyle/>
+            <a:p>
+              <a:pPr algn="ctr"/>
+              <a:r>
+                <a:rPr lang="en-US" sz="4274" dirty="0">
+                  <a:solidFill>
+                    <a:schemeClr val="tx1"/>
+                  </a:solidFill>
+                </a:rPr>
+                <a:t>Data Set for Training + Synthetic Cases</a:t>
+              </a:r>
+            </a:p>
+          </p:txBody>
+        </p:sp>
+        <p:sp>
+          <p:nvSpPr>
+            <p:cNvPr id="33" name="Rechteck 32">
+              <a:extLst>
+                <a:ext uri="{FF2B5EF4-FFF2-40B4-BE49-F238E27FC236}">
+                  <a16:creationId xmlns:a16="http://schemas.microsoft.com/office/drawing/2014/main" id="{17F1BBE0-7791-4B01-A9C4-A98409ABF487}"/>
+                </a:ext>
+              </a:extLst>
+            </p:cNvPr>
+            <p:cNvSpPr/>
+            <p:nvPr/>
+          </p:nvSpPr>
+          <p:spPr>
+            <a:xfrm>
+              <a:off x="2884496" y="12373233"/>
+              <a:ext cx="6028735" cy="1108901"/>
+            </a:xfrm>
+            <a:prstGeom prst="rect">
+              <a:avLst/>
+            </a:prstGeom>
+            <a:solidFill>
+              <a:schemeClr val="bg1"/>
+            </a:solidFill>
+            <a:ln>
+              <a:solidFill>
+                <a:schemeClr val="tx1"/>
+              </a:solidFill>
+            </a:ln>
+          </p:spPr>
+          <p:style>
+            <a:lnRef idx="2">
+              <a:schemeClr val="accent1">
+                <a:shade val="50000"/>
+              </a:schemeClr>
+            </a:lnRef>
+            <a:fillRef idx="1">
+              <a:schemeClr val="accent1"/>
+            </a:fillRef>
+            <a:effectRef idx="0">
+              <a:schemeClr val="accent1"/>
+            </a:effectRef>
+            <a:fontRef idx="minor">
+              <a:schemeClr val="lt1"/>
+            </a:fontRef>
+          </p:style>
+          <p:txBody>
+            <a:bodyPr rtlCol="0" anchor="ctr"/>
+            <a:lstStyle/>
+            <a:p>
+              <a:pPr algn="ctr"/>
+              <a:r>
+                <a:rPr lang="en-US" sz="4274" dirty="0">
+                  <a:solidFill>
+                    <a:schemeClr val="tx1"/>
+                  </a:solidFill>
+                </a:rPr>
+                <a:t>Training Set</a:t>
+              </a:r>
+            </a:p>
+          </p:txBody>
+        </p:sp>
+        <p:sp>
+          <p:nvSpPr>
+            <p:cNvPr id="34" name="Rechteck 33">
+              <a:extLst>
+                <a:ext uri="{FF2B5EF4-FFF2-40B4-BE49-F238E27FC236}">
+                  <a16:creationId xmlns:a16="http://schemas.microsoft.com/office/drawing/2014/main" id="{69CC1182-FB42-493D-B7DA-B1F20123921A}"/>
+                </a:ext>
+              </a:extLst>
+            </p:cNvPr>
+            <p:cNvSpPr/>
+            <p:nvPr/>
+          </p:nvSpPr>
+          <p:spPr>
+            <a:xfrm>
+              <a:off x="8913230" y="12356039"/>
+              <a:ext cx="6042692" cy="1108902"/>
+            </a:xfrm>
+            <a:prstGeom prst="rect">
+              <a:avLst/>
+            </a:prstGeom>
+            <a:solidFill>
+              <a:schemeClr val="bg1"/>
+            </a:solidFill>
+            <a:ln>
+              <a:solidFill>
+                <a:schemeClr val="tx1"/>
+              </a:solidFill>
+            </a:ln>
+          </p:spPr>
+          <p:style>
+            <a:lnRef idx="2">
+              <a:schemeClr val="accent1">
+                <a:shade val="50000"/>
+              </a:schemeClr>
+            </a:lnRef>
+            <a:fillRef idx="1">
+              <a:schemeClr val="accent1"/>
+            </a:fillRef>
+            <a:effectRef idx="0">
+              <a:schemeClr val="accent1"/>
+            </a:effectRef>
+            <a:fontRef idx="minor">
+              <a:schemeClr val="lt1"/>
+            </a:fontRef>
+          </p:style>
+          <p:txBody>
+            <a:bodyPr rtlCol="0" anchor="ctr"/>
+            <a:lstStyle/>
+            <a:p>
+              <a:pPr algn="ctr"/>
+              <a:r>
+                <a:rPr lang="en-US" sz="4274" dirty="0">
+                  <a:solidFill>
+                    <a:schemeClr val="tx1"/>
+                  </a:solidFill>
+                </a:rPr>
+                <a:t>Validation Set</a:t>
+              </a:r>
+            </a:p>
+          </p:txBody>
+        </p:sp>
+      </p:grpSp>
+      <p:cxnSp>
+        <p:nvCxnSpPr>
+          <p:cNvPr id="38" name="Gerade Verbindung mit Pfeil 37">
+            <a:extLst>
+              <a:ext uri="{FF2B5EF4-FFF2-40B4-BE49-F238E27FC236}">
+                <a16:creationId xmlns:a16="http://schemas.microsoft.com/office/drawing/2014/main" id="{0154790A-927E-4FE4-84F8-C3E06A7E5E74}"/>
+              </a:ext>
+            </a:extLst>
+          </p:cNvPr>
+          <p:cNvCxnSpPr>
+            <a:cxnSpLocks/>
+            <a:stCxn id="34" idx="2"/>
+          </p:cNvCxnSpPr>
+          <p:nvPr/>
+        </p:nvCxnSpPr>
+        <p:spPr>
+          <a:xfrm>
+            <a:off x="11897505" y="13346771"/>
+            <a:ext cx="0" cy="875733"/>
+          </a:xfrm>
+          <a:prstGeom prst="straightConnector1">
+            <a:avLst/>
+          </a:prstGeom>
+          <a:ln w="63500">
+            <a:solidFill>
+              <a:schemeClr val="tx1"/>
+            </a:solidFill>
+            <a:tailEnd type="triangle"/>
+          </a:ln>
+        </p:spPr>
+        <p:style>
+          <a:lnRef idx="1">
+            <a:schemeClr val="accent1"/>
+          </a:lnRef>
+          <a:fillRef idx="0">
+            <a:schemeClr val="accent1"/>
+          </a:fillRef>
+          <a:effectRef idx="0">
+            <a:schemeClr val="accent1"/>
+          </a:effectRef>
+          <a:fontRef idx="minor">
+            <a:schemeClr val="tx1"/>
+          </a:fontRef>
+        </p:style>
+      </p:cxnSp>
+      <p:sp>
+        <p:nvSpPr>
+          <p:cNvPr id="42" name="Rechteck 41">
+            <a:extLst>
+              <a:ext uri="{FF2B5EF4-FFF2-40B4-BE49-F238E27FC236}">
+                <a16:creationId xmlns:a16="http://schemas.microsoft.com/office/drawing/2014/main" id="{390963BA-D85D-40D3-9301-2520463C9464}"/>
+              </a:ext>
+            </a:extLst>
+          </p:cNvPr>
+          <p:cNvSpPr/>
+          <p:nvPr/>
+        </p:nvSpPr>
+        <p:spPr>
+          <a:xfrm>
+            <a:off x="19957281" y="15066720"/>
+            <a:ext cx="6201351" cy="1108901"/>
+          </a:xfrm>
+          <a:prstGeom prst="rect">
+            <a:avLst/>
+          </a:prstGeom>
+          <a:solidFill>
+            <a:schemeClr val="bg1"/>
+          </a:solidFill>
+          <a:ln>
+            <a:solidFill>
+              <a:schemeClr val="tx1"/>
+            </a:solidFill>
+          </a:ln>
+        </p:spPr>
+        <p:style>
+          <a:lnRef idx="2">
+            <a:schemeClr val="accent1">
+              <a:shade val="50000"/>
+            </a:schemeClr>
+          </a:lnRef>
+          <a:fillRef idx="1">
+            <a:schemeClr val="accent1"/>
+          </a:fillRef>
+          <a:effectRef idx="0">
+            <a:schemeClr val="accent1"/>
+          </a:effectRef>
+          <a:fontRef idx="minor">
+            <a:schemeClr val="lt1"/>
+          </a:fontRef>
+        </p:style>
+        <p:txBody>
+          <a:bodyPr rtlCol="0" anchor="ctr"/>
+          <a:lstStyle/>
+          <a:p>
+            <a:pPr algn="ctr"/>
+            <a:r>
+              <a:rPr lang="en-US" sz="4274" dirty="0">
+                <a:solidFill>
+                  <a:schemeClr val="tx1"/>
+                </a:solidFill>
+              </a:rPr>
+              <a:t>Performance Measures</a:t>
+            </a:r>
+          </a:p>
+        </p:txBody>
+      </p:sp>
+      <p:cxnSp>
+        <p:nvCxnSpPr>
+          <p:cNvPr id="43" name="Gerade Verbindung mit Pfeil 42">
+            <a:extLst>
+              <a:ext uri="{FF2B5EF4-FFF2-40B4-BE49-F238E27FC236}">
+                <a16:creationId xmlns:a16="http://schemas.microsoft.com/office/drawing/2014/main" id="{C82A44BD-FE2C-45DF-B677-C0A1BE968566}"/>
+              </a:ext>
+            </a:extLst>
+          </p:cNvPr>
+          <p:cNvCxnSpPr>
+            <a:cxnSpLocks/>
+            <a:stCxn id="32" idx="3"/>
+            <a:endCxn id="42" idx="1"/>
+          </p:cNvCxnSpPr>
+          <p:nvPr/>
+        </p:nvCxnSpPr>
+        <p:spPr>
+          <a:xfrm>
+            <a:off x="14846966" y="15607768"/>
+            <a:ext cx="5110315" cy="13403"/>
+          </a:xfrm>
+          <a:prstGeom prst="straightConnector1">
+            <a:avLst/>
+          </a:prstGeom>
+          <a:ln w="63500">
+            <a:solidFill>
+              <a:schemeClr val="tx1"/>
+            </a:solidFill>
+            <a:prstDash val="dash"/>
+            <a:tailEnd type="triangle"/>
+          </a:ln>
+        </p:spPr>
+        <p:style>
+          <a:lnRef idx="1">
+            <a:schemeClr val="accent1"/>
+          </a:lnRef>
+          <a:fillRef idx="0">
+            <a:schemeClr val="accent1"/>
+          </a:fillRef>
+          <a:effectRef idx="0">
+            <a:schemeClr val="accent1"/>
+          </a:effectRef>
+          <a:fontRef idx="minor">
+            <a:schemeClr val="tx1"/>
+          </a:fontRef>
+        </p:style>
+      </p:cxnSp>
+      <p:sp>
+        <p:nvSpPr>
+          <p:cNvPr id="46" name="Rechteck 45">
+            <a:extLst>
+              <a:ext uri="{FF2B5EF4-FFF2-40B4-BE49-F238E27FC236}">
+                <a16:creationId xmlns:a16="http://schemas.microsoft.com/office/drawing/2014/main" id="{E538E1F8-0909-4A80-8E45-E8B5B55FF905}"/>
+              </a:ext>
+            </a:extLst>
+          </p:cNvPr>
+          <p:cNvSpPr/>
+          <p:nvPr/>
+        </p:nvSpPr>
+        <p:spPr>
+          <a:xfrm>
+            <a:off x="15617657" y="16689000"/>
+            <a:ext cx="3481613" cy="2194996"/>
+          </a:xfrm>
+          <a:prstGeom prst="rect">
+            <a:avLst/>
+          </a:prstGeom>
+          <a:solidFill>
+            <a:schemeClr val="bg1"/>
+          </a:solidFill>
+          <a:ln>
+            <a:solidFill>
+              <a:schemeClr val="tx1"/>
+            </a:solidFill>
+          </a:ln>
+        </p:spPr>
+        <p:style>
+          <a:lnRef idx="2">
+            <a:schemeClr val="accent1">
+              <a:shade val="50000"/>
+            </a:schemeClr>
+          </a:lnRef>
+          <a:fillRef idx="1">
+            <a:schemeClr val="accent1"/>
+          </a:fillRef>
+          <a:effectRef idx="0">
+            <a:schemeClr val="accent1"/>
+          </a:effectRef>
+          <a:fontRef idx="minor">
+            <a:schemeClr val="lt1"/>
+          </a:fontRef>
+        </p:style>
+        <p:txBody>
+          <a:bodyPr rtlCol="0" anchor="ctr"/>
+          <a:lstStyle/>
+          <a:p>
+            <a:pPr algn="ctr"/>
+            <a:r>
+              <a:rPr lang="en-US" sz="4274" dirty="0">
+                <a:solidFill>
+                  <a:schemeClr val="tx1"/>
+                </a:solidFill>
+              </a:rPr>
+              <a:t>Predicted Classes/</a:t>
+            </a:r>
+            <a:br>
+              <a:rPr lang="en-US" sz="4274" dirty="0">
+                <a:solidFill>
+                  <a:schemeClr val="tx1"/>
+                </a:solidFill>
+              </a:rPr>
+            </a:br>
+            <a:r>
+              <a:rPr lang="en-US" sz="4274" dirty="0">
+                <a:solidFill>
+                  <a:schemeClr val="tx1"/>
+                </a:solidFill>
+              </a:rPr>
+              <a:t>Categories</a:t>
+            </a:r>
+          </a:p>
+        </p:txBody>
+      </p:sp>
+      <p:cxnSp>
+        <p:nvCxnSpPr>
+          <p:cNvPr id="51" name="Gerade Verbindung mit Pfeil 50">
+            <a:extLst>
+              <a:ext uri="{FF2B5EF4-FFF2-40B4-BE49-F238E27FC236}">
+                <a16:creationId xmlns:a16="http://schemas.microsoft.com/office/drawing/2014/main" id="{BB921559-C974-41A0-808F-8F56638C06B5}"/>
+              </a:ext>
+            </a:extLst>
+          </p:cNvPr>
+          <p:cNvCxnSpPr>
+            <a:cxnSpLocks/>
+            <a:stCxn id="32" idx="3"/>
+            <a:endCxn id="46" idx="0"/>
+          </p:cNvCxnSpPr>
+          <p:nvPr/>
+        </p:nvCxnSpPr>
+        <p:spPr>
+          <a:xfrm>
+            <a:off x="14846966" y="15607768"/>
+            <a:ext cx="2511498" cy="1081232"/>
+          </a:xfrm>
+          <a:prstGeom prst="straightConnector1">
+            <a:avLst/>
+          </a:prstGeom>
+          <a:ln w="63500">
+            <a:solidFill>
+              <a:schemeClr val="tx1"/>
+            </a:solidFill>
+            <a:tailEnd type="triangle"/>
+          </a:ln>
+        </p:spPr>
+        <p:style>
+          <a:lnRef idx="1">
+            <a:schemeClr val="accent1"/>
+          </a:lnRef>
+          <a:fillRef idx="0">
+            <a:schemeClr val="accent1"/>
+          </a:fillRef>
+          <a:effectRef idx="0">
+            <a:schemeClr val="accent1"/>
+          </a:effectRef>
+          <a:fontRef idx="minor">
+            <a:schemeClr val="tx1"/>
+          </a:fontRef>
+        </p:style>
+      </p:cxnSp>
+      <p:cxnSp>
+        <p:nvCxnSpPr>
+          <p:cNvPr id="53" name="Verbinder: gewinkelt 52">
+            <a:extLst>
+              <a:ext uri="{FF2B5EF4-FFF2-40B4-BE49-F238E27FC236}">
+                <a16:creationId xmlns:a16="http://schemas.microsoft.com/office/drawing/2014/main" id="{9A68FBB4-0172-40A4-B924-7F3E653F9A6B}"/>
+              </a:ext>
+            </a:extLst>
+          </p:cNvPr>
+          <p:cNvCxnSpPr>
+            <a:cxnSpLocks/>
+            <a:stCxn id="46" idx="1"/>
+            <a:endCxn id="33" idx="1"/>
+          </p:cNvCxnSpPr>
+          <p:nvPr/>
+        </p:nvCxnSpPr>
+        <p:spPr>
+          <a:xfrm rot="10800000">
+            <a:off x="754239" y="12809514"/>
+            <a:ext cx="14863418" cy="4976984"/>
+          </a:xfrm>
+          <a:prstGeom prst="bentConnector3">
+            <a:avLst>
+              <a:gd name="adj1" fmla="val 101538"/>
+            </a:avLst>
+          </a:prstGeom>
+          <a:ln w="63500">
+            <a:solidFill>
+              <a:schemeClr val="tx1"/>
+            </a:solidFill>
+            <a:tailEnd type="triangle"/>
+          </a:ln>
+        </p:spPr>
+        <p:style>
+          <a:lnRef idx="1">
+            <a:schemeClr val="accent1"/>
+          </a:lnRef>
+          <a:fillRef idx="0">
+            <a:schemeClr val="accent1"/>
+          </a:fillRef>
+          <a:effectRef idx="0">
+            <a:schemeClr val="accent1"/>
+          </a:effectRef>
+          <a:fontRef idx="minor">
+            <a:schemeClr val="tx1"/>
+          </a:fontRef>
+        </p:style>
+      </p:cxnSp>
+      <p:cxnSp>
+        <p:nvCxnSpPr>
+          <p:cNvPr id="55" name="Verbinder: gewinkelt 54">
+            <a:extLst>
+              <a:ext uri="{FF2B5EF4-FFF2-40B4-BE49-F238E27FC236}">
+                <a16:creationId xmlns:a16="http://schemas.microsoft.com/office/drawing/2014/main" id="{4D467E5D-3C85-4D45-B3FB-525BC6210523}"/>
+              </a:ext>
+            </a:extLst>
+          </p:cNvPr>
+          <p:cNvCxnSpPr>
+            <a:cxnSpLocks/>
+            <a:stCxn id="46" idx="3"/>
+            <a:endCxn id="34" idx="3"/>
+          </p:cNvCxnSpPr>
+          <p:nvPr/>
+        </p:nvCxnSpPr>
+        <p:spPr>
+          <a:xfrm flipH="1" flipV="1">
+            <a:off x="15617655" y="12792320"/>
+            <a:ext cx="3481615" cy="4994178"/>
+          </a:xfrm>
+          <a:prstGeom prst="bentConnector3">
+            <a:avLst>
+              <a:gd name="adj1" fmla="val -6566"/>
+            </a:avLst>
+          </a:prstGeom>
+          <a:ln w="63500">
+            <a:solidFill>
+              <a:schemeClr val="tx1"/>
+            </a:solidFill>
+            <a:tailEnd type="triangle"/>
+          </a:ln>
+        </p:spPr>
+        <p:style>
+          <a:lnRef idx="1">
+            <a:schemeClr val="accent1"/>
+          </a:lnRef>
+          <a:fillRef idx="0">
+            <a:schemeClr val="accent1"/>
+          </a:fillRef>
+          <a:effectRef idx="0">
+            <a:schemeClr val="accent1"/>
+          </a:effectRef>
+          <a:fontRef idx="minor">
+            <a:schemeClr val="tx1"/>
+          </a:fontRef>
+        </p:style>
+      </p:cxnSp>
+      <p:cxnSp>
+        <p:nvCxnSpPr>
+          <p:cNvPr id="56" name="Verbinder: gewinkelt 55">
+            <a:extLst>
+              <a:ext uri="{FF2B5EF4-FFF2-40B4-BE49-F238E27FC236}">
+                <a16:creationId xmlns:a16="http://schemas.microsoft.com/office/drawing/2014/main" id="{048E0E2D-3063-4498-A5A6-E4C016563F05}"/>
+              </a:ext>
+            </a:extLst>
+          </p:cNvPr>
+          <p:cNvCxnSpPr>
+            <a:cxnSpLocks/>
+            <a:stCxn id="6" idx="3"/>
+            <a:endCxn id="42" idx="3"/>
+          </p:cNvCxnSpPr>
+          <p:nvPr/>
+        </p:nvCxnSpPr>
+        <p:spPr>
+          <a:xfrm flipH="1">
+            <a:off x="26158632" y="3657747"/>
+            <a:ext cx="87330" cy="11963424"/>
+          </a:xfrm>
+          <a:prstGeom prst="bentConnector3">
+            <a:avLst>
+              <a:gd name="adj1" fmla="val -261766"/>
+            </a:avLst>
+          </a:prstGeom>
+          <a:ln w="63500">
+            <a:solidFill>
+              <a:schemeClr val="tx1"/>
+            </a:solidFill>
+            <a:tailEnd type="triangle"/>
+          </a:ln>
+        </p:spPr>
+        <p:style>
+          <a:lnRef idx="1">
+            <a:schemeClr val="accent1"/>
+          </a:lnRef>
+          <a:fillRef idx="0">
+            <a:schemeClr val="accent1"/>
+          </a:fillRef>
+          <a:effectRef idx="0">
+            <a:schemeClr val="accent1"/>
+          </a:effectRef>
+          <a:fontRef idx="minor">
+            <a:schemeClr val="tx1"/>
+          </a:fontRef>
+        </p:style>
+      </p:cxnSp>
+      <p:sp>
+        <p:nvSpPr>
+          <p:cNvPr id="59" name="Rechteck 58">
+            <a:extLst>
+              <a:ext uri="{FF2B5EF4-FFF2-40B4-BE49-F238E27FC236}">
+                <a16:creationId xmlns:a16="http://schemas.microsoft.com/office/drawing/2014/main" id="{08BD4FBD-3B64-448A-BDA4-FB587CDA525F}"/>
+              </a:ext>
+            </a:extLst>
+          </p:cNvPr>
+          <p:cNvSpPr/>
+          <p:nvPr/>
+        </p:nvSpPr>
+        <p:spPr>
+          <a:xfrm>
+            <a:off x="754240" y="1994394"/>
+            <a:ext cx="3023347" cy="2217803"/>
+          </a:xfrm>
+          <a:prstGeom prst="rect">
+            <a:avLst/>
+          </a:prstGeom>
+          <a:solidFill>
+            <a:schemeClr val="bg1"/>
+          </a:solidFill>
+          <a:ln>
+            <a:solidFill>
+              <a:schemeClr val="tx1"/>
+            </a:solidFill>
+          </a:ln>
+        </p:spPr>
+        <p:style>
+          <a:lnRef idx="2">
+            <a:schemeClr val="accent1">
+              <a:shade val="50000"/>
+            </a:schemeClr>
+          </a:lnRef>
+          <a:fillRef idx="1">
+            <a:schemeClr val="accent1"/>
+          </a:fillRef>
+          <a:effectRef idx="0">
+            <a:schemeClr val="accent1"/>
+          </a:effectRef>
+          <a:fontRef idx="minor">
+            <a:schemeClr val="lt1"/>
+          </a:fontRef>
+        </p:style>
+        <p:txBody>
+          <a:bodyPr rtlCol="0" anchor="ctr"/>
+          <a:lstStyle/>
+          <a:p>
+            <a:pPr algn="ctr"/>
+            <a:r>
+              <a:rPr lang="en-US" sz="4274" dirty="0">
+                <a:solidFill>
+                  <a:schemeClr val="tx1"/>
+                </a:solidFill>
+              </a:rPr>
+              <a:t>Synthetic Cases</a:t>
+            </a:r>
+          </a:p>
+        </p:txBody>
+      </p:sp>
+      <p:cxnSp>
+        <p:nvCxnSpPr>
+          <p:cNvPr id="60" name="Verbinder: gewinkelt 59">
+            <a:extLst>
+              <a:ext uri="{FF2B5EF4-FFF2-40B4-BE49-F238E27FC236}">
+                <a16:creationId xmlns:a16="http://schemas.microsoft.com/office/drawing/2014/main" id="{EE38B280-6DA2-4E43-AA0B-9FC9FDE9EDA4}"/>
+              </a:ext>
+            </a:extLst>
+          </p:cNvPr>
+          <p:cNvCxnSpPr>
+            <a:cxnSpLocks/>
+            <a:stCxn id="33" idx="2"/>
+            <a:endCxn id="32" idx="1"/>
+          </p:cNvCxnSpPr>
+          <p:nvPr/>
+        </p:nvCxnSpPr>
+        <p:spPr>
+          <a:xfrm rot="16200000" flipH="1">
+            <a:off x="3605671" y="14224089"/>
+            <a:ext cx="2243804" cy="523553"/>
+          </a:xfrm>
+          <a:prstGeom prst="bentConnector2">
+            <a:avLst/>
+          </a:prstGeom>
+          <a:ln w="63500">
+            <a:solidFill>
+              <a:schemeClr val="tx1"/>
+            </a:solidFill>
+            <a:tailEnd type="triangle"/>
+          </a:ln>
+        </p:spPr>
+        <p:style>
+          <a:lnRef idx="1">
+            <a:schemeClr val="accent1"/>
+          </a:lnRef>
+          <a:fillRef idx="0">
+            <a:schemeClr val="accent1"/>
+          </a:fillRef>
+          <a:effectRef idx="0">
+            <a:schemeClr val="accent1"/>
+          </a:effectRef>
+          <a:fontRef idx="minor">
+            <a:schemeClr val="tx1"/>
+          </a:fontRef>
+        </p:style>
+      </p:cxnSp>
+    </p:spTree>
+    <p:extLst>
+      <p:ext uri="{BB962C8B-B14F-4D97-AF65-F5344CB8AC3E}">
+        <p14:creationId xmlns:p14="http://schemas.microsoft.com/office/powerpoint/2010/main" val="23326579"/>
       </p:ext>
     </p:extLst>
   </p:cSld>
@@ -5520,23 +7378,6 @@
         <a:font script="Viet" typeface="Times New Roman"/>
         <a:font script="Uigh" typeface="Microsoft Uighur"/>
         <a:font script="Geor" typeface="Sylfaen"/>
-        <a:font script="Armn" typeface="Arial"/>
-        <a:font script="Bugi" typeface="Leelawadee UI"/>
-        <a:font script="Bopo" typeface="Microsoft JhengHei"/>
-        <a:font script="Java" typeface="Javanese Text"/>
-        <a:font script="Lisu" typeface="Segoe UI"/>
-        <a:font script="Mymr" typeface="Myanmar Text"/>
-        <a:font script="Nkoo" typeface="Ebrima"/>
-        <a:font script="Olck" typeface="Nirmala UI"/>
-        <a:font script="Osma" typeface="Ebrima"/>
-        <a:font script="Phag" typeface="Phagspa"/>
-        <a:font script="Syrn" typeface="Estrangelo Edessa"/>
-        <a:font script="Syrj" typeface="Estrangelo Edessa"/>
-        <a:font script="Syre" typeface="Estrangelo Edessa"/>
-        <a:font script="Sora" typeface="Nirmala UI"/>
-        <a:font script="Tale" typeface="Microsoft Tai Le"/>
-        <a:font script="Talu" typeface="Microsoft New Tai Lue"/>
-        <a:font script="Tfng" typeface="Ebrima"/>
       </a:majorFont>
       <a:minorFont>
         <a:latin typeface="Calibri" panose="020F0502020204030204"/>
@@ -5572,23 +7413,6 @@
         <a:font script="Viet" typeface="Arial"/>
         <a:font script="Uigh" typeface="Microsoft Uighur"/>
         <a:font script="Geor" typeface="Sylfaen"/>
-        <a:font script="Armn" typeface="Arial"/>
-        <a:font script="Bugi" typeface="Leelawadee UI"/>
-        <a:font script="Bopo" typeface="Microsoft JhengHei"/>
-        <a:font script="Java" typeface="Javanese Text"/>
-        <a:font script="Lisu" typeface="Segoe UI"/>
-        <a:font script="Mymr" typeface="Myanmar Text"/>
-        <a:font script="Nkoo" typeface="Ebrima"/>
-        <a:font script="Olck" typeface="Nirmala UI"/>
-        <a:font script="Osma" typeface="Ebrima"/>
-        <a:font script="Phag" typeface="Phagspa"/>
-        <a:font script="Syrn" typeface="Estrangelo Edessa"/>
-        <a:font script="Syrj" typeface="Estrangelo Edessa"/>
-        <a:font script="Syre" typeface="Estrangelo Edessa"/>
-        <a:font script="Sora" typeface="Nirmala UI"/>
-        <a:font script="Tale" typeface="Microsoft Tai Le"/>
-        <a:font script="Talu" typeface="Microsoft New Tai Lue"/>
-        <a:font script="Tfng" typeface="Ebrima"/>
       </a:minorFont>
     </a:fontScheme>
     <a:fmtScheme name="Office">

--- a/materials/images_hochformat.pptx
+++ b/materials/images_hochformat.pptx
@@ -6042,20 +6042,12 @@
           <a:p>
             <a:pPr algn="ctr"/>
             <a:r>
-              <a:rPr lang="en-US" sz="4274">
-                <a:solidFill>
-                  <a:schemeClr val="tx1"/>
-                </a:solidFill>
-              </a:rPr>
-              <a:t>Creation of Synthetic </a:t>
-            </a:r>
-            <a:r>
               <a:rPr lang="en-US" sz="4274" dirty="0">
                 <a:solidFill>
                   <a:schemeClr val="tx1"/>
                 </a:solidFill>
               </a:rPr>
-              <a:t>Cases</a:t>
+              <a:t>Creation of Synthetic Cases</a:t>
             </a:r>
           </a:p>
         </p:txBody>

--- a/materials/images_hochformat.pptx
+++ b/materials/images_hochformat.pptx
@@ -7,6 +7,7 @@
   <p:sldIdLst>
     <p:sldId id="256" r:id="rId2"/>
     <p:sldId id="257" r:id="rId3"/>
+    <p:sldId id="258" r:id="rId4"/>
   </p:sldIdLst>
   <p:sldSz cx="27000200" cy="34199513"/>
   <p:notesSz cx="6858000" cy="9144000"/>
@@ -244,7 +245,7 @@
           <a:p>
             <a:fld id="{F39F49B5-785A-44C4-99F0-898FF83CD003}" type="datetimeFigureOut">
               <a:rPr lang="de-DE" smtClean="0"/>
-              <a:t>17.04.2023</a:t>
+              <a:t>27.04.2023</a:t>
             </a:fld>
             <a:endParaRPr lang="de-DE"/>
           </a:p>
@@ -414,7 +415,7 @@
           <a:p>
             <a:fld id="{F39F49B5-785A-44C4-99F0-898FF83CD003}" type="datetimeFigureOut">
               <a:rPr lang="de-DE" smtClean="0"/>
-              <a:t>17.04.2023</a:t>
+              <a:t>27.04.2023</a:t>
             </a:fld>
             <a:endParaRPr lang="de-DE"/>
           </a:p>
@@ -594,7 +595,7 @@
           <a:p>
             <a:fld id="{F39F49B5-785A-44C4-99F0-898FF83CD003}" type="datetimeFigureOut">
               <a:rPr lang="de-DE" smtClean="0"/>
-              <a:t>17.04.2023</a:t>
+              <a:t>27.04.2023</a:t>
             </a:fld>
             <a:endParaRPr lang="de-DE"/>
           </a:p>
@@ -764,7 +765,7 @@
           <a:p>
             <a:fld id="{F39F49B5-785A-44C4-99F0-898FF83CD003}" type="datetimeFigureOut">
               <a:rPr lang="de-DE" smtClean="0"/>
-              <a:t>17.04.2023</a:t>
+              <a:t>27.04.2023</a:t>
             </a:fld>
             <a:endParaRPr lang="de-DE"/>
           </a:p>
@@ -1008,7 +1009,7 @@
           <a:p>
             <a:fld id="{F39F49B5-785A-44C4-99F0-898FF83CD003}" type="datetimeFigureOut">
               <a:rPr lang="de-DE" smtClean="0"/>
-              <a:t>17.04.2023</a:t>
+              <a:t>27.04.2023</a:t>
             </a:fld>
             <a:endParaRPr lang="de-DE"/>
           </a:p>
@@ -1240,7 +1241,7 @@
           <a:p>
             <a:fld id="{F39F49B5-785A-44C4-99F0-898FF83CD003}" type="datetimeFigureOut">
               <a:rPr lang="de-DE" smtClean="0"/>
-              <a:t>17.04.2023</a:t>
+              <a:t>27.04.2023</a:t>
             </a:fld>
             <a:endParaRPr lang="de-DE"/>
           </a:p>
@@ -1607,7 +1608,7 @@
           <a:p>
             <a:fld id="{F39F49B5-785A-44C4-99F0-898FF83CD003}" type="datetimeFigureOut">
               <a:rPr lang="de-DE" smtClean="0"/>
-              <a:t>17.04.2023</a:t>
+              <a:t>27.04.2023</a:t>
             </a:fld>
             <a:endParaRPr lang="de-DE"/>
           </a:p>
@@ -1725,7 +1726,7 @@
           <a:p>
             <a:fld id="{F39F49B5-785A-44C4-99F0-898FF83CD003}" type="datetimeFigureOut">
               <a:rPr lang="de-DE" smtClean="0"/>
-              <a:t>17.04.2023</a:t>
+              <a:t>27.04.2023</a:t>
             </a:fld>
             <a:endParaRPr lang="de-DE"/>
           </a:p>
@@ -1820,7 +1821,7 @@
           <a:p>
             <a:fld id="{F39F49B5-785A-44C4-99F0-898FF83CD003}" type="datetimeFigureOut">
               <a:rPr lang="de-DE" smtClean="0"/>
-              <a:t>17.04.2023</a:t>
+              <a:t>27.04.2023</a:t>
             </a:fld>
             <a:endParaRPr lang="de-DE"/>
           </a:p>
@@ -2097,7 +2098,7 @@
           <a:p>
             <a:fld id="{F39F49B5-785A-44C4-99F0-898FF83CD003}" type="datetimeFigureOut">
               <a:rPr lang="de-DE" smtClean="0"/>
-              <a:t>17.04.2023</a:t>
+              <a:t>27.04.2023</a:t>
             </a:fld>
             <a:endParaRPr lang="de-DE"/>
           </a:p>
@@ -2354,7 +2355,7 @@
           <a:p>
             <a:fld id="{F39F49B5-785A-44C4-99F0-898FF83CD003}" type="datetimeFigureOut">
               <a:rPr lang="de-DE" smtClean="0"/>
-              <a:t>17.04.2023</a:t>
+              <a:t>27.04.2023</a:t>
             </a:fld>
             <a:endParaRPr lang="de-DE"/>
           </a:p>
@@ -2567,7 +2568,7 @@
           <a:p>
             <a:fld id="{F39F49B5-785A-44C4-99F0-898FF83CD003}" type="datetimeFigureOut">
               <a:rPr lang="de-DE" smtClean="0"/>
-              <a:t>17.04.2023</a:t>
+              <a:t>27.04.2023</a:t>
             </a:fld>
             <a:endParaRPr lang="de-DE"/>
           </a:p>
@@ -7294,6 +7295,1792 @@
 </p:sld>
 </file>
 
+<file path=ppt/slides/slide3.xml><?xml version="1.0" encoding="utf-8"?>
+<p:sld xmlns:a="http://schemas.openxmlformats.org/drawingml/2006/main" xmlns:r="http://schemas.openxmlformats.org/officeDocument/2006/relationships" xmlns:p="http://schemas.openxmlformats.org/presentationml/2006/main">
+  <p:cSld>
+    <p:spTree>
+      <p:nvGrpSpPr>
+        <p:cNvPr id="1" name=""/>
+        <p:cNvGrpSpPr/>
+        <p:nvPr/>
+      </p:nvGrpSpPr>
+      <p:grpSpPr>
+        <a:xfrm>
+          <a:off x="0" y="0"/>
+          <a:ext cx="0" cy="0"/>
+          <a:chOff x="0" y="0"/>
+          <a:chExt cx="0" cy="0"/>
+        </a:xfrm>
+      </p:grpSpPr>
+      <p:sp>
+        <p:nvSpPr>
+          <p:cNvPr id="4" name="Rechteck 3">
+            <a:extLst>
+              <a:ext uri="{FF2B5EF4-FFF2-40B4-BE49-F238E27FC236}">
+                <a16:creationId xmlns:a16="http://schemas.microsoft.com/office/drawing/2014/main" id="{D1C04E16-8200-46A4-9174-04A8DE9081C8}"/>
+              </a:ext>
+            </a:extLst>
+          </p:cNvPr>
+          <p:cNvSpPr/>
+          <p:nvPr/>
+        </p:nvSpPr>
+        <p:spPr>
+          <a:xfrm>
+            <a:off x="1738423" y="2654970"/>
+            <a:ext cx="9501077" cy="1503276"/>
+          </a:xfrm>
+          <a:prstGeom prst="rect">
+            <a:avLst/>
+          </a:prstGeom>
+          <a:noFill/>
+          <a:ln>
+            <a:solidFill>
+              <a:schemeClr val="tx1"/>
+            </a:solidFill>
+          </a:ln>
+        </p:spPr>
+        <p:style>
+          <a:lnRef idx="2">
+            <a:schemeClr val="accent1">
+              <a:shade val="50000"/>
+            </a:schemeClr>
+          </a:lnRef>
+          <a:fillRef idx="1">
+            <a:schemeClr val="accent1"/>
+          </a:fillRef>
+          <a:effectRef idx="0">
+            <a:schemeClr val="accent1"/>
+          </a:effectRef>
+          <a:fontRef idx="minor">
+            <a:schemeClr val="lt1"/>
+          </a:fontRef>
+        </p:style>
+        <p:txBody>
+          <a:bodyPr rtlCol="0" anchor="ctr"/>
+          <a:lstStyle/>
+          <a:p>
+            <a:pPr algn="ctr"/>
+            <a:r>
+              <a:rPr lang="en-US" sz="5400" dirty="0">
+                <a:solidFill>
+                  <a:schemeClr val="tx1"/>
+                </a:solidFill>
+              </a:rPr>
+              <a:t>Input Layer</a:t>
+            </a:r>
+          </a:p>
+        </p:txBody>
+      </p:sp>
+      <p:sp>
+        <p:nvSpPr>
+          <p:cNvPr id="5" name="Rechteck 4">
+            <a:extLst>
+              <a:ext uri="{FF2B5EF4-FFF2-40B4-BE49-F238E27FC236}">
+                <a16:creationId xmlns:a16="http://schemas.microsoft.com/office/drawing/2014/main" id="{CAF4F7E4-C730-4A58-89D0-7ADDDAB3F4C2}"/>
+              </a:ext>
+            </a:extLst>
+          </p:cNvPr>
+          <p:cNvSpPr/>
+          <p:nvPr/>
+        </p:nvSpPr>
+        <p:spPr>
+          <a:xfrm>
+            <a:off x="1738422" y="4979070"/>
+            <a:ext cx="9501077" cy="1503276"/>
+          </a:xfrm>
+          <a:prstGeom prst="rect">
+            <a:avLst/>
+          </a:prstGeom>
+          <a:noFill/>
+          <a:ln>
+            <a:solidFill>
+              <a:schemeClr val="tx1"/>
+            </a:solidFill>
+          </a:ln>
+        </p:spPr>
+        <p:style>
+          <a:lnRef idx="2">
+            <a:schemeClr val="accent1">
+              <a:shade val="50000"/>
+            </a:schemeClr>
+          </a:lnRef>
+          <a:fillRef idx="1">
+            <a:schemeClr val="accent1"/>
+          </a:fillRef>
+          <a:effectRef idx="0">
+            <a:schemeClr val="accent1"/>
+          </a:effectRef>
+          <a:fontRef idx="minor">
+            <a:schemeClr val="lt1"/>
+          </a:fontRef>
+        </p:style>
+        <p:txBody>
+          <a:bodyPr rtlCol="0" anchor="ctr"/>
+          <a:lstStyle/>
+          <a:p>
+            <a:pPr algn="ctr"/>
+            <a:r>
+              <a:rPr lang="en-US" sz="5400" dirty="0">
+                <a:solidFill>
+                  <a:schemeClr val="tx1"/>
+                </a:solidFill>
+              </a:rPr>
+              <a:t>Masking Layer </a:t>
+            </a:r>
+          </a:p>
+        </p:txBody>
+      </p:sp>
+      <p:sp>
+        <p:nvSpPr>
+          <p:cNvPr id="6" name="Rechteck 5">
+            <a:extLst>
+              <a:ext uri="{FF2B5EF4-FFF2-40B4-BE49-F238E27FC236}">
+                <a16:creationId xmlns:a16="http://schemas.microsoft.com/office/drawing/2014/main" id="{D34721F3-A56E-4B20-8811-9239640E1531}"/>
+              </a:ext>
+            </a:extLst>
+          </p:cNvPr>
+          <p:cNvSpPr/>
+          <p:nvPr/>
+        </p:nvSpPr>
+        <p:spPr>
+          <a:xfrm>
+            <a:off x="1738421" y="7303170"/>
+            <a:ext cx="9501077" cy="1503276"/>
+          </a:xfrm>
+          <a:prstGeom prst="rect">
+            <a:avLst/>
+          </a:prstGeom>
+          <a:noFill/>
+          <a:ln>
+            <a:solidFill>
+              <a:schemeClr val="tx1"/>
+            </a:solidFill>
+          </a:ln>
+        </p:spPr>
+        <p:style>
+          <a:lnRef idx="2">
+            <a:schemeClr val="accent1">
+              <a:shade val="50000"/>
+            </a:schemeClr>
+          </a:lnRef>
+          <a:fillRef idx="1">
+            <a:schemeClr val="accent1"/>
+          </a:fillRef>
+          <a:effectRef idx="0">
+            <a:schemeClr val="accent1"/>
+          </a:effectRef>
+          <a:fontRef idx="minor">
+            <a:schemeClr val="lt1"/>
+          </a:fontRef>
+        </p:style>
+        <p:txBody>
+          <a:bodyPr rtlCol="0" anchor="ctr"/>
+          <a:lstStyle/>
+          <a:p>
+            <a:pPr algn="ctr"/>
+            <a:r>
+              <a:rPr lang="en-US" sz="5400" dirty="0">
+                <a:solidFill>
+                  <a:schemeClr val="tx1"/>
+                </a:solidFill>
+              </a:rPr>
+              <a:t>Normalization Layer</a:t>
+            </a:r>
+          </a:p>
+        </p:txBody>
+      </p:sp>
+      <p:sp>
+        <p:nvSpPr>
+          <p:cNvPr id="7" name="Rechteck 6">
+            <a:extLst>
+              <a:ext uri="{FF2B5EF4-FFF2-40B4-BE49-F238E27FC236}">
+                <a16:creationId xmlns:a16="http://schemas.microsoft.com/office/drawing/2014/main" id="{6B8B916E-4C03-4E8C-96B8-03272AC55527}"/>
+              </a:ext>
+            </a:extLst>
+          </p:cNvPr>
+          <p:cNvSpPr/>
+          <p:nvPr/>
+        </p:nvSpPr>
+        <p:spPr>
+          <a:xfrm>
+            <a:off x="1738421" y="9627270"/>
+            <a:ext cx="9501077" cy="1503276"/>
+          </a:xfrm>
+          <a:prstGeom prst="rect">
+            <a:avLst/>
+          </a:prstGeom>
+          <a:noFill/>
+          <a:ln>
+            <a:solidFill>
+              <a:schemeClr val="tx1"/>
+            </a:solidFill>
+          </a:ln>
+        </p:spPr>
+        <p:style>
+          <a:lnRef idx="2">
+            <a:schemeClr val="accent1">
+              <a:shade val="50000"/>
+            </a:schemeClr>
+          </a:lnRef>
+          <a:fillRef idx="1">
+            <a:schemeClr val="accent1"/>
+          </a:fillRef>
+          <a:effectRef idx="0">
+            <a:schemeClr val="accent1"/>
+          </a:effectRef>
+          <a:fontRef idx="minor">
+            <a:schemeClr val="lt1"/>
+          </a:fontRef>
+        </p:style>
+        <p:txBody>
+          <a:bodyPr rtlCol="0" anchor="ctr"/>
+          <a:lstStyle/>
+          <a:p>
+            <a:pPr algn="ctr"/>
+            <a:r>
+              <a:rPr lang="en-US" sz="5400" dirty="0">
+                <a:solidFill>
+                  <a:schemeClr val="tx1"/>
+                </a:solidFill>
+              </a:rPr>
+              <a:t>Recurrent Layer</a:t>
+            </a:r>
+          </a:p>
+        </p:txBody>
+      </p:sp>
+      <p:sp>
+        <p:nvSpPr>
+          <p:cNvPr id="8" name="Rechteck 7">
+            <a:extLst>
+              <a:ext uri="{FF2B5EF4-FFF2-40B4-BE49-F238E27FC236}">
+                <a16:creationId xmlns:a16="http://schemas.microsoft.com/office/drawing/2014/main" id="{BEAF1DFA-F6EF-446A-8C48-3B4888F66800}"/>
+              </a:ext>
+            </a:extLst>
+          </p:cNvPr>
+          <p:cNvSpPr/>
+          <p:nvPr/>
+        </p:nvSpPr>
+        <p:spPr>
+          <a:xfrm>
+            <a:off x="1738421" y="11951370"/>
+            <a:ext cx="9501077" cy="1503276"/>
+          </a:xfrm>
+          <a:prstGeom prst="rect">
+            <a:avLst/>
+          </a:prstGeom>
+          <a:noFill/>
+          <a:ln>
+            <a:solidFill>
+              <a:schemeClr val="tx1"/>
+            </a:solidFill>
+          </a:ln>
+        </p:spPr>
+        <p:style>
+          <a:lnRef idx="2">
+            <a:schemeClr val="accent1">
+              <a:shade val="50000"/>
+            </a:schemeClr>
+          </a:lnRef>
+          <a:fillRef idx="1">
+            <a:schemeClr val="accent1"/>
+          </a:fillRef>
+          <a:effectRef idx="0">
+            <a:schemeClr val="accent1"/>
+          </a:effectRef>
+          <a:fontRef idx="minor">
+            <a:schemeClr val="lt1"/>
+          </a:fontRef>
+        </p:style>
+        <p:txBody>
+          <a:bodyPr rtlCol="0" anchor="ctr"/>
+          <a:lstStyle/>
+          <a:p>
+            <a:pPr algn="ctr"/>
+            <a:r>
+              <a:rPr lang="en-US" sz="5400" dirty="0">
+                <a:solidFill>
+                  <a:schemeClr val="tx1"/>
+                </a:solidFill>
+              </a:rPr>
+              <a:t>…</a:t>
+            </a:r>
+          </a:p>
+        </p:txBody>
+      </p:sp>
+      <p:sp>
+        <p:nvSpPr>
+          <p:cNvPr id="9" name="Rechteck 8">
+            <a:extLst>
+              <a:ext uri="{FF2B5EF4-FFF2-40B4-BE49-F238E27FC236}">
+                <a16:creationId xmlns:a16="http://schemas.microsoft.com/office/drawing/2014/main" id="{0BB7C456-5096-4743-9861-70261BD6F4D6}"/>
+              </a:ext>
+            </a:extLst>
+          </p:cNvPr>
+          <p:cNvSpPr/>
+          <p:nvPr/>
+        </p:nvSpPr>
+        <p:spPr>
+          <a:xfrm>
+            <a:off x="1738421" y="14275470"/>
+            <a:ext cx="9501077" cy="1503276"/>
+          </a:xfrm>
+          <a:prstGeom prst="rect">
+            <a:avLst/>
+          </a:prstGeom>
+          <a:noFill/>
+          <a:ln>
+            <a:solidFill>
+              <a:schemeClr val="tx1"/>
+            </a:solidFill>
+          </a:ln>
+        </p:spPr>
+        <p:style>
+          <a:lnRef idx="2">
+            <a:schemeClr val="accent1">
+              <a:shade val="50000"/>
+            </a:schemeClr>
+          </a:lnRef>
+          <a:fillRef idx="1">
+            <a:schemeClr val="accent1"/>
+          </a:fillRef>
+          <a:effectRef idx="0">
+            <a:schemeClr val="accent1"/>
+          </a:effectRef>
+          <a:fontRef idx="minor">
+            <a:schemeClr val="lt1"/>
+          </a:fontRef>
+        </p:style>
+        <p:txBody>
+          <a:bodyPr rtlCol="0" anchor="ctr"/>
+          <a:lstStyle/>
+          <a:p>
+            <a:pPr algn="ctr"/>
+            <a:r>
+              <a:rPr lang="en-US" sz="5400" dirty="0">
+                <a:solidFill>
+                  <a:schemeClr val="tx1"/>
+                </a:solidFill>
+              </a:rPr>
+              <a:t>Recurrent Layer</a:t>
+            </a:r>
+          </a:p>
+        </p:txBody>
+      </p:sp>
+      <p:sp>
+        <p:nvSpPr>
+          <p:cNvPr id="10" name="Rechteck 9">
+            <a:extLst>
+              <a:ext uri="{FF2B5EF4-FFF2-40B4-BE49-F238E27FC236}">
+                <a16:creationId xmlns:a16="http://schemas.microsoft.com/office/drawing/2014/main" id="{D300AFE8-112D-4384-88AB-0BA3067FC241}"/>
+              </a:ext>
+            </a:extLst>
+          </p:cNvPr>
+          <p:cNvSpPr/>
+          <p:nvPr/>
+        </p:nvSpPr>
+        <p:spPr>
+          <a:xfrm>
+            <a:off x="1738421" y="16376316"/>
+            <a:ext cx="9501077" cy="1503276"/>
+          </a:xfrm>
+          <a:prstGeom prst="rect">
+            <a:avLst/>
+          </a:prstGeom>
+          <a:noFill/>
+          <a:ln>
+            <a:solidFill>
+              <a:schemeClr val="tx1"/>
+            </a:solidFill>
+          </a:ln>
+        </p:spPr>
+        <p:style>
+          <a:lnRef idx="2">
+            <a:schemeClr val="accent1">
+              <a:shade val="50000"/>
+            </a:schemeClr>
+          </a:lnRef>
+          <a:fillRef idx="1">
+            <a:schemeClr val="accent1"/>
+          </a:fillRef>
+          <a:effectRef idx="0">
+            <a:schemeClr val="accent1"/>
+          </a:effectRef>
+          <a:fontRef idx="minor">
+            <a:schemeClr val="lt1"/>
+          </a:fontRef>
+        </p:style>
+        <p:txBody>
+          <a:bodyPr rtlCol="0" anchor="ctr"/>
+          <a:lstStyle/>
+          <a:p>
+            <a:pPr algn="ctr"/>
+            <a:r>
+              <a:rPr lang="en-US" sz="5400" dirty="0">
+                <a:solidFill>
+                  <a:schemeClr val="tx1"/>
+                </a:solidFill>
+              </a:rPr>
+              <a:t>Self Attention Layer</a:t>
+            </a:r>
+          </a:p>
+        </p:txBody>
+      </p:sp>
+      <p:sp>
+        <p:nvSpPr>
+          <p:cNvPr id="11" name="Rechteck 10">
+            <a:extLst>
+              <a:ext uri="{FF2B5EF4-FFF2-40B4-BE49-F238E27FC236}">
+                <a16:creationId xmlns:a16="http://schemas.microsoft.com/office/drawing/2014/main" id="{A70AD973-4661-4C08-AC16-B74A03086651}"/>
+              </a:ext>
+            </a:extLst>
+          </p:cNvPr>
+          <p:cNvSpPr/>
+          <p:nvPr/>
+        </p:nvSpPr>
+        <p:spPr>
+          <a:xfrm>
+            <a:off x="1738421" y="18700416"/>
+            <a:ext cx="9501077" cy="1503276"/>
+          </a:xfrm>
+          <a:prstGeom prst="rect">
+            <a:avLst/>
+          </a:prstGeom>
+          <a:noFill/>
+          <a:ln>
+            <a:solidFill>
+              <a:schemeClr val="tx1"/>
+            </a:solidFill>
+          </a:ln>
+        </p:spPr>
+        <p:style>
+          <a:lnRef idx="2">
+            <a:schemeClr val="accent1">
+              <a:shade val="50000"/>
+            </a:schemeClr>
+          </a:lnRef>
+          <a:fillRef idx="1">
+            <a:schemeClr val="accent1"/>
+          </a:fillRef>
+          <a:effectRef idx="0">
+            <a:schemeClr val="accent1"/>
+          </a:effectRef>
+          <a:fontRef idx="minor">
+            <a:schemeClr val="lt1"/>
+          </a:fontRef>
+        </p:style>
+        <p:txBody>
+          <a:bodyPr rtlCol="0" anchor="ctr"/>
+          <a:lstStyle/>
+          <a:p>
+            <a:pPr algn="ctr"/>
+            <a:r>
+              <a:rPr lang="en-US" sz="5400" dirty="0">
+                <a:solidFill>
+                  <a:schemeClr val="tx1"/>
+                </a:solidFill>
+              </a:rPr>
+              <a:t>Normalization Layer</a:t>
+            </a:r>
+          </a:p>
+        </p:txBody>
+      </p:sp>
+      <p:sp>
+        <p:nvSpPr>
+          <p:cNvPr id="12" name="Rechteck 11">
+            <a:extLst>
+              <a:ext uri="{FF2B5EF4-FFF2-40B4-BE49-F238E27FC236}">
+                <a16:creationId xmlns:a16="http://schemas.microsoft.com/office/drawing/2014/main" id="{920B414A-6E7C-4140-BB3A-BDF3E01EADF6}"/>
+              </a:ext>
+            </a:extLst>
+          </p:cNvPr>
+          <p:cNvSpPr/>
+          <p:nvPr/>
+        </p:nvSpPr>
+        <p:spPr>
+          <a:xfrm>
+            <a:off x="1738421" y="21024516"/>
+            <a:ext cx="9501077" cy="1503276"/>
+          </a:xfrm>
+          <a:prstGeom prst="rect">
+            <a:avLst/>
+          </a:prstGeom>
+          <a:noFill/>
+          <a:ln>
+            <a:solidFill>
+              <a:schemeClr val="tx1"/>
+            </a:solidFill>
+          </a:ln>
+        </p:spPr>
+        <p:style>
+          <a:lnRef idx="2">
+            <a:schemeClr val="accent1">
+              <a:shade val="50000"/>
+            </a:schemeClr>
+          </a:lnRef>
+          <a:fillRef idx="1">
+            <a:schemeClr val="accent1"/>
+          </a:fillRef>
+          <a:effectRef idx="0">
+            <a:schemeClr val="accent1"/>
+          </a:effectRef>
+          <a:fontRef idx="minor">
+            <a:schemeClr val="lt1"/>
+          </a:fontRef>
+        </p:style>
+        <p:txBody>
+          <a:bodyPr rtlCol="0" anchor="ctr"/>
+          <a:lstStyle/>
+          <a:p>
+            <a:pPr algn="ctr"/>
+            <a:r>
+              <a:rPr lang="en-US" sz="5400" dirty="0">
+                <a:solidFill>
+                  <a:schemeClr val="tx1"/>
+                </a:solidFill>
+              </a:rPr>
+              <a:t>Recurrent Layer</a:t>
+            </a:r>
+          </a:p>
+        </p:txBody>
+      </p:sp>
+      <p:sp>
+        <p:nvSpPr>
+          <p:cNvPr id="13" name="Rechteck 12">
+            <a:extLst>
+              <a:ext uri="{FF2B5EF4-FFF2-40B4-BE49-F238E27FC236}">
+                <a16:creationId xmlns:a16="http://schemas.microsoft.com/office/drawing/2014/main" id="{8FE14ED5-98D0-455D-B360-285CA1C926A8}"/>
+              </a:ext>
+            </a:extLst>
+          </p:cNvPr>
+          <p:cNvSpPr/>
+          <p:nvPr/>
+        </p:nvSpPr>
+        <p:spPr>
+          <a:xfrm>
+            <a:off x="1738421" y="23130708"/>
+            <a:ext cx="9501077" cy="1503276"/>
+          </a:xfrm>
+          <a:prstGeom prst="rect">
+            <a:avLst/>
+          </a:prstGeom>
+          <a:noFill/>
+          <a:ln>
+            <a:solidFill>
+              <a:schemeClr val="tx1"/>
+            </a:solidFill>
+          </a:ln>
+        </p:spPr>
+        <p:style>
+          <a:lnRef idx="2">
+            <a:schemeClr val="accent1">
+              <a:shade val="50000"/>
+            </a:schemeClr>
+          </a:lnRef>
+          <a:fillRef idx="1">
+            <a:schemeClr val="accent1"/>
+          </a:fillRef>
+          <a:effectRef idx="0">
+            <a:schemeClr val="accent1"/>
+          </a:effectRef>
+          <a:fontRef idx="minor">
+            <a:schemeClr val="lt1"/>
+          </a:fontRef>
+        </p:style>
+        <p:txBody>
+          <a:bodyPr rtlCol="0" anchor="ctr"/>
+          <a:lstStyle/>
+          <a:p>
+            <a:pPr algn="ctr"/>
+            <a:r>
+              <a:rPr lang="en-US" sz="5400" dirty="0">
+                <a:solidFill>
+                  <a:schemeClr val="tx1"/>
+                </a:solidFill>
+              </a:rPr>
+              <a:t>Dense Layer</a:t>
+            </a:r>
+          </a:p>
+        </p:txBody>
+      </p:sp>
+      <p:sp>
+        <p:nvSpPr>
+          <p:cNvPr id="14" name="Rechteck 13">
+            <a:extLst>
+              <a:ext uri="{FF2B5EF4-FFF2-40B4-BE49-F238E27FC236}">
+                <a16:creationId xmlns:a16="http://schemas.microsoft.com/office/drawing/2014/main" id="{B5CA1D42-D104-4A43-93D7-EACB33E6F3AC}"/>
+              </a:ext>
+            </a:extLst>
+          </p:cNvPr>
+          <p:cNvSpPr/>
+          <p:nvPr/>
+        </p:nvSpPr>
+        <p:spPr>
+          <a:xfrm>
+            <a:off x="1738421" y="25454808"/>
+            <a:ext cx="9501077" cy="1503276"/>
+          </a:xfrm>
+          <a:prstGeom prst="rect">
+            <a:avLst/>
+          </a:prstGeom>
+          <a:noFill/>
+          <a:ln>
+            <a:solidFill>
+              <a:schemeClr val="tx1"/>
+            </a:solidFill>
+          </a:ln>
+        </p:spPr>
+        <p:style>
+          <a:lnRef idx="2">
+            <a:schemeClr val="accent1">
+              <a:shade val="50000"/>
+            </a:schemeClr>
+          </a:lnRef>
+          <a:fillRef idx="1">
+            <a:schemeClr val="accent1"/>
+          </a:fillRef>
+          <a:effectRef idx="0">
+            <a:schemeClr val="accent1"/>
+          </a:effectRef>
+          <a:fontRef idx="minor">
+            <a:schemeClr val="lt1"/>
+          </a:fontRef>
+        </p:style>
+        <p:txBody>
+          <a:bodyPr rtlCol="0" anchor="ctr"/>
+          <a:lstStyle/>
+          <a:p>
+            <a:pPr algn="ctr"/>
+            <a:r>
+              <a:rPr lang="en-US" sz="5400" dirty="0">
+                <a:solidFill>
+                  <a:schemeClr val="tx1"/>
+                </a:solidFill>
+              </a:rPr>
+              <a:t>…</a:t>
+            </a:r>
+          </a:p>
+        </p:txBody>
+      </p:sp>
+      <p:sp>
+        <p:nvSpPr>
+          <p:cNvPr id="15" name="Rechteck 14">
+            <a:extLst>
+              <a:ext uri="{FF2B5EF4-FFF2-40B4-BE49-F238E27FC236}">
+                <a16:creationId xmlns:a16="http://schemas.microsoft.com/office/drawing/2014/main" id="{09830C18-53DC-4354-8FC3-2698B5BCD29E}"/>
+              </a:ext>
+            </a:extLst>
+          </p:cNvPr>
+          <p:cNvSpPr/>
+          <p:nvPr/>
+        </p:nvSpPr>
+        <p:spPr>
+          <a:xfrm>
+            <a:off x="1738421" y="27778908"/>
+            <a:ext cx="9501077" cy="1503276"/>
+          </a:xfrm>
+          <a:prstGeom prst="rect">
+            <a:avLst/>
+          </a:prstGeom>
+          <a:noFill/>
+          <a:ln>
+            <a:solidFill>
+              <a:schemeClr val="tx1"/>
+            </a:solidFill>
+          </a:ln>
+        </p:spPr>
+        <p:style>
+          <a:lnRef idx="2">
+            <a:schemeClr val="accent1">
+              <a:shade val="50000"/>
+            </a:schemeClr>
+          </a:lnRef>
+          <a:fillRef idx="1">
+            <a:schemeClr val="accent1"/>
+          </a:fillRef>
+          <a:effectRef idx="0">
+            <a:schemeClr val="accent1"/>
+          </a:effectRef>
+          <a:fontRef idx="minor">
+            <a:schemeClr val="lt1"/>
+          </a:fontRef>
+        </p:style>
+        <p:txBody>
+          <a:bodyPr rtlCol="0" anchor="ctr"/>
+          <a:lstStyle/>
+          <a:p>
+            <a:pPr algn="ctr"/>
+            <a:r>
+              <a:rPr lang="en-US" sz="5400" dirty="0">
+                <a:solidFill>
+                  <a:schemeClr val="tx1"/>
+                </a:solidFill>
+              </a:rPr>
+              <a:t>Dense Layer</a:t>
+            </a:r>
+          </a:p>
+        </p:txBody>
+      </p:sp>
+      <p:sp>
+        <p:nvSpPr>
+          <p:cNvPr id="16" name="Rechteck 15">
+            <a:extLst>
+              <a:ext uri="{FF2B5EF4-FFF2-40B4-BE49-F238E27FC236}">
+                <a16:creationId xmlns:a16="http://schemas.microsoft.com/office/drawing/2014/main" id="{D279CCA7-158C-4ABE-AC75-B8F8EDAFF10F}"/>
+              </a:ext>
+            </a:extLst>
+          </p:cNvPr>
+          <p:cNvSpPr/>
+          <p:nvPr/>
+        </p:nvSpPr>
+        <p:spPr>
+          <a:xfrm>
+            <a:off x="1738420" y="30103008"/>
+            <a:ext cx="9501077" cy="1503276"/>
+          </a:xfrm>
+          <a:prstGeom prst="rect">
+            <a:avLst/>
+          </a:prstGeom>
+          <a:noFill/>
+          <a:ln>
+            <a:solidFill>
+              <a:schemeClr val="tx1"/>
+            </a:solidFill>
+          </a:ln>
+        </p:spPr>
+        <p:style>
+          <a:lnRef idx="2">
+            <a:schemeClr val="accent1">
+              <a:shade val="50000"/>
+            </a:schemeClr>
+          </a:lnRef>
+          <a:fillRef idx="1">
+            <a:schemeClr val="accent1"/>
+          </a:fillRef>
+          <a:effectRef idx="0">
+            <a:schemeClr val="accent1"/>
+          </a:effectRef>
+          <a:fontRef idx="minor">
+            <a:schemeClr val="lt1"/>
+          </a:fontRef>
+        </p:style>
+        <p:txBody>
+          <a:bodyPr rtlCol="0" anchor="ctr"/>
+          <a:lstStyle/>
+          <a:p>
+            <a:pPr algn="ctr"/>
+            <a:r>
+              <a:rPr lang="en-US" sz="5400" dirty="0">
+                <a:solidFill>
+                  <a:schemeClr val="tx1"/>
+                </a:solidFill>
+              </a:rPr>
+              <a:t>Output Layer</a:t>
+            </a:r>
+          </a:p>
+        </p:txBody>
+      </p:sp>
+      <p:sp>
+        <p:nvSpPr>
+          <p:cNvPr id="17" name="Textfeld 16">
+            <a:extLst>
+              <a:ext uri="{FF2B5EF4-FFF2-40B4-BE49-F238E27FC236}">
+                <a16:creationId xmlns:a16="http://schemas.microsoft.com/office/drawing/2014/main" id="{5DEE101E-F820-4555-BC9C-26A182685A4A}"/>
+              </a:ext>
+            </a:extLst>
+          </p:cNvPr>
+          <p:cNvSpPr txBox="1"/>
+          <p:nvPr/>
+        </p:nvSpPr>
+        <p:spPr>
+          <a:xfrm>
+            <a:off x="15392400" y="2654970"/>
+            <a:ext cx="10782300" cy="923330"/>
+          </a:xfrm>
+          <a:prstGeom prst="rect">
+            <a:avLst/>
+          </a:prstGeom>
+          <a:noFill/>
+        </p:spPr>
+        <p:txBody>
+          <a:bodyPr wrap="square" rtlCol="0">
+            <a:spAutoFit/>
+          </a:bodyPr>
+          <a:lstStyle/>
+          <a:p>
+            <a:r>
+              <a:rPr lang="en-US" sz="5400" b="1" dirty="0"/>
+              <a:t>automatic</a:t>
+            </a:r>
+          </a:p>
+        </p:txBody>
+      </p:sp>
+      <p:sp>
+        <p:nvSpPr>
+          <p:cNvPr id="18" name="Textfeld 17">
+            <a:extLst>
+              <a:ext uri="{FF2B5EF4-FFF2-40B4-BE49-F238E27FC236}">
+                <a16:creationId xmlns:a16="http://schemas.microsoft.com/office/drawing/2014/main" id="{C927B01C-B6A8-4C25-8AD4-67A4E3CD5039}"/>
+              </a:ext>
+            </a:extLst>
+          </p:cNvPr>
+          <p:cNvSpPr txBox="1"/>
+          <p:nvPr/>
+        </p:nvSpPr>
+        <p:spPr>
+          <a:xfrm>
+            <a:off x="15392400" y="4979070"/>
+            <a:ext cx="10782300" cy="923330"/>
+          </a:xfrm>
+          <a:prstGeom prst="rect">
+            <a:avLst/>
+          </a:prstGeom>
+          <a:noFill/>
+        </p:spPr>
+        <p:txBody>
+          <a:bodyPr wrap="square" rtlCol="0">
+            <a:spAutoFit/>
+          </a:bodyPr>
+          <a:lstStyle/>
+          <a:p>
+            <a:r>
+              <a:rPr lang="en-US" sz="5400" b="1" dirty="0"/>
+              <a:t>automatic</a:t>
+            </a:r>
+          </a:p>
+        </p:txBody>
+      </p:sp>
+      <p:sp>
+        <p:nvSpPr>
+          <p:cNvPr id="19" name="Textfeld 18">
+            <a:extLst>
+              <a:ext uri="{FF2B5EF4-FFF2-40B4-BE49-F238E27FC236}">
+                <a16:creationId xmlns:a16="http://schemas.microsoft.com/office/drawing/2014/main" id="{A8810DCB-386E-42E8-9793-26B61D8D252A}"/>
+              </a:ext>
+            </a:extLst>
+          </p:cNvPr>
+          <p:cNvSpPr txBox="1"/>
+          <p:nvPr/>
+        </p:nvSpPr>
+        <p:spPr>
+          <a:xfrm>
+            <a:off x="15392400" y="7303170"/>
+            <a:ext cx="10782300" cy="923330"/>
+          </a:xfrm>
+          <a:prstGeom prst="rect">
+            <a:avLst/>
+          </a:prstGeom>
+          <a:noFill/>
+        </p:spPr>
+        <p:txBody>
+          <a:bodyPr wrap="square" rtlCol="0">
+            <a:spAutoFit/>
+          </a:bodyPr>
+          <a:lstStyle/>
+          <a:p>
+            <a:r>
+              <a:rPr lang="en-US" sz="5400" b="1" dirty="0"/>
+              <a:t>automatic</a:t>
+            </a:r>
+          </a:p>
+        </p:txBody>
+      </p:sp>
+      <p:sp>
+        <p:nvSpPr>
+          <p:cNvPr id="20" name="Geschweifte Klammer rechts 19">
+            <a:extLst>
+              <a:ext uri="{FF2B5EF4-FFF2-40B4-BE49-F238E27FC236}">
+                <a16:creationId xmlns:a16="http://schemas.microsoft.com/office/drawing/2014/main" id="{8B2EEDE5-FB9E-467D-9DA0-637109260C98}"/>
+              </a:ext>
+            </a:extLst>
+          </p:cNvPr>
+          <p:cNvSpPr/>
+          <p:nvPr/>
+        </p:nvSpPr>
+        <p:spPr>
+          <a:xfrm>
+            <a:off x="11239497" y="9627270"/>
+            <a:ext cx="3657603" cy="6174446"/>
+          </a:xfrm>
+          <a:prstGeom prst="rightBrace">
+            <a:avLst/>
+          </a:prstGeom>
+          <a:ln w="57150">
+            <a:solidFill>
+              <a:schemeClr val="tx1"/>
+            </a:solidFill>
+          </a:ln>
+        </p:spPr>
+        <p:style>
+          <a:lnRef idx="1">
+            <a:schemeClr val="accent1"/>
+          </a:lnRef>
+          <a:fillRef idx="0">
+            <a:schemeClr val="accent1"/>
+          </a:fillRef>
+          <a:effectRef idx="0">
+            <a:schemeClr val="accent1"/>
+          </a:effectRef>
+          <a:fontRef idx="minor">
+            <a:schemeClr val="tx1"/>
+          </a:fontRef>
+        </p:style>
+        <p:txBody>
+          <a:bodyPr rtlCol="0" anchor="ctr"/>
+          <a:lstStyle/>
+          <a:p>
+            <a:pPr algn="ctr"/>
+            <a:endParaRPr lang="de-DE"/>
+          </a:p>
+        </p:txBody>
+      </p:sp>
+      <p:sp>
+        <p:nvSpPr>
+          <p:cNvPr id="21" name="Textfeld 20">
+            <a:extLst>
+              <a:ext uri="{FF2B5EF4-FFF2-40B4-BE49-F238E27FC236}">
+                <a16:creationId xmlns:a16="http://schemas.microsoft.com/office/drawing/2014/main" id="{68444309-94C9-4EF8-9AE6-F9DAFD73C057}"/>
+              </a:ext>
+            </a:extLst>
+          </p:cNvPr>
+          <p:cNvSpPr txBox="1"/>
+          <p:nvPr/>
+        </p:nvSpPr>
+        <p:spPr>
+          <a:xfrm>
+            <a:off x="15392400" y="9662270"/>
+            <a:ext cx="10782300" cy="4247317"/>
+          </a:xfrm>
+          <a:prstGeom prst="rect">
+            <a:avLst/>
+          </a:prstGeom>
+          <a:noFill/>
+        </p:spPr>
+        <p:txBody>
+          <a:bodyPr wrap="square" rtlCol="0">
+            <a:spAutoFit/>
+          </a:bodyPr>
+          <a:lstStyle/>
+          <a:p>
+            <a:r>
+              <a:rPr lang="en-US" sz="5400" b="1" i="1" dirty="0"/>
+              <a:t>Parameter</a:t>
+            </a:r>
+            <a:r>
+              <a:rPr lang="en-US" sz="5400" b="1" dirty="0"/>
+              <a:t> rec</a:t>
+            </a:r>
+          </a:p>
+          <a:p>
+            <a:r>
+              <a:rPr lang="en-US" sz="5400" dirty="0"/>
+              <a:t>Number of layers: Vector length </a:t>
+            </a:r>
+          </a:p>
+          <a:p>
+            <a:r>
+              <a:rPr lang="en-US" sz="5400" dirty="0"/>
+              <a:t>Number of neurons:  Vector elements</a:t>
+            </a:r>
+          </a:p>
+          <a:p>
+            <a:r>
+              <a:rPr lang="en-US" sz="5400" dirty="0"/>
+              <a:t>Times: automatic</a:t>
+            </a:r>
+          </a:p>
+          <a:p>
+            <a:r>
+              <a:rPr lang="en-US" sz="5400" dirty="0"/>
+              <a:t>Features: automatic</a:t>
+            </a:r>
+          </a:p>
+        </p:txBody>
+      </p:sp>
+      <p:sp>
+        <p:nvSpPr>
+          <p:cNvPr id="22" name="Geschweifte Klammer rechts 21">
+            <a:extLst>
+              <a:ext uri="{FF2B5EF4-FFF2-40B4-BE49-F238E27FC236}">
+                <a16:creationId xmlns:a16="http://schemas.microsoft.com/office/drawing/2014/main" id="{B15D5E2C-13A0-4DD3-AAA8-6DA910900DA5}"/>
+              </a:ext>
+            </a:extLst>
+          </p:cNvPr>
+          <p:cNvSpPr/>
+          <p:nvPr/>
+        </p:nvSpPr>
+        <p:spPr>
+          <a:xfrm>
+            <a:off x="11239497" y="16399286"/>
+            <a:ext cx="3657603" cy="6174446"/>
+          </a:xfrm>
+          <a:prstGeom prst="rightBrace">
+            <a:avLst/>
+          </a:prstGeom>
+          <a:ln w="57150">
+            <a:solidFill>
+              <a:schemeClr val="tx1"/>
+            </a:solidFill>
+          </a:ln>
+        </p:spPr>
+        <p:style>
+          <a:lnRef idx="1">
+            <a:schemeClr val="accent1"/>
+          </a:lnRef>
+          <a:fillRef idx="0">
+            <a:schemeClr val="accent1"/>
+          </a:fillRef>
+          <a:effectRef idx="0">
+            <a:schemeClr val="accent1"/>
+          </a:effectRef>
+          <a:fontRef idx="minor">
+            <a:schemeClr val="tx1"/>
+          </a:fontRef>
+        </p:style>
+        <p:txBody>
+          <a:bodyPr rtlCol="0" anchor="ctr"/>
+          <a:lstStyle/>
+          <a:p>
+            <a:pPr algn="ctr"/>
+            <a:endParaRPr lang="de-DE"/>
+          </a:p>
+        </p:txBody>
+      </p:sp>
+      <p:sp>
+        <p:nvSpPr>
+          <p:cNvPr id="23" name="Textfeld 22">
+            <a:extLst>
+              <a:ext uri="{FF2B5EF4-FFF2-40B4-BE49-F238E27FC236}">
+                <a16:creationId xmlns:a16="http://schemas.microsoft.com/office/drawing/2014/main" id="{9F0E207E-D67C-4A90-B554-01CEC959B9A9}"/>
+              </a:ext>
+            </a:extLst>
+          </p:cNvPr>
+          <p:cNvSpPr txBox="1"/>
+          <p:nvPr/>
+        </p:nvSpPr>
+        <p:spPr>
+          <a:xfrm>
+            <a:off x="15392400" y="16361896"/>
+            <a:ext cx="10782300" cy="4247317"/>
+          </a:xfrm>
+          <a:prstGeom prst="rect">
+            <a:avLst/>
+          </a:prstGeom>
+          <a:noFill/>
+        </p:spPr>
+        <p:txBody>
+          <a:bodyPr wrap="square" rtlCol="0">
+            <a:spAutoFit/>
+          </a:bodyPr>
+          <a:lstStyle/>
+          <a:p>
+            <a:r>
+              <a:rPr lang="en-US" sz="5400" b="1" i="1" dirty="0"/>
+              <a:t>Parameter</a:t>
+            </a:r>
+            <a:r>
+              <a:rPr lang="en-US" sz="5400" b="1" dirty="0"/>
+              <a:t> </a:t>
+            </a:r>
+            <a:r>
+              <a:rPr lang="en-US" sz="5400" b="1" dirty="0" err="1"/>
+              <a:t>self_attention_heads</a:t>
+            </a:r>
+            <a:endParaRPr lang="en-US" sz="5400" b="1" dirty="0"/>
+          </a:p>
+          <a:p>
+            <a:r>
+              <a:rPr lang="en-US" sz="5400" dirty="0"/>
+              <a:t>Number of heads: value for </a:t>
+            </a:r>
+            <a:r>
+              <a:rPr lang="en-US" sz="5400" dirty="0" err="1"/>
+              <a:t>self_attention_heads</a:t>
+            </a:r>
+            <a:endParaRPr lang="en-US" sz="5400" dirty="0"/>
+          </a:p>
+          <a:p>
+            <a:r>
+              <a:rPr lang="en-US" sz="5400" dirty="0"/>
+              <a:t>If 0 all three layers are omitted from the learner</a:t>
+            </a:r>
+          </a:p>
+        </p:txBody>
+      </p:sp>
+      <p:sp>
+        <p:nvSpPr>
+          <p:cNvPr id="24" name="Textfeld 23">
+            <a:extLst>
+              <a:ext uri="{FF2B5EF4-FFF2-40B4-BE49-F238E27FC236}">
+                <a16:creationId xmlns:a16="http://schemas.microsoft.com/office/drawing/2014/main" id="{206DE3D7-B726-4358-8BF1-625EC4DF0B4B}"/>
+              </a:ext>
+            </a:extLst>
+          </p:cNvPr>
+          <p:cNvSpPr txBox="1"/>
+          <p:nvPr/>
+        </p:nvSpPr>
+        <p:spPr>
+          <a:xfrm>
+            <a:off x="15443201" y="23130708"/>
+            <a:ext cx="10782300" cy="2585323"/>
+          </a:xfrm>
+          <a:prstGeom prst="rect">
+            <a:avLst/>
+          </a:prstGeom>
+          <a:noFill/>
+        </p:spPr>
+        <p:txBody>
+          <a:bodyPr wrap="square" rtlCol="0">
+            <a:spAutoFit/>
+          </a:bodyPr>
+          <a:lstStyle/>
+          <a:p>
+            <a:r>
+              <a:rPr lang="en-US" sz="5400" b="1" i="1" dirty="0"/>
+              <a:t>Parameter</a:t>
+            </a:r>
+            <a:r>
+              <a:rPr lang="en-US" sz="5400" b="1" dirty="0"/>
+              <a:t> rec</a:t>
+            </a:r>
+          </a:p>
+          <a:p>
+            <a:r>
+              <a:rPr lang="en-US" sz="5400" dirty="0"/>
+              <a:t>Number of layers: Vector length</a:t>
+            </a:r>
+          </a:p>
+          <a:p>
+            <a:r>
+              <a:rPr lang="en-US" sz="5400" dirty="0"/>
+              <a:t>Number of neurons:  Vector elements</a:t>
+            </a:r>
+          </a:p>
+        </p:txBody>
+      </p:sp>
+      <p:sp>
+        <p:nvSpPr>
+          <p:cNvPr id="25" name="Geschweifte Klammer rechts 24">
+            <a:extLst>
+              <a:ext uri="{FF2B5EF4-FFF2-40B4-BE49-F238E27FC236}">
+                <a16:creationId xmlns:a16="http://schemas.microsoft.com/office/drawing/2014/main" id="{2B474CBA-746C-4A40-B3DC-AB7ECFABCD94}"/>
+              </a:ext>
+            </a:extLst>
+          </p:cNvPr>
+          <p:cNvSpPr/>
+          <p:nvPr/>
+        </p:nvSpPr>
+        <p:spPr>
+          <a:xfrm>
+            <a:off x="11264898" y="23154669"/>
+            <a:ext cx="3657603" cy="6174446"/>
+          </a:xfrm>
+          <a:prstGeom prst="rightBrace">
+            <a:avLst/>
+          </a:prstGeom>
+          <a:ln w="57150">
+            <a:solidFill>
+              <a:schemeClr val="tx1"/>
+            </a:solidFill>
+          </a:ln>
+        </p:spPr>
+        <p:style>
+          <a:lnRef idx="1">
+            <a:schemeClr val="accent1"/>
+          </a:lnRef>
+          <a:fillRef idx="0">
+            <a:schemeClr val="accent1"/>
+          </a:fillRef>
+          <a:effectRef idx="0">
+            <a:schemeClr val="accent1"/>
+          </a:effectRef>
+          <a:fontRef idx="minor">
+            <a:schemeClr val="tx1"/>
+          </a:fontRef>
+        </p:style>
+        <p:txBody>
+          <a:bodyPr rtlCol="0" anchor="ctr"/>
+          <a:lstStyle/>
+          <a:p>
+            <a:pPr algn="ctr"/>
+            <a:endParaRPr lang="de-DE"/>
+          </a:p>
+        </p:txBody>
+      </p:sp>
+      <p:sp>
+        <p:nvSpPr>
+          <p:cNvPr id="26" name="Textfeld 25">
+            <a:extLst>
+              <a:ext uri="{FF2B5EF4-FFF2-40B4-BE49-F238E27FC236}">
+                <a16:creationId xmlns:a16="http://schemas.microsoft.com/office/drawing/2014/main" id="{B2697EB0-26B5-4482-86DA-5F49F49FE17F}"/>
+              </a:ext>
+            </a:extLst>
+          </p:cNvPr>
+          <p:cNvSpPr txBox="1"/>
+          <p:nvPr/>
+        </p:nvSpPr>
+        <p:spPr>
+          <a:xfrm>
+            <a:off x="15417801" y="30103008"/>
+            <a:ext cx="10782300" cy="923330"/>
+          </a:xfrm>
+          <a:prstGeom prst="rect">
+            <a:avLst/>
+          </a:prstGeom>
+          <a:noFill/>
+        </p:spPr>
+        <p:txBody>
+          <a:bodyPr wrap="square" rtlCol="0">
+            <a:spAutoFit/>
+          </a:bodyPr>
+          <a:lstStyle/>
+          <a:p>
+            <a:r>
+              <a:rPr lang="en-US" sz="5400" b="1" dirty="0"/>
+              <a:t>automatic</a:t>
+            </a:r>
+          </a:p>
+        </p:txBody>
+      </p:sp>
+      <p:cxnSp>
+        <p:nvCxnSpPr>
+          <p:cNvPr id="28" name="Gerade Verbindung mit Pfeil 27">
+            <a:extLst>
+              <a:ext uri="{FF2B5EF4-FFF2-40B4-BE49-F238E27FC236}">
+                <a16:creationId xmlns:a16="http://schemas.microsoft.com/office/drawing/2014/main" id="{0D0E305A-8B24-463D-BDC8-C9F06D37DA5F}"/>
+              </a:ext>
+            </a:extLst>
+          </p:cNvPr>
+          <p:cNvCxnSpPr/>
+          <p:nvPr/>
+        </p:nvCxnSpPr>
+        <p:spPr>
+          <a:xfrm>
+            <a:off x="6362700" y="4158246"/>
+            <a:ext cx="0" cy="820824"/>
+          </a:xfrm>
+          <a:prstGeom prst="straightConnector1">
+            <a:avLst/>
+          </a:prstGeom>
+          <a:ln w="57150">
+            <a:solidFill>
+              <a:schemeClr val="tx1"/>
+            </a:solidFill>
+            <a:tailEnd type="triangle"/>
+          </a:ln>
+        </p:spPr>
+        <p:style>
+          <a:lnRef idx="1">
+            <a:schemeClr val="accent1"/>
+          </a:lnRef>
+          <a:fillRef idx="0">
+            <a:schemeClr val="accent1"/>
+          </a:fillRef>
+          <a:effectRef idx="0">
+            <a:schemeClr val="accent1"/>
+          </a:effectRef>
+          <a:fontRef idx="minor">
+            <a:schemeClr val="tx1"/>
+          </a:fontRef>
+        </p:style>
+      </p:cxnSp>
+      <p:cxnSp>
+        <p:nvCxnSpPr>
+          <p:cNvPr id="30" name="Gerade Verbindung mit Pfeil 29">
+            <a:extLst>
+              <a:ext uri="{FF2B5EF4-FFF2-40B4-BE49-F238E27FC236}">
+                <a16:creationId xmlns:a16="http://schemas.microsoft.com/office/drawing/2014/main" id="{366F73C9-666C-403F-A40A-9114BCDDFF42}"/>
+              </a:ext>
+            </a:extLst>
+          </p:cNvPr>
+          <p:cNvCxnSpPr>
+            <a:cxnSpLocks/>
+            <a:endCxn id="6" idx="0"/>
+          </p:cNvCxnSpPr>
+          <p:nvPr/>
+        </p:nvCxnSpPr>
+        <p:spPr>
+          <a:xfrm>
+            <a:off x="6488960" y="6379840"/>
+            <a:ext cx="0" cy="923330"/>
+          </a:xfrm>
+          <a:prstGeom prst="straightConnector1">
+            <a:avLst/>
+          </a:prstGeom>
+          <a:ln w="57150">
+            <a:solidFill>
+              <a:schemeClr val="tx1"/>
+            </a:solidFill>
+            <a:tailEnd type="triangle"/>
+          </a:ln>
+        </p:spPr>
+        <p:style>
+          <a:lnRef idx="1">
+            <a:schemeClr val="accent1"/>
+          </a:lnRef>
+          <a:fillRef idx="0">
+            <a:schemeClr val="accent1"/>
+          </a:fillRef>
+          <a:effectRef idx="0">
+            <a:schemeClr val="accent1"/>
+          </a:effectRef>
+          <a:fontRef idx="minor">
+            <a:schemeClr val="tx1"/>
+          </a:fontRef>
+        </p:style>
+      </p:cxnSp>
+      <p:cxnSp>
+        <p:nvCxnSpPr>
+          <p:cNvPr id="33" name="Gerade Verbindung mit Pfeil 32">
+            <a:extLst>
+              <a:ext uri="{FF2B5EF4-FFF2-40B4-BE49-F238E27FC236}">
+                <a16:creationId xmlns:a16="http://schemas.microsoft.com/office/drawing/2014/main" id="{D0915772-291E-4D09-AABB-00105C453510}"/>
+              </a:ext>
+            </a:extLst>
+          </p:cNvPr>
+          <p:cNvCxnSpPr>
+            <a:cxnSpLocks/>
+          </p:cNvCxnSpPr>
+          <p:nvPr/>
+        </p:nvCxnSpPr>
+        <p:spPr>
+          <a:xfrm flipH="1">
+            <a:off x="6488959" y="8744704"/>
+            <a:ext cx="1" cy="855824"/>
+          </a:xfrm>
+          <a:prstGeom prst="straightConnector1">
+            <a:avLst/>
+          </a:prstGeom>
+          <a:ln w="57150">
+            <a:solidFill>
+              <a:schemeClr val="tx1"/>
+            </a:solidFill>
+            <a:tailEnd type="triangle"/>
+          </a:ln>
+        </p:spPr>
+        <p:style>
+          <a:lnRef idx="1">
+            <a:schemeClr val="accent1"/>
+          </a:lnRef>
+          <a:fillRef idx="0">
+            <a:schemeClr val="accent1"/>
+          </a:fillRef>
+          <a:effectRef idx="0">
+            <a:schemeClr val="accent1"/>
+          </a:effectRef>
+          <a:fontRef idx="minor">
+            <a:schemeClr val="tx1"/>
+          </a:fontRef>
+        </p:style>
+      </p:cxnSp>
+      <p:cxnSp>
+        <p:nvCxnSpPr>
+          <p:cNvPr id="35" name="Gerade Verbindung mit Pfeil 34">
+            <a:extLst>
+              <a:ext uri="{FF2B5EF4-FFF2-40B4-BE49-F238E27FC236}">
+                <a16:creationId xmlns:a16="http://schemas.microsoft.com/office/drawing/2014/main" id="{29DF825C-13CF-4B93-BBB8-641129663B80}"/>
+              </a:ext>
+            </a:extLst>
+          </p:cNvPr>
+          <p:cNvCxnSpPr>
+            <a:cxnSpLocks/>
+          </p:cNvCxnSpPr>
+          <p:nvPr/>
+        </p:nvCxnSpPr>
+        <p:spPr>
+          <a:xfrm>
+            <a:off x="6488960" y="11068804"/>
+            <a:ext cx="0" cy="820824"/>
+          </a:xfrm>
+          <a:prstGeom prst="straightConnector1">
+            <a:avLst/>
+          </a:prstGeom>
+          <a:ln w="57150">
+            <a:solidFill>
+              <a:schemeClr val="tx1"/>
+            </a:solidFill>
+            <a:tailEnd type="triangle"/>
+          </a:ln>
+        </p:spPr>
+        <p:style>
+          <a:lnRef idx="1">
+            <a:schemeClr val="accent1"/>
+          </a:lnRef>
+          <a:fillRef idx="0">
+            <a:schemeClr val="accent1"/>
+          </a:fillRef>
+          <a:effectRef idx="0">
+            <a:schemeClr val="accent1"/>
+          </a:effectRef>
+          <a:fontRef idx="minor">
+            <a:schemeClr val="tx1"/>
+          </a:fontRef>
+        </p:style>
+      </p:cxnSp>
+      <p:cxnSp>
+        <p:nvCxnSpPr>
+          <p:cNvPr id="37" name="Gerade Verbindung mit Pfeil 36">
+            <a:extLst>
+              <a:ext uri="{FF2B5EF4-FFF2-40B4-BE49-F238E27FC236}">
+                <a16:creationId xmlns:a16="http://schemas.microsoft.com/office/drawing/2014/main" id="{784EFD2D-815E-48AA-941E-4083340158EF}"/>
+              </a:ext>
+            </a:extLst>
+          </p:cNvPr>
+          <p:cNvCxnSpPr>
+            <a:cxnSpLocks/>
+          </p:cNvCxnSpPr>
+          <p:nvPr/>
+        </p:nvCxnSpPr>
+        <p:spPr>
+          <a:xfrm flipH="1">
+            <a:off x="6488959" y="13392904"/>
+            <a:ext cx="1" cy="820824"/>
+          </a:xfrm>
+          <a:prstGeom prst="straightConnector1">
+            <a:avLst/>
+          </a:prstGeom>
+          <a:ln w="57150">
+            <a:solidFill>
+              <a:schemeClr val="tx1"/>
+            </a:solidFill>
+            <a:tailEnd type="triangle"/>
+          </a:ln>
+        </p:spPr>
+        <p:style>
+          <a:lnRef idx="1">
+            <a:schemeClr val="accent1"/>
+          </a:lnRef>
+          <a:fillRef idx="0">
+            <a:schemeClr val="accent1"/>
+          </a:fillRef>
+          <a:effectRef idx="0">
+            <a:schemeClr val="accent1"/>
+          </a:effectRef>
+          <a:fontRef idx="minor">
+            <a:schemeClr val="tx1"/>
+          </a:fontRef>
+        </p:style>
+      </p:cxnSp>
+      <p:cxnSp>
+        <p:nvCxnSpPr>
+          <p:cNvPr id="39" name="Gerade Verbindung mit Pfeil 38">
+            <a:extLst>
+              <a:ext uri="{FF2B5EF4-FFF2-40B4-BE49-F238E27FC236}">
+                <a16:creationId xmlns:a16="http://schemas.microsoft.com/office/drawing/2014/main" id="{DD3C21BD-DC7A-4EEA-826D-CBED0557DA57}"/>
+              </a:ext>
+            </a:extLst>
+          </p:cNvPr>
+          <p:cNvCxnSpPr>
+            <a:cxnSpLocks/>
+          </p:cNvCxnSpPr>
+          <p:nvPr/>
+        </p:nvCxnSpPr>
+        <p:spPr>
+          <a:xfrm>
+            <a:off x="6488960" y="15717004"/>
+            <a:ext cx="0" cy="597570"/>
+          </a:xfrm>
+          <a:prstGeom prst="straightConnector1">
+            <a:avLst/>
+          </a:prstGeom>
+          <a:ln w="57150">
+            <a:solidFill>
+              <a:schemeClr val="tx1"/>
+            </a:solidFill>
+            <a:tailEnd type="triangle"/>
+          </a:ln>
+        </p:spPr>
+        <p:style>
+          <a:lnRef idx="1">
+            <a:schemeClr val="accent1"/>
+          </a:lnRef>
+          <a:fillRef idx="0">
+            <a:schemeClr val="accent1"/>
+          </a:fillRef>
+          <a:effectRef idx="0">
+            <a:schemeClr val="accent1"/>
+          </a:effectRef>
+          <a:fontRef idx="minor">
+            <a:schemeClr val="tx1"/>
+          </a:fontRef>
+        </p:style>
+      </p:cxnSp>
+      <p:cxnSp>
+        <p:nvCxnSpPr>
+          <p:cNvPr id="41" name="Gerade Verbindung mit Pfeil 40">
+            <a:extLst>
+              <a:ext uri="{FF2B5EF4-FFF2-40B4-BE49-F238E27FC236}">
+                <a16:creationId xmlns:a16="http://schemas.microsoft.com/office/drawing/2014/main" id="{CA905F0A-E31D-4633-8CCD-1A17B17DED40}"/>
+              </a:ext>
+            </a:extLst>
+          </p:cNvPr>
+          <p:cNvCxnSpPr/>
+          <p:nvPr/>
+        </p:nvCxnSpPr>
+        <p:spPr>
+          <a:xfrm>
+            <a:off x="6362700" y="17817850"/>
+            <a:ext cx="0" cy="820824"/>
+          </a:xfrm>
+          <a:prstGeom prst="straightConnector1">
+            <a:avLst/>
+          </a:prstGeom>
+          <a:ln w="57150">
+            <a:solidFill>
+              <a:schemeClr val="tx1"/>
+            </a:solidFill>
+            <a:tailEnd type="triangle"/>
+          </a:ln>
+        </p:spPr>
+        <p:style>
+          <a:lnRef idx="1">
+            <a:schemeClr val="accent1"/>
+          </a:lnRef>
+          <a:fillRef idx="0">
+            <a:schemeClr val="accent1"/>
+          </a:fillRef>
+          <a:effectRef idx="0">
+            <a:schemeClr val="accent1"/>
+          </a:effectRef>
+          <a:fontRef idx="minor">
+            <a:schemeClr val="tx1"/>
+          </a:fontRef>
+        </p:style>
+      </p:cxnSp>
+      <p:cxnSp>
+        <p:nvCxnSpPr>
+          <p:cNvPr id="43" name="Gerade Verbindung mit Pfeil 42">
+            <a:extLst>
+              <a:ext uri="{FF2B5EF4-FFF2-40B4-BE49-F238E27FC236}">
+                <a16:creationId xmlns:a16="http://schemas.microsoft.com/office/drawing/2014/main" id="{D41C4708-45D3-4F79-8104-E38D45EB3C4A}"/>
+              </a:ext>
+            </a:extLst>
+          </p:cNvPr>
+          <p:cNvCxnSpPr/>
+          <p:nvPr/>
+        </p:nvCxnSpPr>
+        <p:spPr>
+          <a:xfrm>
+            <a:off x="6362700" y="20141950"/>
+            <a:ext cx="0" cy="820824"/>
+          </a:xfrm>
+          <a:prstGeom prst="straightConnector1">
+            <a:avLst/>
+          </a:prstGeom>
+          <a:ln w="57150">
+            <a:solidFill>
+              <a:schemeClr val="tx1"/>
+            </a:solidFill>
+            <a:tailEnd type="triangle"/>
+          </a:ln>
+        </p:spPr>
+        <p:style>
+          <a:lnRef idx="1">
+            <a:schemeClr val="accent1"/>
+          </a:lnRef>
+          <a:fillRef idx="0">
+            <a:schemeClr val="accent1"/>
+          </a:fillRef>
+          <a:effectRef idx="0">
+            <a:schemeClr val="accent1"/>
+          </a:effectRef>
+          <a:fontRef idx="minor">
+            <a:schemeClr val="tx1"/>
+          </a:fontRef>
+        </p:style>
+      </p:cxnSp>
+      <p:cxnSp>
+        <p:nvCxnSpPr>
+          <p:cNvPr id="45" name="Gerade Verbindung mit Pfeil 44">
+            <a:extLst>
+              <a:ext uri="{FF2B5EF4-FFF2-40B4-BE49-F238E27FC236}">
+                <a16:creationId xmlns:a16="http://schemas.microsoft.com/office/drawing/2014/main" id="{D242E6AE-F6ED-4E5F-BEDA-C41653B9A65C}"/>
+              </a:ext>
+            </a:extLst>
+          </p:cNvPr>
+          <p:cNvCxnSpPr>
+            <a:cxnSpLocks/>
+            <a:stCxn id="12" idx="2"/>
+            <a:endCxn id="13" idx="0"/>
+          </p:cNvCxnSpPr>
+          <p:nvPr/>
+        </p:nvCxnSpPr>
+        <p:spPr>
+          <a:xfrm>
+            <a:off x="6488960" y="22527792"/>
+            <a:ext cx="0" cy="602916"/>
+          </a:xfrm>
+          <a:prstGeom prst="straightConnector1">
+            <a:avLst/>
+          </a:prstGeom>
+          <a:ln w="57150">
+            <a:solidFill>
+              <a:schemeClr val="tx1"/>
+            </a:solidFill>
+            <a:tailEnd type="triangle"/>
+          </a:ln>
+        </p:spPr>
+        <p:style>
+          <a:lnRef idx="1">
+            <a:schemeClr val="accent1"/>
+          </a:lnRef>
+          <a:fillRef idx="0">
+            <a:schemeClr val="accent1"/>
+          </a:fillRef>
+          <a:effectRef idx="0">
+            <a:schemeClr val="accent1"/>
+          </a:effectRef>
+          <a:fontRef idx="minor">
+            <a:schemeClr val="tx1"/>
+          </a:fontRef>
+        </p:style>
+      </p:cxnSp>
+      <p:cxnSp>
+        <p:nvCxnSpPr>
+          <p:cNvPr id="47" name="Gerade Verbindung mit Pfeil 46">
+            <a:extLst>
+              <a:ext uri="{FF2B5EF4-FFF2-40B4-BE49-F238E27FC236}">
+                <a16:creationId xmlns:a16="http://schemas.microsoft.com/office/drawing/2014/main" id="{B439698A-A65A-4C47-89AE-61BC421899F6}"/>
+              </a:ext>
+            </a:extLst>
+          </p:cNvPr>
+          <p:cNvCxnSpPr>
+            <a:cxnSpLocks/>
+          </p:cNvCxnSpPr>
+          <p:nvPr/>
+        </p:nvCxnSpPr>
+        <p:spPr>
+          <a:xfrm flipH="1">
+            <a:off x="6488959" y="24572242"/>
+            <a:ext cx="1" cy="820824"/>
+          </a:xfrm>
+          <a:prstGeom prst="straightConnector1">
+            <a:avLst/>
+          </a:prstGeom>
+          <a:ln w="57150">
+            <a:solidFill>
+              <a:schemeClr val="tx1"/>
+            </a:solidFill>
+            <a:tailEnd type="triangle"/>
+          </a:ln>
+        </p:spPr>
+        <p:style>
+          <a:lnRef idx="1">
+            <a:schemeClr val="accent1"/>
+          </a:lnRef>
+          <a:fillRef idx="0">
+            <a:schemeClr val="accent1"/>
+          </a:fillRef>
+          <a:effectRef idx="0">
+            <a:schemeClr val="accent1"/>
+          </a:effectRef>
+          <a:fontRef idx="minor">
+            <a:schemeClr val="tx1"/>
+          </a:fontRef>
+        </p:style>
+      </p:cxnSp>
+      <p:cxnSp>
+        <p:nvCxnSpPr>
+          <p:cNvPr id="49" name="Gerade Verbindung mit Pfeil 48">
+            <a:extLst>
+              <a:ext uri="{FF2B5EF4-FFF2-40B4-BE49-F238E27FC236}">
+                <a16:creationId xmlns:a16="http://schemas.microsoft.com/office/drawing/2014/main" id="{7B362EBA-5C12-44DA-B614-21C23CFA97E6}"/>
+              </a:ext>
+            </a:extLst>
+          </p:cNvPr>
+          <p:cNvCxnSpPr>
+            <a:cxnSpLocks/>
+            <a:stCxn id="14" idx="2"/>
+            <a:endCxn id="15" idx="0"/>
+          </p:cNvCxnSpPr>
+          <p:nvPr/>
+        </p:nvCxnSpPr>
+        <p:spPr>
+          <a:xfrm>
+            <a:off x="6488960" y="26958084"/>
+            <a:ext cx="0" cy="820824"/>
+          </a:xfrm>
+          <a:prstGeom prst="straightConnector1">
+            <a:avLst/>
+          </a:prstGeom>
+          <a:ln w="57150">
+            <a:solidFill>
+              <a:schemeClr val="tx1"/>
+            </a:solidFill>
+            <a:tailEnd type="triangle"/>
+          </a:ln>
+        </p:spPr>
+        <p:style>
+          <a:lnRef idx="1">
+            <a:schemeClr val="accent1"/>
+          </a:lnRef>
+          <a:fillRef idx="0">
+            <a:schemeClr val="accent1"/>
+          </a:fillRef>
+          <a:effectRef idx="0">
+            <a:schemeClr val="accent1"/>
+          </a:effectRef>
+          <a:fontRef idx="minor">
+            <a:schemeClr val="tx1"/>
+          </a:fontRef>
+        </p:style>
+      </p:cxnSp>
+      <p:cxnSp>
+        <p:nvCxnSpPr>
+          <p:cNvPr id="51" name="Gerade Verbindung mit Pfeil 50">
+            <a:extLst>
+              <a:ext uri="{FF2B5EF4-FFF2-40B4-BE49-F238E27FC236}">
+                <a16:creationId xmlns:a16="http://schemas.microsoft.com/office/drawing/2014/main" id="{2D4080D6-E53E-4979-B8E0-BBDE91EBDCD6}"/>
+              </a:ext>
+            </a:extLst>
+          </p:cNvPr>
+          <p:cNvCxnSpPr>
+            <a:cxnSpLocks/>
+          </p:cNvCxnSpPr>
+          <p:nvPr/>
+        </p:nvCxnSpPr>
+        <p:spPr>
+          <a:xfrm>
+            <a:off x="6488959" y="29267373"/>
+            <a:ext cx="1" cy="773893"/>
+          </a:xfrm>
+          <a:prstGeom prst="straightConnector1">
+            <a:avLst/>
+          </a:prstGeom>
+          <a:ln w="57150">
+            <a:solidFill>
+              <a:schemeClr val="tx1"/>
+            </a:solidFill>
+            <a:tailEnd type="triangle"/>
+          </a:ln>
+        </p:spPr>
+        <p:style>
+          <a:lnRef idx="1">
+            <a:schemeClr val="accent1"/>
+          </a:lnRef>
+          <a:fillRef idx="0">
+            <a:schemeClr val="accent1"/>
+          </a:fillRef>
+          <a:effectRef idx="0">
+            <a:schemeClr val="accent1"/>
+          </a:effectRef>
+          <a:fontRef idx="minor">
+            <a:schemeClr val="tx1"/>
+          </a:fontRef>
+        </p:style>
+      </p:cxnSp>
+    </p:spTree>
+    <p:extLst>
+      <p:ext uri="{BB962C8B-B14F-4D97-AF65-F5344CB8AC3E}">
+        <p14:creationId xmlns:p14="http://schemas.microsoft.com/office/powerpoint/2010/main" val="478380036"/>
+      </p:ext>
+    </p:extLst>
+  </p:cSld>
+  <p:clrMapOvr>
+    <a:masterClrMapping/>
+  </p:clrMapOvr>
+</p:sld>
+</file>
+
 <file path=ppt/theme/theme1.xml><?xml version="1.0" encoding="utf-8"?>
 <a:theme xmlns:a="http://schemas.openxmlformats.org/drawingml/2006/main" name="Office">
   <a:themeElements>

--- a/materials/images_hochformat.pptx
+++ b/materials/images_hochformat.pptx
@@ -245,7 +245,7 @@
           <a:p>
             <a:fld id="{F39F49B5-785A-44C4-99F0-898FF83CD003}" type="datetimeFigureOut">
               <a:rPr lang="de-DE" smtClean="0"/>
-              <a:t>27.04.2023</a:t>
+              <a:t>11.05.2023</a:t>
             </a:fld>
             <a:endParaRPr lang="de-DE"/>
           </a:p>
@@ -415,7 +415,7 @@
           <a:p>
             <a:fld id="{F39F49B5-785A-44C4-99F0-898FF83CD003}" type="datetimeFigureOut">
               <a:rPr lang="de-DE" smtClean="0"/>
-              <a:t>27.04.2023</a:t>
+              <a:t>11.05.2023</a:t>
             </a:fld>
             <a:endParaRPr lang="de-DE"/>
           </a:p>
@@ -595,7 +595,7 @@
           <a:p>
             <a:fld id="{F39F49B5-785A-44C4-99F0-898FF83CD003}" type="datetimeFigureOut">
               <a:rPr lang="de-DE" smtClean="0"/>
-              <a:t>27.04.2023</a:t>
+              <a:t>11.05.2023</a:t>
             </a:fld>
             <a:endParaRPr lang="de-DE"/>
           </a:p>
@@ -765,7 +765,7 @@
           <a:p>
             <a:fld id="{F39F49B5-785A-44C4-99F0-898FF83CD003}" type="datetimeFigureOut">
               <a:rPr lang="de-DE" smtClean="0"/>
-              <a:t>27.04.2023</a:t>
+              <a:t>11.05.2023</a:t>
             </a:fld>
             <a:endParaRPr lang="de-DE"/>
           </a:p>
@@ -1009,7 +1009,7 @@
           <a:p>
             <a:fld id="{F39F49B5-785A-44C4-99F0-898FF83CD003}" type="datetimeFigureOut">
               <a:rPr lang="de-DE" smtClean="0"/>
-              <a:t>27.04.2023</a:t>
+              <a:t>11.05.2023</a:t>
             </a:fld>
             <a:endParaRPr lang="de-DE"/>
           </a:p>
@@ -1241,7 +1241,7 @@
           <a:p>
             <a:fld id="{F39F49B5-785A-44C4-99F0-898FF83CD003}" type="datetimeFigureOut">
               <a:rPr lang="de-DE" smtClean="0"/>
-              <a:t>27.04.2023</a:t>
+              <a:t>11.05.2023</a:t>
             </a:fld>
             <a:endParaRPr lang="de-DE"/>
           </a:p>
@@ -1608,7 +1608,7 @@
           <a:p>
             <a:fld id="{F39F49B5-785A-44C4-99F0-898FF83CD003}" type="datetimeFigureOut">
               <a:rPr lang="de-DE" smtClean="0"/>
-              <a:t>27.04.2023</a:t>
+              <a:t>11.05.2023</a:t>
             </a:fld>
             <a:endParaRPr lang="de-DE"/>
           </a:p>
@@ -1726,7 +1726,7 @@
           <a:p>
             <a:fld id="{F39F49B5-785A-44C4-99F0-898FF83CD003}" type="datetimeFigureOut">
               <a:rPr lang="de-DE" smtClean="0"/>
-              <a:t>27.04.2023</a:t>
+              <a:t>11.05.2023</a:t>
             </a:fld>
             <a:endParaRPr lang="de-DE"/>
           </a:p>
@@ -1821,7 +1821,7 @@
           <a:p>
             <a:fld id="{F39F49B5-785A-44C4-99F0-898FF83CD003}" type="datetimeFigureOut">
               <a:rPr lang="de-DE" smtClean="0"/>
-              <a:t>27.04.2023</a:t>
+              <a:t>11.05.2023</a:t>
             </a:fld>
             <a:endParaRPr lang="de-DE"/>
           </a:p>
@@ -2098,7 +2098,7 @@
           <a:p>
             <a:fld id="{F39F49B5-785A-44C4-99F0-898FF83CD003}" type="datetimeFigureOut">
               <a:rPr lang="de-DE" smtClean="0"/>
-              <a:t>27.04.2023</a:t>
+              <a:t>11.05.2023</a:t>
             </a:fld>
             <a:endParaRPr lang="de-DE"/>
           </a:p>
@@ -2355,7 +2355,7 @@
           <a:p>
             <a:fld id="{F39F49B5-785A-44C4-99F0-898FF83CD003}" type="datetimeFigureOut">
               <a:rPr lang="de-DE" smtClean="0"/>
-              <a:t>27.04.2023</a:t>
+              <a:t>11.05.2023</a:t>
             </a:fld>
             <a:endParaRPr lang="de-DE"/>
           </a:p>
@@ -2568,7 +2568,7 @@
           <a:p>
             <a:fld id="{F39F49B5-785A-44C4-99F0-898FF83CD003}" type="datetimeFigureOut">
               <a:rPr lang="de-DE" smtClean="0"/>
-              <a:t>27.04.2023</a:t>
+              <a:t>11.05.2023</a:t>
             </a:fld>
             <a:endParaRPr lang="de-DE"/>
           </a:p>
@@ -6067,7 +6067,7 @@
         </p:nvSpPr>
         <p:spPr>
           <a:xfrm>
-            <a:off x="20044609" y="7041634"/>
+            <a:off x="19099271" y="7041635"/>
             <a:ext cx="6201351" cy="1108901"/>
           </a:xfrm>
           <a:prstGeom prst="rect">
@@ -6286,9 +6286,9 @@
           <p:nvPr/>
         </p:nvCxnSpPr>
         <p:spPr>
-          <a:xfrm flipV="1">
-            <a:off x="14846969" y="7596085"/>
-            <a:ext cx="5197640" cy="1"/>
+          <a:xfrm>
+            <a:off x="14846969" y="7596086"/>
+            <a:ext cx="4252302" cy="0"/>
           </a:xfrm>
           <a:prstGeom prst="straightConnector1">
             <a:avLst/>
@@ -6333,12 +6333,12 @@
         </p:nvCxnSpPr>
         <p:spPr>
           <a:xfrm flipH="1">
-            <a:off x="26245960" y="3657747"/>
-            <a:ext cx="2" cy="3938338"/>
+            <a:off x="25300622" y="3657747"/>
+            <a:ext cx="945340" cy="3938339"/>
           </a:xfrm>
           <a:prstGeom prst="bentConnector3">
             <a:avLst>
-              <a:gd name="adj1" fmla="val -11430000000"/>
+              <a:gd name="adj1" fmla="val -24182"/>
             </a:avLst>
           </a:prstGeom>
           <a:ln w="63500">
@@ -6567,9 +6567,9 @@
         <p:grpSpPr>
           <a:xfrm>
             <a:off x="754239" y="11148677"/>
-            <a:ext cx="14863416" cy="2215287"/>
+            <a:ext cx="14863416" cy="2217144"/>
             <a:chOff x="2884496" y="11266847"/>
-            <a:chExt cx="12071426" cy="2215287"/>
+            <a:chExt cx="12071426" cy="2217144"/>
           </a:xfrm>
         </p:grpSpPr>
         <p:sp>
@@ -6708,7 +6708,7 @@
           </p:nvSpPr>
           <p:spPr>
             <a:xfrm>
-              <a:off x="8913230" y="12356039"/>
+              <a:off x="8913230" y="12375089"/>
               <a:ext cx="6042692" cy="1108902"/>
             </a:xfrm>
             <a:prstGeom prst="rect">
@@ -6773,7 +6773,7 @@
         </p:nvCxnSpPr>
         <p:spPr>
           <a:xfrm>
-            <a:off x="11897505" y="13346771"/>
+            <a:off x="11897505" y="13365821"/>
             <a:ext cx="0" cy="875733"/>
           </a:xfrm>
           <a:prstGeom prst="straightConnector1">
@@ -6815,7 +6815,7 @@
         </p:nvSpPr>
         <p:spPr>
           <a:xfrm>
-            <a:off x="19957281" y="15066720"/>
+            <a:off x="19141151" y="15053316"/>
             <a:ext cx="6201351" cy="1108901"/>
           </a:xfrm>
           <a:prstGeom prst="rect">
@@ -6879,9 +6879,9 @@
           <p:nvPr/>
         </p:nvCxnSpPr>
         <p:spPr>
-          <a:xfrm>
-            <a:off x="14846966" y="15607768"/>
-            <a:ext cx="5110315" cy="13403"/>
+          <a:xfrm flipV="1">
+            <a:off x="14846966" y="15607767"/>
+            <a:ext cx="4294185" cy="1"/>
           </a:xfrm>
           <a:prstGeom prst="straightConnector1">
             <a:avLst/>
@@ -6923,7 +6923,7 @@
         </p:nvSpPr>
         <p:spPr>
           <a:xfrm>
-            <a:off x="15617657" y="16689000"/>
+            <a:off x="8177351" y="17868764"/>
             <a:ext cx="3481613" cy="2194996"/>
           </a:xfrm>
           <a:prstGeom prst="rect">
@@ -6996,15 +6996,15 @@
           </p:cNvPr>
           <p:cNvCxnSpPr>
             <a:cxnSpLocks/>
-            <a:stCxn id="32" idx="3"/>
+            <a:stCxn id="32" idx="2"/>
             <a:endCxn id="46" idx="0"/>
           </p:cNvCxnSpPr>
           <p:nvPr/>
         </p:nvCxnSpPr>
         <p:spPr>
           <a:xfrm>
-            <a:off x="14846966" y="15607768"/>
-            <a:ext cx="2511498" cy="1081232"/>
+            <a:off x="9918158" y="16993030"/>
+            <a:ext cx="0" cy="875734"/>
           </a:xfrm>
           <a:prstGeom prst="straightConnector1">
             <a:avLst/>
@@ -7050,59 +7050,11 @@
         <p:spPr>
           <a:xfrm rot="10800000">
             <a:off x="754239" y="12809514"/>
-            <a:ext cx="14863418" cy="4976984"/>
+            <a:ext cx="7423112" cy="6156748"/>
           </a:xfrm>
           <a:prstGeom prst="bentConnector3">
             <a:avLst>
-              <a:gd name="adj1" fmla="val 101538"/>
-            </a:avLst>
-          </a:prstGeom>
-          <a:ln w="63500">
-            <a:solidFill>
-              <a:schemeClr val="tx1"/>
-            </a:solidFill>
-            <a:tailEnd type="triangle"/>
-          </a:ln>
-        </p:spPr>
-        <p:style>
-          <a:lnRef idx="1">
-            <a:schemeClr val="accent1"/>
-          </a:lnRef>
-          <a:fillRef idx="0">
-            <a:schemeClr val="accent1"/>
-          </a:fillRef>
-          <a:effectRef idx="0">
-            <a:schemeClr val="accent1"/>
-          </a:effectRef>
-          <a:fontRef idx="minor">
-            <a:schemeClr val="tx1"/>
-          </a:fontRef>
-        </p:style>
-      </p:cxnSp>
-      <p:cxnSp>
-        <p:nvCxnSpPr>
-          <p:cNvPr id="55" name="Verbinder: gewinkelt 54">
-            <a:extLst>
-              <a:ext uri="{FF2B5EF4-FFF2-40B4-BE49-F238E27FC236}">
-                <a16:creationId xmlns:a16="http://schemas.microsoft.com/office/drawing/2014/main" id="{4D467E5D-3C85-4D45-B3FB-525BC6210523}"/>
-              </a:ext>
-            </a:extLst>
-          </p:cNvPr>
-          <p:cNvCxnSpPr>
-            <a:cxnSpLocks/>
-            <a:stCxn id="46" idx="3"/>
-            <a:endCxn id="34" idx="3"/>
-          </p:cNvCxnSpPr>
-          <p:nvPr/>
-        </p:nvCxnSpPr>
-        <p:spPr>
-          <a:xfrm flipH="1" flipV="1">
-            <a:off x="15617655" y="12792320"/>
-            <a:ext cx="3481615" cy="4994178"/>
-          </a:xfrm>
-          <a:prstGeom prst="bentConnector3">
-            <a:avLst>
-              <a:gd name="adj1" fmla="val -6566"/>
+              <a:gd name="adj1" fmla="val 103080"/>
             </a:avLst>
           </a:prstGeom>
           <a:ln w="63500">
@@ -7145,12 +7097,12 @@
         </p:nvCxnSpPr>
         <p:spPr>
           <a:xfrm flipH="1">
-            <a:off x="26158632" y="3657747"/>
-            <a:ext cx="87330" cy="11963424"/>
+            <a:off x="25342502" y="3657747"/>
+            <a:ext cx="903460" cy="11950020"/>
           </a:xfrm>
           <a:prstGeom prst="bentConnector3">
             <a:avLst>
-              <a:gd name="adj1" fmla="val -261766"/>
+              <a:gd name="adj1" fmla="val -25303"/>
             </a:avLst>
           </a:prstGeom>
           <a:ln w="63500">
@@ -8093,7 +8045,7 @@
         </p:nvSpPr>
         <p:spPr>
           <a:xfrm>
-            <a:off x="15392400" y="2654970"/>
+            <a:off x="15392400" y="2922574"/>
             <a:ext cx="10782300" cy="923330"/>
           </a:xfrm>
           <a:prstGeom prst="rect">
@@ -8128,7 +8080,7 @@
         </p:nvSpPr>
         <p:spPr>
           <a:xfrm>
-            <a:off x="15392400" y="4979070"/>
+            <a:off x="15392400" y="5301304"/>
             <a:ext cx="10782300" cy="923330"/>
           </a:xfrm>
           <a:prstGeom prst="rect">
@@ -8163,7 +8115,7 @@
         </p:nvSpPr>
         <p:spPr>
           <a:xfrm>
-            <a:off x="15392400" y="7303170"/>
+            <a:off x="15392400" y="7680034"/>
             <a:ext cx="10782300" cy="923330"/>
           </a:xfrm>
           <a:prstGeom prst="rect">
@@ -8247,7 +8199,7 @@
         </p:nvSpPr>
         <p:spPr>
           <a:xfrm>
-            <a:off x="15392400" y="9662270"/>
+            <a:off x="15392400" y="10590834"/>
             <a:ext cx="10782300" cy="4247317"/>
           </a:xfrm>
           <a:prstGeom prst="rect">
@@ -8359,7 +8311,7 @@
         </p:nvSpPr>
         <p:spPr>
           <a:xfrm>
-            <a:off x="15392400" y="16361896"/>
+            <a:off x="15392400" y="17362850"/>
             <a:ext cx="10782300" cy="4247317"/>
           </a:xfrm>
           <a:prstGeom prst="rect">
@@ -8401,7 +8353,7 @@
           <a:p>
             <a:r>
               <a:rPr lang="en-US" sz="5400" dirty="0"/>
-              <a:t>If 0 all three layers are omitted from the learner</a:t>
+              <a:t>If 0 all three layers are omitted from the classifier</a:t>
             </a:r>
           </a:p>
         </p:txBody>
@@ -8420,8 +8372,8 @@
         </p:nvSpPr>
         <p:spPr>
           <a:xfrm>
-            <a:off x="15443201" y="23130708"/>
-            <a:ext cx="10782300" cy="2585323"/>
+            <a:off x="15392400" y="24949230"/>
+            <a:ext cx="10782300" cy="4247317"/>
           </a:xfrm>
           <a:prstGeom prst="rect">
             <a:avLst/>
@@ -8440,7 +8392,7 @@
             </a:r>
             <a:r>
               <a:rPr lang="en-US" sz="5400" b="1" dirty="0"/>
-              <a:t> rec</a:t>
+              <a:t> hidden</a:t>
             </a:r>
           </a:p>
           <a:p>
@@ -8454,6 +8406,13 @@
               <a:rPr lang="en-US" sz="5400" dirty="0"/>
               <a:t>Number of neurons:  Vector elements</a:t>
             </a:r>
+            <a:br>
+              <a:rPr lang="en-US" sz="5400" dirty="0"/>
+            </a:br>
+            <a:r>
+              <a:rPr lang="en-US" sz="5400" dirty="0"/>
+              <a:t>(dropout layer between the two last dense layers is added automatically)</a:t>
+            </a:r>
           </a:p>
         </p:txBody>
       </p:sp>
@@ -8520,7 +8479,7 @@
         </p:nvSpPr>
         <p:spPr>
           <a:xfrm>
-            <a:off x="15417801" y="30103008"/>
+            <a:off x="15443201" y="30392981"/>
             <a:ext cx="10782300" cy="923330"/>
           </a:xfrm>
           <a:prstGeom prst="rect">

--- a/materials/images_hochformat.pptx
+++ b/materials/images_hochformat.pptx
@@ -245,7 +245,7 @@
           <a:p>
             <a:fld id="{F39F49B5-785A-44C4-99F0-898FF83CD003}" type="datetimeFigureOut">
               <a:rPr lang="de-DE" smtClean="0"/>
-              <a:t>11.05.2023</a:t>
+              <a:t>26.05.2023</a:t>
             </a:fld>
             <a:endParaRPr lang="de-DE"/>
           </a:p>
@@ -415,7 +415,7 @@
           <a:p>
             <a:fld id="{F39F49B5-785A-44C4-99F0-898FF83CD003}" type="datetimeFigureOut">
               <a:rPr lang="de-DE" smtClean="0"/>
-              <a:t>11.05.2023</a:t>
+              <a:t>26.05.2023</a:t>
             </a:fld>
             <a:endParaRPr lang="de-DE"/>
           </a:p>
@@ -595,7 +595,7 @@
           <a:p>
             <a:fld id="{F39F49B5-785A-44C4-99F0-898FF83CD003}" type="datetimeFigureOut">
               <a:rPr lang="de-DE" smtClean="0"/>
-              <a:t>11.05.2023</a:t>
+              <a:t>26.05.2023</a:t>
             </a:fld>
             <a:endParaRPr lang="de-DE"/>
           </a:p>
@@ -765,7 +765,7 @@
           <a:p>
             <a:fld id="{F39F49B5-785A-44C4-99F0-898FF83CD003}" type="datetimeFigureOut">
               <a:rPr lang="de-DE" smtClean="0"/>
-              <a:t>11.05.2023</a:t>
+              <a:t>26.05.2023</a:t>
             </a:fld>
             <a:endParaRPr lang="de-DE"/>
           </a:p>
@@ -1009,7 +1009,7 @@
           <a:p>
             <a:fld id="{F39F49B5-785A-44C4-99F0-898FF83CD003}" type="datetimeFigureOut">
               <a:rPr lang="de-DE" smtClean="0"/>
-              <a:t>11.05.2023</a:t>
+              <a:t>26.05.2023</a:t>
             </a:fld>
             <a:endParaRPr lang="de-DE"/>
           </a:p>
@@ -1241,7 +1241,7 @@
           <a:p>
             <a:fld id="{F39F49B5-785A-44C4-99F0-898FF83CD003}" type="datetimeFigureOut">
               <a:rPr lang="de-DE" smtClean="0"/>
-              <a:t>11.05.2023</a:t>
+              <a:t>26.05.2023</a:t>
             </a:fld>
             <a:endParaRPr lang="de-DE"/>
           </a:p>
@@ -1608,7 +1608,7 @@
           <a:p>
             <a:fld id="{F39F49B5-785A-44C4-99F0-898FF83CD003}" type="datetimeFigureOut">
               <a:rPr lang="de-DE" smtClean="0"/>
-              <a:t>11.05.2023</a:t>
+              <a:t>26.05.2023</a:t>
             </a:fld>
             <a:endParaRPr lang="de-DE"/>
           </a:p>
@@ -1726,7 +1726,7 @@
           <a:p>
             <a:fld id="{F39F49B5-785A-44C4-99F0-898FF83CD003}" type="datetimeFigureOut">
               <a:rPr lang="de-DE" smtClean="0"/>
-              <a:t>11.05.2023</a:t>
+              <a:t>26.05.2023</a:t>
             </a:fld>
             <a:endParaRPr lang="de-DE"/>
           </a:p>
@@ -1821,7 +1821,7 @@
           <a:p>
             <a:fld id="{F39F49B5-785A-44C4-99F0-898FF83CD003}" type="datetimeFigureOut">
               <a:rPr lang="de-DE" smtClean="0"/>
-              <a:t>11.05.2023</a:t>
+              <a:t>26.05.2023</a:t>
             </a:fld>
             <a:endParaRPr lang="de-DE"/>
           </a:p>
@@ -2098,7 +2098,7 @@
           <a:p>
             <a:fld id="{F39F49B5-785A-44C4-99F0-898FF83CD003}" type="datetimeFigureOut">
               <a:rPr lang="de-DE" smtClean="0"/>
-              <a:t>11.05.2023</a:t>
+              <a:t>26.05.2023</a:t>
             </a:fld>
             <a:endParaRPr lang="de-DE"/>
           </a:p>
@@ -2355,7 +2355,7 @@
           <a:p>
             <a:fld id="{F39F49B5-785A-44C4-99F0-898FF83CD003}" type="datetimeFigureOut">
               <a:rPr lang="de-DE" smtClean="0"/>
-              <a:t>11.05.2023</a:t>
+              <a:t>26.05.2023</a:t>
             </a:fld>
             <a:endParaRPr lang="de-DE"/>
           </a:p>
@@ -2568,7 +2568,7 @@
           <a:p>
             <a:fld id="{F39F49B5-785A-44C4-99F0-898FF83CD003}" type="datetimeFigureOut">
               <a:rPr lang="de-DE" smtClean="0"/>
-              <a:t>11.05.2023</a:t>
+              <a:t>26.05.2023</a:t>
             </a:fld>
             <a:endParaRPr lang="de-DE"/>
           </a:p>
@@ -6165,18 +6165,13 @@
           <a:p>
             <a:pPr algn="ctr"/>
             <a:r>
-              <a:rPr lang="en-US" sz="4274" dirty="0" err="1">
+              <a:rPr lang="en-US" sz="4274" dirty="0">
                 <a:solidFill>
                   <a:schemeClr val="tx1"/>
                 </a:solidFill>
               </a:rPr>
-              <a:t>Unlabaled</a:t>
-            </a:r>
-            <a:endParaRPr lang="en-US" sz="4274" dirty="0">
-              <a:solidFill>
-                <a:schemeClr val="tx1"/>
-              </a:solidFill>
-            </a:endParaRPr>
+              <a:t>Unlabeled</a:t>
+            </a:r>
           </a:p>
         </p:txBody>
       </p:sp>
@@ -6542,12 +6537,20 @@
           <a:p>
             <a:pPr algn="ctr"/>
             <a:r>
+              <a:rPr lang="en-US" sz="4274">
+                <a:solidFill>
+                  <a:schemeClr val="tx1"/>
+                </a:solidFill>
+              </a:rPr>
+              <a:t>Pseudo-Labeling</a:t>
+            </a:r>
+            <a:r>
               <a:rPr lang="en-US" sz="4274" dirty="0">
                 <a:solidFill>
                   <a:schemeClr val="tx1"/>
                 </a:solidFill>
               </a:rPr>
-              <a:t>Pseudo Labeling)</a:t>
+              <a:t>)</a:t>
             </a:r>
           </a:p>
         </p:txBody>
@@ -7633,7 +7636,7 @@
         <p:spPr>
           <a:xfrm>
             <a:off x="1738421" y="16376316"/>
-            <a:ext cx="9501077" cy="1503276"/>
+            <a:ext cx="9501077" cy="3889118"/>
           </a:xfrm>
           <a:prstGeom prst="rect">
             <a:avLst/>
@@ -7672,67 +7675,44 @@
                   <a:schemeClr val="tx1"/>
                 </a:solidFill>
               </a:rPr>
-              <a:t>Self Attention Layer</a:t>
-            </a:r>
-          </a:p>
-        </p:txBody>
-      </p:sp>
-      <p:sp>
-        <p:nvSpPr>
-          <p:cNvPr id="11" name="Rechteck 10">
-            <a:extLst>
-              <a:ext uri="{FF2B5EF4-FFF2-40B4-BE49-F238E27FC236}">
-                <a16:creationId xmlns:a16="http://schemas.microsoft.com/office/drawing/2014/main" id="{A70AD973-4661-4C08-AC16-B74A03086651}"/>
-              </a:ext>
-            </a:extLst>
-          </p:cNvPr>
-          <p:cNvSpPr/>
-          <p:nvPr/>
-        </p:nvSpPr>
-        <p:spPr>
-          <a:xfrm>
-            <a:off x="1738421" y="18700416"/>
-            <a:ext cx="9501077" cy="1503276"/>
-          </a:xfrm>
-          <a:prstGeom prst="rect">
-            <a:avLst/>
-          </a:prstGeom>
-          <a:noFill/>
-          <a:ln>
-            <a:solidFill>
-              <a:schemeClr val="tx1"/>
-            </a:solidFill>
-          </a:ln>
-        </p:spPr>
-        <p:style>
-          <a:lnRef idx="2">
-            <a:schemeClr val="accent1">
-              <a:shade val="50000"/>
-            </a:schemeClr>
-          </a:lnRef>
-          <a:fillRef idx="1">
-            <a:schemeClr val="accent1"/>
-          </a:fillRef>
-          <a:effectRef idx="0">
-            <a:schemeClr val="accent1"/>
-          </a:effectRef>
-          <a:fontRef idx="minor">
-            <a:schemeClr val="lt1"/>
-          </a:fontRef>
-        </p:style>
-        <p:txBody>
-          <a:bodyPr rtlCol="0" anchor="ctr"/>
-          <a:lstStyle/>
-          <a:p>
-            <a:pPr algn="ctr"/>
-            <a:r>
+              <a:t>Transformer Encoder Layer</a:t>
+            </a:r>
+            <a:br>
               <a:rPr lang="en-US" sz="5400" dirty="0">
                 <a:solidFill>
                   <a:schemeClr val="tx1"/>
                 </a:solidFill>
               </a:rPr>
-              <a:t>Normalization Layer</a:t>
-            </a:r>
+            </a:br>
+            <a:r>
+              <a:rPr lang="en-US" sz="4400" dirty="0">
+                <a:solidFill>
+                  <a:schemeClr val="tx1"/>
+                </a:solidFill>
+              </a:rPr>
+              <a:t>(as described by </a:t>
+            </a:r>
+            <a:r>
+              <a:rPr lang="en-US" sz="4400" dirty="0" err="1">
+                <a:solidFill>
+                  <a:schemeClr val="tx1"/>
+                </a:solidFill>
+              </a:rPr>
+              <a:t>Chollet</a:t>
+            </a:r>
+            <a:r>
+              <a:rPr lang="en-US" sz="4400" dirty="0">
+                <a:solidFill>
+                  <a:schemeClr val="tx1"/>
+                </a:solidFill>
+              </a:rPr>
+              <a:t>, Kalinowski &amp; Allaire 2022 pp. 373)</a:t>
+            </a:r>
+            <a:endParaRPr lang="en-US" sz="5400" dirty="0">
+              <a:solidFill>
+                <a:schemeClr val="tx1"/>
+              </a:solidFill>
+            </a:endParaRPr>
           </a:p>
         </p:txBody>
       </p:sp>
@@ -8353,7 +8333,7 @@
           <a:p>
             <a:r>
               <a:rPr lang="en-US" sz="5400" dirty="0"/>
-              <a:t>If 0 all three layers are omitted from the classifier</a:t>
+              <a:t>If 0 all layers are omitted from the classifier</a:t>
             </a:r>
           </a:p>
         </p:txBody>
@@ -8765,62 +8745,23 @@
       </p:cxnSp>
       <p:cxnSp>
         <p:nvCxnSpPr>
-          <p:cNvPr id="41" name="Gerade Verbindung mit Pfeil 40">
-            <a:extLst>
-              <a:ext uri="{FF2B5EF4-FFF2-40B4-BE49-F238E27FC236}">
-                <a16:creationId xmlns:a16="http://schemas.microsoft.com/office/drawing/2014/main" id="{CA905F0A-E31D-4633-8CCD-1A17B17DED40}"/>
-              </a:ext>
-            </a:extLst>
-          </p:cNvPr>
-          <p:cNvCxnSpPr/>
+          <p:cNvPr id="43" name="Gerade Verbindung mit Pfeil 42">
+            <a:extLst>
+              <a:ext uri="{FF2B5EF4-FFF2-40B4-BE49-F238E27FC236}">
+                <a16:creationId xmlns:a16="http://schemas.microsoft.com/office/drawing/2014/main" id="{D41C4708-45D3-4F79-8104-E38D45EB3C4A}"/>
+              </a:ext>
+            </a:extLst>
+          </p:cNvPr>
+          <p:cNvCxnSpPr>
+            <a:cxnSpLocks/>
+            <a:stCxn id="10" idx="2"/>
+          </p:cNvCxnSpPr>
           <p:nvPr/>
         </p:nvCxnSpPr>
         <p:spPr>
           <a:xfrm>
-            <a:off x="6362700" y="17817850"/>
-            <a:ext cx="0" cy="820824"/>
-          </a:xfrm>
-          <a:prstGeom prst="straightConnector1">
-            <a:avLst/>
-          </a:prstGeom>
-          <a:ln w="57150">
-            <a:solidFill>
-              <a:schemeClr val="tx1"/>
-            </a:solidFill>
-            <a:tailEnd type="triangle"/>
-          </a:ln>
-        </p:spPr>
-        <p:style>
-          <a:lnRef idx="1">
-            <a:schemeClr val="accent1"/>
-          </a:lnRef>
-          <a:fillRef idx="0">
-            <a:schemeClr val="accent1"/>
-          </a:fillRef>
-          <a:effectRef idx="0">
-            <a:schemeClr val="accent1"/>
-          </a:effectRef>
-          <a:fontRef idx="minor">
-            <a:schemeClr val="tx1"/>
-          </a:fontRef>
-        </p:style>
-      </p:cxnSp>
-      <p:cxnSp>
-        <p:nvCxnSpPr>
-          <p:cNvPr id="43" name="Gerade Verbindung mit Pfeil 42">
-            <a:extLst>
-              <a:ext uri="{FF2B5EF4-FFF2-40B4-BE49-F238E27FC236}">
-                <a16:creationId xmlns:a16="http://schemas.microsoft.com/office/drawing/2014/main" id="{D41C4708-45D3-4F79-8104-E38D45EB3C4A}"/>
-              </a:ext>
-            </a:extLst>
-          </p:cNvPr>
-          <p:cNvCxnSpPr/>
-          <p:nvPr/>
-        </p:nvCxnSpPr>
-        <p:spPr>
-          <a:xfrm>
-            <a:off x="6362700" y="20141950"/>
-            <a:ext cx="0" cy="820824"/>
+            <a:off x="6488960" y="20265434"/>
+            <a:ext cx="0" cy="759082"/>
           </a:xfrm>
           <a:prstGeom prst="straightConnector1">
             <a:avLst/>

--- a/materials/images_hochformat.pptx
+++ b/materials/images_hochformat.pptx
@@ -8,6 +8,7 @@
     <p:sldId id="256" r:id="rId2"/>
     <p:sldId id="257" r:id="rId3"/>
     <p:sldId id="258" r:id="rId4"/>
+    <p:sldId id="259" r:id="rId5"/>
   </p:sldIdLst>
   <p:sldSz cx="27000200" cy="34199513"/>
   <p:notesSz cx="6858000" cy="9144000"/>
@@ -245,7 +246,7 @@
           <a:p>
             <a:fld id="{F39F49B5-785A-44C4-99F0-898FF83CD003}" type="datetimeFigureOut">
               <a:rPr lang="de-DE" smtClean="0"/>
-              <a:t>26.05.2023</a:t>
+              <a:t>22.11.2023</a:t>
             </a:fld>
             <a:endParaRPr lang="de-DE"/>
           </a:p>
@@ -415,7 +416,7 @@
           <a:p>
             <a:fld id="{F39F49B5-785A-44C4-99F0-898FF83CD003}" type="datetimeFigureOut">
               <a:rPr lang="de-DE" smtClean="0"/>
-              <a:t>26.05.2023</a:t>
+              <a:t>22.11.2023</a:t>
             </a:fld>
             <a:endParaRPr lang="de-DE"/>
           </a:p>
@@ -595,7 +596,7 @@
           <a:p>
             <a:fld id="{F39F49B5-785A-44C4-99F0-898FF83CD003}" type="datetimeFigureOut">
               <a:rPr lang="de-DE" smtClean="0"/>
-              <a:t>26.05.2023</a:t>
+              <a:t>22.11.2023</a:t>
             </a:fld>
             <a:endParaRPr lang="de-DE"/>
           </a:p>
@@ -765,7 +766,7 @@
           <a:p>
             <a:fld id="{F39F49B5-785A-44C4-99F0-898FF83CD003}" type="datetimeFigureOut">
               <a:rPr lang="de-DE" smtClean="0"/>
-              <a:t>26.05.2023</a:t>
+              <a:t>22.11.2023</a:t>
             </a:fld>
             <a:endParaRPr lang="de-DE"/>
           </a:p>
@@ -1009,7 +1010,7 @@
           <a:p>
             <a:fld id="{F39F49B5-785A-44C4-99F0-898FF83CD003}" type="datetimeFigureOut">
               <a:rPr lang="de-DE" smtClean="0"/>
-              <a:t>26.05.2023</a:t>
+              <a:t>22.11.2023</a:t>
             </a:fld>
             <a:endParaRPr lang="de-DE"/>
           </a:p>
@@ -1241,7 +1242,7 @@
           <a:p>
             <a:fld id="{F39F49B5-785A-44C4-99F0-898FF83CD003}" type="datetimeFigureOut">
               <a:rPr lang="de-DE" smtClean="0"/>
-              <a:t>26.05.2023</a:t>
+              <a:t>22.11.2023</a:t>
             </a:fld>
             <a:endParaRPr lang="de-DE"/>
           </a:p>
@@ -1608,7 +1609,7 @@
           <a:p>
             <a:fld id="{F39F49B5-785A-44C4-99F0-898FF83CD003}" type="datetimeFigureOut">
               <a:rPr lang="de-DE" smtClean="0"/>
-              <a:t>26.05.2023</a:t>
+              <a:t>22.11.2023</a:t>
             </a:fld>
             <a:endParaRPr lang="de-DE"/>
           </a:p>
@@ -1726,7 +1727,7 @@
           <a:p>
             <a:fld id="{F39F49B5-785A-44C4-99F0-898FF83CD003}" type="datetimeFigureOut">
               <a:rPr lang="de-DE" smtClean="0"/>
-              <a:t>26.05.2023</a:t>
+              <a:t>22.11.2023</a:t>
             </a:fld>
             <a:endParaRPr lang="de-DE"/>
           </a:p>
@@ -1821,7 +1822,7 @@
           <a:p>
             <a:fld id="{F39F49B5-785A-44C4-99F0-898FF83CD003}" type="datetimeFigureOut">
               <a:rPr lang="de-DE" smtClean="0"/>
-              <a:t>26.05.2023</a:t>
+              <a:t>22.11.2023</a:t>
             </a:fld>
             <a:endParaRPr lang="de-DE"/>
           </a:p>
@@ -2098,7 +2099,7 @@
           <a:p>
             <a:fld id="{F39F49B5-785A-44C4-99F0-898FF83CD003}" type="datetimeFigureOut">
               <a:rPr lang="de-DE" smtClean="0"/>
-              <a:t>26.05.2023</a:t>
+              <a:t>22.11.2023</a:t>
             </a:fld>
             <a:endParaRPr lang="de-DE"/>
           </a:p>
@@ -2355,7 +2356,7 @@
           <a:p>
             <a:fld id="{F39F49B5-785A-44C4-99F0-898FF83CD003}" type="datetimeFigureOut">
               <a:rPr lang="de-DE" smtClean="0"/>
-              <a:t>26.05.2023</a:t>
+              <a:t>22.11.2023</a:t>
             </a:fld>
             <a:endParaRPr lang="de-DE"/>
           </a:p>
@@ -2568,7 +2569,7 @@
           <a:p>
             <a:fld id="{F39F49B5-785A-44C4-99F0-898FF83CD003}" type="datetimeFigureOut">
               <a:rPr lang="de-DE" smtClean="0"/>
-              <a:t>26.05.2023</a:t>
+              <a:t>22.11.2023</a:t>
             </a:fld>
             <a:endParaRPr lang="de-DE"/>
           </a:p>
@@ -8981,6 +8982,2484 @@
 </p:sld>
 </file>
 
+<file path=ppt/slides/slide4.xml><?xml version="1.0" encoding="utf-8"?>
+<p:sld xmlns:a="http://schemas.openxmlformats.org/drawingml/2006/main" xmlns:r="http://schemas.openxmlformats.org/officeDocument/2006/relationships" xmlns:p="http://schemas.openxmlformats.org/presentationml/2006/main">
+  <p:cSld>
+    <p:spTree>
+      <p:nvGrpSpPr>
+        <p:cNvPr id="1" name=""/>
+        <p:cNvGrpSpPr/>
+        <p:nvPr/>
+      </p:nvGrpSpPr>
+      <p:grpSpPr>
+        <a:xfrm>
+          <a:off x="0" y="0"/>
+          <a:ext cx="0" cy="0"/>
+          <a:chOff x="0" y="0"/>
+          <a:chExt cx="0" cy="0"/>
+        </a:xfrm>
+      </p:grpSpPr>
+      <p:sp>
+        <p:nvSpPr>
+          <p:cNvPr id="53" name="Rechteck 52">
+            <a:extLst>
+              <a:ext uri="{FF2B5EF4-FFF2-40B4-BE49-F238E27FC236}">
+                <a16:creationId xmlns:a16="http://schemas.microsoft.com/office/drawing/2014/main" id="{3A7216FE-B741-4409-8377-911FFD29F3F9}"/>
+              </a:ext>
+            </a:extLst>
+          </p:cNvPr>
+          <p:cNvSpPr/>
+          <p:nvPr/>
+        </p:nvSpPr>
+        <p:spPr>
+          <a:xfrm>
+            <a:off x="4848896" y="11029872"/>
+            <a:ext cx="9501077" cy="773893"/>
+          </a:xfrm>
+          <a:prstGeom prst="rect">
+            <a:avLst/>
+          </a:prstGeom>
+          <a:noFill/>
+          <a:ln>
+            <a:solidFill>
+              <a:schemeClr val="tx1"/>
+            </a:solidFill>
+          </a:ln>
+        </p:spPr>
+        <p:style>
+          <a:lnRef idx="2">
+            <a:schemeClr val="accent1">
+              <a:shade val="50000"/>
+            </a:schemeClr>
+          </a:lnRef>
+          <a:fillRef idx="1">
+            <a:schemeClr val="accent1"/>
+          </a:fillRef>
+          <a:effectRef idx="0">
+            <a:schemeClr val="accent1"/>
+          </a:effectRef>
+          <a:fontRef idx="minor">
+            <a:schemeClr val="lt1"/>
+          </a:fontRef>
+        </p:style>
+        <p:txBody>
+          <a:bodyPr rtlCol="0" anchor="ctr"/>
+          <a:lstStyle/>
+          <a:p>
+            <a:pPr algn="ctr"/>
+            <a:r>
+              <a:rPr lang="en-US" sz="5400" dirty="0">
+                <a:solidFill>
+                  <a:schemeClr val="tx1"/>
+                </a:solidFill>
+              </a:rPr>
+              <a:t>Bi-Directional Recurrent Layer</a:t>
+            </a:r>
+          </a:p>
+        </p:txBody>
+      </p:sp>
+      <p:sp>
+        <p:nvSpPr>
+          <p:cNvPr id="36" name="Rechteck 35">
+            <a:extLst>
+              <a:ext uri="{FF2B5EF4-FFF2-40B4-BE49-F238E27FC236}">
+                <a16:creationId xmlns:a16="http://schemas.microsoft.com/office/drawing/2014/main" id="{D61D6A3C-ADC9-4018-BF52-F2E5B2171604}"/>
+              </a:ext>
+            </a:extLst>
+          </p:cNvPr>
+          <p:cNvSpPr/>
+          <p:nvPr/>
+        </p:nvSpPr>
+        <p:spPr>
+          <a:xfrm>
+            <a:off x="4848902" y="2278547"/>
+            <a:ext cx="9501077" cy="773893"/>
+          </a:xfrm>
+          <a:prstGeom prst="rect">
+            <a:avLst/>
+          </a:prstGeom>
+          <a:noFill/>
+          <a:ln>
+            <a:solidFill>
+              <a:schemeClr val="tx1"/>
+            </a:solidFill>
+          </a:ln>
+        </p:spPr>
+        <p:style>
+          <a:lnRef idx="2">
+            <a:schemeClr val="accent1">
+              <a:shade val="50000"/>
+            </a:schemeClr>
+          </a:lnRef>
+          <a:fillRef idx="1">
+            <a:schemeClr val="accent1"/>
+          </a:fillRef>
+          <a:effectRef idx="0">
+            <a:schemeClr val="accent1"/>
+          </a:effectRef>
+          <a:fontRef idx="minor">
+            <a:schemeClr val="lt1"/>
+          </a:fontRef>
+        </p:style>
+        <p:txBody>
+          <a:bodyPr rtlCol="0" anchor="ctr"/>
+          <a:lstStyle/>
+          <a:p>
+            <a:pPr algn="ctr"/>
+            <a:r>
+              <a:rPr lang="en-US" sz="5400" dirty="0">
+                <a:solidFill>
+                  <a:schemeClr val="tx1"/>
+                </a:solidFill>
+              </a:rPr>
+              <a:t>Positional Embedding</a:t>
+            </a:r>
+          </a:p>
+        </p:txBody>
+      </p:sp>
+      <p:sp>
+        <p:nvSpPr>
+          <p:cNvPr id="7" name="Rechteck 6">
+            <a:extLst>
+              <a:ext uri="{FF2B5EF4-FFF2-40B4-BE49-F238E27FC236}">
+                <a16:creationId xmlns:a16="http://schemas.microsoft.com/office/drawing/2014/main" id="{6B8B916E-4C03-4E8C-96B8-03272AC55527}"/>
+              </a:ext>
+            </a:extLst>
+          </p:cNvPr>
+          <p:cNvSpPr/>
+          <p:nvPr/>
+        </p:nvSpPr>
+        <p:spPr>
+          <a:xfrm>
+            <a:off x="4848903" y="571185"/>
+            <a:ext cx="9501077" cy="670512"/>
+          </a:xfrm>
+          <a:prstGeom prst="rect">
+            <a:avLst/>
+          </a:prstGeom>
+          <a:noFill/>
+          <a:ln>
+            <a:noFill/>
+          </a:ln>
+        </p:spPr>
+        <p:style>
+          <a:lnRef idx="2">
+            <a:schemeClr val="accent1">
+              <a:shade val="50000"/>
+            </a:schemeClr>
+          </a:lnRef>
+          <a:fillRef idx="1">
+            <a:schemeClr val="accent1"/>
+          </a:fillRef>
+          <a:effectRef idx="0">
+            <a:schemeClr val="accent1"/>
+          </a:effectRef>
+          <a:fontRef idx="minor">
+            <a:schemeClr val="lt1"/>
+          </a:fontRef>
+        </p:style>
+        <p:txBody>
+          <a:bodyPr rtlCol="0" anchor="ctr"/>
+          <a:lstStyle/>
+          <a:p>
+            <a:pPr algn="ctr"/>
+            <a:r>
+              <a:rPr lang="en-US" sz="5400" dirty="0">
+                <a:solidFill>
+                  <a:schemeClr val="tx1"/>
+                </a:solidFill>
+              </a:rPr>
+              <a:t>Input</a:t>
+            </a:r>
+          </a:p>
+        </p:txBody>
+      </p:sp>
+      <p:sp>
+        <p:nvSpPr>
+          <p:cNvPr id="8" name="Rechteck 7">
+            <a:extLst>
+              <a:ext uri="{FF2B5EF4-FFF2-40B4-BE49-F238E27FC236}">
+                <a16:creationId xmlns:a16="http://schemas.microsoft.com/office/drawing/2014/main" id="{BEAF1DFA-F6EF-446A-8C48-3B4888F66800}"/>
+              </a:ext>
+            </a:extLst>
+          </p:cNvPr>
+          <p:cNvSpPr/>
+          <p:nvPr/>
+        </p:nvSpPr>
+        <p:spPr>
+          <a:xfrm>
+            <a:off x="4848897" y="9808165"/>
+            <a:ext cx="9501077" cy="773893"/>
+          </a:xfrm>
+          <a:prstGeom prst="rect">
+            <a:avLst/>
+          </a:prstGeom>
+          <a:noFill/>
+          <a:ln>
+            <a:solidFill>
+              <a:schemeClr val="tx1"/>
+            </a:solidFill>
+          </a:ln>
+        </p:spPr>
+        <p:style>
+          <a:lnRef idx="2">
+            <a:schemeClr val="accent1">
+              <a:shade val="50000"/>
+            </a:schemeClr>
+          </a:lnRef>
+          <a:fillRef idx="1">
+            <a:schemeClr val="accent1"/>
+          </a:fillRef>
+          <a:effectRef idx="0">
+            <a:schemeClr val="accent1"/>
+          </a:effectRef>
+          <a:fontRef idx="minor">
+            <a:schemeClr val="lt1"/>
+          </a:fontRef>
+        </p:style>
+        <p:txBody>
+          <a:bodyPr rtlCol="0" anchor="ctr"/>
+          <a:lstStyle/>
+          <a:p>
+            <a:pPr algn="ctr"/>
+            <a:r>
+              <a:rPr lang="en-US" sz="5400" dirty="0">
+                <a:solidFill>
+                  <a:schemeClr val="tx1"/>
+                </a:solidFill>
+              </a:rPr>
+              <a:t>…</a:t>
+            </a:r>
+          </a:p>
+        </p:txBody>
+      </p:sp>
+      <p:sp>
+        <p:nvSpPr>
+          <p:cNvPr id="9" name="Rechteck 8">
+            <a:extLst>
+              <a:ext uri="{FF2B5EF4-FFF2-40B4-BE49-F238E27FC236}">
+                <a16:creationId xmlns:a16="http://schemas.microsoft.com/office/drawing/2014/main" id="{0BB7C456-5096-4743-9861-70261BD6F4D6}"/>
+              </a:ext>
+            </a:extLst>
+          </p:cNvPr>
+          <p:cNvSpPr/>
+          <p:nvPr/>
+        </p:nvSpPr>
+        <p:spPr>
+          <a:xfrm>
+            <a:off x="4848901" y="7356537"/>
+            <a:ext cx="9501077" cy="773893"/>
+          </a:xfrm>
+          <a:prstGeom prst="rect">
+            <a:avLst/>
+          </a:prstGeom>
+          <a:noFill/>
+          <a:ln>
+            <a:solidFill>
+              <a:schemeClr val="tx1"/>
+            </a:solidFill>
+          </a:ln>
+        </p:spPr>
+        <p:style>
+          <a:lnRef idx="2">
+            <a:schemeClr val="accent1">
+              <a:shade val="50000"/>
+            </a:schemeClr>
+          </a:lnRef>
+          <a:fillRef idx="1">
+            <a:schemeClr val="accent1"/>
+          </a:fillRef>
+          <a:effectRef idx="0">
+            <a:schemeClr val="accent1"/>
+          </a:effectRef>
+          <a:fontRef idx="minor">
+            <a:schemeClr val="lt1"/>
+          </a:fontRef>
+        </p:style>
+        <p:txBody>
+          <a:bodyPr rtlCol="0" anchor="ctr"/>
+          <a:lstStyle/>
+          <a:p>
+            <a:pPr algn="ctr"/>
+            <a:r>
+              <a:rPr lang="en-US" sz="5400" dirty="0">
+                <a:solidFill>
+                  <a:schemeClr val="tx1"/>
+                </a:solidFill>
+              </a:rPr>
+              <a:t>Bi-Directional Recurrent Layer</a:t>
+            </a:r>
+          </a:p>
+        </p:txBody>
+      </p:sp>
+      <p:sp>
+        <p:nvSpPr>
+          <p:cNvPr id="16" name="Rechteck 15">
+            <a:extLst>
+              <a:ext uri="{FF2B5EF4-FFF2-40B4-BE49-F238E27FC236}">
+                <a16:creationId xmlns:a16="http://schemas.microsoft.com/office/drawing/2014/main" id="{D279CCA7-158C-4ABE-AC75-B8F8EDAFF10F}"/>
+              </a:ext>
+            </a:extLst>
+          </p:cNvPr>
+          <p:cNvSpPr/>
+          <p:nvPr/>
+        </p:nvSpPr>
+        <p:spPr>
+          <a:xfrm>
+            <a:off x="4874305" y="20071592"/>
+            <a:ext cx="9501077" cy="1503276"/>
+          </a:xfrm>
+          <a:prstGeom prst="rect">
+            <a:avLst/>
+          </a:prstGeom>
+          <a:noFill/>
+          <a:ln>
+            <a:solidFill>
+              <a:schemeClr val="tx1"/>
+            </a:solidFill>
+          </a:ln>
+        </p:spPr>
+        <p:style>
+          <a:lnRef idx="2">
+            <a:schemeClr val="accent1">
+              <a:shade val="50000"/>
+            </a:schemeClr>
+          </a:lnRef>
+          <a:fillRef idx="1">
+            <a:schemeClr val="accent1"/>
+          </a:fillRef>
+          <a:effectRef idx="0">
+            <a:schemeClr val="accent1"/>
+          </a:effectRef>
+          <a:fontRef idx="minor">
+            <a:schemeClr val="lt1"/>
+          </a:fontRef>
+        </p:style>
+        <p:txBody>
+          <a:bodyPr rtlCol="0" anchor="ctr"/>
+          <a:lstStyle/>
+          <a:p>
+            <a:pPr algn="ctr"/>
+            <a:r>
+              <a:rPr lang="en-US" sz="5400" dirty="0">
+                <a:solidFill>
+                  <a:schemeClr val="tx1"/>
+                </a:solidFill>
+              </a:rPr>
+              <a:t>Output Layer</a:t>
+            </a:r>
+          </a:p>
+        </p:txBody>
+      </p:sp>
+      <p:sp>
+        <p:nvSpPr>
+          <p:cNvPr id="20" name="Geschweifte Klammer rechts 19">
+            <a:extLst>
+              <a:ext uri="{FF2B5EF4-FFF2-40B4-BE49-F238E27FC236}">
+                <a16:creationId xmlns:a16="http://schemas.microsoft.com/office/drawing/2014/main" id="{8B2EEDE5-FB9E-467D-9DA0-637109260C98}"/>
+              </a:ext>
+            </a:extLst>
+          </p:cNvPr>
+          <p:cNvSpPr/>
+          <p:nvPr/>
+        </p:nvSpPr>
+        <p:spPr>
+          <a:xfrm>
+            <a:off x="14375383" y="7356537"/>
+            <a:ext cx="1418702" cy="4447228"/>
+          </a:xfrm>
+          <a:prstGeom prst="rightBrace">
+            <a:avLst/>
+          </a:prstGeom>
+          <a:ln w="57150">
+            <a:solidFill>
+              <a:schemeClr val="tx1"/>
+            </a:solidFill>
+          </a:ln>
+        </p:spPr>
+        <p:style>
+          <a:lnRef idx="1">
+            <a:schemeClr val="accent1"/>
+          </a:lnRef>
+          <a:fillRef idx="0">
+            <a:schemeClr val="accent1"/>
+          </a:fillRef>
+          <a:effectRef idx="0">
+            <a:schemeClr val="accent1"/>
+          </a:effectRef>
+          <a:fontRef idx="minor">
+            <a:schemeClr val="tx1"/>
+          </a:fontRef>
+        </p:style>
+        <p:txBody>
+          <a:bodyPr rtlCol="0" anchor="ctr"/>
+          <a:lstStyle/>
+          <a:p>
+            <a:pPr algn="ctr"/>
+            <a:endParaRPr lang="de-DE"/>
+          </a:p>
+        </p:txBody>
+      </p:sp>
+      <p:sp>
+        <p:nvSpPr>
+          <p:cNvPr id="21" name="Textfeld 20">
+            <a:extLst>
+              <a:ext uri="{FF2B5EF4-FFF2-40B4-BE49-F238E27FC236}">
+                <a16:creationId xmlns:a16="http://schemas.microsoft.com/office/drawing/2014/main" id="{68444309-94C9-4EF8-9AE6-F9DAFD73C057}"/>
+              </a:ext>
+            </a:extLst>
+          </p:cNvPr>
+          <p:cNvSpPr txBox="1"/>
+          <p:nvPr/>
+        </p:nvSpPr>
+        <p:spPr>
+          <a:xfrm>
+            <a:off x="16217900" y="7354312"/>
+            <a:ext cx="10782300" cy="5509200"/>
+          </a:xfrm>
+          <a:prstGeom prst="rect">
+            <a:avLst/>
+          </a:prstGeom>
+          <a:noFill/>
+        </p:spPr>
+        <p:txBody>
+          <a:bodyPr wrap="square" rtlCol="0">
+            <a:spAutoFit/>
+          </a:bodyPr>
+          <a:lstStyle/>
+          <a:p>
+            <a:r>
+              <a:rPr lang="en-US" sz="4400" b="1" i="1" dirty="0"/>
+              <a:t>Parameter</a:t>
+            </a:r>
+            <a:r>
+              <a:rPr lang="en-US" sz="4400" b="1" dirty="0"/>
+              <a:t> rec</a:t>
+            </a:r>
+          </a:p>
+          <a:p>
+            <a:r>
+              <a:rPr lang="en-US" sz="4400" dirty="0"/>
+              <a:t>Number of layers: Vector length </a:t>
+            </a:r>
+          </a:p>
+          <a:p>
+            <a:r>
+              <a:rPr lang="en-US" sz="4400" dirty="0"/>
+              <a:t>Number of neurons:  Vector elements</a:t>
+            </a:r>
+          </a:p>
+          <a:p>
+            <a:r>
+              <a:rPr lang="en-US" sz="4400" dirty="0"/>
+              <a:t>Times: automatic</a:t>
+            </a:r>
+          </a:p>
+          <a:p>
+            <a:r>
+              <a:rPr lang="en-US" sz="4400" dirty="0"/>
+              <a:t>Features: automatic</a:t>
+            </a:r>
+          </a:p>
+          <a:p>
+            <a:r>
+              <a:rPr lang="en-US" sz="4400" b="1" i="1" dirty="0"/>
+              <a:t>Parameter</a:t>
+            </a:r>
+            <a:r>
+              <a:rPr lang="en-US" sz="4400" b="1" dirty="0"/>
+              <a:t> </a:t>
+            </a:r>
+            <a:r>
+              <a:rPr lang="en-US" sz="4400" b="1" dirty="0" err="1"/>
+              <a:t>rec_dropout</a:t>
+            </a:r>
+            <a:endParaRPr lang="en-US" sz="4400" b="1" dirty="0"/>
+          </a:p>
+          <a:p>
+            <a:r>
+              <a:rPr lang="en-US" sz="4400" b="1" i="1" dirty="0"/>
+              <a:t>Parameter</a:t>
+            </a:r>
+            <a:r>
+              <a:rPr lang="en-US" sz="4400" b="1" dirty="0"/>
+              <a:t> </a:t>
+            </a:r>
+            <a:r>
+              <a:rPr lang="en-US" sz="4400" b="1" dirty="0" err="1"/>
+              <a:t>recurrent_dropout</a:t>
+            </a:r>
+            <a:r>
+              <a:rPr lang="en-US" sz="4400" b="1" dirty="0"/>
+              <a:t> </a:t>
+            </a:r>
+            <a:r>
+              <a:rPr lang="en-US" sz="4400" dirty="0"/>
+              <a:t>(</a:t>
+            </a:r>
+            <a:r>
+              <a:rPr lang="en-US" sz="4400" dirty="0" err="1"/>
+              <a:t>keras</a:t>
+            </a:r>
+            <a:r>
+              <a:rPr lang="en-US" sz="4400" dirty="0"/>
+              <a:t> only)</a:t>
+            </a:r>
+          </a:p>
+          <a:p>
+            <a:endParaRPr lang="en-US" sz="4400" dirty="0"/>
+          </a:p>
+        </p:txBody>
+      </p:sp>
+      <p:sp>
+        <p:nvSpPr>
+          <p:cNvPr id="22" name="Geschweifte Klammer rechts 21">
+            <a:extLst>
+              <a:ext uri="{FF2B5EF4-FFF2-40B4-BE49-F238E27FC236}">
+                <a16:creationId xmlns:a16="http://schemas.microsoft.com/office/drawing/2014/main" id="{B15D5E2C-13A0-4DD3-AAA8-6DA910900DA5}"/>
+              </a:ext>
+            </a:extLst>
+          </p:cNvPr>
+          <p:cNvSpPr/>
+          <p:nvPr/>
+        </p:nvSpPr>
+        <p:spPr>
+          <a:xfrm>
+            <a:off x="14548741" y="3579390"/>
+            <a:ext cx="1245344" cy="3087223"/>
+          </a:xfrm>
+          <a:prstGeom prst="rightBrace">
+            <a:avLst/>
+          </a:prstGeom>
+          <a:ln w="57150">
+            <a:solidFill>
+              <a:schemeClr val="tx1"/>
+            </a:solidFill>
+          </a:ln>
+        </p:spPr>
+        <p:style>
+          <a:lnRef idx="1">
+            <a:schemeClr val="accent1"/>
+          </a:lnRef>
+          <a:fillRef idx="0">
+            <a:schemeClr val="accent1"/>
+          </a:fillRef>
+          <a:effectRef idx="0">
+            <a:schemeClr val="accent1"/>
+          </a:effectRef>
+          <a:fontRef idx="minor">
+            <a:schemeClr val="tx1"/>
+          </a:fontRef>
+        </p:style>
+        <p:txBody>
+          <a:bodyPr rtlCol="0" anchor="ctr"/>
+          <a:lstStyle/>
+          <a:p>
+            <a:pPr algn="ctr"/>
+            <a:endParaRPr lang="de-DE"/>
+          </a:p>
+        </p:txBody>
+      </p:sp>
+      <p:sp>
+        <p:nvSpPr>
+          <p:cNvPr id="23" name="Textfeld 22">
+            <a:extLst>
+              <a:ext uri="{FF2B5EF4-FFF2-40B4-BE49-F238E27FC236}">
+                <a16:creationId xmlns:a16="http://schemas.microsoft.com/office/drawing/2014/main" id="{9F0E207E-D67C-4A90-B554-01CEC959B9A9}"/>
+              </a:ext>
+            </a:extLst>
+          </p:cNvPr>
+          <p:cNvSpPr txBox="1"/>
+          <p:nvPr/>
+        </p:nvSpPr>
+        <p:spPr>
+          <a:xfrm>
+            <a:off x="16217900" y="3381838"/>
+            <a:ext cx="10782300" cy="3477875"/>
+          </a:xfrm>
+          <a:prstGeom prst="rect">
+            <a:avLst/>
+          </a:prstGeom>
+          <a:noFill/>
+        </p:spPr>
+        <p:txBody>
+          <a:bodyPr wrap="square" rtlCol="0">
+            <a:spAutoFit/>
+          </a:bodyPr>
+          <a:lstStyle/>
+          <a:p>
+            <a:r>
+              <a:rPr lang="en-US" sz="4400" b="1" i="1" dirty="0"/>
+              <a:t>Parameter </a:t>
+            </a:r>
+            <a:r>
+              <a:rPr lang="en-US" sz="4400" b="1" i="1" dirty="0" err="1"/>
+              <a:t>attention_type</a:t>
+            </a:r>
+            <a:endParaRPr lang="en-US" sz="4400" b="1" i="1" dirty="0"/>
+          </a:p>
+          <a:p>
+            <a:r>
+              <a:rPr lang="en-US" sz="4400" b="1" i="1" dirty="0"/>
+              <a:t>Parameter</a:t>
+            </a:r>
+            <a:r>
+              <a:rPr lang="en-US" sz="4400" b="1" dirty="0"/>
+              <a:t> </a:t>
+            </a:r>
+            <a:r>
+              <a:rPr lang="en-US" sz="4400" b="1" dirty="0" err="1"/>
+              <a:t>self_attention_heads</a:t>
+            </a:r>
+            <a:endParaRPr lang="en-US" sz="4400" b="1" dirty="0"/>
+          </a:p>
+          <a:p>
+            <a:r>
+              <a:rPr lang="en-US" sz="4400" dirty="0"/>
+              <a:t>Number of heads for type “</a:t>
+            </a:r>
+            <a:r>
+              <a:rPr lang="en-US" sz="4400" dirty="0" err="1"/>
+              <a:t>multihead</a:t>
+            </a:r>
+            <a:r>
+              <a:rPr lang="en-US" sz="4400" dirty="0"/>
+              <a:t>”</a:t>
+            </a:r>
+          </a:p>
+          <a:p>
+            <a:r>
+              <a:rPr lang="en-US" sz="4400" b="1" i="1" dirty="0"/>
+              <a:t>Parameter</a:t>
+            </a:r>
+            <a:r>
+              <a:rPr lang="en-US" sz="4400" b="1" dirty="0"/>
+              <a:t> </a:t>
+            </a:r>
+            <a:r>
+              <a:rPr lang="en-US" sz="4400" b="1" dirty="0" err="1"/>
+              <a:t>encoder_dropout</a:t>
+            </a:r>
+            <a:endParaRPr lang="en-US" sz="4400" b="1" dirty="0"/>
+          </a:p>
+          <a:p>
+            <a:r>
+              <a:rPr lang="en-US" sz="4400" b="1" i="1" dirty="0"/>
+              <a:t>Parameter</a:t>
+            </a:r>
+            <a:r>
+              <a:rPr lang="en-US" sz="4400" b="1" dirty="0"/>
+              <a:t> repeat encoder</a:t>
+            </a:r>
+          </a:p>
+        </p:txBody>
+      </p:sp>
+      <p:sp>
+        <p:nvSpPr>
+          <p:cNvPr id="24" name="Textfeld 23">
+            <a:extLst>
+              <a:ext uri="{FF2B5EF4-FFF2-40B4-BE49-F238E27FC236}">
+                <a16:creationId xmlns:a16="http://schemas.microsoft.com/office/drawing/2014/main" id="{206DE3D7-B726-4358-8BF1-625EC4DF0B4B}"/>
+              </a:ext>
+            </a:extLst>
+          </p:cNvPr>
+          <p:cNvSpPr txBox="1"/>
+          <p:nvPr/>
+        </p:nvSpPr>
+        <p:spPr>
+          <a:xfrm>
+            <a:off x="16014716" y="14615336"/>
+            <a:ext cx="10782300" cy="2800767"/>
+          </a:xfrm>
+          <a:prstGeom prst="rect">
+            <a:avLst/>
+          </a:prstGeom>
+          <a:noFill/>
+        </p:spPr>
+        <p:txBody>
+          <a:bodyPr wrap="square" rtlCol="0">
+            <a:spAutoFit/>
+          </a:bodyPr>
+          <a:lstStyle/>
+          <a:p>
+            <a:r>
+              <a:rPr lang="en-US" sz="4400" b="1" i="1" dirty="0"/>
+              <a:t>Parameter</a:t>
+            </a:r>
+            <a:r>
+              <a:rPr lang="en-US" sz="4400" b="1" dirty="0"/>
+              <a:t> hidden</a:t>
+            </a:r>
+          </a:p>
+          <a:p>
+            <a:r>
+              <a:rPr lang="en-US" sz="4400" dirty="0"/>
+              <a:t>Number of layers: Vector length</a:t>
+            </a:r>
+          </a:p>
+          <a:p>
+            <a:r>
+              <a:rPr lang="en-US" sz="4400" dirty="0"/>
+              <a:t>Number of neurons:  Vector elements</a:t>
+            </a:r>
+            <a:br>
+              <a:rPr lang="en-US" sz="4400" dirty="0"/>
+            </a:br>
+            <a:r>
+              <a:rPr lang="en-US" sz="4400" b="1" i="1" dirty="0"/>
+              <a:t>Parameter</a:t>
+            </a:r>
+            <a:r>
+              <a:rPr lang="en-US" sz="4400" b="1" dirty="0"/>
+              <a:t> </a:t>
+            </a:r>
+            <a:r>
+              <a:rPr lang="en-US" sz="4400" b="1" dirty="0" err="1"/>
+              <a:t>dense_dropout</a:t>
+            </a:r>
+            <a:endParaRPr lang="en-US" sz="4400" b="1" dirty="0"/>
+          </a:p>
+        </p:txBody>
+      </p:sp>
+      <p:sp>
+        <p:nvSpPr>
+          <p:cNvPr id="25" name="Geschweifte Klammer rechts 24">
+            <a:extLst>
+              <a:ext uri="{FF2B5EF4-FFF2-40B4-BE49-F238E27FC236}">
+                <a16:creationId xmlns:a16="http://schemas.microsoft.com/office/drawing/2014/main" id="{2B474CBA-746C-4A40-B3DC-AB7ECFABCD94}"/>
+              </a:ext>
+            </a:extLst>
+          </p:cNvPr>
+          <p:cNvSpPr/>
+          <p:nvPr/>
+        </p:nvSpPr>
+        <p:spPr>
+          <a:xfrm>
+            <a:off x="14392892" y="14637761"/>
+            <a:ext cx="1401188" cy="4427028"/>
+          </a:xfrm>
+          <a:prstGeom prst="rightBrace">
+            <a:avLst>
+              <a:gd name="adj1" fmla="val 8333"/>
+              <a:gd name="adj2" fmla="val 47335"/>
+            </a:avLst>
+          </a:prstGeom>
+          <a:ln w="57150">
+            <a:solidFill>
+              <a:schemeClr val="tx1"/>
+            </a:solidFill>
+          </a:ln>
+        </p:spPr>
+        <p:style>
+          <a:lnRef idx="1">
+            <a:schemeClr val="accent1"/>
+          </a:lnRef>
+          <a:fillRef idx="0">
+            <a:schemeClr val="accent1"/>
+          </a:fillRef>
+          <a:effectRef idx="0">
+            <a:schemeClr val="accent1"/>
+          </a:effectRef>
+          <a:fontRef idx="minor">
+            <a:schemeClr val="tx1"/>
+          </a:fontRef>
+        </p:style>
+        <p:txBody>
+          <a:bodyPr rtlCol="0" anchor="ctr"/>
+          <a:lstStyle/>
+          <a:p>
+            <a:pPr algn="ctr"/>
+            <a:endParaRPr lang="de-DE"/>
+          </a:p>
+        </p:txBody>
+      </p:sp>
+      <p:sp>
+        <p:nvSpPr>
+          <p:cNvPr id="26" name="Textfeld 25">
+            <a:extLst>
+              <a:ext uri="{FF2B5EF4-FFF2-40B4-BE49-F238E27FC236}">
+                <a16:creationId xmlns:a16="http://schemas.microsoft.com/office/drawing/2014/main" id="{B2697EB0-26B5-4482-86DA-5F49F49FE17F}"/>
+              </a:ext>
+            </a:extLst>
+          </p:cNvPr>
+          <p:cNvSpPr txBox="1"/>
+          <p:nvPr/>
+        </p:nvSpPr>
+        <p:spPr>
+          <a:xfrm>
+            <a:off x="16014716" y="20436284"/>
+            <a:ext cx="10782300" cy="769441"/>
+          </a:xfrm>
+          <a:prstGeom prst="rect">
+            <a:avLst/>
+          </a:prstGeom>
+          <a:noFill/>
+        </p:spPr>
+        <p:txBody>
+          <a:bodyPr wrap="square" rtlCol="0">
+            <a:spAutoFit/>
+          </a:bodyPr>
+          <a:lstStyle/>
+          <a:p>
+            <a:r>
+              <a:rPr lang="en-US" sz="4400" b="1" dirty="0"/>
+              <a:t>automatic</a:t>
+            </a:r>
+          </a:p>
+        </p:txBody>
+      </p:sp>
+      <p:cxnSp>
+        <p:nvCxnSpPr>
+          <p:cNvPr id="39" name="Gerade Verbindung mit Pfeil 38">
+            <a:extLst>
+              <a:ext uri="{FF2B5EF4-FFF2-40B4-BE49-F238E27FC236}">
+                <a16:creationId xmlns:a16="http://schemas.microsoft.com/office/drawing/2014/main" id="{DD3C21BD-DC7A-4EEA-826D-CBED0557DA57}"/>
+              </a:ext>
+            </a:extLst>
+          </p:cNvPr>
+          <p:cNvCxnSpPr>
+            <a:cxnSpLocks/>
+            <a:stCxn id="9" idx="2"/>
+            <a:endCxn id="46" idx="0"/>
+          </p:cNvCxnSpPr>
+          <p:nvPr/>
+        </p:nvCxnSpPr>
+        <p:spPr>
+          <a:xfrm flipH="1">
+            <a:off x="9599437" y="8130430"/>
+            <a:ext cx="3" cy="456028"/>
+          </a:xfrm>
+          <a:prstGeom prst="straightConnector1">
+            <a:avLst/>
+          </a:prstGeom>
+          <a:ln w="57150">
+            <a:solidFill>
+              <a:schemeClr val="tx1"/>
+            </a:solidFill>
+            <a:tailEnd type="triangle"/>
+          </a:ln>
+        </p:spPr>
+        <p:style>
+          <a:lnRef idx="1">
+            <a:schemeClr val="accent1"/>
+          </a:lnRef>
+          <a:fillRef idx="0">
+            <a:schemeClr val="accent1"/>
+          </a:fillRef>
+          <a:effectRef idx="0">
+            <a:schemeClr val="accent1"/>
+          </a:effectRef>
+          <a:fontRef idx="minor">
+            <a:schemeClr val="tx1"/>
+          </a:fontRef>
+        </p:style>
+      </p:cxnSp>
+      <p:cxnSp>
+        <p:nvCxnSpPr>
+          <p:cNvPr id="51" name="Gerade Verbindung mit Pfeil 50">
+            <a:extLst>
+              <a:ext uri="{FF2B5EF4-FFF2-40B4-BE49-F238E27FC236}">
+                <a16:creationId xmlns:a16="http://schemas.microsoft.com/office/drawing/2014/main" id="{2D4080D6-E53E-4979-B8E0-BBDE91EBDCD6}"/>
+              </a:ext>
+            </a:extLst>
+          </p:cNvPr>
+          <p:cNvCxnSpPr>
+            <a:cxnSpLocks/>
+            <a:endCxn id="16" idx="0"/>
+          </p:cNvCxnSpPr>
+          <p:nvPr/>
+        </p:nvCxnSpPr>
+        <p:spPr>
+          <a:xfrm>
+            <a:off x="9624844" y="19148526"/>
+            <a:ext cx="0" cy="923066"/>
+          </a:xfrm>
+          <a:prstGeom prst="straightConnector1">
+            <a:avLst/>
+          </a:prstGeom>
+          <a:ln w="57150">
+            <a:solidFill>
+              <a:schemeClr val="tx1"/>
+            </a:solidFill>
+            <a:tailEnd type="triangle"/>
+          </a:ln>
+        </p:spPr>
+        <p:style>
+          <a:lnRef idx="1">
+            <a:schemeClr val="accent1"/>
+          </a:lnRef>
+          <a:fillRef idx="0">
+            <a:schemeClr val="accent1"/>
+          </a:fillRef>
+          <a:effectRef idx="0">
+            <a:schemeClr val="accent1"/>
+          </a:effectRef>
+          <a:fontRef idx="minor">
+            <a:schemeClr val="tx1"/>
+          </a:fontRef>
+        </p:style>
+      </p:cxnSp>
+      <p:sp>
+        <p:nvSpPr>
+          <p:cNvPr id="44" name="Rechteck 43">
+            <a:extLst>
+              <a:ext uri="{FF2B5EF4-FFF2-40B4-BE49-F238E27FC236}">
+                <a16:creationId xmlns:a16="http://schemas.microsoft.com/office/drawing/2014/main" id="{07C8F606-3C61-445C-91EF-A53CE8FB867A}"/>
+              </a:ext>
+            </a:extLst>
+          </p:cNvPr>
+          <p:cNvSpPr/>
+          <p:nvPr/>
+        </p:nvSpPr>
+        <p:spPr>
+          <a:xfrm>
+            <a:off x="4848901" y="3538112"/>
+            <a:ext cx="9501077" cy="773893"/>
+          </a:xfrm>
+          <a:prstGeom prst="rect">
+            <a:avLst/>
+          </a:prstGeom>
+          <a:noFill/>
+          <a:ln>
+            <a:solidFill>
+              <a:schemeClr val="tx1"/>
+            </a:solidFill>
+          </a:ln>
+        </p:spPr>
+        <p:style>
+          <a:lnRef idx="2">
+            <a:schemeClr val="accent1">
+              <a:shade val="50000"/>
+            </a:schemeClr>
+          </a:lnRef>
+          <a:fillRef idx="1">
+            <a:schemeClr val="accent1"/>
+          </a:fillRef>
+          <a:effectRef idx="0">
+            <a:schemeClr val="accent1"/>
+          </a:effectRef>
+          <a:fontRef idx="minor">
+            <a:schemeClr val="lt1"/>
+          </a:fontRef>
+        </p:style>
+        <p:txBody>
+          <a:bodyPr rtlCol="0" anchor="ctr"/>
+          <a:lstStyle/>
+          <a:p>
+            <a:pPr algn="ctr"/>
+            <a:r>
+              <a:rPr lang="en-US" sz="5400" dirty="0">
+                <a:solidFill>
+                  <a:schemeClr val="tx1"/>
+                </a:solidFill>
+              </a:rPr>
+              <a:t>Transformer Encoder Layer</a:t>
+            </a:r>
+          </a:p>
+        </p:txBody>
+      </p:sp>
+      <p:sp>
+        <p:nvSpPr>
+          <p:cNvPr id="46" name="Rechteck 45">
+            <a:extLst>
+              <a:ext uri="{FF2B5EF4-FFF2-40B4-BE49-F238E27FC236}">
+                <a16:creationId xmlns:a16="http://schemas.microsoft.com/office/drawing/2014/main" id="{503D268E-4602-4506-8D4F-C7E318AB2DAB}"/>
+              </a:ext>
+            </a:extLst>
+          </p:cNvPr>
+          <p:cNvSpPr/>
+          <p:nvPr/>
+        </p:nvSpPr>
+        <p:spPr>
+          <a:xfrm>
+            <a:off x="4848898" y="8586458"/>
+            <a:ext cx="9501077" cy="773893"/>
+          </a:xfrm>
+          <a:prstGeom prst="rect">
+            <a:avLst/>
+          </a:prstGeom>
+          <a:noFill/>
+          <a:ln>
+            <a:solidFill>
+              <a:schemeClr val="tx1"/>
+            </a:solidFill>
+          </a:ln>
+        </p:spPr>
+        <p:style>
+          <a:lnRef idx="2">
+            <a:schemeClr val="accent1">
+              <a:shade val="50000"/>
+            </a:schemeClr>
+          </a:lnRef>
+          <a:fillRef idx="1">
+            <a:schemeClr val="accent1"/>
+          </a:fillRef>
+          <a:effectRef idx="0">
+            <a:schemeClr val="accent1"/>
+          </a:effectRef>
+          <a:fontRef idx="minor">
+            <a:schemeClr val="lt1"/>
+          </a:fontRef>
+        </p:style>
+        <p:txBody>
+          <a:bodyPr rtlCol="0" anchor="ctr"/>
+          <a:lstStyle/>
+          <a:p>
+            <a:pPr algn="ctr"/>
+            <a:r>
+              <a:rPr lang="en-US" sz="5400" dirty="0">
+                <a:solidFill>
+                  <a:schemeClr val="tx1"/>
+                </a:solidFill>
+              </a:rPr>
+              <a:t>Dropout Layer</a:t>
+            </a:r>
+          </a:p>
+        </p:txBody>
+      </p:sp>
+      <p:cxnSp>
+        <p:nvCxnSpPr>
+          <p:cNvPr id="50" name="Gerade Verbindung mit Pfeil 49">
+            <a:extLst>
+              <a:ext uri="{FF2B5EF4-FFF2-40B4-BE49-F238E27FC236}">
+                <a16:creationId xmlns:a16="http://schemas.microsoft.com/office/drawing/2014/main" id="{7E5935AA-3A35-4C6D-AD53-2B2ED08F5F6F}"/>
+              </a:ext>
+            </a:extLst>
+          </p:cNvPr>
+          <p:cNvCxnSpPr>
+            <a:cxnSpLocks/>
+            <a:stCxn id="46" idx="2"/>
+            <a:endCxn id="8" idx="0"/>
+          </p:cNvCxnSpPr>
+          <p:nvPr/>
+        </p:nvCxnSpPr>
+        <p:spPr>
+          <a:xfrm flipH="1">
+            <a:off x="9599436" y="9360351"/>
+            <a:ext cx="1" cy="447814"/>
+          </a:xfrm>
+          <a:prstGeom prst="straightConnector1">
+            <a:avLst/>
+          </a:prstGeom>
+          <a:ln w="57150">
+            <a:solidFill>
+              <a:schemeClr val="tx1"/>
+            </a:solidFill>
+            <a:tailEnd type="triangle"/>
+          </a:ln>
+        </p:spPr>
+        <p:style>
+          <a:lnRef idx="1">
+            <a:schemeClr val="accent1"/>
+          </a:lnRef>
+          <a:fillRef idx="0">
+            <a:schemeClr val="accent1"/>
+          </a:fillRef>
+          <a:effectRef idx="0">
+            <a:schemeClr val="accent1"/>
+          </a:effectRef>
+          <a:fontRef idx="minor">
+            <a:schemeClr val="tx1"/>
+          </a:fontRef>
+        </p:style>
+      </p:cxnSp>
+      <p:cxnSp>
+        <p:nvCxnSpPr>
+          <p:cNvPr id="54" name="Gerade Verbindung mit Pfeil 53">
+            <a:extLst>
+              <a:ext uri="{FF2B5EF4-FFF2-40B4-BE49-F238E27FC236}">
+                <a16:creationId xmlns:a16="http://schemas.microsoft.com/office/drawing/2014/main" id="{3E1026C0-5AE6-4EA6-82A9-B84455D67E67}"/>
+              </a:ext>
+            </a:extLst>
+          </p:cNvPr>
+          <p:cNvCxnSpPr>
+            <a:cxnSpLocks/>
+            <a:stCxn id="8" idx="2"/>
+            <a:endCxn id="53" idx="0"/>
+          </p:cNvCxnSpPr>
+          <p:nvPr/>
+        </p:nvCxnSpPr>
+        <p:spPr>
+          <a:xfrm flipH="1">
+            <a:off x="9599435" y="10582058"/>
+            <a:ext cx="1" cy="447814"/>
+          </a:xfrm>
+          <a:prstGeom prst="straightConnector1">
+            <a:avLst/>
+          </a:prstGeom>
+          <a:ln w="57150">
+            <a:solidFill>
+              <a:schemeClr val="tx1"/>
+            </a:solidFill>
+            <a:tailEnd type="triangle"/>
+          </a:ln>
+        </p:spPr>
+        <p:style>
+          <a:lnRef idx="1">
+            <a:schemeClr val="accent1"/>
+          </a:lnRef>
+          <a:fillRef idx="0">
+            <a:schemeClr val="accent1"/>
+          </a:fillRef>
+          <a:effectRef idx="0">
+            <a:schemeClr val="accent1"/>
+          </a:effectRef>
+          <a:fontRef idx="minor">
+            <a:schemeClr val="tx1"/>
+          </a:fontRef>
+        </p:style>
+      </p:cxnSp>
+      <p:sp>
+        <p:nvSpPr>
+          <p:cNvPr id="61" name="Rechteck 60">
+            <a:extLst>
+              <a:ext uri="{FF2B5EF4-FFF2-40B4-BE49-F238E27FC236}">
+                <a16:creationId xmlns:a16="http://schemas.microsoft.com/office/drawing/2014/main" id="{709F2D4D-3F71-4955-8F78-873149B66B48}"/>
+              </a:ext>
+            </a:extLst>
+          </p:cNvPr>
+          <p:cNvSpPr/>
+          <p:nvPr/>
+        </p:nvSpPr>
+        <p:spPr>
+          <a:xfrm>
+            <a:off x="4848895" y="12430659"/>
+            <a:ext cx="9501077" cy="1503276"/>
+          </a:xfrm>
+          <a:prstGeom prst="rect">
+            <a:avLst/>
+          </a:prstGeom>
+          <a:noFill/>
+          <a:ln>
+            <a:solidFill>
+              <a:schemeClr val="tx1"/>
+            </a:solidFill>
+          </a:ln>
+        </p:spPr>
+        <p:style>
+          <a:lnRef idx="2">
+            <a:schemeClr val="accent1">
+              <a:shade val="50000"/>
+            </a:schemeClr>
+          </a:lnRef>
+          <a:fillRef idx="1">
+            <a:schemeClr val="accent1"/>
+          </a:fillRef>
+          <a:effectRef idx="0">
+            <a:schemeClr val="accent1"/>
+          </a:effectRef>
+          <a:fontRef idx="minor">
+            <a:schemeClr val="lt1"/>
+          </a:fontRef>
+        </p:style>
+        <p:txBody>
+          <a:bodyPr rtlCol="0" anchor="ctr"/>
+          <a:lstStyle/>
+          <a:p>
+            <a:pPr algn="ctr"/>
+            <a:r>
+              <a:rPr lang="en-US" sz="5400" dirty="0">
+                <a:solidFill>
+                  <a:schemeClr val="tx1"/>
+                </a:solidFill>
+              </a:rPr>
+              <a:t>Global Average Pooling</a:t>
+            </a:r>
+          </a:p>
+        </p:txBody>
+      </p:sp>
+      <p:cxnSp>
+        <p:nvCxnSpPr>
+          <p:cNvPr id="66" name="Gerade Verbindung mit Pfeil 65">
+            <a:extLst>
+              <a:ext uri="{FF2B5EF4-FFF2-40B4-BE49-F238E27FC236}">
+                <a16:creationId xmlns:a16="http://schemas.microsoft.com/office/drawing/2014/main" id="{F37C4DEC-A186-403E-A5DF-220779B77095}"/>
+              </a:ext>
+            </a:extLst>
+          </p:cNvPr>
+          <p:cNvCxnSpPr>
+            <a:cxnSpLocks/>
+            <a:stCxn id="36" idx="2"/>
+            <a:endCxn id="44" idx="0"/>
+          </p:cNvCxnSpPr>
+          <p:nvPr/>
+        </p:nvCxnSpPr>
+        <p:spPr>
+          <a:xfrm flipH="1">
+            <a:off x="9599440" y="3052440"/>
+            <a:ext cx="1" cy="485672"/>
+          </a:xfrm>
+          <a:prstGeom prst="straightConnector1">
+            <a:avLst/>
+          </a:prstGeom>
+          <a:ln w="57150">
+            <a:solidFill>
+              <a:schemeClr val="tx1"/>
+            </a:solidFill>
+            <a:tailEnd type="triangle"/>
+          </a:ln>
+        </p:spPr>
+        <p:style>
+          <a:lnRef idx="1">
+            <a:schemeClr val="accent1"/>
+          </a:lnRef>
+          <a:fillRef idx="0">
+            <a:schemeClr val="accent1"/>
+          </a:fillRef>
+          <a:effectRef idx="0">
+            <a:schemeClr val="accent1"/>
+          </a:effectRef>
+          <a:fontRef idx="minor">
+            <a:schemeClr val="tx1"/>
+          </a:fontRef>
+        </p:style>
+      </p:cxnSp>
+      <p:sp>
+        <p:nvSpPr>
+          <p:cNvPr id="73" name="Rechteck 72">
+            <a:extLst>
+              <a:ext uri="{FF2B5EF4-FFF2-40B4-BE49-F238E27FC236}">
+                <a16:creationId xmlns:a16="http://schemas.microsoft.com/office/drawing/2014/main" id="{AC4DB139-BA50-486F-850C-00F05FA08542}"/>
+              </a:ext>
+            </a:extLst>
+          </p:cNvPr>
+          <p:cNvSpPr/>
+          <p:nvPr/>
+        </p:nvSpPr>
+        <p:spPr>
+          <a:xfrm>
+            <a:off x="4848900" y="4782688"/>
+            <a:ext cx="9501077" cy="773893"/>
+          </a:xfrm>
+          <a:prstGeom prst="rect">
+            <a:avLst/>
+          </a:prstGeom>
+          <a:noFill/>
+          <a:ln>
+            <a:solidFill>
+              <a:schemeClr val="tx1"/>
+            </a:solidFill>
+          </a:ln>
+        </p:spPr>
+        <p:style>
+          <a:lnRef idx="2">
+            <a:schemeClr val="accent1">
+              <a:shade val="50000"/>
+            </a:schemeClr>
+          </a:lnRef>
+          <a:fillRef idx="1">
+            <a:schemeClr val="accent1"/>
+          </a:fillRef>
+          <a:effectRef idx="0">
+            <a:schemeClr val="accent1"/>
+          </a:effectRef>
+          <a:fontRef idx="minor">
+            <a:schemeClr val="lt1"/>
+          </a:fontRef>
+        </p:style>
+        <p:txBody>
+          <a:bodyPr rtlCol="0" anchor="ctr"/>
+          <a:lstStyle/>
+          <a:p>
+            <a:pPr algn="ctr"/>
+            <a:r>
+              <a:rPr lang="en-US" sz="5400" dirty="0">
+                <a:solidFill>
+                  <a:schemeClr val="tx1"/>
+                </a:solidFill>
+              </a:rPr>
+              <a:t>…</a:t>
+            </a:r>
+          </a:p>
+        </p:txBody>
+      </p:sp>
+      <p:sp>
+        <p:nvSpPr>
+          <p:cNvPr id="74" name="Rechteck 73">
+            <a:extLst>
+              <a:ext uri="{FF2B5EF4-FFF2-40B4-BE49-F238E27FC236}">
+                <a16:creationId xmlns:a16="http://schemas.microsoft.com/office/drawing/2014/main" id="{706499BE-7352-4F0C-BFA7-0B590254CD65}"/>
+              </a:ext>
+            </a:extLst>
+          </p:cNvPr>
+          <p:cNvSpPr/>
+          <p:nvPr/>
+        </p:nvSpPr>
+        <p:spPr>
+          <a:xfrm>
+            <a:off x="4848899" y="5961509"/>
+            <a:ext cx="9501077" cy="773893"/>
+          </a:xfrm>
+          <a:prstGeom prst="rect">
+            <a:avLst/>
+          </a:prstGeom>
+          <a:noFill/>
+          <a:ln>
+            <a:solidFill>
+              <a:schemeClr val="tx1"/>
+            </a:solidFill>
+          </a:ln>
+        </p:spPr>
+        <p:style>
+          <a:lnRef idx="2">
+            <a:schemeClr val="accent1">
+              <a:shade val="50000"/>
+            </a:schemeClr>
+          </a:lnRef>
+          <a:fillRef idx="1">
+            <a:schemeClr val="accent1"/>
+          </a:fillRef>
+          <a:effectRef idx="0">
+            <a:schemeClr val="accent1"/>
+          </a:effectRef>
+          <a:fontRef idx="minor">
+            <a:schemeClr val="lt1"/>
+          </a:fontRef>
+        </p:style>
+        <p:txBody>
+          <a:bodyPr rtlCol="0" anchor="ctr"/>
+          <a:lstStyle/>
+          <a:p>
+            <a:pPr algn="ctr"/>
+            <a:r>
+              <a:rPr lang="en-US" sz="5400" dirty="0">
+                <a:solidFill>
+                  <a:schemeClr val="tx1"/>
+                </a:solidFill>
+              </a:rPr>
+              <a:t>Transformer Encoder Layer</a:t>
+            </a:r>
+          </a:p>
+        </p:txBody>
+      </p:sp>
+      <p:cxnSp>
+        <p:nvCxnSpPr>
+          <p:cNvPr id="75" name="Gerade Verbindung mit Pfeil 74">
+            <a:extLst>
+              <a:ext uri="{FF2B5EF4-FFF2-40B4-BE49-F238E27FC236}">
+                <a16:creationId xmlns:a16="http://schemas.microsoft.com/office/drawing/2014/main" id="{6831C924-90C5-41CA-9E5C-A46EC2745162}"/>
+              </a:ext>
+            </a:extLst>
+          </p:cNvPr>
+          <p:cNvCxnSpPr>
+            <a:cxnSpLocks/>
+            <a:stCxn id="44" idx="2"/>
+            <a:endCxn id="73" idx="0"/>
+          </p:cNvCxnSpPr>
+          <p:nvPr/>
+        </p:nvCxnSpPr>
+        <p:spPr>
+          <a:xfrm flipH="1">
+            <a:off x="9599439" y="4312005"/>
+            <a:ext cx="1" cy="470683"/>
+          </a:xfrm>
+          <a:prstGeom prst="straightConnector1">
+            <a:avLst/>
+          </a:prstGeom>
+          <a:ln w="57150">
+            <a:solidFill>
+              <a:schemeClr val="tx1"/>
+            </a:solidFill>
+            <a:tailEnd type="triangle"/>
+          </a:ln>
+        </p:spPr>
+        <p:style>
+          <a:lnRef idx="1">
+            <a:schemeClr val="accent1"/>
+          </a:lnRef>
+          <a:fillRef idx="0">
+            <a:schemeClr val="accent1"/>
+          </a:fillRef>
+          <a:effectRef idx="0">
+            <a:schemeClr val="accent1"/>
+          </a:effectRef>
+          <a:fontRef idx="minor">
+            <a:schemeClr val="tx1"/>
+          </a:fontRef>
+        </p:style>
+      </p:cxnSp>
+      <p:cxnSp>
+        <p:nvCxnSpPr>
+          <p:cNvPr id="78" name="Gerade Verbindung mit Pfeil 77">
+            <a:extLst>
+              <a:ext uri="{FF2B5EF4-FFF2-40B4-BE49-F238E27FC236}">
+                <a16:creationId xmlns:a16="http://schemas.microsoft.com/office/drawing/2014/main" id="{447CDE81-2C7F-4181-94C6-5F9B9A994375}"/>
+              </a:ext>
+            </a:extLst>
+          </p:cNvPr>
+          <p:cNvCxnSpPr>
+            <a:cxnSpLocks/>
+            <a:stCxn id="73" idx="2"/>
+            <a:endCxn id="74" idx="0"/>
+          </p:cNvCxnSpPr>
+          <p:nvPr/>
+        </p:nvCxnSpPr>
+        <p:spPr>
+          <a:xfrm flipH="1">
+            <a:off x="9599438" y="5556581"/>
+            <a:ext cx="1" cy="404928"/>
+          </a:xfrm>
+          <a:prstGeom prst="straightConnector1">
+            <a:avLst/>
+          </a:prstGeom>
+          <a:ln w="57150">
+            <a:solidFill>
+              <a:schemeClr val="tx1"/>
+            </a:solidFill>
+            <a:tailEnd type="triangle"/>
+          </a:ln>
+        </p:spPr>
+        <p:style>
+          <a:lnRef idx="1">
+            <a:schemeClr val="accent1"/>
+          </a:lnRef>
+          <a:fillRef idx="0">
+            <a:schemeClr val="accent1"/>
+          </a:fillRef>
+          <a:effectRef idx="0">
+            <a:schemeClr val="accent1"/>
+          </a:effectRef>
+          <a:fontRef idx="minor">
+            <a:schemeClr val="tx1"/>
+          </a:fontRef>
+        </p:style>
+      </p:cxnSp>
+      <p:cxnSp>
+        <p:nvCxnSpPr>
+          <p:cNvPr id="81" name="Gerade Verbindung mit Pfeil 80">
+            <a:extLst>
+              <a:ext uri="{FF2B5EF4-FFF2-40B4-BE49-F238E27FC236}">
+                <a16:creationId xmlns:a16="http://schemas.microsoft.com/office/drawing/2014/main" id="{001FBC02-5BA0-4557-ABA5-53B5F47A1A40}"/>
+              </a:ext>
+            </a:extLst>
+          </p:cNvPr>
+          <p:cNvCxnSpPr>
+            <a:cxnSpLocks/>
+            <a:stCxn id="74" idx="2"/>
+            <a:endCxn id="9" idx="0"/>
+          </p:cNvCxnSpPr>
+          <p:nvPr/>
+        </p:nvCxnSpPr>
+        <p:spPr>
+          <a:xfrm>
+            <a:off x="9599438" y="6735402"/>
+            <a:ext cx="2" cy="621135"/>
+          </a:xfrm>
+          <a:prstGeom prst="straightConnector1">
+            <a:avLst/>
+          </a:prstGeom>
+          <a:ln w="57150">
+            <a:solidFill>
+              <a:schemeClr val="tx1"/>
+            </a:solidFill>
+            <a:tailEnd type="triangle"/>
+          </a:ln>
+        </p:spPr>
+        <p:style>
+          <a:lnRef idx="1">
+            <a:schemeClr val="accent1"/>
+          </a:lnRef>
+          <a:fillRef idx="0">
+            <a:schemeClr val="accent1"/>
+          </a:fillRef>
+          <a:effectRef idx="0">
+            <a:schemeClr val="accent1"/>
+          </a:effectRef>
+          <a:fontRef idx="minor">
+            <a:schemeClr val="tx1"/>
+          </a:fontRef>
+        </p:style>
+      </p:cxnSp>
+      <p:cxnSp>
+        <p:nvCxnSpPr>
+          <p:cNvPr id="91" name="Gerade Verbindung mit Pfeil 90">
+            <a:extLst>
+              <a:ext uri="{FF2B5EF4-FFF2-40B4-BE49-F238E27FC236}">
+                <a16:creationId xmlns:a16="http://schemas.microsoft.com/office/drawing/2014/main" id="{9EAD38AE-0859-4323-AE65-3B5C33B25C07}"/>
+              </a:ext>
+            </a:extLst>
+          </p:cNvPr>
+          <p:cNvCxnSpPr>
+            <a:cxnSpLocks/>
+            <a:stCxn id="53" idx="2"/>
+            <a:endCxn id="61" idx="0"/>
+          </p:cNvCxnSpPr>
+          <p:nvPr/>
+        </p:nvCxnSpPr>
+        <p:spPr>
+          <a:xfrm flipH="1">
+            <a:off x="9599434" y="11803765"/>
+            <a:ext cx="1" cy="626894"/>
+          </a:xfrm>
+          <a:prstGeom prst="straightConnector1">
+            <a:avLst/>
+          </a:prstGeom>
+          <a:ln w="57150">
+            <a:solidFill>
+              <a:schemeClr val="tx1"/>
+            </a:solidFill>
+            <a:tailEnd type="triangle"/>
+          </a:ln>
+        </p:spPr>
+        <p:style>
+          <a:lnRef idx="1">
+            <a:schemeClr val="accent1"/>
+          </a:lnRef>
+          <a:fillRef idx="0">
+            <a:schemeClr val="accent1"/>
+          </a:fillRef>
+          <a:effectRef idx="0">
+            <a:schemeClr val="accent1"/>
+          </a:effectRef>
+          <a:fontRef idx="minor">
+            <a:schemeClr val="tx1"/>
+          </a:fontRef>
+        </p:style>
+      </p:cxnSp>
+      <p:sp>
+        <p:nvSpPr>
+          <p:cNvPr id="103" name="Rechteck 102">
+            <a:extLst>
+              <a:ext uri="{FF2B5EF4-FFF2-40B4-BE49-F238E27FC236}">
+                <a16:creationId xmlns:a16="http://schemas.microsoft.com/office/drawing/2014/main" id="{497A6FD4-41F6-42B8-BC09-70D0891C3081}"/>
+              </a:ext>
+            </a:extLst>
+          </p:cNvPr>
+          <p:cNvSpPr/>
+          <p:nvPr/>
+        </p:nvSpPr>
+        <p:spPr>
+          <a:xfrm>
+            <a:off x="4848895" y="18290896"/>
+            <a:ext cx="9501077" cy="773893"/>
+          </a:xfrm>
+          <a:prstGeom prst="rect">
+            <a:avLst/>
+          </a:prstGeom>
+          <a:noFill/>
+          <a:ln>
+            <a:solidFill>
+              <a:schemeClr val="tx1"/>
+            </a:solidFill>
+          </a:ln>
+        </p:spPr>
+        <p:style>
+          <a:lnRef idx="2">
+            <a:schemeClr val="accent1">
+              <a:shade val="50000"/>
+            </a:schemeClr>
+          </a:lnRef>
+          <a:fillRef idx="1">
+            <a:schemeClr val="accent1"/>
+          </a:fillRef>
+          <a:effectRef idx="0">
+            <a:schemeClr val="accent1"/>
+          </a:effectRef>
+          <a:fontRef idx="minor">
+            <a:schemeClr val="lt1"/>
+          </a:fontRef>
+        </p:style>
+        <p:txBody>
+          <a:bodyPr rtlCol="0" anchor="ctr"/>
+          <a:lstStyle/>
+          <a:p>
+            <a:pPr algn="ctr"/>
+            <a:r>
+              <a:rPr lang="en-US" sz="5400" dirty="0">
+                <a:solidFill>
+                  <a:schemeClr val="tx1"/>
+                </a:solidFill>
+              </a:rPr>
+              <a:t>Dense Layer</a:t>
+            </a:r>
+          </a:p>
+        </p:txBody>
+      </p:sp>
+      <p:sp>
+        <p:nvSpPr>
+          <p:cNvPr id="104" name="Rechteck 103">
+            <a:extLst>
+              <a:ext uri="{FF2B5EF4-FFF2-40B4-BE49-F238E27FC236}">
+                <a16:creationId xmlns:a16="http://schemas.microsoft.com/office/drawing/2014/main" id="{07CC6C73-CEC8-4C13-A2CC-87162E46DB42}"/>
+              </a:ext>
+            </a:extLst>
+          </p:cNvPr>
+          <p:cNvSpPr/>
+          <p:nvPr/>
+        </p:nvSpPr>
+        <p:spPr>
+          <a:xfrm>
+            <a:off x="4848896" y="17069189"/>
+            <a:ext cx="9501077" cy="773893"/>
+          </a:xfrm>
+          <a:prstGeom prst="rect">
+            <a:avLst/>
+          </a:prstGeom>
+          <a:noFill/>
+          <a:ln>
+            <a:solidFill>
+              <a:schemeClr val="tx1"/>
+            </a:solidFill>
+          </a:ln>
+        </p:spPr>
+        <p:style>
+          <a:lnRef idx="2">
+            <a:schemeClr val="accent1">
+              <a:shade val="50000"/>
+            </a:schemeClr>
+          </a:lnRef>
+          <a:fillRef idx="1">
+            <a:schemeClr val="accent1"/>
+          </a:fillRef>
+          <a:effectRef idx="0">
+            <a:schemeClr val="accent1"/>
+          </a:effectRef>
+          <a:fontRef idx="minor">
+            <a:schemeClr val="lt1"/>
+          </a:fontRef>
+        </p:style>
+        <p:txBody>
+          <a:bodyPr rtlCol="0" anchor="ctr"/>
+          <a:lstStyle/>
+          <a:p>
+            <a:pPr algn="ctr"/>
+            <a:r>
+              <a:rPr lang="en-US" sz="5400" dirty="0">
+                <a:solidFill>
+                  <a:schemeClr val="tx1"/>
+                </a:solidFill>
+              </a:rPr>
+              <a:t>…</a:t>
+            </a:r>
+          </a:p>
+        </p:txBody>
+      </p:sp>
+      <p:sp>
+        <p:nvSpPr>
+          <p:cNvPr id="105" name="Rechteck 104">
+            <a:extLst>
+              <a:ext uri="{FF2B5EF4-FFF2-40B4-BE49-F238E27FC236}">
+                <a16:creationId xmlns:a16="http://schemas.microsoft.com/office/drawing/2014/main" id="{592E69D8-9B96-4F30-B7DB-89E67259F1C1}"/>
+              </a:ext>
+            </a:extLst>
+          </p:cNvPr>
+          <p:cNvSpPr/>
+          <p:nvPr/>
+        </p:nvSpPr>
+        <p:spPr>
+          <a:xfrm>
+            <a:off x="4848900" y="14617561"/>
+            <a:ext cx="9501077" cy="773893"/>
+          </a:xfrm>
+          <a:prstGeom prst="rect">
+            <a:avLst/>
+          </a:prstGeom>
+          <a:noFill/>
+          <a:ln>
+            <a:solidFill>
+              <a:schemeClr val="tx1"/>
+            </a:solidFill>
+          </a:ln>
+        </p:spPr>
+        <p:style>
+          <a:lnRef idx="2">
+            <a:schemeClr val="accent1">
+              <a:shade val="50000"/>
+            </a:schemeClr>
+          </a:lnRef>
+          <a:fillRef idx="1">
+            <a:schemeClr val="accent1"/>
+          </a:fillRef>
+          <a:effectRef idx="0">
+            <a:schemeClr val="accent1"/>
+          </a:effectRef>
+          <a:fontRef idx="minor">
+            <a:schemeClr val="lt1"/>
+          </a:fontRef>
+        </p:style>
+        <p:txBody>
+          <a:bodyPr rtlCol="0" anchor="ctr"/>
+          <a:lstStyle/>
+          <a:p>
+            <a:pPr algn="ctr"/>
+            <a:r>
+              <a:rPr lang="en-US" sz="5400" dirty="0">
+                <a:solidFill>
+                  <a:schemeClr val="tx1"/>
+                </a:solidFill>
+              </a:rPr>
+              <a:t>Dense Layer</a:t>
+            </a:r>
+          </a:p>
+        </p:txBody>
+      </p:sp>
+      <p:cxnSp>
+        <p:nvCxnSpPr>
+          <p:cNvPr id="106" name="Gerade Verbindung mit Pfeil 105">
+            <a:extLst>
+              <a:ext uri="{FF2B5EF4-FFF2-40B4-BE49-F238E27FC236}">
+                <a16:creationId xmlns:a16="http://schemas.microsoft.com/office/drawing/2014/main" id="{580441F2-3957-4E00-AA7C-E1E9D63C16C3}"/>
+              </a:ext>
+            </a:extLst>
+          </p:cNvPr>
+          <p:cNvCxnSpPr>
+            <a:cxnSpLocks/>
+            <a:stCxn id="105" idx="2"/>
+            <a:endCxn id="107" idx="0"/>
+          </p:cNvCxnSpPr>
+          <p:nvPr/>
+        </p:nvCxnSpPr>
+        <p:spPr>
+          <a:xfrm flipH="1">
+            <a:off x="9599436" y="15391454"/>
+            <a:ext cx="3" cy="456028"/>
+          </a:xfrm>
+          <a:prstGeom prst="straightConnector1">
+            <a:avLst/>
+          </a:prstGeom>
+          <a:ln w="57150">
+            <a:solidFill>
+              <a:schemeClr val="tx1"/>
+            </a:solidFill>
+            <a:tailEnd type="triangle"/>
+          </a:ln>
+        </p:spPr>
+        <p:style>
+          <a:lnRef idx="1">
+            <a:schemeClr val="accent1"/>
+          </a:lnRef>
+          <a:fillRef idx="0">
+            <a:schemeClr val="accent1"/>
+          </a:fillRef>
+          <a:effectRef idx="0">
+            <a:schemeClr val="accent1"/>
+          </a:effectRef>
+          <a:fontRef idx="minor">
+            <a:schemeClr val="tx1"/>
+          </a:fontRef>
+        </p:style>
+      </p:cxnSp>
+      <p:sp>
+        <p:nvSpPr>
+          <p:cNvPr id="107" name="Rechteck 106">
+            <a:extLst>
+              <a:ext uri="{FF2B5EF4-FFF2-40B4-BE49-F238E27FC236}">
+                <a16:creationId xmlns:a16="http://schemas.microsoft.com/office/drawing/2014/main" id="{E2AA8946-AAE0-4BD2-94F3-267A5FFDFD94}"/>
+              </a:ext>
+            </a:extLst>
+          </p:cNvPr>
+          <p:cNvSpPr/>
+          <p:nvPr/>
+        </p:nvSpPr>
+        <p:spPr>
+          <a:xfrm>
+            <a:off x="4848897" y="15847482"/>
+            <a:ext cx="9501077" cy="773893"/>
+          </a:xfrm>
+          <a:prstGeom prst="rect">
+            <a:avLst/>
+          </a:prstGeom>
+          <a:noFill/>
+          <a:ln>
+            <a:solidFill>
+              <a:schemeClr val="tx1"/>
+            </a:solidFill>
+          </a:ln>
+        </p:spPr>
+        <p:style>
+          <a:lnRef idx="2">
+            <a:schemeClr val="accent1">
+              <a:shade val="50000"/>
+            </a:schemeClr>
+          </a:lnRef>
+          <a:fillRef idx="1">
+            <a:schemeClr val="accent1"/>
+          </a:fillRef>
+          <a:effectRef idx="0">
+            <a:schemeClr val="accent1"/>
+          </a:effectRef>
+          <a:fontRef idx="minor">
+            <a:schemeClr val="lt1"/>
+          </a:fontRef>
+        </p:style>
+        <p:txBody>
+          <a:bodyPr rtlCol="0" anchor="ctr"/>
+          <a:lstStyle/>
+          <a:p>
+            <a:pPr algn="ctr"/>
+            <a:r>
+              <a:rPr lang="en-US" sz="5400" dirty="0">
+                <a:solidFill>
+                  <a:schemeClr val="tx1"/>
+                </a:solidFill>
+              </a:rPr>
+              <a:t>Dropout Layer</a:t>
+            </a:r>
+          </a:p>
+        </p:txBody>
+      </p:sp>
+      <p:cxnSp>
+        <p:nvCxnSpPr>
+          <p:cNvPr id="108" name="Gerade Verbindung mit Pfeil 107">
+            <a:extLst>
+              <a:ext uri="{FF2B5EF4-FFF2-40B4-BE49-F238E27FC236}">
+                <a16:creationId xmlns:a16="http://schemas.microsoft.com/office/drawing/2014/main" id="{C43866A5-D822-4FDD-82A1-644BDA47BCE8}"/>
+              </a:ext>
+            </a:extLst>
+          </p:cNvPr>
+          <p:cNvCxnSpPr>
+            <a:cxnSpLocks/>
+            <a:stCxn id="107" idx="2"/>
+            <a:endCxn id="104" idx="0"/>
+          </p:cNvCxnSpPr>
+          <p:nvPr/>
+        </p:nvCxnSpPr>
+        <p:spPr>
+          <a:xfrm flipH="1">
+            <a:off x="9599435" y="16621375"/>
+            <a:ext cx="1" cy="447814"/>
+          </a:xfrm>
+          <a:prstGeom prst="straightConnector1">
+            <a:avLst/>
+          </a:prstGeom>
+          <a:ln w="57150">
+            <a:solidFill>
+              <a:schemeClr val="tx1"/>
+            </a:solidFill>
+            <a:tailEnd type="triangle"/>
+          </a:ln>
+        </p:spPr>
+        <p:style>
+          <a:lnRef idx="1">
+            <a:schemeClr val="accent1"/>
+          </a:lnRef>
+          <a:fillRef idx="0">
+            <a:schemeClr val="accent1"/>
+          </a:fillRef>
+          <a:effectRef idx="0">
+            <a:schemeClr val="accent1"/>
+          </a:effectRef>
+          <a:fontRef idx="minor">
+            <a:schemeClr val="tx1"/>
+          </a:fontRef>
+        </p:style>
+      </p:cxnSp>
+      <p:cxnSp>
+        <p:nvCxnSpPr>
+          <p:cNvPr id="109" name="Gerade Verbindung mit Pfeil 108">
+            <a:extLst>
+              <a:ext uri="{FF2B5EF4-FFF2-40B4-BE49-F238E27FC236}">
+                <a16:creationId xmlns:a16="http://schemas.microsoft.com/office/drawing/2014/main" id="{6D804EAD-1199-4D74-92DB-B627667B2321}"/>
+              </a:ext>
+            </a:extLst>
+          </p:cNvPr>
+          <p:cNvCxnSpPr>
+            <a:cxnSpLocks/>
+            <a:stCxn id="104" idx="2"/>
+            <a:endCxn id="103" idx="0"/>
+          </p:cNvCxnSpPr>
+          <p:nvPr/>
+        </p:nvCxnSpPr>
+        <p:spPr>
+          <a:xfrm flipH="1">
+            <a:off x="9599434" y="17843082"/>
+            <a:ext cx="1" cy="447814"/>
+          </a:xfrm>
+          <a:prstGeom prst="straightConnector1">
+            <a:avLst/>
+          </a:prstGeom>
+          <a:ln w="57150">
+            <a:solidFill>
+              <a:schemeClr val="tx1"/>
+            </a:solidFill>
+            <a:tailEnd type="triangle"/>
+          </a:ln>
+        </p:spPr>
+        <p:style>
+          <a:lnRef idx="1">
+            <a:schemeClr val="accent1"/>
+          </a:lnRef>
+          <a:fillRef idx="0">
+            <a:schemeClr val="accent1"/>
+          </a:fillRef>
+          <a:effectRef idx="0">
+            <a:schemeClr val="accent1"/>
+          </a:effectRef>
+          <a:fontRef idx="minor">
+            <a:schemeClr val="tx1"/>
+          </a:fontRef>
+        </p:style>
+      </p:cxnSp>
+      <p:cxnSp>
+        <p:nvCxnSpPr>
+          <p:cNvPr id="112" name="Gerade Verbindung mit Pfeil 111">
+            <a:extLst>
+              <a:ext uri="{FF2B5EF4-FFF2-40B4-BE49-F238E27FC236}">
+                <a16:creationId xmlns:a16="http://schemas.microsoft.com/office/drawing/2014/main" id="{1DAC8F93-2877-4192-B674-553DACA4CFFD}"/>
+              </a:ext>
+            </a:extLst>
+          </p:cNvPr>
+          <p:cNvCxnSpPr>
+            <a:cxnSpLocks/>
+            <a:stCxn id="61" idx="2"/>
+          </p:cNvCxnSpPr>
+          <p:nvPr/>
+        </p:nvCxnSpPr>
+        <p:spPr>
+          <a:xfrm>
+            <a:off x="9599434" y="13933935"/>
+            <a:ext cx="0" cy="734268"/>
+          </a:xfrm>
+          <a:prstGeom prst="straightConnector1">
+            <a:avLst/>
+          </a:prstGeom>
+          <a:ln w="57150">
+            <a:solidFill>
+              <a:schemeClr val="tx1"/>
+            </a:solidFill>
+            <a:tailEnd type="triangle"/>
+          </a:ln>
+        </p:spPr>
+        <p:style>
+          <a:lnRef idx="1">
+            <a:schemeClr val="accent1"/>
+          </a:lnRef>
+          <a:fillRef idx="0">
+            <a:schemeClr val="accent1"/>
+          </a:fillRef>
+          <a:effectRef idx="0">
+            <a:schemeClr val="accent1"/>
+          </a:effectRef>
+          <a:fontRef idx="minor">
+            <a:schemeClr val="tx1"/>
+          </a:fontRef>
+        </p:style>
+      </p:cxnSp>
+      <p:cxnSp>
+        <p:nvCxnSpPr>
+          <p:cNvPr id="115" name="Gerade Verbindung mit Pfeil 114">
+            <a:extLst>
+              <a:ext uri="{FF2B5EF4-FFF2-40B4-BE49-F238E27FC236}">
+                <a16:creationId xmlns:a16="http://schemas.microsoft.com/office/drawing/2014/main" id="{B8683620-8536-4F95-979A-C34E20F381F5}"/>
+              </a:ext>
+            </a:extLst>
+          </p:cNvPr>
+          <p:cNvCxnSpPr>
+            <a:cxnSpLocks/>
+          </p:cNvCxnSpPr>
+          <p:nvPr/>
+        </p:nvCxnSpPr>
+        <p:spPr>
+          <a:xfrm>
+            <a:off x="9599433" y="1382919"/>
+            <a:ext cx="0" cy="814957"/>
+          </a:xfrm>
+          <a:prstGeom prst="straightConnector1">
+            <a:avLst/>
+          </a:prstGeom>
+          <a:ln w="57150">
+            <a:solidFill>
+              <a:schemeClr val="tx1"/>
+            </a:solidFill>
+            <a:tailEnd type="triangle"/>
+          </a:ln>
+        </p:spPr>
+        <p:style>
+          <a:lnRef idx="1">
+            <a:schemeClr val="accent1"/>
+          </a:lnRef>
+          <a:fillRef idx="0">
+            <a:schemeClr val="accent1"/>
+          </a:fillRef>
+          <a:effectRef idx="0">
+            <a:schemeClr val="accent1"/>
+          </a:effectRef>
+          <a:fontRef idx="minor">
+            <a:schemeClr val="tx1"/>
+          </a:fontRef>
+        </p:style>
+      </p:cxnSp>
+      <p:sp>
+        <p:nvSpPr>
+          <p:cNvPr id="120" name="Textfeld 119">
+            <a:extLst>
+              <a:ext uri="{FF2B5EF4-FFF2-40B4-BE49-F238E27FC236}">
+                <a16:creationId xmlns:a16="http://schemas.microsoft.com/office/drawing/2014/main" id="{483E1E2F-4EA1-4B27-A177-9810B35996FE}"/>
+              </a:ext>
+            </a:extLst>
+          </p:cNvPr>
+          <p:cNvSpPr txBox="1"/>
+          <p:nvPr/>
+        </p:nvSpPr>
+        <p:spPr>
+          <a:xfrm>
+            <a:off x="16014716" y="12795351"/>
+            <a:ext cx="10782300" cy="769441"/>
+          </a:xfrm>
+          <a:prstGeom prst="rect">
+            <a:avLst/>
+          </a:prstGeom>
+          <a:noFill/>
+        </p:spPr>
+        <p:txBody>
+          <a:bodyPr wrap="square" rtlCol="0">
+            <a:spAutoFit/>
+          </a:bodyPr>
+          <a:lstStyle/>
+          <a:p>
+            <a:r>
+              <a:rPr lang="en-US" sz="4400" b="1" dirty="0"/>
+              <a:t>automatic</a:t>
+            </a:r>
+          </a:p>
+        </p:txBody>
+      </p:sp>
+      <p:sp>
+        <p:nvSpPr>
+          <p:cNvPr id="121" name="Textfeld 120">
+            <a:extLst>
+              <a:ext uri="{FF2B5EF4-FFF2-40B4-BE49-F238E27FC236}">
+                <a16:creationId xmlns:a16="http://schemas.microsoft.com/office/drawing/2014/main" id="{22193605-02DE-43FF-9B53-6D79356E4A51}"/>
+              </a:ext>
+            </a:extLst>
+          </p:cNvPr>
+          <p:cNvSpPr txBox="1"/>
+          <p:nvPr/>
+        </p:nvSpPr>
+        <p:spPr>
+          <a:xfrm>
+            <a:off x="16217900" y="2278547"/>
+            <a:ext cx="10782300" cy="769441"/>
+          </a:xfrm>
+          <a:prstGeom prst="rect">
+            <a:avLst/>
+          </a:prstGeom>
+          <a:noFill/>
+        </p:spPr>
+        <p:txBody>
+          <a:bodyPr wrap="square" rtlCol="0">
+            <a:spAutoFit/>
+          </a:bodyPr>
+          <a:lstStyle/>
+          <a:p>
+            <a:r>
+              <a:rPr lang="en-US" sz="4400" b="1" i="1" dirty="0"/>
+              <a:t>Parameter </a:t>
+            </a:r>
+            <a:r>
+              <a:rPr lang="en-US" sz="4400" b="1" dirty="0" err="1"/>
+              <a:t>add_pos_embedding</a:t>
+            </a:r>
+            <a:endParaRPr lang="en-US" sz="4400" b="1" dirty="0"/>
+          </a:p>
+        </p:txBody>
+      </p:sp>
+      <p:sp>
+        <p:nvSpPr>
+          <p:cNvPr id="122" name="Rechteck 121">
+            <a:extLst>
+              <a:ext uri="{FF2B5EF4-FFF2-40B4-BE49-F238E27FC236}">
+                <a16:creationId xmlns:a16="http://schemas.microsoft.com/office/drawing/2014/main" id="{43744E7E-C1FB-4E11-BC28-0A5AE7CA6E46}"/>
+              </a:ext>
+            </a:extLst>
+          </p:cNvPr>
+          <p:cNvSpPr/>
+          <p:nvPr/>
+        </p:nvSpPr>
+        <p:spPr>
+          <a:xfrm>
+            <a:off x="98364" y="2278547"/>
+            <a:ext cx="4414634" cy="769441"/>
+          </a:xfrm>
+          <a:prstGeom prst="rect">
+            <a:avLst/>
+          </a:prstGeom>
+          <a:solidFill>
+            <a:schemeClr val="bg1">
+              <a:lumMod val="75000"/>
+            </a:schemeClr>
+          </a:solidFill>
+          <a:ln>
+            <a:solidFill>
+              <a:schemeClr val="tx1"/>
+            </a:solidFill>
+          </a:ln>
+        </p:spPr>
+        <p:style>
+          <a:lnRef idx="2">
+            <a:schemeClr val="accent1">
+              <a:shade val="50000"/>
+            </a:schemeClr>
+          </a:lnRef>
+          <a:fillRef idx="1">
+            <a:schemeClr val="accent1"/>
+          </a:fillRef>
+          <a:effectRef idx="0">
+            <a:schemeClr val="accent1"/>
+          </a:effectRef>
+          <a:fontRef idx="minor">
+            <a:schemeClr val="lt1"/>
+          </a:fontRef>
+        </p:style>
+        <p:txBody>
+          <a:bodyPr rtlCol="0" anchor="ctr"/>
+          <a:lstStyle/>
+          <a:p>
+            <a:pPr algn="ctr"/>
+            <a:r>
+              <a:rPr lang="en-US" sz="4400">
+                <a:solidFill>
+                  <a:schemeClr val="tx1"/>
+                </a:solidFill>
+              </a:rPr>
+              <a:t>Order Awareness</a:t>
+            </a:r>
+          </a:p>
+        </p:txBody>
+      </p:sp>
+      <p:sp>
+        <p:nvSpPr>
+          <p:cNvPr id="123" name="Rechteck 122">
+            <a:extLst>
+              <a:ext uri="{FF2B5EF4-FFF2-40B4-BE49-F238E27FC236}">
+                <a16:creationId xmlns:a16="http://schemas.microsoft.com/office/drawing/2014/main" id="{245A7E63-710E-4671-8C63-902649F98383}"/>
+              </a:ext>
+            </a:extLst>
+          </p:cNvPr>
+          <p:cNvSpPr/>
+          <p:nvPr/>
+        </p:nvSpPr>
+        <p:spPr>
+          <a:xfrm>
+            <a:off x="98364" y="3542564"/>
+            <a:ext cx="4414634" cy="3192838"/>
+          </a:xfrm>
+          <a:prstGeom prst="rect">
+            <a:avLst/>
+          </a:prstGeom>
+          <a:solidFill>
+            <a:schemeClr val="bg1">
+              <a:lumMod val="75000"/>
+            </a:schemeClr>
+          </a:solidFill>
+          <a:ln>
+            <a:solidFill>
+              <a:schemeClr val="tx1"/>
+            </a:solidFill>
+          </a:ln>
+        </p:spPr>
+        <p:style>
+          <a:lnRef idx="2">
+            <a:schemeClr val="accent1">
+              <a:shade val="50000"/>
+            </a:schemeClr>
+          </a:lnRef>
+          <a:fillRef idx="1">
+            <a:schemeClr val="accent1"/>
+          </a:fillRef>
+          <a:effectRef idx="0">
+            <a:schemeClr val="accent1"/>
+          </a:effectRef>
+          <a:fontRef idx="minor">
+            <a:schemeClr val="lt1"/>
+          </a:fontRef>
+        </p:style>
+        <p:txBody>
+          <a:bodyPr rtlCol="0" anchor="ctr"/>
+          <a:lstStyle/>
+          <a:p>
+            <a:pPr algn="ctr"/>
+            <a:r>
+              <a:rPr lang="en-US" sz="4400">
+                <a:solidFill>
+                  <a:schemeClr val="tx1"/>
+                </a:solidFill>
+              </a:rPr>
+              <a:t>Context Awareness</a:t>
+            </a:r>
+          </a:p>
+        </p:txBody>
+      </p:sp>
+      <p:sp>
+        <p:nvSpPr>
+          <p:cNvPr id="124" name="Rechteck 123">
+            <a:extLst>
+              <a:ext uri="{FF2B5EF4-FFF2-40B4-BE49-F238E27FC236}">
+                <a16:creationId xmlns:a16="http://schemas.microsoft.com/office/drawing/2014/main" id="{3CFD7B05-A0AB-4EF9-B9EE-224B4A47D67C}"/>
+              </a:ext>
+            </a:extLst>
+          </p:cNvPr>
+          <p:cNvSpPr/>
+          <p:nvPr/>
+        </p:nvSpPr>
+        <p:spPr>
+          <a:xfrm>
+            <a:off x="72951" y="7354311"/>
+            <a:ext cx="4414634" cy="4449453"/>
+          </a:xfrm>
+          <a:prstGeom prst="rect">
+            <a:avLst/>
+          </a:prstGeom>
+          <a:solidFill>
+            <a:schemeClr val="bg1">
+              <a:lumMod val="75000"/>
+            </a:schemeClr>
+          </a:solidFill>
+          <a:ln>
+            <a:solidFill>
+              <a:schemeClr val="tx1"/>
+            </a:solidFill>
+          </a:ln>
+        </p:spPr>
+        <p:style>
+          <a:lnRef idx="2">
+            <a:schemeClr val="accent1">
+              <a:shade val="50000"/>
+            </a:schemeClr>
+          </a:lnRef>
+          <a:fillRef idx="1">
+            <a:schemeClr val="accent1"/>
+          </a:fillRef>
+          <a:effectRef idx="0">
+            <a:schemeClr val="accent1"/>
+          </a:effectRef>
+          <a:fontRef idx="minor">
+            <a:schemeClr val="lt1"/>
+          </a:fontRef>
+        </p:style>
+        <p:txBody>
+          <a:bodyPr rtlCol="0" anchor="ctr"/>
+          <a:lstStyle/>
+          <a:p>
+            <a:pPr algn="ctr"/>
+            <a:r>
+              <a:rPr lang="en-US" sz="4400">
+                <a:solidFill>
+                  <a:schemeClr val="tx1"/>
+                </a:solidFill>
+              </a:rPr>
+              <a:t>Sequence Processing</a:t>
+            </a:r>
+          </a:p>
+        </p:txBody>
+      </p:sp>
+      <p:sp>
+        <p:nvSpPr>
+          <p:cNvPr id="125" name="Rechteck 124">
+            <a:extLst>
+              <a:ext uri="{FF2B5EF4-FFF2-40B4-BE49-F238E27FC236}">
+                <a16:creationId xmlns:a16="http://schemas.microsoft.com/office/drawing/2014/main" id="{49C4F4C2-75EB-4D25-8F83-10FA3A984D92}"/>
+              </a:ext>
+            </a:extLst>
+          </p:cNvPr>
+          <p:cNvSpPr/>
+          <p:nvPr/>
+        </p:nvSpPr>
+        <p:spPr>
+          <a:xfrm>
+            <a:off x="98364" y="12430660"/>
+            <a:ext cx="4414634" cy="1503276"/>
+          </a:xfrm>
+          <a:prstGeom prst="rect">
+            <a:avLst/>
+          </a:prstGeom>
+          <a:solidFill>
+            <a:schemeClr val="bg1">
+              <a:lumMod val="75000"/>
+            </a:schemeClr>
+          </a:solidFill>
+          <a:ln>
+            <a:solidFill>
+              <a:schemeClr val="tx1"/>
+            </a:solidFill>
+          </a:ln>
+        </p:spPr>
+        <p:style>
+          <a:lnRef idx="2">
+            <a:schemeClr val="accent1">
+              <a:shade val="50000"/>
+            </a:schemeClr>
+          </a:lnRef>
+          <a:fillRef idx="1">
+            <a:schemeClr val="accent1"/>
+          </a:fillRef>
+          <a:effectRef idx="0">
+            <a:schemeClr val="accent1"/>
+          </a:effectRef>
+          <a:fontRef idx="minor">
+            <a:schemeClr val="lt1"/>
+          </a:fontRef>
+        </p:style>
+        <p:txBody>
+          <a:bodyPr rtlCol="0" anchor="ctr"/>
+          <a:lstStyle/>
+          <a:p>
+            <a:pPr algn="ctr"/>
+            <a:r>
+              <a:rPr lang="en-US" sz="4400">
+                <a:solidFill>
+                  <a:schemeClr val="tx1"/>
+                </a:solidFill>
+              </a:rPr>
+              <a:t>Compression</a:t>
+            </a:r>
+          </a:p>
+        </p:txBody>
+      </p:sp>
+      <p:sp>
+        <p:nvSpPr>
+          <p:cNvPr id="126" name="Rechteck 125">
+            <a:extLst>
+              <a:ext uri="{FF2B5EF4-FFF2-40B4-BE49-F238E27FC236}">
+                <a16:creationId xmlns:a16="http://schemas.microsoft.com/office/drawing/2014/main" id="{F0664392-2DB0-45E0-81F4-A6FB3CB87A15}"/>
+              </a:ext>
+            </a:extLst>
+          </p:cNvPr>
+          <p:cNvSpPr/>
+          <p:nvPr/>
+        </p:nvSpPr>
+        <p:spPr>
+          <a:xfrm>
+            <a:off x="98364" y="14668203"/>
+            <a:ext cx="4414634" cy="4396586"/>
+          </a:xfrm>
+          <a:prstGeom prst="rect">
+            <a:avLst/>
+          </a:prstGeom>
+          <a:solidFill>
+            <a:schemeClr val="bg1">
+              <a:lumMod val="75000"/>
+            </a:schemeClr>
+          </a:solidFill>
+          <a:ln>
+            <a:solidFill>
+              <a:schemeClr val="tx1"/>
+            </a:solidFill>
+          </a:ln>
+        </p:spPr>
+        <p:style>
+          <a:lnRef idx="2">
+            <a:schemeClr val="accent1">
+              <a:shade val="50000"/>
+            </a:schemeClr>
+          </a:lnRef>
+          <a:fillRef idx="1">
+            <a:schemeClr val="accent1"/>
+          </a:fillRef>
+          <a:effectRef idx="0">
+            <a:schemeClr val="accent1"/>
+          </a:effectRef>
+          <a:fontRef idx="minor">
+            <a:schemeClr val="lt1"/>
+          </a:fontRef>
+        </p:style>
+        <p:txBody>
+          <a:bodyPr rtlCol="0" anchor="ctr"/>
+          <a:lstStyle/>
+          <a:p>
+            <a:pPr algn="ctr"/>
+            <a:r>
+              <a:rPr lang="en-US" sz="4400">
+                <a:solidFill>
+                  <a:schemeClr val="tx1"/>
+                </a:solidFill>
+              </a:rPr>
+              <a:t>Final Processing/</a:t>
+            </a:r>
+            <a:br>
+              <a:rPr lang="en-US" sz="4400">
+                <a:solidFill>
+                  <a:schemeClr val="tx1"/>
+                </a:solidFill>
+              </a:rPr>
+            </a:br>
+            <a:r>
+              <a:rPr lang="en-US" sz="4400">
+                <a:solidFill>
+                  <a:schemeClr val="tx1"/>
+                </a:solidFill>
+              </a:rPr>
+              <a:t>Compression</a:t>
+            </a:r>
+          </a:p>
+        </p:txBody>
+      </p:sp>
+      <p:sp>
+        <p:nvSpPr>
+          <p:cNvPr id="127" name="Rechteck 126">
+            <a:extLst>
+              <a:ext uri="{FF2B5EF4-FFF2-40B4-BE49-F238E27FC236}">
+                <a16:creationId xmlns:a16="http://schemas.microsoft.com/office/drawing/2014/main" id="{89AD531C-05CA-4457-B73C-F0F0F3F32909}"/>
+              </a:ext>
+            </a:extLst>
+          </p:cNvPr>
+          <p:cNvSpPr/>
+          <p:nvPr/>
+        </p:nvSpPr>
+        <p:spPr>
+          <a:xfrm>
+            <a:off x="98364" y="19997793"/>
+            <a:ext cx="4414634" cy="1577075"/>
+          </a:xfrm>
+          <a:prstGeom prst="rect">
+            <a:avLst/>
+          </a:prstGeom>
+          <a:solidFill>
+            <a:schemeClr val="bg1">
+              <a:lumMod val="75000"/>
+            </a:schemeClr>
+          </a:solidFill>
+          <a:ln>
+            <a:solidFill>
+              <a:schemeClr val="tx1"/>
+            </a:solidFill>
+          </a:ln>
+        </p:spPr>
+        <p:style>
+          <a:lnRef idx="2">
+            <a:schemeClr val="accent1">
+              <a:shade val="50000"/>
+            </a:schemeClr>
+          </a:lnRef>
+          <a:fillRef idx="1">
+            <a:schemeClr val="accent1"/>
+          </a:fillRef>
+          <a:effectRef idx="0">
+            <a:schemeClr val="accent1"/>
+          </a:effectRef>
+          <a:fontRef idx="minor">
+            <a:schemeClr val="lt1"/>
+          </a:fontRef>
+        </p:style>
+        <p:txBody>
+          <a:bodyPr rtlCol="0" anchor="ctr"/>
+          <a:lstStyle/>
+          <a:p>
+            <a:pPr algn="ctr"/>
+            <a:r>
+              <a:rPr lang="en-US" sz="4400" dirty="0">
+                <a:solidFill>
+                  <a:schemeClr val="tx1"/>
+                </a:solidFill>
+              </a:rPr>
+              <a:t>Result</a:t>
+            </a:r>
+          </a:p>
+        </p:txBody>
+      </p:sp>
+    </p:spTree>
+    <p:extLst>
+      <p:ext uri="{BB962C8B-B14F-4D97-AF65-F5344CB8AC3E}">
+        <p14:creationId xmlns:p14="http://schemas.microsoft.com/office/powerpoint/2010/main" val="434656957"/>
+      </p:ext>
+    </p:extLst>
+  </p:cSld>
+  <p:clrMapOvr>
+    <a:masterClrMapping/>
+  </p:clrMapOvr>
+</p:sld>
+</file>
+
 <file path=ppt/theme/theme1.xml><?xml version="1.0" encoding="utf-8"?>
 <a:theme xmlns:a="http://schemas.openxmlformats.org/drawingml/2006/main" name="Office">
   <a:themeElements>

--- a/materials/images_hochformat.pptx
+++ b/materials/images_hochformat.pptx
@@ -9,6 +9,7 @@
     <p:sldId id="257" r:id="rId3"/>
     <p:sldId id="258" r:id="rId4"/>
     <p:sldId id="259" r:id="rId5"/>
+    <p:sldId id="260" r:id="rId6"/>
   </p:sldIdLst>
   <p:sldSz cx="27000200" cy="34199513"/>
   <p:notesSz cx="6858000" cy="9144000"/>
@@ -246,7 +247,7 @@
           <a:p>
             <a:fld id="{F39F49B5-785A-44C4-99F0-898FF83CD003}" type="datetimeFigureOut">
               <a:rPr lang="de-DE" smtClean="0"/>
-              <a:t>22.11.2023</a:t>
+              <a:t>15.01.2024</a:t>
             </a:fld>
             <a:endParaRPr lang="de-DE"/>
           </a:p>
@@ -416,7 +417,7 @@
           <a:p>
             <a:fld id="{F39F49B5-785A-44C4-99F0-898FF83CD003}" type="datetimeFigureOut">
               <a:rPr lang="de-DE" smtClean="0"/>
-              <a:t>22.11.2023</a:t>
+              <a:t>15.01.2024</a:t>
             </a:fld>
             <a:endParaRPr lang="de-DE"/>
           </a:p>
@@ -596,7 +597,7 @@
           <a:p>
             <a:fld id="{F39F49B5-785A-44C4-99F0-898FF83CD003}" type="datetimeFigureOut">
               <a:rPr lang="de-DE" smtClean="0"/>
-              <a:t>22.11.2023</a:t>
+              <a:t>15.01.2024</a:t>
             </a:fld>
             <a:endParaRPr lang="de-DE"/>
           </a:p>
@@ -766,7 +767,7 @@
           <a:p>
             <a:fld id="{F39F49B5-785A-44C4-99F0-898FF83CD003}" type="datetimeFigureOut">
               <a:rPr lang="de-DE" smtClean="0"/>
-              <a:t>22.11.2023</a:t>
+              <a:t>15.01.2024</a:t>
             </a:fld>
             <a:endParaRPr lang="de-DE"/>
           </a:p>
@@ -1010,7 +1011,7 @@
           <a:p>
             <a:fld id="{F39F49B5-785A-44C4-99F0-898FF83CD003}" type="datetimeFigureOut">
               <a:rPr lang="de-DE" smtClean="0"/>
-              <a:t>22.11.2023</a:t>
+              <a:t>15.01.2024</a:t>
             </a:fld>
             <a:endParaRPr lang="de-DE"/>
           </a:p>
@@ -1242,7 +1243,7 @@
           <a:p>
             <a:fld id="{F39F49B5-785A-44C4-99F0-898FF83CD003}" type="datetimeFigureOut">
               <a:rPr lang="de-DE" smtClean="0"/>
-              <a:t>22.11.2023</a:t>
+              <a:t>15.01.2024</a:t>
             </a:fld>
             <a:endParaRPr lang="de-DE"/>
           </a:p>
@@ -1609,7 +1610,7 @@
           <a:p>
             <a:fld id="{F39F49B5-785A-44C4-99F0-898FF83CD003}" type="datetimeFigureOut">
               <a:rPr lang="de-DE" smtClean="0"/>
-              <a:t>22.11.2023</a:t>
+              <a:t>15.01.2024</a:t>
             </a:fld>
             <a:endParaRPr lang="de-DE"/>
           </a:p>
@@ -1727,7 +1728,7 @@
           <a:p>
             <a:fld id="{F39F49B5-785A-44C4-99F0-898FF83CD003}" type="datetimeFigureOut">
               <a:rPr lang="de-DE" smtClean="0"/>
-              <a:t>22.11.2023</a:t>
+              <a:t>15.01.2024</a:t>
             </a:fld>
             <a:endParaRPr lang="de-DE"/>
           </a:p>
@@ -1822,7 +1823,7 @@
           <a:p>
             <a:fld id="{F39F49B5-785A-44C4-99F0-898FF83CD003}" type="datetimeFigureOut">
               <a:rPr lang="de-DE" smtClean="0"/>
-              <a:t>22.11.2023</a:t>
+              <a:t>15.01.2024</a:t>
             </a:fld>
             <a:endParaRPr lang="de-DE"/>
           </a:p>
@@ -2099,7 +2100,7 @@
           <a:p>
             <a:fld id="{F39F49B5-785A-44C4-99F0-898FF83CD003}" type="datetimeFigureOut">
               <a:rPr lang="de-DE" smtClean="0"/>
-              <a:t>22.11.2023</a:t>
+              <a:t>15.01.2024</a:t>
             </a:fld>
             <a:endParaRPr lang="de-DE"/>
           </a:p>
@@ -2356,7 +2357,7 @@
           <a:p>
             <a:fld id="{F39F49B5-785A-44C4-99F0-898FF83CD003}" type="datetimeFigureOut">
               <a:rPr lang="de-DE" smtClean="0"/>
-              <a:t>22.11.2023</a:t>
+              <a:t>15.01.2024</a:t>
             </a:fld>
             <a:endParaRPr lang="de-DE"/>
           </a:p>
@@ -2569,7 +2570,7 @@
           <a:p>
             <a:fld id="{F39F49B5-785A-44C4-99F0-898FF83CD003}" type="datetimeFigureOut">
               <a:rPr lang="de-DE" smtClean="0"/>
-              <a:t>22.11.2023</a:t>
+              <a:t>15.01.2024</a:t>
             </a:fld>
             <a:endParaRPr lang="de-DE"/>
           </a:p>
@@ -11460,6 +11461,930 @@
 </p:sld>
 </file>
 
+<file path=ppt/slides/slide5.xml><?xml version="1.0" encoding="utf-8"?>
+<p:sld xmlns:a="http://schemas.openxmlformats.org/drawingml/2006/main" xmlns:r="http://schemas.openxmlformats.org/officeDocument/2006/relationships" xmlns:p="http://schemas.openxmlformats.org/presentationml/2006/main">
+  <p:cSld>
+    <p:spTree>
+      <p:nvGrpSpPr>
+        <p:cNvPr id="1" name=""/>
+        <p:cNvGrpSpPr/>
+        <p:nvPr/>
+      </p:nvGrpSpPr>
+      <p:grpSpPr>
+        <a:xfrm>
+          <a:off x="0" y="0"/>
+          <a:ext cx="0" cy="0"/>
+          <a:chOff x="0" y="0"/>
+          <a:chExt cx="0" cy="0"/>
+        </a:xfrm>
+      </p:grpSpPr>
+      <p:sp>
+        <p:nvSpPr>
+          <p:cNvPr id="4" name="Rechteck 3">
+            <a:extLst>
+              <a:ext uri="{FF2B5EF4-FFF2-40B4-BE49-F238E27FC236}">
+                <a16:creationId xmlns:a16="http://schemas.microsoft.com/office/drawing/2014/main" id="{8BB2F650-D5FD-4C8D-9E38-C8E618FF702D}"/>
+              </a:ext>
+            </a:extLst>
+          </p:cNvPr>
+          <p:cNvSpPr/>
+          <p:nvPr/>
+        </p:nvSpPr>
+        <p:spPr>
+          <a:xfrm>
+            <a:off x="8749561" y="1930205"/>
+            <a:ext cx="9501077" cy="4557682"/>
+          </a:xfrm>
+          <a:prstGeom prst="rect">
+            <a:avLst/>
+          </a:prstGeom>
+          <a:noFill/>
+          <a:ln>
+            <a:solidFill>
+              <a:schemeClr val="tx1"/>
+            </a:solidFill>
+          </a:ln>
+        </p:spPr>
+        <p:style>
+          <a:lnRef idx="2">
+            <a:schemeClr val="accent1">
+              <a:shade val="50000"/>
+            </a:schemeClr>
+          </a:lnRef>
+          <a:fillRef idx="1">
+            <a:schemeClr val="accent1"/>
+          </a:fillRef>
+          <a:effectRef idx="0">
+            <a:schemeClr val="accent1"/>
+          </a:effectRef>
+          <a:fontRef idx="minor">
+            <a:schemeClr val="lt1"/>
+          </a:fontRef>
+        </p:style>
+        <p:txBody>
+          <a:bodyPr rtlCol="0" anchor="ctr"/>
+          <a:lstStyle/>
+          <a:p>
+            <a:pPr algn="ctr"/>
+            <a:r>
+              <a:rPr lang="en-US" sz="5400" b="1" dirty="0">
+                <a:solidFill>
+                  <a:schemeClr val="tx1"/>
+                </a:solidFill>
+              </a:rPr>
+              <a:t>Base Model</a:t>
+            </a:r>
+          </a:p>
+          <a:p>
+            <a:pPr algn="ctr"/>
+            <a:r>
+              <a:rPr lang="en-US" sz="5400" dirty="0">
+                <a:solidFill>
+                  <a:schemeClr val="tx1"/>
+                </a:solidFill>
+              </a:rPr>
+              <a:t>(e.g., BERT, </a:t>
+            </a:r>
+            <a:r>
+              <a:rPr lang="en-US" sz="5400" dirty="0" err="1">
+                <a:solidFill>
+                  <a:schemeClr val="tx1"/>
+                </a:solidFill>
+              </a:rPr>
+              <a:t>RoBERTa</a:t>
+            </a:r>
+            <a:r>
+              <a:rPr lang="en-US" sz="5400" dirty="0">
+                <a:solidFill>
+                  <a:schemeClr val="tx1"/>
+                </a:solidFill>
+              </a:rPr>
+              <a:t> etc.)</a:t>
+            </a:r>
+          </a:p>
+          <a:p>
+            <a:pPr algn="ctr"/>
+            <a:r>
+              <a:rPr lang="en-US" sz="5400" i="1" dirty="0">
+                <a:solidFill>
+                  <a:schemeClr val="tx1"/>
+                </a:solidFill>
+              </a:rPr>
+              <a:t>Transformer</a:t>
+            </a:r>
+          </a:p>
+        </p:txBody>
+      </p:sp>
+      <p:sp>
+        <p:nvSpPr>
+          <p:cNvPr id="5" name="Rechteck 4">
+            <a:extLst>
+              <a:ext uri="{FF2B5EF4-FFF2-40B4-BE49-F238E27FC236}">
+                <a16:creationId xmlns:a16="http://schemas.microsoft.com/office/drawing/2014/main" id="{4EB33B9B-0C60-4C51-80B1-3BC1E406E551}"/>
+              </a:ext>
+            </a:extLst>
+          </p:cNvPr>
+          <p:cNvSpPr/>
+          <p:nvPr/>
+        </p:nvSpPr>
+        <p:spPr>
+          <a:xfrm>
+            <a:off x="1717390" y="9528434"/>
+            <a:ext cx="7032172" cy="2271680"/>
+          </a:xfrm>
+          <a:prstGeom prst="rect">
+            <a:avLst/>
+          </a:prstGeom>
+          <a:noFill/>
+          <a:ln>
+            <a:solidFill>
+              <a:schemeClr val="tx1"/>
+            </a:solidFill>
+          </a:ln>
+        </p:spPr>
+        <p:style>
+          <a:lnRef idx="2">
+            <a:schemeClr val="accent1">
+              <a:shade val="50000"/>
+            </a:schemeClr>
+          </a:lnRef>
+          <a:fillRef idx="1">
+            <a:schemeClr val="accent1"/>
+          </a:fillRef>
+          <a:effectRef idx="0">
+            <a:schemeClr val="accent1"/>
+          </a:effectRef>
+          <a:fontRef idx="minor">
+            <a:schemeClr val="lt1"/>
+          </a:fontRef>
+        </p:style>
+        <p:txBody>
+          <a:bodyPr rtlCol="0" anchor="ctr"/>
+          <a:lstStyle/>
+          <a:p>
+            <a:pPr algn="ctr"/>
+            <a:r>
+              <a:rPr lang="en-US" sz="5400" b="1" dirty="0">
+                <a:solidFill>
+                  <a:schemeClr val="tx1"/>
+                </a:solidFill>
+              </a:rPr>
+              <a:t>Text Embedding Model</a:t>
+            </a:r>
+          </a:p>
+          <a:p>
+            <a:pPr algn="ctr"/>
+            <a:r>
+              <a:rPr lang="en-US" sz="5400" i="1" dirty="0">
+                <a:solidFill>
+                  <a:schemeClr val="tx1"/>
+                </a:solidFill>
+              </a:rPr>
+              <a:t>R Interface</a:t>
+            </a:r>
+          </a:p>
+        </p:txBody>
+      </p:sp>
+      <p:sp>
+        <p:nvSpPr>
+          <p:cNvPr id="6" name="Rechteck 5">
+            <a:extLst>
+              <a:ext uri="{FF2B5EF4-FFF2-40B4-BE49-F238E27FC236}">
+                <a16:creationId xmlns:a16="http://schemas.microsoft.com/office/drawing/2014/main" id="{14B99E3C-7B17-40FF-AEE5-0713D6E6C165}"/>
+              </a:ext>
+            </a:extLst>
+          </p:cNvPr>
+          <p:cNvSpPr/>
+          <p:nvPr/>
+        </p:nvSpPr>
+        <p:spPr>
+          <a:xfrm>
+            <a:off x="9984013" y="9550205"/>
+            <a:ext cx="7032172" cy="2271680"/>
+          </a:xfrm>
+          <a:prstGeom prst="rect">
+            <a:avLst/>
+          </a:prstGeom>
+          <a:noFill/>
+          <a:ln>
+            <a:solidFill>
+              <a:schemeClr val="tx1"/>
+            </a:solidFill>
+          </a:ln>
+        </p:spPr>
+        <p:style>
+          <a:lnRef idx="2">
+            <a:schemeClr val="accent1">
+              <a:shade val="50000"/>
+            </a:schemeClr>
+          </a:lnRef>
+          <a:fillRef idx="1">
+            <a:schemeClr val="accent1"/>
+          </a:fillRef>
+          <a:effectRef idx="0">
+            <a:schemeClr val="accent1"/>
+          </a:effectRef>
+          <a:fontRef idx="minor">
+            <a:schemeClr val="lt1"/>
+          </a:fontRef>
+        </p:style>
+        <p:txBody>
+          <a:bodyPr rtlCol="0" anchor="ctr"/>
+          <a:lstStyle/>
+          <a:p>
+            <a:pPr algn="ctr"/>
+            <a:r>
+              <a:rPr lang="en-US" sz="5400" b="1" dirty="0">
+                <a:solidFill>
+                  <a:schemeClr val="tx1"/>
+                </a:solidFill>
+              </a:rPr>
+              <a:t>Text Embedding Model</a:t>
+            </a:r>
+          </a:p>
+          <a:p>
+            <a:pPr algn="ctr"/>
+            <a:r>
+              <a:rPr lang="en-US" sz="5400" i="1" dirty="0">
+                <a:solidFill>
+                  <a:schemeClr val="tx1"/>
+                </a:solidFill>
+              </a:rPr>
+              <a:t>R Interface</a:t>
+            </a:r>
+          </a:p>
+        </p:txBody>
+      </p:sp>
+      <p:sp>
+        <p:nvSpPr>
+          <p:cNvPr id="7" name="Rechteck 6">
+            <a:extLst>
+              <a:ext uri="{FF2B5EF4-FFF2-40B4-BE49-F238E27FC236}">
+                <a16:creationId xmlns:a16="http://schemas.microsoft.com/office/drawing/2014/main" id="{744A1A46-7E69-49E1-817D-672E0B4160C9}"/>
+              </a:ext>
+            </a:extLst>
+          </p:cNvPr>
+          <p:cNvSpPr/>
+          <p:nvPr/>
+        </p:nvSpPr>
+        <p:spPr>
+          <a:xfrm>
+            <a:off x="18250638" y="9550205"/>
+            <a:ext cx="7032172" cy="2271680"/>
+          </a:xfrm>
+          <a:prstGeom prst="rect">
+            <a:avLst/>
+          </a:prstGeom>
+          <a:noFill/>
+          <a:ln>
+            <a:solidFill>
+              <a:schemeClr val="tx1"/>
+            </a:solidFill>
+          </a:ln>
+        </p:spPr>
+        <p:style>
+          <a:lnRef idx="2">
+            <a:schemeClr val="accent1">
+              <a:shade val="50000"/>
+            </a:schemeClr>
+          </a:lnRef>
+          <a:fillRef idx="1">
+            <a:schemeClr val="accent1"/>
+          </a:fillRef>
+          <a:effectRef idx="0">
+            <a:schemeClr val="accent1"/>
+          </a:effectRef>
+          <a:fontRef idx="minor">
+            <a:schemeClr val="lt1"/>
+          </a:fontRef>
+        </p:style>
+        <p:txBody>
+          <a:bodyPr rtlCol="0" anchor="ctr"/>
+          <a:lstStyle/>
+          <a:p>
+            <a:pPr algn="ctr"/>
+            <a:r>
+              <a:rPr lang="en-US" sz="5400" b="1" dirty="0">
+                <a:solidFill>
+                  <a:schemeClr val="tx1"/>
+                </a:solidFill>
+              </a:rPr>
+              <a:t>Text Embedding Model</a:t>
+            </a:r>
+          </a:p>
+          <a:p>
+            <a:pPr algn="ctr"/>
+            <a:r>
+              <a:rPr lang="en-US" sz="5400" i="1" dirty="0">
+                <a:solidFill>
+                  <a:schemeClr val="tx1"/>
+                </a:solidFill>
+              </a:rPr>
+              <a:t>R Interface</a:t>
+            </a:r>
+          </a:p>
+        </p:txBody>
+      </p:sp>
+      <p:sp>
+        <p:nvSpPr>
+          <p:cNvPr id="8" name="Rechteck 7">
+            <a:extLst>
+              <a:ext uri="{FF2B5EF4-FFF2-40B4-BE49-F238E27FC236}">
+                <a16:creationId xmlns:a16="http://schemas.microsoft.com/office/drawing/2014/main" id="{4C90B74B-70B9-4C7E-9850-DF50F97FFF26}"/>
+              </a:ext>
+            </a:extLst>
+          </p:cNvPr>
+          <p:cNvSpPr/>
+          <p:nvPr/>
+        </p:nvSpPr>
+        <p:spPr>
+          <a:xfrm>
+            <a:off x="1717389" y="14840661"/>
+            <a:ext cx="7032172" cy="2271680"/>
+          </a:xfrm>
+          <a:prstGeom prst="rect">
+            <a:avLst/>
+          </a:prstGeom>
+          <a:noFill/>
+          <a:ln>
+            <a:solidFill>
+              <a:schemeClr val="tx1"/>
+            </a:solidFill>
+          </a:ln>
+        </p:spPr>
+        <p:style>
+          <a:lnRef idx="2">
+            <a:schemeClr val="accent1">
+              <a:shade val="50000"/>
+            </a:schemeClr>
+          </a:lnRef>
+          <a:fillRef idx="1">
+            <a:schemeClr val="accent1"/>
+          </a:fillRef>
+          <a:effectRef idx="0">
+            <a:schemeClr val="accent1"/>
+          </a:effectRef>
+          <a:fontRef idx="minor">
+            <a:schemeClr val="lt1"/>
+          </a:fontRef>
+        </p:style>
+        <p:txBody>
+          <a:bodyPr rtlCol="0" anchor="ctr"/>
+          <a:lstStyle/>
+          <a:p>
+            <a:pPr algn="ctr"/>
+            <a:r>
+              <a:rPr lang="en-US" sz="4800" b="1" dirty="0">
+                <a:solidFill>
+                  <a:schemeClr val="tx1"/>
+                </a:solidFill>
+              </a:rPr>
+              <a:t>Classifier</a:t>
+            </a:r>
+          </a:p>
+          <a:p>
+            <a:pPr algn="ctr"/>
+            <a:r>
+              <a:rPr lang="en-US" sz="4800" i="1" dirty="0">
+                <a:solidFill>
+                  <a:schemeClr val="tx1"/>
+                </a:solidFill>
+              </a:rPr>
+              <a:t>R Interface</a:t>
+            </a:r>
+          </a:p>
+          <a:p>
+            <a:pPr algn="ctr"/>
+            <a:r>
+              <a:rPr lang="en-US" sz="4800" i="1" dirty="0" err="1">
+                <a:solidFill>
+                  <a:schemeClr val="tx1"/>
+                </a:solidFill>
+              </a:rPr>
+              <a:t>Tensorflow</a:t>
+            </a:r>
+            <a:r>
+              <a:rPr lang="en-US" sz="4800" i="1" dirty="0">
+                <a:solidFill>
+                  <a:schemeClr val="tx1"/>
+                </a:solidFill>
+              </a:rPr>
+              <a:t>/</a:t>
+            </a:r>
+            <a:r>
+              <a:rPr lang="en-US" sz="4800" i="1" dirty="0" err="1">
+                <a:solidFill>
+                  <a:schemeClr val="tx1"/>
+                </a:solidFill>
+              </a:rPr>
+              <a:t>PyTorch</a:t>
+            </a:r>
+            <a:r>
+              <a:rPr lang="en-US" sz="4800" i="1" dirty="0">
+                <a:solidFill>
+                  <a:schemeClr val="tx1"/>
+                </a:solidFill>
+              </a:rPr>
+              <a:t> Model</a:t>
+            </a:r>
+          </a:p>
+        </p:txBody>
+      </p:sp>
+      <p:sp>
+        <p:nvSpPr>
+          <p:cNvPr id="9" name="Rechteck 8">
+            <a:extLst>
+              <a:ext uri="{FF2B5EF4-FFF2-40B4-BE49-F238E27FC236}">
+                <a16:creationId xmlns:a16="http://schemas.microsoft.com/office/drawing/2014/main" id="{9BD85F47-95AA-4142-A148-2B7BDC7BB19C}"/>
+              </a:ext>
+            </a:extLst>
+          </p:cNvPr>
+          <p:cNvSpPr/>
+          <p:nvPr/>
+        </p:nvSpPr>
+        <p:spPr>
+          <a:xfrm>
+            <a:off x="9984013" y="14884203"/>
+            <a:ext cx="7032172" cy="2271680"/>
+          </a:xfrm>
+          <a:prstGeom prst="rect">
+            <a:avLst/>
+          </a:prstGeom>
+          <a:noFill/>
+          <a:ln>
+            <a:solidFill>
+              <a:schemeClr val="tx1"/>
+            </a:solidFill>
+          </a:ln>
+        </p:spPr>
+        <p:style>
+          <a:lnRef idx="2">
+            <a:schemeClr val="accent1">
+              <a:shade val="50000"/>
+            </a:schemeClr>
+          </a:lnRef>
+          <a:fillRef idx="1">
+            <a:schemeClr val="accent1"/>
+          </a:fillRef>
+          <a:effectRef idx="0">
+            <a:schemeClr val="accent1"/>
+          </a:effectRef>
+          <a:fontRef idx="minor">
+            <a:schemeClr val="lt1"/>
+          </a:fontRef>
+        </p:style>
+        <p:txBody>
+          <a:bodyPr rtlCol="0" anchor="ctr"/>
+          <a:lstStyle/>
+          <a:p>
+            <a:pPr algn="ctr"/>
+            <a:r>
+              <a:rPr lang="en-US" sz="4800" b="1" dirty="0">
+                <a:solidFill>
+                  <a:schemeClr val="tx1"/>
+                </a:solidFill>
+              </a:rPr>
+              <a:t>Classifier</a:t>
+            </a:r>
+          </a:p>
+          <a:p>
+            <a:pPr algn="ctr"/>
+            <a:r>
+              <a:rPr lang="en-US" sz="4800" i="1" dirty="0">
+                <a:solidFill>
+                  <a:schemeClr val="tx1"/>
+                </a:solidFill>
+              </a:rPr>
+              <a:t>R Interface</a:t>
+            </a:r>
+          </a:p>
+          <a:p>
+            <a:pPr algn="ctr"/>
+            <a:r>
+              <a:rPr lang="en-US" sz="4800" i="1" dirty="0" err="1">
+                <a:solidFill>
+                  <a:schemeClr val="tx1"/>
+                </a:solidFill>
+              </a:rPr>
+              <a:t>Tensorflow</a:t>
+            </a:r>
+            <a:r>
+              <a:rPr lang="en-US" sz="4800" i="1" dirty="0">
+                <a:solidFill>
+                  <a:schemeClr val="tx1"/>
+                </a:solidFill>
+              </a:rPr>
+              <a:t>/</a:t>
+            </a:r>
+            <a:r>
+              <a:rPr lang="en-US" sz="4800" i="1" dirty="0" err="1">
+                <a:solidFill>
+                  <a:schemeClr val="tx1"/>
+                </a:solidFill>
+              </a:rPr>
+              <a:t>PyTorch</a:t>
+            </a:r>
+            <a:r>
+              <a:rPr lang="en-US" sz="4800" i="1" dirty="0">
+                <a:solidFill>
+                  <a:schemeClr val="tx1"/>
+                </a:solidFill>
+              </a:rPr>
+              <a:t> Model</a:t>
+            </a:r>
+          </a:p>
+        </p:txBody>
+      </p:sp>
+      <p:sp>
+        <p:nvSpPr>
+          <p:cNvPr id="10" name="Rechteck 9">
+            <a:extLst>
+              <a:ext uri="{FF2B5EF4-FFF2-40B4-BE49-F238E27FC236}">
+                <a16:creationId xmlns:a16="http://schemas.microsoft.com/office/drawing/2014/main" id="{B22B01BB-E5D1-407E-88B1-0E77941F0180}"/>
+              </a:ext>
+            </a:extLst>
+          </p:cNvPr>
+          <p:cNvSpPr/>
+          <p:nvPr/>
+        </p:nvSpPr>
+        <p:spPr>
+          <a:xfrm>
+            <a:off x="18250637" y="14884203"/>
+            <a:ext cx="7032172" cy="2271680"/>
+          </a:xfrm>
+          <a:prstGeom prst="rect">
+            <a:avLst/>
+          </a:prstGeom>
+          <a:noFill/>
+          <a:ln>
+            <a:solidFill>
+              <a:schemeClr val="tx1"/>
+            </a:solidFill>
+          </a:ln>
+        </p:spPr>
+        <p:style>
+          <a:lnRef idx="2">
+            <a:schemeClr val="accent1">
+              <a:shade val="50000"/>
+            </a:schemeClr>
+          </a:lnRef>
+          <a:fillRef idx="1">
+            <a:schemeClr val="accent1"/>
+          </a:fillRef>
+          <a:effectRef idx="0">
+            <a:schemeClr val="accent1"/>
+          </a:effectRef>
+          <a:fontRef idx="minor">
+            <a:schemeClr val="lt1"/>
+          </a:fontRef>
+        </p:style>
+        <p:txBody>
+          <a:bodyPr rtlCol="0" anchor="ctr"/>
+          <a:lstStyle/>
+          <a:p>
+            <a:pPr algn="ctr"/>
+            <a:r>
+              <a:rPr lang="en-US" sz="4800" b="1" dirty="0">
+                <a:solidFill>
+                  <a:schemeClr val="tx1"/>
+                </a:solidFill>
+              </a:rPr>
+              <a:t>Classifier</a:t>
+            </a:r>
+          </a:p>
+          <a:p>
+            <a:pPr algn="ctr"/>
+            <a:r>
+              <a:rPr lang="en-US" sz="4800" i="1" dirty="0">
+                <a:solidFill>
+                  <a:schemeClr val="tx1"/>
+                </a:solidFill>
+              </a:rPr>
+              <a:t>R Interface</a:t>
+            </a:r>
+          </a:p>
+          <a:p>
+            <a:pPr algn="ctr"/>
+            <a:r>
+              <a:rPr lang="en-US" sz="4800" i="1" dirty="0" err="1">
+                <a:solidFill>
+                  <a:schemeClr val="tx1"/>
+                </a:solidFill>
+              </a:rPr>
+              <a:t>Tensorflow</a:t>
+            </a:r>
+            <a:r>
+              <a:rPr lang="en-US" sz="4800" i="1" dirty="0">
+                <a:solidFill>
+                  <a:schemeClr val="tx1"/>
+                </a:solidFill>
+              </a:rPr>
+              <a:t>/</a:t>
+            </a:r>
+            <a:r>
+              <a:rPr lang="en-US" sz="4800" i="1" dirty="0" err="1">
+                <a:solidFill>
+                  <a:schemeClr val="tx1"/>
+                </a:solidFill>
+              </a:rPr>
+              <a:t>PyTorch</a:t>
+            </a:r>
+            <a:r>
+              <a:rPr lang="en-US" sz="4800" i="1" dirty="0">
+                <a:solidFill>
+                  <a:schemeClr val="tx1"/>
+                </a:solidFill>
+              </a:rPr>
+              <a:t> Model</a:t>
+            </a:r>
+          </a:p>
+        </p:txBody>
+      </p:sp>
+      <p:cxnSp>
+        <p:nvCxnSpPr>
+          <p:cNvPr id="12" name="Gerade Verbindung mit Pfeil 11">
+            <a:extLst>
+              <a:ext uri="{FF2B5EF4-FFF2-40B4-BE49-F238E27FC236}">
+                <a16:creationId xmlns:a16="http://schemas.microsoft.com/office/drawing/2014/main" id="{B7E1811E-1330-405A-8E19-39E2E4C120EE}"/>
+              </a:ext>
+            </a:extLst>
+          </p:cNvPr>
+          <p:cNvCxnSpPr>
+            <a:cxnSpLocks/>
+            <a:stCxn id="4" idx="2"/>
+            <a:endCxn id="5" idx="0"/>
+          </p:cNvCxnSpPr>
+          <p:nvPr/>
+        </p:nvCxnSpPr>
+        <p:spPr>
+          <a:xfrm flipH="1">
+            <a:off x="5233476" y="6487887"/>
+            <a:ext cx="8266624" cy="3040547"/>
+          </a:xfrm>
+          <a:prstGeom prst="straightConnector1">
+            <a:avLst/>
+          </a:prstGeom>
+          <a:ln w="76200">
+            <a:solidFill>
+              <a:schemeClr val="tx1"/>
+            </a:solidFill>
+            <a:tailEnd type="triangle"/>
+          </a:ln>
+        </p:spPr>
+        <p:style>
+          <a:lnRef idx="1">
+            <a:schemeClr val="accent1"/>
+          </a:lnRef>
+          <a:fillRef idx="0">
+            <a:schemeClr val="accent1"/>
+          </a:fillRef>
+          <a:effectRef idx="0">
+            <a:schemeClr val="accent1"/>
+          </a:effectRef>
+          <a:fontRef idx="minor">
+            <a:schemeClr val="tx1"/>
+          </a:fontRef>
+        </p:style>
+      </p:cxnSp>
+      <p:cxnSp>
+        <p:nvCxnSpPr>
+          <p:cNvPr id="14" name="Gerade Verbindung mit Pfeil 13">
+            <a:extLst>
+              <a:ext uri="{FF2B5EF4-FFF2-40B4-BE49-F238E27FC236}">
+                <a16:creationId xmlns:a16="http://schemas.microsoft.com/office/drawing/2014/main" id="{F3E9EE04-E472-432F-875F-7C3419FB8095}"/>
+              </a:ext>
+            </a:extLst>
+          </p:cNvPr>
+          <p:cNvCxnSpPr>
+            <a:cxnSpLocks/>
+            <a:stCxn id="4" idx="2"/>
+            <a:endCxn id="6" idx="0"/>
+          </p:cNvCxnSpPr>
+          <p:nvPr/>
+        </p:nvCxnSpPr>
+        <p:spPr>
+          <a:xfrm flipH="1">
+            <a:off x="13500099" y="6487887"/>
+            <a:ext cx="1" cy="3062318"/>
+          </a:xfrm>
+          <a:prstGeom prst="straightConnector1">
+            <a:avLst/>
+          </a:prstGeom>
+          <a:ln w="76200">
+            <a:solidFill>
+              <a:schemeClr val="tx1"/>
+            </a:solidFill>
+            <a:tailEnd type="triangle"/>
+          </a:ln>
+        </p:spPr>
+        <p:style>
+          <a:lnRef idx="1">
+            <a:schemeClr val="accent1"/>
+          </a:lnRef>
+          <a:fillRef idx="0">
+            <a:schemeClr val="accent1"/>
+          </a:fillRef>
+          <a:effectRef idx="0">
+            <a:schemeClr val="accent1"/>
+          </a:effectRef>
+          <a:fontRef idx="minor">
+            <a:schemeClr val="tx1"/>
+          </a:fontRef>
+        </p:style>
+      </p:cxnSp>
+      <p:cxnSp>
+        <p:nvCxnSpPr>
+          <p:cNvPr id="19" name="Gerade Verbindung mit Pfeil 18">
+            <a:extLst>
+              <a:ext uri="{FF2B5EF4-FFF2-40B4-BE49-F238E27FC236}">
+                <a16:creationId xmlns:a16="http://schemas.microsoft.com/office/drawing/2014/main" id="{1ECDF1B2-605A-4926-B25B-D494FF8F7F90}"/>
+              </a:ext>
+            </a:extLst>
+          </p:cNvPr>
+          <p:cNvCxnSpPr>
+            <a:stCxn id="4" idx="2"/>
+          </p:cNvCxnSpPr>
+          <p:nvPr/>
+        </p:nvCxnSpPr>
+        <p:spPr>
+          <a:xfrm>
+            <a:off x="13500100" y="6487887"/>
+            <a:ext cx="8266623" cy="3062318"/>
+          </a:xfrm>
+          <a:prstGeom prst="straightConnector1">
+            <a:avLst/>
+          </a:prstGeom>
+          <a:ln w="76200">
+            <a:solidFill>
+              <a:schemeClr val="tx1"/>
+            </a:solidFill>
+            <a:tailEnd type="triangle"/>
+          </a:ln>
+        </p:spPr>
+        <p:style>
+          <a:lnRef idx="1">
+            <a:schemeClr val="accent1"/>
+          </a:lnRef>
+          <a:fillRef idx="0">
+            <a:schemeClr val="accent1"/>
+          </a:fillRef>
+          <a:effectRef idx="0">
+            <a:schemeClr val="accent1"/>
+          </a:effectRef>
+          <a:fontRef idx="minor">
+            <a:schemeClr val="tx1"/>
+          </a:fontRef>
+        </p:style>
+      </p:cxnSp>
+      <p:cxnSp>
+        <p:nvCxnSpPr>
+          <p:cNvPr id="21" name="Gerade Verbindung mit Pfeil 20">
+            <a:extLst>
+              <a:ext uri="{FF2B5EF4-FFF2-40B4-BE49-F238E27FC236}">
+                <a16:creationId xmlns:a16="http://schemas.microsoft.com/office/drawing/2014/main" id="{302A89AE-46EC-4ACC-BE66-DCF96178F947}"/>
+              </a:ext>
+            </a:extLst>
+          </p:cNvPr>
+          <p:cNvCxnSpPr>
+            <a:stCxn id="6" idx="2"/>
+            <a:endCxn id="8" idx="0"/>
+          </p:cNvCxnSpPr>
+          <p:nvPr/>
+        </p:nvCxnSpPr>
+        <p:spPr>
+          <a:xfrm flipH="1">
+            <a:off x="5233475" y="11821885"/>
+            <a:ext cx="8266624" cy="3018776"/>
+          </a:xfrm>
+          <a:prstGeom prst="straightConnector1">
+            <a:avLst/>
+          </a:prstGeom>
+          <a:ln w="76200">
+            <a:solidFill>
+              <a:schemeClr val="tx1"/>
+            </a:solidFill>
+            <a:tailEnd type="triangle"/>
+          </a:ln>
+        </p:spPr>
+        <p:style>
+          <a:lnRef idx="1">
+            <a:schemeClr val="accent1"/>
+          </a:lnRef>
+          <a:fillRef idx="0">
+            <a:schemeClr val="accent1"/>
+          </a:fillRef>
+          <a:effectRef idx="0">
+            <a:schemeClr val="accent1"/>
+          </a:effectRef>
+          <a:fontRef idx="minor">
+            <a:schemeClr val="tx1"/>
+          </a:fontRef>
+        </p:style>
+      </p:cxnSp>
+      <p:cxnSp>
+        <p:nvCxnSpPr>
+          <p:cNvPr id="23" name="Gerade Verbindung mit Pfeil 22">
+            <a:extLst>
+              <a:ext uri="{FF2B5EF4-FFF2-40B4-BE49-F238E27FC236}">
+                <a16:creationId xmlns:a16="http://schemas.microsoft.com/office/drawing/2014/main" id="{57EE94F6-736D-4A3C-AF4D-64B43CA4A243}"/>
+              </a:ext>
+            </a:extLst>
+          </p:cNvPr>
+          <p:cNvCxnSpPr>
+            <a:cxnSpLocks/>
+            <a:stCxn id="6" idx="2"/>
+            <a:endCxn id="9" idx="0"/>
+          </p:cNvCxnSpPr>
+          <p:nvPr/>
+        </p:nvCxnSpPr>
+        <p:spPr>
+          <a:xfrm>
+            <a:off x="13500099" y="11821885"/>
+            <a:ext cx="0" cy="3062318"/>
+          </a:xfrm>
+          <a:prstGeom prst="straightConnector1">
+            <a:avLst/>
+          </a:prstGeom>
+          <a:ln w="76200">
+            <a:solidFill>
+              <a:schemeClr val="tx1"/>
+            </a:solidFill>
+            <a:tailEnd type="triangle"/>
+          </a:ln>
+        </p:spPr>
+        <p:style>
+          <a:lnRef idx="1">
+            <a:schemeClr val="accent1"/>
+          </a:lnRef>
+          <a:fillRef idx="0">
+            <a:schemeClr val="accent1"/>
+          </a:fillRef>
+          <a:effectRef idx="0">
+            <a:schemeClr val="accent1"/>
+          </a:effectRef>
+          <a:fontRef idx="minor">
+            <a:schemeClr val="tx1"/>
+          </a:fontRef>
+        </p:style>
+      </p:cxnSp>
+      <p:cxnSp>
+        <p:nvCxnSpPr>
+          <p:cNvPr id="27" name="Gerade Verbindung mit Pfeil 26">
+            <a:extLst>
+              <a:ext uri="{FF2B5EF4-FFF2-40B4-BE49-F238E27FC236}">
+                <a16:creationId xmlns:a16="http://schemas.microsoft.com/office/drawing/2014/main" id="{21B0055C-2AE9-4254-A9A8-BD8B46DD8485}"/>
+              </a:ext>
+            </a:extLst>
+          </p:cNvPr>
+          <p:cNvCxnSpPr>
+            <a:stCxn id="6" idx="2"/>
+            <a:endCxn id="10" idx="0"/>
+          </p:cNvCxnSpPr>
+          <p:nvPr/>
+        </p:nvCxnSpPr>
+        <p:spPr>
+          <a:xfrm>
+            <a:off x="13500099" y="11821885"/>
+            <a:ext cx="8266624" cy="3062318"/>
+          </a:xfrm>
+          <a:prstGeom prst="straightConnector1">
+            <a:avLst/>
+          </a:prstGeom>
+          <a:ln w="76200">
+            <a:solidFill>
+              <a:schemeClr val="tx1"/>
+            </a:solidFill>
+            <a:tailEnd type="triangle"/>
+          </a:ln>
+        </p:spPr>
+        <p:style>
+          <a:lnRef idx="1">
+            <a:schemeClr val="accent1"/>
+          </a:lnRef>
+          <a:fillRef idx="0">
+            <a:schemeClr val="accent1"/>
+          </a:fillRef>
+          <a:effectRef idx="0">
+            <a:schemeClr val="accent1"/>
+          </a:effectRef>
+          <a:fontRef idx="minor">
+            <a:schemeClr val="tx1"/>
+          </a:fontRef>
+        </p:style>
+      </p:cxnSp>
+    </p:spTree>
+    <p:extLst>
+      <p:ext uri="{BB962C8B-B14F-4D97-AF65-F5344CB8AC3E}">
+        <p14:creationId xmlns:p14="http://schemas.microsoft.com/office/powerpoint/2010/main" val="4128543342"/>
+      </p:ext>
+    </p:extLst>
+  </p:cSld>
+  <p:clrMapOvr>
+    <a:masterClrMapping/>
+  </p:clrMapOvr>
+</p:sld>
+</file>
+
 <file path=ppt/theme/theme1.xml><?xml version="1.0" encoding="utf-8"?>
 <a:theme xmlns:a="http://schemas.openxmlformats.org/drawingml/2006/main" name="Office">
   <a:themeElements>

--- a/materials/images_hochformat.pptx
+++ b/materials/images_hochformat.pptx
@@ -247,7 +247,7 @@
           <a:p>
             <a:fld id="{F39F49B5-785A-44C4-99F0-898FF83CD003}" type="datetimeFigureOut">
               <a:rPr lang="de-DE" smtClean="0"/>
-              <a:t>15.01.2024</a:t>
+              <a:t>16.02.2024</a:t>
             </a:fld>
             <a:endParaRPr lang="de-DE"/>
           </a:p>
@@ -417,7 +417,7 @@
           <a:p>
             <a:fld id="{F39F49B5-785A-44C4-99F0-898FF83CD003}" type="datetimeFigureOut">
               <a:rPr lang="de-DE" smtClean="0"/>
-              <a:t>15.01.2024</a:t>
+              <a:t>16.02.2024</a:t>
             </a:fld>
             <a:endParaRPr lang="de-DE"/>
           </a:p>
@@ -597,7 +597,7 @@
           <a:p>
             <a:fld id="{F39F49B5-785A-44C4-99F0-898FF83CD003}" type="datetimeFigureOut">
               <a:rPr lang="de-DE" smtClean="0"/>
-              <a:t>15.01.2024</a:t>
+              <a:t>16.02.2024</a:t>
             </a:fld>
             <a:endParaRPr lang="de-DE"/>
           </a:p>
@@ -767,7 +767,7 @@
           <a:p>
             <a:fld id="{F39F49B5-785A-44C4-99F0-898FF83CD003}" type="datetimeFigureOut">
               <a:rPr lang="de-DE" smtClean="0"/>
-              <a:t>15.01.2024</a:t>
+              <a:t>16.02.2024</a:t>
             </a:fld>
             <a:endParaRPr lang="de-DE"/>
           </a:p>
@@ -1011,7 +1011,7 @@
           <a:p>
             <a:fld id="{F39F49B5-785A-44C4-99F0-898FF83CD003}" type="datetimeFigureOut">
               <a:rPr lang="de-DE" smtClean="0"/>
-              <a:t>15.01.2024</a:t>
+              <a:t>16.02.2024</a:t>
             </a:fld>
             <a:endParaRPr lang="de-DE"/>
           </a:p>
@@ -1243,7 +1243,7 @@
           <a:p>
             <a:fld id="{F39F49B5-785A-44C4-99F0-898FF83CD003}" type="datetimeFigureOut">
               <a:rPr lang="de-DE" smtClean="0"/>
-              <a:t>15.01.2024</a:t>
+              <a:t>16.02.2024</a:t>
             </a:fld>
             <a:endParaRPr lang="de-DE"/>
           </a:p>
@@ -1610,7 +1610,7 @@
           <a:p>
             <a:fld id="{F39F49B5-785A-44C4-99F0-898FF83CD003}" type="datetimeFigureOut">
               <a:rPr lang="de-DE" smtClean="0"/>
-              <a:t>15.01.2024</a:t>
+              <a:t>16.02.2024</a:t>
             </a:fld>
             <a:endParaRPr lang="de-DE"/>
           </a:p>
@@ -1728,7 +1728,7 @@
           <a:p>
             <a:fld id="{F39F49B5-785A-44C4-99F0-898FF83CD003}" type="datetimeFigureOut">
               <a:rPr lang="de-DE" smtClean="0"/>
-              <a:t>15.01.2024</a:t>
+              <a:t>16.02.2024</a:t>
             </a:fld>
             <a:endParaRPr lang="de-DE"/>
           </a:p>
@@ -1823,7 +1823,7 @@
           <a:p>
             <a:fld id="{F39F49B5-785A-44C4-99F0-898FF83CD003}" type="datetimeFigureOut">
               <a:rPr lang="de-DE" smtClean="0"/>
-              <a:t>15.01.2024</a:t>
+              <a:t>16.02.2024</a:t>
             </a:fld>
             <a:endParaRPr lang="de-DE"/>
           </a:p>
@@ -2100,7 +2100,7 @@
           <a:p>
             <a:fld id="{F39F49B5-785A-44C4-99F0-898FF83CD003}" type="datetimeFigureOut">
               <a:rPr lang="de-DE" smtClean="0"/>
-              <a:t>15.01.2024</a:t>
+              <a:t>16.02.2024</a:t>
             </a:fld>
             <a:endParaRPr lang="de-DE"/>
           </a:p>
@@ -2357,7 +2357,7 @@
           <a:p>
             <a:fld id="{F39F49B5-785A-44C4-99F0-898FF83CD003}" type="datetimeFigureOut">
               <a:rPr lang="de-DE" smtClean="0"/>
-              <a:t>15.01.2024</a:t>
+              <a:t>16.02.2024</a:t>
             </a:fld>
             <a:endParaRPr lang="de-DE"/>
           </a:p>
@@ -2570,7 +2570,7 @@
           <a:p>
             <a:fld id="{F39F49B5-785A-44C4-99F0-898FF83CD003}" type="datetimeFigureOut">
               <a:rPr lang="de-DE" smtClean="0"/>
-              <a:t>15.01.2024</a:t>
+              <a:t>16.02.2024</a:t>
             </a:fld>
             <a:endParaRPr lang="de-DE"/>
           </a:p>
@@ -11559,7 +11559,7 @@
                   <a:schemeClr val="tx1"/>
                 </a:solidFill>
               </a:rPr>
-              <a:t> etc.)</a:t>
+              <a:t>, etc.)</a:t>
             </a:r>
           </a:p>
           <a:p>

--- a/materials/images_hochformat.pptx
+++ b/materials/images_hochformat.pptx
@@ -7,9 +7,10 @@
   <p:sldIdLst>
     <p:sldId id="256" r:id="rId2"/>
     <p:sldId id="257" r:id="rId3"/>
-    <p:sldId id="258" r:id="rId4"/>
-    <p:sldId id="259" r:id="rId5"/>
-    <p:sldId id="260" r:id="rId6"/>
+    <p:sldId id="261" r:id="rId4"/>
+    <p:sldId id="258" r:id="rId5"/>
+    <p:sldId id="259" r:id="rId6"/>
+    <p:sldId id="260" r:id="rId7"/>
   </p:sldIdLst>
   <p:sldSz cx="27000200" cy="34199513"/>
   <p:notesSz cx="6858000" cy="9144000"/>
@@ -247,7 +248,7 @@
           <a:p>
             <a:fld id="{F39F49B5-785A-44C4-99F0-898FF83CD003}" type="datetimeFigureOut">
               <a:rPr lang="de-DE" smtClean="0"/>
-              <a:t>16.02.2024</a:t>
+              <a:t>15.05.2024</a:t>
             </a:fld>
             <a:endParaRPr lang="de-DE"/>
           </a:p>
@@ -417,7 +418,7 @@
           <a:p>
             <a:fld id="{F39F49B5-785A-44C4-99F0-898FF83CD003}" type="datetimeFigureOut">
               <a:rPr lang="de-DE" smtClean="0"/>
-              <a:t>16.02.2024</a:t>
+              <a:t>15.05.2024</a:t>
             </a:fld>
             <a:endParaRPr lang="de-DE"/>
           </a:p>
@@ -597,7 +598,7 @@
           <a:p>
             <a:fld id="{F39F49B5-785A-44C4-99F0-898FF83CD003}" type="datetimeFigureOut">
               <a:rPr lang="de-DE" smtClean="0"/>
-              <a:t>16.02.2024</a:t>
+              <a:t>15.05.2024</a:t>
             </a:fld>
             <a:endParaRPr lang="de-DE"/>
           </a:p>
@@ -767,7 +768,7 @@
           <a:p>
             <a:fld id="{F39F49B5-785A-44C4-99F0-898FF83CD003}" type="datetimeFigureOut">
               <a:rPr lang="de-DE" smtClean="0"/>
-              <a:t>16.02.2024</a:t>
+              <a:t>15.05.2024</a:t>
             </a:fld>
             <a:endParaRPr lang="de-DE"/>
           </a:p>
@@ -1011,7 +1012,7 @@
           <a:p>
             <a:fld id="{F39F49B5-785A-44C4-99F0-898FF83CD003}" type="datetimeFigureOut">
               <a:rPr lang="de-DE" smtClean="0"/>
-              <a:t>16.02.2024</a:t>
+              <a:t>15.05.2024</a:t>
             </a:fld>
             <a:endParaRPr lang="de-DE"/>
           </a:p>
@@ -1243,7 +1244,7 @@
           <a:p>
             <a:fld id="{F39F49B5-785A-44C4-99F0-898FF83CD003}" type="datetimeFigureOut">
               <a:rPr lang="de-DE" smtClean="0"/>
-              <a:t>16.02.2024</a:t>
+              <a:t>15.05.2024</a:t>
             </a:fld>
             <a:endParaRPr lang="de-DE"/>
           </a:p>
@@ -1610,7 +1611,7 @@
           <a:p>
             <a:fld id="{F39F49B5-785A-44C4-99F0-898FF83CD003}" type="datetimeFigureOut">
               <a:rPr lang="de-DE" smtClean="0"/>
-              <a:t>16.02.2024</a:t>
+              <a:t>15.05.2024</a:t>
             </a:fld>
             <a:endParaRPr lang="de-DE"/>
           </a:p>
@@ -1728,7 +1729,7 @@
           <a:p>
             <a:fld id="{F39F49B5-785A-44C4-99F0-898FF83CD003}" type="datetimeFigureOut">
               <a:rPr lang="de-DE" smtClean="0"/>
-              <a:t>16.02.2024</a:t>
+              <a:t>15.05.2024</a:t>
             </a:fld>
             <a:endParaRPr lang="de-DE"/>
           </a:p>
@@ -1823,7 +1824,7 @@
           <a:p>
             <a:fld id="{F39F49B5-785A-44C4-99F0-898FF83CD003}" type="datetimeFigureOut">
               <a:rPr lang="de-DE" smtClean="0"/>
-              <a:t>16.02.2024</a:t>
+              <a:t>15.05.2024</a:t>
             </a:fld>
             <a:endParaRPr lang="de-DE"/>
           </a:p>
@@ -2100,7 +2101,7 @@
           <a:p>
             <a:fld id="{F39F49B5-785A-44C4-99F0-898FF83CD003}" type="datetimeFigureOut">
               <a:rPr lang="de-DE" smtClean="0"/>
-              <a:t>16.02.2024</a:t>
+              <a:t>15.05.2024</a:t>
             </a:fld>
             <a:endParaRPr lang="de-DE"/>
           </a:p>
@@ -2357,7 +2358,7 @@
           <a:p>
             <a:fld id="{F39F49B5-785A-44C4-99F0-898FF83CD003}" type="datetimeFigureOut">
               <a:rPr lang="de-DE" smtClean="0"/>
-              <a:t>16.02.2024</a:t>
+              <a:t>15.05.2024</a:t>
             </a:fld>
             <a:endParaRPr lang="de-DE"/>
           </a:p>
@@ -2570,7 +2571,7 @@
           <a:p>
             <a:fld id="{F39F49B5-785A-44C4-99F0-898FF83CD003}" type="datetimeFigureOut">
               <a:rPr lang="de-DE" smtClean="0"/>
-              <a:t>16.02.2024</a:t>
+              <a:t>15.05.2024</a:t>
             </a:fld>
             <a:endParaRPr lang="de-DE"/>
           </a:p>
@@ -7274,7 +7275,7 @@
           <p:cNvPr id="4" name="Rechteck 3">
             <a:extLst>
               <a:ext uri="{FF2B5EF4-FFF2-40B4-BE49-F238E27FC236}">
-                <a16:creationId xmlns:a16="http://schemas.microsoft.com/office/drawing/2014/main" id="{D1C04E16-8200-46A4-9174-04A8DE9081C8}"/>
+                <a16:creationId xmlns:a16="http://schemas.microsoft.com/office/drawing/2014/main" id="{903880EF-9BC3-49DC-B830-C6D5BACC504D}"/>
               </a:ext>
             </a:extLst>
           </p:cNvPr>
@@ -7283,13 +7284,15 @@
         </p:nvSpPr>
         <p:spPr>
           <a:xfrm>
-            <a:off x="1738423" y="2654970"/>
-            <a:ext cx="9501077" cy="1503276"/>
+            <a:off x="4989350" y="1994395"/>
+            <a:ext cx="21256610" cy="1108901"/>
           </a:xfrm>
           <a:prstGeom prst="rect">
             <a:avLst/>
           </a:prstGeom>
-          <a:noFill/>
+          <a:solidFill>
+            <a:schemeClr val="bg1"/>
+          </a:solidFill>
           <a:ln>
             <a:solidFill>
               <a:schemeClr val="tx1"/>
@@ -7318,12 +7321,12 @@
           <a:p>
             <a:pPr algn="ctr"/>
             <a:r>
-              <a:rPr lang="en-US" sz="5400" dirty="0">
+              <a:rPr lang="en-US" sz="4274" dirty="0">
                 <a:solidFill>
                   <a:schemeClr val="tx1"/>
                 </a:solidFill>
               </a:rPr>
-              <a:t>Input Layer</a:t>
+              <a:t>Complete Data Set</a:t>
             </a:r>
           </a:p>
         </p:txBody>
@@ -7333,7 +7336,7 @@
           <p:cNvPr id="5" name="Rechteck 4">
             <a:extLst>
               <a:ext uri="{FF2B5EF4-FFF2-40B4-BE49-F238E27FC236}">
-                <a16:creationId xmlns:a16="http://schemas.microsoft.com/office/drawing/2014/main" id="{CAF4F7E4-C730-4A58-89D0-7ADDDAB3F4C2}"/>
+                <a16:creationId xmlns:a16="http://schemas.microsoft.com/office/drawing/2014/main" id="{393646FC-2BC1-405F-A677-221F15F61FF4}"/>
               </a:ext>
             </a:extLst>
           </p:cNvPr>
@@ -7342,13 +7345,15 @@
         </p:nvSpPr>
         <p:spPr>
           <a:xfrm>
-            <a:off x="1738422" y="4979070"/>
-            <a:ext cx="9501077" cy="1503276"/>
+            <a:off x="4989352" y="3103297"/>
+            <a:ext cx="10628305" cy="1108901"/>
           </a:xfrm>
           <a:prstGeom prst="rect">
             <a:avLst/>
           </a:prstGeom>
-          <a:noFill/>
+          <a:solidFill>
+            <a:schemeClr val="bg1"/>
+          </a:solidFill>
           <a:ln>
             <a:solidFill>
               <a:schemeClr val="tx1"/>
@@ -7377,12 +7382,12 @@
           <a:p>
             <a:pPr algn="ctr"/>
             <a:r>
-              <a:rPr lang="en-US" sz="5400" dirty="0">
+              <a:rPr lang="en-US" sz="4274" dirty="0">
                 <a:solidFill>
                   <a:schemeClr val="tx1"/>
                 </a:solidFill>
               </a:rPr>
-              <a:t>Masking Layer </a:t>
+              <a:t>Data Set for Training</a:t>
             </a:r>
           </a:p>
         </p:txBody>
@@ -7392,7 +7397,7 @@
           <p:cNvPr id="6" name="Rechteck 5">
             <a:extLst>
               <a:ext uri="{FF2B5EF4-FFF2-40B4-BE49-F238E27FC236}">
-                <a16:creationId xmlns:a16="http://schemas.microsoft.com/office/drawing/2014/main" id="{D34721F3-A56E-4B20-8811-9239640E1531}"/>
+                <a16:creationId xmlns:a16="http://schemas.microsoft.com/office/drawing/2014/main" id="{B80F014F-975F-4C5D-BEE8-9EB3A1D9A5FF}"/>
               </a:ext>
             </a:extLst>
           </p:cNvPr>
@@ -7401,13 +7406,15 @@
         </p:nvSpPr>
         <p:spPr>
           <a:xfrm>
-            <a:off x="1738421" y="7303170"/>
-            <a:ext cx="9501077" cy="1503276"/>
+            <a:off x="19099271" y="3103296"/>
+            <a:ext cx="7146691" cy="2211771"/>
           </a:xfrm>
           <a:prstGeom prst="rect">
             <a:avLst/>
           </a:prstGeom>
-          <a:noFill/>
+          <a:solidFill>
+            <a:schemeClr val="bg1"/>
+          </a:solidFill>
           <a:ln>
             <a:solidFill>
               <a:schemeClr val="tx1"/>
@@ -7436,12 +7443,12 @@
           <a:p>
             <a:pPr algn="ctr"/>
             <a:r>
-              <a:rPr lang="en-US" sz="5400" dirty="0">
+              <a:rPr lang="en-US" sz="4274" dirty="0">
                 <a:solidFill>
                   <a:schemeClr val="tx1"/>
                 </a:solidFill>
               </a:rPr>
-              <a:t>Normalization Layer</a:t>
+              <a:t>Test Data Set</a:t>
             </a:r>
           </a:p>
         </p:txBody>
@@ -7451,7 +7458,7 @@
           <p:cNvPr id="7" name="Rechteck 6">
             <a:extLst>
               <a:ext uri="{FF2B5EF4-FFF2-40B4-BE49-F238E27FC236}">
-                <a16:creationId xmlns:a16="http://schemas.microsoft.com/office/drawing/2014/main" id="{6B8B916E-4C03-4E8C-96B8-03272AC55527}"/>
+                <a16:creationId xmlns:a16="http://schemas.microsoft.com/office/drawing/2014/main" id="{83931911-9E03-43EB-A9B3-C062B10883A2}"/>
               </a:ext>
             </a:extLst>
           </p:cNvPr>
@@ -7460,13 +7467,15 @@
         </p:nvSpPr>
         <p:spPr>
           <a:xfrm>
-            <a:off x="1738421" y="9627270"/>
-            <a:ext cx="9501077" cy="1503276"/>
+            <a:off x="9217708" y="4212197"/>
+            <a:ext cx="6376002" cy="1108901"/>
           </a:xfrm>
           <a:prstGeom prst="rect">
             <a:avLst/>
           </a:prstGeom>
-          <a:noFill/>
+          <a:solidFill>
+            <a:schemeClr val="bg1"/>
+          </a:solidFill>
           <a:ln>
             <a:solidFill>
               <a:schemeClr val="tx1"/>
@@ -7495,12 +7504,12 @@
           <a:p>
             <a:pPr algn="ctr"/>
             <a:r>
-              <a:rPr lang="en-US" sz="5400" dirty="0">
+              <a:rPr lang="en-US" sz="4274" dirty="0">
                 <a:solidFill>
                   <a:schemeClr val="tx1"/>
                 </a:solidFill>
               </a:rPr>
-              <a:t>Recurrent Layer</a:t>
+              <a:t>Training Set</a:t>
             </a:r>
           </a:p>
         </p:txBody>
@@ -7510,7 +7519,7 @@
           <p:cNvPr id="8" name="Rechteck 7">
             <a:extLst>
               <a:ext uri="{FF2B5EF4-FFF2-40B4-BE49-F238E27FC236}">
-                <a16:creationId xmlns:a16="http://schemas.microsoft.com/office/drawing/2014/main" id="{BEAF1DFA-F6EF-446A-8C48-3B4888F66800}"/>
+                <a16:creationId xmlns:a16="http://schemas.microsoft.com/office/drawing/2014/main" id="{B860B4BB-5C2A-470D-9447-AAB323F72689}"/>
               </a:ext>
             </a:extLst>
           </p:cNvPr>
@@ -7519,13 +7528,15 @@
         </p:nvSpPr>
         <p:spPr>
           <a:xfrm>
-            <a:off x="1738421" y="11951370"/>
-            <a:ext cx="9501077" cy="1503276"/>
+            <a:off x="4989353" y="4212196"/>
+            <a:ext cx="4252302" cy="1108901"/>
           </a:xfrm>
           <a:prstGeom prst="rect">
             <a:avLst/>
           </a:prstGeom>
-          <a:noFill/>
+          <a:solidFill>
+            <a:schemeClr val="bg1"/>
+          </a:solidFill>
           <a:ln>
             <a:solidFill>
               <a:schemeClr val="tx1"/>
@@ -7554,12 +7565,12 @@
           <a:p>
             <a:pPr algn="ctr"/>
             <a:r>
-              <a:rPr lang="en-US" sz="5400" dirty="0">
+              <a:rPr lang="en-US" sz="4274" dirty="0">
                 <a:solidFill>
                   <a:schemeClr val="tx1"/>
                 </a:solidFill>
               </a:rPr>
-              <a:t>…</a:t>
+              <a:t>Validation Set</a:t>
             </a:r>
           </a:p>
         </p:txBody>
@@ -7569,7 +7580,7 @@
           <p:cNvPr id="9" name="Rechteck 8">
             <a:extLst>
               <a:ext uri="{FF2B5EF4-FFF2-40B4-BE49-F238E27FC236}">
-                <a16:creationId xmlns:a16="http://schemas.microsoft.com/office/drawing/2014/main" id="{0BB7C456-5096-4743-9861-70261BD6F4D6}"/>
+                <a16:creationId xmlns:a16="http://schemas.microsoft.com/office/drawing/2014/main" id="{5E0B22EC-B02C-4EA3-82F8-5899CE333B02}"/>
               </a:ext>
             </a:extLst>
           </p:cNvPr>
@@ -7578,13 +7589,15 @@
         </p:nvSpPr>
         <p:spPr>
           <a:xfrm>
-            <a:off x="1738421" y="14275470"/>
-            <a:ext cx="9501077" cy="1503276"/>
+            <a:off x="9217707" y="9523177"/>
+            <a:ext cx="6375993" cy="1108901"/>
           </a:xfrm>
           <a:prstGeom prst="rect">
             <a:avLst/>
           </a:prstGeom>
-          <a:noFill/>
+          <a:solidFill>
+            <a:schemeClr val="bg1"/>
+          </a:solidFill>
           <a:ln>
             <a:solidFill>
               <a:schemeClr val="tx1"/>
@@ -7613,12 +7626,12 @@
           <a:p>
             <a:pPr algn="ctr"/>
             <a:r>
-              <a:rPr lang="en-US" sz="5400" dirty="0">
+              <a:rPr lang="en-US" sz="4274" dirty="0">
                 <a:solidFill>
                   <a:schemeClr val="tx1"/>
                 </a:solidFill>
               </a:rPr>
-              <a:t>Recurrent Layer</a:t>
+              <a:t>Training</a:t>
             </a:r>
           </a:p>
         </p:txBody>
@@ -7628,7 +7641,7 @@
           <p:cNvPr id="10" name="Rechteck 9">
             <a:extLst>
               <a:ext uri="{FF2B5EF4-FFF2-40B4-BE49-F238E27FC236}">
-                <a16:creationId xmlns:a16="http://schemas.microsoft.com/office/drawing/2014/main" id="{D300AFE8-112D-4384-88AB-0BA3067FC241}"/>
+                <a16:creationId xmlns:a16="http://schemas.microsoft.com/office/drawing/2014/main" id="{125AF882-CA82-41BB-AAC3-A23BC8D2269D}"/>
               </a:ext>
             </a:extLst>
           </p:cNvPr>
@@ -7637,13 +7650,15 @@
         </p:nvSpPr>
         <p:spPr>
           <a:xfrm>
-            <a:off x="1738421" y="16376316"/>
-            <a:ext cx="9501077" cy="3889118"/>
+            <a:off x="9217705" y="6867687"/>
+            <a:ext cx="6376002" cy="1108901"/>
           </a:xfrm>
           <a:prstGeom prst="rect">
             <a:avLst/>
           </a:prstGeom>
-          <a:noFill/>
+          <a:solidFill>
+            <a:schemeClr val="bg1"/>
+          </a:solidFill>
           <a:ln>
             <a:solidFill>
               <a:schemeClr val="tx1"/>
@@ -7672,49 +7687,13 @@
           <a:p>
             <a:pPr algn="ctr"/>
             <a:r>
-              <a:rPr lang="en-US" sz="5400" dirty="0">
+              <a:rPr lang="en-US" sz="4274" dirty="0">
                 <a:solidFill>
                   <a:schemeClr val="tx1"/>
                 </a:solidFill>
               </a:rPr>
-              <a:t>Transformer Encoder Layer</a:t>
-            </a:r>
-            <a:br>
-              <a:rPr lang="en-US" sz="5400" dirty="0">
-                <a:solidFill>
-                  <a:schemeClr val="tx1"/>
-                </a:solidFill>
-              </a:rPr>
-            </a:br>
-            <a:r>
-              <a:rPr lang="en-US" sz="4400" dirty="0">
-                <a:solidFill>
-                  <a:schemeClr val="tx1"/>
-                </a:solidFill>
-              </a:rPr>
-              <a:t>(as described by </a:t>
-            </a:r>
-            <a:r>
-              <a:rPr lang="en-US" sz="4400" dirty="0" err="1">
-                <a:solidFill>
-                  <a:schemeClr val="tx1"/>
-                </a:solidFill>
-              </a:rPr>
-              <a:t>Chollet</a:t>
-            </a:r>
-            <a:r>
-              <a:rPr lang="en-US" sz="4400" dirty="0">
-                <a:solidFill>
-                  <a:schemeClr val="tx1"/>
-                </a:solidFill>
-              </a:rPr>
-              <a:t>, Kalinowski &amp; Allaire 2022 pp. 373)</a:t>
-            </a:r>
-            <a:endParaRPr lang="en-US" sz="5400" dirty="0">
-              <a:solidFill>
-                <a:schemeClr val="tx1"/>
-              </a:solidFill>
-            </a:endParaRPr>
+              <a:t>Creation of Synthetic Cases</a:t>
+            </a:r>
           </a:p>
         </p:txBody>
       </p:sp>
@@ -7723,7 +7702,7 @@
           <p:cNvPr id="12" name="Rechteck 11">
             <a:extLst>
               <a:ext uri="{FF2B5EF4-FFF2-40B4-BE49-F238E27FC236}">
-                <a16:creationId xmlns:a16="http://schemas.microsoft.com/office/drawing/2014/main" id="{920B414A-6E7C-4140-BB3A-BDF3E01EADF6}"/>
+                <a16:creationId xmlns:a16="http://schemas.microsoft.com/office/drawing/2014/main" id="{E5FFB77E-E1BB-4B74-BFB2-BE1C892E01D9}"/>
               </a:ext>
             </a:extLst>
           </p:cNvPr>
@@ -7732,13 +7711,15 @@
         </p:nvSpPr>
         <p:spPr>
           <a:xfrm>
-            <a:off x="1738421" y="21024516"/>
-            <a:ext cx="9501077" cy="1503276"/>
+            <a:off x="15617657" y="3103296"/>
+            <a:ext cx="3481614" cy="2193684"/>
           </a:xfrm>
           <a:prstGeom prst="rect">
             <a:avLst/>
           </a:prstGeom>
-          <a:noFill/>
+          <a:solidFill>
+            <a:schemeClr val="bg1"/>
+          </a:solidFill>
           <a:ln>
             <a:solidFill>
               <a:schemeClr val="tx1"/>
@@ -7767,22 +7748,112 @@
           <a:p>
             <a:pPr algn="ctr"/>
             <a:r>
-              <a:rPr lang="en-US" sz="5400" dirty="0">
+              <a:rPr lang="en-US" sz="4274" dirty="0">
                 <a:solidFill>
                   <a:schemeClr val="tx1"/>
                 </a:solidFill>
               </a:rPr>
-              <a:t>Recurrent Layer</a:t>
-            </a:r>
-          </a:p>
-        </p:txBody>
-      </p:sp>
-      <p:sp>
-        <p:nvSpPr>
-          <p:cNvPr id="13" name="Rechteck 12">
-            <a:extLst>
-              <a:ext uri="{FF2B5EF4-FFF2-40B4-BE49-F238E27FC236}">
-                <a16:creationId xmlns:a16="http://schemas.microsoft.com/office/drawing/2014/main" id="{8FE14ED5-98D0-455D-B360-285CA1C926A8}"/>
+              <a:t>Unlabeled</a:t>
+            </a:r>
+          </a:p>
+        </p:txBody>
+      </p:sp>
+      <p:cxnSp>
+        <p:nvCxnSpPr>
+          <p:cNvPr id="3" name="Gerade Verbindung mit Pfeil 2">
+            <a:extLst>
+              <a:ext uri="{FF2B5EF4-FFF2-40B4-BE49-F238E27FC236}">
+                <a16:creationId xmlns:a16="http://schemas.microsoft.com/office/drawing/2014/main" id="{5B2A95E9-2AF9-4B13-B1BE-A4AAE3096748}"/>
+              </a:ext>
+            </a:extLst>
+          </p:cNvPr>
+          <p:cNvCxnSpPr>
+            <a:stCxn id="7" idx="2"/>
+          </p:cNvCxnSpPr>
+          <p:nvPr/>
+        </p:nvCxnSpPr>
+        <p:spPr>
+          <a:xfrm flipH="1">
+            <a:off x="12405706" y="5321098"/>
+            <a:ext cx="3" cy="1546589"/>
+          </a:xfrm>
+          <a:prstGeom prst="straightConnector1">
+            <a:avLst/>
+          </a:prstGeom>
+          <a:ln w="76200">
+            <a:solidFill>
+              <a:schemeClr val="tx1"/>
+            </a:solidFill>
+            <a:tailEnd type="triangle"/>
+          </a:ln>
+        </p:spPr>
+        <p:style>
+          <a:lnRef idx="1">
+            <a:schemeClr val="accent1"/>
+          </a:lnRef>
+          <a:fillRef idx="0">
+            <a:schemeClr val="accent1"/>
+          </a:fillRef>
+          <a:effectRef idx="0">
+            <a:schemeClr val="accent1"/>
+          </a:effectRef>
+          <a:fontRef idx="minor">
+            <a:schemeClr val="tx1"/>
+          </a:fontRef>
+        </p:style>
+      </p:cxnSp>
+      <p:cxnSp>
+        <p:nvCxnSpPr>
+          <p:cNvPr id="15" name="Gerade Verbindung mit Pfeil 14">
+            <a:extLst>
+              <a:ext uri="{FF2B5EF4-FFF2-40B4-BE49-F238E27FC236}">
+                <a16:creationId xmlns:a16="http://schemas.microsoft.com/office/drawing/2014/main" id="{3A0053F3-24C0-4A9B-8F80-D9090A5BE1B3}"/>
+              </a:ext>
+            </a:extLst>
+          </p:cNvPr>
+          <p:cNvCxnSpPr>
+            <a:cxnSpLocks/>
+            <a:stCxn id="10" idx="2"/>
+            <a:endCxn id="9" idx="0"/>
+          </p:cNvCxnSpPr>
+          <p:nvPr/>
+        </p:nvCxnSpPr>
+        <p:spPr>
+          <a:xfrm flipH="1">
+            <a:off x="12405704" y="7976588"/>
+            <a:ext cx="2" cy="1546589"/>
+          </a:xfrm>
+          <a:prstGeom prst="straightConnector1">
+            <a:avLst/>
+          </a:prstGeom>
+          <a:ln w="76200">
+            <a:solidFill>
+              <a:schemeClr val="tx1"/>
+            </a:solidFill>
+            <a:tailEnd type="triangle"/>
+          </a:ln>
+        </p:spPr>
+        <p:style>
+          <a:lnRef idx="1">
+            <a:schemeClr val="accent1"/>
+          </a:lnRef>
+          <a:fillRef idx="0">
+            <a:schemeClr val="accent1"/>
+          </a:fillRef>
+          <a:effectRef idx="0">
+            <a:schemeClr val="accent1"/>
+          </a:effectRef>
+          <a:fontRef idx="minor">
+            <a:schemeClr val="tx1"/>
+          </a:fontRef>
+        </p:style>
+      </p:cxnSp>
+      <p:sp>
+        <p:nvSpPr>
+          <p:cNvPr id="35" name="Rechteck 34">
+            <a:extLst>
+              <a:ext uri="{FF2B5EF4-FFF2-40B4-BE49-F238E27FC236}">
+                <a16:creationId xmlns:a16="http://schemas.microsoft.com/office/drawing/2014/main" id="{03DDF0FF-9656-4B07-A528-1B16CDF52014}"/>
               </a:ext>
             </a:extLst>
           </p:cNvPr>
@@ -7791,13 +7862,15 @@
         </p:nvSpPr>
         <p:spPr>
           <a:xfrm>
-            <a:off x="1738421" y="23130708"/>
-            <a:ext cx="9501077" cy="1503276"/>
+            <a:off x="9217705" y="12178667"/>
+            <a:ext cx="6376000" cy="1108901"/>
           </a:xfrm>
           <a:prstGeom prst="rect">
             <a:avLst/>
           </a:prstGeom>
-          <a:noFill/>
+          <a:solidFill>
+            <a:schemeClr val="bg1"/>
+          </a:solidFill>
           <a:ln>
             <a:solidFill>
               <a:schemeClr val="tx1"/>
@@ -7826,22 +7899,163 @@
           <a:p>
             <a:pPr algn="ctr"/>
             <a:r>
-              <a:rPr lang="en-US" sz="5400" dirty="0">
+              <a:rPr lang="en-US" sz="4274" dirty="0">
                 <a:solidFill>
                   <a:schemeClr val="tx1"/>
                 </a:solidFill>
               </a:rPr>
-              <a:t>Dense Layer</a:t>
-            </a:r>
-          </a:p>
-        </p:txBody>
-      </p:sp>
-      <p:sp>
-        <p:nvSpPr>
-          <p:cNvPr id="14" name="Rechteck 13">
-            <a:extLst>
-              <a:ext uri="{FF2B5EF4-FFF2-40B4-BE49-F238E27FC236}">
-                <a16:creationId xmlns:a16="http://schemas.microsoft.com/office/drawing/2014/main" id="{B5CA1D42-D104-4A43-93D7-EACB33E6F3AC}"/>
+              <a:t>Estimation of Pseudo Labels</a:t>
+            </a:r>
+          </a:p>
+        </p:txBody>
+      </p:sp>
+      <p:cxnSp>
+        <p:nvCxnSpPr>
+          <p:cNvPr id="20" name="Gerade Verbindung mit Pfeil 19">
+            <a:extLst>
+              <a:ext uri="{FF2B5EF4-FFF2-40B4-BE49-F238E27FC236}">
+                <a16:creationId xmlns:a16="http://schemas.microsoft.com/office/drawing/2014/main" id="{F5619851-E111-4EF8-A163-2DD8A8263579}"/>
+              </a:ext>
+            </a:extLst>
+          </p:cNvPr>
+          <p:cNvCxnSpPr>
+            <a:stCxn id="9" idx="2"/>
+          </p:cNvCxnSpPr>
+          <p:nvPr/>
+        </p:nvCxnSpPr>
+        <p:spPr>
+          <a:xfrm flipH="1">
+            <a:off x="12405703" y="10632078"/>
+            <a:ext cx="1" cy="1546589"/>
+          </a:xfrm>
+          <a:prstGeom prst="straightConnector1">
+            <a:avLst/>
+          </a:prstGeom>
+          <a:ln w="76200">
+            <a:solidFill>
+              <a:schemeClr val="tx1"/>
+            </a:solidFill>
+            <a:prstDash val="dash"/>
+            <a:tailEnd type="triangle"/>
+          </a:ln>
+        </p:spPr>
+        <p:style>
+          <a:lnRef idx="1">
+            <a:schemeClr val="accent1"/>
+          </a:lnRef>
+          <a:fillRef idx="0">
+            <a:schemeClr val="accent1"/>
+          </a:fillRef>
+          <a:effectRef idx="0">
+            <a:schemeClr val="accent1"/>
+          </a:effectRef>
+          <a:fontRef idx="minor">
+            <a:schemeClr val="tx1"/>
+          </a:fontRef>
+        </p:style>
+      </p:cxnSp>
+      <p:cxnSp>
+        <p:nvCxnSpPr>
+          <p:cNvPr id="25" name="Verbinder: gewinkelt 24">
+            <a:extLst>
+              <a:ext uri="{FF2B5EF4-FFF2-40B4-BE49-F238E27FC236}">
+                <a16:creationId xmlns:a16="http://schemas.microsoft.com/office/drawing/2014/main" id="{E0B1ED41-41F1-497F-8DF4-1225B65C9B5A}"/>
+              </a:ext>
+            </a:extLst>
+          </p:cNvPr>
+          <p:cNvCxnSpPr>
+            <a:cxnSpLocks/>
+            <a:stCxn id="35" idx="1"/>
+            <a:endCxn id="10" idx="1"/>
+          </p:cNvCxnSpPr>
+          <p:nvPr/>
+        </p:nvCxnSpPr>
+        <p:spPr>
+          <a:xfrm rot="10800000">
+            <a:off x="9217705" y="7422138"/>
+            <a:ext cx="12700" cy="5310980"/>
+          </a:xfrm>
+          <a:prstGeom prst="bentConnector3">
+            <a:avLst>
+              <a:gd name="adj1" fmla="val 5283866"/>
+            </a:avLst>
+          </a:prstGeom>
+          <a:ln w="76200">
+            <a:solidFill>
+              <a:schemeClr val="tx1"/>
+            </a:solidFill>
+            <a:prstDash val="dash"/>
+            <a:tailEnd type="triangle"/>
+          </a:ln>
+        </p:spPr>
+        <p:style>
+          <a:lnRef idx="1">
+            <a:schemeClr val="accent1"/>
+          </a:lnRef>
+          <a:fillRef idx="0">
+            <a:schemeClr val="accent1"/>
+          </a:fillRef>
+          <a:effectRef idx="0">
+            <a:schemeClr val="accent1"/>
+          </a:effectRef>
+          <a:fontRef idx="minor">
+            <a:schemeClr val="tx1"/>
+          </a:fontRef>
+        </p:style>
+      </p:cxnSp>
+      <p:cxnSp>
+        <p:nvCxnSpPr>
+          <p:cNvPr id="30" name="Verbinder: gewinkelt 29">
+            <a:extLst>
+              <a:ext uri="{FF2B5EF4-FFF2-40B4-BE49-F238E27FC236}">
+                <a16:creationId xmlns:a16="http://schemas.microsoft.com/office/drawing/2014/main" id="{58F42008-21F2-470E-ABAC-F8C304465316}"/>
+              </a:ext>
+            </a:extLst>
+          </p:cNvPr>
+          <p:cNvCxnSpPr>
+            <a:cxnSpLocks/>
+            <a:stCxn id="12" idx="2"/>
+            <a:endCxn id="35" idx="3"/>
+          </p:cNvCxnSpPr>
+          <p:nvPr/>
+        </p:nvCxnSpPr>
+        <p:spPr>
+          <a:xfrm rot="5400000">
+            <a:off x="12758016" y="8132670"/>
+            <a:ext cx="7436138" cy="1764759"/>
+          </a:xfrm>
+          <a:prstGeom prst="bentConnector2">
+            <a:avLst/>
+          </a:prstGeom>
+          <a:ln w="76200">
+            <a:solidFill>
+              <a:schemeClr val="tx1"/>
+            </a:solidFill>
+            <a:prstDash val="dash"/>
+            <a:tailEnd type="triangle"/>
+          </a:ln>
+        </p:spPr>
+        <p:style>
+          <a:lnRef idx="1">
+            <a:schemeClr val="accent1"/>
+          </a:lnRef>
+          <a:fillRef idx="0">
+            <a:schemeClr val="accent1"/>
+          </a:fillRef>
+          <a:effectRef idx="0">
+            <a:schemeClr val="accent1"/>
+          </a:effectRef>
+          <a:fontRef idx="minor">
+            <a:schemeClr val="tx1"/>
+          </a:fontRef>
+        </p:style>
+      </p:cxnSp>
+      <p:sp>
+        <p:nvSpPr>
+          <p:cNvPr id="49" name="Rechteck 48">
+            <a:extLst>
+              <a:ext uri="{FF2B5EF4-FFF2-40B4-BE49-F238E27FC236}">
+                <a16:creationId xmlns:a16="http://schemas.microsoft.com/office/drawing/2014/main" id="{35C91611-1BB4-4045-B7D6-23ABBA4FAE12}"/>
               </a:ext>
             </a:extLst>
           </p:cNvPr>
@@ -7850,13 +8064,15 @@
         </p:nvSpPr>
         <p:spPr>
           <a:xfrm>
-            <a:off x="1738421" y="25454808"/>
-            <a:ext cx="9501077" cy="1503276"/>
+            <a:off x="9241664" y="15749339"/>
+            <a:ext cx="6375993" cy="1108901"/>
           </a:xfrm>
           <a:prstGeom prst="rect">
             <a:avLst/>
           </a:prstGeom>
-          <a:noFill/>
+          <a:solidFill>
+            <a:schemeClr val="bg1"/>
+          </a:solidFill>
           <a:ln>
             <a:solidFill>
               <a:schemeClr val="tx1"/>
@@ -7885,22 +8101,22 @@
           <a:p>
             <a:pPr algn="ctr"/>
             <a:r>
-              <a:rPr lang="en-US" sz="5400" dirty="0">
+              <a:rPr lang="en-US" sz="4274" dirty="0">
                 <a:solidFill>
                   <a:schemeClr val="tx1"/>
                 </a:solidFill>
               </a:rPr>
-              <a:t>…</a:t>
-            </a:r>
-          </a:p>
-        </p:txBody>
-      </p:sp>
-      <p:sp>
-        <p:nvSpPr>
-          <p:cNvPr id="15" name="Rechteck 14">
-            <a:extLst>
-              <a:ext uri="{FF2B5EF4-FFF2-40B4-BE49-F238E27FC236}">
-                <a16:creationId xmlns:a16="http://schemas.microsoft.com/office/drawing/2014/main" id="{09830C18-53DC-4354-8FC3-2698B5BCD29E}"/>
+              <a:t>Trained Classifier</a:t>
+            </a:r>
+          </a:p>
+        </p:txBody>
+      </p:sp>
+      <p:sp>
+        <p:nvSpPr>
+          <p:cNvPr id="44" name="Ellipse 43">
+            <a:extLst>
+              <a:ext uri="{FF2B5EF4-FFF2-40B4-BE49-F238E27FC236}">
+                <a16:creationId xmlns:a16="http://schemas.microsoft.com/office/drawing/2014/main" id="{B710E4D2-5787-4505-AC83-02DF0F43341B}"/>
               </a:ext>
             </a:extLst>
           </p:cNvPr>
@@ -7909,13 +8125,15 @@
         </p:nvSpPr>
         <p:spPr>
           <a:xfrm>
-            <a:off x="1738421" y="27778908"/>
-            <a:ext cx="9501077" cy="1503276"/>
-          </a:xfrm>
-          <a:prstGeom prst="rect">
-            <a:avLst/>
-          </a:prstGeom>
-          <a:noFill/>
+            <a:off x="20399650" y="15129948"/>
+            <a:ext cx="4545931" cy="2359741"/>
+          </a:xfrm>
+          <a:prstGeom prst="ellipse">
+            <a:avLst/>
+          </a:prstGeom>
+          <a:solidFill>
+            <a:schemeClr val="bg1"/>
+          </a:solidFill>
           <a:ln>
             <a:solidFill>
               <a:schemeClr val="tx1"/>
@@ -7944,22 +8162,206 @@
           <a:p>
             <a:pPr algn="ctr"/>
             <a:r>
-              <a:rPr lang="en-US" sz="5400" dirty="0">
+              <a:rPr lang="en-US" sz="4274">
                 <a:solidFill>
                   <a:schemeClr val="tx1"/>
                 </a:solidFill>
               </a:rPr>
-              <a:t>Dense Layer</a:t>
-            </a:r>
-          </a:p>
-        </p:txBody>
-      </p:sp>
-      <p:sp>
-        <p:nvSpPr>
-          <p:cNvPr id="16" name="Rechteck 15">
-            <a:extLst>
-              <a:ext uri="{FF2B5EF4-FFF2-40B4-BE49-F238E27FC236}">
-                <a16:creationId xmlns:a16="http://schemas.microsoft.com/office/drawing/2014/main" id="{D279CCA7-158C-4ABE-AC75-B8F8EDAFF10F}"/>
+              <a:t>Performance Estimation</a:t>
+            </a:r>
+          </a:p>
+        </p:txBody>
+      </p:sp>
+      <p:cxnSp>
+        <p:nvCxnSpPr>
+          <p:cNvPr id="48" name="Gerade Verbindung mit Pfeil 47">
+            <a:extLst>
+              <a:ext uri="{FF2B5EF4-FFF2-40B4-BE49-F238E27FC236}">
+                <a16:creationId xmlns:a16="http://schemas.microsoft.com/office/drawing/2014/main" id="{467C3C15-B4C9-40FC-AA7C-E216E05FDE4E}"/>
+              </a:ext>
+            </a:extLst>
+          </p:cNvPr>
+          <p:cNvCxnSpPr>
+            <a:cxnSpLocks/>
+            <a:stCxn id="6" idx="2"/>
+            <a:endCxn id="44" idx="0"/>
+          </p:cNvCxnSpPr>
+          <p:nvPr/>
+        </p:nvCxnSpPr>
+        <p:spPr>
+          <a:xfrm flipH="1">
+            <a:off x="22672616" y="5315067"/>
+            <a:ext cx="1" cy="9814881"/>
+          </a:xfrm>
+          <a:prstGeom prst="straightConnector1">
+            <a:avLst/>
+          </a:prstGeom>
+          <a:ln w="76200">
+            <a:solidFill>
+              <a:schemeClr val="tx1"/>
+            </a:solidFill>
+            <a:tailEnd type="triangle"/>
+          </a:ln>
+        </p:spPr>
+        <p:style>
+          <a:lnRef idx="1">
+            <a:schemeClr val="accent1"/>
+          </a:lnRef>
+          <a:fillRef idx="0">
+            <a:schemeClr val="accent1"/>
+          </a:fillRef>
+          <a:effectRef idx="0">
+            <a:schemeClr val="accent1"/>
+          </a:effectRef>
+          <a:fontRef idx="minor">
+            <a:schemeClr val="tx1"/>
+          </a:fontRef>
+        </p:style>
+      </p:cxnSp>
+      <p:cxnSp>
+        <p:nvCxnSpPr>
+          <p:cNvPr id="54" name="Gerade Verbindung mit Pfeil 53">
+            <a:extLst>
+              <a:ext uri="{FF2B5EF4-FFF2-40B4-BE49-F238E27FC236}">
+                <a16:creationId xmlns:a16="http://schemas.microsoft.com/office/drawing/2014/main" id="{41295E32-5577-4661-B20D-68ACE9A69CC2}"/>
+              </a:ext>
+            </a:extLst>
+          </p:cNvPr>
+          <p:cNvCxnSpPr>
+            <a:stCxn id="49" idx="3"/>
+            <a:endCxn id="44" idx="2"/>
+          </p:cNvCxnSpPr>
+          <p:nvPr/>
+        </p:nvCxnSpPr>
+        <p:spPr>
+          <a:xfrm>
+            <a:off x="15617657" y="16303790"/>
+            <a:ext cx="4781993" cy="6029"/>
+          </a:xfrm>
+          <a:prstGeom prst="straightConnector1">
+            <a:avLst/>
+          </a:prstGeom>
+          <a:ln w="76200">
+            <a:solidFill>
+              <a:schemeClr val="tx1"/>
+            </a:solidFill>
+            <a:tailEnd type="triangle"/>
+          </a:ln>
+        </p:spPr>
+        <p:style>
+          <a:lnRef idx="1">
+            <a:schemeClr val="accent1"/>
+          </a:lnRef>
+          <a:fillRef idx="0">
+            <a:schemeClr val="accent1"/>
+          </a:fillRef>
+          <a:effectRef idx="0">
+            <a:schemeClr val="accent1"/>
+          </a:effectRef>
+          <a:fontRef idx="minor">
+            <a:schemeClr val="tx1"/>
+          </a:fontRef>
+        </p:style>
+      </p:cxnSp>
+      <p:cxnSp>
+        <p:nvCxnSpPr>
+          <p:cNvPr id="68" name="Verbinder: gewinkelt 67">
+            <a:extLst>
+              <a:ext uri="{FF2B5EF4-FFF2-40B4-BE49-F238E27FC236}">
+                <a16:creationId xmlns:a16="http://schemas.microsoft.com/office/drawing/2014/main" id="{0BEE7BAB-5B6C-423A-911C-4055589F616E}"/>
+              </a:ext>
+            </a:extLst>
+          </p:cNvPr>
+          <p:cNvCxnSpPr>
+            <a:stCxn id="8" idx="2"/>
+            <a:endCxn id="9" idx="1"/>
+          </p:cNvCxnSpPr>
+          <p:nvPr/>
+        </p:nvCxnSpPr>
+        <p:spPr>
+          <a:xfrm rot="16200000" flipH="1">
+            <a:off x="5788340" y="6648260"/>
+            <a:ext cx="4756531" cy="2102203"/>
+          </a:xfrm>
+          <a:prstGeom prst="bentConnector2">
+            <a:avLst/>
+          </a:prstGeom>
+          <a:ln w="76200">
+            <a:solidFill>
+              <a:schemeClr val="tx1"/>
+            </a:solidFill>
+            <a:tailEnd type="triangle"/>
+          </a:ln>
+        </p:spPr>
+        <p:style>
+          <a:lnRef idx="1">
+            <a:schemeClr val="accent1"/>
+          </a:lnRef>
+          <a:fillRef idx="0">
+            <a:schemeClr val="accent1"/>
+          </a:fillRef>
+          <a:effectRef idx="0">
+            <a:schemeClr val="accent1"/>
+          </a:effectRef>
+          <a:fontRef idx="minor">
+            <a:schemeClr val="tx1"/>
+          </a:fontRef>
+        </p:style>
+      </p:cxnSp>
+      <p:cxnSp>
+        <p:nvCxnSpPr>
+          <p:cNvPr id="70" name="Verbinder: gewinkelt 69">
+            <a:extLst>
+              <a:ext uri="{FF2B5EF4-FFF2-40B4-BE49-F238E27FC236}">
+                <a16:creationId xmlns:a16="http://schemas.microsoft.com/office/drawing/2014/main" id="{9A59B5C6-A74D-4B57-9A3F-241F27F24472}"/>
+              </a:ext>
+            </a:extLst>
+          </p:cNvPr>
+          <p:cNvCxnSpPr>
+            <a:stCxn id="9" idx="3"/>
+            <a:endCxn id="49" idx="0"/>
+          </p:cNvCxnSpPr>
+          <p:nvPr/>
+        </p:nvCxnSpPr>
+        <p:spPr>
+          <a:xfrm flipH="1">
+            <a:off x="12429661" y="10077628"/>
+            <a:ext cx="3164039" cy="5671711"/>
+          </a:xfrm>
+          <a:prstGeom prst="bentConnector4">
+            <a:avLst>
+              <a:gd name="adj1" fmla="val -91128"/>
+              <a:gd name="adj2" fmla="val 85052"/>
+            </a:avLst>
+          </a:prstGeom>
+          <a:ln w="76200">
+            <a:solidFill>
+              <a:schemeClr val="tx1"/>
+            </a:solidFill>
+            <a:tailEnd type="triangle"/>
+          </a:ln>
+        </p:spPr>
+        <p:style>
+          <a:lnRef idx="1">
+            <a:schemeClr val="accent1"/>
+          </a:lnRef>
+          <a:fillRef idx="0">
+            <a:schemeClr val="accent1"/>
+          </a:fillRef>
+          <a:effectRef idx="0">
+            <a:schemeClr val="accent1"/>
+          </a:effectRef>
+          <a:fontRef idx="minor">
+            <a:schemeClr val="tx1"/>
+          </a:fontRef>
+        </p:style>
+      </p:cxnSp>
+      <p:sp>
+        <p:nvSpPr>
+          <p:cNvPr id="80" name="Rechteck 79">
+            <a:extLst>
+              <a:ext uri="{FF2B5EF4-FFF2-40B4-BE49-F238E27FC236}">
+                <a16:creationId xmlns:a16="http://schemas.microsoft.com/office/drawing/2014/main" id="{F2ECCD74-1BC3-4C63-9229-125EB4165764}"/>
               </a:ext>
             </a:extLst>
           </p:cNvPr>
@@ -7968,13 +8370,17 @@
         </p:nvSpPr>
         <p:spPr>
           <a:xfrm>
-            <a:off x="1738420" y="30103008"/>
-            <a:ext cx="9501077" cy="1503276"/>
+            <a:off x="195116" y="1994395"/>
+            <a:ext cx="4414634" cy="3302585"/>
           </a:xfrm>
           <a:prstGeom prst="rect">
             <a:avLst/>
           </a:prstGeom>
-          <a:noFill/>
+          <a:solidFill>
+            <a:schemeClr val="bg1">
+              <a:lumMod val="75000"/>
+            </a:schemeClr>
+          </a:solidFill>
           <a:ln>
             <a:solidFill>
               <a:schemeClr val="tx1"/>
@@ -8003,159 +8409,150 @@
           <a:p>
             <a:pPr algn="ctr"/>
             <a:r>
-              <a:rPr lang="en-US" sz="5400" dirty="0">
+              <a:rPr lang="en-US" sz="4400" dirty="0">
                 <a:solidFill>
                   <a:schemeClr val="tx1"/>
                 </a:solidFill>
               </a:rPr>
-              <a:t>Output Layer</a:t>
-            </a:r>
-          </a:p>
-        </p:txBody>
-      </p:sp>
-      <p:sp>
-        <p:nvSpPr>
-          <p:cNvPr id="17" name="Textfeld 16">
-            <a:extLst>
-              <a:ext uri="{FF2B5EF4-FFF2-40B4-BE49-F238E27FC236}">
-                <a16:creationId xmlns:a16="http://schemas.microsoft.com/office/drawing/2014/main" id="{5DEE101E-F820-4555-BC9C-26A182685A4A}"/>
-              </a:ext>
-            </a:extLst>
-          </p:cNvPr>
-          <p:cNvSpPr txBox="1"/>
-          <p:nvPr/>
-        </p:nvSpPr>
-        <p:spPr>
-          <a:xfrm>
-            <a:off x="15392400" y="2922574"/>
-            <a:ext cx="10782300" cy="923330"/>
+              <a:t>Data Split</a:t>
+            </a:r>
+          </a:p>
+        </p:txBody>
+      </p:sp>
+      <p:sp>
+        <p:nvSpPr>
+          <p:cNvPr id="81" name="Rechteck 80">
+            <a:extLst>
+              <a:ext uri="{FF2B5EF4-FFF2-40B4-BE49-F238E27FC236}">
+                <a16:creationId xmlns:a16="http://schemas.microsoft.com/office/drawing/2014/main" id="{743ABF61-A7A8-40E0-AA41-AC0D3778EC58}"/>
+              </a:ext>
+            </a:extLst>
+          </p:cNvPr>
+          <p:cNvSpPr/>
+          <p:nvPr/>
+        </p:nvSpPr>
+        <p:spPr>
+          <a:xfrm>
+            <a:off x="195116" y="6867687"/>
+            <a:ext cx="4414634" cy="6419881"/>
           </a:xfrm>
           <a:prstGeom prst="rect">
             <a:avLst/>
           </a:prstGeom>
-          <a:noFill/>
-        </p:spPr>
-        <p:txBody>
-          <a:bodyPr wrap="square" rtlCol="0">
-            <a:spAutoFit/>
-          </a:bodyPr>
-          <a:lstStyle/>
-          <a:p>
-            <a:r>
-              <a:rPr lang="en-US" sz="5400" b="1" dirty="0"/>
-              <a:t>automatic</a:t>
-            </a:r>
-          </a:p>
-        </p:txBody>
-      </p:sp>
-      <p:sp>
-        <p:nvSpPr>
-          <p:cNvPr id="18" name="Textfeld 17">
-            <a:extLst>
-              <a:ext uri="{FF2B5EF4-FFF2-40B4-BE49-F238E27FC236}">
-                <a16:creationId xmlns:a16="http://schemas.microsoft.com/office/drawing/2014/main" id="{C927B01C-B6A8-4C25-8AD4-67A4E3CD5039}"/>
-              </a:ext>
-            </a:extLst>
-          </p:cNvPr>
-          <p:cNvSpPr txBox="1"/>
-          <p:nvPr/>
-        </p:nvSpPr>
-        <p:spPr>
-          <a:xfrm>
-            <a:off x="15392400" y="5301304"/>
-            <a:ext cx="10782300" cy="923330"/>
+          <a:solidFill>
+            <a:schemeClr val="bg1">
+              <a:lumMod val="75000"/>
+            </a:schemeClr>
+          </a:solidFill>
+          <a:ln>
+            <a:solidFill>
+              <a:schemeClr val="tx1"/>
+            </a:solidFill>
+          </a:ln>
+        </p:spPr>
+        <p:style>
+          <a:lnRef idx="2">
+            <a:schemeClr val="accent1">
+              <a:shade val="50000"/>
+            </a:schemeClr>
+          </a:lnRef>
+          <a:fillRef idx="1">
+            <a:schemeClr val="accent1"/>
+          </a:fillRef>
+          <a:effectRef idx="0">
+            <a:schemeClr val="accent1"/>
+          </a:effectRef>
+          <a:fontRef idx="minor">
+            <a:schemeClr val="lt1"/>
+          </a:fontRef>
+        </p:style>
+        <p:txBody>
+          <a:bodyPr rtlCol="0" anchor="ctr"/>
+          <a:lstStyle/>
+          <a:p>
+            <a:pPr algn="ctr"/>
+            <a:r>
+              <a:rPr lang="en-US" sz="4400" dirty="0">
+                <a:solidFill>
+                  <a:schemeClr val="tx1"/>
+                </a:solidFill>
+              </a:rPr>
+              <a:t>Training Loop</a:t>
+            </a:r>
+          </a:p>
+          <a:p>
+            <a:pPr algn="ctr"/>
+            <a:r>
+              <a:rPr lang="en-US" sz="4400" dirty="0">
+                <a:solidFill>
+                  <a:schemeClr val="tx1"/>
+                </a:solidFill>
+              </a:rPr>
+              <a:t>for  </a:t>
+            </a:r>
+            <a:br>
+              <a:rPr lang="en-US" sz="4400" dirty="0">
+                <a:solidFill>
+                  <a:schemeClr val="tx1"/>
+                </a:solidFill>
+              </a:rPr>
+            </a:br>
+            <a:r>
+              <a:rPr lang="en-US" sz="4400" dirty="0">
+                <a:solidFill>
+                  <a:schemeClr val="tx1"/>
+                </a:solidFill>
+              </a:rPr>
+              <a:t>Pseudo Labeling</a:t>
+            </a:r>
+          </a:p>
+        </p:txBody>
+      </p:sp>
+      <p:sp>
+        <p:nvSpPr>
+          <p:cNvPr id="82" name="Rechteck 81">
+            <a:extLst>
+              <a:ext uri="{FF2B5EF4-FFF2-40B4-BE49-F238E27FC236}">
+                <a16:creationId xmlns:a16="http://schemas.microsoft.com/office/drawing/2014/main" id="{79D80ED6-9B94-4921-A538-CCF6453339C3}"/>
+              </a:ext>
+            </a:extLst>
+          </p:cNvPr>
+          <p:cNvSpPr/>
+          <p:nvPr/>
+        </p:nvSpPr>
+        <p:spPr>
+          <a:xfrm>
+            <a:off x="459519" y="15749339"/>
+            <a:ext cx="4414634" cy="1108901"/>
           </a:xfrm>
           <a:prstGeom prst="rect">
             <a:avLst/>
           </a:prstGeom>
-          <a:noFill/>
-        </p:spPr>
-        <p:txBody>
-          <a:bodyPr wrap="square" rtlCol="0">
-            <a:spAutoFit/>
-          </a:bodyPr>
-          <a:lstStyle/>
-          <a:p>
-            <a:r>
-              <a:rPr lang="en-US" sz="5400" b="1" dirty="0"/>
-              <a:t>automatic</a:t>
-            </a:r>
-          </a:p>
-        </p:txBody>
-      </p:sp>
-      <p:sp>
-        <p:nvSpPr>
-          <p:cNvPr id="19" name="Textfeld 18">
-            <a:extLst>
-              <a:ext uri="{FF2B5EF4-FFF2-40B4-BE49-F238E27FC236}">
-                <a16:creationId xmlns:a16="http://schemas.microsoft.com/office/drawing/2014/main" id="{A8810DCB-386E-42E8-9793-26B61D8D252A}"/>
-              </a:ext>
-            </a:extLst>
-          </p:cNvPr>
-          <p:cNvSpPr txBox="1"/>
-          <p:nvPr/>
-        </p:nvSpPr>
-        <p:spPr>
-          <a:xfrm>
-            <a:off x="15392400" y="7680034"/>
-            <a:ext cx="10782300" cy="923330"/>
-          </a:xfrm>
-          <a:prstGeom prst="rect">
-            <a:avLst/>
-          </a:prstGeom>
-          <a:noFill/>
-        </p:spPr>
-        <p:txBody>
-          <a:bodyPr wrap="square" rtlCol="0">
-            <a:spAutoFit/>
-          </a:bodyPr>
-          <a:lstStyle/>
-          <a:p>
-            <a:r>
-              <a:rPr lang="en-US" sz="5400" b="1" dirty="0"/>
-              <a:t>automatic</a:t>
-            </a:r>
-          </a:p>
-        </p:txBody>
-      </p:sp>
-      <p:sp>
-        <p:nvSpPr>
-          <p:cNvPr id="20" name="Geschweifte Klammer rechts 19">
-            <a:extLst>
-              <a:ext uri="{FF2B5EF4-FFF2-40B4-BE49-F238E27FC236}">
-                <a16:creationId xmlns:a16="http://schemas.microsoft.com/office/drawing/2014/main" id="{8B2EEDE5-FB9E-467D-9DA0-637109260C98}"/>
-              </a:ext>
-            </a:extLst>
-          </p:cNvPr>
-          <p:cNvSpPr/>
-          <p:nvPr/>
-        </p:nvSpPr>
-        <p:spPr>
-          <a:xfrm>
-            <a:off x="11239497" y="9627270"/>
-            <a:ext cx="3657603" cy="6174446"/>
-          </a:xfrm>
-          <a:prstGeom prst="rightBrace">
-            <a:avLst/>
-          </a:prstGeom>
-          <a:ln w="57150">
-            <a:solidFill>
-              <a:schemeClr val="tx1"/>
-            </a:solidFill>
-          </a:ln>
-        </p:spPr>
-        <p:style>
-          <a:lnRef idx="1">
-            <a:schemeClr val="accent1"/>
-          </a:lnRef>
-          <a:fillRef idx="0">
-            <a:schemeClr val="accent1"/>
-          </a:fillRef>
-          <a:effectRef idx="0">
-            <a:schemeClr val="accent1"/>
-          </a:effectRef>
-          <a:fontRef idx="minor">
-            <a:schemeClr val="tx1"/>
+          <a:solidFill>
+            <a:schemeClr val="bg1">
+              <a:lumMod val="75000"/>
+            </a:schemeClr>
+          </a:solidFill>
+          <a:ln>
+            <a:solidFill>
+              <a:schemeClr val="tx1"/>
+            </a:solidFill>
+          </a:ln>
+        </p:spPr>
+        <p:style>
+          <a:lnRef idx="2">
+            <a:schemeClr val="accent1">
+              <a:shade val="50000"/>
+            </a:schemeClr>
+          </a:lnRef>
+          <a:fillRef idx="1">
+            <a:schemeClr val="accent1"/>
+          </a:fillRef>
+          <a:effectRef idx="0">
+            <a:schemeClr val="accent1"/>
+          </a:effectRef>
+          <a:fontRef idx="minor">
+            <a:schemeClr val="lt1"/>
           </a:fontRef>
         </p:style>
         <p:txBody>
@@ -8163,817 +8560,21 @@
           <a:lstStyle/>
           <a:p>
             <a:pPr algn="ctr"/>
-            <a:endParaRPr lang="de-DE"/>
-          </a:p>
-        </p:txBody>
-      </p:sp>
-      <p:sp>
-        <p:nvSpPr>
-          <p:cNvPr id="21" name="Textfeld 20">
-            <a:extLst>
-              <a:ext uri="{FF2B5EF4-FFF2-40B4-BE49-F238E27FC236}">
-                <a16:creationId xmlns:a16="http://schemas.microsoft.com/office/drawing/2014/main" id="{68444309-94C9-4EF8-9AE6-F9DAFD73C057}"/>
-              </a:ext>
-            </a:extLst>
-          </p:cNvPr>
-          <p:cNvSpPr txBox="1"/>
-          <p:nvPr/>
-        </p:nvSpPr>
-        <p:spPr>
-          <a:xfrm>
-            <a:off x="15392400" y="10590834"/>
-            <a:ext cx="10782300" cy="4247317"/>
-          </a:xfrm>
-          <a:prstGeom prst="rect">
-            <a:avLst/>
-          </a:prstGeom>
-          <a:noFill/>
-        </p:spPr>
-        <p:txBody>
-          <a:bodyPr wrap="square" rtlCol="0">
-            <a:spAutoFit/>
-          </a:bodyPr>
-          <a:lstStyle/>
-          <a:p>
-            <a:r>
-              <a:rPr lang="en-US" sz="5400" b="1" i="1" dirty="0"/>
-              <a:t>Parameter</a:t>
-            </a:r>
-            <a:r>
-              <a:rPr lang="en-US" sz="5400" b="1" dirty="0"/>
-              <a:t> rec</a:t>
-            </a:r>
-          </a:p>
-          <a:p>
-            <a:r>
-              <a:rPr lang="en-US" sz="5400" dirty="0"/>
-              <a:t>Number of layers: Vector length </a:t>
-            </a:r>
-          </a:p>
-          <a:p>
-            <a:r>
-              <a:rPr lang="en-US" sz="5400" dirty="0"/>
-              <a:t>Number of neurons:  Vector elements</a:t>
-            </a:r>
-          </a:p>
-          <a:p>
-            <a:r>
-              <a:rPr lang="en-US" sz="5400" dirty="0"/>
-              <a:t>Times: automatic</a:t>
-            </a:r>
-          </a:p>
-          <a:p>
-            <a:r>
-              <a:rPr lang="en-US" sz="5400" dirty="0"/>
-              <a:t>Features: automatic</a:t>
-            </a:r>
-          </a:p>
-        </p:txBody>
-      </p:sp>
-      <p:sp>
-        <p:nvSpPr>
-          <p:cNvPr id="22" name="Geschweifte Klammer rechts 21">
-            <a:extLst>
-              <a:ext uri="{FF2B5EF4-FFF2-40B4-BE49-F238E27FC236}">
-                <a16:creationId xmlns:a16="http://schemas.microsoft.com/office/drawing/2014/main" id="{B15D5E2C-13A0-4DD3-AAA8-6DA910900DA5}"/>
-              </a:ext>
-            </a:extLst>
-          </p:cNvPr>
-          <p:cNvSpPr/>
-          <p:nvPr/>
-        </p:nvSpPr>
-        <p:spPr>
-          <a:xfrm>
-            <a:off x="11239497" y="16399286"/>
-            <a:ext cx="3657603" cy="6174446"/>
-          </a:xfrm>
-          <a:prstGeom prst="rightBrace">
-            <a:avLst/>
-          </a:prstGeom>
-          <a:ln w="57150">
-            <a:solidFill>
-              <a:schemeClr val="tx1"/>
-            </a:solidFill>
-          </a:ln>
-        </p:spPr>
-        <p:style>
-          <a:lnRef idx="1">
-            <a:schemeClr val="accent1"/>
-          </a:lnRef>
-          <a:fillRef idx="0">
-            <a:schemeClr val="accent1"/>
-          </a:fillRef>
-          <a:effectRef idx="0">
-            <a:schemeClr val="accent1"/>
-          </a:effectRef>
-          <a:fontRef idx="minor">
-            <a:schemeClr val="tx1"/>
-          </a:fontRef>
-        </p:style>
-        <p:txBody>
-          <a:bodyPr rtlCol="0" anchor="ctr"/>
-          <a:lstStyle/>
-          <a:p>
-            <a:pPr algn="ctr"/>
-            <a:endParaRPr lang="de-DE"/>
-          </a:p>
-        </p:txBody>
-      </p:sp>
-      <p:sp>
-        <p:nvSpPr>
-          <p:cNvPr id="23" name="Textfeld 22">
-            <a:extLst>
-              <a:ext uri="{FF2B5EF4-FFF2-40B4-BE49-F238E27FC236}">
-                <a16:creationId xmlns:a16="http://schemas.microsoft.com/office/drawing/2014/main" id="{9F0E207E-D67C-4A90-B554-01CEC959B9A9}"/>
-              </a:ext>
-            </a:extLst>
-          </p:cNvPr>
-          <p:cNvSpPr txBox="1"/>
-          <p:nvPr/>
-        </p:nvSpPr>
-        <p:spPr>
-          <a:xfrm>
-            <a:off x="15392400" y="17362850"/>
-            <a:ext cx="10782300" cy="4247317"/>
-          </a:xfrm>
-          <a:prstGeom prst="rect">
-            <a:avLst/>
-          </a:prstGeom>
-          <a:noFill/>
-        </p:spPr>
-        <p:txBody>
-          <a:bodyPr wrap="square" rtlCol="0">
-            <a:spAutoFit/>
-          </a:bodyPr>
-          <a:lstStyle/>
-          <a:p>
-            <a:r>
-              <a:rPr lang="en-US" sz="5400" b="1" i="1" dirty="0"/>
-              <a:t>Parameter</a:t>
-            </a:r>
-            <a:r>
-              <a:rPr lang="en-US" sz="5400" b="1" dirty="0"/>
-              <a:t> </a:t>
-            </a:r>
-            <a:r>
-              <a:rPr lang="en-US" sz="5400" b="1" dirty="0" err="1"/>
-              <a:t>self_attention_heads</a:t>
-            </a:r>
-            <a:endParaRPr lang="en-US" sz="5400" b="1" dirty="0"/>
-          </a:p>
-          <a:p>
-            <a:r>
-              <a:rPr lang="en-US" sz="5400" dirty="0"/>
-              <a:t>Number of heads: value for </a:t>
-            </a:r>
-            <a:r>
-              <a:rPr lang="en-US" sz="5400" dirty="0" err="1"/>
-              <a:t>self_attention_heads</a:t>
-            </a:r>
-            <a:endParaRPr lang="en-US" sz="5400" dirty="0"/>
-          </a:p>
-          <a:p>
-            <a:r>
-              <a:rPr lang="en-US" sz="5400" dirty="0"/>
-              <a:t>If 0 all layers are omitted from the classifier</a:t>
-            </a:r>
-          </a:p>
-        </p:txBody>
-      </p:sp>
-      <p:sp>
-        <p:nvSpPr>
-          <p:cNvPr id="24" name="Textfeld 23">
-            <a:extLst>
-              <a:ext uri="{FF2B5EF4-FFF2-40B4-BE49-F238E27FC236}">
-                <a16:creationId xmlns:a16="http://schemas.microsoft.com/office/drawing/2014/main" id="{206DE3D7-B726-4358-8BF1-625EC4DF0B4B}"/>
-              </a:ext>
-            </a:extLst>
-          </p:cNvPr>
-          <p:cNvSpPr txBox="1"/>
-          <p:nvPr/>
-        </p:nvSpPr>
-        <p:spPr>
-          <a:xfrm>
-            <a:off x="15392400" y="24949230"/>
-            <a:ext cx="10782300" cy="4247317"/>
-          </a:xfrm>
-          <a:prstGeom prst="rect">
-            <a:avLst/>
-          </a:prstGeom>
-          <a:noFill/>
-        </p:spPr>
-        <p:txBody>
-          <a:bodyPr wrap="square" rtlCol="0">
-            <a:spAutoFit/>
-          </a:bodyPr>
-          <a:lstStyle/>
-          <a:p>
-            <a:r>
-              <a:rPr lang="en-US" sz="5400" b="1" i="1" dirty="0"/>
-              <a:t>Parameter</a:t>
-            </a:r>
-            <a:r>
-              <a:rPr lang="en-US" sz="5400" b="1" dirty="0"/>
-              <a:t> hidden</a:t>
-            </a:r>
-          </a:p>
-          <a:p>
-            <a:r>
-              <a:rPr lang="en-US" sz="5400" dirty="0"/>
-              <a:t>Number of layers: Vector length</a:t>
-            </a:r>
-          </a:p>
-          <a:p>
-            <a:r>
-              <a:rPr lang="en-US" sz="5400" dirty="0"/>
-              <a:t>Number of neurons:  Vector elements</a:t>
-            </a:r>
-            <a:br>
-              <a:rPr lang="en-US" sz="5400" dirty="0"/>
-            </a:br>
-            <a:r>
-              <a:rPr lang="en-US" sz="5400" dirty="0"/>
-              <a:t>(dropout layer between the two last dense layers is added automatically)</a:t>
-            </a:r>
-          </a:p>
-        </p:txBody>
-      </p:sp>
-      <p:sp>
-        <p:nvSpPr>
-          <p:cNvPr id="25" name="Geschweifte Klammer rechts 24">
-            <a:extLst>
-              <a:ext uri="{FF2B5EF4-FFF2-40B4-BE49-F238E27FC236}">
-                <a16:creationId xmlns:a16="http://schemas.microsoft.com/office/drawing/2014/main" id="{2B474CBA-746C-4A40-B3DC-AB7ECFABCD94}"/>
-              </a:ext>
-            </a:extLst>
-          </p:cNvPr>
-          <p:cNvSpPr/>
-          <p:nvPr/>
-        </p:nvSpPr>
-        <p:spPr>
-          <a:xfrm>
-            <a:off x="11264898" y="23154669"/>
-            <a:ext cx="3657603" cy="6174446"/>
-          </a:xfrm>
-          <a:prstGeom prst="rightBrace">
-            <a:avLst/>
-          </a:prstGeom>
-          <a:ln w="57150">
-            <a:solidFill>
-              <a:schemeClr val="tx1"/>
-            </a:solidFill>
-          </a:ln>
-        </p:spPr>
-        <p:style>
-          <a:lnRef idx="1">
-            <a:schemeClr val="accent1"/>
-          </a:lnRef>
-          <a:fillRef idx="0">
-            <a:schemeClr val="accent1"/>
-          </a:fillRef>
-          <a:effectRef idx="0">
-            <a:schemeClr val="accent1"/>
-          </a:effectRef>
-          <a:fontRef idx="minor">
-            <a:schemeClr val="tx1"/>
-          </a:fontRef>
-        </p:style>
-        <p:txBody>
-          <a:bodyPr rtlCol="0" anchor="ctr"/>
-          <a:lstStyle/>
-          <a:p>
-            <a:pPr algn="ctr"/>
-            <a:endParaRPr lang="de-DE"/>
-          </a:p>
-        </p:txBody>
-      </p:sp>
-      <p:sp>
-        <p:nvSpPr>
-          <p:cNvPr id="26" name="Textfeld 25">
-            <a:extLst>
-              <a:ext uri="{FF2B5EF4-FFF2-40B4-BE49-F238E27FC236}">
-                <a16:creationId xmlns:a16="http://schemas.microsoft.com/office/drawing/2014/main" id="{B2697EB0-26B5-4482-86DA-5F49F49FE17F}"/>
-              </a:ext>
-            </a:extLst>
-          </p:cNvPr>
-          <p:cNvSpPr txBox="1"/>
-          <p:nvPr/>
-        </p:nvSpPr>
-        <p:spPr>
-          <a:xfrm>
-            <a:off x="15443201" y="30392981"/>
-            <a:ext cx="10782300" cy="923330"/>
-          </a:xfrm>
-          <a:prstGeom prst="rect">
-            <a:avLst/>
-          </a:prstGeom>
-          <a:noFill/>
-        </p:spPr>
-        <p:txBody>
-          <a:bodyPr wrap="square" rtlCol="0">
-            <a:spAutoFit/>
-          </a:bodyPr>
-          <a:lstStyle/>
-          <a:p>
-            <a:r>
-              <a:rPr lang="en-US" sz="5400" b="1" dirty="0"/>
-              <a:t>automatic</a:t>
-            </a:r>
-          </a:p>
-        </p:txBody>
-      </p:sp>
-      <p:cxnSp>
-        <p:nvCxnSpPr>
-          <p:cNvPr id="28" name="Gerade Verbindung mit Pfeil 27">
-            <a:extLst>
-              <a:ext uri="{FF2B5EF4-FFF2-40B4-BE49-F238E27FC236}">
-                <a16:creationId xmlns:a16="http://schemas.microsoft.com/office/drawing/2014/main" id="{0D0E305A-8B24-463D-BDC8-C9F06D37DA5F}"/>
-              </a:ext>
-            </a:extLst>
-          </p:cNvPr>
-          <p:cNvCxnSpPr/>
-          <p:nvPr/>
-        </p:nvCxnSpPr>
-        <p:spPr>
-          <a:xfrm>
-            <a:off x="6362700" y="4158246"/>
-            <a:ext cx="0" cy="820824"/>
-          </a:xfrm>
-          <a:prstGeom prst="straightConnector1">
-            <a:avLst/>
-          </a:prstGeom>
-          <a:ln w="57150">
-            <a:solidFill>
-              <a:schemeClr val="tx1"/>
-            </a:solidFill>
-            <a:tailEnd type="triangle"/>
-          </a:ln>
-        </p:spPr>
-        <p:style>
-          <a:lnRef idx="1">
-            <a:schemeClr val="accent1"/>
-          </a:lnRef>
-          <a:fillRef idx="0">
-            <a:schemeClr val="accent1"/>
-          </a:fillRef>
-          <a:effectRef idx="0">
-            <a:schemeClr val="accent1"/>
-          </a:effectRef>
-          <a:fontRef idx="minor">
-            <a:schemeClr val="tx1"/>
-          </a:fontRef>
-        </p:style>
-      </p:cxnSp>
-      <p:cxnSp>
-        <p:nvCxnSpPr>
-          <p:cNvPr id="30" name="Gerade Verbindung mit Pfeil 29">
-            <a:extLst>
-              <a:ext uri="{FF2B5EF4-FFF2-40B4-BE49-F238E27FC236}">
-                <a16:creationId xmlns:a16="http://schemas.microsoft.com/office/drawing/2014/main" id="{366F73C9-666C-403F-A40A-9114BCDDFF42}"/>
-              </a:ext>
-            </a:extLst>
-          </p:cNvPr>
-          <p:cNvCxnSpPr>
-            <a:cxnSpLocks/>
-            <a:endCxn id="6" idx="0"/>
-          </p:cNvCxnSpPr>
-          <p:nvPr/>
-        </p:nvCxnSpPr>
-        <p:spPr>
-          <a:xfrm>
-            <a:off x="6488960" y="6379840"/>
-            <a:ext cx="0" cy="923330"/>
-          </a:xfrm>
-          <a:prstGeom prst="straightConnector1">
-            <a:avLst/>
-          </a:prstGeom>
-          <a:ln w="57150">
-            <a:solidFill>
-              <a:schemeClr val="tx1"/>
-            </a:solidFill>
-            <a:tailEnd type="triangle"/>
-          </a:ln>
-        </p:spPr>
-        <p:style>
-          <a:lnRef idx="1">
-            <a:schemeClr val="accent1"/>
-          </a:lnRef>
-          <a:fillRef idx="0">
-            <a:schemeClr val="accent1"/>
-          </a:fillRef>
-          <a:effectRef idx="0">
-            <a:schemeClr val="accent1"/>
-          </a:effectRef>
-          <a:fontRef idx="minor">
-            <a:schemeClr val="tx1"/>
-          </a:fontRef>
-        </p:style>
-      </p:cxnSp>
-      <p:cxnSp>
-        <p:nvCxnSpPr>
-          <p:cNvPr id="33" name="Gerade Verbindung mit Pfeil 32">
-            <a:extLst>
-              <a:ext uri="{FF2B5EF4-FFF2-40B4-BE49-F238E27FC236}">
-                <a16:creationId xmlns:a16="http://schemas.microsoft.com/office/drawing/2014/main" id="{D0915772-291E-4D09-AABB-00105C453510}"/>
-              </a:ext>
-            </a:extLst>
-          </p:cNvPr>
-          <p:cNvCxnSpPr>
-            <a:cxnSpLocks/>
-          </p:cNvCxnSpPr>
-          <p:nvPr/>
-        </p:nvCxnSpPr>
-        <p:spPr>
-          <a:xfrm flipH="1">
-            <a:off x="6488959" y="8744704"/>
-            <a:ext cx="1" cy="855824"/>
-          </a:xfrm>
-          <a:prstGeom prst="straightConnector1">
-            <a:avLst/>
-          </a:prstGeom>
-          <a:ln w="57150">
-            <a:solidFill>
-              <a:schemeClr val="tx1"/>
-            </a:solidFill>
-            <a:tailEnd type="triangle"/>
-          </a:ln>
-        </p:spPr>
-        <p:style>
-          <a:lnRef idx="1">
-            <a:schemeClr val="accent1"/>
-          </a:lnRef>
-          <a:fillRef idx="0">
-            <a:schemeClr val="accent1"/>
-          </a:fillRef>
-          <a:effectRef idx="0">
-            <a:schemeClr val="accent1"/>
-          </a:effectRef>
-          <a:fontRef idx="minor">
-            <a:schemeClr val="tx1"/>
-          </a:fontRef>
-        </p:style>
-      </p:cxnSp>
-      <p:cxnSp>
-        <p:nvCxnSpPr>
-          <p:cNvPr id="35" name="Gerade Verbindung mit Pfeil 34">
-            <a:extLst>
-              <a:ext uri="{FF2B5EF4-FFF2-40B4-BE49-F238E27FC236}">
-                <a16:creationId xmlns:a16="http://schemas.microsoft.com/office/drawing/2014/main" id="{29DF825C-13CF-4B93-BBB8-641129663B80}"/>
-              </a:ext>
-            </a:extLst>
-          </p:cNvPr>
-          <p:cNvCxnSpPr>
-            <a:cxnSpLocks/>
-          </p:cNvCxnSpPr>
-          <p:nvPr/>
-        </p:nvCxnSpPr>
-        <p:spPr>
-          <a:xfrm>
-            <a:off x="6488960" y="11068804"/>
-            <a:ext cx="0" cy="820824"/>
-          </a:xfrm>
-          <a:prstGeom prst="straightConnector1">
-            <a:avLst/>
-          </a:prstGeom>
-          <a:ln w="57150">
-            <a:solidFill>
-              <a:schemeClr val="tx1"/>
-            </a:solidFill>
-            <a:tailEnd type="triangle"/>
-          </a:ln>
-        </p:spPr>
-        <p:style>
-          <a:lnRef idx="1">
-            <a:schemeClr val="accent1"/>
-          </a:lnRef>
-          <a:fillRef idx="0">
-            <a:schemeClr val="accent1"/>
-          </a:fillRef>
-          <a:effectRef idx="0">
-            <a:schemeClr val="accent1"/>
-          </a:effectRef>
-          <a:fontRef idx="minor">
-            <a:schemeClr val="tx1"/>
-          </a:fontRef>
-        </p:style>
-      </p:cxnSp>
-      <p:cxnSp>
-        <p:nvCxnSpPr>
-          <p:cNvPr id="37" name="Gerade Verbindung mit Pfeil 36">
-            <a:extLst>
-              <a:ext uri="{FF2B5EF4-FFF2-40B4-BE49-F238E27FC236}">
-                <a16:creationId xmlns:a16="http://schemas.microsoft.com/office/drawing/2014/main" id="{784EFD2D-815E-48AA-941E-4083340158EF}"/>
-              </a:ext>
-            </a:extLst>
-          </p:cNvPr>
-          <p:cNvCxnSpPr>
-            <a:cxnSpLocks/>
-          </p:cNvCxnSpPr>
-          <p:nvPr/>
-        </p:nvCxnSpPr>
-        <p:spPr>
-          <a:xfrm flipH="1">
-            <a:off x="6488959" y="13392904"/>
-            <a:ext cx="1" cy="820824"/>
-          </a:xfrm>
-          <a:prstGeom prst="straightConnector1">
-            <a:avLst/>
-          </a:prstGeom>
-          <a:ln w="57150">
-            <a:solidFill>
-              <a:schemeClr val="tx1"/>
-            </a:solidFill>
-            <a:tailEnd type="triangle"/>
-          </a:ln>
-        </p:spPr>
-        <p:style>
-          <a:lnRef idx="1">
-            <a:schemeClr val="accent1"/>
-          </a:lnRef>
-          <a:fillRef idx="0">
-            <a:schemeClr val="accent1"/>
-          </a:fillRef>
-          <a:effectRef idx="0">
-            <a:schemeClr val="accent1"/>
-          </a:effectRef>
-          <a:fontRef idx="minor">
-            <a:schemeClr val="tx1"/>
-          </a:fontRef>
-        </p:style>
-      </p:cxnSp>
-      <p:cxnSp>
-        <p:nvCxnSpPr>
-          <p:cNvPr id="39" name="Gerade Verbindung mit Pfeil 38">
-            <a:extLst>
-              <a:ext uri="{FF2B5EF4-FFF2-40B4-BE49-F238E27FC236}">
-                <a16:creationId xmlns:a16="http://schemas.microsoft.com/office/drawing/2014/main" id="{DD3C21BD-DC7A-4EEA-826D-CBED0557DA57}"/>
-              </a:ext>
-            </a:extLst>
-          </p:cNvPr>
-          <p:cNvCxnSpPr>
-            <a:cxnSpLocks/>
-          </p:cNvCxnSpPr>
-          <p:nvPr/>
-        </p:nvCxnSpPr>
-        <p:spPr>
-          <a:xfrm>
-            <a:off x="6488960" y="15717004"/>
-            <a:ext cx="0" cy="597570"/>
-          </a:xfrm>
-          <a:prstGeom prst="straightConnector1">
-            <a:avLst/>
-          </a:prstGeom>
-          <a:ln w="57150">
-            <a:solidFill>
-              <a:schemeClr val="tx1"/>
-            </a:solidFill>
-            <a:tailEnd type="triangle"/>
-          </a:ln>
-        </p:spPr>
-        <p:style>
-          <a:lnRef idx="1">
-            <a:schemeClr val="accent1"/>
-          </a:lnRef>
-          <a:fillRef idx="0">
-            <a:schemeClr val="accent1"/>
-          </a:fillRef>
-          <a:effectRef idx="0">
-            <a:schemeClr val="accent1"/>
-          </a:effectRef>
-          <a:fontRef idx="minor">
-            <a:schemeClr val="tx1"/>
-          </a:fontRef>
-        </p:style>
-      </p:cxnSp>
-      <p:cxnSp>
-        <p:nvCxnSpPr>
-          <p:cNvPr id="43" name="Gerade Verbindung mit Pfeil 42">
-            <a:extLst>
-              <a:ext uri="{FF2B5EF4-FFF2-40B4-BE49-F238E27FC236}">
-                <a16:creationId xmlns:a16="http://schemas.microsoft.com/office/drawing/2014/main" id="{D41C4708-45D3-4F79-8104-E38D45EB3C4A}"/>
-              </a:ext>
-            </a:extLst>
-          </p:cNvPr>
-          <p:cNvCxnSpPr>
-            <a:cxnSpLocks/>
-            <a:stCxn id="10" idx="2"/>
-          </p:cNvCxnSpPr>
-          <p:nvPr/>
-        </p:nvCxnSpPr>
-        <p:spPr>
-          <a:xfrm>
-            <a:off x="6488960" y="20265434"/>
-            <a:ext cx="0" cy="759082"/>
-          </a:xfrm>
-          <a:prstGeom prst="straightConnector1">
-            <a:avLst/>
-          </a:prstGeom>
-          <a:ln w="57150">
-            <a:solidFill>
-              <a:schemeClr val="tx1"/>
-            </a:solidFill>
-            <a:tailEnd type="triangle"/>
-          </a:ln>
-        </p:spPr>
-        <p:style>
-          <a:lnRef idx="1">
-            <a:schemeClr val="accent1"/>
-          </a:lnRef>
-          <a:fillRef idx="0">
-            <a:schemeClr val="accent1"/>
-          </a:fillRef>
-          <a:effectRef idx="0">
-            <a:schemeClr val="accent1"/>
-          </a:effectRef>
-          <a:fontRef idx="minor">
-            <a:schemeClr val="tx1"/>
-          </a:fontRef>
-        </p:style>
-      </p:cxnSp>
-      <p:cxnSp>
-        <p:nvCxnSpPr>
-          <p:cNvPr id="45" name="Gerade Verbindung mit Pfeil 44">
-            <a:extLst>
-              <a:ext uri="{FF2B5EF4-FFF2-40B4-BE49-F238E27FC236}">
-                <a16:creationId xmlns:a16="http://schemas.microsoft.com/office/drawing/2014/main" id="{D242E6AE-F6ED-4E5F-BEDA-C41653B9A65C}"/>
-              </a:ext>
-            </a:extLst>
-          </p:cNvPr>
-          <p:cNvCxnSpPr>
-            <a:cxnSpLocks/>
-            <a:stCxn id="12" idx="2"/>
-            <a:endCxn id="13" idx="0"/>
-          </p:cNvCxnSpPr>
-          <p:nvPr/>
-        </p:nvCxnSpPr>
-        <p:spPr>
-          <a:xfrm>
-            <a:off x="6488960" y="22527792"/>
-            <a:ext cx="0" cy="602916"/>
-          </a:xfrm>
-          <a:prstGeom prst="straightConnector1">
-            <a:avLst/>
-          </a:prstGeom>
-          <a:ln w="57150">
-            <a:solidFill>
-              <a:schemeClr val="tx1"/>
-            </a:solidFill>
-            <a:tailEnd type="triangle"/>
-          </a:ln>
-        </p:spPr>
-        <p:style>
-          <a:lnRef idx="1">
-            <a:schemeClr val="accent1"/>
-          </a:lnRef>
-          <a:fillRef idx="0">
-            <a:schemeClr val="accent1"/>
-          </a:fillRef>
-          <a:effectRef idx="0">
-            <a:schemeClr val="accent1"/>
-          </a:effectRef>
-          <a:fontRef idx="minor">
-            <a:schemeClr val="tx1"/>
-          </a:fontRef>
-        </p:style>
-      </p:cxnSp>
-      <p:cxnSp>
-        <p:nvCxnSpPr>
-          <p:cNvPr id="47" name="Gerade Verbindung mit Pfeil 46">
-            <a:extLst>
-              <a:ext uri="{FF2B5EF4-FFF2-40B4-BE49-F238E27FC236}">
-                <a16:creationId xmlns:a16="http://schemas.microsoft.com/office/drawing/2014/main" id="{B439698A-A65A-4C47-89AE-61BC421899F6}"/>
-              </a:ext>
-            </a:extLst>
-          </p:cNvPr>
-          <p:cNvCxnSpPr>
-            <a:cxnSpLocks/>
-          </p:cNvCxnSpPr>
-          <p:nvPr/>
-        </p:nvCxnSpPr>
-        <p:spPr>
-          <a:xfrm flipH="1">
-            <a:off x="6488959" y="24572242"/>
-            <a:ext cx="1" cy="820824"/>
-          </a:xfrm>
-          <a:prstGeom prst="straightConnector1">
-            <a:avLst/>
-          </a:prstGeom>
-          <a:ln w="57150">
-            <a:solidFill>
-              <a:schemeClr val="tx1"/>
-            </a:solidFill>
-            <a:tailEnd type="triangle"/>
-          </a:ln>
-        </p:spPr>
-        <p:style>
-          <a:lnRef idx="1">
-            <a:schemeClr val="accent1"/>
-          </a:lnRef>
-          <a:fillRef idx="0">
-            <a:schemeClr val="accent1"/>
-          </a:fillRef>
-          <a:effectRef idx="0">
-            <a:schemeClr val="accent1"/>
-          </a:effectRef>
-          <a:fontRef idx="minor">
-            <a:schemeClr val="tx1"/>
-          </a:fontRef>
-        </p:style>
-      </p:cxnSp>
-      <p:cxnSp>
-        <p:nvCxnSpPr>
-          <p:cNvPr id="49" name="Gerade Verbindung mit Pfeil 48">
-            <a:extLst>
-              <a:ext uri="{FF2B5EF4-FFF2-40B4-BE49-F238E27FC236}">
-                <a16:creationId xmlns:a16="http://schemas.microsoft.com/office/drawing/2014/main" id="{7B362EBA-5C12-44DA-B614-21C23CFA97E6}"/>
-              </a:ext>
-            </a:extLst>
-          </p:cNvPr>
-          <p:cNvCxnSpPr>
-            <a:cxnSpLocks/>
-            <a:stCxn id="14" idx="2"/>
-            <a:endCxn id="15" idx="0"/>
-          </p:cNvCxnSpPr>
-          <p:nvPr/>
-        </p:nvCxnSpPr>
-        <p:spPr>
-          <a:xfrm>
-            <a:off x="6488960" y="26958084"/>
-            <a:ext cx="0" cy="820824"/>
-          </a:xfrm>
-          <a:prstGeom prst="straightConnector1">
-            <a:avLst/>
-          </a:prstGeom>
-          <a:ln w="57150">
-            <a:solidFill>
-              <a:schemeClr val="tx1"/>
-            </a:solidFill>
-            <a:tailEnd type="triangle"/>
-          </a:ln>
-        </p:spPr>
-        <p:style>
-          <a:lnRef idx="1">
-            <a:schemeClr val="accent1"/>
-          </a:lnRef>
-          <a:fillRef idx="0">
-            <a:schemeClr val="accent1"/>
-          </a:fillRef>
-          <a:effectRef idx="0">
-            <a:schemeClr val="accent1"/>
-          </a:effectRef>
-          <a:fontRef idx="minor">
-            <a:schemeClr val="tx1"/>
-          </a:fontRef>
-        </p:style>
-      </p:cxnSp>
-      <p:cxnSp>
-        <p:nvCxnSpPr>
-          <p:cNvPr id="51" name="Gerade Verbindung mit Pfeil 50">
-            <a:extLst>
-              <a:ext uri="{FF2B5EF4-FFF2-40B4-BE49-F238E27FC236}">
-                <a16:creationId xmlns:a16="http://schemas.microsoft.com/office/drawing/2014/main" id="{2D4080D6-E53E-4979-B8E0-BBDE91EBDCD6}"/>
-              </a:ext>
-            </a:extLst>
-          </p:cNvPr>
-          <p:cNvCxnSpPr>
-            <a:cxnSpLocks/>
-          </p:cNvCxnSpPr>
-          <p:nvPr/>
-        </p:nvCxnSpPr>
-        <p:spPr>
-          <a:xfrm>
-            <a:off x="6488959" y="29267373"/>
-            <a:ext cx="1" cy="773893"/>
-          </a:xfrm>
-          <a:prstGeom prst="straightConnector1">
-            <a:avLst/>
-          </a:prstGeom>
-          <a:ln w="57150">
-            <a:solidFill>
-              <a:schemeClr val="tx1"/>
-            </a:solidFill>
-            <a:tailEnd type="triangle"/>
-          </a:ln>
-        </p:spPr>
-        <p:style>
-          <a:lnRef idx="1">
-            <a:schemeClr val="accent1"/>
-          </a:lnRef>
-          <a:fillRef idx="0">
-            <a:schemeClr val="accent1"/>
-          </a:fillRef>
-          <a:effectRef idx="0">
-            <a:schemeClr val="accent1"/>
-          </a:effectRef>
-          <a:fontRef idx="minor">
-            <a:schemeClr val="tx1"/>
-          </a:fontRef>
-        </p:style>
-      </p:cxnSp>
+            <a:r>
+              <a:rPr lang="en-US" sz="4400" dirty="0">
+                <a:solidFill>
+                  <a:schemeClr val="tx1"/>
+                </a:solidFill>
+              </a:rPr>
+              <a:t>Performance Estimation</a:t>
+            </a:r>
+          </a:p>
+        </p:txBody>
+      </p:sp>
     </p:spTree>
     <p:extLst>
       <p:ext uri="{BB962C8B-B14F-4D97-AF65-F5344CB8AC3E}">
-        <p14:creationId xmlns:p14="http://schemas.microsoft.com/office/powerpoint/2010/main" val="478380036"/>
+        <p14:creationId xmlns:p14="http://schemas.microsoft.com/office/powerpoint/2010/main" val="1225066394"/>
       </p:ext>
     </p:extLst>
   </p:cSld>
@@ -9002,6 +8603,1737 @@
       </p:grpSpPr>
       <p:sp>
         <p:nvSpPr>
+          <p:cNvPr id="4" name="Rechteck 3">
+            <a:extLst>
+              <a:ext uri="{FF2B5EF4-FFF2-40B4-BE49-F238E27FC236}">
+                <a16:creationId xmlns:a16="http://schemas.microsoft.com/office/drawing/2014/main" id="{D1C04E16-8200-46A4-9174-04A8DE9081C8}"/>
+              </a:ext>
+            </a:extLst>
+          </p:cNvPr>
+          <p:cNvSpPr/>
+          <p:nvPr/>
+        </p:nvSpPr>
+        <p:spPr>
+          <a:xfrm>
+            <a:off x="1738423" y="2654970"/>
+            <a:ext cx="9501077" cy="1503276"/>
+          </a:xfrm>
+          <a:prstGeom prst="rect">
+            <a:avLst/>
+          </a:prstGeom>
+          <a:noFill/>
+          <a:ln>
+            <a:solidFill>
+              <a:schemeClr val="tx1"/>
+            </a:solidFill>
+          </a:ln>
+        </p:spPr>
+        <p:style>
+          <a:lnRef idx="2">
+            <a:schemeClr val="accent1">
+              <a:shade val="50000"/>
+            </a:schemeClr>
+          </a:lnRef>
+          <a:fillRef idx="1">
+            <a:schemeClr val="accent1"/>
+          </a:fillRef>
+          <a:effectRef idx="0">
+            <a:schemeClr val="accent1"/>
+          </a:effectRef>
+          <a:fontRef idx="minor">
+            <a:schemeClr val="lt1"/>
+          </a:fontRef>
+        </p:style>
+        <p:txBody>
+          <a:bodyPr rtlCol="0" anchor="ctr"/>
+          <a:lstStyle/>
+          <a:p>
+            <a:pPr algn="ctr"/>
+            <a:r>
+              <a:rPr lang="en-US" sz="5400" dirty="0">
+                <a:solidFill>
+                  <a:schemeClr val="tx1"/>
+                </a:solidFill>
+              </a:rPr>
+              <a:t>Input Layer</a:t>
+            </a:r>
+          </a:p>
+        </p:txBody>
+      </p:sp>
+      <p:sp>
+        <p:nvSpPr>
+          <p:cNvPr id="5" name="Rechteck 4">
+            <a:extLst>
+              <a:ext uri="{FF2B5EF4-FFF2-40B4-BE49-F238E27FC236}">
+                <a16:creationId xmlns:a16="http://schemas.microsoft.com/office/drawing/2014/main" id="{CAF4F7E4-C730-4A58-89D0-7ADDDAB3F4C2}"/>
+              </a:ext>
+            </a:extLst>
+          </p:cNvPr>
+          <p:cNvSpPr/>
+          <p:nvPr/>
+        </p:nvSpPr>
+        <p:spPr>
+          <a:xfrm>
+            <a:off x="1738422" y="4979070"/>
+            <a:ext cx="9501077" cy="1503276"/>
+          </a:xfrm>
+          <a:prstGeom prst="rect">
+            <a:avLst/>
+          </a:prstGeom>
+          <a:noFill/>
+          <a:ln>
+            <a:solidFill>
+              <a:schemeClr val="tx1"/>
+            </a:solidFill>
+          </a:ln>
+        </p:spPr>
+        <p:style>
+          <a:lnRef idx="2">
+            <a:schemeClr val="accent1">
+              <a:shade val="50000"/>
+            </a:schemeClr>
+          </a:lnRef>
+          <a:fillRef idx="1">
+            <a:schemeClr val="accent1"/>
+          </a:fillRef>
+          <a:effectRef idx="0">
+            <a:schemeClr val="accent1"/>
+          </a:effectRef>
+          <a:fontRef idx="minor">
+            <a:schemeClr val="lt1"/>
+          </a:fontRef>
+        </p:style>
+        <p:txBody>
+          <a:bodyPr rtlCol="0" anchor="ctr"/>
+          <a:lstStyle/>
+          <a:p>
+            <a:pPr algn="ctr"/>
+            <a:r>
+              <a:rPr lang="en-US" sz="5400" dirty="0">
+                <a:solidFill>
+                  <a:schemeClr val="tx1"/>
+                </a:solidFill>
+              </a:rPr>
+              <a:t>Masking Layer </a:t>
+            </a:r>
+          </a:p>
+        </p:txBody>
+      </p:sp>
+      <p:sp>
+        <p:nvSpPr>
+          <p:cNvPr id="6" name="Rechteck 5">
+            <a:extLst>
+              <a:ext uri="{FF2B5EF4-FFF2-40B4-BE49-F238E27FC236}">
+                <a16:creationId xmlns:a16="http://schemas.microsoft.com/office/drawing/2014/main" id="{D34721F3-A56E-4B20-8811-9239640E1531}"/>
+              </a:ext>
+            </a:extLst>
+          </p:cNvPr>
+          <p:cNvSpPr/>
+          <p:nvPr/>
+        </p:nvSpPr>
+        <p:spPr>
+          <a:xfrm>
+            <a:off x="1738421" y="7303170"/>
+            <a:ext cx="9501077" cy="1503276"/>
+          </a:xfrm>
+          <a:prstGeom prst="rect">
+            <a:avLst/>
+          </a:prstGeom>
+          <a:noFill/>
+          <a:ln>
+            <a:solidFill>
+              <a:schemeClr val="tx1"/>
+            </a:solidFill>
+          </a:ln>
+        </p:spPr>
+        <p:style>
+          <a:lnRef idx="2">
+            <a:schemeClr val="accent1">
+              <a:shade val="50000"/>
+            </a:schemeClr>
+          </a:lnRef>
+          <a:fillRef idx="1">
+            <a:schemeClr val="accent1"/>
+          </a:fillRef>
+          <a:effectRef idx="0">
+            <a:schemeClr val="accent1"/>
+          </a:effectRef>
+          <a:fontRef idx="minor">
+            <a:schemeClr val="lt1"/>
+          </a:fontRef>
+        </p:style>
+        <p:txBody>
+          <a:bodyPr rtlCol="0" anchor="ctr"/>
+          <a:lstStyle/>
+          <a:p>
+            <a:pPr algn="ctr"/>
+            <a:r>
+              <a:rPr lang="en-US" sz="5400" dirty="0">
+                <a:solidFill>
+                  <a:schemeClr val="tx1"/>
+                </a:solidFill>
+              </a:rPr>
+              <a:t>Normalization Layer</a:t>
+            </a:r>
+          </a:p>
+        </p:txBody>
+      </p:sp>
+      <p:sp>
+        <p:nvSpPr>
+          <p:cNvPr id="7" name="Rechteck 6">
+            <a:extLst>
+              <a:ext uri="{FF2B5EF4-FFF2-40B4-BE49-F238E27FC236}">
+                <a16:creationId xmlns:a16="http://schemas.microsoft.com/office/drawing/2014/main" id="{6B8B916E-4C03-4E8C-96B8-03272AC55527}"/>
+              </a:ext>
+            </a:extLst>
+          </p:cNvPr>
+          <p:cNvSpPr/>
+          <p:nvPr/>
+        </p:nvSpPr>
+        <p:spPr>
+          <a:xfrm>
+            <a:off x="1738421" y="9627270"/>
+            <a:ext cx="9501077" cy="1503276"/>
+          </a:xfrm>
+          <a:prstGeom prst="rect">
+            <a:avLst/>
+          </a:prstGeom>
+          <a:noFill/>
+          <a:ln>
+            <a:solidFill>
+              <a:schemeClr val="tx1"/>
+            </a:solidFill>
+          </a:ln>
+        </p:spPr>
+        <p:style>
+          <a:lnRef idx="2">
+            <a:schemeClr val="accent1">
+              <a:shade val="50000"/>
+            </a:schemeClr>
+          </a:lnRef>
+          <a:fillRef idx="1">
+            <a:schemeClr val="accent1"/>
+          </a:fillRef>
+          <a:effectRef idx="0">
+            <a:schemeClr val="accent1"/>
+          </a:effectRef>
+          <a:fontRef idx="minor">
+            <a:schemeClr val="lt1"/>
+          </a:fontRef>
+        </p:style>
+        <p:txBody>
+          <a:bodyPr rtlCol="0" anchor="ctr"/>
+          <a:lstStyle/>
+          <a:p>
+            <a:pPr algn="ctr"/>
+            <a:r>
+              <a:rPr lang="en-US" sz="5400" dirty="0">
+                <a:solidFill>
+                  <a:schemeClr val="tx1"/>
+                </a:solidFill>
+              </a:rPr>
+              <a:t>Recurrent Layer</a:t>
+            </a:r>
+          </a:p>
+        </p:txBody>
+      </p:sp>
+      <p:sp>
+        <p:nvSpPr>
+          <p:cNvPr id="8" name="Rechteck 7">
+            <a:extLst>
+              <a:ext uri="{FF2B5EF4-FFF2-40B4-BE49-F238E27FC236}">
+                <a16:creationId xmlns:a16="http://schemas.microsoft.com/office/drawing/2014/main" id="{BEAF1DFA-F6EF-446A-8C48-3B4888F66800}"/>
+              </a:ext>
+            </a:extLst>
+          </p:cNvPr>
+          <p:cNvSpPr/>
+          <p:nvPr/>
+        </p:nvSpPr>
+        <p:spPr>
+          <a:xfrm>
+            <a:off x="1738421" y="11951370"/>
+            <a:ext cx="9501077" cy="1503276"/>
+          </a:xfrm>
+          <a:prstGeom prst="rect">
+            <a:avLst/>
+          </a:prstGeom>
+          <a:noFill/>
+          <a:ln>
+            <a:solidFill>
+              <a:schemeClr val="tx1"/>
+            </a:solidFill>
+          </a:ln>
+        </p:spPr>
+        <p:style>
+          <a:lnRef idx="2">
+            <a:schemeClr val="accent1">
+              <a:shade val="50000"/>
+            </a:schemeClr>
+          </a:lnRef>
+          <a:fillRef idx="1">
+            <a:schemeClr val="accent1"/>
+          </a:fillRef>
+          <a:effectRef idx="0">
+            <a:schemeClr val="accent1"/>
+          </a:effectRef>
+          <a:fontRef idx="minor">
+            <a:schemeClr val="lt1"/>
+          </a:fontRef>
+        </p:style>
+        <p:txBody>
+          <a:bodyPr rtlCol="0" anchor="ctr"/>
+          <a:lstStyle/>
+          <a:p>
+            <a:pPr algn="ctr"/>
+            <a:r>
+              <a:rPr lang="en-US" sz="5400" dirty="0">
+                <a:solidFill>
+                  <a:schemeClr val="tx1"/>
+                </a:solidFill>
+              </a:rPr>
+              <a:t>…</a:t>
+            </a:r>
+          </a:p>
+        </p:txBody>
+      </p:sp>
+      <p:sp>
+        <p:nvSpPr>
+          <p:cNvPr id="9" name="Rechteck 8">
+            <a:extLst>
+              <a:ext uri="{FF2B5EF4-FFF2-40B4-BE49-F238E27FC236}">
+                <a16:creationId xmlns:a16="http://schemas.microsoft.com/office/drawing/2014/main" id="{0BB7C456-5096-4743-9861-70261BD6F4D6}"/>
+              </a:ext>
+            </a:extLst>
+          </p:cNvPr>
+          <p:cNvSpPr/>
+          <p:nvPr/>
+        </p:nvSpPr>
+        <p:spPr>
+          <a:xfrm>
+            <a:off x="1738421" y="14275470"/>
+            <a:ext cx="9501077" cy="1503276"/>
+          </a:xfrm>
+          <a:prstGeom prst="rect">
+            <a:avLst/>
+          </a:prstGeom>
+          <a:noFill/>
+          <a:ln>
+            <a:solidFill>
+              <a:schemeClr val="tx1"/>
+            </a:solidFill>
+          </a:ln>
+        </p:spPr>
+        <p:style>
+          <a:lnRef idx="2">
+            <a:schemeClr val="accent1">
+              <a:shade val="50000"/>
+            </a:schemeClr>
+          </a:lnRef>
+          <a:fillRef idx="1">
+            <a:schemeClr val="accent1"/>
+          </a:fillRef>
+          <a:effectRef idx="0">
+            <a:schemeClr val="accent1"/>
+          </a:effectRef>
+          <a:fontRef idx="minor">
+            <a:schemeClr val="lt1"/>
+          </a:fontRef>
+        </p:style>
+        <p:txBody>
+          <a:bodyPr rtlCol="0" anchor="ctr"/>
+          <a:lstStyle/>
+          <a:p>
+            <a:pPr algn="ctr"/>
+            <a:r>
+              <a:rPr lang="en-US" sz="5400" dirty="0">
+                <a:solidFill>
+                  <a:schemeClr val="tx1"/>
+                </a:solidFill>
+              </a:rPr>
+              <a:t>Recurrent Layer</a:t>
+            </a:r>
+          </a:p>
+        </p:txBody>
+      </p:sp>
+      <p:sp>
+        <p:nvSpPr>
+          <p:cNvPr id="10" name="Rechteck 9">
+            <a:extLst>
+              <a:ext uri="{FF2B5EF4-FFF2-40B4-BE49-F238E27FC236}">
+                <a16:creationId xmlns:a16="http://schemas.microsoft.com/office/drawing/2014/main" id="{D300AFE8-112D-4384-88AB-0BA3067FC241}"/>
+              </a:ext>
+            </a:extLst>
+          </p:cNvPr>
+          <p:cNvSpPr/>
+          <p:nvPr/>
+        </p:nvSpPr>
+        <p:spPr>
+          <a:xfrm>
+            <a:off x="1738421" y="16376316"/>
+            <a:ext cx="9501077" cy="3889118"/>
+          </a:xfrm>
+          <a:prstGeom prst="rect">
+            <a:avLst/>
+          </a:prstGeom>
+          <a:noFill/>
+          <a:ln>
+            <a:solidFill>
+              <a:schemeClr val="tx1"/>
+            </a:solidFill>
+          </a:ln>
+        </p:spPr>
+        <p:style>
+          <a:lnRef idx="2">
+            <a:schemeClr val="accent1">
+              <a:shade val="50000"/>
+            </a:schemeClr>
+          </a:lnRef>
+          <a:fillRef idx="1">
+            <a:schemeClr val="accent1"/>
+          </a:fillRef>
+          <a:effectRef idx="0">
+            <a:schemeClr val="accent1"/>
+          </a:effectRef>
+          <a:fontRef idx="minor">
+            <a:schemeClr val="lt1"/>
+          </a:fontRef>
+        </p:style>
+        <p:txBody>
+          <a:bodyPr rtlCol="0" anchor="ctr"/>
+          <a:lstStyle/>
+          <a:p>
+            <a:pPr algn="ctr"/>
+            <a:r>
+              <a:rPr lang="en-US" sz="5400" dirty="0">
+                <a:solidFill>
+                  <a:schemeClr val="tx1"/>
+                </a:solidFill>
+              </a:rPr>
+              <a:t>Transformer Encoder Layer</a:t>
+            </a:r>
+            <a:br>
+              <a:rPr lang="en-US" sz="5400" dirty="0">
+                <a:solidFill>
+                  <a:schemeClr val="tx1"/>
+                </a:solidFill>
+              </a:rPr>
+            </a:br>
+            <a:r>
+              <a:rPr lang="en-US" sz="4400" dirty="0">
+                <a:solidFill>
+                  <a:schemeClr val="tx1"/>
+                </a:solidFill>
+              </a:rPr>
+              <a:t>(as described by </a:t>
+            </a:r>
+            <a:r>
+              <a:rPr lang="en-US" sz="4400" dirty="0" err="1">
+                <a:solidFill>
+                  <a:schemeClr val="tx1"/>
+                </a:solidFill>
+              </a:rPr>
+              <a:t>Chollet</a:t>
+            </a:r>
+            <a:r>
+              <a:rPr lang="en-US" sz="4400" dirty="0">
+                <a:solidFill>
+                  <a:schemeClr val="tx1"/>
+                </a:solidFill>
+              </a:rPr>
+              <a:t>, Kalinowski &amp; Allaire 2022 pp. 373)</a:t>
+            </a:r>
+            <a:endParaRPr lang="en-US" sz="5400" dirty="0">
+              <a:solidFill>
+                <a:schemeClr val="tx1"/>
+              </a:solidFill>
+            </a:endParaRPr>
+          </a:p>
+        </p:txBody>
+      </p:sp>
+      <p:sp>
+        <p:nvSpPr>
+          <p:cNvPr id="12" name="Rechteck 11">
+            <a:extLst>
+              <a:ext uri="{FF2B5EF4-FFF2-40B4-BE49-F238E27FC236}">
+                <a16:creationId xmlns:a16="http://schemas.microsoft.com/office/drawing/2014/main" id="{920B414A-6E7C-4140-BB3A-BDF3E01EADF6}"/>
+              </a:ext>
+            </a:extLst>
+          </p:cNvPr>
+          <p:cNvSpPr/>
+          <p:nvPr/>
+        </p:nvSpPr>
+        <p:spPr>
+          <a:xfrm>
+            <a:off x="1738421" y="21024516"/>
+            <a:ext cx="9501077" cy="1503276"/>
+          </a:xfrm>
+          <a:prstGeom prst="rect">
+            <a:avLst/>
+          </a:prstGeom>
+          <a:noFill/>
+          <a:ln>
+            <a:solidFill>
+              <a:schemeClr val="tx1"/>
+            </a:solidFill>
+          </a:ln>
+        </p:spPr>
+        <p:style>
+          <a:lnRef idx="2">
+            <a:schemeClr val="accent1">
+              <a:shade val="50000"/>
+            </a:schemeClr>
+          </a:lnRef>
+          <a:fillRef idx="1">
+            <a:schemeClr val="accent1"/>
+          </a:fillRef>
+          <a:effectRef idx="0">
+            <a:schemeClr val="accent1"/>
+          </a:effectRef>
+          <a:fontRef idx="minor">
+            <a:schemeClr val="lt1"/>
+          </a:fontRef>
+        </p:style>
+        <p:txBody>
+          <a:bodyPr rtlCol="0" anchor="ctr"/>
+          <a:lstStyle/>
+          <a:p>
+            <a:pPr algn="ctr"/>
+            <a:r>
+              <a:rPr lang="en-US" sz="5400" dirty="0">
+                <a:solidFill>
+                  <a:schemeClr val="tx1"/>
+                </a:solidFill>
+              </a:rPr>
+              <a:t>Recurrent Layer</a:t>
+            </a:r>
+          </a:p>
+        </p:txBody>
+      </p:sp>
+      <p:sp>
+        <p:nvSpPr>
+          <p:cNvPr id="13" name="Rechteck 12">
+            <a:extLst>
+              <a:ext uri="{FF2B5EF4-FFF2-40B4-BE49-F238E27FC236}">
+                <a16:creationId xmlns:a16="http://schemas.microsoft.com/office/drawing/2014/main" id="{8FE14ED5-98D0-455D-B360-285CA1C926A8}"/>
+              </a:ext>
+            </a:extLst>
+          </p:cNvPr>
+          <p:cNvSpPr/>
+          <p:nvPr/>
+        </p:nvSpPr>
+        <p:spPr>
+          <a:xfrm>
+            <a:off x="1738421" y="23130708"/>
+            <a:ext cx="9501077" cy="1503276"/>
+          </a:xfrm>
+          <a:prstGeom prst="rect">
+            <a:avLst/>
+          </a:prstGeom>
+          <a:noFill/>
+          <a:ln>
+            <a:solidFill>
+              <a:schemeClr val="tx1"/>
+            </a:solidFill>
+          </a:ln>
+        </p:spPr>
+        <p:style>
+          <a:lnRef idx="2">
+            <a:schemeClr val="accent1">
+              <a:shade val="50000"/>
+            </a:schemeClr>
+          </a:lnRef>
+          <a:fillRef idx="1">
+            <a:schemeClr val="accent1"/>
+          </a:fillRef>
+          <a:effectRef idx="0">
+            <a:schemeClr val="accent1"/>
+          </a:effectRef>
+          <a:fontRef idx="minor">
+            <a:schemeClr val="lt1"/>
+          </a:fontRef>
+        </p:style>
+        <p:txBody>
+          <a:bodyPr rtlCol="0" anchor="ctr"/>
+          <a:lstStyle/>
+          <a:p>
+            <a:pPr algn="ctr"/>
+            <a:r>
+              <a:rPr lang="en-US" sz="5400" dirty="0">
+                <a:solidFill>
+                  <a:schemeClr val="tx1"/>
+                </a:solidFill>
+              </a:rPr>
+              <a:t>Dense Layer</a:t>
+            </a:r>
+          </a:p>
+        </p:txBody>
+      </p:sp>
+      <p:sp>
+        <p:nvSpPr>
+          <p:cNvPr id="14" name="Rechteck 13">
+            <a:extLst>
+              <a:ext uri="{FF2B5EF4-FFF2-40B4-BE49-F238E27FC236}">
+                <a16:creationId xmlns:a16="http://schemas.microsoft.com/office/drawing/2014/main" id="{B5CA1D42-D104-4A43-93D7-EACB33E6F3AC}"/>
+              </a:ext>
+            </a:extLst>
+          </p:cNvPr>
+          <p:cNvSpPr/>
+          <p:nvPr/>
+        </p:nvSpPr>
+        <p:spPr>
+          <a:xfrm>
+            <a:off x="1738421" y="25454808"/>
+            <a:ext cx="9501077" cy="1503276"/>
+          </a:xfrm>
+          <a:prstGeom prst="rect">
+            <a:avLst/>
+          </a:prstGeom>
+          <a:noFill/>
+          <a:ln>
+            <a:solidFill>
+              <a:schemeClr val="tx1"/>
+            </a:solidFill>
+          </a:ln>
+        </p:spPr>
+        <p:style>
+          <a:lnRef idx="2">
+            <a:schemeClr val="accent1">
+              <a:shade val="50000"/>
+            </a:schemeClr>
+          </a:lnRef>
+          <a:fillRef idx="1">
+            <a:schemeClr val="accent1"/>
+          </a:fillRef>
+          <a:effectRef idx="0">
+            <a:schemeClr val="accent1"/>
+          </a:effectRef>
+          <a:fontRef idx="minor">
+            <a:schemeClr val="lt1"/>
+          </a:fontRef>
+        </p:style>
+        <p:txBody>
+          <a:bodyPr rtlCol="0" anchor="ctr"/>
+          <a:lstStyle/>
+          <a:p>
+            <a:pPr algn="ctr"/>
+            <a:r>
+              <a:rPr lang="en-US" sz="5400" dirty="0">
+                <a:solidFill>
+                  <a:schemeClr val="tx1"/>
+                </a:solidFill>
+              </a:rPr>
+              <a:t>…</a:t>
+            </a:r>
+          </a:p>
+        </p:txBody>
+      </p:sp>
+      <p:sp>
+        <p:nvSpPr>
+          <p:cNvPr id="15" name="Rechteck 14">
+            <a:extLst>
+              <a:ext uri="{FF2B5EF4-FFF2-40B4-BE49-F238E27FC236}">
+                <a16:creationId xmlns:a16="http://schemas.microsoft.com/office/drawing/2014/main" id="{09830C18-53DC-4354-8FC3-2698B5BCD29E}"/>
+              </a:ext>
+            </a:extLst>
+          </p:cNvPr>
+          <p:cNvSpPr/>
+          <p:nvPr/>
+        </p:nvSpPr>
+        <p:spPr>
+          <a:xfrm>
+            <a:off x="1738421" y="27778908"/>
+            <a:ext cx="9501077" cy="1503276"/>
+          </a:xfrm>
+          <a:prstGeom prst="rect">
+            <a:avLst/>
+          </a:prstGeom>
+          <a:noFill/>
+          <a:ln>
+            <a:solidFill>
+              <a:schemeClr val="tx1"/>
+            </a:solidFill>
+          </a:ln>
+        </p:spPr>
+        <p:style>
+          <a:lnRef idx="2">
+            <a:schemeClr val="accent1">
+              <a:shade val="50000"/>
+            </a:schemeClr>
+          </a:lnRef>
+          <a:fillRef idx="1">
+            <a:schemeClr val="accent1"/>
+          </a:fillRef>
+          <a:effectRef idx="0">
+            <a:schemeClr val="accent1"/>
+          </a:effectRef>
+          <a:fontRef idx="minor">
+            <a:schemeClr val="lt1"/>
+          </a:fontRef>
+        </p:style>
+        <p:txBody>
+          <a:bodyPr rtlCol="0" anchor="ctr"/>
+          <a:lstStyle/>
+          <a:p>
+            <a:pPr algn="ctr"/>
+            <a:r>
+              <a:rPr lang="en-US" sz="5400" dirty="0">
+                <a:solidFill>
+                  <a:schemeClr val="tx1"/>
+                </a:solidFill>
+              </a:rPr>
+              <a:t>Dense Layer</a:t>
+            </a:r>
+          </a:p>
+        </p:txBody>
+      </p:sp>
+      <p:sp>
+        <p:nvSpPr>
+          <p:cNvPr id="16" name="Rechteck 15">
+            <a:extLst>
+              <a:ext uri="{FF2B5EF4-FFF2-40B4-BE49-F238E27FC236}">
+                <a16:creationId xmlns:a16="http://schemas.microsoft.com/office/drawing/2014/main" id="{D279CCA7-158C-4ABE-AC75-B8F8EDAFF10F}"/>
+              </a:ext>
+            </a:extLst>
+          </p:cNvPr>
+          <p:cNvSpPr/>
+          <p:nvPr/>
+        </p:nvSpPr>
+        <p:spPr>
+          <a:xfrm>
+            <a:off x="1738420" y="30103008"/>
+            <a:ext cx="9501077" cy="1503276"/>
+          </a:xfrm>
+          <a:prstGeom prst="rect">
+            <a:avLst/>
+          </a:prstGeom>
+          <a:noFill/>
+          <a:ln>
+            <a:solidFill>
+              <a:schemeClr val="tx1"/>
+            </a:solidFill>
+          </a:ln>
+        </p:spPr>
+        <p:style>
+          <a:lnRef idx="2">
+            <a:schemeClr val="accent1">
+              <a:shade val="50000"/>
+            </a:schemeClr>
+          </a:lnRef>
+          <a:fillRef idx="1">
+            <a:schemeClr val="accent1"/>
+          </a:fillRef>
+          <a:effectRef idx="0">
+            <a:schemeClr val="accent1"/>
+          </a:effectRef>
+          <a:fontRef idx="minor">
+            <a:schemeClr val="lt1"/>
+          </a:fontRef>
+        </p:style>
+        <p:txBody>
+          <a:bodyPr rtlCol="0" anchor="ctr"/>
+          <a:lstStyle/>
+          <a:p>
+            <a:pPr algn="ctr"/>
+            <a:r>
+              <a:rPr lang="en-US" sz="5400" dirty="0">
+                <a:solidFill>
+                  <a:schemeClr val="tx1"/>
+                </a:solidFill>
+              </a:rPr>
+              <a:t>Output Layer</a:t>
+            </a:r>
+          </a:p>
+        </p:txBody>
+      </p:sp>
+      <p:sp>
+        <p:nvSpPr>
+          <p:cNvPr id="17" name="Textfeld 16">
+            <a:extLst>
+              <a:ext uri="{FF2B5EF4-FFF2-40B4-BE49-F238E27FC236}">
+                <a16:creationId xmlns:a16="http://schemas.microsoft.com/office/drawing/2014/main" id="{5DEE101E-F820-4555-BC9C-26A182685A4A}"/>
+              </a:ext>
+            </a:extLst>
+          </p:cNvPr>
+          <p:cNvSpPr txBox="1"/>
+          <p:nvPr/>
+        </p:nvSpPr>
+        <p:spPr>
+          <a:xfrm>
+            <a:off x="15392400" y="2922574"/>
+            <a:ext cx="10782300" cy="923330"/>
+          </a:xfrm>
+          <a:prstGeom prst="rect">
+            <a:avLst/>
+          </a:prstGeom>
+          <a:noFill/>
+        </p:spPr>
+        <p:txBody>
+          <a:bodyPr wrap="square" rtlCol="0">
+            <a:spAutoFit/>
+          </a:bodyPr>
+          <a:lstStyle/>
+          <a:p>
+            <a:r>
+              <a:rPr lang="en-US" sz="5400" b="1" dirty="0"/>
+              <a:t>automatic</a:t>
+            </a:r>
+          </a:p>
+        </p:txBody>
+      </p:sp>
+      <p:sp>
+        <p:nvSpPr>
+          <p:cNvPr id="18" name="Textfeld 17">
+            <a:extLst>
+              <a:ext uri="{FF2B5EF4-FFF2-40B4-BE49-F238E27FC236}">
+                <a16:creationId xmlns:a16="http://schemas.microsoft.com/office/drawing/2014/main" id="{C927B01C-B6A8-4C25-8AD4-67A4E3CD5039}"/>
+              </a:ext>
+            </a:extLst>
+          </p:cNvPr>
+          <p:cNvSpPr txBox="1"/>
+          <p:nvPr/>
+        </p:nvSpPr>
+        <p:spPr>
+          <a:xfrm>
+            <a:off x="15392400" y="5301304"/>
+            <a:ext cx="10782300" cy="923330"/>
+          </a:xfrm>
+          <a:prstGeom prst="rect">
+            <a:avLst/>
+          </a:prstGeom>
+          <a:noFill/>
+        </p:spPr>
+        <p:txBody>
+          <a:bodyPr wrap="square" rtlCol="0">
+            <a:spAutoFit/>
+          </a:bodyPr>
+          <a:lstStyle/>
+          <a:p>
+            <a:r>
+              <a:rPr lang="en-US" sz="5400" b="1" dirty="0"/>
+              <a:t>automatic</a:t>
+            </a:r>
+          </a:p>
+        </p:txBody>
+      </p:sp>
+      <p:sp>
+        <p:nvSpPr>
+          <p:cNvPr id="19" name="Textfeld 18">
+            <a:extLst>
+              <a:ext uri="{FF2B5EF4-FFF2-40B4-BE49-F238E27FC236}">
+                <a16:creationId xmlns:a16="http://schemas.microsoft.com/office/drawing/2014/main" id="{A8810DCB-386E-42E8-9793-26B61D8D252A}"/>
+              </a:ext>
+            </a:extLst>
+          </p:cNvPr>
+          <p:cNvSpPr txBox="1"/>
+          <p:nvPr/>
+        </p:nvSpPr>
+        <p:spPr>
+          <a:xfrm>
+            <a:off x="15392400" y="7680034"/>
+            <a:ext cx="10782300" cy="923330"/>
+          </a:xfrm>
+          <a:prstGeom prst="rect">
+            <a:avLst/>
+          </a:prstGeom>
+          <a:noFill/>
+        </p:spPr>
+        <p:txBody>
+          <a:bodyPr wrap="square" rtlCol="0">
+            <a:spAutoFit/>
+          </a:bodyPr>
+          <a:lstStyle/>
+          <a:p>
+            <a:r>
+              <a:rPr lang="en-US" sz="5400" b="1" dirty="0"/>
+              <a:t>automatic</a:t>
+            </a:r>
+          </a:p>
+        </p:txBody>
+      </p:sp>
+      <p:sp>
+        <p:nvSpPr>
+          <p:cNvPr id="20" name="Geschweifte Klammer rechts 19">
+            <a:extLst>
+              <a:ext uri="{FF2B5EF4-FFF2-40B4-BE49-F238E27FC236}">
+                <a16:creationId xmlns:a16="http://schemas.microsoft.com/office/drawing/2014/main" id="{8B2EEDE5-FB9E-467D-9DA0-637109260C98}"/>
+              </a:ext>
+            </a:extLst>
+          </p:cNvPr>
+          <p:cNvSpPr/>
+          <p:nvPr/>
+        </p:nvSpPr>
+        <p:spPr>
+          <a:xfrm>
+            <a:off x="11239497" y="9627270"/>
+            <a:ext cx="3657603" cy="6174446"/>
+          </a:xfrm>
+          <a:prstGeom prst="rightBrace">
+            <a:avLst/>
+          </a:prstGeom>
+          <a:ln w="57150">
+            <a:solidFill>
+              <a:schemeClr val="tx1"/>
+            </a:solidFill>
+          </a:ln>
+        </p:spPr>
+        <p:style>
+          <a:lnRef idx="1">
+            <a:schemeClr val="accent1"/>
+          </a:lnRef>
+          <a:fillRef idx="0">
+            <a:schemeClr val="accent1"/>
+          </a:fillRef>
+          <a:effectRef idx="0">
+            <a:schemeClr val="accent1"/>
+          </a:effectRef>
+          <a:fontRef idx="minor">
+            <a:schemeClr val="tx1"/>
+          </a:fontRef>
+        </p:style>
+        <p:txBody>
+          <a:bodyPr rtlCol="0" anchor="ctr"/>
+          <a:lstStyle/>
+          <a:p>
+            <a:pPr algn="ctr"/>
+            <a:endParaRPr lang="de-DE"/>
+          </a:p>
+        </p:txBody>
+      </p:sp>
+      <p:sp>
+        <p:nvSpPr>
+          <p:cNvPr id="21" name="Textfeld 20">
+            <a:extLst>
+              <a:ext uri="{FF2B5EF4-FFF2-40B4-BE49-F238E27FC236}">
+                <a16:creationId xmlns:a16="http://schemas.microsoft.com/office/drawing/2014/main" id="{68444309-94C9-4EF8-9AE6-F9DAFD73C057}"/>
+              </a:ext>
+            </a:extLst>
+          </p:cNvPr>
+          <p:cNvSpPr txBox="1"/>
+          <p:nvPr/>
+        </p:nvSpPr>
+        <p:spPr>
+          <a:xfrm>
+            <a:off x="15392400" y="10590834"/>
+            <a:ext cx="10782300" cy="4247317"/>
+          </a:xfrm>
+          <a:prstGeom prst="rect">
+            <a:avLst/>
+          </a:prstGeom>
+          <a:noFill/>
+        </p:spPr>
+        <p:txBody>
+          <a:bodyPr wrap="square" rtlCol="0">
+            <a:spAutoFit/>
+          </a:bodyPr>
+          <a:lstStyle/>
+          <a:p>
+            <a:r>
+              <a:rPr lang="en-US" sz="5400" b="1" i="1" dirty="0"/>
+              <a:t>Parameter</a:t>
+            </a:r>
+            <a:r>
+              <a:rPr lang="en-US" sz="5400" b="1" dirty="0"/>
+              <a:t> rec</a:t>
+            </a:r>
+          </a:p>
+          <a:p>
+            <a:r>
+              <a:rPr lang="en-US" sz="5400" dirty="0"/>
+              <a:t>Number of layers: Vector length </a:t>
+            </a:r>
+          </a:p>
+          <a:p>
+            <a:r>
+              <a:rPr lang="en-US" sz="5400" dirty="0"/>
+              <a:t>Number of neurons:  Vector elements</a:t>
+            </a:r>
+          </a:p>
+          <a:p>
+            <a:r>
+              <a:rPr lang="en-US" sz="5400" dirty="0"/>
+              <a:t>Times: automatic</a:t>
+            </a:r>
+          </a:p>
+          <a:p>
+            <a:r>
+              <a:rPr lang="en-US" sz="5400" dirty="0"/>
+              <a:t>Features: automatic</a:t>
+            </a:r>
+          </a:p>
+        </p:txBody>
+      </p:sp>
+      <p:sp>
+        <p:nvSpPr>
+          <p:cNvPr id="22" name="Geschweifte Klammer rechts 21">
+            <a:extLst>
+              <a:ext uri="{FF2B5EF4-FFF2-40B4-BE49-F238E27FC236}">
+                <a16:creationId xmlns:a16="http://schemas.microsoft.com/office/drawing/2014/main" id="{B15D5E2C-13A0-4DD3-AAA8-6DA910900DA5}"/>
+              </a:ext>
+            </a:extLst>
+          </p:cNvPr>
+          <p:cNvSpPr/>
+          <p:nvPr/>
+        </p:nvSpPr>
+        <p:spPr>
+          <a:xfrm>
+            <a:off x="11239497" y="16399286"/>
+            <a:ext cx="3657603" cy="6174446"/>
+          </a:xfrm>
+          <a:prstGeom prst="rightBrace">
+            <a:avLst/>
+          </a:prstGeom>
+          <a:ln w="57150">
+            <a:solidFill>
+              <a:schemeClr val="tx1"/>
+            </a:solidFill>
+          </a:ln>
+        </p:spPr>
+        <p:style>
+          <a:lnRef idx="1">
+            <a:schemeClr val="accent1"/>
+          </a:lnRef>
+          <a:fillRef idx="0">
+            <a:schemeClr val="accent1"/>
+          </a:fillRef>
+          <a:effectRef idx="0">
+            <a:schemeClr val="accent1"/>
+          </a:effectRef>
+          <a:fontRef idx="minor">
+            <a:schemeClr val="tx1"/>
+          </a:fontRef>
+        </p:style>
+        <p:txBody>
+          <a:bodyPr rtlCol="0" anchor="ctr"/>
+          <a:lstStyle/>
+          <a:p>
+            <a:pPr algn="ctr"/>
+            <a:endParaRPr lang="de-DE"/>
+          </a:p>
+        </p:txBody>
+      </p:sp>
+      <p:sp>
+        <p:nvSpPr>
+          <p:cNvPr id="23" name="Textfeld 22">
+            <a:extLst>
+              <a:ext uri="{FF2B5EF4-FFF2-40B4-BE49-F238E27FC236}">
+                <a16:creationId xmlns:a16="http://schemas.microsoft.com/office/drawing/2014/main" id="{9F0E207E-D67C-4A90-B554-01CEC959B9A9}"/>
+              </a:ext>
+            </a:extLst>
+          </p:cNvPr>
+          <p:cNvSpPr txBox="1"/>
+          <p:nvPr/>
+        </p:nvSpPr>
+        <p:spPr>
+          <a:xfrm>
+            <a:off x="15392400" y="17362850"/>
+            <a:ext cx="10782300" cy="4247317"/>
+          </a:xfrm>
+          <a:prstGeom prst="rect">
+            <a:avLst/>
+          </a:prstGeom>
+          <a:noFill/>
+        </p:spPr>
+        <p:txBody>
+          <a:bodyPr wrap="square" rtlCol="0">
+            <a:spAutoFit/>
+          </a:bodyPr>
+          <a:lstStyle/>
+          <a:p>
+            <a:r>
+              <a:rPr lang="en-US" sz="5400" b="1" i="1" dirty="0"/>
+              <a:t>Parameter</a:t>
+            </a:r>
+            <a:r>
+              <a:rPr lang="en-US" sz="5400" b="1" dirty="0"/>
+              <a:t> </a:t>
+            </a:r>
+            <a:r>
+              <a:rPr lang="en-US" sz="5400" b="1" dirty="0" err="1"/>
+              <a:t>self_attention_heads</a:t>
+            </a:r>
+            <a:endParaRPr lang="en-US" sz="5400" b="1" dirty="0"/>
+          </a:p>
+          <a:p>
+            <a:r>
+              <a:rPr lang="en-US" sz="5400" dirty="0"/>
+              <a:t>Number of heads: value for </a:t>
+            </a:r>
+            <a:r>
+              <a:rPr lang="en-US" sz="5400" dirty="0" err="1"/>
+              <a:t>self_attention_heads</a:t>
+            </a:r>
+            <a:endParaRPr lang="en-US" sz="5400" dirty="0"/>
+          </a:p>
+          <a:p>
+            <a:r>
+              <a:rPr lang="en-US" sz="5400" dirty="0"/>
+              <a:t>If 0 all layers are omitted from the classifier</a:t>
+            </a:r>
+          </a:p>
+        </p:txBody>
+      </p:sp>
+      <p:sp>
+        <p:nvSpPr>
+          <p:cNvPr id="24" name="Textfeld 23">
+            <a:extLst>
+              <a:ext uri="{FF2B5EF4-FFF2-40B4-BE49-F238E27FC236}">
+                <a16:creationId xmlns:a16="http://schemas.microsoft.com/office/drawing/2014/main" id="{206DE3D7-B726-4358-8BF1-625EC4DF0B4B}"/>
+              </a:ext>
+            </a:extLst>
+          </p:cNvPr>
+          <p:cNvSpPr txBox="1"/>
+          <p:nvPr/>
+        </p:nvSpPr>
+        <p:spPr>
+          <a:xfrm>
+            <a:off x="15392400" y="24949230"/>
+            <a:ext cx="10782300" cy="4247317"/>
+          </a:xfrm>
+          <a:prstGeom prst="rect">
+            <a:avLst/>
+          </a:prstGeom>
+          <a:noFill/>
+        </p:spPr>
+        <p:txBody>
+          <a:bodyPr wrap="square" rtlCol="0">
+            <a:spAutoFit/>
+          </a:bodyPr>
+          <a:lstStyle/>
+          <a:p>
+            <a:r>
+              <a:rPr lang="en-US" sz="5400" b="1" i="1" dirty="0"/>
+              <a:t>Parameter</a:t>
+            </a:r>
+            <a:r>
+              <a:rPr lang="en-US" sz="5400" b="1" dirty="0"/>
+              <a:t> hidden</a:t>
+            </a:r>
+          </a:p>
+          <a:p>
+            <a:r>
+              <a:rPr lang="en-US" sz="5400" dirty="0"/>
+              <a:t>Number of layers: Vector length</a:t>
+            </a:r>
+          </a:p>
+          <a:p>
+            <a:r>
+              <a:rPr lang="en-US" sz="5400" dirty="0"/>
+              <a:t>Number of neurons:  Vector elements</a:t>
+            </a:r>
+            <a:br>
+              <a:rPr lang="en-US" sz="5400" dirty="0"/>
+            </a:br>
+            <a:r>
+              <a:rPr lang="en-US" sz="5400" dirty="0"/>
+              <a:t>(dropout layer between the two last dense layers is added automatically)</a:t>
+            </a:r>
+          </a:p>
+        </p:txBody>
+      </p:sp>
+      <p:sp>
+        <p:nvSpPr>
+          <p:cNvPr id="25" name="Geschweifte Klammer rechts 24">
+            <a:extLst>
+              <a:ext uri="{FF2B5EF4-FFF2-40B4-BE49-F238E27FC236}">
+                <a16:creationId xmlns:a16="http://schemas.microsoft.com/office/drawing/2014/main" id="{2B474CBA-746C-4A40-B3DC-AB7ECFABCD94}"/>
+              </a:ext>
+            </a:extLst>
+          </p:cNvPr>
+          <p:cNvSpPr/>
+          <p:nvPr/>
+        </p:nvSpPr>
+        <p:spPr>
+          <a:xfrm>
+            <a:off x="11264898" y="23154669"/>
+            <a:ext cx="3657603" cy="6174446"/>
+          </a:xfrm>
+          <a:prstGeom prst="rightBrace">
+            <a:avLst/>
+          </a:prstGeom>
+          <a:ln w="57150">
+            <a:solidFill>
+              <a:schemeClr val="tx1"/>
+            </a:solidFill>
+          </a:ln>
+        </p:spPr>
+        <p:style>
+          <a:lnRef idx="1">
+            <a:schemeClr val="accent1"/>
+          </a:lnRef>
+          <a:fillRef idx="0">
+            <a:schemeClr val="accent1"/>
+          </a:fillRef>
+          <a:effectRef idx="0">
+            <a:schemeClr val="accent1"/>
+          </a:effectRef>
+          <a:fontRef idx="minor">
+            <a:schemeClr val="tx1"/>
+          </a:fontRef>
+        </p:style>
+        <p:txBody>
+          <a:bodyPr rtlCol="0" anchor="ctr"/>
+          <a:lstStyle/>
+          <a:p>
+            <a:pPr algn="ctr"/>
+            <a:endParaRPr lang="de-DE"/>
+          </a:p>
+        </p:txBody>
+      </p:sp>
+      <p:sp>
+        <p:nvSpPr>
+          <p:cNvPr id="26" name="Textfeld 25">
+            <a:extLst>
+              <a:ext uri="{FF2B5EF4-FFF2-40B4-BE49-F238E27FC236}">
+                <a16:creationId xmlns:a16="http://schemas.microsoft.com/office/drawing/2014/main" id="{B2697EB0-26B5-4482-86DA-5F49F49FE17F}"/>
+              </a:ext>
+            </a:extLst>
+          </p:cNvPr>
+          <p:cNvSpPr txBox="1"/>
+          <p:nvPr/>
+        </p:nvSpPr>
+        <p:spPr>
+          <a:xfrm>
+            <a:off x="15443201" y="30392981"/>
+            <a:ext cx="10782300" cy="923330"/>
+          </a:xfrm>
+          <a:prstGeom prst="rect">
+            <a:avLst/>
+          </a:prstGeom>
+          <a:noFill/>
+        </p:spPr>
+        <p:txBody>
+          <a:bodyPr wrap="square" rtlCol="0">
+            <a:spAutoFit/>
+          </a:bodyPr>
+          <a:lstStyle/>
+          <a:p>
+            <a:r>
+              <a:rPr lang="en-US" sz="5400" b="1" dirty="0"/>
+              <a:t>automatic</a:t>
+            </a:r>
+          </a:p>
+        </p:txBody>
+      </p:sp>
+      <p:cxnSp>
+        <p:nvCxnSpPr>
+          <p:cNvPr id="28" name="Gerade Verbindung mit Pfeil 27">
+            <a:extLst>
+              <a:ext uri="{FF2B5EF4-FFF2-40B4-BE49-F238E27FC236}">
+                <a16:creationId xmlns:a16="http://schemas.microsoft.com/office/drawing/2014/main" id="{0D0E305A-8B24-463D-BDC8-C9F06D37DA5F}"/>
+              </a:ext>
+            </a:extLst>
+          </p:cNvPr>
+          <p:cNvCxnSpPr/>
+          <p:nvPr/>
+        </p:nvCxnSpPr>
+        <p:spPr>
+          <a:xfrm>
+            <a:off x="6362700" y="4158246"/>
+            <a:ext cx="0" cy="820824"/>
+          </a:xfrm>
+          <a:prstGeom prst="straightConnector1">
+            <a:avLst/>
+          </a:prstGeom>
+          <a:ln w="57150">
+            <a:solidFill>
+              <a:schemeClr val="tx1"/>
+            </a:solidFill>
+            <a:tailEnd type="triangle"/>
+          </a:ln>
+        </p:spPr>
+        <p:style>
+          <a:lnRef idx="1">
+            <a:schemeClr val="accent1"/>
+          </a:lnRef>
+          <a:fillRef idx="0">
+            <a:schemeClr val="accent1"/>
+          </a:fillRef>
+          <a:effectRef idx="0">
+            <a:schemeClr val="accent1"/>
+          </a:effectRef>
+          <a:fontRef idx="minor">
+            <a:schemeClr val="tx1"/>
+          </a:fontRef>
+        </p:style>
+      </p:cxnSp>
+      <p:cxnSp>
+        <p:nvCxnSpPr>
+          <p:cNvPr id="30" name="Gerade Verbindung mit Pfeil 29">
+            <a:extLst>
+              <a:ext uri="{FF2B5EF4-FFF2-40B4-BE49-F238E27FC236}">
+                <a16:creationId xmlns:a16="http://schemas.microsoft.com/office/drawing/2014/main" id="{366F73C9-666C-403F-A40A-9114BCDDFF42}"/>
+              </a:ext>
+            </a:extLst>
+          </p:cNvPr>
+          <p:cNvCxnSpPr>
+            <a:cxnSpLocks/>
+            <a:endCxn id="6" idx="0"/>
+          </p:cNvCxnSpPr>
+          <p:nvPr/>
+        </p:nvCxnSpPr>
+        <p:spPr>
+          <a:xfrm>
+            <a:off x="6488960" y="6379840"/>
+            <a:ext cx="0" cy="923330"/>
+          </a:xfrm>
+          <a:prstGeom prst="straightConnector1">
+            <a:avLst/>
+          </a:prstGeom>
+          <a:ln w="57150">
+            <a:solidFill>
+              <a:schemeClr val="tx1"/>
+            </a:solidFill>
+            <a:tailEnd type="triangle"/>
+          </a:ln>
+        </p:spPr>
+        <p:style>
+          <a:lnRef idx="1">
+            <a:schemeClr val="accent1"/>
+          </a:lnRef>
+          <a:fillRef idx="0">
+            <a:schemeClr val="accent1"/>
+          </a:fillRef>
+          <a:effectRef idx="0">
+            <a:schemeClr val="accent1"/>
+          </a:effectRef>
+          <a:fontRef idx="minor">
+            <a:schemeClr val="tx1"/>
+          </a:fontRef>
+        </p:style>
+      </p:cxnSp>
+      <p:cxnSp>
+        <p:nvCxnSpPr>
+          <p:cNvPr id="33" name="Gerade Verbindung mit Pfeil 32">
+            <a:extLst>
+              <a:ext uri="{FF2B5EF4-FFF2-40B4-BE49-F238E27FC236}">
+                <a16:creationId xmlns:a16="http://schemas.microsoft.com/office/drawing/2014/main" id="{D0915772-291E-4D09-AABB-00105C453510}"/>
+              </a:ext>
+            </a:extLst>
+          </p:cNvPr>
+          <p:cNvCxnSpPr>
+            <a:cxnSpLocks/>
+          </p:cNvCxnSpPr>
+          <p:nvPr/>
+        </p:nvCxnSpPr>
+        <p:spPr>
+          <a:xfrm flipH="1">
+            <a:off x="6488959" y="8744704"/>
+            <a:ext cx="1" cy="855824"/>
+          </a:xfrm>
+          <a:prstGeom prst="straightConnector1">
+            <a:avLst/>
+          </a:prstGeom>
+          <a:ln w="57150">
+            <a:solidFill>
+              <a:schemeClr val="tx1"/>
+            </a:solidFill>
+            <a:tailEnd type="triangle"/>
+          </a:ln>
+        </p:spPr>
+        <p:style>
+          <a:lnRef idx="1">
+            <a:schemeClr val="accent1"/>
+          </a:lnRef>
+          <a:fillRef idx="0">
+            <a:schemeClr val="accent1"/>
+          </a:fillRef>
+          <a:effectRef idx="0">
+            <a:schemeClr val="accent1"/>
+          </a:effectRef>
+          <a:fontRef idx="minor">
+            <a:schemeClr val="tx1"/>
+          </a:fontRef>
+        </p:style>
+      </p:cxnSp>
+      <p:cxnSp>
+        <p:nvCxnSpPr>
+          <p:cNvPr id="35" name="Gerade Verbindung mit Pfeil 34">
+            <a:extLst>
+              <a:ext uri="{FF2B5EF4-FFF2-40B4-BE49-F238E27FC236}">
+                <a16:creationId xmlns:a16="http://schemas.microsoft.com/office/drawing/2014/main" id="{29DF825C-13CF-4B93-BBB8-641129663B80}"/>
+              </a:ext>
+            </a:extLst>
+          </p:cNvPr>
+          <p:cNvCxnSpPr>
+            <a:cxnSpLocks/>
+          </p:cNvCxnSpPr>
+          <p:nvPr/>
+        </p:nvCxnSpPr>
+        <p:spPr>
+          <a:xfrm>
+            <a:off x="6488960" y="11068804"/>
+            <a:ext cx="0" cy="820824"/>
+          </a:xfrm>
+          <a:prstGeom prst="straightConnector1">
+            <a:avLst/>
+          </a:prstGeom>
+          <a:ln w="57150">
+            <a:solidFill>
+              <a:schemeClr val="tx1"/>
+            </a:solidFill>
+            <a:tailEnd type="triangle"/>
+          </a:ln>
+        </p:spPr>
+        <p:style>
+          <a:lnRef idx="1">
+            <a:schemeClr val="accent1"/>
+          </a:lnRef>
+          <a:fillRef idx="0">
+            <a:schemeClr val="accent1"/>
+          </a:fillRef>
+          <a:effectRef idx="0">
+            <a:schemeClr val="accent1"/>
+          </a:effectRef>
+          <a:fontRef idx="minor">
+            <a:schemeClr val="tx1"/>
+          </a:fontRef>
+        </p:style>
+      </p:cxnSp>
+      <p:cxnSp>
+        <p:nvCxnSpPr>
+          <p:cNvPr id="37" name="Gerade Verbindung mit Pfeil 36">
+            <a:extLst>
+              <a:ext uri="{FF2B5EF4-FFF2-40B4-BE49-F238E27FC236}">
+                <a16:creationId xmlns:a16="http://schemas.microsoft.com/office/drawing/2014/main" id="{784EFD2D-815E-48AA-941E-4083340158EF}"/>
+              </a:ext>
+            </a:extLst>
+          </p:cNvPr>
+          <p:cNvCxnSpPr>
+            <a:cxnSpLocks/>
+          </p:cNvCxnSpPr>
+          <p:nvPr/>
+        </p:nvCxnSpPr>
+        <p:spPr>
+          <a:xfrm flipH="1">
+            <a:off x="6488959" y="13392904"/>
+            <a:ext cx="1" cy="820824"/>
+          </a:xfrm>
+          <a:prstGeom prst="straightConnector1">
+            <a:avLst/>
+          </a:prstGeom>
+          <a:ln w="57150">
+            <a:solidFill>
+              <a:schemeClr val="tx1"/>
+            </a:solidFill>
+            <a:tailEnd type="triangle"/>
+          </a:ln>
+        </p:spPr>
+        <p:style>
+          <a:lnRef idx="1">
+            <a:schemeClr val="accent1"/>
+          </a:lnRef>
+          <a:fillRef idx="0">
+            <a:schemeClr val="accent1"/>
+          </a:fillRef>
+          <a:effectRef idx="0">
+            <a:schemeClr val="accent1"/>
+          </a:effectRef>
+          <a:fontRef idx="minor">
+            <a:schemeClr val="tx1"/>
+          </a:fontRef>
+        </p:style>
+      </p:cxnSp>
+      <p:cxnSp>
+        <p:nvCxnSpPr>
+          <p:cNvPr id="39" name="Gerade Verbindung mit Pfeil 38">
+            <a:extLst>
+              <a:ext uri="{FF2B5EF4-FFF2-40B4-BE49-F238E27FC236}">
+                <a16:creationId xmlns:a16="http://schemas.microsoft.com/office/drawing/2014/main" id="{DD3C21BD-DC7A-4EEA-826D-CBED0557DA57}"/>
+              </a:ext>
+            </a:extLst>
+          </p:cNvPr>
+          <p:cNvCxnSpPr>
+            <a:cxnSpLocks/>
+          </p:cNvCxnSpPr>
+          <p:nvPr/>
+        </p:nvCxnSpPr>
+        <p:spPr>
+          <a:xfrm>
+            <a:off x="6488960" y="15717004"/>
+            <a:ext cx="0" cy="597570"/>
+          </a:xfrm>
+          <a:prstGeom prst="straightConnector1">
+            <a:avLst/>
+          </a:prstGeom>
+          <a:ln w="57150">
+            <a:solidFill>
+              <a:schemeClr val="tx1"/>
+            </a:solidFill>
+            <a:tailEnd type="triangle"/>
+          </a:ln>
+        </p:spPr>
+        <p:style>
+          <a:lnRef idx="1">
+            <a:schemeClr val="accent1"/>
+          </a:lnRef>
+          <a:fillRef idx="0">
+            <a:schemeClr val="accent1"/>
+          </a:fillRef>
+          <a:effectRef idx="0">
+            <a:schemeClr val="accent1"/>
+          </a:effectRef>
+          <a:fontRef idx="minor">
+            <a:schemeClr val="tx1"/>
+          </a:fontRef>
+        </p:style>
+      </p:cxnSp>
+      <p:cxnSp>
+        <p:nvCxnSpPr>
+          <p:cNvPr id="43" name="Gerade Verbindung mit Pfeil 42">
+            <a:extLst>
+              <a:ext uri="{FF2B5EF4-FFF2-40B4-BE49-F238E27FC236}">
+                <a16:creationId xmlns:a16="http://schemas.microsoft.com/office/drawing/2014/main" id="{D41C4708-45D3-4F79-8104-E38D45EB3C4A}"/>
+              </a:ext>
+            </a:extLst>
+          </p:cNvPr>
+          <p:cNvCxnSpPr>
+            <a:cxnSpLocks/>
+            <a:stCxn id="10" idx="2"/>
+          </p:cNvCxnSpPr>
+          <p:nvPr/>
+        </p:nvCxnSpPr>
+        <p:spPr>
+          <a:xfrm>
+            <a:off x="6488960" y="20265434"/>
+            <a:ext cx="0" cy="759082"/>
+          </a:xfrm>
+          <a:prstGeom prst="straightConnector1">
+            <a:avLst/>
+          </a:prstGeom>
+          <a:ln w="57150">
+            <a:solidFill>
+              <a:schemeClr val="tx1"/>
+            </a:solidFill>
+            <a:tailEnd type="triangle"/>
+          </a:ln>
+        </p:spPr>
+        <p:style>
+          <a:lnRef idx="1">
+            <a:schemeClr val="accent1"/>
+          </a:lnRef>
+          <a:fillRef idx="0">
+            <a:schemeClr val="accent1"/>
+          </a:fillRef>
+          <a:effectRef idx="0">
+            <a:schemeClr val="accent1"/>
+          </a:effectRef>
+          <a:fontRef idx="minor">
+            <a:schemeClr val="tx1"/>
+          </a:fontRef>
+        </p:style>
+      </p:cxnSp>
+      <p:cxnSp>
+        <p:nvCxnSpPr>
+          <p:cNvPr id="45" name="Gerade Verbindung mit Pfeil 44">
+            <a:extLst>
+              <a:ext uri="{FF2B5EF4-FFF2-40B4-BE49-F238E27FC236}">
+                <a16:creationId xmlns:a16="http://schemas.microsoft.com/office/drawing/2014/main" id="{D242E6AE-F6ED-4E5F-BEDA-C41653B9A65C}"/>
+              </a:ext>
+            </a:extLst>
+          </p:cNvPr>
+          <p:cNvCxnSpPr>
+            <a:cxnSpLocks/>
+            <a:stCxn id="12" idx="2"/>
+            <a:endCxn id="13" idx="0"/>
+          </p:cNvCxnSpPr>
+          <p:nvPr/>
+        </p:nvCxnSpPr>
+        <p:spPr>
+          <a:xfrm>
+            <a:off x="6488960" y="22527792"/>
+            <a:ext cx="0" cy="602916"/>
+          </a:xfrm>
+          <a:prstGeom prst="straightConnector1">
+            <a:avLst/>
+          </a:prstGeom>
+          <a:ln w="57150">
+            <a:solidFill>
+              <a:schemeClr val="tx1"/>
+            </a:solidFill>
+            <a:tailEnd type="triangle"/>
+          </a:ln>
+        </p:spPr>
+        <p:style>
+          <a:lnRef idx="1">
+            <a:schemeClr val="accent1"/>
+          </a:lnRef>
+          <a:fillRef idx="0">
+            <a:schemeClr val="accent1"/>
+          </a:fillRef>
+          <a:effectRef idx="0">
+            <a:schemeClr val="accent1"/>
+          </a:effectRef>
+          <a:fontRef idx="minor">
+            <a:schemeClr val="tx1"/>
+          </a:fontRef>
+        </p:style>
+      </p:cxnSp>
+      <p:cxnSp>
+        <p:nvCxnSpPr>
+          <p:cNvPr id="47" name="Gerade Verbindung mit Pfeil 46">
+            <a:extLst>
+              <a:ext uri="{FF2B5EF4-FFF2-40B4-BE49-F238E27FC236}">
+                <a16:creationId xmlns:a16="http://schemas.microsoft.com/office/drawing/2014/main" id="{B439698A-A65A-4C47-89AE-61BC421899F6}"/>
+              </a:ext>
+            </a:extLst>
+          </p:cNvPr>
+          <p:cNvCxnSpPr>
+            <a:cxnSpLocks/>
+          </p:cNvCxnSpPr>
+          <p:nvPr/>
+        </p:nvCxnSpPr>
+        <p:spPr>
+          <a:xfrm flipH="1">
+            <a:off x="6488959" y="24572242"/>
+            <a:ext cx="1" cy="820824"/>
+          </a:xfrm>
+          <a:prstGeom prst="straightConnector1">
+            <a:avLst/>
+          </a:prstGeom>
+          <a:ln w="57150">
+            <a:solidFill>
+              <a:schemeClr val="tx1"/>
+            </a:solidFill>
+            <a:tailEnd type="triangle"/>
+          </a:ln>
+        </p:spPr>
+        <p:style>
+          <a:lnRef idx="1">
+            <a:schemeClr val="accent1"/>
+          </a:lnRef>
+          <a:fillRef idx="0">
+            <a:schemeClr val="accent1"/>
+          </a:fillRef>
+          <a:effectRef idx="0">
+            <a:schemeClr val="accent1"/>
+          </a:effectRef>
+          <a:fontRef idx="minor">
+            <a:schemeClr val="tx1"/>
+          </a:fontRef>
+        </p:style>
+      </p:cxnSp>
+      <p:cxnSp>
+        <p:nvCxnSpPr>
+          <p:cNvPr id="49" name="Gerade Verbindung mit Pfeil 48">
+            <a:extLst>
+              <a:ext uri="{FF2B5EF4-FFF2-40B4-BE49-F238E27FC236}">
+                <a16:creationId xmlns:a16="http://schemas.microsoft.com/office/drawing/2014/main" id="{7B362EBA-5C12-44DA-B614-21C23CFA97E6}"/>
+              </a:ext>
+            </a:extLst>
+          </p:cNvPr>
+          <p:cNvCxnSpPr>
+            <a:cxnSpLocks/>
+            <a:stCxn id="14" idx="2"/>
+            <a:endCxn id="15" idx="0"/>
+          </p:cNvCxnSpPr>
+          <p:nvPr/>
+        </p:nvCxnSpPr>
+        <p:spPr>
+          <a:xfrm>
+            <a:off x="6488960" y="26958084"/>
+            <a:ext cx="0" cy="820824"/>
+          </a:xfrm>
+          <a:prstGeom prst="straightConnector1">
+            <a:avLst/>
+          </a:prstGeom>
+          <a:ln w="57150">
+            <a:solidFill>
+              <a:schemeClr val="tx1"/>
+            </a:solidFill>
+            <a:tailEnd type="triangle"/>
+          </a:ln>
+        </p:spPr>
+        <p:style>
+          <a:lnRef idx="1">
+            <a:schemeClr val="accent1"/>
+          </a:lnRef>
+          <a:fillRef idx="0">
+            <a:schemeClr val="accent1"/>
+          </a:fillRef>
+          <a:effectRef idx="0">
+            <a:schemeClr val="accent1"/>
+          </a:effectRef>
+          <a:fontRef idx="minor">
+            <a:schemeClr val="tx1"/>
+          </a:fontRef>
+        </p:style>
+      </p:cxnSp>
+      <p:cxnSp>
+        <p:nvCxnSpPr>
+          <p:cNvPr id="51" name="Gerade Verbindung mit Pfeil 50">
+            <a:extLst>
+              <a:ext uri="{FF2B5EF4-FFF2-40B4-BE49-F238E27FC236}">
+                <a16:creationId xmlns:a16="http://schemas.microsoft.com/office/drawing/2014/main" id="{2D4080D6-E53E-4979-B8E0-BBDE91EBDCD6}"/>
+              </a:ext>
+            </a:extLst>
+          </p:cNvPr>
+          <p:cNvCxnSpPr>
+            <a:cxnSpLocks/>
+          </p:cNvCxnSpPr>
+          <p:nvPr/>
+        </p:nvCxnSpPr>
+        <p:spPr>
+          <a:xfrm>
+            <a:off x="6488959" y="29267373"/>
+            <a:ext cx="1" cy="773893"/>
+          </a:xfrm>
+          <a:prstGeom prst="straightConnector1">
+            <a:avLst/>
+          </a:prstGeom>
+          <a:ln w="57150">
+            <a:solidFill>
+              <a:schemeClr val="tx1"/>
+            </a:solidFill>
+            <a:tailEnd type="triangle"/>
+          </a:ln>
+        </p:spPr>
+        <p:style>
+          <a:lnRef idx="1">
+            <a:schemeClr val="accent1"/>
+          </a:lnRef>
+          <a:fillRef idx="0">
+            <a:schemeClr val="accent1"/>
+          </a:fillRef>
+          <a:effectRef idx="0">
+            <a:schemeClr val="accent1"/>
+          </a:effectRef>
+          <a:fontRef idx="minor">
+            <a:schemeClr val="tx1"/>
+          </a:fontRef>
+        </p:style>
+      </p:cxnSp>
+    </p:spTree>
+    <p:extLst>
+      <p:ext uri="{BB962C8B-B14F-4D97-AF65-F5344CB8AC3E}">
+        <p14:creationId xmlns:p14="http://schemas.microsoft.com/office/powerpoint/2010/main" val="478380036"/>
+      </p:ext>
+    </p:extLst>
+  </p:cSld>
+  <p:clrMapOvr>
+    <a:masterClrMapping/>
+  </p:clrMapOvr>
+</p:sld>
+</file>
+
+<file path=ppt/slides/slide5.xml><?xml version="1.0" encoding="utf-8"?>
+<p:sld xmlns:a="http://schemas.openxmlformats.org/drawingml/2006/main" xmlns:r="http://schemas.openxmlformats.org/officeDocument/2006/relationships" xmlns:p="http://schemas.openxmlformats.org/presentationml/2006/main">
+  <p:cSld>
+    <p:spTree>
+      <p:nvGrpSpPr>
+        <p:cNvPr id="1" name=""/>
+        <p:cNvGrpSpPr/>
+        <p:nvPr/>
+      </p:nvGrpSpPr>
+      <p:grpSpPr>
+        <a:xfrm>
+          <a:off x="0" y="0"/>
+          <a:ext cx="0" cy="0"/>
+          <a:chOff x="0" y="0"/>
+          <a:chExt cx="0" cy="0"/>
+        </a:xfrm>
+      </p:grpSpPr>
+      <p:sp>
+        <p:nvSpPr>
           <p:cNvPr id="53" name="Rechteck 52">
             <a:extLst>
               <a:ext uri="{FF2B5EF4-FFF2-40B4-BE49-F238E27FC236}">
@@ -11108,7 +12440,7 @@
           <a:p>
             <a:pPr algn="ctr"/>
             <a:r>
-              <a:rPr lang="en-US" sz="4400">
+              <a:rPr lang="en-US" sz="4400" dirty="0">
                 <a:solidFill>
                   <a:schemeClr val="tx1"/>
                 </a:solidFill>
@@ -11461,7 +12793,7 @@
 </p:sld>
 </file>
 
-<file path=ppt/slides/slide5.xml><?xml version="1.0" encoding="utf-8"?>
+<file path=ppt/slides/slide6.xml><?xml version="1.0" encoding="utf-8"?>
 <p:sld xmlns:a="http://schemas.openxmlformats.org/drawingml/2006/main" xmlns:r="http://schemas.openxmlformats.org/officeDocument/2006/relationships" xmlns:p="http://schemas.openxmlformats.org/presentationml/2006/main">
   <p:cSld>
     <p:spTree>

--- a/materials/images_hochformat.pptx
+++ b/materials/images_hochformat.pptx
@@ -248,7 +248,7 @@
           <a:p>
             <a:fld id="{F39F49B5-785A-44C4-99F0-898FF83CD003}" type="datetimeFigureOut">
               <a:rPr lang="de-DE" smtClean="0"/>
-              <a:t>15.05.2024</a:t>
+              <a:t>24.09.2024</a:t>
             </a:fld>
             <a:endParaRPr lang="de-DE"/>
           </a:p>
@@ -418,7 +418,7 @@
           <a:p>
             <a:fld id="{F39F49B5-785A-44C4-99F0-898FF83CD003}" type="datetimeFigureOut">
               <a:rPr lang="de-DE" smtClean="0"/>
-              <a:t>15.05.2024</a:t>
+              <a:t>24.09.2024</a:t>
             </a:fld>
             <a:endParaRPr lang="de-DE"/>
           </a:p>
@@ -598,7 +598,7 @@
           <a:p>
             <a:fld id="{F39F49B5-785A-44C4-99F0-898FF83CD003}" type="datetimeFigureOut">
               <a:rPr lang="de-DE" smtClean="0"/>
-              <a:t>15.05.2024</a:t>
+              <a:t>24.09.2024</a:t>
             </a:fld>
             <a:endParaRPr lang="de-DE"/>
           </a:p>
@@ -768,7 +768,7 @@
           <a:p>
             <a:fld id="{F39F49B5-785A-44C4-99F0-898FF83CD003}" type="datetimeFigureOut">
               <a:rPr lang="de-DE" smtClean="0"/>
-              <a:t>15.05.2024</a:t>
+              <a:t>24.09.2024</a:t>
             </a:fld>
             <a:endParaRPr lang="de-DE"/>
           </a:p>
@@ -1012,7 +1012,7 @@
           <a:p>
             <a:fld id="{F39F49B5-785A-44C4-99F0-898FF83CD003}" type="datetimeFigureOut">
               <a:rPr lang="de-DE" smtClean="0"/>
-              <a:t>15.05.2024</a:t>
+              <a:t>24.09.2024</a:t>
             </a:fld>
             <a:endParaRPr lang="de-DE"/>
           </a:p>
@@ -1244,7 +1244,7 @@
           <a:p>
             <a:fld id="{F39F49B5-785A-44C4-99F0-898FF83CD003}" type="datetimeFigureOut">
               <a:rPr lang="de-DE" smtClean="0"/>
-              <a:t>15.05.2024</a:t>
+              <a:t>24.09.2024</a:t>
             </a:fld>
             <a:endParaRPr lang="de-DE"/>
           </a:p>
@@ -1611,7 +1611,7 @@
           <a:p>
             <a:fld id="{F39F49B5-785A-44C4-99F0-898FF83CD003}" type="datetimeFigureOut">
               <a:rPr lang="de-DE" smtClean="0"/>
-              <a:t>15.05.2024</a:t>
+              <a:t>24.09.2024</a:t>
             </a:fld>
             <a:endParaRPr lang="de-DE"/>
           </a:p>
@@ -1729,7 +1729,7 @@
           <a:p>
             <a:fld id="{F39F49B5-785A-44C4-99F0-898FF83CD003}" type="datetimeFigureOut">
               <a:rPr lang="de-DE" smtClean="0"/>
-              <a:t>15.05.2024</a:t>
+              <a:t>24.09.2024</a:t>
             </a:fld>
             <a:endParaRPr lang="de-DE"/>
           </a:p>
@@ -1824,7 +1824,7 @@
           <a:p>
             <a:fld id="{F39F49B5-785A-44C4-99F0-898FF83CD003}" type="datetimeFigureOut">
               <a:rPr lang="de-DE" smtClean="0"/>
-              <a:t>15.05.2024</a:t>
+              <a:t>24.09.2024</a:t>
             </a:fld>
             <a:endParaRPr lang="de-DE"/>
           </a:p>
@@ -2101,7 +2101,7 @@
           <a:p>
             <a:fld id="{F39F49B5-785A-44C4-99F0-898FF83CD003}" type="datetimeFigureOut">
               <a:rPr lang="de-DE" smtClean="0"/>
-              <a:t>15.05.2024</a:t>
+              <a:t>24.09.2024</a:t>
             </a:fld>
             <a:endParaRPr lang="de-DE"/>
           </a:p>
@@ -2358,7 +2358,7 @@
           <a:p>
             <a:fld id="{F39F49B5-785A-44C4-99F0-898FF83CD003}" type="datetimeFigureOut">
               <a:rPr lang="de-DE" smtClean="0"/>
-              <a:t>15.05.2024</a:t>
+              <a:t>24.09.2024</a:t>
             </a:fld>
             <a:endParaRPr lang="de-DE"/>
           </a:p>
@@ -2571,7 +2571,7 @@
           <a:p>
             <a:fld id="{F39F49B5-785A-44C4-99F0-898FF83CD003}" type="datetimeFigureOut">
               <a:rPr lang="de-DE" smtClean="0"/>
-              <a:t>15.05.2024</a:t>
+              <a:t>24.09.2024</a:t>
             </a:fld>
             <a:endParaRPr lang="de-DE"/>
           </a:p>
@@ -10748,7 +10748,7 @@
         <p:spPr>
           <a:xfrm>
             <a:off x="16217900" y="7354312"/>
-            <a:ext cx="10782300" cy="5509200"/>
+            <a:ext cx="10782300" cy="4832092"/>
           </a:xfrm>
           <a:prstGeom prst="rect">
             <a:avLst/>
@@ -10767,31 +10767,39 @@
             </a:r>
             <a:r>
               <a:rPr lang="en-US" sz="4400" b="1" dirty="0"/>
-              <a:t> rec</a:t>
-            </a:r>
+              <a:t> </a:t>
+            </a:r>
+            <a:r>
+              <a:rPr lang="en-US" sz="4400" b="1" dirty="0" err="1"/>
+              <a:t>rec_layers</a:t>
+            </a:r>
+            <a:endParaRPr lang="en-US" sz="4400" b="1" dirty="0"/>
           </a:p>
           <a:p>
             <a:r>
               <a:rPr lang="en-US" sz="4400" dirty="0"/>
-              <a:t>Number of layers: Vector length </a:t>
-            </a:r>
+              <a:t>Number of layers</a:t>
+            </a:r>
+          </a:p>
+          <a:p>
+            <a:r>
+              <a:rPr lang="en-US" sz="4400" b="1" i="1" dirty="0"/>
+              <a:t>Parameter</a:t>
+            </a:r>
+            <a:r>
+              <a:rPr lang="en-US" sz="4400" b="1" dirty="0"/>
+              <a:t> </a:t>
+            </a:r>
+            <a:r>
+              <a:rPr lang="en-US" sz="4400" b="1" dirty="0" err="1"/>
+              <a:t>rec_size</a:t>
+            </a:r>
+            <a:endParaRPr lang="en-US" sz="4400" b="1" dirty="0"/>
           </a:p>
           <a:p>
             <a:r>
               <a:rPr lang="en-US" sz="4400" dirty="0"/>
-              <a:t>Number of neurons:  Vector elements</a:t>
-            </a:r>
-          </a:p>
-          <a:p>
-            <a:r>
-              <a:rPr lang="en-US" sz="4400" dirty="0"/>
-              <a:t>Times: automatic</a:t>
-            </a:r>
-          </a:p>
-          <a:p>
-            <a:r>
-              <a:rPr lang="en-US" sz="4400" dirty="0"/>
-              <a:t>Features: automatic</a:t>
+              <a:t>Number of neurons</a:t>
             </a:r>
           </a:p>
           <a:p>
@@ -11001,8 +11009,8 @@
         </p:nvSpPr>
         <p:spPr>
           <a:xfrm>
-            <a:off x="16014716" y="14615336"/>
-            <a:ext cx="10782300" cy="2800767"/>
+            <a:off x="16014716" y="15004507"/>
+            <a:ext cx="10782300" cy="3477875"/>
           </a:xfrm>
           <a:prstGeom prst="rect">
             <a:avLst/>
@@ -11021,19 +11029,39 @@
             </a:r>
             <a:r>
               <a:rPr lang="en-US" sz="4400" b="1" dirty="0"/>
-              <a:t> hidden</a:t>
-            </a:r>
+              <a:t> </a:t>
+            </a:r>
+            <a:r>
+              <a:rPr lang="en-US" sz="4400" b="1" dirty="0" err="1"/>
+              <a:t>dense_layers</a:t>
+            </a:r>
+            <a:endParaRPr lang="en-US" sz="4400" b="1" dirty="0"/>
           </a:p>
           <a:p>
             <a:r>
               <a:rPr lang="en-US" sz="4400" dirty="0"/>
-              <a:t>Number of layers: Vector length</a:t>
-            </a:r>
+              <a:t>Number of layers</a:t>
+            </a:r>
+          </a:p>
+          <a:p>
+            <a:r>
+              <a:rPr lang="en-US" sz="4400" b="1" i="1" dirty="0"/>
+              <a:t>Parameter</a:t>
+            </a:r>
+            <a:r>
+              <a:rPr lang="en-US" sz="4400" b="1" dirty="0"/>
+              <a:t> </a:t>
+            </a:r>
+            <a:r>
+              <a:rPr lang="en-US" sz="4400" b="1" dirty="0" err="1"/>
+              <a:t>dense_size</a:t>
+            </a:r>
+            <a:endParaRPr lang="en-US" sz="4400" dirty="0"/>
           </a:p>
           <a:p>
             <a:r>
               <a:rPr lang="en-US" sz="4400" dirty="0"/>
-              <a:t>Number of neurons:  Vector elements</a:t>
+              <a:t>Number of neurons</a:t>
             </a:r>
             <a:br>
               <a:rPr lang="en-US" sz="4400" dirty="0"/>

--- a/materials/images_hochformat.pptx
+++ b/materials/images_hochformat.pptx
@@ -256,7 +256,7 @@
           <a:p>
             <a:fld id="{F39F49B5-785A-44C4-99F0-898FF83CD003}" type="datetimeFigureOut">
               <a:rPr lang="de-DE" smtClean="0"/>
-              <a:t>02.07.2025</a:t>
+              <a:t>04.07.2025</a:t>
             </a:fld>
             <a:endParaRPr lang="de-DE"/>
           </a:p>
@@ -426,7 +426,7 @@
           <a:p>
             <a:fld id="{F39F49B5-785A-44C4-99F0-898FF83CD003}" type="datetimeFigureOut">
               <a:rPr lang="de-DE" smtClean="0"/>
-              <a:t>02.07.2025</a:t>
+              <a:t>04.07.2025</a:t>
             </a:fld>
             <a:endParaRPr lang="de-DE"/>
           </a:p>
@@ -606,7 +606,7 @@
           <a:p>
             <a:fld id="{F39F49B5-785A-44C4-99F0-898FF83CD003}" type="datetimeFigureOut">
               <a:rPr lang="de-DE" smtClean="0"/>
-              <a:t>02.07.2025</a:t>
+              <a:t>04.07.2025</a:t>
             </a:fld>
             <a:endParaRPr lang="de-DE"/>
           </a:p>
@@ -776,7 +776,7 @@
           <a:p>
             <a:fld id="{F39F49B5-785A-44C4-99F0-898FF83CD003}" type="datetimeFigureOut">
               <a:rPr lang="de-DE" smtClean="0"/>
-              <a:t>02.07.2025</a:t>
+              <a:t>04.07.2025</a:t>
             </a:fld>
             <a:endParaRPr lang="de-DE"/>
           </a:p>
@@ -1020,7 +1020,7 @@
           <a:p>
             <a:fld id="{F39F49B5-785A-44C4-99F0-898FF83CD003}" type="datetimeFigureOut">
               <a:rPr lang="de-DE" smtClean="0"/>
-              <a:t>02.07.2025</a:t>
+              <a:t>04.07.2025</a:t>
             </a:fld>
             <a:endParaRPr lang="de-DE"/>
           </a:p>
@@ -1252,7 +1252,7 @@
           <a:p>
             <a:fld id="{F39F49B5-785A-44C4-99F0-898FF83CD003}" type="datetimeFigureOut">
               <a:rPr lang="de-DE" smtClean="0"/>
-              <a:t>02.07.2025</a:t>
+              <a:t>04.07.2025</a:t>
             </a:fld>
             <a:endParaRPr lang="de-DE"/>
           </a:p>
@@ -1619,7 +1619,7 @@
           <a:p>
             <a:fld id="{F39F49B5-785A-44C4-99F0-898FF83CD003}" type="datetimeFigureOut">
               <a:rPr lang="de-DE" smtClean="0"/>
-              <a:t>02.07.2025</a:t>
+              <a:t>04.07.2025</a:t>
             </a:fld>
             <a:endParaRPr lang="de-DE"/>
           </a:p>
@@ -1737,7 +1737,7 @@
           <a:p>
             <a:fld id="{F39F49B5-785A-44C4-99F0-898FF83CD003}" type="datetimeFigureOut">
               <a:rPr lang="de-DE" smtClean="0"/>
-              <a:t>02.07.2025</a:t>
+              <a:t>04.07.2025</a:t>
             </a:fld>
             <a:endParaRPr lang="de-DE"/>
           </a:p>
@@ -1832,7 +1832,7 @@
           <a:p>
             <a:fld id="{F39F49B5-785A-44C4-99F0-898FF83CD003}" type="datetimeFigureOut">
               <a:rPr lang="de-DE" smtClean="0"/>
-              <a:t>02.07.2025</a:t>
+              <a:t>04.07.2025</a:t>
             </a:fld>
             <a:endParaRPr lang="de-DE"/>
           </a:p>
@@ -2109,7 +2109,7 @@
           <a:p>
             <a:fld id="{F39F49B5-785A-44C4-99F0-898FF83CD003}" type="datetimeFigureOut">
               <a:rPr lang="de-DE" smtClean="0"/>
-              <a:t>02.07.2025</a:t>
+              <a:t>04.07.2025</a:t>
             </a:fld>
             <a:endParaRPr lang="de-DE"/>
           </a:p>
@@ -2366,7 +2366,7 @@
           <a:p>
             <a:fld id="{F39F49B5-785A-44C4-99F0-898FF83CD003}" type="datetimeFigureOut">
               <a:rPr lang="de-DE" smtClean="0"/>
-              <a:t>02.07.2025</a:t>
+              <a:t>04.07.2025</a:t>
             </a:fld>
             <a:endParaRPr lang="de-DE"/>
           </a:p>
@@ -2579,7 +2579,7 @@
           <a:p>
             <a:fld id="{F39F49B5-785A-44C4-99F0-898FF83CD003}" type="datetimeFigureOut">
               <a:rPr lang="de-DE" smtClean="0"/>
-              <a:t>02.07.2025</a:t>
+              <a:t>04.07.2025</a:t>
             </a:fld>
             <a:endParaRPr lang="de-DE"/>
           </a:p>
@@ -16408,7 +16408,7 @@
         </p:nvSpPr>
         <p:spPr>
           <a:xfrm>
-            <a:off x="3198204" y="326212"/>
+            <a:off x="9840523" y="233468"/>
             <a:ext cx="7032172" cy="2231900"/>
           </a:xfrm>
           <a:prstGeom prst="rect">
@@ -16465,7 +16465,7 @@
         </p:nvGrpSpPr>
         <p:grpSpPr>
           <a:xfrm>
-            <a:off x="3634429" y="3738178"/>
+            <a:off x="10276748" y="3645434"/>
             <a:ext cx="5711044" cy="953587"/>
             <a:chOff x="3350604" y="22569948"/>
             <a:chExt cx="5400000" cy="1080000"/>
@@ -16746,7 +16746,7 @@
         </p:nvGrpSpPr>
         <p:grpSpPr>
           <a:xfrm>
-            <a:off x="3634429" y="4691765"/>
+            <a:off x="10276748" y="4599021"/>
             <a:ext cx="5711044" cy="953587"/>
             <a:chOff x="3350604" y="22569948"/>
             <a:chExt cx="5400000" cy="1080000"/>
@@ -17027,7 +17027,7 @@
         </p:nvGrpSpPr>
         <p:grpSpPr>
           <a:xfrm>
-            <a:off x="3634429" y="5645352"/>
+            <a:off x="10276748" y="5552608"/>
             <a:ext cx="5711044" cy="953587"/>
             <a:chOff x="3350604" y="22569948"/>
             <a:chExt cx="5400000" cy="1080000"/>
@@ -17308,7 +17308,7 @@
         </p:nvGrpSpPr>
         <p:grpSpPr>
           <a:xfrm>
-            <a:off x="3634429" y="6598939"/>
+            <a:off x="10276748" y="6506195"/>
             <a:ext cx="5711044" cy="953587"/>
             <a:chOff x="3350604" y="22569948"/>
             <a:chExt cx="5400000" cy="1080000"/>
@@ -17589,7 +17589,7 @@
         </p:nvGrpSpPr>
         <p:grpSpPr>
           <a:xfrm>
-            <a:off x="3634429" y="9193302"/>
+            <a:off x="10276748" y="9100558"/>
             <a:ext cx="5711044" cy="953587"/>
             <a:chOff x="3350604" y="22569948"/>
             <a:chExt cx="5400000" cy="1080000"/>
@@ -17870,7 +17870,7 @@
         </p:nvSpPr>
         <p:spPr>
           <a:xfrm>
-            <a:off x="6200038" y="7965287"/>
+            <a:off x="12842357" y="7872543"/>
             <a:ext cx="700513" cy="815255"/>
           </a:xfrm>
           <a:prstGeom prst="rect">
@@ -17905,7 +17905,7 @@
         </p:nvSpPr>
         <p:spPr>
           <a:xfrm rot="16200000">
-            <a:off x="1774398" y="6614066"/>
+            <a:off x="8416717" y="6521322"/>
             <a:ext cx="2231901" cy="923330"/>
           </a:xfrm>
           <a:prstGeom prst="rect">
@@ -17940,7 +17940,7 @@
         </p:nvSpPr>
         <p:spPr>
           <a:xfrm>
-            <a:off x="5439162" y="2746987"/>
+            <a:off x="12081481" y="2654243"/>
             <a:ext cx="2764102" cy="953587"/>
           </a:xfrm>
           <a:prstGeom prst="rect">
@@ -17975,7 +17975,7 @@
         </p:nvSpPr>
         <p:spPr>
           <a:xfrm>
-            <a:off x="8067342" y="3637411"/>
+            <a:off x="14709661" y="3544667"/>
             <a:ext cx="1423400" cy="6695766"/>
           </a:xfrm>
           <a:prstGeom prst="roundRect">
@@ -18028,8 +18028,8 @@
         </p:nvSpPr>
         <p:spPr>
           <a:xfrm>
-            <a:off x="3432165" y="3637411"/>
-            <a:ext cx="1423400" cy="6695766"/>
+            <a:off x="10217974" y="3544667"/>
+            <a:ext cx="1279909" cy="6695766"/>
           </a:xfrm>
           <a:prstGeom prst="roundRect">
             <a:avLst/>
@@ -18081,7 +18081,7 @@
         </p:nvSpPr>
         <p:spPr>
           <a:xfrm>
-            <a:off x="4658115" y="3637411"/>
+            <a:off x="11300434" y="3544667"/>
             <a:ext cx="1423400" cy="6695766"/>
           </a:xfrm>
           <a:prstGeom prst="roundRect">
@@ -18137,7 +18137,7 @@
         </p:nvGrpSpPr>
         <p:grpSpPr>
           <a:xfrm>
-            <a:off x="3634429" y="12678837"/>
+            <a:off x="10276748" y="11527319"/>
             <a:ext cx="5711044" cy="953587"/>
             <a:chOff x="3350604" y="22569948"/>
             <a:chExt cx="5400000" cy="1080000"/>
@@ -18414,14 +18414,16 @@
             </a:extLst>
           </p:cNvPr>
           <p:cNvCxnSpPr>
+            <a:cxnSpLocks/>
             <a:stCxn id="38" idx="2"/>
+            <a:endCxn id="41" idx="0"/>
           </p:cNvCxnSpPr>
           <p:nvPr/>
         </p:nvCxnSpPr>
         <p:spPr>
-          <a:xfrm>
-            <a:off x="4143865" y="10333177"/>
-            <a:ext cx="0" cy="2345660"/>
+          <a:xfrm flipH="1">
+            <a:off x="10847853" y="10240433"/>
+            <a:ext cx="10076" cy="1286886"/>
           </a:xfrm>
           <a:prstGeom prst="straightConnector1">
             <a:avLst/>
@@ -18465,8 +18467,8 @@
         </p:nvCxnSpPr>
         <p:spPr>
           <a:xfrm flipH="1">
-            <a:off x="5347743" y="10333177"/>
-            <a:ext cx="22072" cy="2345660"/>
+            <a:off x="11990062" y="10240433"/>
+            <a:ext cx="22072" cy="1286886"/>
           </a:xfrm>
           <a:prstGeom prst="straightConnector1">
             <a:avLst/>
@@ -18513,8 +18515,8 @@
         </p:nvCxnSpPr>
         <p:spPr>
           <a:xfrm flipH="1">
-            <a:off x="8774369" y="10333177"/>
-            <a:ext cx="4673" cy="2345660"/>
+            <a:off x="15416688" y="10240433"/>
+            <a:ext cx="4673" cy="1286886"/>
           </a:xfrm>
           <a:prstGeom prst="straightConnector1">
             <a:avLst/>
@@ -18555,7 +18557,7 @@
         </p:nvSpPr>
         <p:spPr>
           <a:xfrm>
-            <a:off x="9109592" y="10950811"/>
+            <a:off x="15751911" y="10424933"/>
             <a:ext cx="6148008" cy="923330"/>
           </a:xfrm>
           <a:prstGeom prst="rect">
@@ -18590,7 +18592,7 @@
         </p:nvSpPr>
         <p:spPr>
           <a:xfrm rot="5400000">
-            <a:off x="5490749" y="12164380"/>
+            <a:off x="12133068" y="11012862"/>
             <a:ext cx="2137663" cy="5862322"/>
           </a:xfrm>
           <a:prstGeom prst="rightBrace">
@@ -18639,7 +18641,7 @@
         </p:nvGrpSpPr>
         <p:grpSpPr>
           <a:xfrm>
-            <a:off x="4855565" y="16372369"/>
+            <a:off x="11497884" y="15220851"/>
             <a:ext cx="3426627" cy="953587"/>
             <a:chOff x="3704058" y="16219654"/>
             <a:chExt cx="3426627" cy="953587"/>
@@ -18816,7 +18818,7 @@
         </p:nvSpPr>
         <p:spPr>
           <a:xfrm>
-            <a:off x="9109592" y="16387497"/>
+            <a:off x="15751911" y="15235979"/>
             <a:ext cx="6148008" cy="923330"/>
           </a:xfrm>
           <a:prstGeom prst="rect">
@@ -18851,8 +18853,8 @@
         </p:nvSpPr>
         <p:spPr>
           <a:xfrm>
-            <a:off x="915069" y="2746988"/>
-            <a:ext cx="11598442" cy="15511516"/>
+            <a:off x="7557388" y="2654244"/>
+            <a:ext cx="11598442" cy="13904717"/>
           </a:xfrm>
           <a:prstGeom prst="roundRect">
             <a:avLst/>
@@ -18886,6 +18888,2989 @@
           <a:p>
             <a:pPr algn="ctr"/>
             <a:endParaRPr lang="de-DE"/>
+          </a:p>
+        </p:txBody>
+      </p:sp>
+      <p:grpSp>
+        <p:nvGrpSpPr>
+          <p:cNvPr id="109" name="Gruppieren 108">
+            <a:extLst>
+              <a:ext uri="{FF2B5EF4-FFF2-40B4-BE49-F238E27FC236}">
+                <a16:creationId xmlns:a16="http://schemas.microsoft.com/office/drawing/2014/main" id="{DBB71206-0EFF-1DBF-4E12-DE2B5ACBFF48}"/>
+              </a:ext>
+            </a:extLst>
+          </p:cNvPr>
+          <p:cNvGrpSpPr/>
+          <p:nvPr/>
+        </p:nvGrpSpPr>
+        <p:grpSpPr>
+          <a:xfrm>
+            <a:off x="10420239" y="18037180"/>
+            <a:ext cx="5711044" cy="953587"/>
+            <a:chOff x="3350604" y="22569948"/>
+            <a:chExt cx="5400000" cy="1080000"/>
+          </a:xfrm>
+        </p:grpSpPr>
+        <p:sp>
+          <p:nvSpPr>
+            <p:cNvPr id="110" name="Rechteck 109">
+              <a:extLst>
+                <a:ext uri="{FF2B5EF4-FFF2-40B4-BE49-F238E27FC236}">
+                  <a16:creationId xmlns:a16="http://schemas.microsoft.com/office/drawing/2014/main" id="{7E4B8531-C1CD-FB0A-D0CB-F1DA2BBB792E}"/>
+                </a:ext>
+              </a:extLst>
+            </p:cNvPr>
+            <p:cNvSpPr/>
+            <p:nvPr/>
+          </p:nvSpPr>
+          <p:spPr>
+            <a:xfrm>
+              <a:off x="3350604" y="22569948"/>
+              <a:ext cx="1080000" cy="1080000"/>
+            </a:xfrm>
+            <a:prstGeom prst="rect">
+              <a:avLst/>
+            </a:prstGeom>
+            <a:noFill/>
+            <a:ln w="76200">
+              <a:solidFill>
+                <a:schemeClr val="tx1"/>
+              </a:solidFill>
+            </a:ln>
+          </p:spPr>
+          <p:style>
+            <a:lnRef idx="2">
+              <a:schemeClr val="accent1">
+                <a:shade val="15000"/>
+              </a:schemeClr>
+            </a:lnRef>
+            <a:fillRef idx="1">
+              <a:schemeClr val="accent1"/>
+            </a:fillRef>
+            <a:effectRef idx="0">
+              <a:schemeClr val="accent1"/>
+            </a:effectRef>
+            <a:fontRef idx="minor">
+              <a:schemeClr val="lt1"/>
+            </a:fontRef>
+          </p:style>
+          <p:txBody>
+            <a:bodyPr rtlCol="0" anchor="ctr"/>
+            <a:lstStyle/>
+            <a:p>
+              <a:pPr algn="ctr"/>
+              <a:endParaRPr lang="de-DE"/>
+            </a:p>
+          </p:txBody>
+        </p:sp>
+        <p:sp>
+          <p:nvSpPr>
+            <p:cNvPr id="111" name="Rechteck 110">
+              <a:extLst>
+                <a:ext uri="{FF2B5EF4-FFF2-40B4-BE49-F238E27FC236}">
+                  <a16:creationId xmlns:a16="http://schemas.microsoft.com/office/drawing/2014/main" id="{7E2D9FD6-DFB5-0566-0C37-2C78FD60E423}"/>
+                </a:ext>
+              </a:extLst>
+            </p:cNvPr>
+            <p:cNvSpPr/>
+            <p:nvPr/>
+          </p:nvSpPr>
+          <p:spPr>
+            <a:xfrm>
+              <a:off x="5510604" y="22569948"/>
+              <a:ext cx="1080000" cy="1080000"/>
+            </a:xfrm>
+            <a:prstGeom prst="rect">
+              <a:avLst/>
+            </a:prstGeom>
+            <a:noFill/>
+            <a:ln w="76200">
+              <a:solidFill>
+                <a:schemeClr val="tx1"/>
+              </a:solidFill>
+            </a:ln>
+          </p:spPr>
+          <p:style>
+            <a:lnRef idx="2">
+              <a:schemeClr val="accent1">
+                <a:shade val="15000"/>
+              </a:schemeClr>
+            </a:lnRef>
+            <a:fillRef idx="1">
+              <a:schemeClr val="accent1"/>
+            </a:fillRef>
+            <a:effectRef idx="0">
+              <a:schemeClr val="accent1"/>
+            </a:effectRef>
+            <a:fontRef idx="minor">
+              <a:schemeClr val="lt1"/>
+            </a:fontRef>
+          </p:style>
+          <p:txBody>
+            <a:bodyPr rtlCol="0" anchor="ctr"/>
+            <a:lstStyle/>
+            <a:p>
+              <a:pPr algn="ctr"/>
+              <a:endParaRPr lang="de-DE"/>
+            </a:p>
+          </p:txBody>
+        </p:sp>
+        <p:sp>
+          <p:nvSpPr>
+            <p:cNvPr id="112" name="Rechteck 111">
+              <a:extLst>
+                <a:ext uri="{FF2B5EF4-FFF2-40B4-BE49-F238E27FC236}">
+                  <a16:creationId xmlns:a16="http://schemas.microsoft.com/office/drawing/2014/main" id="{874B2E43-A0EB-3015-FE72-E6FDD768590D}"/>
+                </a:ext>
+              </a:extLst>
+            </p:cNvPr>
+            <p:cNvSpPr/>
+            <p:nvPr/>
+          </p:nvSpPr>
+          <p:spPr>
+            <a:xfrm>
+              <a:off x="4430604" y="22569948"/>
+              <a:ext cx="1080000" cy="1080000"/>
+            </a:xfrm>
+            <a:prstGeom prst="rect">
+              <a:avLst/>
+            </a:prstGeom>
+            <a:noFill/>
+            <a:ln w="76200">
+              <a:solidFill>
+                <a:schemeClr val="tx1"/>
+              </a:solidFill>
+            </a:ln>
+          </p:spPr>
+          <p:style>
+            <a:lnRef idx="2">
+              <a:schemeClr val="accent1">
+                <a:shade val="15000"/>
+              </a:schemeClr>
+            </a:lnRef>
+            <a:fillRef idx="1">
+              <a:schemeClr val="accent1"/>
+            </a:fillRef>
+            <a:effectRef idx="0">
+              <a:schemeClr val="accent1"/>
+            </a:effectRef>
+            <a:fontRef idx="minor">
+              <a:schemeClr val="lt1"/>
+            </a:fontRef>
+          </p:style>
+          <p:txBody>
+            <a:bodyPr rtlCol="0" anchor="ctr"/>
+            <a:lstStyle/>
+            <a:p>
+              <a:pPr algn="ctr"/>
+              <a:endParaRPr lang="de-DE"/>
+            </a:p>
+          </p:txBody>
+        </p:sp>
+        <p:sp>
+          <p:nvSpPr>
+            <p:cNvPr id="113" name="Rechteck 112">
+              <a:extLst>
+                <a:ext uri="{FF2B5EF4-FFF2-40B4-BE49-F238E27FC236}">
+                  <a16:creationId xmlns:a16="http://schemas.microsoft.com/office/drawing/2014/main" id="{9A8735C4-B155-50EC-A2E9-CE42928CE720}"/>
+                </a:ext>
+              </a:extLst>
+            </p:cNvPr>
+            <p:cNvSpPr/>
+            <p:nvPr/>
+          </p:nvSpPr>
+          <p:spPr>
+            <a:xfrm>
+              <a:off x="6590604" y="22569948"/>
+              <a:ext cx="1080000" cy="1080000"/>
+            </a:xfrm>
+            <a:prstGeom prst="rect">
+              <a:avLst/>
+            </a:prstGeom>
+            <a:noFill/>
+            <a:ln w="76200">
+              <a:solidFill>
+                <a:schemeClr val="tx1"/>
+              </a:solidFill>
+            </a:ln>
+          </p:spPr>
+          <p:style>
+            <a:lnRef idx="2">
+              <a:schemeClr val="accent1">
+                <a:shade val="15000"/>
+              </a:schemeClr>
+            </a:lnRef>
+            <a:fillRef idx="1">
+              <a:schemeClr val="accent1"/>
+            </a:fillRef>
+            <a:effectRef idx="0">
+              <a:schemeClr val="accent1"/>
+            </a:effectRef>
+            <a:fontRef idx="minor">
+              <a:schemeClr val="lt1"/>
+            </a:fontRef>
+          </p:style>
+          <p:txBody>
+            <a:bodyPr rtlCol="0" anchor="ctr"/>
+            <a:lstStyle/>
+            <a:p>
+              <a:pPr algn="ctr"/>
+              <a:endParaRPr lang="de-DE"/>
+            </a:p>
+          </p:txBody>
+        </p:sp>
+        <p:sp>
+          <p:nvSpPr>
+            <p:cNvPr id="114" name="Rechteck 113">
+              <a:extLst>
+                <a:ext uri="{FF2B5EF4-FFF2-40B4-BE49-F238E27FC236}">
+                  <a16:creationId xmlns:a16="http://schemas.microsoft.com/office/drawing/2014/main" id="{602D4923-76B1-2C0F-5C3A-36C415CC7D16}"/>
+                </a:ext>
+              </a:extLst>
+            </p:cNvPr>
+            <p:cNvSpPr/>
+            <p:nvPr/>
+          </p:nvSpPr>
+          <p:spPr>
+            <a:xfrm>
+              <a:off x="7670604" y="22569948"/>
+              <a:ext cx="1080000" cy="1080000"/>
+            </a:xfrm>
+            <a:prstGeom prst="rect">
+              <a:avLst/>
+            </a:prstGeom>
+            <a:noFill/>
+            <a:ln w="76200">
+              <a:solidFill>
+                <a:schemeClr val="tx1"/>
+              </a:solidFill>
+            </a:ln>
+          </p:spPr>
+          <p:style>
+            <a:lnRef idx="2">
+              <a:schemeClr val="accent1">
+                <a:shade val="15000"/>
+              </a:schemeClr>
+            </a:lnRef>
+            <a:fillRef idx="1">
+              <a:schemeClr val="accent1"/>
+            </a:fillRef>
+            <a:effectRef idx="0">
+              <a:schemeClr val="accent1"/>
+            </a:effectRef>
+            <a:fontRef idx="minor">
+              <a:schemeClr val="lt1"/>
+            </a:fontRef>
+          </p:style>
+          <p:txBody>
+            <a:bodyPr rtlCol="0" anchor="ctr"/>
+            <a:lstStyle/>
+            <a:p>
+              <a:pPr algn="ctr"/>
+              <a:endParaRPr lang="de-DE"/>
+            </a:p>
+          </p:txBody>
+        </p:sp>
+      </p:grpSp>
+      <p:grpSp>
+        <p:nvGrpSpPr>
+          <p:cNvPr id="115" name="Gruppieren 114">
+            <a:extLst>
+              <a:ext uri="{FF2B5EF4-FFF2-40B4-BE49-F238E27FC236}">
+                <a16:creationId xmlns:a16="http://schemas.microsoft.com/office/drawing/2014/main" id="{1BACC873-92CF-4FA9-74D8-8B941097EABC}"/>
+              </a:ext>
+            </a:extLst>
+          </p:cNvPr>
+          <p:cNvGrpSpPr/>
+          <p:nvPr/>
+        </p:nvGrpSpPr>
+        <p:grpSpPr>
+          <a:xfrm>
+            <a:off x="10420239" y="18990767"/>
+            <a:ext cx="5711044" cy="953587"/>
+            <a:chOff x="3350604" y="22569948"/>
+            <a:chExt cx="5400000" cy="1080000"/>
+          </a:xfrm>
+        </p:grpSpPr>
+        <p:sp>
+          <p:nvSpPr>
+            <p:cNvPr id="116" name="Rechteck 115">
+              <a:extLst>
+                <a:ext uri="{FF2B5EF4-FFF2-40B4-BE49-F238E27FC236}">
+                  <a16:creationId xmlns:a16="http://schemas.microsoft.com/office/drawing/2014/main" id="{B34DA991-EA85-F609-D58F-06CFD4823C8E}"/>
+                </a:ext>
+              </a:extLst>
+            </p:cNvPr>
+            <p:cNvSpPr/>
+            <p:nvPr/>
+          </p:nvSpPr>
+          <p:spPr>
+            <a:xfrm>
+              <a:off x="3350604" y="22569948"/>
+              <a:ext cx="1080000" cy="1080000"/>
+            </a:xfrm>
+            <a:prstGeom prst="rect">
+              <a:avLst/>
+            </a:prstGeom>
+            <a:noFill/>
+            <a:ln w="76200">
+              <a:solidFill>
+                <a:schemeClr val="tx1"/>
+              </a:solidFill>
+            </a:ln>
+          </p:spPr>
+          <p:style>
+            <a:lnRef idx="2">
+              <a:schemeClr val="accent1">
+                <a:shade val="15000"/>
+              </a:schemeClr>
+            </a:lnRef>
+            <a:fillRef idx="1">
+              <a:schemeClr val="accent1"/>
+            </a:fillRef>
+            <a:effectRef idx="0">
+              <a:schemeClr val="accent1"/>
+            </a:effectRef>
+            <a:fontRef idx="minor">
+              <a:schemeClr val="lt1"/>
+            </a:fontRef>
+          </p:style>
+          <p:txBody>
+            <a:bodyPr rtlCol="0" anchor="ctr"/>
+            <a:lstStyle/>
+            <a:p>
+              <a:pPr algn="ctr"/>
+              <a:endParaRPr lang="de-DE"/>
+            </a:p>
+          </p:txBody>
+        </p:sp>
+        <p:sp>
+          <p:nvSpPr>
+            <p:cNvPr id="117" name="Rechteck 116">
+              <a:extLst>
+                <a:ext uri="{FF2B5EF4-FFF2-40B4-BE49-F238E27FC236}">
+                  <a16:creationId xmlns:a16="http://schemas.microsoft.com/office/drawing/2014/main" id="{5C46EBAE-32A8-5424-BF7D-5854D2F00E88}"/>
+                </a:ext>
+              </a:extLst>
+            </p:cNvPr>
+            <p:cNvSpPr/>
+            <p:nvPr/>
+          </p:nvSpPr>
+          <p:spPr>
+            <a:xfrm>
+              <a:off x="5510604" y="22569948"/>
+              <a:ext cx="1080000" cy="1080000"/>
+            </a:xfrm>
+            <a:prstGeom prst="rect">
+              <a:avLst/>
+            </a:prstGeom>
+            <a:noFill/>
+            <a:ln w="76200">
+              <a:solidFill>
+                <a:schemeClr val="tx1"/>
+              </a:solidFill>
+            </a:ln>
+          </p:spPr>
+          <p:style>
+            <a:lnRef idx="2">
+              <a:schemeClr val="accent1">
+                <a:shade val="15000"/>
+              </a:schemeClr>
+            </a:lnRef>
+            <a:fillRef idx="1">
+              <a:schemeClr val="accent1"/>
+            </a:fillRef>
+            <a:effectRef idx="0">
+              <a:schemeClr val="accent1"/>
+            </a:effectRef>
+            <a:fontRef idx="minor">
+              <a:schemeClr val="lt1"/>
+            </a:fontRef>
+          </p:style>
+          <p:txBody>
+            <a:bodyPr rtlCol="0" anchor="ctr"/>
+            <a:lstStyle/>
+            <a:p>
+              <a:pPr algn="ctr"/>
+              <a:endParaRPr lang="de-DE"/>
+            </a:p>
+          </p:txBody>
+        </p:sp>
+        <p:sp>
+          <p:nvSpPr>
+            <p:cNvPr id="118" name="Rechteck 117">
+              <a:extLst>
+                <a:ext uri="{FF2B5EF4-FFF2-40B4-BE49-F238E27FC236}">
+                  <a16:creationId xmlns:a16="http://schemas.microsoft.com/office/drawing/2014/main" id="{B17C79AD-0B15-FBBE-6E95-C38A5685E425}"/>
+                </a:ext>
+              </a:extLst>
+            </p:cNvPr>
+            <p:cNvSpPr/>
+            <p:nvPr/>
+          </p:nvSpPr>
+          <p:spPr>
+            <a:xfrm>
+              <a:off x="4430604" y="22569948"/>
+              <a:ext cx="1080000" cy="1080000"/>
+            </a:xfrm>
+            <a:prstGeom prst="rect">
+              <a:avLst/>
+            </a:prstGeom>
+            <a:noFill/>
+            <a:ln w="76200">
+              <a:solidFill>
+                <a:schemeClr val="tx1"/>
+              </a:solidFill>
+            </a:ln>
+          </p:spPr>
+          <p:style>
+            <a:lnRef idx="2">
+              <a:schemeClr val="accent1">
+                <a:shade val="15000"/>
+              </a:schemeClr>
+            </a:lnRef>
+            <a:fillRef idx="1">
+              <a:schemeClr val="accent1"/>
+            </a:fillRef>
+            <a:effectRef idx="0">
+              <a:schemeClr val="accent1"/>
+            </a:effectRef>
+            <a:fontRef idx="minor">
+              <a:schemeClr val="lt1"/>
+            </a:fontRef>
+          </p:style>
+          <p:txBody>
+            <a:bodyPr rtlCol="0" anchor="ctr"/>
+            <a:lstStyle/>
+            <a:p>
+              <a:pPr algn="ctr"/>
+              <a:endParaRPr lang="de-DE"/>
+            </a:p>
+          </p:txBody>
+        </p:sp>
+        <p:sp>
+          <p:nvSpPr>
+            <p:cNvPr id="119" name="Rechteck 118">
+              <a:extLst>
+                <a:ext uri="{FF2B5EF4-FFF2-40B4-BE49-F238E27FC236}">
+                  <a16:creationId xmlns:a16="http://schemas.microsoft.com/office/drawing/2014/main" id="{D6C11BAE-0D32-B95D-FD2C-33FAC78F0975}"/>
+                </a:ext>
+              </a:extLst>
+            </p:cNvPr>
+            <p:cNvSpPr/>
+            <p:nvPr/>
+          </p:nvSpPr>
+          <p:spPr>
+            <a:xfrm>
+              <a:off x="6590604" y="22569948"/>
+              <a:ext cx="1080000" cy="1080000"/>
+            </a:xfrm>
+            <a:prstGeom prst="rect">
+              <a:avLst/>
+            </a:prstGeom>
+            <a:noFill/>
+            <a:ln w="76200">
+              <a:solidFill>
+                <a:schemeClr val="tx1"/>
+              </a:solidFill>
+            </a:ln>
+          </p:spPr>
+          <p:style>
+            <a:lnRef idx="2">
+              <a:schemeClr val="accent1">
+                <a:shade val="15000"/>
+              </a:schemeClr>
+            </a:lnRef>
+            <a:fillRef idx="1">
+              <a:schemeClr val="accent1"/>
+            </a:fillRef>
+            <a:effectRef idx="0">
+              <a:schemeClr val="accent1"/>
+            </a:effectRef>
+            <a:fontRef idx="minor">
+              <a:schemeClr val="lt1"/>
+            </a:fontRef>
+          </p:style>
+          <p:txBody>
+            <a:bodyPr rtlCol="0" anchor="ctr"/>
+            <a:lstStyle/>
+            <a:p>
+              <a:pPr algn="ctr"/>
+              <a:endParaRPr lang="de-DE"/>
+            </a:p>
+          </p:txBody>
+        </p:sp>
+        <p:sp>
+          <p:nvSpPr>
+            <p:cNvPr id="120" name="Rechteck 119">
+              <a:extLst>
+                <a:ext uri="{FF2B5EF4-FFF2-40B4-BE49-F238E27FC236}">
+                  <a16:creationId xmlns:a16="http://schemas.microsoft.com/office/drawing/2014/main" id="{7B0D6739-AE12-4EDE-6C1C-D24E7A7DCCA0}"/>
+                </a:ext>
+              </a:extLst>
+            </p:cNvPr>
+            <p:cNvSpPr/>
+            <p:nvPr/>
+          </p:nvSpPr>
+          <p:spPr>
+            <a:xfrm>
+              <a:off x="7670604" y="22569948"/>
+              <a:ext cx="1080000" cy="1080000"/>
+            </a:xfrm>
+            <a:prstGeom prst="rect">
+              <a:avLst/>
+            </a:prstGeom>
+            <a:noFill/>
+            <a:ln w="76200">
+              <a:solidFill>
+                <a:schemeClr val="tx1"/>
+              </a:solidFill>
+            </a:ln>
+          </p:spPr>
+          <p:style>
+            <a:lnRef idx="2">
+              <a:schemeClr val="accent1">
+                <a:shade val="15000"/>
+              </a:schemeClr>
+            </a:lnRef>
+            <a:fillRef idx="1">
+              <a:schemeClr val="accent1"/>
+            </a:fillRef>
+            <a:effectRef idx="0">
+              <a:schemeClr val="accent1"/>
+            </a:effectRef>
+            <a:fontRef idx="minor">
+              <a:schemeClr val="lt1"/>
+            </a:fontRef>
+          </p:style>
+          <p:txBody>
+            <a:bodyPr rtlCol="0" anchor="ctr"/>
+            <a:lstStyle/>
+            <a:p>
+              <a:pPr algn="ctr"/>
+              <a:endParaRPr lang="de-DE"/>
+            </a:p>
+          </p:txBody>
+        </p:sp>
+      </p:grpSp>
+      <p:grpSp>
+        <p:nvGrpSpPr>
+          <p:cNvPr id="121" name="Gruppieren 120">
+            <a:extLst>
+              <a:ext uri="{FF2B5EF4-FFF2-40B4-BE49-F238E27FC236}">
+                <a16:creationId xmlns:a16="http://schemas.microsoft.com/office/drawing/2014/main" id="{C3EBA258-BB9E-79C8-3B47-D14C3D9947F9}"/>
+              </a:ext>
+            </a:extLst>
+          </p:cNvPr>
+          <p:cNvGrpSpPr/>
+          <p:nvPr/>
+        </p:nvGrpSpPr>
+        <p:grpSpPr>
+          <a:xfrm>
+            <a:off x="10420239" y="19944354"/>
+            <a:ext cx="5711044" cy="953587"/>
+            <a:chOff x="3350604" y="22569948"/>
+            <a:chExt cx="5400000" cy="1080000"/>
+          </a:xfrm>
+        </p:grpSpPr>
+        <p:sp>
+          <p:nvSpPr>
+            <p:cNvPr id="122" name="Rechteck 121">
+              <a:extLst>
+                <a:ext uri="{FF2B5EF4-FFF2-40B4-BE49-F238E27FC236}">
+                  <a16:creationId xmlns:a16="http://schemas.microsoft.com/office/drawing/2014/main" id="{947EF734-A77B-6749-954A-54555027DB65}"/>
+                </a:ext>
+              </a:extLst>
+            </p:cNvPr>
+            <p:cNvSpPr/>
+            <p:nvPr/>
+          </p:nvSpPr>
+          <p:spPr>
+            <a:xfrm>
+              <a:off x="3350604" y="22569948"/>
+              <a:ext cx="1080000" cy="1080000"/>
+            </a:xfrm>
+            <a:prstGeom prst="rect">
+              <a:avLst/>
+            </a:prstGeom>
+            <a:noFill/>
+            <a:ln w="76200">
+              <a:solidFill>
+                <a:schemeClr val="tx1"/>
+              </a:solidFill>
+            </a:ln>
+          </p:spPr>
+          <p:style>
+            <a:lnRef idx="2">
+              <a:schemeClr val="accent1">
+                <a:shade val="15000"/>
+              </a:schemeClr>
+            </a:lnRef>
+            <a:fillRef idx="1">
+              <a:schemeClr val="accent1"/>
+            </a:fillRef>
+            <a:effectRef idx="0">
+              <a:schemeClr val="accent1"/>
+            </a:effectRef>
+            <a:fontRef idx="minor">
+              <a:schemeClr val="lt1"/>
+            </a:fontRef>
+          </p:style>
+          <p:txBody>
+            <a:bodyPr rtlCol="0" anchor="ctr"/>
+            <a:lstStyle/>
+            <a:p>
+              <a:pPr algn="ctr"/>
+              <a:endParaRPr lang="de-DE"/>
+            </a:p>
+          </p:txBody>
+        </p:sp>
+        <p:sp>
+          <p:nvSpPr>
+            <p:cNvPr id="123" name="Rechteck 122">
+              <a:extLst>
+                <a:ext uri="{FF2B5EF4-FFF2-40B4-BE49-F238E27FC236}">
+                  <a16:creationId xmlns:a16="http://schemas.microsoft.com/office/drawing/2014/main" id="{66ED6916-1BA2-4D69-AA1B-11B354043875}"/>
+                </a:ext>
+              </a:extLst>
+            </p:cNvPr>
+            <p:cNvSpPr/>
+            <p:nvPr/>
+          </p:nvSpPr>
+          <p:spPr>
+            <a:xfrm>
+              <a:off x="5510604" y="22569948"/>
+              <a:ext cx="1080000" cy="1080000"/>
+            </a:xfrm>
+            <a:prstGeom prst="rect">
+              <a:avLst/>
+            </a:prstGeom>
+            <a:noFill/>
+            <a:ln w="76200">
+              <a:solidFill>
+                <a:schemeClr val="tx1"/>
+              </a:solidFill>
+            </a:ln>
+          </p:spPr>
+          <p:style>
+            <a:lnRef idx="2">
+              <a:schemeClr val="accent1">
+                <a:shade val="15000"/>
+              </a:schemeClr>
+            </a:lnRef>
+            <a:fillRef idx="1">
+              <a:schemeClr val="accent1"/>
+            </a:fillRef>
+            <a:effectRef idx="0">
+              <a:schemeClr val="accent1"/>
+            </a:effectRef>
+            <a:fontRef idx="minor">
+              <a:schemeClr val="lt1"/>
+            </a:fontRef>
+          </p:style>
+          <p:txBody>
+            <a:bodyPr rtlCol="0" anchor="ctr"/>
+            <a:lstStyle/>
+            <a:p>
+              <a:pPr algn="ctr"/>
+              <a:endParaRPr lang="de-DE"/>
+            </a:p>
+          </p:txBody>
+        </p:sp>
+        <p:sp>
+          <p:nvSpPr>
+            <p:cNvPr id="124" name="Rechteck 123">
+              <a:extLst>
+                <a:ext uri="{FF2B5EF4-FFF2-40B4-BE49-F238E27FC236}">
+                  <a16:creationId xmlns:a16="http://schemas.microsoft.com/office/drawing/2014/main" id="{B52E84D2-7D06-6FAA-D5BC-60FC4F6D41E0}"/>
+                </a:ext>
+              </a:extLst>
+            </p:cNvPr>
+            <p:cNvSpPr/>
+            <p:nvPr/>
+          </p:nvSpPr>
+          <p:spPr>
+            <a:xfrm>
+              <a:off x="4430604" y="22569948"/>
+              <a:ext cx="1080000" cy="1080000"/>
+            </a:xfrm>
+            <a:prstGeom prst="rect">
+              <a:avLst/>
+            </a:prstGeom>
+            <a:noFill/>
+            <a:ln w="76200">
+              <a:solidFill>
+                <a:schemeClr val="tx1"/>
+              </a:solidFill>
+            </a:ln>
+          </p:spPr>
+          <p:style>
+            <a:lnRef idx="2">
+              <a:schemeClr val="accent1">
+                <a:shade val="15000"/>
+              </a:schemeClr>
+            </a:lnRef>
+            <a:fillRef idx="1">
+              <a:schemeClr val="accent1"/>
+            </a:fillRef>
+            <a:effectRef idx="0">
+              <a:schemeClr val="accent1"/>
+            </a:effectRef>
+            <a:fontRef idx="minor">
+              <a:schemeClr val="lt1"/>
+            </a:fontRef>
+          </p:style>
+          <p:txBody>
+            <a:bodyPr rtlCol="0" anchor="ctr"/>
+            <a:lstStyle/>
+            <a:p>
+              <a:pPr algn="ctr"/>
+              <a:endParaRPr lang="de-DE"/>
+            </a:p>
+          </p:txBody>
+        </p:sp>
+        <p:sp>
+          <p:nvSpPr>
+            <p:cNvPr id="125" name="Rechteck 124">
+              <a:extLst>
+                <a:ext uri="{FF2B5EF4-FFF2-40B4-BE49-F238E27FC236}">
+                  <a16:creationId xmlns:a16="http://schemas.microsoft.com/office/drawing/2014/main" id="{C68DDB8A-3C32-10B9-E8AA-C60EB35E01C7}"/>
+                </a:ext>
+              </a:extLst>
+            </p:cNvPr>
+            <p:cNvSpPr/>
+            <p:nvPr/>
+          </p:nvSpPr>
+          <p:spPr>
+            <a:xfrm>
+              <a:off x="6590604" y="22569948"/>
+              <a:ext cx="1080000" cy="1080000"/>
+            </a:xfrm>
+            <a:prstGeom prst="rect">
+              <a:avLst/>
+            </a:prstGeom>
+            <a:noFill/>
+            <a:ln w="76200">
+              <a:solidFill>
+                <a:schemeClr val="tx1"/>
+              </a:solidFill>
+            </a:ln>
+          </p:spPr>
+          <p:style>
+            <a:lnRef idx="2">
+              <a:schemeClr val="accent1">
+                <a:shade val="15000"/>
+              </a:schemeClr>
+            </a:lnRef>
+            <a:fillRef idx="1">
+              <a:schemeClr val="accent1"/>
+            </a:fillRef>
+            <a:effectRef idx="0">
+              <a:schemeClr val="accent1"/>
+            </a:effectRef>
+            <a:fontRef idx="minor">
+              <a:schemeClr val="lt1"/>
+            </a:fontRef>
+          </p:style>
+          <p:txBody>
+            <a:bodyPr rtlCol="0" anchor="ctr"/>
+            <a:lstStyle/>
+            <a:p>
+              <a:pPr algn="ctr"/>
+              <a:endParaRPr lang="de-DE"/>
+            </a:p>
+          </p:txBody>
+        </p:sp>
+        <p:sp>
+          <p:nvSpPr>
+            <p:cNvPr id="126" name="Rechteck 125">
+              <a:extLst>
+                <a:ext uri="{FF2B5EF4-FFF2-40B4-BE49-F238E27FC236}">
+                  <a16:creationId xmlns:a16="http://schemas.microsoft.com/office/drawing/2014/main" id="{5AF9902C-BBF0-C704-28BF-E6980A37580B}"/>
+                </a:ext>
+              </a:extLst>
+            </p:cNvPr>
+            <p:cNvSpPr/>
+            <p:nvPr/>
+          </p:nvSpPr>
+          <p:spPr>
+            <a:xfrm>
+              <a:off x="7670604" y="22569948"/>
+              <a:ext cx="1080000" cy="1080000"/>
+            </a:xfrm>
+            <a:prstGeom prst="rect">
+              <a:avLst/>
+            </a:prstGeom>
+            <a:noFill/>
+            <a:ln w="76200">
+              <a:solidFill>
+                <a:schemeClr val="tx1"/>
+              </a:solidFill>
+            </a:ln>
+          </p:spPr>
+          <p:style>
+            <a:lnRef idx="2">
+              <a:schemeClr val="accent1">
+                <a:shade val="15000"/>
+              </a:schemeClr>
+            </a:lnRef>
+            <a:fillRef idx="1">
+              <a:schemeClr val="accent1"/>
+            </a:fillRef>
+            <a:effectRef idx="0">
+              <a:schemeClr val="accent1"/>
+            </a:effectRef>
+            <a:fontRef idx="minor">
+              <a:schemeClr val="lt1"/>
+            </a:fontRef>
+          </p:style>
+          <p:txBody>
+            <a:bodyPr rtlCol="0" anchor="ctr"/>
+            <a:lstStyle/>
+            <a:p>
+              <a:pPr algn="ctr"/>
+              <a:endParaRPr lang="de-DE"/>
+            </a:p>
+          </p:txBody>
+        </p:sp>
+      </p:grpSp>
+      <p:grpSp>
+        <p:nvGrpSpPr>
+          <p:cNvPr id="127" name="Gruppieren 126">
+            <a:extLst>
+              <a:ext uri="{FF2B5EF4-FFF2-40B4-BE49-F238E27FC236}">
+                <a16:creationId xmlns:a16="http://schemas.microsoft.com/office/drawing/2014/main" id="{25AD8DE1-5690-69A8-0DA1-02E8BA52E65C}"/>
+              </a:ext>
+            </a:extLst>
+          </p:cNvPr>
+          <p:cNvGrpSpPr/>
+          <p:nvPr/>
+        </p:nvGrpSpPr>
+        <p:grpSpPr>
+          <a:xfrm>
+            <a:off x="10420239" y="20897941"/>
+            <a:ext cx="5711044" cy="953587"/>
+            <a:chOff x="3350604" y="22569948"/>
+            <a:chExt cx="5400000" cy="1080000"/>
+          </a:xfrm>
+        </p:grpSpPr>
+        <p:sp>
+          <p:nvSpPr>
+            <p:cNvPr id="128" name="Rechteck 127">
+              <a:extLst>
+                <a:ext uri="{FF2B5EF4-FFF2-40B4-BE49-F238E27FC236}">
+                  <a16:creationId xmlns:a16="http://schemas.microsoft.com/office/drawing/2014/main" id="{0E5510C2-F4B5-47D9-A725-AB6B005ABF02}"/>
+                </a:ext>
+              </a:extLst>
+            </p:cNvPr>
+            <p:cNvSpPr/>
+            <p:nvPr/>
+          </p:nvSpPr>
+          <p:spPr>
+            <a:xfrm>
+              <a:off x="3350604" y="22569948"/>
+              <a:ext cx="1080000" cy="1080000"/>
+            </a:xfrm>
+            <a:prstGeom prst="rect">
+              <a:avLst/>
+            </a:prstGeom>
+            <a:noFill/>
+            <a:ln w="76200">
+              <a:solidFill>
+                <a:schemeClr val="tx1"/>
+              </a:solidFill>
+            </a:ln>
+          </p:spPr>
+          <p:style>
+            <a:lnRef idx="2">
+              <a:schemeClr val="accent1">
+                <a:shade val="15000"/>
+              </a:schemeClr>
+            </a:lnRef>
+            <a:fillRef idx="1">
+              <a:schemeClr val="accent1"/>
+            </a:fillRef>
+            <a:effectRef idx="0">
+              <a:schemeClr val="accent1"/>
+            </a:effectRef>
+            <a:fontRef idx="minor">
+              <a:schemeClr val="lt1"/>
+            </a:fontRef>
+          </p:style>
+          <p:txBody>
+            <a:bodyPr rtlCol="0" anchor="ctr"/>
+            <a:lstStyle/>
+            <a:p>
+              <a:pPr algn="ctr"/>
+              <a:endParaRPr lang="de-DE"/>
+            </a:p>
+          </p:txBody>
+        </p:sp>
+        <p:sp>
+          <p:nvSpPr>
+            <p:cNvPr id="129" name="Rechteck 128">
+              <a:extLst>
+                <a:ext uri="{FF2B5EF4-FFF2-40B4-BE49-F238E27FC236}">
+                  <a16:creationId xmlns:a16="http://schemas.microsoft.com/office/drawing/2014/main" id="{5B5A77C3-0B9C-84F3-DD2B-56EEE70BA9E4}"/>
+                </a:ext>
+              </a:extLst>
+            </p:cNvPr>
+            <p:cNvSpPr/>
+            <p:nvPr/>
+          </p:nvSpPr>
+          <p:spPr>
+            <a:xfrm>
+              <a:off x="5510604" y="22569948"/>
+              <a:ext cx="1080000" cy="1080000"/>
+            </a:xfrm>
+            <a:prstGeom prst="rect">
+              <a:avLst/>
+            </a:prstGeom>
+            <a:noFill/>
+            <a:ln w="76200">
+              <a:solidFill>
+                <a:schemeClr val="tx1"/>
+              </a:solidFill>
+            </a:ln>
+          </p:spPr>
+          <p:style>
+            <a:lnRef idx="2">
+              <a:schemeClr val="accent1">
+                <a:shade val="15000"/>
+              </a:schemeClr>
+            </a:lnRef>
+            <a:fillRef idx="1">
+              <a:schemeClr val="accent1"/>
+            </a:fillRef>
+            <a:effectRef idx="0">
+              <a:schemeClr val="accent1"/>
+            </a:effectRef>
+            <a:fontRef idx="minor">
+              <a:schemeClr val="lt1"/>
+            </a:fontRef>
+          </p:style>
+          <p:txBody>
+            <a:bodyPr rtlCol="0" anchor="ctr"/>
+            <a:lstStyle/>
+            <a:p>
+              <a:pPr algn="ctr"/>
+              <a:endParaRPr lang="de-DE"/>
+            </a:p>
+          </p:txBody>
+        </p:sp>
+        <p:sp>
+          <p:nvSpPr>
+            <p:cNvPr id="130" name="Rechteck 129">
+              <a:extLst>
+                <a:ext uri="{FF2B5EF4-FFF2-40B4-BE49-F238E27FC236}">
+                  <a16:creationId xmlns:a16="http://schemas.microsoft.com/office/drawing/2014/main" id="{D30F3EC6-0BCB-6D1D-1C89-97B3156AD623}"/>
+                </a:ext>
+              </a:extLst>
+            </p:cNvPr>
+            <p:cNvSpPr/>
+            <p:nvPr/>
+          </p:nvSpPr>
+          <p:spPr>
+            <a:xfrm>
+              <a:off x="4430604" y="22569948"/>
+              <a:ext cx="1080000" cy="1080000"/>
+            </a:xfrm>
+            <a:prstGeom prst="rect">
+              <a:avLst/>
+            </a:prstGeom>
+            <a:noFill/>
+            <a:ln w="76200">
+              <a:solidFill>
+                <a:schemeClr val="tx1"/>
+              </a:solidFill>
+            </a:ln>
+          </p:spPr>
+          <p:style>
+            <a:lnRef idx="2">
+              <a:schemeClr val="accent1">
+                <a:shade val="15000"/>
+              </a:schemeClr>
+            </a:lnRef>
+            <a:fillRef idx="1">
+              <a:schemeClr val="accent1"/>
+            </a:fillRef>
+            <a:effectRef idx="0">
+              <a:schemeClr val="accent1"/>
+            </a:effectRef>
+            <a:fontRef idx="minor">
+              <a:schemeClr val="lt1"/>
+            </a:fontRef>
+          </p:style>
+          <p:txBody>
+            <a:bodyPr rtlCol="0" anchor="ctr"/>
+            <a:lstStyle/>
+            <a:p>
+              <a:pPr algn="ctr"/>
+              <a:endParaRPr lang="de-DE"/>
+            </a:p>
+          </p:txBody>
+        </p:sp>
+        <p:sp>
+          <p:nvSpPr>
+            <p:cNvPr id="131" name="Rechteck 130">
+              <a:extLst>
+                <a:ext uri="{FF2B5EF4-FFF2-40B4-BE49-F238E27FC236}">
+                  <a16:creationId xmlns:a16="http://schemas.microsoft.com/office/drawing/2014/main" id="{0FA9C516-80F2-2CFD-CAB3-602E044B7CE3}"/>
+                </a:ext>
+              </a:extLst>
+            </p:cNvPr>
+            <p:cNvSpPr/>
+            <p:nvPr/>
+          </p:nvSpPr>
+          <p:spPr>
+            <a:xfrm>
+              <a:off x="6590604" y="22569948"/>
+              <a:ext cx="1080000" cy="1080000"/>
+            </a:xfrm>
+            <a:prstGeom prst="rect">
+              <a:avLst/>
+            </a:prstGeom>
+            <a:noFill/>
+            <a:ln w="76200">
+              <a:solidFill>
+                <a:schemeClr val="tx1"/>
+              </a:solidFill>
+            </a:ln>
+          </p:spPr>
+          <p:style>
+            <a:lnRef idx="2">
+              <a:schemeClr val="accent1">
+                <a:shade val="15000"/>
+              </a:schemeClr>
+            </a:lnRef>
+            <a:fillRef idx="1">
+              <a:schemeClr val="accent1"/>
+            </a:fillRef>
+            <a:effectRef idx="0">
+              <a:schemeClr val="accent1"/>
+            </a:effectRef>
+            <a:fontRef idx="minor">
+              <a:schemeClr val="lt1"/>
+            </a:fontRef>
+          </p:style>
+          <p:txBody>
+            <a:bodyPr rtlCol="0" anchor="ctr"/>
+            <a:lstStyle/>
+            <a:p>
+              <a:pPr algn="ctr"/>
+              <a:endParaRPr lang="de-DE"/>
+            </a:p>
+          </p:txBody>
+        </p:sp>
+        <p:sp>
+          <p:nvSpPr>
+            <p:cNvPr id="132" name="Rechteck 131">
+              <a:extLst>
+                <a:ext uri="{FF2B5EF4-FFF2-40B4-BE49-F238E27FC236}">
+                  <a16:creationId xmlns:a16="http://schemas.microsoft.com/office/drawing/2014/main" id="{8222C236-3C3E-D0A9-074E-01F1EF4655D3}"/>
+                </a:ext>
+              </a:extLst>
+            </p:cNvPr>
+            <p:cNvSpPr/>
+            <p:nvPr/>
+          </p:nvSpPr>
+          <p:spPr>
+            <a:xfrm>
+              <a:off x="7670604" y="22569948"/>
+              <a:ext cx="1080000" cy="1080000"/>
+            </a:xfrm>
+            <a:prstGeom prst="rect">
+              <a:avLst/>
+            </a:prstGeom>
+            <a:noFill/>
+            <a:ln w="76200">
+              <a:solidFill>
+                <a:schemeClr val="tx1"/>
+              </a:solidFill>
+            </a:ln>
+          </p:spPr>
+          <p:style>
+            <a:lnRef idx="2">
+              <a:schemeClr val="accent1">
+                <a:shade val="15000"/>
+              </a:schemeClr>
+            </a:lnRef>
+            <a:fillRef idx="1">
+              <a:schemeClr val="accent1"/>
+            </a:fillRef>
+            <a:effectRef idx="0">
+              <a:schemeClr val="accent1"/>
+            </a:effectRef>
+            <a:fontRef idx="minor">
+              <a:schemeClr val="lt1"/>
+            </a:fontRef>
+          </p:style>
+          <p:txBody>
+            <a:bodyPr rtlCol="0" anchor="ctr"/>
+            <a:lstStyle/>
+            <a:p>
+              <a:pPr algn="ctr"/>
+              <a:endParaRPr lang="de-DE"/>
+            </a:p>
+          </p:txBody>
+        </p:sp>
+      </p:grpSp>
+      <p:grpSp>
+        <p:nvGrpSpPr>
+          <p:cNvPr id="133" name="Gruppieren 132">
+            <a:extLst>
+              <a:ext uri="{FF2B5EF4-FFF2-40B4-BE49-F238E27FC236}">
+                <a16:creationId xmlns:a16="http://schemas.microsoft.com/office/drawing/2014/main" id="{77F0747D-60B0-D28C-9609-07326149B68D}"/>
+              </a:ext>
+            </a:extLst>
+          </p:cNvPr>
+          <p:cNvGrpSpPr/>
+          <p:nvPr/>
+        </p:nvGrpSpPr>
+        <p:grpSpPr>
+          <a:xfrm>
+            <a:off x="10420239" y="23492304"/>
+            <a:ext cx="5711044" cy="953587"/>
+            <a:chOff x="3350604" y="22569948"/>
+            <a:chExt cx="5400000" cy="1080000"/>
+          </a:xfrm>
+        </p:grpSpPr>
+        <p:sp>
+          <p:nvSpPr>
+            <p:cNvPr id="134" name="Rechteck 133">
+              <a:extLst>
+                <a:ext uri="{FF2B5EF4-FFF2-40B4-BE49-F238E27FC236}">
+                  <a16:creationId xmlns:a16="http://schemas.microsoft.com/office/drawing/2014/main" id="{0A8BA01D-46C9-86F0-40A7-56FB49936439}"/>
+                </a:ext>
+              </a:extLst>
+            </p:cNvPr>
+            <p:cNvSpPr/>
+            <p:nvPr/>
+          </p:nvSpPr>
+          <p:spPr>
+            <a:xfrm>
+              <a:off x="3350604" y="22569948"/>
+              <a:ext cx="1080000" cy="1080000"/>
+            </a:xfrm>
+            <a:prstGeom prst="rect">
+              <a:avLst/>
+            </a:prstGeom>
+            <a:noFill/>
+            <a:ln w="76200">
+              <a:solidFill>
+                <a:schemeClr val="tx1"/>
+              </a:solidFill>
+            </a:ln>
+          </p:spPr>
+          <p:style>
+            <a:lnRef idx="2">
+              <a:schemeClr val="accent1">
+                <a:shade val="15000"/>
+              </a:schemeClr>
+            </a:lnRef>
+            <a:fillRef idx="1">
+              <a:schemeClr val="accent1"/>
+            </a:fillRef>
+            <a:effectRef idx="0">
+              <a:schemeClr val="accent1"/>
+            </a:effectRef>
+            <a:fontRef idx="minor">
+              <a:schemeClr val="lt1"/>
+            </a:fontRef>
+          </p:style>
+          <p:txBody>
+            <a:bodyPr rtlCol="0" anchor="ctr"/>
+            <a:lstStyle/>
+            <a:p>
+              <a:pPr algn="ctr"/>
+              <a:endParaRPr lang="de-DE"/>
+            </a:p>
+          </p:txBody>
+        </p:sp>
+        <p:sp>
+          <p:nvSpPr>
+            <p:cNvPr id="135" name="Rechteck 134">
+              <a:extLst>
+                <a:ext uri="{FF2B5EF4-FFF2-40B4-BE49-F238E27FC236}">
+                  <a16:creationId xmlns:a16="http://schemas.microsoft.com/office/drawing/2014/main" id="{03D17574-240C-FC96-0CAB-A602D1762A4A}"/>
+                </a:ext>
+              </a:extLst>
+            </p:cNvPr>
+            <p:cNvSpPr/>
+            <p:nvPr/>
+          </p:nvSpPr>
+          <p:spPr>
+            <a:xfrm>
+              <a:off x="5510604" y="22569948"/>
+              <a:ext cx="1080000" cy="1080000"/>
+            </a:xfrm>
+            <a:prstGeom prst="rect">
+              <a:avLst/>
+            </a:prstGeom>
+            <a:noFill/>
+            <a:ln w="76200">
+              <a:solidFill>
+                <a:schemeClr val="tx1"/>
+              </a:solidFill>
+            </a:ln>
+          </p:spPr>
+          <p:style>
+            <a:lnRef idx="2">
+              <a:schemeClr val="accent1">
+                <a:shade val="15000"/>
+              </a:schemeClr>
+            </a:lnRef>
+            <a:fillRef idx="1">
+              <a:schemeClr val="accent1"/>
+            </a:fillRef>
+            <a:effectRef idx="0">
+              <a:schemeClr val="accent1"/>
+            </a:effectRef>
+            <a:fontRef idx="minor">
+              <a:schemeClr val="lt1"/>
+            </a:fontRef>
+          </p:style>
+          <p:txBody>
+            <a:bodyPr rtlCol="0" anchor="ctr"/>
+            <a:lstStyle/>
+            <a:p>
+              <a:pPr algn="ctr"/>
+              <a:endParaRPr lang="de-DE"/>
+            </a:p>
+          </p:txBody>
+        </p:sp>
+        <p:sp>
+          <p:nvSpPr>
+            <p:cNvPr id="136" name="Rechteck 135">
+              <a:extLst>
+                <a:ext uri="{FF2B5EF4-FFF2-40B4-BE49-F238E27FC236}">
+                  <a16:creationId xmlns:a16="http://schemas.microsoft.com/office/drawing/2014/main" id="{CC62F905-D12F-B677-1991-2F8E47BF4E05}"/>
+                </a:ext>
+              </a:extLst>
+            </p:cNvPr>
+            <p:cNvSpPr/>
+            <p:nvPr/>
+          </p:nvSpPr>
+          <p:spPr>
+            <a:xfrm>
+              <a:off x="4430604" y="22569948"/>
+              <a:ext cx="1080000" cy="1080000"/>
+            </a:xfrm>
+            <a:prstGeom prst="rect">
+              <a:avLst/>
+            </a:prstGeom>
+            <a:noFill/>
+            <a:ln w="76200">
+              <a:solidFill>
+                <a:schemeClr val="tx1"/>
+              </a:solidFill>
+            </a:ln>
+          </p:spPr>
+          <p:style>
+            <a:lnRef idx="2">
+              <a:schemeClr val="accent1">
+                <a:shade val="15000"/>
+              </a:schemeClr>
+            </a:lnRef>
+            <a:fillRef idx="1">
+              <a:schemeClr val="accent1"/>
+            </a:fillRef>
+            <a:effectRef idx="0">
+              <a:schemeClr val="accent1"/>
+            </a:effectRef>
+            <a:fontRef idx="minor">
+              <a:schemeClr val="lt1"/>
+            </a:fontRef>
+          </p:style>
+          <p:txBody>
+            <a:bodyPr rtlCol="0" anchor="ctr"/>
+            <a:lstStyle/>
+            <a:p>
+              <a:pPr algn="ctr"/>
+              <a:endParaRPr lang="de-DE"/>
+            </a:p>
+          </p:txBody>
+        </p:sp>
+        <p:sp>
+          <p:nvSpPr>
+            <p:cNvPr id="137" name="Rechteck 136">
+              <a:extLst>
+                <a:ext uri="{FF2B5EF4-FFF2-40B4-BE49-F238E27FC236}">
+                  <a16:creationId xmlns:a16="http://schemas.microsoft.com/office/drawing/2014/main" id="{62D41356-22F9-70FA-F1AE-F994669CAA78}"/>
+                </a:ext>
+              </a:extLst>
+            </p:cNvPr>
+            <p:cNvSpPr/>
+            <p:nvPr/>
+          </p:nvSpPr>
+          <p:spPr>
+            <a:xfrm>
+              <a:off x="6590604" y="22569948"/>
+              <a:ext cx="1080000" cy="1080000"/>
+            </a:xfrm>
+            <a:prstGeom prst="rect">
+              <a:avLst/>
+            </a:prstGeom>
+            <a:noFill/>
+            <a:ln w="76200">
+              <a:solidFill>
+                <a:schemeClr val="tx1"/>
+              </a:solidFill>
+            </a:ln>
+          </p:spPr>
+          <p:style>
+            <a:lnRef idx="2">
+              <a:schemeClr val="accent1">
+                <a:shade val="15000"/>
+              </a:schemeClr>
+            </a:lnRef>
+            <a:fillRef idx="1">
+              <a:schemeClr val="accent1"/>
+            </a:fillRef>
+            <a:effectRef idx="0">
+              <a:schemeClr val="accent1"/>
+            </a:effectRef>
+            <a:fontRef idx="minor">
+              <a:schemeClr val="lt1"/>
+            </a:fontRef>
+          </p:style>
+          <p:txBody>
+            <a:bodyPr rtlCol="0" anchor="ctr"/>
+            <a:lstStyle/>
+            <a:p>
+              <a:pPr algn="ctr"/>
+              <a:endParaRPr lang="de-DE"/>
+            </a:p>
+          </p:txBody>
+        </p:sp>
+        <p:sp>
+          <p:nvSpPr>
+            <p:cNvPr id="138" name="Rechteck 137">
+              <a:extLst>
+                <a:ext uri="{FF2B5EF4-FFF2-40B4-BE49-F238E27FC236}">
+                  <a16:creationId xmlns:a16="http://schemas.microsoft.com/office/drawing/2014/main" id="{5FE3982B-3336-A8C0-C588-F848A945ED10}"/>
+                </a:ext>
+              </a:extLst>
+            </p:cNvPr>
+            <p:cNvSpPr/>
+            <p:nvPr/>
+          </p:nvSpPr>
+          <p:spPr>
+            <a:xfrm>
+              <a:off x="7670604" y="22569948"/>
+              <a:ext cx="1080000" cy="1080000"/>
+            </a:xfrm>
+            <a:prstGeom prst="rect">
+              <a:avLst/>
+            </a:prstGeom>
+            <a:noFill/>
+            <a:ln w="76200">
+              <a:solidFill>
+                <a:schemeClr val="tx1"/>
+              </a:solidFill>
+            </a:ln>
+          </p:spPr>
+          <p:style>
+            <a:lnRef idx="2">
+              <a:schemeClr val="accent1">
+                <a:shade val="15000"/>
+              </a:schemeClr>
+            </a:lnRef>
+            <a:fillRef idx="1">
+              <a:schemeClr val="accent1"/>
+            </a:fillRef>
+            <a:effectRef idx="0">
+              <a:schemeClr val="accent1"/>
+            </a:effectRef>
+            <a:fontRef idx="minor">
+              <a:schemeClr val="lt1"/>
+            </a:fontRef>
+          </p:style>
+          <p:txBody>
+            <a:bodyPr rtlCol="0" anchor="ctr"/>
+            <a:lstStyle/>
+            <a:p>
+              <a:pPr algn="ctr"/>
+              <a:endParaRPr lang="de-DE"/>
+            </a:p>
+          </p:txBody>
+        </p:sp>
+      </p:grpSp>
+      <p:sp>
+        <p:nvSpPr>
+          <p:cNvPr id="139" name="Textfeld 138">
+            <a:extLst>
+              <a:ext uri="{FF2B5EF4-FFF2-40B4-BE49-F238E27FC236}">
+                <a16:creationId xmlns:a16="http://schemas.microsoft.com/office/drawing/2014/main" id="{0FE77839-C687-06AE-E092-4DB6FFEDA565}"/>
+              </a:ext>
+            </a:extLst>
+          </p:cNvPr>
+          <p:cNvSpPr txBox="1"/>
+          <p:nvPr/>
+        </p:nvSpPr>
+        <p:spPr>
+          <a:xfrm>
+            <a:off x="12985848" y="22264289"/>
+            <a:ext cx="700513" cy="815255"/>
+          </a:xfrm>
+          <a:prstGeom prst="rect">
+            <a:avLst/>
+          </a:prstGeom>
+          <a:noFill/>
+        </p:spPr>
+        <p:txBody>
+          <a:bodyPr wrap="none" rtlCol="0">
+            <a:spAutoFit/>
+          </a:bodyPr>
+          <a:lstStyle/>
+          <a:p>
+            <a:r>
+              <a:rPr lang="de-DE" sz="5400" dirty="0"/>
+              <a:t>…</a:t>
+            </a:r>
+          </a:p>
+        </p:txBody>
+      </p:sp>
+      <p:sp>
+        <p:nvSpPr>
+          <p:cNvPr id="140" name="Textfeld 139">
+            <a:extLst>
+              <a:ext uri="{FF2B5EF4-FFF2-40B4-BE49-F238E27FC236}">
+                <a16:creationId xmlns:a16="http://schemas.microsoft.com/office/drawing/2014/main" id="{5231D8A7-683B-3607-F4E6-AE61096A72F3}"/>
+              </a:ext>
+            </a:extLst>
+          </p:cNvPr>
+          <p:cNvSpPr txBox="1"/>
+          <p:nvPr/>
+        </p:nvSpPr>
+        <p:spPr>
+          <a:xfrm rot="16200000">
+            <a:off x="8560208" y="20913068"/>
+            <a:ext cx="2231901" cy="923330"/>
+          </a:xfrm>
+          <a:prstGeom prst="rect">
+            <a:avLst/>
+          </a:prstGeom>
+          <a:noFill/>
+        </p:spPr>
+        <p:txBody>
+          <a:bodyPr wrap="square" rtlCol="0">
+            <a:spAutoFit/>
+          </a:bodyPr>
+          <a:lstStyle/>
+          <a:p>
+            <a:r>
+              <a:rPr lang="de-DE" sz="5400" dirty="0"/>
+              <a:t>Times</a:t>
+            </a:r>
+          </a:p>
+        </p:txBody>
+      </p:sp>
+      <p:sp>
+        <p:nvSpPr>
+          <p:cNvPr id="141" name="Textfeld 140">
+            <a:extLst>
+              <a:ext uri="{FF2B5EF4-FFF2-40B4-BE49-F238E27FC236}">
+                <a16:creationId xmlns:a16="http://schemas.microsoft.com/office/drawing/2014/main" id="{CB5CF2A9-3E5D-8363-4A89-42436F04B472}"/>
+              </a:ext>
+            </a:extLst>
+          </p:cNvPr>
+          <p:cNvSpPr txBox="1"/>
+          <p:nvPr/>
+        </p:nvSpPr>
+        <p:spPr>
+          <a:xfrm>
+            <a:off x="12224972" y="17045989"/>
+            <a:ext cx="2764102" cy="953587"/>
+          </a:xfrm>
+          <a:prstGeom prst="rect">
+            <a:avLst/>
+          </a:prstGeom>
+          <a:noFill/>
+        </p:spPr>
+        <p:txBody>
+          <a:bodyPr wrap="square" rtlCol="0">
+            <a:spAutoFit/>
+          </a:bodyPr>
+          <a:lstStyle/>
+          <a:p>
+            <a:r>
+              <a:rPr lang="de-DE" sz="5400" dirty="0"/>
+              <a:t>Features</a:t>
+            </a:r>
+          </a:p>
+        </p:txBody>
+      </p:sp>
+      <p:sp>
+        <p:nvSpPr>
+          <p:cNvPr id="142" name="Rechteck: abgerundete Ecken 141">
+            <a:extLst>
+              <a:ext uri="{FF2B5EF4-FFF2-40B4-BE49-F238E27FC236}">
+                <a16:creationId xmlns:a16="http://schemas.microsoft.com/office/drawing/2014/main" id="{053872AF-9FFB-69E1-6DC2-CF6345C4B8E8}"/>
+              </a:ext>
+            </a:extLst>
+          </p:cNvPr>
+          <p:cNvSpPr/>
+          <p:nvPr/>
+        </p:nvSpPr>
+        <p:spPr>
+          <a:xfrm>
+            <a:off x="14853152" y="17936413"/>
+            <a:ext cx="1423400" cy="6695766"/>
+          </a:xfrm>
+          <a:prstGeom prst="roundRect">
+            <a:avLst/>
+          </a:prstGeom>
+          <a:noFill/>
+          <a:ln w="76200">
+            <a:solidFill>
+              <a:schemeClr val="accent6"/>
+            </a:solidFill>
+            <a:prstDash val="dash"/>
+          </a:ln>
+        </p:spPr>
+        <p:style>
+          <a:lnRef idx="2">
+            <a:schemeClr val="accent1">
+              <a:shade val="15000"/>
+            </a:schemeClr>
+          </a:lnRef>
+          <a:fillRef idx="1">
+            <a:schemeClr val="accent1"/>
+          </a:fillRef>
+          <a:effectRef idx="0">
+            <a:schemeClr val="accent1"/>
+          </a:effectRef>
+          <a:fontRef idx="minor">
+            <a:schemeClr val="lt1"/>
+          </a:fontRef>
+        </p:style>
+        <p:txBody>
+          <a:bodyPr rtlCol="0" anchor="ctr"/>
+          <a:lstStyle/>
+          <a:p>
+            <a:pPr algn="ctr"/>
+            <a:endParaRPr lang="de-DE"/>
+          </a:p>
+        </p:txBody>
+      </p:sp>
+      <p:sp>
+        <p:nvSpPr>
+          <p:cNvPr id="143" name="Rechteck: abgerundete Ecken 142">
+            <a:extLst>
+              <a:ext uri="{FF2B5EF4-FFF2-40B4-BE49-F238E27FC236}">
+                <a16:creationId xmlns:a16="http://schemas.microsoft.com/office/drawing/2014/main" id="{F93E1826-C77C-BB3B-F380-FCF7BD40DEB9}"/>
+              </a:ext>
+            </a:extLst>
+          </p:cNvPr>
+          <p:cNvSpPr/>
+          <p:nvPr/>
+        </p:nvSpPr>
+        <p:spPr>
+          <a:xfrm>
+            <a:off x="10217975" y="17936413"/>
+            <a:ext cx="1423400" cy="6695766"/>
+          </a:xfrm>
+          <a:prstGeom prst="roundRect">
+            <a:avLst/>
+          </a:prstGeom>
+          <a:noFill/>
+          <a:ln w="76200">
+            <a:solidFill>
+              <a:srgbClr val="FFC000"/>
+            </a:solidFill>
+            <a:prstDash val="dash"/>
+          </a:ln>
+        </p:spPr>
+        <p:style>
+          <a:lnRef idx="2">
+            <a:schemeClr val="accent1">
+              <a:shade val="15000"/>
+            </a:schemeClr>
+          </a:lnRef>
+          <a:fillRef idx="1">
+            <a:schemeClr val="accent1"/>
+          </a:fillRef>
+          <a:effectRef idx="0">
+            <a:schemeClr val="accent1"/>
+          </a:effectRef>
+          <a:fontRef idx="minor">
+            <a:schemeClr val="lt1"/>
+          </a:fontRef>
+        </p:style>
+        <p:txBody>
+          <a:bodyPr rtlCol="0" anchor="ctr"/>
+          <a:lstStyle/>
+          <a:p>
+            <a:pPr algn="ctr"/>
+            <a:endParaRPr lang="de-DE"/>
+          </a:p>
+        </p:txBody>
+      </p:sp>
+      <p:sp>
+        <p:nvSpPr>
+          <p:cNvPr id="144" name="Rechteck: abgerundete Ecken 143">
+            <a:extLst>
+              <a:ext uri="{FF2B5EF4-FFF2-40B4-BE49-F238E27FC236}">
+                <a16:creationId xmlns:a16="http://schemas.microsoft.com/office/drawing/2014/main" id="{73EE88AE-44CC-E2AE-4F4D-9F8AF5703403}"/>
+              </a:ext>
+            </a:extLst>
+          </p:cNvPr>
+          <p:cNvSpPr/>
+          <p:nvPr/>
+        </p:nvSpPr>
+        <p:spPr>
+          <a:xfrm>
+            <a:off x="11443925" y="17936413"/>
+            <a:ext cx="1423400" cy="6695766"/>
+          </a:xfrm>
+          <a:prstGeom prst="roundRect">
+            <a:avLst/>
+          </a:prstGeom>
+          <a:noFill/>
+          <a:ln w="76200">
+            <a:solidFill>
+              <a:schemeClr val="accent1">
+                <a:lumMod val="60000"/>
+                <a:lumOff val="40000"/>
+              </a:schemeClr>
+            </a:solidFill>
+            <a:prstDash val="dash"/>
+          </a:ln>
+        </p:spPr>
+        <p:style>
+          <a:lnRef idx="2">
+            <a:schemeClr val="accent1">
+              <a:shade val="15000"/>
+            </a:schemeClr>
+          </a:lnRef>
+          <a:fillRef idx="1">
+            <a:schemeClr val="accent1"/>
+          </a:fillRef>
+          <a:effectRef idx="0">
+            <a:schemeClr val="accent1"/>
+          </a:effectRef>
+          <a:fontRef idx="minor">
+            <a:schemeClr val="lt1"/>
+          </a:fontRef>
+        </p:style>
+        <p:txBody>
+          <a:bodyPr rtlCol="0" anchor="ctr"/>
+          <a:lstStyle/>
+          <a:p>
+            <a:pPr algn="ctr"/>
+            <a:endParaRPr lang="de-DE"/>
+          </a:p>
+        </p:txBody>
+      </p:sp>
+      <p:grpSp>
+        <p:nvGrpSpPr>
+          <p:cNvPr id="145" name="Gruppieren 144">
+            <a:extLst>
+              <a:ext uri="{FF2B5EF4-FFF2-40B4-BE49-F238E27FC236}">
+                <a16:creationId xmlns:a16="http://schemas.microsoft.com/office/drawing/2014/main" id="{99106BD6-40EA-D045-1962-0F5F02CFCA8F}"/>
+              </a:ext>
+            </a:extLst>
+          </p:cNvPr>
+          <p:cNvGrpSpPr/>
+          <p:nvPr/>
+        </p:nvGrpSpPr>
+        <p:grpSpPr>
+          <a:xfrm>
+            <a:off x="6820636" y="25863704"/>
+            <a:ext cx="5711044" cy="953587"/>
+            <a:chOff x="3350604" y="22569948"/>
+            <a:chExt cx="5400000" cy="1080000"/>
+          </a:xfrm>
+        </p:grpSpPr>
+        <p:sp>
+          <p:nvSpPr>
+            <p:cNvPr id="146" name="Rechteck 145">
+              <a:extLst>
+                <a:ext uri="{FF2B5EF4-FFF2-40B4-BE49-F238E27FC236}">
+                  <a16:creationId xmlns:a16="http://schemas.microsoft.com/office/drawing/2014/main" id="{05D45392-23A5-5D00-AB1D-13DEB9892CEC}"/>
+                </a:ext>
+              </a:extLst>
+            </p:cNvPr>
+            <p:cNvSpPr/>
+            <p:nvPr/>
+          </p:nvSpPr>
+          <p:spPr>
+            <a:xfrm>
+              <a:off x="3350604" y="22569948"/>
+              <a:ext cx="1080000" cy="1080000"/>
+            </a:xfrm>
+            <a:prstGeom prst="rect">
+              <a:avLst/>
+            </a:prstGeom>
+            <a:noFill/>
+            <a:ln w="76200">
+              <a:solidFill>
+                <a:schemeClr val="tx1"/>
+              </a:solidFill>
+            </a:ln>
+          </p:spPr>
+          <p:style>
+            <a:lnRef idx="2">
+              <a:schemeClr val="accent1">
+                <a:shade val="15000"/>
+              </a:schemeClr>
+            </a:lnRef>
+            <a:fillRef idx="1">
+              <a:schemeClr val="accent1"/>
+            </a:fillRef>
+            <a:effectRef idx="0">
+              <a:schemeClr val="accent1"/>
+            </a:effectRef>
+            <a:fontRef idx="minor">
+              <a:schemeClr val="lt1"/>
+            </a:fontRef>
+          </p:style>
+          <p:txBody>
+            <a:bodyPr rtlCol="0" anchor="ctr"/>
+            <a:lstStyle/>
+            <a:p>
+              <a:pPr algn="ctr"/>
+              <a:endParaRPr lang="de-DE"/>
+            </a:p>
+          </p:txBody>
+        </p:sp>
+        <p:sp>
+          <p:nvSpPr>
+            <p:cNvPr id="147" name="Rechteck 146">
+              <a:extLst>
+                <a:ext uri="{FF2B5EF4-FFF2-40B4-BE49-F238E27FC236}">
+                  <a16:creationId xmlns:a16="http://schemas.microsoft.com/office/drawing/2014/main" id="{9C70A24F-34FA-E6C8-41C0-E00DA02EE219}"/>
+                </a:ext>
+              </a:extLst>
+            </p:cNvPr>
+            <p:cNvSpPr/>
+            <p:nvPr/>
+          </p:nvSpPr>
+          <p:spPr>
+            <a:xfrm>
+              <a:off x="5510604" y="22569948"/>
+              <a:ext cx="1080000" cy="1080000"/>
+            </a:xfrm>
+            <a:prstGeom prst="rect">
+              <a:avLst/>
+            </a:prstGeom>
+            <a:noFill/>
+            <a:ln w="76200">
+              <a:solidFill>
+                <a:schemeClr val="tx1"/>
+              </a:solidFill>
+            </a:ln>
+          </p:spPr>
+          <p:style>
+            <a:lnRef idx="2">
+              <a:schemeClr val="accent1">
+                <a:shade val="15000"/>
+              </a:schemeClr>
+            </a:lnRef>
+            <a:fillRef idx="1">
+              <a:schemeClr val="accent1"/>
+            </a:fillRef>
+            <a:effectRef idx="0">
+              <a:schemeClr val="accent1"/>
+            </a:effectRef>
+            <a:fontRef idx="minor">
+              <a:schemeClr val="lt1"/>
+            </a:fontRef>
+          </p:style>
+          <p:txBody>
+            <a:bodyPr rtlCol="0" anchor="ctr"/>
+            <a:lstStyle/>
+            <a:p>
+              <a:pPr algn="ctr"/>
+              <a:endParaRPr lang="de-DE"/>
+            </a:p>
+          </p:txBody>
+        </p:sp>
+        <p:sp>
+          <p:nvSpPr>
+            <p:cNvPr id="148" name="Rechteck 147">
+              <a:extLst>
+                <a:ext uri="{FF2B5EF4-FFF2-40B4-BE49-F238E27FC236}">
+                  <a16:creationId xmlns:a16="http://schemas.microsoft.com/office/drawing/2014/main" id="{02D0730D-7412-979B-D974-1DF662815AB5}"/>
+                </a:ext>
+              </a:extLst>
+            </p:cNvPr>
+            <p:cNvSpPr/>
+            <p:nvPr/>
+          </p:nvSpPr>
+          <p:spPr>
+            <a:xfrm>
+              <a:off x="4430604" y="22569948"/>
+              <a:ext cx="1080000" cy="1080000"/>
+            </a:xfrm>
+            <a:prstGeom prst="rect">
+              <a:avLst/>
+            </a:prstGeom>
+            <a:noFill/>
+            <a:ln w="76200">
+              <a:solidFill>
+                <a:schemeClr val="tx1"/>
+              </a:solidFill>
+            </a:ln>
+          </p:spPr>
+          <p:style>
+            <a:lnRef idx="2">
+              <a:schemeClr val="accent1">
+                <a:shade val="15000"/>
+              </a:schemeClr>
+            </a:lnRef>
+            <a:fillRef idx="1">
+              <a:schemeClr val="accent1"/>
+            </a:fillRef>
+            <a:effectRef idx="0">
+              <a:schemeClr val="accent1"/>
+            </a:effectRef>
+            <a:fontRef idx="minor">
+              <a:schemeClr val="lt1"/>
+            </a:fontRef>
+          </p:style>
+          <p:txBody>
+            <a:bodyPr rtlCol="0" anchor="ctr"/>
+            <a:lstStyle/>
+            <a:p>
+              <a:pPr algn="ctr"/>
+              <a:endParaRPr lang="de-DE"/>
+            </a:p>
+          </p:txBody>
+        </p:sp>
+        <p:sp>
+          <p:nvSpPr>
+            <p:cNvPr id="149" name="Rechteck 148">
+              <a:extLst>
+                <a:ext uri="{FF2B5EF4-FFF2-40B4-BE49-F238E27FC236}">
+                  <a16:creationId xmlns:a16="http://schemas.microsoft.com/office/drawing/2014/main" id="{7B21887B-5A5D-D7D4-D69D-413D439BEB2F}"/>
+                </a:ext>
+              </a:extLst>
+            </p:cNvPr>
+            <p:cNvSpPr/>
+            <p:nvPr/>
+          </p:nvSpPr>
+          <p:spPr>
+            <a:xfrm>
+              <a:off x="6590604" y="22569948"/>
+              <a:ext cx="1080000" cy="1080000"/>
+            </a:xfrm>
+            <a:prstGeom prst="rect">
+              <a:avLst/>
+            </a:prstGeom>
+            <a:noFill/>
+            <a:ln w="76200">
+              <a:solidFill>
+                <a:schemeClr val="tx1"/>
+              </a:solidFill>
+            </a:ln>
+          </p:spPr>
+          <p:style>
+            <a:lnRef idx="2">
+              <a:schemeClr val="accent1">
+                <a:shade val="15000"/>
+              </a:schemeClr>
+            </a:lnRef>
+            <a:fillRef idx="1">
+              <a:schemeClr val="accent1"/>
+            </a:fillRef>
+            <a:effectRef idx="0">
+              <a:schemeClr val="accent1"/>
+            </a:effectRef>
+            <a:fontRef idx="minor">
+              <a:schemeClr val="lt1"/>
+            </a:fontRef>
+          </p:style>
+          <p:txBody>
+            <a:bodyPr rtlCol="0" anchor="ctr"/>
+            <a:lstStyle/>
+            <a:p>
+              <a:pPr algn="ctr"/>
+              <a:endParaRPr lang="de-DE"/>
+            </a:p>
+          </p:txBody>
+        </p:sp>
+        <p:sp>
+          <p:nvSpPr>
+            <p:cNvPr id="150" name="Rechteck 149">
+              <a:extLst>
+                <a:ext uri="{FF2B5EF4-FFF2-40B4-BE49-F238E27FC236}">
+                  <a16:creationId xmlns:a16="http://schemas.microsoft.com/office/drawing/2014/main" id="{D8C2CCB1-03BB-652B-DB06-C974E208A822}"/>
+                </a:ext>
+              </a:extLst>
+            </p:cNvPr>
+            <p:cNvSpPr/>
+            <p:nvPr/>
+          </p:nvSpPr>
+          <p:spPr>
+            <a:xfrm>
+              <a:off x="7670604" y="22569948"/>
+              <a:ext cx="1080000" cy="1080000"/>
+            </a:xfrm>
+            <a:prstGeom prst="rect">
+              <a:avLst/>
+            </a:prstGeom>
+            <a:noFill/>
+            <a:ln w="76200">
+              <a:solidFill>
+                <a:schemeClr val="tx1"/>
+              </a:solidFill>
+            </a:ln>
+          </p:spPr>
+          <p:style>
+            <a:lnRef idx="2">
+              <a:schemeClr val="accent1">
+                <a:shade val="15000"/>
+              </a:schemeClr>
+            </a:lnRef>
+            <a:fillRef idx="1">
+              <a:schemeClr val="accent1"/>
+            </a:fillRef>
+            <a:effectRef idx="0">
+              <a:schemeClr val="accent1"/>
+            </a:effectRef>
+            <a:fontRef idx="minor">
+              <a:schemeClr val="lt1"/>
+            </a:fontRef>
+          </p:style>
+          <p:txBody>
+            <a:bodyPr rtlCol="0" anchor="ctr"/>
+            <a:lstStyle/>
+            <a:p>
+              <a:pPr algn="ctr"/>
+              <a:endParaRPr lang="de-DE"/>
+            </a:p>
+          </p:txBody>
+        </p:sp>
+      </p:grpSp>
+      <p:cxnSp>
+        <p:nvCxnSpPr>
+          <p:cNvPr id="151" name="Gerade Verbindung mit Pfeil 150">
+            <a:extLst>
+              <a:ext uri="{FF2B5EF4-FFF2-40B4-BE49-F238E27FC236}">
+                <a16:creationId xmlns:a16="http://schemas.microsoft.com/office/drawing/2014/main" id="{F61CB6AE-9062-AC94-D574-62C3FEF47C1F}"/>
+              </a:ext>
+            </a:extLst>
+          </p:cNvPr>
+          <p:cNvCxnSpPr>
+            <a:cxnSpLocks/>
+            <a:stCxn id="143" idx="2"/>
+            <a:endCxn id="146" idx="0"/>
+          </p:cNvCxnSpPr>
+          <p:nvPr/>
+        </p:nvCxnSpPr>
+        <p:spPr>
+          <a:xfrm flipH="1">
+            <a:off x="7391741" y="24632179"/>
+            <a:ext cx="3537934" cy="1231525"/>
+          </a:xfrm>
+          <a:prstGeom prst="straightConnector1">
+            <a:avLst/>
+          </a:prstGeom>
+          <a:ln w="76200">
+            <a:solidFill>
+              <a:srgbClr val="FFC000"/>
+            </a:solidFill>
+            <a:tailEnd type="triangle"/>
+          </a:ln>
+        </p:spPr>
+        <p:style>
+          <a:lnRef idx="1">
+            <a:schemeClr val="accent1"/>
+          </a:lnRef>
+          <a:fillRef idx="0">
+            <a:schemeClr val="accent1"/>
+          </a:fillRef>
+          <a:effectRef idx="0">
+            <a:schemeClr val="accent1"/>
+          </a:effectRef>
+          <a:fontRef idx="minor">
+            <a:schemeClr val="tx1"/>
+          </a:fontRef>
+        </p:style>
+      </p:cxnSp>
+      <p:cxnSp>
+        <p:nvCxnSpPr>
+          <p:cNvPr id="152" name="Gerade Verbindung mit Pfeil 151">
+            <a:extLst>
+              <a:ext uri="{FF2B5EF4-FFF2-40B4-BE49-F238E27FC236}">
+                <a16:creationId xmlns:a16="http://schemas.microsoft.com/office/drawing/2014/main" id="{A9B0B0D2-20B8-EA49-94BC-668A43D50B6F}"/>
+              </a:ext>
+            </a:extLst>
+          </p:cNvPr>
+          <p:cNvCxnSpPr>
+            <a:stCxn id="144" idx="2"/>
+            <a:endCxn id="148" idx="0"/>
+          </p:cNvCxnSpPr>
+          <p:nvPr/>
+        </p:nvCxnSpPr>
+        <p:spPr>
+          <a:xfrm flipH="1">
+            <a:off x="8533950" y="24632179"/>
+            <a:ext cx="3621675" cy="1231525"/>
+          </a:xfrm>
+          <a:prstGeom prst="straightConnector1">
+            <a:avLst/>
+          </a:prstGeom>
+          <a:ln w="76200">
+            <a:solidFill>
+              <a:schemeClr val="accent1">
+                <a:lumMod val="60000"/>
+                <a:lumOff val="40000"/>
+              </a:schemeClr>
+            </a:solidFill>
+            <a:tailEnd type="triangle"/>
+          </a:ln>
+        </p:spPr>
+        <p:style>
+          <a:lnRef idx="1">
+            <a:schemeClr val="accent1"/>
+          </a:lnRef>
+          <a:fillRef idx="0">
+            <a:schemeClr val="accent1"/>
+          </a:fillRef>
+          <a:effectRef idx="0">
+            <a:schemeClr val="accent1"/>
+          </a:effectRef>
+          <a:fontRef idx="minor">
+            <a:schemeClr val="tx1"/>
+          </a:fontRef>
+        </p:style>
+      </p:cxnSp>
+      <p:cxnSp>
+        <p:nvCxnSpPr>
+          <p:cNvPr id="153" name="Gerade Verbindung mit Pfeil 152">
+            <a:extLst>
+              <a:ext uri="{FF2B5EF4-FFF2-40B4-BE49-F238E27FC236}">
+                <a16:creationId xmlns:a16="http://schemas.microsoft.com/office/drawing/2014/main" id="{4A382382-66B3-C7F2-D30A-70C572980F65}"/>
+              </a:ext>
+            </a:extLst>
+          </p:cNvPr>
+          <p:cNvCxnSpPr>
+            <a:stCxn id="142" idx="2"/>
+            <a:endCxn id="150" idx="0"/>
+          </p:cNvCxnSpPr>
+          <p:nvPr/>
+        </p:nvCxnSpPr>
+        <p:spPr>
+          <a:xfrm flipH="1">
+            <a:off x="11960576" y="24632179"/>
+            <a:ext cx="3604276" cy="1231525"/>
+          </a:xfrm>
+          <a:prstGeom prst="straightConnector1">
+            <a:avLst/>
+          </a:prstGeom>
+          <a:ln w="76200">
+            <a:solidFill>
+              <a:schemeClr val="accent6"/>
+            </a:solidFill>
+            <a:tailEnd type="triangle"/>
+          </a:ln>
+        </p:spPr>
+        <p:style>
+          <a:lnRef idx="1">
+            <a:schemeClr val="accent1"/>
+          </a:lnRef>
+          <a:fillRef idx="0">
+            <a:schemeClr val="accent1"/>
+          </a:fillRef>
+          <a:effectRef idx="0">
+            <a:schemeClr val="accent1"/>
+          </a:effectRef>
+          <a:fontRef idx="minor">
+            <a:schemeClr val="tx1"/>
+          </a:fontRef>
+        </p:style>
+      </p:cxnSp>
+      <p:sp>
+        <p:nvSpPr>
+          <p:cNvPr id="154" name="Textfeld 153">
+            <a:extLst>
+              <a:ext uri="{FF2B5EF4-FFF2-40B4-BE49-F238E27FC236}">
+                <a16:creationId xmlns:a16="http://schemas.microsoft.com/office/drawing/2014/main" id="{2F828892-A6FE-0EFA-CD35-11DC8844EF87}"/>
+              </a:ext>
+            </a:extLst>
+          </p:cNvPr>
+          <p:cNvSpPr txBox="1"/>
+          <p:nvPr/>
+        </p:nvSpPr>
+        <p:spPr>
+          <a:xfrm>
+            <a:off x="19889886" y="25944817"/>
+            <a:ext cx="6148008" cy="923330"/>
+          </a:xfrm>
+          <a:prstGeom prst="rect">
+            <a:avLst/>
+          </a:prstGeom>
+          <a:noFill/>
+        </p:spPr>
+        <p:txBody>
+          <a:bodyPr wrap="square" rtlCol="0">
+            <a:spAutoFit/>
+          </a:bodyPr>
+          <a:lstStyle/>
+          <a:p>
+            <a:r>
+              <a:rPr lang="de-DE" sz="5400" dirty="0"/>
+              <a:t>Min</a:t>
+            </a:r>
+          </a:p>
+        </p:txBody>
+      </p:sp>
+      <p:sp>
+        <p:nvSpPr>
+          <p:cNvPr id="155" name="Geschweifte Klammer rechts 154">
+            <a:extLst>
+              <a:ext uri="{FF2B5EF4-FFF2-40B4-BE49-F238E27FC236}">
+                <a16:creationId xmlns:a16="http://schemas.microsoft.com/office/drawing/2014/main" id="{93A05F2E-68AF-B315-C17E-9739CF291030}"/>
+              </a:ext>
+            </a:extLst>
+          </p:cNvPr>
+          <p:cNvSpPr/>
+          <p:nvPr/>
+        </p:nvSpPr>
+        <p:spPr>
+          <a:xfrm rot="5400000">
+            <a:off x="12220890" y="21735607"/>
+            <a:ext cx="2137663" cy="13200328"/>
+          </a:xfrm>
+          <a:prstGeom prst="rightBrace">
+            <a:avLst/>
+          </a:prstGeom>
+          <a:ln w="76200">
+            <a:solidFill>
+              <a:schemeClr val="tx1"/>
+            </a:solidFill>
+          </a:ln>
+        </p:spPr>
+        <p:style>
+          <a:lnRef idx="1">
+            <a:schemeClr val="accent1"/>
+          </a:lnRef>
+          <a:fillRef idx="0">
+            <a:schemeClr val="accent1"/>
+          </a:fillRef>
+          <a:effectRef idx="0">
+            <a:schemeClr val="accent1"/>
+          </a:effectRef>
+          <a:fontRef idx="minor">
+            <a:schemeClr val="tx1"/>
+          </a:fontRef>
+        </p:style>
+        <p:txBody>
+          <a:bodyPr rtlCol="0" anchor="ctr"/>
+          <a:lstStyle/>
+          <a:p>
+            <a:pPr algn="ctr"/>
+            <a:endParaRPr lang="de-DE"/>
+          </a:p>
+        </p:txBody>
+      </p:sp>
+      <p:grpSp>
+        <p:nvGrpSpPr>
+          <p:cNvPr id="156" name="Gruppieren 155">
+            <a:extLst>
+              <a:ext uri="{FF2B5EF4-FFF2-40B4-BE49-F238E27FC236}">
+                <a16:creationId xmlns:a16="http://schemas.microsoft.com/office/drawing/2014/main" id="{A86901DC-EFB8-AA52-3C89-2971B4C00019}"/>
+              </a:ext>
+            </a:extLst>
+          </p:cNvPr>
+          <p:cNvGrpSpPr/>
+          <p:nvPr/>
+        </p:nvGrpSpPr>
+        <p:grpSpPr>
+          <a:xfrm>
+            <a:off x="11641375" y="29612597"/>
+            <a:ext cx="3426627" cy="953587"/>
+            <a:chOff x="3704058" y="16219654"/>
+            <a:chExt cx="3426627" cy="953587"/>
+          </a:xfrm>
+        </p:grpSpPr>
+        <p:sp>
+          <p:nvSpPr>
+            <p:cNvPr id="157" name="Rechteck 156">
+              <a:extLst>
+                <a:ext uri="{FF2B5EF4-FFF2-40B4-BE49-F238E27FC236}">
+                  <a16:creationId xmlns:a16="http://schemas.microsoft.com/office/drawing/2014/main" id="{75FF24FD-A96F-99A0-E263-993F3038012E}"/>
+                </a:ext>
+              </a:extLst>
+            </p:cNvPr>
+            <p:cNvSpPr/>
+            <p:nvPr/>
+          </p:nvSpPr>
+          <p:spPr>
+            <a:xfrm>
+              <a:off x="3704058" y="16219654"/>
+              <a:ext cx="1142209" cy="953587"/>
+            </a:xfrm>
+            <a:prstGeom prst="rect">
+              <a:avLst/>
+            </a:prstGeom>
+            <a:noFill/>
+            <a:ln w="76200">
+              <a:solidFill>
+                <a:schemeClr val="tx1"/>
+              </a:solidFill>
+            </a:ln>
+          </p:spPr>
+          <p:style>
+            <a:lnRef idx="2">
+              <a:schemeClr val="accent1">
+                <a:shade val="15000"/>
+              </a:schemeClr>
+            </a:lnRef>
+            <a:fillRef idx="1">
+              <a:schemeClr val="accent1"/>
+            </a:fillRef>
+            <a:effectRef idx="0">
+              <a:schemeClr val="accent1"/>
+            </a:effectRef>
+            <a:fontRef idx="minor">
+              <a:schemeClr val="lt1"/>
+            </a:fontRef>
+          </p:style>
+          <p:txBody>
+            <a:bodyPr rtlCol="0" anchor="ctr"/>
+            <a:lstStyle/>
+            <a:p>
+              <a:pPr algn="ctr"/>
+              <a:endParaRPr lang="de-DE"/>
+            </a:p>
+          </p:txBody>
+        </p:sp>
+        <p:sp>
+          <p:nvSpPr>
+            <p:cNvPr id="158" name="Rechteck 157">
+              <a:extLst>
+                <a:ext uri="{FF2B5EF4-FFF2-40B4-BE49-F238E27FC236}">
+                  <a16:creationId xmlns:a16="http://schemas.microsoft.com/office/drawing/2014/main" id="{7C98E5F8-A542-35B0-7FF4-A396C9B4C1E6}"/>
+                </a:ext>
+              </a:extLst>
+            </p:cNvPr>
+            <p:cNvSpPr/>
+            <p:nvPr/>
+          </p:nvSpPr>
+          <p:spPr>
+            <a:xfrm>
+              <a:off x="5988476" y="16219654"/>
+              <a:ext cx="1142209" cy="953587"/>
+            </a:xfrm>
+            <a:prstGeom prst="rect">
+              <a:avLst/>
+            </a:prstGeom>
+            <a:noFill/>
+            <a:ln w="76200">
+              <a:solidFill>
+                <a:schemeClr val="tx1"/>
+              </a:solidFill>
+            </a:ln>
+          </p:spPr>
+          <p:style>
+            <a:lnRef idx="2">
+              <a:schemeClr val="accent1">
+                <a:shade val="15000"/>
+              </a:schemeClr>
+            </a:lnRef>
+            <a:fillRef idx="1">
+              <a:schemeClr val="accent1"/>
+            </a:fillRef>
+            <a:effectRef idx="0">
+              <a:schemeClr val="accent1"/>
+            </a:effectRef>
+            <a:fontRef idx="minor">
+              <a:schemeClr val="lt1"/>
+            </a:fontRef>
+          </p:style>
+          <p:txBody>
+            <a:bodyPr rtlCol="0" anchor="ctr"/>
+            <a:lstStyle/>
+            <a:p>
+              <a:pPr algn="ctr"/>
+              <a:endParaRPr lang="de-DE"/>
+            </a:p>
+          </p:txBody>
+        </p:sp>
+        <p:sp>
+          <p:nvSpPr>
+            <p:cNvPr id="159" name="Rechteck 158">
+              <a:extLst>
+                <a:ext uri="{FF2B5EF4-FFF2-40B4-BE49-F238E27FC236}">
+                  <a16:creationId xmlns:a16="http://schemas.microsoft.com/office/drawing/2014/main" id="{4C4F55CB-74B6-50C6-A250-71C96A68E205}"/>
+                </a:ext>
+              </a:extLst>
+            </p:cNvPr>
+            <p:cNvSpPr/>
+            <p:nvPr/>
+          </p:nvSpPr>
+          <p:spPr>
+            <a:xfrm>
+              <a:off x="4846267" y="16219654"/>
+              <a:ext cx="1142209" cy="953587"/>
+            </a:xfrm>
+            <a:prstGeom prst="rect">
+              <a:avLst/>
+            </a:prstGeom>
+            <a:noFill/>
+            <a:ln w="76200">
+              <a:solidFill>
+                <a:schemeClr val="tx1"/>
+              </a:solidFill>
+            </a:ln>
+          </p:spPr>
+          <p:style>
+            <a:lnRef idx="2">
+              <a:schemeClr val="accent1">
+                <a:shade val="15000"/>
+              </a:schemeClr>
+            </a:lnRef>
+            <a:fillRef idx="1">
+              <a:schemeClr val="accent1"/>
+            </a:fillRef>
+            <a:effectRef idx="0">
+              <a:schemeClr val="accent1"/>
+            </a:effectRef>
+            <a:fontRef idx="minor">
+              <a:schemeClr val="lt1"/>
+            </a:fontRef>
+          </p:style>
+          <p:txBody>
+            <a:bodyPr rtlCol="0" anchor="ctr"/>
+            <a:lstStyle/>
+            <a:p>
+              <a:pPr algn="ctr"/>
+              <a:endParaRPr lang="de-DE"/>
+            </a:p>
+          </p:txBody>
+        </p:sp>
+      </p:grpSp>
+      <p:sp>
+        <p:nvSpPr>
+          <p:cNvPr id="160" name="Textfeld 159">
+            <a:extLst>
+              <a:ext uri="{FF2B5EF4-FFF2-40B4-BE49-F238E27FC236}">
+                <a16:creationId xmlns:a16="http://schemas.microsoft.com/office/drawing/2014/main" id="{9CE24ED1-042B-E458-0CF1-77C02350CC8C}"/>
+              </a:ext>
+            </a:extLst>
+          </p:cNvPr>
+          <p:cNvSpPr txBox="1"/>
+          <p:nvPr/>
+        </p:nvSpPr>
+        <p:spPr>
+          <a:xfrm>
+            <a:off x="15895402" y="29627725"/>
+            <a:ext cx="6148008" cy="923330"/>
+          </a:xfrm>
+          <a:prstGeom prst="rect">
+            <a:avLst/>
+          </a:prstGeom>
+          <a:noFill/>
+        </p:spPr>
+        <p:txBody>
+          <a:bodyPr wrap="square" rtlCol="0">
+            <a:spAutoFit/>
+          </a:bodyPr>
+          <a:lstStyle/>
+          <a:p>
+            <a:r>
+              <a:rPr lang="de-DE" sz="5400" dirty="0"/>
+              <a:t>Min/Max</a:t>
+            </a:r>
+          </a:p>
+        </p:txBody>
+      </p:sp>
+      <p:sp>
+        <p:nvSpPr>
+          <p:cNvPr id="161" name="Rechteck: abgerundete Ecken 160">
+            <a:extLst>
+              <a:ext uri="{FF2B5EF4-FFF2-40B4-BE49-F238E27FC236}">
+                <a16:creationId xmlns:a16="http://schemas.microsoft.com/office/drawing/2014/main" id="{AB19F73E-ED50-4307-9F5E-AC9BF39EB5BA}"/>
+              </a:ext>
+            </a:extLst>
+          </p:cNvPr>
+          <p:cNvSpPr/>
+          <p:nvPr/>
+        </p:nvSpPr>
+        <p:spPr>
+          <a:xfrm>
+            <a:off x="4956790" y="17045990"/>
+            <a:ext cx="16339105" cy="13904717"/>
+          </a:xfrm>
+          <a:prstGeom prst="roundRect">
+            <a:avLst/>
+          </a:prstGeom>
+          <a:noFill/>
+          <a:ln w="76200">
+            <a:solidFill>
+              <a:schemeClr val="tx1"/>
+            </a:solidFill>
+          </a:ln>
+        </p:spPr>
+        <p:style>
+          <a:lnRef idx="2">
+            <a:schemeClr val="accent1">
+              <a:shade val="15000"/>
+            </a:schemeClr>
+          </a:lnRef>
+          <a:fillRef idx="1">
+            <a:schemeClr val="accent1"/>
+          </a:fillRef>
+          <a:effectRef idx="0">
+            <a:schemeClr val="accent1"/>
+          </a:effectRef>
+          <a:fontRef idx="minor">
+            <a:schemeClr val="lt1"/>
+          </a:fontRef>
+        </p:style>
+        <p:txBody>
+          <a:bodyPr rtlCol="0" anchor="ctr"/>
+          <a:lstStyle/>
+          <a:p>
+            <a:pPr algn="ctr"/>
+            <a:endParaRPr lang="de-DE"/>
+          </a:p>
+        </p:txBody>
+      </p:sp>
+      <p:grpSp>
+        <p:nvGrpSpPr>
+          <p:cNvPr id="165" name="Gruppieren 164">
+            <a:extLst>
+              <a:ext uri="{FF2B5EF4-FFF2-40B4-BE49-F238E27FC236}">
+                <a16:creationId xmlns:a16="http://schemas.microsoft.com/office/drawing/2014/main" id="{12964441-5FF2-82E9-BF02-4B8455B45149}"/>
+              </a:ext>
+            </a:extLst>
+          </p:cNvPr>
+          <p:cNvGrpSpPr/>
+          <p:nvPr/>
+        </p:nvGrpSpPr>
+        <p:grpSpPr>
+          <a:xfrm>
+            <a:off x="13845402" y="25880578"/>
+            <a:ext cx="5711044" cy="953587"/>
+            <a:chOff x="3350604" y="22569948"/>
+            <a:chExt cx="5400000" cy="1080000"/>
+          </a:xfrm>
+        </p:grpSpPr>
+        <p:sp>
+          <p:nvSpPr>
+            <p:cNvPr id="166" name="Rechteck 165">
+              <a:extLst>
+                <a:ext uri="{FF2B5EF4-FFF2-40B4-BE49-F238E27FC236}">
+                  <a16:creationId xmlns:a16="http://schemas.microsoft.com/office/drawing/2014/main" id="{CB497A0C-F8A2-D7D2-1F6D-D6AF0D5D5DD6}"/>
+                </a:ext>
+              </a:extLst>
+            </p:cNvPr>
+            <p:cNvSpPr/>
+            <p:nvPr/>
+          </p:nvSpPr>
+          <p:spPr>
+            <a:xfrm>
+              <a:off x="3350604" y="22569948"/>
+              <a:ext cx="1080000" cy="1080000"/>
+            </a:xfrm>
+            <a:prstGeom prst="rect">
+              <a:avLst/>
+            </a:prstGeom>
+            <a:noFill/>
+            <a:ln w="76200">
+              <a:solidFill>
+                <a:schemeClr val="tx1"/>
+              </a:solidFill>
+            </a:ln>
+          </p:spPr>
+          <p:style>
+            <a:lnRef idx="2">
+              <a:schemeClr val="accent1">
+                <a:shade val="15000"/>
+              </a:schemeClr>
+            </a:lnRef>
+            <a:fillRef idx="1">
+              <a:schemeClr val="accent1"/>
+            </a:fillRef>
+            <a:effectRef idx="0">
+              <a:schemeClr val="accent1"/>
+            </a:effectRef>
+            <a:fontRef idx="minor">
+              <a:schemeClr val="lt1"/>
+            </a:fontRef>
+          </p:style>
+          <p:txBody>
+            <a:bodyPr rtlCol="0" anchor="ctr"/>
+            <a:lstStyle/>
+            <a:p>
+              <a:pPr algn="ctr"/>
+              <a:endParaRPr lang="de-DE"/>
+            </a:p>
+          </p:txBody>
+        </p:sp>
+        <p:sp>
+          <p:nvSpPr>
+            <p:cNvPr id="167" name="Rechteck 166">
+              <a:extLst>
+                <a:ext uri="{FF2B5EF4-FFF2-40B4-BE49-F238E27FC236}">
+                  <a16:creationId xmlns:a16="http://schemas.microsoft.com/office/drawing/2014/main" id="{113AB559-69C4-2035-753E-3D00AD37E7FA}"/>
+                </a:ext>
+              </a:extLst>
+            </p:cNvPr>
+            <p:cNvSpPr/>
+            <p:nvPr/>
+          </p:nvSpPr>
+          <p:spPr>
+            <a:xfrm>
+              <a:off x="5510604" y="22569948"/>
+              <a:ext cx="1080000" cy="1080000"/>
+            </a:xfrm>
+            <a:prstGeom prst="rect">
+              <a:avLst/>
+            </a:prstGeom>
+            <a:noFill/>
+            <a:ln w="76200">
+              <a:solidFill>
+                <a:schemeClr val="tx1"/>
+              </a:solidFill>
+            </a:ln>
+          </p:spPr>
+          <p:style>
+            <a:lnRef idx="2">
+              <a:schemeClr val="accent1">
+                <a:shade val="15000"/>
+              </a:schemeClr>
+            </a:lnRef>
+            <a:fillRef idx="1">
+              <a:schemeClr val="accent1"/>
+            </a:fillRef>
+            <a:effectRef idx="0">
+              <a:schemeClr val="accent1"/>
+            </a:effectRef>
+            <a:fontRef idx="minor">
+              <a:schemeClr val="lt1"/>
+            </a:fontRef>
+          </p:style>
+          <p:txBody>
+            <a:bodyPr rtlCol="0" anchor="ctr"/>
+            <a:lstStyle/>
+            <a:p>
+              <a:pPr algn="ctr"/>
+              <a:endParaRPr lang="de-DE"/>
+            </a:p>
+          </p:txBody>
+        </p:sp>
+        <p:sp>
+          <p:nvSpPr>
+            <p:cNvPr id="168" name="Rechteck 167">
+              <a:extLst>
+                <a:ext uri="{FF2B5EF4-FFF2-40B4-BE49-F238E27FC236}">
+                  <a16:creationId xmlns:a16="http://schemas.microsoft.com/office/drawing/2014/main" id="{1CDB868C-84DF-1BEE-603A-394EBC56FCFD}"/>
+                </a:ext>
+              </a:extLst>
+            </p:cNvPr>
+            <p:cNvSpPr/>
+            <p:nvPr/>
+          </p:nvSpPr>
+          <p:spPr>
+            <a:xfrm>
+              <a:off x="4430604" y="22569948"/>
+              <a:ext cx="1080000" cy="1080000"/>
+            </a:xfrm>
+            <a:prstGeom prst="rect">
+              <a:avLst/>
+            </a:prstGeom>
+            <a:noFill/>
+            <a:ln w="76200">
+              <a:solidFill>
+                <a:schemeClr val="tx1"/>
+              </a:solidFill>
+            </a:ln>
+          </p:spPr>
+          <p:style>
+            <a:lnRef idx="2">
+              <a:schemeClr val="accent1">
+                <a:shade val="15000"/>
+              </a:schemeClr>
+            </a:lnRef>
+            <a:fillRef idx="1">
+              <a:schemeClr val="accent1"/>
+            </a:fillRef>
+            <a:effectRef idx="0">
+              <a:schemeClr val="accent1"/>
+            </a:effectRef>
+            <a:fontRef idx="minor">
+              <a:schemeClr val="lt1"/>
+            </a:fontRef>
+          </p:style>
+          <p:txBody>
+            <a:bodyPr rtlCol="0" anchor="ctr"/>
+            <a:lstStyle/>
+            <a:p>
+              <a:pPr algn="ctr"/>
+              <a:endParaRPr lang="de-DE"/>
+            </a:p>
+          </p:txBody>
+        </p:sp>
+        <p:sp>
+          <p:nvSpPr>
+            <p:cNvPr id="169" name="Rechteck 168">
+              <a:extLst>
+                <a:ext uri="{FF2B5EF4-FFF2-40B4-BE49-F238E27FC236}">
+                  <a16:creationId xmlns:a16="http://schemas.microsoft.com/office/drawing/2014/main" id="{6640FD94-7375-9A63-AC7D-041C14982265}"/>
+                </a:ext>
+              </a:extLst>
+            </p:cNvPr>
+            <p:cNvSpPr/>
+            <p:nvPr/>
+          </p:nvSpPr>
+          <p:spPr>
+            <a:xfrm>
+              <a:off x="6590604" y="22569948"/>
+              <a:ext cx="1080000" cy="1080000"/>
+            </a:xfrm>
+            <a:prstGeom prst="rect">
+              <a:avLst/>
+            </a:prstGeom>
+            <a:noFill/>
+            <a:ln w="76200">
+              <a:solidFill>
+                <a:schemeClr val="tx1"/>
+              </a:solidFill>
+            </a:ln>
+          </p:spPr>
+          <p:style>
+            <a:lnRef idx="2">
+              <a:schemeClr val="accent1">
+                <a:shade val="15000"/>
+              </a:schemeClr>
+            </a:lnRef>
+            <a:fillRef idx="1">
+              <a:schemeClr val="accent1"/>
+            </a:fillRef>
+            <a:effectRef idx="0">
+              <a:schemeClr val="accent1"/>
+            </a:effectRef>
+            <a:fontRef idx="minor">
+              <a:schemeClr val="lt1"/>
+            </a:fontRef>
+          </p:style>
+          <p:txBody>
+            <a:bodyPr rtlCol="0" anchor="ctr"/>
+            <a:lstStyle/>
+            <a:p>
+              <a:pPr algn="ctr"/>
+              <a:endParaRPr lang="de-DE"/>
+            </a:p>
+          </p:txBody>
+        </p:sp>
+        <p:sp>
+          <p:nvSpPr>
+            <p:cNvPr id="170" name="Rechteck 169">
+              <a:extLst>
+                <a:ext uri="{FF2B5EF4-FFF2-40B4-BE49-F238E27FC236}">
+                  <a16:creationId xmlns:a16="http://schemas.microsoft.com/office/drawing/2014/main" id="{9F473E34-8067-EE63-34D9-7A49AA4429EF}"/>
+                </a:ext>
+              </a:extLst>
+            </p:cNvPr>
+            <p:cNvSpPr/>
+            <p:nvPr/>
+          </p:nvSpPr>
+          <p:spPr>
+            <a:xfrm>
+              <a:off x="7670604" y="22569948"/>
+              <a:ext cx="1080000" cy="1080000"/>
+            </a:xfrm>
+            <a:prstGeom prst="rect">
+              <a:avLst/>
+            </a:prstGeom>
+            <a:noFill/>
+            <a:ln w="76200">
+              <a:solidFill>
+                <a:schemeClr val="tx1"/>
+              </a:solidFill>
+            </a:ln>
+          </p:spPr>
+          <p:style>
+            <a:lnRef idx="2">
+              <a:schemeClr val="accent1">
+                <a:shade val="15000"/>
+              </a:schemeClr>
+            </a:lnRef>
+            <a:fillRef idx="1">
+              <a:schemeClr val="accent1"/>
+            </a:fillRef>
+            <a:effectRef idx="0">
+              <a:schemeClr val="accent1"/>
+            </a:effectRef>
+            <a:fontRef idx="minor">
+              <a:schemeClr val="lt1"/>
+            </a:fontRef>
+          </p:style>
+          <p:txBody>
+            <a:bodyPr rtlCol="0" anchor="ctr"/>
+            <a:lstStyle/>
+            <a:p>
+              <a:pPr algn="ctr"/>
+              <a:endParaRPr lang="de-DE"/>
+            </a:p>
+          </p:txBody>
+        </p:sp>
+      </p:grpSp>
+      <p:sp>
+        <p:nvSpPr>
+          <p:cNvPr id="172" name="Textfeld 171">
+            <a:extLst>
+              <a:ext uri="{FF2B5EF4-FFF2-40B4-BE49-F238E27FC236}">
+                <a16:creationId xmlns:a16="http://schemas.microsoft.com/office/drawing/2014/main" id="{5AFD5F0F-DE96-067C-6761-56CAF230B259}"/>
+              </a:ext>
+            </a:extLst>
+          </p:cNvPr>
+          <p:cNvSpPr txBox="1"/>
+          <p:nvPr/>
+        </p:nvSpPr>
+        <p:spPr>
+          <a:xfrm>
+            <a:off x="212832" y="25756502"/>
+            <a:ext cx="6148008" cy="923330"/>
+          </a:xfrm>
+          <a:prstGeom prst="rect">
+            <a:avLst/>
+          </a:prstGeom>
+          <a:noFill/>
+        </p:spPr>
+        <p:txBody>
+          <a:bodyPr wrap="square" rtlCol="0">
+            <a:spAutoFit/>
+          </a:bodyPr>
+          <a:lstStyle/>
+          <a:p>
+            <a:pPr algn="r"/>
+            <a:r>
+              <a:rPr lang="de-DE" sz="5400" dirty="0"/>
+              <a:t>Max</a:t>
+            </a:r>
+          </a:p>
+        </p:txBody>
+      </p:sp>
+      <p:cxnSp>
+        <p:nvCxnSpPr>
+          <p:cNvPr id="173" name="Gerade Verbindung mit Pfeil 172">
+            <a:extLst>
+              <a:ext uri="{FF2B5EF4-FFF2-40B4-BE49-F238E27FC236}">
+                <a16:creationId xmlns:a16="http://schemas.microsoft.com/office/drawing/2014/main" id="{9442602C-B148-1946-E814-FCD529E80B1F}"/>
+              </a:ext>
+            </a:extLst>
+          </p:cNvPr>
+          <p:cNvCxnSpPr>
+            <a:cxnSpLocks/>
+            <a:stCxn id="143" idx="2"/>
+            <a:endCxn id="166" idx="0"/>
+          </p:cNvCxnSpPr>
+          <p:nvPr/>
+        </p:nvCxnSpPr>
+        <p:spPr>
+          <a:xfrm>
+            <a:off x="10929675" y="24632179"/>
+            <a:ext cx="3486832" cy="1248399"/>
+          </a:xfrm>
+          <a:prstGeom prst="straightConnector1">
+            <a:avLst/>
+          </a:prstGeom>
+          <a:ln w="76200">
+            <a:solidFill>
+              <a:srgbClr val="FFC000"/>
+            </a:solidFill>
+            <a:tailEnd type="triangle"/>
+          </a:ln>
+        </p:spPr>
+        <p:style>
+          <a:lnRef idx="1">
+            <a:schemeClr val="accent1"/>
+          </a:lnRef>
+          <a:fillRef idx="0">
+            <a:schemeClr val="accent1"/>
+          </a:fillRef>
+          <a:effectRef idx="0">
+            <a:schemeClr val="accent1"/>
+          </a:effectRef>
+          <a:fontRef idx="minor">
+            <a:schemeClr val="tx1"/>
+          </a:fontRef>
+        </p:style>
+      </p:cxnSp>
+      <p:cxnSp>
+        <p:nvCxnSpPr>
+          <p:cNvPr id="176" name="Gerade Verbindung mit Pfeil 175">
+            <a:extLst>
+              <a:ext uri="{FF2B5EF4-FFF2-40B4-BE49-F238E27FC236}">
+                <a16:creationId xmlns:a16="http://schemas.microsoft.com/office/drawing/2014/main" id="{5EEFCDFA-8447-BC9E-FEF2-B61433DC1423}"/>
+              </a:ext>
+            </a:extLst>
+          </p:cNvPr>
+          <p:cNvCxnSpPr>
+            <a:cxnSpLocks/>
+            <a:stCxn id="144" idx="2"/>
+          </p:cNvCxnSpPr>
+          <p:nvPr/>
+        </p:nvCxnSpPr>
+        <p:spPr>
+          <a:xfrm>
+            <a:off x="12155625" y="24632179"/>
+            <a:ext cx="3291783" cy="1194143"/>
+          </a:xfrm>
+          <a:prstGeom prst="straightConnector1">
+            <a:avLst/>
+          </a:prstGeom>
+          <a:ln w="76200">
+            <a:solidFill>
+              <a:schemeClr val="accent1">
+                <a:lumMod val="60000"/>
+                <a:lumOff val="40000"/>
+              </a:schemeClr>
+            </a:solidFill>
+            <a:tailEnd type="triangle"/>
+          </a:ln>
+        </p:spPr>
+        <p:style>
+          <a:lnRef idx="1">
+            <a:schemeClr val="accent1"/>
+          </a:lnRef>
+          <a:fillRef idx="0">
+            <a:schemeClr val="accent1"/>
+          </a:fillRef>
+          <a:effectRef idx="0">
+            <a:schemeClr val="accent1"/>
+          </a:effectRef>
+          <a:fontRef idx="minor">
+            <a:schemeClr val="tx1"/>
+          </a:fontRef>
+        </p:style>
+      </p:cxnSp>
+      <p:cxnSp>
+        <p:nvCxnSpPr>
+          <p:cNvPr id="179" name="Gerade Verbindung mit Pfeil 178">
+            <a:extLst>
+              <a:ext uri="{FF2B5EF4-FFF2-40B4-BE49-F238E27FC236}">
+                <a16:creationId xmlns:a16="http://schemas.microsoft.com/office/drawing/2014/main" id="{20A7DD2F-DFE4-3345-4110-DBC44B7FD1B0}"/>
+              </a:ext>
+            </a:extLst>
+          </p:cNvPr>
+          <p:cNvCxnSpPr>
+            <a:cxnSpLocks/>
+            <a:stCxn id="142" idx="2"/>
+            <a:endCxn id="170" idx="0"/>
+          </p:cNvCxnSpPr>
+          <p:nvPr/>
+        </p:nvCxnSpPr>
+        <p:spPr>
+          <a:xfrm>
+            <a:off x="15564852" y="24632179"/>
+            <a:ext cx="3420490" cy="1248399"/>
+          </a:xfrm>
+          <a:prstGeom prst="straightConnector1">
+            <a:avLst/>
+          </a:prstGeom>
+          <a:ln w="76200">
+            <a:solidFill>
+              <a:schemeClr val="accent6"/>
+            </a:solidFill>
+            <a:tailEnd type="triangle"/>
+          </a:ln>
+        </p:spPr>
+        <p:style>
+          <a:lnRef idx="1">
+            <a:schemeClr val="accent1"/>
+          </a:lnRef>
+          <a:fillRef idx="0">
+            <a:schemeClr val="accent1"/>
+          </a:fillRef>
+          <a:effectRef idx="0">
+            <a:schemeClr val="accent1"/>
+          </a:effectRef>
+          <a:fontRef idx="minor">
+            <a:schemeClr val="tx1"/>
+          </a:fontRef>
+        </p:style>
+      </p:cxnSp>
+      <p:sp>
+        <p:nvSpPr>
+          <p:cNvPr id="182" name="Textfeld 181">
+            <a:extLst>
+              <a:ext uri="{FF2B5EF4-FFF2-40B4-BE49-F238E27FC236}">
+                <a16:creationId xmlns:a16="http://schemas.microsoft.com/office/drawing/2014/main" id="{9B5E465D-33FA-D8E2-0301-3C403E3F90A4}"/>
+              </a:ext>
+            </a:extLst>
+          </p:cNvPr>
+          <p:cNvSpPr txBox="1"/>
+          <p:nvPr/>
+        </p:nvSpPr>
+        <p:spPr>
+          <a:xfrm rot="16200000">
+            <a:off x="3964194" y="9144936"/>
+            <a:ext cx="5096267" cy="923330"/>
+          </a:xfrm>
+          <a:prstGeom prst="rect">
+            <a:avLst/>
+          </a:prstGeom>
+          <a:noFill/>
+        </p:spPr>
+        <p:txBody>
+          <a:bodyPr wrap="none" rtlCol="0">
+            <a:spAutoFit/>
+          </a:bodyPr>
+          <a:lstStyle/>
+          <a:p>
+            <a:r>
+              <a:rPr lang="de-DE" sz="5400" dirty="0"/>
+              <a:t>Case: Min </a:t>
+            </a:r>
+            <a:r>
+              <a:rPr lang="de-DE" sz="5400" b="1" dirty="0" err="1"/>
+              <a:t>or</a:t>
+            </a:r>
+            <a:r>
+              <a:rPr lang="de-DE" sz="5400" dirty="0"/>
+              <a:t> Max</a:t>
+            </a:r>
+          </a:p>
+        </p:txBody>
+      </p:sp>
+      <p:sp>
+        <p:nvSpPr>
+          <p:cNvPr id="183" name="Textfeld 182">
+            <a:extLst>
+              <a:ext uri="{FF2B5EF4-FFF2-40B4-BE49-F238E27FC236}">
+                <a16:creationId xmlns:a16="http://schemas.microsoft.com/office/drawing/2014/main" id="{F66A7D24-A730-93A3-8AD6-67264DDAA1C1}"/>
+              </a:ext>
+            </a:extLst>
+          </p:cNvPr>
+          <p:cNvSpPr txBox="1"/>
+          <p:nvPr/>
+        </p:nvSpPr>
+        <p:spPr>
+          <a:xfrm rot="16200000">
+            <a:off x="1552579" y="23536682"/>
+            <a:ext cx="5573962" cy="923330"/>
+          </a:xfrm>
+          <a:prstGeom prst="rect">
+            <a:avLst/>
+          </a:prstGeom>
+          <a:noFill/>
+        </p:spPr>
+        <p:txBody>
+          <a:bodyPr wrap="none" rtlCol="0">
+            <a:spAutoFit/>
+          </a:bodyPr>
+          <a:lstStyle/>
+          <a:p>
+            <a:r>
+              <a:rPr lang="de-DE" sz="5400" dirty="0"/>
+              <a:t>Case: Min </a:t>
+            </a:r>
+            <a:r>
+              <a:rPr lang="de-DE" sz="5400" b="1" dirty="0"/>
+              <a:t>and</a:t>
+            </a:r>
+            <a:r>
+              <a:rPr lang="de-DE" sz="5400" dirty="0"/>
+              <a:t> Max</a:t>
+            </a:r>
           </a:p>
         </p:txBody>
       </p:sp>
@@ -19946,6 +22931,94 @@
             <a:avLst>
               <a:gd name="adj1" fmla="val 9232260"/>
             </a:avLst>
+          </a:prstGeom>
+          <a:ln w="152400">
+            <a:solidFill>
+              <a:schemeClr val="tx1"/>
+            </a:solidFill>
+            <a:tailEnd type="triangle"/>
+          </a:ln>
+        </p:spPr>
+        <p:style>
+          <a:lnRef idx="1">
+            <a:schemeClr val="accent1"/>
+          </a:lnRef>
+          <a:fillRef idx="0">
+            <a:schemeClr val="accent1"/>
+          </a:fillRef>
+          <a:effectRef idx="0">
+            <a:schemeClr val="accent1"/>
+          </a:effectRef>
+          <a:fontRef idx="minor">
+            <a:schemeClr val="tx1"/>
+          </a:fontRef>
+        </p:style>
+      </p:cxnSp>
+      <p:cxnSp>
+        <p:nvCxnSpPr>
+          <p:cNvPr id="3" name="Gerade Verbindung mit Pfeil 2">
+            <a:extLst>
+              <a:ext uri="{FF2B5EF4-FFF2-40B4-BE49-F238E27FC236}">
+                <a16:creationId xmlns:a16="http://schemas.microsoft.com/office/drawing/2014/main" id="{55FA6BD3-9B1D-9792-E530-3F39864BC9EC}"/>
+              </a:ext>
+            </a:extLst>
+          </p:cNvPr>
+          <p:cNvCxnSpPr>
+            <a:cxnSpLocks/>
+          </p:cNvCxnSpPr>
+          <p:nvPr/>
+        </p:nvCxnSpPr>
+        <p:spPr>
+          <a:xfrm>
+            <a:off x="13500100" y="8467385"/>
+            <a:ext cx="0" cy="1035613"/>
+          </a:xfrm>
+          <a:prstGeom prst="straightConnector1">
+            <a:avLst/>
+          </a:prstGeom>
+          <a:ln w="152400">
+            <a:solidFill>
+              <a:schemeClr val="tx1"/>
+            </a:solidFill>
+            <a:tailEnd type="triangle"/>
+          </a:ln>
+        </p:spPr>
+        <p:style>
+          <a:lnRef idx="1">
+            <a:schemeClr val="accent1"/>
+          </a:lnRef>
+          <a:fillRef idx="0">
+            <a:schemeClr val="accent1"/>
+          </a:fillRef>
+          <a:effectRef idx="0">
+            <a:schemeClr val="accent1"/>
+          </a:effectRef>
+          <a:fontRef idx="minor">
+            <a:schemeClr val="tx1"/>
+          </a:fontRef>
+        </p:style>
+      </p:cxnSp>
+      <p:cxnSp>
+        <p:nvCxnSpPr>
+          <p:cNvPr id="7" name="Gerade Verbindung mit Pfeil 6">
+            <a:extLst>
+              <a:ext uri="{FF2B5EF4-FFF2-40B4-BE49-F238E27FC236}">
+                <a16:creationId xmlns:a16="http://schemas.microsoft.com/office/drawing/2014/main" id="{BF6B70B7-A3EB-4ADF-715B-3F00404CC565}"/>
+              </a:ext>
+            </a:extLst>
+          </p:cNvPr>
+          <p:cNvCxnSpPr>
+            <a:cxnSpLocks/>
+          </p:cNvCxnSpPr>
+          <p:nvPr/>
+        </p:nvCxnSpPr>
+        <p:spPr>
+          <a:xfrm>
+            <a:off x="15962563" y="8467385"/>
+            <a:ext cx="0" cy="1035613"/>
+          </a:xfrm>
+          <a:prstGeom prst="straightConnector1">
+            <a:avLst/>
           </a:prstGeom>
           <a:ln w="152400">
             <a:solidFill>

--- a/materials/images_hochformat.pptx
+++ b/materials/images_hochformat.pptx
@@ -256,7 +256,7 @@
           <a:p>
             <a:fld id="{F39F49B5-785A-44C4-99F0-898FF83CD003}" type="datetimeFigureOut">
               <a:rPr lang="de-DE" smtClean="0"/>
-              <a:t>04.07.2025</a:t>
+              <a:t>11.07.2025</a:t>
             </a:fld>
             <a:endParaRPr lang="de-DE"/>
           </a:p>
@@ -426,7 +426,7 @@
           <a:p>
             <a:fld id="{F39F49B5-785A-44C4-99F0-898FF83CD003}" type="datetimeFigureOut">
               <a:rPr lang="de-DE" smtClean="0"/>
-              <a:t>04.07.2025</a:t>
+              <a:t>11.07.2025</a:t>
             </a:fld>
             <a:endParaRPr lang="de-DE"/>
           </a:p>
@@ -606,7 +606,7 @@
           <a:p>
             <a:fld id="{F39F49B5-785A-44C4-99F0-898FF83CD003}" type="datetimeFigureOut">
               <a:rPr lang="de-DE" smtClean="0"/>
-              <a:t>04.07.2025</a:t>
+              <a:t>11.07.2025</a:t>
             </a:fld>
             <a:endParaRPr lang="de-DE"/>
           </a:p>
@@ -776,7 +776,7 @@
           <a:p>
             <a:fld id="{F39F49B5-785A-44C4-99F0-898FF83CD003}" type="datetimeFigureOut">
               <a:rPr lang="de-DE" smtClean="0"/>
-              <a:t>04.07.2025</a:t>
+              <a:t>11.07.2025</a:t>
             </a:fld>
             <a:endParaRPr lang="de-DE"/>
           </a:p>
@@ -1020,7 +1020,7 @@
           <a:p>
             <a:fld id="{F39F49B5-785A-44C4-99F0-898FF83CD003}" type="datetimeFigureOut">
               <a:rPr lang="de-DE" smtClean="0"/>
-              <a:t>04.07.2025</a:t>
+              <a:t>11.07.2025</a:t>
             </a:fld>
             <a:endParaRPr lang="de-DE"/>
           </a:p>
@@ -1252,7 +1252,7 @@
           <a:p>
             <a:fld id="{F39F49B5-785A-44C4-99F0-898FF83CD003}" type="datetimeFigureOut">
               <a:rPr lang="de-DE" smtClean="0"/>
-              <a:t>04.07.2025</a:t>
+              <a:t>11.07.2025</a:t>
             </a:fld>
             <a:endParaRPr lang="de-DE"/>
           </a:p>
@@ -1619,7 +1619,7 @@
           <a:p>
             <a:fld id="{F39F49B5-785A-44C4-99F0-898FF83CD003}" type="datetimeFigureOut">
               <a:rPr lang="de-DE" smtClean="0"/>
-              <a:t>04.07.2025</a:t>
+              <a:t>11.07.2025</a:t>
             </a:fld>
             <a:endParaRPr lang="de-DE"/>
           </a:p>
@@ -1737,7 +1737,7 @@
           <a:p>
             <a:fld id="{F39F49B5-785A-44C4-99F0-898FF83CD003}" type="datetimeFigureOut">
               <a:rPr lang="de-DE" smtClean="0"/>
-              <a:t>04.07.2025</a:t>
+              <a:t>11.07.2025</a:t>
             </a:fld>
             <a:endParaRPr lang="de-DE"/>
           </a:p>
@@ -1832,7 +1832,7 @@
           <a:p>
             <a:fld id="{F39F49B5-785A-44C4-99F0-898FF83CD003}" type="datetimeFigureOut">
               <a:rPr lang="de-DE" smtClean="0"/>
-              <a:t>04.07.2025</a:t>
+              <a:t>11.07.2025</a:t>
             </a:fld>
             <a:endParaRPr lang="de-DE"/>
           </a:p>
@@ -2109,7 +2109,7 @@
           <a:p>
             <a:fld id="{F39F49B5-785A-44C4-99F0-898FF83CD003}" type="datetimeFigureOut">
               <a:rPr lang="de-DE" smtClean="0"/>
-              <a:t>04.07.2025</a:t>
+              <a:t>11.07.2025</a:t>
             </a:fld>
             <a:endParaRPr lang="de-DE"/>
           </a:p>
@@ -2366,7 +2366,7 @@
           <a:p>
             <a:fld id="{F39F49B5-785A-44C4-99F0-898FF83CD003}" type="datetimeFigureOut">
               <a:rPr lang="de-DE" smtClean="0"/>
-              <a:t>04.07.2025</a:t>
+              <a:t>11.07.2025</a:t>
             </a:fld>
             <a:endParaRPr lang="de-DE"/>
           </a:p>
@@ -2579,7 +2579,7 @@
           <a:p>
             <a:fld id="{F39F49B5-785A-44C4-99F0-898FF83CD003}" type="datetimeFigureOut">
               <a:rPr lang="de-DE" smtClean="0"/>
-              <a:t>04.07.2025</a:t>
+              <a:t>11.07.2025</a:t>
             </a:fld>
             <a:endParaRPr lang="de-DE"/>
           </a:p>
@@ -32230,8 +32230,8 @@
         </p:nvSpPr>
         <p:spPr>
           <a:xfrm>
-            <a:off x="9984014" y="4596240"/>
-            <a:ext cx="7032172" cy="2775864"/>
+            <a:off x="19887768" y="6789880"/>
+            <a:ext cx="5031397" cy="2775864"/>
           </a:xfrm>
           <a:prstGeom prst="rect">
             <a:avLst/>
@@ -32555,65 +32555,6 @@
           </a:p>
         </p:txBody>
       </p:sp>
-      <p:sp>
-        <p:nvSpPr>
-          <p:cNvPr id="9" name="Rechteck 8">
-            <a:extLst>
-              <a:ext uri="{FF2B5EF4-FFF2-40B4-BE49-F238E27FC236}">
-                <a16:creationId xmlns:a16="http://schemas.microsoft.com/office/drawing/2014/main" id="{4A7F91A8-6F48-CAD2-44D3-001531BDDBE3}"/>
-              </a:ext>
-            </a:extLst>
-          </p:cNvPr>
-          <p:cNvSpPr/>
-          <p:nvPr/>
-        </p:nvSpPr>
-        <p:spPr>
-          <a:xfrm>
-            <a:off x="9984014" y="22581643"/>
-            <a:ext cx="7032172" cy="2775864"/>
-          </a:xfrm>
-          <a:prstGeom prst="rect">
-            <a:avLst/>
-          </a:prstGeom>
-          <a:noFill/>
-          <a:ln>
-            <a:solidFill>
-              <a:schemeClr val="tx1"/>
-            </a:solidFill>
-          </a:ln>
-        </p:spPr>
-        <p:style>
-          <a:lnRef idx="2">
-            <a:schemeClr val="accent1">
-              <a:shade val="50000"/>
-            </a:schemeClr>
-          </a:lnRef>
-          <a:fillRef idx="1">
-            <a:schemeClr val="accent1"/>
-          </a:fillRef>
-          <a:effectRef idx="0">
-            <a:schemeClr val="accent1"/>
-          </a:effectRef>
-          <a:fontRef idx="minor">
-            <a:schemeClr val="lt1"/>
-          </a:fontRef>
-        </p:style>
-        <p:txBody>
-          <a:bodyPr rtlCol="0" anchor="ctr"/>
-          <a:lstStyle/>
-          <a:p>
-            <a:pPr algn="ctr"/>
-            <a:r>
-              <a:rPr lang="en-US" sz="5400" b="1" dirty="0">
-                <a:solidFill>
-                  <a:schemeClr val="tx1"/>
-                </a:solidFill>
-              </a:rPr>
-              <a:t>Pooling Layer</a:t>
-            </a:r>
-          </a:p>
-        </p:txBody>
-      </p:sp>
       <p:cxnSp>
         <p:nvCxnSpPr>
           <p:cNvPr id="11" name="Gerade Verbindung mit Pfeil 10">
@@ -32633,7 +32574,7 @@
         <p:spPr>
           <a:xfrm>
             <a:off x="13500100" y="3404778"/>
-            <a:ext cx="0" cy="1191462"/>
+            <a:ext cx="8903367" cy="3385102"/>
           </a:xfrm>
           <a:prstGeom prst="straightConnector1">
             <a:avLst/>
@@ -32672,152 +32613,14 @@
           <p:cNvCxnSpPr>
             <a:cxnSpLocks/>
             <a:stCxn id="38" idx="2"/>
-            <a:endCxn id="9" idx="0"/>
+            <a:endCxn id="120" idx="0"/>
           </p:cNvCxnSpPr>
           <p:nvPr/>
         </p:nvCxnSpPr>
         <p:spPr>
           <a:xfrm>
             <a:off x="13500100" y="21597981"/>
-            <a:ext cx="0" cy="983662"/>
-          </a:xfrm>
-          <a:prstGeom prst="straightConnector1">
-            <a:avLst/>
-          </a:prstGeom>
-          <a:ln w="152400">
-            <a:solidFill>
-              <a:schemeClr val="tx1"/>
-            </a:solidFill>
-            <a:tailEnd type="triangle"/>
-          </a:ln>
-        </p:spPr>
-        <p:style>
-          <a:lnRef idx="1">
-            <a:schemeClr val="accent1"/>
-          </a:lnRef>
-          <a:fillRef idx="0">
-            <a:schemeClr val="accent1"/>
-          </a:fillRef>
-          <a:effectRef idx="0">
-            <a:schemeClr val="accent1"/>
-          </a:effectRef>
-          <a:fontRef idx="minor">
-            <a:schemeClr val="tx1"/>
-          </a:fontRef>
-        </p:style>
-      </p:cxnSp>
-      <p:cxnSp>
-        <p:nvCxnSpPr>
-          <p:cNvPr id="21" name="Gerade Verbindung mit Pfeil 20">
-            <a:extLst>
-              <a:ext uri="{FF2B5EF4-FFF2-40B4-BE49-F238E27FC236}">
-                <a16:creationId xmlns:a16="http://schemas.microsoft.com/office/drawing/2014/main" id="{DEB94B7C-340F-84C0-7361-F688EF475C6E}"/>
-              </a:ext>
-            </a:extLst>
-          </p:cNvPr>
-          <p:cNvCxnSpPr>
-            <a:cxnSpLocks/>
-            <a:stCxn id="3" idx="2"/>
-            <a:endCxn id="4" idx="0"/>
-          </p:cNvCxnSpPr>
-          <p:nvPr/>
-        </p:nvCxnSpPr>
-        <p:spPr>
-          <a:xfrm flipH="1">
-            <a:off x="4828628" y="7372104"/>
-            <a:ext cx="8671472" cy="4167894"/>
-          </a:xfrm>
-          <a:prstGeom prst="straightConnector1">
-            <a:avLst/>
-          </a:prstGeom>
-          <a:ln w="152400">
-            <a:solidFill>
-              <a:schemeClr val="tx1"/>
-            </a:solidFill>
-            <a:tailEnd type="triangle"/>
-          </a:ln>
-        </p:spPr>
-        <p:style>
-          <a:lnRef idx="1">
-            <a:schemeClr val="accent1"/>
-          </a:lnRef>
-          <a:fillRef idx="0">
-            <a:schemeClr val="accent1"/>
-          </a:fillRef>
-          <a:effectRef idx="0">
-            <a:schemeClr val="accent1"/>
-          </a:effectRef>
-          <a:fontRef idx="minor">
-            <a:schemeClr val="tx1"/>
-          </a:fontRef>
-        </p:style>
-      </p:cxnSp>
-      <p:cxnSp>
-        <p:nvCxnSpPr>
-          <p:cNvPr id="25" name="Gerade Verbindung mit Pfeil 24">
-            <a:extLst>
-              <a:ext uri="{FF2B5EF4-FFF2-40B4-BE49-F238E27FC236}">
-                <a16:creationId xmlns:a16="http://schemas.microsoft.com/office/drawing/2014/main" id="{741E33DF-092E-24AC-7BEB-C4A0C2D11312}"/>
-              </a:ext>
-            </a:extLst>
-          </p:cNvPr>
-          <p:cNvCxnSpPr>
-            <a:cxnSpLocks/>
-            <a:stCxn id="3" idx="2"/>
-            <a:endCxn id="5" idx="0"/>
-          </p:cNvCxnSpPr>
-          <p:nvPr/>
-        </p:nvCxnSpPr>
-        <p:spPr>
-          <a:xfrm flipH="1">
-            <a:off x="10686908" y="7372104"/>
-            <a:ext cx="2813192" cy="4245766"/>
-          </a:xfrm>
-          <a:prstGeom prst="straightConnector1">
-            <a:avLst/>
-          </a:prstGeom>
-          <a:ln w="152400">
-            <a:solidFill>
-              <a:schemeClr val="tx1"/>
-            </a:solidFill>
-            <a:tailEnd type="triangle"/>
-          </a:ln>
-        </p:spPr>
-        <p:style>
-          <a:lnRef idx="1">
-            <a:schemeClr val="accent1"/>
-          </a:lnRef>
-          <a:fillRef idx="0">
-            <a:schemeClr val="accent1"/>
-          </a:fillRef>
-          <a:effectRef idx="0">
-            <a:schemeClr val="accent1"/>
-          </a:effectRef>
-          <a:fontRef idx="minor">
-            <a:schemeClr val="tx1"/>
-          </a:fontRef>
-        </p:style>
-      </p:cxnSp>
-      <p:cxnSp>
-        <p:nvCxnSpPr>
-          <p:cNvPr id="29" name="Gerade Verbindung mit Pfeil 28">
-            <a:extLst>
-              <a:ext uri="{FF2B5EF4-FFF2-40B4-BE49-F238E27FC236}">
-                <a16:creationId xmlns:a16="http://schemas.microsoft.com/office/drawing/2014/main" id="{ECC8CEFC-B659-C3F8-3D2D-964407F3A764}"/>
-              </a:ext>
-            </a:extLst>
-          </p:cNvPr>
-          <p:cNvCxnSpPr>
-            <a:cxnSpLocks/>
-            <a:stCxn id="3" idx="2"/>
-            <a:endCxn id="7" idx="0"/>
-          </p:cNvCxnSpPr>
-          <p:nvPr/>
-        </p:nvCxnSpPr>
-        <p:spPr>
-          <a:xfrm>
-            <a:off x="13500100" y="7372104"/>
-            <a:ext cx="3045088" cy="4245766"/>
+            <a:ext cx="0" cy="1682565"/>
           </a:xfrm>
           <a:prstGeom prst="straightConnector1">
             <a:avLst/>
@@ -32862,8 +32665,8 @@
         </p:nvCxnSpPr>
         <p:spPr>
           <a:xfrm>
-            <a:off x="13500100" y="7372104"/>
-            <a:ext cx="8903368" cy="4227385"/>
+            <a:off x="22403467" y="9565744"/>
+            <a:ext cx="1" cy="2033745"/>
           </a:xfrm>
           <a:prstGeom prst="straightConnector1">
             <a:avLst/>
@@ -33133,53 +32936,6 @@
           </a:fontRef>
         </p:style>
       </p:cxnSp>
-      <p:cxnSp>
-        <p:nvCxnSpPr>
-          <p:cNvPr id="114" name="Verbinder: gewinkelt 113">
-            <a:extLst>
-              <a:ext uri="{FF2B5EF4-FFF2-40B4-BE49-F238E27FC236}">
-                <a16:creationId xmlns:a16="http://schemas.microsoft.com/office/drawing/2014/main" id="{48B73BCD-3119-D4CD-CB1F-FDD409775DBE}"/>
-              </a:ext>
-            </a:extLst>
-          </p:cNvPr>
-          <p:cNvCxnSpPr>
-            <a:stCxn id="3" idx="1"/>
-          </p:cNvCxnSpPr>
-          <p:nvPr/>
-        </p:nvCxnSpPr>
-        <p:spPr>
-          <a:xfrm rot="10800000" flipV="1">
-            <a:off x="9984014" y="5984172"/>
-            <a:ext cx="12700" cy="14373260"/>
-          </a:xfrm>
-          <a:prstGeom prst="bentConnector4">
-            <a:avLst>
-              <a:gd name="adj1" fmla="val 70957890"/>
-              <a:gd name="adj2" fmla="val 100031"/>
-            </a:avLst>
-          </a:prstGeom>
-          <a:ln w="152400">
-            <a:solidFill>
-              <a:schemeClr val="tx1"/>
-            </a:solidFill>
-            <a:tailEnd type="triangle"/>
-          </a:ln>
-        </p:spPr>
-        <p:style>
-          <a:lnRef idx="1">
-            <a:schemeClr val="accent1"/>
-          </a:lnRef>
-          <a:fillRef idx="0">
-            <a:schemeClr val="accent1"/>
-          </a:fillRef>
-          <a:effectRef idx="0">
-            <a:schemeClr val="accent1"/>
-          </a:effectRef>
-          <a:fontRef idx="minor">
-            <a:schemeClr val="tx1"/>
-          </a:fontRef>
-        </p:style>
-      </p:cxnSp>
       <p:sp>
         <p:nvSpPr>
           <p:cNvPr id="120" name="Rechteck 119">
@@ -33194,7 +32950,7 @@
         </p:nvSpPr>
         <p:spPr>
           <a:xfrm>
-            <a:off x="9996714" y="26341169"/>
+            <a:off x="9984014" y="23280546"/>
             <a:ext cx="7032172" cy="2775864"/>
           </a:xfrm>
           <a:prstGeom prst="rect">
@@ -33239,29 +32995,589 @@
           </a:p>
         </p:txBody>
       </p:sp>
+      <p:sp>
+        <p:nvSpPr>
+          <p:cNvPr id="24" name="Rechteck 23">
+            <a:extLst>
+              <a:ext uri="{FF2B5EF4-FFF2-40B4-BE49-F238E27FC236}">
+                <a16:creationId xmlns:a16="http://schemas.microsoft.com/office/drawing/2014/main" id="{A99620F9-32C6-CB7F-D167-8F35FDC578B5}"/>
+              </a:ext>
+            </a:extLst>
+          </p:cNvPr>
+          <p:cNvSpPr/>
+          <p:nvPr/>
+        </p:nvSpPr>
+        <p:spPr>
+          <a:xfrm>
+            <a:off x="14029488" y="6856301"/>
+            <a:ext cx="5031397" cy="2775864"/>
+          </a:xfrm>
+          <a:prstGeom prst="rect">
+            <a:avLst/>
+          </a:prstGeom>
+          <a:noFill/>
+          <a:ln>
+            <a:solidFill>
+              <a:schemeClr val="tx1"/>
+            </a:solidFill>
+          </a:ln>
+        </p:spPr>
+        <p:style>
+          <a:lnRef idx="2">
+            <a:schemeClr val="accent1">
+              <a:shade val="50000"/>
+            </a:schemeClr>
+          </a:lnRef>
+          <a:fillRef idx="1">
+            <a:schemeClr val="accent1"/>
+          </a:fillRef>
+          <a:effectRef idx="0">
+            <a:schemeClr val="accent1"/>
+          </a:effectRef>
+          <a:fontRef idx="minor">
+            <a:schemeClr val="lt1"/>
+          </a:fontRef>
+        </p:style>
+        <p:txBody>
+          <a:bodyPr rtlCol="0" anchor="ctr"/>
+          <a:lstStyle/>
+          <a:p>
+            <a:pPr algn="ctr"/>
+            <a:r>
+              <a:rPr lang="en-US" sz="5400" b="1" dirty="0">
+                <a:solidFill>
+                  <a:schemeClr val="tx1"/>
+                </a:solidFill>
+              </a:rPr>
+              <a:t>Feature Layer</a:t>
+            </a:r>
+          </a:p>
+        </p:txBody>
+      </p:sp>
+      <p:sp>
+        <p:nvSpPr>
+          <p:cNvPr id="26" name="Rechteck 25">
+            <a:extLst>
+              <a:ext uri="{FF2B5EF4-FFF2-40B4-BE49-F238E27FC236}">
+                <a16:creationId xmlns:a16="http://schemas.microsoft.com/office/drawing/2014/main" id="{A2EF1D31-AA34-07F7-DD24-CF2850BAA90B}"/>
+              </a:ext>
+            </a:extLst>
+          </p:cNvPr>
+          <p:cNvSpPr/>
+          <p:nvPr/>
+        </p:nvSpPr>
+        <p:spPr>
+          <a:xfrm>
+            <a:off x="8171207" y="6856301"/>
+            <a:ext cx="5031397" cy="2775864"/>
+          </a:xfrm>
+          <a:prstGeom prst="rect">
+            <a:avLst/>
+          </a:prstGeom>
+          <a:noFill/>
+          <a:ln>
+            <a:solidFill>
+              <a:schemeClr val="tx1"/>
+            </a:solidFill>
+          </a:ln>
+        </p:spPr>
+        <p:style>
+          <a:lnRef idx="2">
+            <a:schemeClr val="accent1">
+              <a:shade val="50000"/>
+            </a:schemeClr>
+          </a:lnRef>
+          <a:fillRef idx="1">
+            <a:schemeClr val="accent1"/>
+          </a:fillRef>
+          <a:effectRef idx="0">
+            <a:schemeClr val="accent1"/>
+          </a:effectRef>
+          <a:fontRef idx="minor">
+            <a:schemeClr val="lt1"/>
+          </a:fontRef>
+        </p:style>
+        <p:txBody>
+          <a:bodyPr rtlCol="0" anchor="ctr"/>
+          <a:lstStyle/>
+          <a:p>
+            <a:pPr algn="ctr"/>
+            <a:r>
+              <a:rPr lang="en-US" sz="5400" b="1" dirty="0">
+                <a:solidFill>
+                  <a:schemeClr val="tx1"/>
+                </a:solidFill>
+              </a:rPr>
+              <a:t>Feature Layer</a:t>
+            </a:r>
+          </a:p>
+        </p:txBody>
+      </p:sp>
+      <p:sp>
+        <p:nvSpPr>
+          <p:cNvPr id="27" name="Rechteck 26">
+            <a:extLst>
+              <a:ext uri="{FF2B5EF4-FFF2-40B4-BE49-F238E27FC236}">
+                <a16:creationId xmlns:a16="http://schemas.microsoft.com/office/drawing/2014/main" id="{09D2FAC6-C504-05A9-167F-C1C66CF129A8}"/>
+              </a:ext>
+            </a:extLst>
+          </p:cNvPr>
+          <p:cNvSpPr/>
+          <p:nvPr/>
+        </p:nvSpPr>
+        <p:spPr>
+          <a:xfrm>
+            <a:off x="2312927" y="6856301"/>
+            <a:ext cx="5031397" cy="2775864"/>
+          </a:xfrm>
+          <a:prstGeom prst="rect">
+            <a:avLst/>
+          </a:prstGeom>
+          <a:noFill/>
+          <a:ln>
+            <a:solidFill>
+              <a:schemeClr val="tx1"/>
+            </a:solidFill>
+          </a:ln>
+        </p:spPr>
+        <p:style>
+          <a:lnRef idx="2">
+            <a:schemeClr val="accent1">
+              <a:shade val="50000"/>
+            </a:schemeClr>
+          </a:lnRef>
+          <a:fillRef idx="1">
+            <a:schemeClr val="accent1"/>
+          </a:fillRef>
+          <a:effectRef idx="0">
+            <a:schemeClr val="accent1"/>
+          </a:effectRef>
+          <a:fontRef idx="minor">
+            <a:schemeClr val="lt1"/>
+          </a:fontRef>
+        </p:style>
+        <p:txBody>
+          <a:bodyPr rtlCol="0" anchor="ctr"/>
+          <a:lstStyle/>
+          <a:p>
+            <a:pPr algn="ctr"/>
+            <a:r>
+              <a:rPr lang="en-US" sz="5400" b="1" dirty="0">
+                <a:solidFill>
+                  <a:schemeClr val="tx1"/>
+                </a:solidFill>
+              </a:rPr>
+              <a:t>Feature Layer</a:t>
+            </a:r>
+          </a:p>
+        </p:txBody>
+      </p:sp>
       <p:cxnSp>
         <p:nvCxnSpPr>
-          <p:cNvPr id="121" name="Gerade Verbindung mit Pfeil 120">
-            <a:extLst>
-              <a:ext uri="{FF2B5EF4-FFF2-40B4-BE49-F238E27FC236}">
-                <a16:creationId xmlns:a16="http://schemas.microsoft.com/office/drawing/2014/main" id="{8F1B5F2D-5CE0-505E-7F1E-304949C7927F}"/>
+          <p:cNvPr id="30" name="Gerade Verbindung mit Pfeil 29">
+            <a:extLst>
+              <a:ext uri="{FF2B5EF4-FFF2-40B4-BE49-F238E27FC236}">
+                <a16:creationId xmlns:a16="http://schemas.microsoft.com/office/drawing/2014/main" id="{7B74CB4B-408B-24D4-F721-C537FCBD4F1D}"/>
               </a:ext>
             </a:extLst>
           </p:cNvPr>
           <p:cNvCxnSpPr>
             <a:cxnSpLocks/>
-            <a:stCxn id="9" idx="2"/>
-            <a:endCxn id="120" idx="0"/>
+            <a:stCxn id="24" idx="2"/>
+            <a:endCxn id="7" idx="0"/>
           </p:cNvCxnSpPr>
           <p:nvPr/>
         </p:nvCxnSpPr>
         <p:spPr>
           <a:xfrm>
-            <a:off x="13500100" y="25357507"/>
-            <a:ext cx="12700" cy="983662"/>
+            <a:off x="16545187" y="9632165"/>
+            <a:ext cx="1" cy="1985705"/>
           </a:xfrm>
           <a:prstGeom prst="straightConnector1">
             <a:avLst/>
+          </a:prstGeom>
+          <a:ln w="152400">
+            <a:solidFill>
+              <a:schemeClr val="tx1"/>
+            </a:solidFill>
+            <a:tailEnd type="triangle"/>
+          </a:ln>
+        </p:spPr>
+        <p:style>
+          <a:lnRef idx="1">
+            <a:schemeClr val="accent1"/>
+          </a:lnRef>
+          <a:fillRef idx="0">
+            <a:schemeClr val="accent1"/>
+          </a:fillRef>
+          <a:effectRef idx="0">
+            <a:schemeClr val="accent1"/>
+          </a:effectRef>
+          <a:fontRef idx="minor">
+            <a:schemeClr val="tx1"/>
+          </a:fontRef>
+        </p:style>
+      </p:cxnSp>
+      <p:cxnSp>
+        <p:nvCxnSpPr>
+          <p:cNvPr id="37" name="Gerade Verbindung mit Pfeil 36">
+            <a:extLst>
+              <a:ext uri="{FF2B5EF4-FFF2-40B4-BE49-F238E27FC236}">
+                <a16:creationId xmlns:a16="http://schemas.microsoft.com/office/drawing/2014/main" id="{FE504FCA-0EF0-EDC5-5919-D89840C89A4F}"/>
+              </a:ext>
+            </a:extLst>
+          </p:cNvPr>
+          <p:cNvCxnSpPr>
+            <a:cxnSpLocks/>
+            <a:stCxn id="26" idx="2"/>
+            <a:endCxn id="5" idx="0"/>
+          </p:cNvCxnSpPr>
+          <p:nvPr/>
+        </p:nvCxnSpPr>
+        <p:spPr>
+          <a:xfrm>
+            <a:off x="10686906" y="9632165"/>
+            <a:ext cx="2" cy="1985705"/>
+          </a:xfrm>
+          <a:prstGeom prst="straightConnector1">
+            <a:avLst/>
+          </a:prstGeom>
+          <a:ln w="152400">
+            <a:solidFill>
+              <a:schemeClr val="tx1"/>
+            </a:solidFill>
+            <a:tailEnd type="triangle"/>
+          </a:ln>
+        </p:spPr>
+        <p:style>
+          <a:lnRef idx="1">
+            <a:schemeClr val="accent1"/>
+          </a:lnRef>
+          <a:fillRef idx="0">
+            <a:schemeClr val="accent1"/>
+          </a:fillRef>
+          <a:effectRef idx="0">
+            <a:schemeClr val="accent1"/>
+          </a:effectRef>
+          <a:fontRef idx="minor">
+            <a:schemeClr val="tx1"/>
+          </a:fontRef>
+        </p:style>
+      </p:cxnSp>
+      <p:cxnSp>
+        <p:nvCxnSpPr>
+          <p:cNvPr id="43" name="Gerade Verbindung mit Pfeil 42">
+            <a:extLst>
+              <a:ext uri="{FF2B5EF4-FFF2-40B4-BE49-F238E27FC236}">
+                <a16:creationId xmlns:a16="http://schemas.microsoft.com/office/drawing/2014/main" id="{5EDD910B-FF13-9C03-216A-FD207DBE5DE4}"/>
+              </a:ext>
+            </a:extLst>
+          </p:cNvPr>
+          <p:cNvCxnSpPr>
+            <a:cxnSpLocks/>
+            <a:stCxn id="27" idx="2"/>
+            <a:endCxn id="4" idx="0"/>
+          </p:cNvCxnSpPr>
+          <p:nvPr/>
+        </p:nvCxnSpPr>
+        <p:spPr>
+          <a:xfrm>
+            <a:off x="4828626" y="9632165"/>
+            <a:ext cx="2" cy="1907833"/>
+          </a:xfrm>
+          <a:prstGeom prst="straightConnector1">
+            <a:avLst/>
+          </a:prstGeom>
+          <a:ln w="152400">
+            <a:solidFill>
+              <a:schemeClr val="tx1"/>
+            </a:solidFill>
+            <a:tailEnd type="triangle"/>
+          </a:ln>
+        </p:spPr>
+        <p:style>
+          <a:lnRef idx="1">
+            <a:schemeClr val="accent1"/>
+          </a:lnRef>
+          <a:fillRef idx="0">
+            <a:schemeClr val="accent1"/>
+          </a:fillRef>
+          <a:effectRef idx="0">
+            <a:schemeClr val="accent1"/>
+          </a:effectRef>
+          <a:fontRef idx="minor">
+            <a:schemeClr val="tx1"/>
+          </a:fontRef>
+        </p:style>
+      </p:cxnSp>
+      <p:sp>
+        <p:nvSpPr>
+          <p:cNvPr id="50" name="Rechteck 49">
+            <a:extLst>
+              <a:ext uri="{FF2B5EF4-FFF2-40B4-BE49-F238E27FC236}">
+                <a16:creationId xmlns:a16="http://schemas.microsoft.com/office/drawing/2014/main" id="{A6EE5187-F816-B2B0-2F0E-6FE696D4F79E}"/>
+              </a:ext>
+            </a:extLst>
+          </p:cNvPr>
+          <p:cNvSpPr/>
+          <p:nvPr/>
+        </p:nvSpPr>
+        <p:spPr>
+          <a:xfrm>
+            <a:off x="2312927" y="628914"/>
+            <a:ext cx="5031397" cy="2775864"/>
+          </a:xfrm>
+          <a:prstGeom prst="rect">
+            <a:avLst/>
+          </a:prstGeom>
+          <a:noFill/>
+          <a:ln>
+            <a:solidFill>
+              <a:schemeClr val="tx1"/>
+            </a:solidFill>
+          </a:ln>
+        </p:spPr>
+        <p:style>
+          <a:lnRef idx="2">
+            <a:schemeClr val="accent1">
+              <a:shade val="50000"/>
+            </a:schemeClr>
+          </a:lnRef>
+          <a:fillRef idx="1">
+            <a:schemeClr val="accent1"/>
+          </a:fillRef>
+          <a:effectRef idx="0">
+            <a:schemeClr val="accent1"/>
+          </a:effectRef>
+          <a:fontRef idx="minor">
+            <a:schemeClr val="lt1"/>
+          </a:fontRef>
+        </p:style>
+        <p:txBody>
+          <a:bodyPr rtlCol="0" anchor="ctr"/>
+          <a:lstStyle/>
+          <a:p>
+            <a:pPr algn="ctr"/>
+            <a:r>
+              <a:rPr lang="en-US" sz="5400" b="1" dirty="0">
+                <a:solidFill>
+                  <a:schemeClr val="tx1"/>
+                </a:solidFill>
+              </a:rPr>
+              <a:t>Feature Layer</a:t>
+            </a:r>
+          </a:p>
+        </p:txBody>
+      </p:sp>
+      <p:cxnSp>
+        <p:nvCxnSpPr>
+          <p:cNvPr id="51" name="Gerade Verbindung mit Pfeil 50">
+            <a:extLst>
+              <a:ext uri="{FF2B5EF4-FFF2-40B4-BE49-F238E27FC236}">
+                <a16:creationId xmlns:a16="http://schemas.microsoft.com/office/drawing/2014/main" id="{B16C95DF-E129-12A6-D23D-C6A35FADB406}"/>
+              </a:ext>
+            </a:extLst>
+          </p:cNvPr>
+          <p:cNvCxnSpPr>
+            <a:cxnSpLocks/>
+            <a:stCxn id="2" idx="2"/>
+            <a:endCxn id="24" idx="0"/>
+          </p:cNvCxnSpPr>
+          <p:nvPr/>
+        </p:nvCxnSpPr>
+        <p:spPr>
+          <a:xfrm>
+            <a:off x="13500100" y="3404778"/>
+            <a:ext cx="3045087" cy="3451523"/>
+          </a:xfrm>
+          <a:prstGeom prst="straightConnector1">
+            <a:avLst/>
+          </a:prstGeom>
+          <a:ln w="152400">
+            <a:solidFill>
+              <a:schemeClr val="tx1"/>
+            </a:solidFill>
+            <a:tailEnd type="triangle"/>
+          </a:ln>
+        </p:spPr>
+        <p:style>
+          <a:lnRef idx="1">
+            <a:schemeClr val="accent1"/>
+          </a:lnRef>
+          <a:fillRef idx="0">
+            <a:schemeClr val="accent1"/>
+          </a:fillRef>
+          <a:effectRef idx="0">
+            <a:schemeClr val="accent1"/>
+          </a:effectRef>
+          <a:fontRef idx="minor">
+            <a:schemeClr val="tx1"/>
+          </a:fontRef>
+        </p:style>
+      </p:cxnSp>
+      <p:cxnSp>
+        <p:nvCxnSpPr>
+          <p:cNvPr id="53" name="Gerade Verbindung mit Pfeil 52">
+            <a:extLst>
+              <a:ext uri="{FF2B5EF4-FFF2-40B4-BE49-F238E27FC236}">
+                <a16:creationId xmlns:a16="http://schemas.microsoft.com/office/drawing/2014/main" id="{106AB19C-268D-48DB-C44B-EB645D5B2CA5}"/>
+              </a:ext>
+            </a:extLst>
+          </p:cNvPr>
+          <p:cNvCxnSpPr>
+            <a:cxnSpLocks/>
+            <a:stCxn id="2" idx="2"/>
+            <a:endCxn id="26" idx="0"/>
+          </p:cNvCxnSpPr>
+          <p:nvPr/>
+        </p:nvCxnSpPr>
+        <p:spPr>
+          <a:xfrm flipH="1">
+            <a:off x="10686906" y="3404778"/>
+            <a:ext cx="2813194" cy="3451523"/>
+          </a:xfrm>
+          <a:prstGeom prst="straightConnector1">
+            <a:avLst/>
+          </a:prstGeom>
+          <a:ln w="152400">
+            <a:solidFill>
+              <a:schemeClr val="tx1"/>
+            </a:solidFill>
+            <a:tailEnd type="triangle"/>
+          </a:ln>
+        </p:spPr>
+        <p:style>
+          <a:lnRef idx="1">
+            <a:schemeClr val="accent1"/>
+          </a:lnRef>
+          <a:fillRef idx="0">
+            <a:schemeClr val="accent1"/>
+          </a:fillRef>
+          <a:effectRef idx="0">
+            <a:schemeClr val="accent1"/>
+          </a:effectRef>
+          <a:fontRef idx="minor">
+            <a:schemeClr val="tx1"/>
+          </a:fontRef>
+        </p:style>
+      </p:cxnSp>
+      <p:cxnSp>
+        <p:nvCxnSpPr>
+          <p:cNvPr id="55" name="Gerade Verbindung mit Pfeil 54">
+            <a:extLst>
+              <a:ext uri="{FF2B5EF4-FFF2-40B4-BE49-F238E27FC236}">
+                <a16:creationId xmlns:a16="http://schemas.microsoft.com/office/drawing/2014/main" id="{8FE3697F-3D13-A71E-A8DF-21FA12617FCE}"/>
+              </a:ext>
+            </a:extLst>
+          </p:cNvPr>
+          <p:cNvCxnSpPr>
+            <a:cxnSpLocks/>
+            <a:stCxn id="2" idx="2"/>
+            <a:endCxn id="27" idx="0"/>
+          </p:cNvCxnSpPr>
+          <p:nvPr/>
+        </p:nvCxnSpPr>
+        <p:spPr>
+          <a:xfrm flipH="1">
+            <a:off x="4828626" y="3404778"/>
+            <a:ext cx="8671474" cy="3451523"/>
+          </a:xfrm>
+          <a:prstGeom prst="straightConnector1">
+            <a:avLst/>
+          </a:prstGeom>
+          <a:ln w="152400">
+            <a:solidFill>
+              <a:schemeClr val="tx1"/>
+            </a:solidFill>
+            <a:tailEnd type="triangle"/>
+          </a:ln>
+        </p:spPr>
+        <p:style>
+          <a:lnRef idx="1">
+            <a:schemeClr val="accent1"/>
+          </a:lnRef>
+          <a:fillRef idx="0">
+            <a:schemeClr val="accent1"/>
+          </a:fillRef>
+          <a:effectRef idx="0">
+            <a:schemeClr val="accent1"/>
+          </a:effectRef>
+          <a:fontRef idx="minor">
+            <a:schemeClr val="tx1"/>
+          </a:fontRef>
+        </p:style>
+      </p:cxnSp>
+      <p:cxnSp>
+        <p:nvCxnSpPr>
+          <p:cNvPr id="63" name="Gerade Verbindung mit Pfeil 62">
+            <a:extLst>
+              <a:ext uri="{FF2B5EF4-FFF2-40B4-BE49-F238E27FC236}">
+                <a16:creationId xmlns:a16="http://schemas.microsoft.com/office/drawing/2014/main" id="{CCE2EEBB-4881-4991-A188-3A5F35D70EBC}"/>
+              </a:ext>
+            </a:extLst>
+          </p:cNvPr>
+          <p:cNvCxnSpPr>
+            <a:cxnSpLocks/>
+            <a:stCxn id="2" idx="1"/>
+            <a:endCxn id="50" idx="3"/>
+          </p:cNvCxnSpPr>
+          <p:nvPr/>
+        </p:nvCxnSpPr>
+        <p:spPr>
+          <a:xfrm flipH="1">
+            <a:off x="7344324" y="2016846"/>
+            <a:ext cx="2639690" cy="0"/>
+          </a:xfrm>
+          <a:prstGeom prst="straightConnector1">
+            <a:avLst/>
+          </a:prstGeom>
+          <a:ln w="152400">
+            <a:solidFill>
+              <a:schemeClr val="tx1"/>
+            </a:solidFill>
+            <a:tailEnd type="triangle"/>
+          </a:ln>
+        </p:spPr>
+        <p:style>
+          <a:lnRef idx="1">
+            <a:schemeClr val="accent1"/>
+          </a:lnRef>
+          <a:fillRef idx="0">
+            <a:schemeClr val="accent1"/>
+          </a:fillRef>
+          <a:effectRef idx="0">
+            <a:schemeClr val="accent1"/>
+          </a:effectRef>
+          <a:fontRef idx="minor">
+            <a:schemeClr val="tx1"/>
+          </a:fontRef>
+        </p:style>
+      </p:cxnSp>
+      <p:cxnSp>
+        <p:nvCxnSpPr>
+          <p:cNvPr id="67" name="Verbinder: gewinkelt 66">
+            <a:extLst>
+              <a:ext uri="{FF2B5EF4-FFF2-40B4-BE49-F238E27FC236}">
+                <a16:creationId xmlns:a16="http://schemas.microsoft.com/office/drawing/2014/main" id="{460E2CC5-F2F8-61A0-1159-F9AED412D1B1}"/>
+              </a:ext>
+            </a:extLst>
+          </p:cNvPr>
+          <p:cNvCxnSpPr>
+            <a:cxnSpLocks/>
+            <a:stCxn id="50" idx="1"/>
+            <a:endCxn id="38" idx="1"/>
+          </p:cNvCxnSpPr>
+          <p:nvPr/>
+        </p:nvCxnSpPr>
+        <p:spPr>
+          <a:xfrm rot="10800000" flipH="1" flipV="1">
+            <a:off x="2312926" y="2016845"/>
+            <a:ext cx="7671087" cy="18193203"/>
+          </a:xfrm>
+          <a:prstGeom prst="bentConnector3">
+            <a:avLst>
+              <a:gd name="adj1" fmla="val -7594"/>
+            </a:avLst>
           </a:prstGeom>
           <a:ln w="152400">
             <a:solidFill>

--- a/materials/images_hochformat.pptx
+++ b/materials/images_hochformat.pptx
@@ -256,7 +256,7 @@
           <a:p>
             <a:fld id="{F39F49B5-785A-44C4-99F0-898FF83CD003}" type="datetimeFigureOut">
               <a:rPr lang="de-DE" smtClean="0"/>
-              <a:t>11.07.2025</a:t>
+              <a:t>14.07.2025</a:t>
             </a:fld>
             <a:endParaRPr lang="de-DE"/>
           </a:p>
@@ -426,7 +426,7 @@
           <a:p>
             <a:fld id="{F39F49B5-785A-44C4-99F0-898FF83CD003}" type="datetimeFigureOut">
               <a:rPr lang="de-DE" smtClean="0"/>
-              <a:t>11.07.2025</a:t>
+              <a:t>14.07.2025</a:t>
             </a:fld>
             <a:endParaRPr lang="de-DE"/>
           </a:p>
@@ -606,7 +606,7 @@
           <a:p>
             <a:fld id="{F39F49B5-785A-44C4-99F0-898FF83CD003}" type="datetimeFigureOut">
               <a:rPr lang="de-DE" smtClean="0"/>
-              <a:t>11.07.2025</a:t>
+              <a:t>14.07.2025</a:t>
             </a:fld>
             <a:endParaRPr lang="de-DE"/>
           </a:p>
@@ -776,7 +776,7 @@
           <a:p>
             <a:fld id="{F39F49B5-785A-44C4-99F0-898FF83CD003}" type="datetimeFigureOut">
               <a:rPr lang="de-DE" smtClean="0"/>
-              <a:t>11.07.2025</a:t>
+              <a:t>14.07.2025</a:t>
             </a:fld>
             <a:endParaRPr lang="de-DE"/>
           </a:p>
@@ -1020,7 +1020,7 @@
           <a:p>
             <a:fld id="{F39F49B5-785A-44C4-99F0-898FF83CD003}" type="datetimeFigureOut">
               <a:rPr lang="de-DE" smtClean="0"/>
-              <a:t>11.07.2025</a:t>
+              <a:t>14.07.2025</a:t>
             </a:fld>
             <a:endParaRPr lang="de-DE"/>
           </a:p>
@@ -1252,7 +1252,7 @@
           <a:p>
             <a:fld id="{F39F49B5-785A-44C4-99F0-898FF83CD003}" type="datetimeFigureOut">
               <a:rPr lang="de-DE" smtClean="0"/>
-              <a:t>11.07.2025</a:t>
+              <a:t>14.07.2025</a:t>
             </a:fld>
             <a:endParaRPr lang="de-DE"/>
           </a:p>
@@ -1619,7 +1619,7 @@
           <a:p>
             <a:fld id="{F39F49B5-785A-44C4-99F0-898FF83CD003}" type="datetimeFigureOut">
               <a:rPr lang="de-DE" smtClean="0"/>
-              <a:t>11.07.2025</a:t>
+              <a:t>14.07.2025</a:t>
             </a:fld>
             <a:endParaRPr lang="de-DE"/>
           </a:p>
@@ -1737,7 +1737,7 @@
           <a:p>
             <a:fld id="{F39F49B5-785A-44C4-99F0-898FF83CD003}" type="datetimeFigureOut">
               <a:rPr lang="de-DE" smtClean="0"/>
-              <a:t>11.07.2025</a:t>
+              <a:t>14.07.2025</a:t>
             </a:fld>
             <a:endParaRPr lang="de-DE"/>
           </a:p>
@@ -1832,7 +1832,7 @@
           <a:p>
             <a:fld id="{F39F49B5-785A-44C4-99F0-898FF83CD003}" type="datetimeFigureOut">
               <a:rPr lang="de-DE" smtClean="0"/>
-              <a:t>11.07.2025</a:t>
+              <a:t>14.07.2025</a:t>
             </a:fld>
             <a:endParaRPr lang="de-DE"/>
           </a:p>
@@ -2109,7 +2109,7 @@
           <a:p>
             <a:fld id="{F39F49B5-785A-44C4-99F0-898FF83CD003}" type="datetimeFigureOut">
               <a:rPr lang="de-DE" smtClean="0"/>
-              <a:t>11.07.2025</a:t>
+              <a:t>14.07.2025</a:t>
             </a:fld>
             <a:endParaRPr lang="de-DE"/>
           </a:p>
@@ -2366,7 +2366,7 @@
           <a:p>
             <a:fld id="{F39F49B5-785A-44C4-99F0-898FF83CD003}" type="datetimeFigureOut">
               <a:rPr lang="de-DE" smtClean="0"/>
-              <a:t>11.07.2025</a:t>
+              <a:t>14.07.2025</a:t>
             </a:fld>
             <a:endParaRPr lang="de-DE"/>
           </a:p>
@@ -2579,7 +2579,7 @@
           <a:p>
             <a:fld id="{F39F49B5-785A-44C4-99F0-898FF83CD003}" type="datetimeFigureOut">
               <a:rPr lang="de-DE" smtClean="0"/>
-              <a:t>11.07.2025</a:t>
+              <a:t>14.07.2025</a:t>
             </a:fld>
             <a:endParaRPr lang="de-DE"/>
           </a:p>
@@ -22302,7 +22302,7 @@
                   <a:schemeClr val="tx1"/>
                 </a:solidFill>
               </a:rPr>
-              <a:t>Activation</a:t>
+              <a:t>Attention</a:t>
             </a:r>
           </a:p>
         </p:txBody>

--- a/materials/images_hochformat.pptx
+++ b/materials/images_hochformat.pptx
@@ -256,7 +256,7 @@
           <a:p>
             <a:fld id="{F39F49B5-785A-44C4-99F0-898FF83CD003}" type="datetimeFigureOut">
               <a:rPr lang="de-DE" smtClean="0"/>
-              <a:t>14.07.2025</a:t>
+              <a:t>17.07.2025</a:t>
             </a:fld>
             <a:endParaRPr lang="de-DE"/>
           </a:p>
@@ -426,7 +426,7 @@
           <a:p>
             <a:fld id="{F39F49B5-785A-44C4-99F0-898FF83CD003}" type="datetimeFigureOut">
               <a:rPr lang="de-DE" smtClean="0"/>
-              <a:t>14.07.2025</a:t>
+              <a:t>17.07.2025</a:t>
             </a:fld>
             <a:endParaRPr lang="de-DE"/>
           </a:p>
@@ -606,7 +606,7 @@
           <a:p>
             <a:fld id="{F39F49B5-785A-44C4-99F0-898FF83CD003}" type="datetimeFigureOut">
               <a:rPr lang="de-DE" smtClean="0"/>
-              <a:t>14.07.2025</a:t>
+              <a:t>17.07.2025</a:t>
             </a:fld>
             <a:endParaRPr lang="de-DE"/>
           </a:p>
@@ -776,7 +776,7 @@
           <a:p>
             <a:fld id="{F39F49B5-785A-44C4-99F0-898FF83CD003}" type="datetimeFigureOut">
               <a:rPr lang="de-DE" smtClean="0"/>
-              <a:t>14.07.2025</a:t>
+              <a:t>17.07.2025</a:t>
             </a:fld>
             <a:endParaRPr lang="de-DE"/>
           </a:p>
@@ -1020,7 +1020,7 @@
           <a:p>
             <a:fld id="{F39F49B5-785A-44C4-99F0-898FF83CD003}" type="datetimeFigureOut">
               <a:rPr lang="de-DE" smtClean="0"/>
-              <a:t>14.07.2025</a:t>
+              <a:t>17.07.2025</a:t>
             </a:fld>
             <a:endParaRPr lang="de-DE"/>
           </a:p>
@@ -1252,7 +1252,7 @@
           <a:p>
             <a:fld id="{F39F49B5-785A-44C4-99F0-898FF83CD003}" type="datetimeFigureOut">
               <a:rPr lang="de-DE" smtClean="0"/>
-              <a:t>14.07.2025</a:t>
+              <a:t>17.07.2025</a:t>
             </a:fld>
             <a:endParaRPr lang="de-DE"/>
           </a:p>
@@ -1619,7 +1619,7 @@
           <a:p>
             <a:fld id="{F39F49B5-785A-44C4-99F0-898FF83CD003}" type="datetimeFigureOut">
               <a:rPr lang="de-DE" smtClean="0"/>
-              <a:t>14.07.2025</a:t>
+              <a:t>17.07.2025</a:t>
             </a:fld>
             <a:endParaRPr lang="de-DE"/>
           </a:p>
@@ -1737,7 +1737,7 @@
           <a:p>
             <a:fld id="{F39F49B5-785A-44C4-99F0-898FF83CD003}" type="datetimeFigureOut">
               <a:rPr lang="de-DE" smtClean="0"/>
-              <a:t>14.07.2025</a:t>
+              <a:t>17.07.2025</a:t>
             </a:fld>
             <a:endParaRPr lang="de-DE"/>
           </a:p>
@@ -1832,7 +1832,7 @@
           <a:p>
             <a:fld id="{F39F49B5-785A-44C4-99F0-898FF83CD003}" type="datetimeFigureOut">
               <a:rPr lang="de-DE" smtClean="0"/>
-              <a:t>14.07.2025</a:t>
+              <a:t>17.07.2025</a:t>
             </a:fld>
             <a:endParaRPr lang="de-DE"/>
           </a:p>
@@ -2109,7 +2109,7 @@
           <a:p>
             <a:fld id="{F39F49B5-785A-44C4-99F0-898FF83CD003}" type="datetimeFigureOut">
               <a:rPr lang="de-DE" smtClean="0"/>
-              <a:t>14.07.2025</a:t>
+              <a:t>17.07.2025</a:t>
             </a:fld>
             <a:endParaRPr lang="de-DE"/>
           </a:p>
@@ -2366,7 +2366,7 @@
           <a:p>
             <a:fld id="{F39F49B5-785A-44C4-99F0-898FF83CD003}" type="datetimeFigureOut">
               <a:rPr lang="de-DE" smtClean="0"/>
-              <a:t>14.07.2025</a:t>
+              <a:t>17.07.2025</a:t>
             </a:fld>
             <a:endParaRPr lang="de-DE"/>
           </a:p>
@@ -2579,7 +2579,7 @@
           <a:p>
             <a:fld id="{F39F49B5-785A-44C4-99F0-898FF83CD003}" type="datetimeFigureOut">
               <a:rPr lang="de-DE" smtClean="0"/>
-              <a:t>14.07.2025</a:t>
+              <a:t>17.07.2025</a:t>
             </a:fld>
             <a:endParaRPr lang="de-DE"/>
           </a:p>
@@ -22033,8 +22033,8 @@
         </p:nvSpPr>
         <p:spPr>
           <a:xfrm>
-            <a:off x="9027241" y="6430562"/>
-            <a:ext cx="11598442" cy="11975425"/>
+            <a:off x="9027241" y="4377713"/>
+            <a:ext cx="11598442" cy="14028275"/>
           </a:xfrm>
           <a:prstGeom prst="roundRect">
             <a:avLst/>
@@ -22073,6 +22073,1124 @@
       </p:sp>
       <p:sp>
         <p:nvSpPr>
+          <p:cNvPr id="12" name="Rechteck 11">
+            <a:extLst>
+              <a:ext uri="{FF2B5EF4-FFF2-40B4-BE49-F238E27FC236}">
+                <a16:creationId xmlns:a16="http://schemas.microsoft.com/office/drawing/2014/main" id="{F47730CF-82A1-3D97-9B33-B9659A484F6A}"/>
+              </a:ext>
+            </a:extLst>
+          </p:cNvPr>
+          <p:cNvSpPr/>
+          <p:nvPr/>
+        </p:nvSpPr>
+        <p:spPr>
+          <a:xfrm>
+            <a:off x="11310376" y="9502998"/>
+            <a:ext cx="7032172" cy="1336244"/>
+          </a:xfrm>
+          <a:prstGeom prst="rect">
+            <a:avLst/>
+          </a:prstGeom>
+          <a:noFill/>
+          <a:ln>
+            <a:solidFill>
+              <a:schemeClr val="tx1"/>
+            </a:solidFill>
+          </a:ln>
+        </p:spPr>
+        <p:style>
+          <a:lnRef idx="2">
+            <a:schemeClr val="accent1">
+              <a:shade val="50000"/>
+            </a:schemeClr>
+          </a:lnRef>
+          <a:fillRef idx="1">
+            <a:schemeClr val="accent1"/>
+          </a:fillRef>
+          <a:effectRef idx="0">
+            <a:schemeClr val="accent1"/>
+          </a:effectRef>
+          <a:fontRef idx="minor">
+            <a:schemeClr val="lt1"/>
+          </a:fontRef>
+        </p:style>
+        <p:txBody>
+          <a:bodyPr rtlCol="0" anchor="ctr"/>
+          <a:lstStyle/>
+          <a:p>
+            <a:pPr algn="ctr"/>
+            <a:r>
+              <a:rPr lang="en-US" sz="5400" b="1" dirty="0">
+                <a:solidFill>
+                  <a:schemeClr val="tx1"/>
+                </a:solidFill>
+              </a:rPr>
+              <a:t>Concatenate</a:t>
+            </a:r>
+          </a:p>
+        </p:txBody>
+      </p:sp>
+      <p:sp>
+        <p:nvSpPr>
+          <p:cNvPr id="13" name="Rechteck 12">
+            <a:extLst>
+              <a:ext uri="{FF2B5EF4-FFF2-40B4-BE49-F238E27FC236}">
+                <a16:creationId xmlns:a16="http://schemas.microsoft.com/office/drawing/2014/main" id="{D4C75B1B-1F8B-B9E0-F491-2B722CA074B3}"/>
+              </a:ext>
+            </a:extLst>
+          </p:cNvPr>
+          <p:cNvSpPr/>
+          <p:nvPr/>
+        </p:nvSpPr>
+        <p:spPr>
+          <a:xfrm>
+            <a:off x="11310376" y="11874855"/>
+            <a:ext cx="7032172" cy="1336244"/>
+          </a:xfrm>
+          <a:prstGeom prst="rect">
+            <a:avLst/>
+          </a:prstGeom>
+          <a:noFill/>
+          <a:ln>
+            <a:solidFill>
+              <a:schemeClr val="tx1"/>
+            </a:solidFill>
+          </a:ln>
+        </p:spPr>
+        <p:style>
+          <a:lnRef idx="2">
+            <a:schemeClr val="accent1">
+              <a:shade val="50000"/>
+            </a:schemeClr>
+          </a:lnRef>
+          <a:fillRef idx="1">
+            <a:schemeClr val="accent1"/>
+          </a:fillRef>
+          <a:effectRef idx="0">
+            <a:schemeClr val="accent1"/>
+          </a:effectRef>
+          <a:fontRef idx="minor">
+            <a:schemeClr val="lt1"/>
+          </a:fontRef>
+        </p:style>
+        <p:txBody>
+          <a:bodyPr rtlCol="0" anchor="ctr"/>
+          <a:lstStyle/>
+          <a:p>
+            <a:pPr algn="ctr"/>
+            <a:r>
+              <a:rPr lang="en-US" sz="5400" b="1" dirty="0">
+                <a:solidFill>
+                  <a:schemeClr val="tx1"/>
+                </a:solidFill>
+              </a:rPr>
+              <a:t>Attention</a:t>
+            </a:r>
+          </a:p>
+        </p:txBody>
+      </p:sp>
+      <p:cxnSp>
+        <p:nvCxnSpPr>
+          <p:cNvPr id="15" name="Gerade Verbindung mit Pfeil 14">
+            <a:extLst>
+              <a:ext uri="{FF2B5EF4-FFF2-40B4-BE49-F238E27FC236}">
+                <a16:creationId xmlns:a16="http://schemas.microsoft.com/office/drawing/2014/main" id="{50107676-436C-4215-F408-F6C3368E5710}"/>
+              </a:ext>
+            </a:extLst>
+          </p:cNvPr>
+          <p:cNvCxnSpPr>
+            <a:cxnSpLocks/>
+            <a:stCxn id="10" idx="2"/>
+            <a:endCxn id="12" idx="0"/>
+          </p:cNvCxnSpPr>
+          <p:nvPr/>
+        </p:nvCxnSpPr>
+        <p:spPr>
+          <a:xfrm>
+            <a:off x="14826461" y="8691697"/>
+            <a:ext cx="1" cy="811301"/>
+          </a:xfrm>
+          <a:prstGeom prst="straightConnector1">
+            <a:avLst/>
+          </a:prstGeom>
+          <a:ln w="152400">
+            <a:solidFill>
+              <a:schemeClr val="tx1"/>
+            </a:solidFill>
+            <a:tailEnd type="triangle"/>
+          </a:ln>
+        </p:spPr>
+        <p:style>
+          <a:lnRef idx="1">
+            <a:schemeClr val="accent1"/>
+          </a:lnRef>
+          <a:fillRef idx="0">
+            <a:schemeClr val="accent1"/>
+          </a:fillRef>
+          <a:effectRef idx="0">
+            <a:schemeClr val="accent1"/>
+          </a:effectRef>
+          <a:fontRef idx="minor">
+            <a:schemeClr val="tx1"/>
+          </a:fontRef>
+        </p:style>
+      </p:cxnSp>
+      <p:cxnSp>
+        <p:nvCxnSpPr>
+          <p:cNvPr id="16" name="Gerade Verbindung mit Pfeil 15">
+            <a:extLst>
+              <a:ext uri="{FF2B5EF4-FFF2-40B4-BE49-F238E27FC236}">
+                <a16:creationId xmlns:a16="http://schemas.microsoft.com/office/drawing/2014/main" id="{D25DF7DE-0945-7F80-3BD2-EF97A89D52B5}"/>
+              </a:ext>
+            </a:extLst>
+          </p:cNvPr>
+          <p:cNvCxnSpPr>
+            <a:stCxn id="12" idx="2"/>
+            <a:endCxn id="13" idx="0"/>
+          </p:cNvCxnSpPr>
+          <p:nvPr/>
+        </p:nvCxnSpPr>
+        <p:spPr>
+          <a:xfrm>
+            <a:off x="14826462" y="10839242"/>
+            <a:ext cx="0" cy="1035613"/>
+          </a:xfrm>
+          <a:prstGeom prst="straightConnector1">
+            <a:avLst/>
+          </a:prstGeom>
+          <a:ln w="152400">
+            <a:solidFill>
+              <a:schemeClr val="tx1"/>
+            </a:solidFill>
+            <a:tailEnd type="triangle"/>
+          </a:ln>
+        </p:spPr>
+        <p:style>
+          <a:lnRef idx="1">
+            <a:schemeClr val="accent1"/>
+          </a:lnRef>
+          <a:fillRef idx="0">
+            <a:schemeClr val="accent1"/>
+          </a:fillRef>
+          <a:effectRef idx="0">
+            <a:schemeClr val="accent1"/>
+          </a:effectRef>
+          <a:fontRef idx="minor">
+            <a:schemeClr val="tx1"/>
+          </a:fontRef>
+        </p:style>
+      </p:cxnSp>
+      <p:sp>
+        <p:nvSpPr>
+          <p:cNvPr id="25" name="Rechteck 24">
+            <a:extLst>
+              <a:ext uri="{FF2B5EF4-FFF2-40B4-BE49-F238E27FC236}">
+                <a16:creationId xmlns:a16="http://schemas.microsoft.com/office/drawing/2014/main" id="{A5104653-98BF-F557-E467-1C72EFE55C4E}"/>
+              </a:ext>
+            </a:extLst>
+          </p:cNvPr>
+          <p:cNvSpPr/>
+          <p:nvPr/>
+        </p:nvSpPr>
+        <p:spPr>
+          <a:xfrm>
+            <a:off x="11310376" y="14223615"/>
+            <a:ext cx="7032172" cy="1336244"/>
+          </a:xfrm>
+          <a:prstGeom prst="rect">
+            <a:avLst/>
+          </a:prstGeom>
+          <a:noFill/>
+          <a:ln>
+            <a:solidFill>
+              <a:schemeClr val="tx1"/>
+            </a:solidFill>
+          </a:ln>
+        </p:spPr>
+        <p:style>
+          <a:lnRef idx="2">
+            <a:schemeClr val="accent1">
+              <a:shade val="50000"/>
+            </a:schemeClr>
+          </a:lnRef>
+          <a:fillRef idx="1">
+            <a:schemeClr val="accent1"/>
+          </a:fillRef>
+          <a:effectRef idx="0">
+            <a:schemeClr val="accent1"/>
+          </a:effectRef>
+          <a:fontRef idx="minor">
+            <a:schemeClr val="lt1"/>
+          </a:fontRef>
+        </p:style>
+        <p:txBody>
+          <a:bodyPr rtlCol="0" anchor="ctr"/>
+          <a:lstStyle/>
+          <a:p>
+            <a:pPr algn="ctr"/>
+            <a:r>
+              <a:rPr lang="en-US" sz="5400" b="1" dirty="0">
+                <a:solidFill>
+                  <a:schemeClr val="tx1"/>
+                </a:solidFill>
+              </a:rPr>
+              <a:t>Weighted Sum</a:t>
+            </a:r>
+          </a:p>
+        </p:txBody>
+      </p:sp>
+      <p:cxnSp>
+        <p:nvCxnSpPr>
+          <p:cNvPr id="31" name="Gerade Verbindung mit Pfeil 30">
+            <a:extLst>
+              <a:ext uri="{FF2B5EF4-FFF2-40B4-BE49-F238E27FC236}">
+                <a16:creationId xmlns:a16="http://schemas.microsoft.com/office/drawing/2014/main" id="{A52E6239-BD7B-5F43-FEAF-30D59FC180C0}"/>
+              </a:ext>
+            </a:extLst>
+          </p:cNvPr>
+          <p:cNvCxnSpPr>
+            <a:cxnSpLocks/>
+            <a:stCxn id="13" idx="2"/>
+            <a:endCxn id="25" idx="0"/>
+          </p:cNvCxnSpPr>
+          <p:nvPr/>
+        </p:nvCxnSpPr>
+        <p:spPr>
+          <a:xfrm>
+            <a:off x="14826462" y="13211099"/>
+            <a:ext cx="0" cy="1012516"/>
+          </a:xfrm>
+          <a:prstGeom prst="straightConnector1">
+            <a:avLst/>
+          </a:prstGeom>
+          <a:ln w="152400">
+            <a:solidFill>
+              <a:schemeClr val="tx1"/>
+            </a:solidFill>
+            <a:tailEnd type="triangle"/>
+          </a:ln>
+        </p:spPr>
+        <p:style>
+          <a:lnRef idx="1">
+            <a:schemeClr val="accent1"/>
+          </a:lnRef>
+          <a:fillRef idx="0">
+            <a:schemeClr val="accent1"/>
+          </a:fillRef>
+          <a:effectRef idx="0">
+            <a:schemeClr val="accent1"/>
+          </a:effectRef>
+          <a:fontRef idx="minor">
+            <a:schemeClr val="tx1"/>
+          </a:fontRef>
+        </p:style>
+      </p:cxnSp>
+      <p:cxnSp>
+        <p:nvCxnSpPr>
+          <p:cNvPr id="33" name="Gerade Verbindung mit Pfeil 32">
+            <a:extLst>
+              <a:ext uri="{FF2B5EF4-FFF2-40B4-BE49-F238E27FC236}">
+                <a16:creationId xmlns:a16="http://schemas.microsoft.com/office/drawing/2014/main" id="{860387E1-A9AD-5883-8F74-656E01C3F623}"/>
+              </a:ext>
+            </a:extLst>
+          </p:cNvPr>
+          <p:cNvCxnSpPr>
+            <a:cxnSpLocks/>
+            <a:stCxn id="25" idx="2"/>
+            <a:endCxn id="92" idx="0"/>
+          </p:cNvCxnSpPr>
+          <p:nvPr/>
+        </p:nvCxnSpPr>
+        <p:spPr>
+          <a:xfrm>
+            <a:off x="14826462" y="15559859"/>
+            <a:ext cx="0" cy="1012516"/>
+          </a:xfrm>
+          <a:prstGeom prst="straightConnector1">
+            <a:avLst/>
+          </a:prstGeom>
+          <a:ln w="152400">
+            <a:solidFill>
+              <a:schemeClr val="tx1"/>
+            </a:solidFill>
+            <a:tailEnd type="triangle"/>
+          </a:ln>
+        </p:spPr>
+        <p:style>
+          <a:lnRef idx="1">
+            <a:schemeClr val="accent1"/>
+          </a:lnRef>
+          <a:fillRef idx="0">
+            <a:schemeClr val="accent1"/>
+          </a:fillRef>
+          <a:effectRef idx="0">
+            <a:schemeClr val="accent1"/>
+          </a:effectRef>
+          <a:fontRef idx="minor">
+            <a:schemeClr val="tx1"/>
+          </a:fontRef>
+        </p:style>
+      </p:cxnSp>
+      <p:sp>
+        <p:nvSpPr>
+          <p:cNvPr id="92" name="Rechteck 91">
+            <a:extLst>
+              <a:ext uri="{FF2B5EF4-FFF2-40B4-BE49-F238E27FC236}">
+                <a16:creationId xmlns:a16="http://schemas.microsoft.com/office/drawing/2014/main" id="{D1637578-6A3F-1845-69CD-F6CC168DE4F2}"/>
+              </a:ext>
+            </a:extLst>
+          </p:cNvPr>
+          <p:cNvSpPr/>
+          <p:nvPr/>
+        </p:nvSpPr>
+        <p:spPr>
+          <a:xfrm>
+            <a:off x="11310376" y="16572375"/>
+            <a:ext cx="7032172" cy="1336244"/>
+          </a:xfrm>
+          <a:prstGeom prst="rect">
+            <a:avLst/>
+          </a:prstGeom>
+          <a:noFill/>
+          <a:ln>
+            <a:solidFill>
+              <a:schemeClr val="tx1"/>
+            </a:solidFill>
+          </a:ln>
+        </p:spPr>
+        <p:style>
+          <a:lnRef idx="2">
+            <a:schemeClr val="accent1">
+              <a:shade val="50000"/>
+            </a:schemeClr>
+          </a:lnRef>
+          <a:fillRef idx="1">
+            <a:schemeClr val="accent1"/>
+          </a:fillRef>
+          <a:effectRef idx="0">
+            <a:schemeClr val="accent1"/>
+          </a:effectRef>
+          <a:fontRef idx="minor">
+            <a:schemeClr val="lt1"/>
+          </a:fontRef>
+        </p:style>
+        <p:txBody>
+          <a:bodyPr rtlCol="0" anchor="ctr"/>
+          <a:lstStyle/>
+          <a:p>
+            <a:pPr algn="ctr"/>
+            <a:r>
+              <a:rPr lang="en-US" sz="5400" b="1" dirty="0">
+                <a:solidFill>
+                  <a:schemeClr val="tx1"/>
+                </a:solidFill>
+              </a:rPr>
+              <a:t>Pooling Over Features</a:t>
+            </a:r>
+          </a:p>
+        </p:txBody>
+      </p:sp>
+      <p:cxnSp>
+        <p:nvCxnSpPr>
+          <p:cNvPr id="94" name="Gerade Verbindung mit Pfeil 93">
+            <a:extLst>
+              <a:ext uri="{FF2B5EF4-FFF2-40B4-BE49-F238E27FC236}">
+                <a16:creationId xmlns:a16="http://schemas.microsoft.com/office/drawing/2014/main" id="{3B0B94B7-11D7-7BB8-5181-750275689757}"/>
+              </a:ext>
+            </a:extLst>
+          </p:cNvPr>
+          <p:cNvCxnSpPr>
+            <a:cxnSpLocks/>
+            <a:stCxn id="92" idx="2"/>
+          </p:cNvCxnSpPr>
+          <p:nvPr/>
+        </p:nvCxnSpPr>
+        <p:spPr>
+          <a:xfrm>
+            <a:off x="14826462" y="17908619"/>
+            <a:ext cx="0" cy="2149187"/>
+          </a:xfrm>
+          <a:prstGeom prst="straightConnector1">
+            <a:avLst/>
+          </a:prstGeom>
+          <a:ln w="152400">
+            <a:solidFill>
+              <a:schemeClr val="tx1"/>
+            </a:solidFill>
+            <a:tailEnd type="triangle"/>
+          </a:ln>
+        </p:spPr>
+        <p:style>
+          <a:lnRef idx="1">
+            <a:schemeClr val="accent1"/>
+          </a:lnRef>
+          <a:fillRef idx="0">
+            <a:schemeClr val="accent1"/>
+          </a:fillRef>
+          <a:effectRef idx="0">
+            <a:schemeClr val="accent1"/>
+          </a:effectRef>
+          <a:fontRef idx="minor">
+            <a:schemeClr val="tx1"/>
+          </a:fontRef>
+        </p:style>
+      </p:cxnSp>
+      <p:cxnSp>
+        <p:nvCxnSpPr>
+          <p:cNvPr id="103" name="Gerade Verbindung mit Pfeil 102">
+            <a:extLst>
+              <a:ext uri="{FF2B5EF4-FFF2-40B4-BE49-F238E27FC236}">
+                <a16:creationId xmlns:a16="http://schemas.microsoft.com/office/drawing/2014/main" id="{BA0C9B52-0437-3515-F1F1-753F5AB11E90}"/>
+              </a:ext>
+            </a:extLst>
+          </p:cNvPr>
+          <p:cNvCxnSpPr>
+            <a:cxnSpLocks/>
+            <a:stCxn id="8" idx="2"/>
+            <a:endCxn id="4" idx="0"/>
+          </p:cNvCxnSpPr>
+          <p:nvPr/>
+        </p:nvCxnSpPr>
+        <p:spPr>
+          <a:xfrm>
+            <a:off x="6714290" y="4039048"/>
+            <a:ext cx="4831562" cy="1319733"/>
+          </a:xfrm>
+          <a:prstGeom prst="straightConnector1">
+            <a:avLst/>
+          </a:prstGeom>
+          <a:ln w="152400">
+            <a:solidFill>
+              <a:schemeClr val="tx1"/>
+            </a:solidFill>
+            <a:tailEnd type="triangle"/>
+          </a:ln>
+        </p:spPr>
+        <p:style>
+          <a:lnRef idx="1">
+            <a:schemeClr val="accent1"/>
+          </a:lnRef>
+          <a:fillRef idx="0">
+            <a:schemeClr val="accent1"/>
+          </a:fillRef>
+          <a:effectRef idx="0">
+            <a:schemeClr val="accent1"/>
+          </a:effectRef>
+          <a:fontRef idx="minor">
+            <a:schemeClr val="tx1"/>
+          </a:fontRef>
+        </p:style>
+      </p:cxnSp>
+      <p:cxnSp>
+        <p:nvCxnSpPr>
+          <p:cNvPr id="106" name="Gerade Verbindung mit Pfeil 105">
+            <a:extLst>
+              <a:ext uri="{FF2B5EF4-FFF2-40B4-BE49-F238E27FC236}">
+                <a16:creationId xmlns:a16="http://schemas.microsoft.com/office/drawing/2014/main" id="{977FE689-4625-6BDD-315A-7A54E706E45F}"/>
+              </a:ext>
+            </a:extLst>
+          </p:cNvPr>
+          <p:cNvCxnSpPr>
+            <a:cxnSpLocks/>
+            <a:stCxn id="52" idx="2"/>
+            <a:endCxn id="14" idx="0"/>
+          </p:cNvCxnSpPr>
+          <p:nvPr/>
+        </p:nvCxnSpPr>
+        <p:spPr>
+          <a:xfrm>
+            <a:off x="14826462" y="4039048"/>
+            <a:ext cx="1" cy="1319733"/>
+          </a:xfrm>
+          <a:prstGeom prst="straightConnector1">
+            <a:avLst/>
+          </a:prstGeom>
+          <a:ln w="152400">
+            <a:solidFill>
+              <a:schemeClr val="tx1"/>
+            </a:solidFill>
+            <a:tailEnd type="triangle"/>
+          </a:ln>
+        </p:spPr>
+        <p:style>
+          <a:lnRef idx="1">
+            <a:schemeClr val="accent1"/>
+          </a:lnRef>
+          <a:fillRef idx="0">
+            <a:schemeClr val="accent1"/>
+          </a:fillRef>
+          <a:effectRef idx="0">
+            <a:schemeClr val="accent1"/>
+          </a:effectRef>
+          <a:fontRef idx="minor">
+            <a:schemeClr val="tx1"/>
+          </a:fontRef>
+        </p:style>
+      </p:cxnSp>
+      <p:cxnSp>
+        <p:nvCxnSpPr>
+          <p:cNvPr id="109" name="Gerade Verbindung mit Pfeil 108">
+            <a:extLst>
+              <a:ext uri="{FF2B5EF4-FFF2-40B4-BE49-F238E27FC236}">
+                <a16:creationId xmlns:a16="http://schemas.microsoft.com/office/drawing/2014/main" id="{45A40FCE-2138-2EA6-9AB2-5142C5CED0B5}"/>
+              </a:ext>
+            </a:extLst>
+          </p:cNvPr>
+          <p:cNvCxnSpPr>
+            <a:cxnSpLocks/>
+            <a:stCxn id="88" idx="2"/>
+            <a:endCxn id="20" idx="0"/>
+          </p:cNvCxnSpPr>
+          <p:nvPr/>
+        </p:nvCxnSpPr>
+        <p:spPr>
+          <a:xfrm flipH="1">
+            <a:off x="18107073" y="4039048"/>
+            <a:ext cx="4831561" cy="1314041"/>
+          </a:xfrm>
+          <a:prstGeom prst="straightConnector1">
+            <a:avLst/>
+          </a:prstGeom>
+          <a:ln w="152400">
+            <a:solidFill>
+              <a:schemeClr val="tx1"/>
+            </a:solidFill>
+            <a:tailEnd type="triangle"/>
+          </a:ln>
+        </p:spPr>
+        <p:style>
+          <a:lnRef idx="1">
+            <a:schemeClr val="accent1"/>
+          </a:lnRef>
+          <a:fillRef idx="0">
+            <a:schemeClr val="accent1"/>
+          </a:fillRef>
+          <a:effectRef idx="0">
+            <a:schemeClr val="accent1"/>
+          </a:effectRef>
+          <a:fontRef idx="minor">
+            <a:schemeClr val="tx1"/>
+          </a:fontRef>
+        </p:style>
+      </p:cxnSp>
+      <p:cxnSp>
+        <p:nvCxnSpPr>
+          <p:cNvPr id="119" name="Verbinder: gewinkelt 118">
+            <a:extLst>
+              <a:ext uri="{FF2B5EF4-FFF2-40B4-BE49-F238E27FC236}">
+                <a16:creationId xmlns:a16="http://schemas.microsoft.com/office/drawing/2014/main" id="{526EE649-B4DD-A68B-0A2D-7050C12126B9}"/>
+              </a:ext>
+            </a:extLst>
+          </p:cNvPr>
+          <p:cNvCxnSpPr>
+            <a:cxnSpLocks/>
+            <a:stCxn id="12" idx="1"/>
+            <a:endCxn id="25" idx="1"/>
+          </p:cNvCxnSpPr>
+          <p:nvPr/>
+        </p:nvCxnSpPr>
+        <p:spPr>
+          <a:xfrm rot="10800000" flipV="1">
+            <a:off x="11310376" y="10171119"/>
+            <a:ext cx="12700" cy="4720617"/>
+          </a:xfrm>
+          <a:prstGeom prst="bentConnector3">
+            <a:avLst>
+              <a:gd name="adj1" fmla="val 9232260"/>
+            </a:avLst>
+          </a:prstGeom>
+          <a:ln w="152400">
+            <a:solidFill>
+              <a:schemeClr val="tx1"/>
+            </a:solidFill>
+            <a:tailEnd type="triangle"/>
+          </a:ln>
+        </p:spPr>
+        <p:style>
+          <a:lnRef idx="1">
+            <a:schemeClr val="accent1"/>
+          </a:lnRef>
+          <a:fillRef idx="0">
+            <a:schemeClr val="accent1"/>
+          </a:fillRef>
+          <a:effectRef idx="0">
+            <a:schemeClr val="accent1"/>
+          </a:effectRef>
+          <a:fontRef idx="minor">
+            <a:schemeClr val="tx1"/>
+          </a:fontRef>
+        </p:style>
+      </p:cxnSp>
+      <p:cxnSp>
+        <p:nvCxnSpPr>
+          <p:cNvPr id="3" name="Gerade Verbindung mit Pfeil 2">
+            <a:extLst>
+              <a:ext uri="{FF2B5EF4-FFF2-40B4-BE49-F238E27FC236}">
+                <a16:creationId xmlns:a16="http://schemas.microsoft.com/office/drawing/2014/main" id="{55FA6BD3-9B1D-9792-E530-3F39864BC9EC}"/>
+              </a:ext>
+            </a:extLst>
+          </p:cNvPr>
+          <p:cNvCxnSpPr>
+            <a:cxnSpLocks/>
+          </p:cNvCxnSpPr>
+          <p:nvPr/>
+        </p:nvCxnSpPr>
+        <p:spPr>
+          <a:xfrm>
+            <a:off x="13500100" y="8467385"/>
+            <a:ext cx="0" cy="1035613"/>
+          </a:xfrm>
+          <a:prstGeom prst="straightConnector1">
+            <a:avLst/>
+          </a:prstGeom>
+          <a:ln w="152400">
+            <a:solidFill>
+              <a:schemeClr val="tx1"/>
+            </a:solidFill>
+            <a:tailEnd type="triangle"/>
+          </a:ln>
+        </p:spPr>
+        <p:style>
+          <a:lnRef idx="1">
+            <a:schemeClr val="accent1"/>
+          </a:lnRef>
+          <a:fillRef idx="0">
+            <a:schemeClr val="accent1"/>
+          </a:fillRef>
+          <a:effectRef idx="0">
+            <a:schemeClr val="accent1"/>
+          </a:effectRef>
+          <a:fontRef idx="minor">
+            <a:schemeClr val="tx1"/>
+          </a:fontRef>
+        </p:style>
+      </p:cxnSp>
+      <p:cxnSp>
+        <p:nvCxnSpPr>
+          <p:cNvPr id="7" name="Gerade Verbindung mit Pfeil 6">
+            <a:extLst>
+              <a:ext uri="{FF2B5EF4-FFF2-40B4-BE49-F238E27FC236}">
+                <a16:creationId xmlns:a16="http://schemas.microsoft.com/office/drawing/2014/main" id="{BF6B70B7-A3EB-4ADF-715B-3F00404CC565}"/>
+              </a:ext>
+            </a:extLst>
+          </p:cNvPr>
+          <p:cNvCxnSpPr>
+            <a:cxnSpLocks/>
+          </p:cNvCxnSpPr>
+          <p:nvPr/>
+        </p:nvCxnSpPr>
+        <p:spPr>
+          <a:xfrm>
+            <a:off x="15962563" y="8467385"/>
+            <a:ext cx="0" cy="1035613"/>
+          </a:xfrm>
+          <a:prstGeom prst="straightConnector1">
+            <a:avLst/>
+          </a:prstGeom>
+          <a:ln w="152400">
+            <a:solidFill>
+              <a:schemeClr val="tx1"/>
+            </a:solidFill>
+            <a:tailEnd type="triangle"/>
+          </a:ln>
+        </p:spPr>
+        <p:style>
+          <a:lnRef idx="1">
+            <a:schemeClr val="accent1"/>
+          </a:lnRef>
+          <a:fillRef idx="0">
+            <a:schemeClr val="accent1"/>
+          </a:fillRef>
+          <a:effectRef idx="0">
+            <a:schemeClr val="accent1"/>
+          </a:effectRef>
+          <a:fontRef idx="minor">
+            <a:schemeClr val="tx1"/>
+          </a:fontRef>
+        </p:style>
+      </p:cxnSp>
+      <p:sp>
+        <p:nvSpPr>
+          <p:cNvPr id="4" name="Rechteck 3">
+            <a:extLst>
+              <a:ext uri="{FF2B5EF4-FFF2-40B4-BE49-F238E27FC236}">
+                <a16:creationId xmlns:a16="http://schemas.microsoft.com/office/drawing/2014/main" id="{54726A0D-8FA1-E68C-9683-C8079C731A5E}"/>
+              </a:ext>
+            </a:extLst>
+          </p:cNvPr>
+          <p:cNvSpPr/>
+          <p:nvPr/>
+        </p:nvSpPr>
+        <p:spPr>
+          <a:xfrm>
+            <a:off x="10281103" y="5358781"/>
+            <a:ext cx="2529497" cy="1336244"/>
+          </a:xfrm>
+          <a:prstGeom prst="rect">
+            <a:avLst/>
+          </a:prstGeom>
+          <a:noFill/>
+          <a:ln>
+            <a:solidFill>
+              <a:schemeClr val="tx1"/>
+            </a:solidFill>
+          </a:ln>
+        </p:spPr>
+        <p:style>
+          <a:lnRef idx="2">
+            <a:schemeClr val="accent1">
+              <a:shade val="50000"/>
+            </a:schemeClr>
+          </a:lnRef>
+          <a:fillRef idx="1">
+            <a:schemeClr val="accent1"/>
+          </a:fillRef>
+          <a:effectRef idx="0">
+            <a:schemeClr val="accent1"/>
+          </a:effectRef>
+          <a:fontRef idx="minor">
+            <a:schemeClr val="lt1"/>
+          </a:fontRef>
+        </p:style>
+        <p:txBody>
+          <a:bodyPr rtlCol="0" anchor="ctr"/>
+          <a:lstStyle/>
+          <a:p>
+            <a:pPr algn="ctr"/>
+            <a:r>
+              <a:rPr lang="en-US" sz="5400" b="1" dirty="0">
+                <a:solidFill>
+                  <a:schemeClr val="tx1"/>
+                </a:solidFill>
+              </a:rPr>
+              <a:t>Norm</a:t>
+            </a:r>
+          </a:p>
+        </p:txBody>
+      </p:sp>
+      <p:sp>
+        <p:nvSpPr>
+          <p:cNvPr id="14" name="Rechteck 13">
+            <a:extLst>
+              <a:ext uri="{FF2B5EF4-FFF2-40B4-BE49-F238E27FC236}">
+                <a16:creationId xmlns:a16="http://schemas.microsoft.com/office/drawing/2014/main" id="{24024FE1-9FBA-1FFB-3031-804CF520EE49}"/>
+              </a:ext>
+            </a:extLst>
+          </p:cNvPr>
+          <p:cNvSpPr/>
+          <p:nvPr/>
+        </p:nvSpPr>
+        <p:spPr>
+          <a:xfrm>
+            <a:off x="13561714" y="5358781"/>
+            <a:ext cx="2529497" cy="1336244"/>
+          </a:xfrm>
+          <a:prstGeom prst="rect">
+            <a:avLst/>
+          </a:prstGeom>
+          <a:noFill/>
+          <a:ln>
+            <a:solidFill>
+              <a:schemeClr val="tx1"/>
+            </a:solidFill>
+          </a:ln>
+        </p:spPr>
+        <p:style>
+          <a:lnRef idx="2">
+            <a:schemeClr val="accent1">
+              <a:shade val="50000"/>
+            </a:schemeClr>
+          </a:lnRef>
+          <a:fillRef idx="1">
+            <a:schemeClr val="accent1"/>
+          </a:fillRef>
+          <a:effectRef idx="0">
+            <a:schemeClr val="accent1"/>
+          </a:effectRef>
+          <a:fontRef idx="minor">
+            <a:schemeClr val="lt1"/>
+          </a:fontRef>
+        </p:style>
+        <p:txBody>
+          <a:bodyPr rtlCol="0" anchor="ctr"/>
+          <a:lstStyle/>
+          <a:p>
+            <a:pPr algn="ctr"/>
+            <a:r>
+              <a:rPr lang="en-US" sz="5400" b="1" dirty="0">
+                <a:solidFill>
+                  <a:schemeClr val="tx1"/>
+                </a:solidFill>
+              </a:rPr>
+              <a:t>Norm</a:t>
+            </a:r>
+          </a:p>
+        </p:txBody>
+      </p:sp>
+      <p:sp>
+        <p:nvSpPr>
+          <p:cNvPr id="20" name="Rechteck 19">
+            <a:extLst>
+              <a:ext uri="{FF2B5EF4-FFF2-40B4-BE49-F238E27FC236}">
+                <a16:creationId xmlns:a16="http://schemas.microsoft.com/office/drawing/2014/main" id="{25273B9C-5BA5-ABE3-4110-386D58FD8A34}"/>
+              </a:ext>
+            </a:extLst>
+          </p:cNvPr>
+          <p:cNvSpPr/>
+          <p:nvPr/>
+        </p:nvSpPr>
+        <p:spPr>
+          <a:xfrm>
+            <a:off x="16842324" y="5353089"/>
+            <a:ext cx="2529497" cy="1336244"/>
+          </a:xfrm>
+          <a:prstGeom prst="rect">
+            <a:avLst/>
+          </a:prstGeom>
+          <a:noFill/>
+          <a:ln>
+            <a:solidFill>
+              <a:schemeClr val="tx1"/>
+            </a:solidFill>
+          </a:ln>
+        </p:spPr>
+        <p:style>
+          <a:lnRef idx="2">
+            <a:schemeClr val="accent1">
+              <a:shade val="50000"/>
+            </a:schemeClr>
+          </a:lnRef>
+          <a:fillRef idx="1">
+            <a:schemeClr val="accent1"/>
+          </a:fillRef>
+          <a:effectRef idx="0">
+            <a:schemeClr val="accent1"/>
+          </a:effectRef>
+          <a:fontRef idx="minor">
+            <a:schemeClr val="lt1"/>
+          </a:fontRef>
+        </p:style>
+        <p:txBody>
+          <a:bodyPr rtlCol="0" anchor="ctr"/>
+          <a:lstStyle/>
+          <a:p>
+            <a:pPr algn="ctr"/>
+            <a:r>
+              <a:rPr lang="en-US" sz="5400" b="1" dirty="0">
+                <a:solidFill>
+                  <a:schemeClr val="tx1"/>
+                </a:solidFill>
+              </a:rPr>
+              <a:t>Norm</a:t>
+            </a:r>
+          </a:p>
+        </p:txBody>
+      </p:sp>
+      <p:cxnSp>
+        <p:nvCxnSpPr>
+          <p:cNvPr id="23" name="Gerade Verbindung mit Pfeil 22">
+            <a:extLst>
+              <a:ext uri="{FF2B5EF4-FFF2-40B4-BE49-F238E27FC236}">
+                <a16:creationId xmlns:a16="http://schemas.microsoft.com/office/drawing/2014/main" id="{033D1F21-9578-601A-0A3A-575EFC83D9B6}"/>
+              </a:ext>
+            </a:extLst>
+          </p:cNvPr>
+          <p:cNvCxnSpPr>
+            <a:cxnSpLocks/>
+            <a:stCxn id="14" idx="2"/>
+            <a:endCxn id="10" idx="0"/>
+          </p:cNvCxnSpPr>
+          <p:nvPr/>
+        </p:nvCxnSpPr>
+        <p:spPr>
+          <a:xfrm flipH="1">
+            <a:off x="14826461" y="6695025"/>
+            <a:ext cx="2" cy="660428"/>
+          </a:xfrm>
+          <a:prstGeom prst="straightConnector1">
+            <a:avLst/>
+          </a:prstGeom>
+          <a:ln w="152400">
+            <a:solidFill>
+              <a:schemeClr val="tx1"/>
+            </a:solidFill>
+            <a:tailEnd type="triangle"/>
+          </a:ln>
+        </p:spPr>
+        <p:style>
+          <a:lnRef idx="1">
+            <a:schemeClr val="accent1"/>
+          </a:lnRef>
+          <a:fillRef idx="0">
+            <a:schemeClr val="accent1"/>
+          </a:fillRef>
+          <a:effectRef idx="0">
+            <a:schemeClr val="accent1"/>
+          </a:effectRef>
+          <a:fontRef idx="minor">
+            <a:schemeClr val="tx1"/>
+          </a:fontRef>
+        </p:style>
+      </p:cxnSp>
+      <p:sp>
+        <p:nvSpPr>
+          <p:cNvPr id="10" name="Rechteck 9">
+            <a:extLst>
+              <a:ext uri="{FF2B5EF4-FFF2-40B4-BE49-F238E27FC236}">
+                <a16:creationId xmlns:a16="http://schemas.microsoft.com/office/drawing/2014/main" id="{ACBB428D-16CB-7D55-4618-99F0737267EA}"/>
+              </a:ext>
+            </a:extLst>
+          </p:cNvPr>
+          <p:cNvSpPr/>
+          <p:nvPr/>
+        </p:nvSpPr>
+        <p:spPr>
+          <a:xfrm>
+            <a:off x="11310375" y="7355453"/>
+            <a:ext cx="7032172" cy="1336244"/>
+          </a:xfrm>
+          <a:prstGeom prst="rect">
+            <a:avLst/>
+          </a:prstGeom>
+          <a:solidFill>
+            <a:schemeClr val="bg1"/>
+          </a:solidFill>
+          <a:ln>
+            <a:solidFill>
+              <a:schemeClr val="tx1"/>
+            </a:solidFill>
+          </a:ln>
+        </p:spPr>
+        <p:style>
+          <a:lnRef idx="2">
+            <a:schemeClr val="accent1">
+              <a:shade val="50000"/>
+            </a:schemeClr>
+          </a:lnRef>
+          <a:fillRef idx="1">
+            <a:schemeClr val="accent1"/>
+          </a:fillRef>
+          <a:effectRef idx="0">
+            <a:schemeClr val="accent1"/>
+          </a:effectRef>
+          <a:fontRef idx="minor">
+            <a:schemeClr val="lt1"/>
+          </a:fontRef>
+        </p:style>
+        <p:txBody>
+          <a:bodyPr rtlCol="0" anchor="ctr"/>
+          <a:lstStyle/>
+          <a:p>
+            <a:pPr algn="ctr"/>
+            <a:r>
+              <a:rPr lang="en-US" sz="5400" b="1" dirty="0">
+                <a:solidFill>
+                  <a:schemeClr val="tx1"/>
+                </a:solidFill>
+              </a:rPr>
+              <a:t>Pooling Over Time</a:t>
+            </a:r>
+          </a:p>
+        </p:txBody>
+      </p:sp>
+      <p:cxnSp>
+        <p:nvCxnSpPr>
+          <p:cNvPr id="34" name="Verbinder: gewinkelt 33">
+            <a:extLst>
+              <a:ext uri="{FF2B5EF4-FFF2-40B4-BE49-F238E27FC236}">
+                <a16:creationId xmlns:a16="http://schemas.microsoft.com/office/drawing/2014/main" id="{3DB9E89F-CEED-BA75-1BC2-D22E4F83F365}"/>
+              </a:ext>
+            </a:extLst>
+          </p:cNvPr>
+          <p:cNvCxnSpPr>
+            <a:cxnSpLocks/>
+            <a:stCxn id="4" idx="1"/>
+            <a:endCxn id="10" idx="1"/>
+          </p:cNvCxnSpPr>
+          <p:nvPr/>
+        </p:nvCxnSpPr>
+        <p:spPr>
+          <a:xfrm rot="10800000" flipH="1" flipV="1">
+            <a:off x="10281103" y="6026903"/>
+            <a:ext cx="1029272" cy="1996672"/>
+          </a:xfrm>
+          <a:prstGeom prst="bentConnector3">
+            <a:avLst>
+              <a:gd name="adj1" fmla="val -22210"/>
+            </a:avLst>
+          </a:prstGeom>
+          <a:ln w="152400">
+            <a:solidFill>
+              <a:schemeClr val="tx1"/>
+            </a:solidFill>
+            <a:tailEnd type="triangle"/>
+          </a:ln>
+        </p:spPr>
+        <p:style>
+          <a:lnRef idx="1">
+            <a:schemeClr val="accent1"/>
+          </a:lnRef>
+          <a:fillRef idx="0">
+            <a:schemeClr val="accent1"/>
+          </a:fillRef>
+          <a:effectRef idx="0">
+            <a:schemeClr val="accent1"/>
+          </a:effectRef>
+          <a:fontRef idx="minor">
+            <a:schemeClr val="tx1"/>
+          </a:fontRef>
+        </p:style>
+      </p:cxnSp>
+      <p:cxnSp>
+        <p:nvCxnSpPr>
+          <p:cNvPr id="37" name="Verbinder: gewinkelt 36">
+            <a:extLst>
+              <a:ext uri="{FF2B5EF4-FFF2-40B4-BE49-F238E27FC236}">
+                <a16:creationId xmlns:a16="http://schemas.microsoft.com/office/drawing/2014/main" id="{E5B801E3-A669-ADA6-2A9B-8E34F0CE1742}"/>
+              </a:ext>
+            </a:extLst>
+          </p:cNvPr>
+          <p:cNvCxnSpPr>
+            <a:cxnSpLocks/>
+            <a:stCxn id="20" idx="3"/>
+            <a:endCxn id="10" idx="3"/>
+          </p:cNvCxnSpPr>
+          <p:nvPr/>
+        </p:nvCxnSpPr>
+        <p:spPr>
+          <a:xfrm flipH="1">
+            <a:off x="18342547" y="6021211"/>
+            <a:ext cx="1029274" cy="2002364"/>
+          </a:xfrm>
+          <a:prstGeom prst="bentConnector3">
+            <a:avLst>
+              <a:gd name="adj1" fmla="val -22210"/>
+            </a:avLst>
+          </a:prstGeom>
+          <a:ln w="152400">
+            <a:solidFill>
+              <a:schemeClr val="tx1"/>
+            </a:solidFill>
+            <a:tailEnd type="triangle"/>
+          </a:ln>
+        </p:spPr>
+        <p:style>
+          <a:lnRef idx="1">
+            <a:schemeClr val="accent1"/>
+          </a:lnRef>
+          <a:fillRef idx="0">
+            <a:schemeClr val="accent1"/>
+          </a:fillRef>
+          <a:effectRef idx="0">
+            <a:schemeClr val="accent1"/>
+          </a:effectRef>
+          <a:fontRef idx="minor">
+            <a:schemeClr val="tx1"/>
+          </a:fontRef>
+        </p:style>
+      </p:cxnSp>
+      <p:sp>
+        <p:nvSpPr>
           <p:cNvPr id="8" name="Rechteck 7">
             <a:extLst>
               <a:ext uri="{FF2B5EF4-FFF2-40B4-BE49-F238E27FC236}">
@@ -22091,7 +23209,9 @@
           <a:prstGeom prst="rect">
             <a:avLst/>
           </a:prstGeom>
-          <a:noFill/>
+          <a:solidFill>
+            <a:schemeClr val="bg1"/>
+          </a:solidFill>
           <a:ln>
             <a:solidFill>
               <a:schemeClr val="tx1"/>
@@ -22132,425 +23252,6 @@
       </p:sp>
       <p:sp>
         <p:nvSpPr>
-          <p:cNvPr id="10" name="Rechteck 9">
-            <a:extLst>
-              <a:ext uri="{FF2B5EF4-FFF2-40B4-BE49-F238E27FC236}">
-                <a16:creationId xmlns:a16="http://schemas.microsoft.com/office/drawing/2014/main" id="{ACBB428D-16CB-7D55-4618-99F0737267EA}"/>
-              </a:ext>
-            </a:extLst>
-          </p:cNvPr>
-          <p:cNvSpPr/>
-          <p:nvPr/>
-        </p:nvSpPr>
-        <p:spPr>
-          <a:xfrm>
-            <a:off x="11310376" y="7131141"/>
-            <a:ext cx="7032172" cy="1336244"/>
-          </a:xfrm>
-          <a:prstGeom prst="rect">
-            <a:avLst/>
-          </a:prstGeom>
-          <a:noFill/>
-          <a:ln>
-            <a:solidFill>
-              <a:schemeClr val="tx1"/>
-            </a:solidFill>
-          </a:ln>
-        </p:spPr>
-        <p:style>
-          <a:lnRef idx="2">
-            <a:schemeClr val="accent1">
-              <a:shade val="50000"/>
-            </a:schemeClr>
-          </a:lnRef>
-          <a:fillRef idx="1">
-            <a:schemeClr val="accent1"/>
-          </a:fillRef>
-          <a:effectRef idx="0">
-            <a:schemeClr val="accent1"/>
-          </a:effectRef>
-          <a:fontRef idx="minor">
-            <a:schemeClr val="lt1"/>
-          </a:fontRef>
-        </p:style>
-        <p:txBody>
-          <a:bodyPr rtlCol="0" anchor="ctr"/>
-          <a:lstStyle/>
-          <a:p>
-            <a:pPr algn="ctr"/>
-            <a:r>
-              <a:rPr lang="en-US" sz="5400" b="1" dirty="0">
-                <a:solidFill>
-                  <a:schemeClr val="tx1"/>
-                </a:solidFill>
-              </a:rPr>
-              <a:t>Pooling Over Time</a:t>
-            </a:r>
-          </a:p>
-        </p:txBody>
-      </p:sp>
-      <p:sp>
-        <p:nvSpPr>
-          <p:cNvPr id="12" name="Rechteck 11">
-            <a:extLst>
-              <a:ext uri="{FF2B5EF4-FFF2-40B4-BE49-F238E27FC236}">
-                <a16:creationId xmlns:a16="http://schemas.microsoft.com/office/drawing/2014/main" id="{F47730CF-82A1-3D97-9B33-B9659A484F6A}"/>
-              </a:ext>
-            </a:extLst>
-          </p:cNvPr>
-          <p:cNvSpPr/>
-          <p:nvPr/>
-        </p:nvSpPr>
-        <p:spPr>
-          <a:xfrm>
-            <a:off x="11310376" y="9502998"/>
-            <a:ext cx="7032172" cy="1336244"/>
-          </a:xfrm>
-          <a:prstGeom prst="rect">
-            <a:avLst/>
-          </a:prstGeom>
-          <a:noFill/>
-          <a:ln>
-            <a:solidFill>
-              <a:schemeClr val="tx1"/>
-            </a:solidFill>
-          </a:ln>
-        </p:spPr>
-        <p:style>
-          <a:lnRef idx="2">
-            <a:schemeClr val="accent1">
-              <a:shade val="50000"/>
-            </a:schemeClr>
-          </a:lnRef>
-          <a:fillRef idx="1">
-            <a:schemeClr val="accent1"/>
-          </a:fillRef>
-          <a:effectRef idx="0">
-            <a:schemeClr val="accent1"/>
-          </a:effectRef>
-          <a:fontRef idx="minor">
-            <a:schemeClr val="lt1"/>
-          </a:fontRef>
-        </p:style>
-        <p:txBody>
-          <a:bodyPr rtlCol="0" anchor="ctr"/>
-          <a:lstStyle/>
-          <a:p>
-            <a:pPr algn="ctr"/>
-            <a:r>
-              <a:rPr lang="en-US" sz="5400" b="1" dirty="0">
-                <a:solidFill>
-                  <a:schemeClr val="tx1"/>
-                </a:solidFill>
-              </a:rPr>
-              <a:t>Concatenate</a:t>
-            </a:r>
-          </a:p>
-        </p:txBody>
-      </p:sp>
-      <p:sp>
-        <p:nvSpPr>
-          <p:cNvPr id="13" name="Rechteck 12">
-            <a:extLst>
-              <a:ext uri="{FF2B5EF4-FFF2-40B4-BE49-F238E27FC236}">
-                <a16:creationId xmlns:a16="http://schemas.microsoft.com/office/drawing/2014/main" id="{D4C75B1B-1F8B-B9E0-F491-2B722CA074B3}"/>
-              </a:ext>
-            </a:extLst>
-          </p:cNvPr>
-          <p:cNvSpPr/>
-          <p:nvPr/>
-        </p:nvSpPr>
-        <p:spPr>
-          <a:xfrm>
-            <a:off x="11310376" y="11874855"/>
-            <a:ext cx="7032172" cy="1336244"/>
-          </a:xfrm>
-          <a:prstGeom prst="rect">
-            <a:avLst/>
-          </a:prstGeom>
-          <a:noFill/>
-          <a:ln>
-            <a:solidFill>
-              <a:schemeClr val="tx1"/>
-            </a:solidFill>
-          </a:ln>
-        </p:spPr>
-        <p:style>
-          <a:lnRef idx="2">
-            <a:schemeClr val="accent1">
-              <a:shade val="50000"/>
-            </a:schemeClr>
-          </a:lnRef>
-          <a:fillRef idx="1">
-            <a:schemeClr val="accent1"/>
-          </a:fillRef>
-          <a:effectRef idx="0">
-            <a:schemeClr val="accent1"/>
-          </a:effectRef>
-          <a:fontRef idx="minor">
-            <a:schemeClr val="lt1"/>
-          </a:fontRef>
-        </p:style>
-        <p:txBody>
-          <a:bodyPr rtlCol="0" anchor="ctr"/>
-          <a:lstStyle/>
-          <a:p>
-            <a:pPr algn="ctr"/>
-            <a:r>
-              <a:rPr lang="en-US" sz="5400" b="1" dirty="0">
-                <a:solidFill>
-                  <a:schemeClr val="tx1"/>
-                </a:solidFill>
-              </a:rPr>
-              <a:t>Attention</a:t>
-            </a:r>
-          </a:p>
-        </p:txBody>
-      </p:sp>
-      <p:cxnSp>
-        <p:nvCxnSpPr>
-          <p:cNvPr id="15" name="Gerade Verbindung mit Pfeil 14">
-            <a:extLst>
-              <a:ext uri="{FF2B5EF4-FFF2-40B4-BE49-F238E27FC236}">
-                <a16:creationId xmlns:a16="http://schemas.microsoft.com/office/drawing/2014/main" id="{50107676-436C-4215-F408-F6C3368E5710}"/>
-              </a:ext>
-            </a:extLst>
-          </p:cNvPr>
-          <p:cNvCxnSpPr>
-            <a:cxnSpLocks/>
-            <a:stCxn id="10" idx="2"/>
-            <a:endCxn id="12" idx="0"/>
-          </p:cNvCxnSpPr>
-          <p:nvPr/>
-        </p:nvCxnSpPr>
-        <p:spPr>
-          <a:xfrm>
-            <a:off x="14826462" y="8467385"/>
-            <a:ext cx="0" cy="1035613"/>
-          </a:xfrm>
-          <a:prstGeom prst="straightConnector1">
-            <a:avLst/>
-          </a:prstGeom>
-          <a:ln w="152400">
-            <a:solidFill>
-              <a:schemeClr val="tx1"/>
-            </a:solidFill>
-            <a:tailEnd type="triangle"/>
-          </a:ln>
-        </p:spPr>
-        <p:style>
-          <a:lnRef idx="1">
-            <a:schemeClr val="accent1"/>
-          </a:lnRef>
-          <a:fillRef idx="0">
-            <a:schemeClr val="accent1"/>
-          </a:fillRef>
-          <a:effectRef idx="0">
-            <a:schemeClr val="accent1"/>
-          </a:effectRef>
-          <a:fontRef idx="minor">
-            <a:schemeClr val="tx1"/>
-          </a:fontRef>
-        </p:style>
-      </p:cxnSp>
-      <p:cxnSp>
-        <p:nvCxnSpPr>
-          <p:cNvPr id="16" name="Gerade Verbindung mit Pfeil 15">
-            <a:extLst>
-              <a:ext uri="{FF2B5EF4-FFF2-40B4-BE49-F238E27FC236}">
-                <a16:creationId xmlns:a16="http://schemas.microsoft.com/office/drawing/2014/main" id="{D25DF7DE-0945-7F80-3BD2-EF97A89D52B5}"/>
-              </a:ext>
-            </a:extLst>
-          </p:cNvPr>
-          <p:cNvCxnSpPr>
-            <a:stCxn id="12" idx="2"/>
-            <a:endCxn id="13" idx="0"/>
-          </p:cNvCxnSpPr>
-          <p:nvPr/>
-        </p:nvCxnSpPr>
-        <p:spPr>
-          <a:xfrm>
-            <a:off x="14826462" y="10839242"/>
-            <a:ext cx="0" cy="1035613"/>
-          </a:xfrm>
-          <a:prstGeom prst="straightConnector1">
-            <a:avLst/>
-          </a:prstGeom>
-          <a:ln w="152400">
-            <a:solidFill>
-              <a:schemeClr val="tx1"/>
-            </a:solidFill>
-            <a:tailEnd type="triangle"/>
-          </a:ln>
-        </p:spPr>
-        <p:style>
-          <a:lnRef idx="1">
-            <a:schemeClr val="accent1"/>
-          </a:lnRef>
-          <a:fillRef idx="0">
-            <a:schemeClr val="accent1"/>
-          </a:fillRef>
-          <a:effectRef idx="0">
-            <a:schemeClr val="accent1"/>
-          </a:effectRef>
-          <a:fontRef idx="minor">
-            <a:schemeClr val="tx1"/>
-          </a:fontRef>
-        </p:style>
-      </p:cxnSp>
-      <p:sp>
-        <p:nvSpPr>
-          <p:cNvPr id="25" name="Rechteck 24">
-            <a:extLst>
-              <a:ext uri="{FF2B5EF4-FFF2-40B4-BE49-F238E27FC236}">
-                <a16:creationId xmlns:a16="http://schemas.microsoft.com/office/drawing/2014/main" id="{A5104653-98BF-F557-E467-1C72EFE55C4E}"/>
-              </a:ext>
-            </a:extLst>
-          </p:cNvPr>
-          <p:cNvSpPr/>
-          <p:nvPr/>
-        </p:nvSpPr>
-        <p:spPr>
-          <a:xfrm>
-            <a:off x="11310376" y="14223615"/>
-            <a:ext cx="7032172" cy="1336244"/>
-          </a:xfrm>
-          <a:prstGeom prst="rect">
-            <a:avLst/>
-          </a:prstGeom>
-          <a:noFill/>
-          <a:ln>
-            <a:solidFill>
-              <a:schemeClr val="tx1"/>
-            </a:solidFill>
-          </a:ln>
-        </p:spPr>
-        <p:style>
-          <a:lnRef idx="2">
-            <a:schemeClr val="accent1">
-              <a:shade val="50000"/>
-            </a:schemeClr>
-          </a:lnRef>
-          <a:fillRef idx="1">
-            <a:schemeClr val="accent1"/>
-          </a:fillRef>
-          <a:effectRef idx="0">
-            <a:schemeClr val="accent1"/>
-          </a:effectRef>
-          <a:fontRef idx="minor">
-            <a:schemeClr val="lt1"/>
-          </a:fontRef>
-        </p:style>
-        <p:txBody>
-          <a:bodyPr rtlCol="0" anchor="ctr"/>
-          <a:lstStyle/>
-          <a:p>
-            <a:pPr algn="ctr"/>
-            <a:r>
-              <a:rPr lang="en-US" sz="5400" b="1" dirty="0">
-                <a:solidFill>
-                  <a:schemeClr val="tx1"/>
-                </a:solidFill>
-              </a:rPr>
-              <a:t>Weighted Sum</a:t>
-            </a:r>
-          </a:p>
-        </p:txBody>
-      </p:sp>
-      <p:cxnSp>
-        <p:nvCxnSpPr>
-          <p:cNvPr id="31" name="Gerade Verbindung mit Pfeil 30">
-            <a:extLst>
-              <a:ext uri="{FF2B5EF4-FFF2-40B4-BE49-F238E27FC236}">
-                <a16:creationId xmlns:a16="http://schemas.microsoft.com/office/drawing/2014/main" id="{A52E6239-BD7B-5F43-FEAF-30D59FC180C0}"/>
-              </a:ext>
-            </a:extLst>
-          </p:cNvPr>
-          <p:cNvCxnSpPr>
-            <a:cxnSpLocks/>
-            <a:stCxn id="13" idx="2"/>
-            <a:endCxn id="25" idx="0"/>
-          </p:cNvCxnSpPr>
-          <p:nvPr/>
-        </p:nvCxnSpPr>
-        <p:spPr>
-          <a:xfrm>
-            <a:off x="14826462" y="13211099"/>
-            <a:ext cx="0" cy="1012516"/>
-          </a:xfrm>
-          <a:prstGeom prst="straightConnector1">
-            <a:avLst/>
-          </a:prstGeom>
-          <a:ln w="152400">
-            <a:solidFill>
-              <a:schemeClr val="tx1"/>
-            </a:solidFill>
-            <a:tailEnd type="triangle"/>
-          </a:ln>
-        </p:spPr>
-        <p:style>
-          <a:lnRef idx="1">
-            <a:schemeClr val="accent1"/>
-          </a:lnRef>
-          <a:fillRef idx="0">
-            <a:schemeClr val="accent1"/>
-          </a:fillRef>
-          <a:effectRef idx="0">
-            <a:schemeClr val="accent1"/>
-          </a:effectRef>
-          <a:fontRef idx="minor">
-            <a:schemeClr val="tx1"/>
-          </a:fontRef>
-        </p:style>
-      </p:cxnSp>
-      <p:cxnSp>
-        <p:nvCxnSpPr>
-          <p:cNvPr id="33" name="Gerade Verbindung mit Pfeil 32">
-            <a:extLst>
-              <a:ext uri="{FF2B5EF4-FFF2-40B4-BE49-F238E27FC236}">
-                <a16:creationId xmlns:a16="http://schemas.microsoft.com/office/drawing/2014/main" id="{860387E1-A9AD-5883-8F74-656E01C3F623}"/>
-              </a:ext>
-            </a:extLst>
-          </p:cNvPr>
-          <p:cNvCxnSpPr>
-            <a:cxnSpLocks/>
-            <a:stCxn id="25" idx="2"/>
-            <a:endCxn id="92" idx="0"/>
-          </p:cNvCxnSpPr>
-          <p:nvPr/>
-        </p:nvCxnSpPr>
-        <p:spPr>
-          <a:xfrm>
-            <a:off x="14826462" y="15559859"/>
-            <a:ext cx="0" cy="1012516"/>
-          </a:xfrm>
-          <a:prstGeom prst="straightConnector1">
-            <a:avLst/>
-          </a:prstGeom>
-          <a:ln w="152400">
-            <a:solidFill>
-              <a:schemeClr val="tx1"/>
-            </a:solidFill>
-            <a:tailEnd type="triangle"/>
-          </a:ln>
-        </p:spPr>
-        <p:style>
-          <a:lnRef idx="1">
-            <a:schemeClr val="accent1"/>
-          </a:lnRef>
-          <a:fillRef idx="0">
-            <a:schemeClr val="accent1"/>
-          </a:fillRef>
-          <a:effectRef idx="0">
-            <a:schemeClr val="accent1"/>
-          </a:effectRef>
-          <a:fontRef idx="minor">
-            <a:schemeClr val="tx1"/>
-          </a:fontRef>
-        </p:style>
-      </p:cxnSp>
-      <p:sp>
-        <p:nvSpPr>
           <p:cNvPr id="52" name="Rechteck 51">
             <a:extLst>
               <a:ext uri="{FF2B5EF4-FFF2-40B4-BE49-F238E27FC236}">
@@ -22569,7 +23270,9 @@
           <a:prstGeom prst="rect">
             <a:avLst/>
           </a:prstGeom>
-          <a:noFill/>
+          <a:solidFill>
+            <a:schemeClr val="bg1"/>
+          </a:solidFill>
           <a:ln>
             <a:solidFill>
               <a:schemeClr val="tx1"/>
@@ -22628,7 +23331,9 @@
           <a:prstGeom prst="rect">
             <a:avLst/>
           </a:prstGeom>
-          <a:noFill/>
+          <a:solidFill>
+            <a:schemeClr val="bg1"/>
+          </a:solidFill>
           <a:ln>
             <a:solidFill>
               <a:schemeClr val="tx1"/>
@@ -22667,381 +23372,6 @@
           </a:p>
         </p:txBody>
       </p:sp>
-      <p:sp>
-        <p:nvSpPr>
-          <p:cNvPr id="92" name="Rechteck 91">
-            <a:extLst>
-              <a:ext uri="{FF2B5EF4-FFF2-40B4-BE49-F238E27FC236}">
-                <a16:creationId xmlns:a16="http://schemas.microsoft.com/office/drawing/2014/main" id="{D1637578-6A3F-1845-69CD-F6CC168DE4F2}"/>
-              </a:ext>
-            </a:extLst>
-          </p:cNvPr>
-          <p:cNvSpPr/>
-          <p:nvPr/>
-        </p:nvSpPr>
-        <p:spPr>
-          <a:xfrm>
-            <a:off x="11310376" y="16572375"/>
-            <a:ext cx="7032172" cy="1336244"/>
-          </a:xfrm>
-          <a:prstGeom prst="rect">
-            <a:avLst/>
-          </a:prstGeom>
-          <a:noFill/>
-          <a:ln>
-            <a:solidFill>
-              <a:schemeClr val="tx1"/>
-            </a:solidFill>
-          </a:ln>
-        </p:spPr>
-        <p:style>
-          <a:lnRef idx="2">
-            <a:schemeClr val="accent1">
-              <a:shade val="50000"/>
-            </a:schemeClr>
-          </a:lnRef>
-          <a:fillRef idx="1">
-            <a:schemeClr val="accent1"/>
-          </a:fillRef>
-          <a:effectRef idx="0">
-            <a:schemeClr val="accent1"/>
-          </a:effectRef>
-          <a:fontRef idx="minor">
-            <a:schemeClr val="lt1"/>
-          </a:fontRef>
-        </p:style>
-        <p:txBody>
-          <a:bodyPr rtlCol="0" anchor="ctr"/>
-          <a:lstStyle/>
-          <a:p>
-            <a:pPr algn="ctr"/>
-            <a:r>
-              <a:rPr lang="en-US" sz="5400" b="1" dirty="0">
-                <a:solidFill>
-                  <a:schemeClr val="tx1"/>
-                </a:solidFill>
-              </a:rPr>
-              <a:t>Pooling Over Features</a:t>
-            </a:r>
-          </a:p>
-        </p:txBody>
-      </p:sp>
-      <p:cxnSp>
-        <p:nvCxnSpPr>
-          <p:cNvPr id="94" name="Gerade Verbindung mit Pfeil 93">
-            <a:extLst>
-              <a:ext uri="{FF2B5EF4-FFF2-40B4-BE49-F238E27FC236}">
-                <a16:creationId xmlns:a16="http://schemas.microsoft.com/office/drawing/2014/main" id="{3B0B94B7-11D7-7BB8-5181-750275689757}"/>
-              </a:ext>
-            </a:extLst>
-          </p:cNvPr>
-          <p:cNvCxnSpPr>
-            <a:cxnSpLocks/>
-            <a:stCxn id="92" idx="2"/>
-          </p:cNvCxnSpPr>
-          <p:nvPr/>
-        </p:nvCxnSpPr>
-        <p:spPr>
-          <a:xfrm>
-            <a:off x="14826462" y="17908619"/>
-            <a:ext cx="0" cy="2149187"/>
-          </a:xfrm>
-          <a:prstGeom prst="straightConnector1">
-            <a:avLst/>
-          </a:prstGeom>
-          <a:ln w="152400">
-            <a:solidFill>
-              <a:schemeClr val="tx1"/>
-            </a:solidFill>
-            <a:tailEnd type="triangle"/>
-          </a:ln>
-        </p:spPr>
-        <p:style>
-          <a:lnRef idx="1">
-            <a:schemeClr val="accent1"/>
-          </a:lnRef>
-          <a:fillRef idx="0">
-            <a:schemeClr val="accent1"/>
-          </a:fillRef>
-          <a:effectRef idx="0">
-            <a:schemeClr val="accent1"/>
-          </a:effectRef>
-          <a:fontRef idx="minor">
-            <a:schemeClr val="tx1"/>
-          </a:fontRef>
-        </p:style>
-      </p:cxnSp>
-      <p:cxnSp>
-        <p:nvCxnSpPr>
-          <p:cNvPr id="103" name="Gerade Verbindung mit Pfeil 102">
-            <a:extLst>
-              <a:ext uri="{FF2B5EF4-FFF2-40B4-BE49-F238E27FC236}">
-                <a16:creationId xmlns:a16="http://schemas.microsoft.com/office/drawing/2014/main" id="{BA0C9B52-0437-3515-F1F1-753F5AB11E90}"/>
-              </a:ext>
-            </a:extLst>
-          </p:cNvPr>
-          <p:cNvCxnSpPr>
-            <a:cxnSpLocks/>
-          </p:cNvCxnSpPr>
-          <p:nvPr/>
-        </p:nvCxnSpPr>
-        <p:spPr>
-          <a:xfrm>
-            <a:off x="6795669" y="4039048"/>
-            <a:ext cx="7032172" cy="3092093"/>
-          </a:xfrm>
-          <a:prstGeom prst="straightConnector1">
-            <a:avLst/>
-          </a:prstGeom>
-          <a:ln w="152400">
-            <a:solidFill>
-              <a:schemeClr val="tx1"/>
-            </a:solidFill>
-            <a:tailEnd type="triangle"/>
-          </a:ln>
-        </p:spPr>
-        <p:style>
-          <a:lnRef idx="1">
-            <a:schemeClr val="accent1"/>
-          </a:lnRef>
-          <a:fillRef idx="0">
-            <a:schemeClr val="accent1"/>
-          </a:fillRef>
-          <a:effectRef idx="0">
-            <a:schemeClr val="accent1"/>
-          </a:effectRef>
-          <a:fontRef idx="minor">
-            <a:schemeClr val="tx1"/>
-          </a:fontRef>
-        </p:style>
-      </p:cxnSp>
-      <p:cxnSp>
-        <p:nvCxnSpPr>
-          <p:cNvPr id="106" name="Gerade Verbindung mit Pfeil 105">
-            <a:extLst>
-              <a:ext uri="{FF2B5EF4-FFF2-40B4-BE49-F238E27FC236}">
-                <a16:creationId xmlns:a16="http://schemas.microsoft.com/office/drawing/2014/main" id="{977FE689-4625-6BDD-315A-7A54E706E45F}"/>
-              </a:ext>
-            </a:extLst>
-          </p:cNvPr>
-          <p:cNvCxnSpPr>
-            <a:cxnSpLocks/>
-            <a:stCxn id="52" idx="2"/>
-            <a:endCxn id="10" idx="0"/>
-          </p:cNvCxnSpPr>
-          <p:nvPr/>
-        </p:nvCxnSpPr>
-        <p:spPr>
-          <a:xfrm>
-            <a:off x="14826462" y="4039048"/>
-            <a:ext cx="0" cy="3092093"/>
-          </a:xfrm>
-          <a:prstGeom prst="straightConnector1">
-            <a:avLst/>
-          </a:prstGeom>
-          <a:ln w="152400">
-            <a:solidFill>
-              <a:schemeClr val="tx1"/>
-            </a:solidFill>
-            <a:tailEnd type="triangle"/>
-          </a:ln>
-        </p:spPr>
-        <p:style>
-          <a:lnRef idx="1">
-            <a:schemeClr val="accent1"/>
-          </a:lnRef>
-          <a:fillRef idx="0">
-            <a:schemeClr val="accent1"/>
-          </a:fillRef>
-          <a:effectRef idx="0">
-            <a:schemeClr val="accent1"/>
-          </a:effectRef>
-          <a:fontRef idx="minor">
-            <a:schemeClr val="tx1"/>
-          </a:fontRef>
-        </p:style>
-      </p:cxnSp>
-      <p:cxnSp>
-        <p:nvCxnSpPr>
-          <p:cNvPr id="109" name="Gerade Verbindung mit Pfeil 108">
-            <a:extLst>
-              <a:ext uri="{FF2B5EF4-FFF2-40B4-BE49-F238E27FC236}">
-                <a16:creationId xmlns:a16="http://schemas.microsoft.com/office/drawing/2014/main" id="{45A40FCE-2138-2EA6-9AB2-5142C5CED0B5}"/>
-              </a:ext>
-            </a:extLst>
-          </p:cNvPr>
-          <p:cNvCxnSpPr>
-            <a:cxnSpLocks/>
-            <a:stCxn id="88" idx="2"/>
-          </p:cNvCxnSpPr>
-          <p:nvPr/>
-        </p:nvCxnSpPr>
-        <p:spPr>
-          <a:xfrm flipH="1">
-            <a:off x="15588462" y="4039048"/>
-            <a:ext cx="7350172" cy="3092093"/>
-          </a:xfrm>
-          <a:prstGeom prst="straightConnector1">
-            <a:avLst/>
-          </a:prstGeom>
-          <a:ln w="152400">
-            <a:solidFill>
-              <a:schemeClr val="tx1"/>
-            </a:solidFill>
-            <a:tailEnd type="triangle"/>
-          </a:ln>
-        </p:spPr>
-        <p:style>
-          <a:lnRef idx="1">
-            <a:schemeClr val="accent1"/>
-          </a:lnRef>
-          <a:fillRef idx="0">
-            <a:schemeClr val="accent1"/>
-          </a:fillRef>
-          <a:effectRef idx="0">
-            <a:schemeClr val="accent1"/>
-          </a:effectRef>
-          <a:fontRef idx="minor">
-            <a:schemeClr val="tx1"/>
-          </a:fontRef>
-        </p:style>
-      </p:cxnSp>
-      <p:cxnSp>
-        <p:nvCxnSpPr>
-          <p:cNvPr id="119" name="Verbinder: gewinkelt 118">
-            <a:extLst>
-              <a:ext uri="{FF2B5EF4-FFF2-40B4-BE49-F238E27FC236}">
-                <a16:creationId xmlns:a16="http://schemas.microsoft.com/office/drawing/2014/main" id="{526EE649-B4DD-A68B-0A2D-7050C12126B9}"/>
-              </a:ext>
-            </a:extLst>
-          </p:cNvPr>
-          <p:cNvCxnSpPr>
-            <a:cxnSpLocks/>
-            <a:stCxn id="12" idx="1"/>
-            <a:endCxn id="25" idx="1"/>
-          </p:cNvCxnSpPr>
-          <p:nvPr/>
-        </p:nvCxnSpPr>
-        <p:spPr>
-          <a:xfrm rot="10800000" flipV="1">
-            <a:off x="11310376" y="10171119"/>
-            <a:ext cx="12700" cy="4720617"/>
-          </a:xfrm>
-          <a:prstGeom prst="bentConnector3">
-            <a:avLst>
-              <a:gd name="adj1" fmla="val 9232260"/>
-            </a:avLst>
-          </a:prstGeom>
-          <a:ln w="152400">
-            <a:solidFill>
-              <a:schemeClr val="tx1"/>
-            </a:solidFill>
-            <a:tailEnd type="triangle"/>
-          </a:ln>
-        </p:spPr>
-        <p:style>
-          <a:lnRef idx="1">
-            <a:schemeClr val="accent1"/>
-          </a:lnRef>
-          <a:fillRef idx="0">
-            <a:schemeClr val="accent1"/>
-          </a:fillRef>
-          <a:effectRef idx="0">
-            <a:schemeClr val="accent1"/>
-          </a:effectRef>
-          <a:fontRef idx="minor">
-            <a:schemeClr val="tx1"/>
-          </a:fontRef>
-        </p:style>
-      </p:cxnSp>
-      <p:cxnSp>
-        <p:nvCxnSpPr>
-          <p:cNvPr id="3" name="Gerade Verbindung mit Pfeil 2">
-            <a:extLst>
-              <a:ext uri="{FF2B5EF4-FFF2-40B4-BE49-F238E27FC236}">
-                <a16:creationId xmlns:a16="http://schemas.microsoft.com/office/drawing/2014/main" id="{55FA6BD3-9B1D-9792-E530-3F39864BC9EC}"/>
-              </a:ext>
-            </a:extLst>
-          </p:cNvPr>
-          <p:cNvCxnSpPr>
-            <a:cxnSpLocks/>
-          </p:cNvCxnSpPr>
-          <p:nvPr/>
-        </p:nvCxnSpPr>
-        <p:spPr>
-          <a:xfrm>
-            <a:off x="13500100" y="8467385"/>
-            <a:ext cx="0" cy="1035613"/>
-          </a:xfrm>
-          <a:prstGeom prst="straightConnector1">
-            <a:avLst/>
-          </a:prstGeom>
-          <a:ln w="152400">
-            <a:solidFill>
-              <a:schemeClr val="tx1"/>
-            </a:solidFill>
-            <a:tailEnd type="triangle"/>
-          </a:ln>
-        </p:spPr>
-        <p:style>
-          <a:lnRef idx="1">
-            <a:schemeClr val="accent1"/>
-          </a:lnRef>
-          <a:fillRef idx="0">
-            <a:schemeClr val="accent1"/>
-          </a:fillRef>
-          <a:effectRef idx="0">
-            <a:schemeClr val="accent1"/>
-          </a:effectRef>
-          <a:fontRef idx="minor">
-            <a:schemeClr val="tx1"/>
-          </a:fontRef>
-        </p:style>
-      </p:cxnSp>
-      <p:cxnSp>
-        <p:nvCxnSpPr>
-          <p:cNvPr id="7" name="Gerade Verbindung mit Pfeil 6">
-            <a:extLst>
-              <a:ext uri="{FF2B5EF4-FFF2-40B4-BE49-F238E27FC236}">
-                <a16:creationId xmlns:a16="http://schemas.microsoft.com/office/drawing/2014/main" id="{BF6B70B7-A3EB-4ADF-715B-3F00404CC565}"/>
-              </a:ext>
-            </a:extLst>
-          </p:cNvPr>
-          <p:cNvCxnSpPr>
-            <a:cxnSpLocks/>
-          </p:cNvCxnSpPr>
-          <p:nvPr/>
-        </p:nvCxnSpPr>
-        <p:spPr>
-          <a:xfrm>
-            <a:off x="15962563" y="8467385"/>
-            <a:ext cx="0" cy="1035613"/>
-          </a:xfrm>
-          <a:prstGeom prst="straightConnector1">
-            <a:avLst/>
-          </a:prstGeom>
-          <a:ln w="152400">
-            <a:solidFill>
-              <a:schemeClr val="tx1"/>
-            </a:solidFill>
-            <a:tailEnd type="triangle"/>
-          </a:ln>
-        </p:spPr>
-        <p:style>
-          <a:lnRef idx="1">
-            <a:schemeClr val="accent1"/>
-          </a:lnRef>
-          <a:fillRef idx="0">
-            <a:schemeClr val="accent1"/>
-          </a:fillRef>
-          <a:effectRef idx="0">
-            <a:schemeClr val="accent1"/>
-          </a:effectRef>
-          <a:fontRef idx="minor">
-            <a:schemeClr val="tx1"/>
-          </a:fontRef>
-        </p:style>
-      </p:cxnSp>
     </p:spTree>
     <p:extLst>
       <p:ext uri="{BB962C8B-B14F-4D97-AF65-F5344CB8AC3E}">
